--- a/Presentations/CDR_Presentation.pptx
+++ b/Presentations/CDR_Presentation.pptx
@@ -9,9 +9,9 @@
   </p:notesMasterIdLst>
   <p:sldIdLst>
     <p:sldId id="256" r:id="rId2"/>
-    <p:sldId id="259" r:id="rId3"/>
-    <p:sldId id="258" r:id="rId4"/>
-    <p:sldId id="257" r:id="rId5"/>
+    <p:sldId id="257" r:id="rId3"/>
+    <p:sldId id="259" r:id="rId4"/>
+    <p:sldId id="258" r:id="rId5"/>
   </p:sldIdLst>
   <p:sldSz cx="12192000" cy="6858000"/>
   <p:notesSz cx="6858000" cy="9144000"/>
@@ -533,7 +533,7 @@
           <a:p>
             <a:fld id="{A42E6D89-32EA-4356-9CEB-BD1BF313CB8D}" type="slidenum">
               <a:rPr lang="en-US" smtClean="0"/>
-              <a:t>2</a:t>
+              <a:t>3</a:t>
             </a:fld>
             <a:endParaRPr lang="en-US"/>
           </a:p>
@@ -6612,378 +6612,6 @@
       </p:grpSpPr>
       <p:sp>
         <p:nvSpPr>
-          <p:cNvPr id="4" name="Title 1"/>
-          <p:cNvSpPr>
-            <a:spLocks noGrp="1"/>
-          </p:cNvSpPr>
-          <p:nvPr>
-            <p:ph type="title"/>
-          </p:nvPr>
-        </p:nvSpPr>
-        <p:spPr>
-          <a:xfrm>
-            <a:off x="838200" y="365125"/>
-            <a:ext cx="10515600" cy="688975"/>
-          </a:xfrm>
-        </p:spPr>
-        <p:txBody>
-          <a:bodyPr>
-            <a:normAutofit fontScale="90000"/>
-          </a:bodyPr>
-          <a:lstStyle/>
-          <a:p>
-            <a:r>
-              <a:rPr lang="en-US" dirty="0" smtClean="0"/>
-              <a:t>Requirements</a:t>
-            </a:r>
-            <a:endParaRPr lang="en-US" dirty="0"/>
-          </a:p>
-        </p:txBody>
-      </p:sp>
-      <p:sp>
-        <p:nvSpPr>
-          <p:cNvPr id="3" name="Content Placeholder 2"/>
-          <p:cNvSpPr>
-            <a:spLocks noGrp="1"/>
-          </p:cNvSpPr>
-          <p:nvPr>
-            <p:ph idx="1"/>
-          </p:nvPr>
-        </p:nvSpPr>
-        <p:spPr>
-          <a:xfrm>
-            <a:off x="838200" y="939800"/>
-            <a:ext cx="10515600" cy="5237163"/>
-          </a:xfrm>
-        </p:spPr>
-        <p:txBody>
-          <a:bodyPr/>
-          <a:lstStyle/>
-          <a:p>
-            <a:pPr marL="0" indent="0">
-              <a:buNone/>
-            </a:pPr>
-            <a:endParaRPr lang="en-US" dirty="0"/>
-          </a:p>
-          <a:p>
-            <a:pPr lvl="1"/>
-            <a:endParaRPr lang="en-US" dirty="0" smtClean="0"/>
-          </a:p>
-          <a:p>
-            <a:pPr lvl="1"/>
-            <a:r>
-              <a:rPr lang="en-US" dirty="0" smtClean="0"/>
-              <a:t>The CubeSat must determine and relay a relative position solution (i.e., relative to the formation) with an accuracy of 10 meters (1 standard deviation)</a:t>
-            </a:r>
-          </a:p>
-          <a:p>
-            <a:pPr lvl="1"/>
-            <a:endParaRPr lang="en-US" dirty="0" smtClean="0"/>
-          </a:p>
-          <a:p>
-            <a:pPr lvl="1"/>
-            <a:r>
-              <a:rPr lang="en-US" dirty="0" smtClean="0"/>
-              <a:t>The </a:t>
-            </a:r>
-            <a:r>
-              <a:rPr lang="en-US" dirty="0" smtClean="0"/>
-              <a:t>CubeSat must determine and relay a </a:t>
-            </a:r>
-            <a:r>
-              <a:rPr lang="en-US" dirty="0"/>
-              <a:t>relative attitude solution with an accuracy of 10 </a:t>
-            </a:r>
-            <a:r>
-              <a:rPr lang="en-US" dirty="0" err="1" smtClean="0"/>
-              <a:t>mRad</a:t>
-            </a:r>
-            <a:r>
-              <a:rPr lang="en-US" dirty="0"/>
-              <a:t>.</a:t>
-            </a:r>
-          </a:p>
-          <a:p>
-            <a:pPr lvl="1"/>
-            <a:endParaRPr lang="en-US" dirty="0" smtClean="0"/>
-          </a:p>
-          <a:p>
-            <a:pPr lvl="1"/>
-            <a:r>
-              <a:rPr lang="en-US" dirty="0" smtClean="0"/>
-              <a:t>The </a:t>
-            </a:r>
-            <a:r>
-              <a:rPr lang="en-US" dirty="0" smtClean="0"/>
-              <a:t>CubeSat must maintain a clock </a:t>
-            </a:r>
-            <a:r>
-              <a:rPr lang="en-US" dirty="0"/>
-              <a:t>offset or timing accuracy (relative to the formation) better than 10 µs.</a:t>
-            </a:r>
-          </a:p>
-          <a:p>
-            <a:pPr lvl="1"/>
-            <a:endParaRPr lang="en-US" dirty="0"/>
-          </a:p>
-          <a:p>
-            <a:pPr lvl="1"/>
-            <a:endParaRPr lang="en-US" dirty="0"/>
-          </a:p>
-        </p:txBody>
-      </p:sp>
-    </p:spTree>
-    <p:extLst>
-      <p:ext uri="{BB962C8B-B14F-4D97-AF65-F5344CB8AC3E}">
-        <p14:creationId xmlns:p14="http://schemas.microsoft.com/office/powerpoint/2010/main" val="1456631454"/>
-      </p:ext>
-    </p:extLst>
-  </p:cSld>
-  <p:clrMapOvr>
-    <a:masterClrMapping/>
-  </p:clrMapOvr>
-  <p:timing>
-    <p:tnLst>
-      <p:par>
-        <p:cTn id="1" dur="indefinite" restart="never" nodeType="tmRoot"/>
-      </p:par>
-    </p:tnLst>
-  </p:timing>
-</p:sld>
-</file>
-
-<file path=ppt/slides/slide3.xml><?xml version="1.0" encoding="utf-8"?>
-<p:sld xmlns:a="http://schemas.openxmlformats.org/drawingml/2006/main" xmlns:r="http://schemas.openxmlformats.org/officeDocument/2006/relationships" xmlns:p="http://schemas.openxmlformats.org/presentationml/2006/main">
-  <p:cSld>
-    <p:spTree>
-      <p:nvGrpSpPr>
-        <p:cNvPr id="1" name=""/>
-        <p:cNvGrpSpPr/>
-        <p:nvPr/>
-      </p:nvGrpSpPr>
-      <p:grpSpPr>
-        <a:xfrm>
-          <a:off x="0" y="0"/>
-          <a:ext cx="0" cy="0"/>
-          <a:chOff x="0" y="0"/>
-          <a:chExt cx="0" cy="0"/>
-        </a:xfrm>
-      </p:grpSpPr>
-      <p:sp>
-        <p:nvSpPr>
-          <p:cNvPr id="2" name="Title 1"/>
-          <p:cNvSpPr>
-            <a:spLocks noGrp="1"/>
-          </p:cNvSpPr>
-          <p:nvPr>
-            <p:ph type="title"/>
-          </p:nvPr>
-        </p:nvSpPr>
-        <p:spPr>
-          <a:xfrm>
-            <a:off x="838200" y="365125"/>
-            <a:ext cx="10515600" cy="688975"/>
-          </a:xfrm>
-        </p:spPr>
-        <p:txBody>
-          <a:bodyPr>
-            <a:normAutofit fontScale="90000"/>
-          </a:bodyPr>
-          <a:lstStyle/>
-          <a:p>
-            <a:r>
-              <a:rPr lang="en-US" dirty="0" smtClean="0"/>
-              <a:t>Requirements - </a:t>
-            </a:r>
-            <a:r>
-              <a:rPr lang="en-US" sz="2700" dirty="0" smtClean="0"/>
-              <a:t>Implied</a:t>
-            </a:r>
-            <a:endParaRPr lang="en-US" sz="2700" dirty="0"/>
-          </a:p>
-        </p:txBody>
-      </p:sp>
-      <p:sp>
-        <p:nvSpPr>
-          <p:cNvPr id="3" name="Content Placeholder 2"/>
-          <p:cNvSpPr>
-            <a:spLocks noGrp="1"/>
-          </p:cNvSpPr>
-          <p:nvPr>
-            <p:ph idx="1"/>
-          </p:nvPr>
-        </p:nvSpPr>
-        <p:spPr>
-          <a:xfrm>
-            <a:off x="838200" y="1054100"/>
-            <a:ext cx="10515600" cy="5384800"/>
-          </a:xfrm>
-        </p:spPr>
-        <p:txBody>
-          <a:bodyPr>
-            <a:normAutofit/>
-          </a:bodyPr>
-          <a:lstStyle/>
-          <a:p>
-            <a:r>
-              <a:rPr lang="en-US" dirty="0" smtClean="0"/>
-              <a:t>Must </a:t>
-            </a:r>
-            <a:r>
-              <a:rPr lang="en-US" dirty="0" smtClean="0"/>
-              <a:t>accept HAXDT as payload</a:t>
-            </a:r>
-          </a:p>
-          <a:p>
-            <a:pPr lvl="1"/>
-            <a:r>
-              <a:rPr lang="en-US" dirty="0" smtClean="0"/>
-              <a:t>Supplies payload with power (5W) and communication requirements</a:t>
-            </a:r>
-          </a:p>
-          <a:p>
-            <a:pPr lvl="1"/>
-            <a:r>
-              <a:rPr lang="en-US" dirty="0" smtClean="0"/>
-              <a:t>Provides environmental data to payload with priority</a:t>
-            </a:r>
-          </a:p>
-          <a:p>
-            <a:pPr lvl="1"/>
-            <a:r>
-              <a:rPr lang="en-US" dirty="0" smtClean="0"/>
-              <a:t>Receives data from payload to transmit to ground network</a:t>
-            </a:r>
-          </a:p>
-          <a:p>
-            <a:r>
-              <a:rPr lang="en-US" dirty="0" smtClean="0"/>
-              <a:t>Must meet </a:t>
-            </a:r>
-            <a:r>
-              <a:rPr lang="en-US" dirty="0" smtClean="0"/>
-              <a:t>NASA </a:t>
-            </a:r>
-            <a:r>
-              <a:rPr lang="en-US" dirty="0" smtClean="0"/>
-              <a:t>CubeSat </a:t>
-            </a:r>
-            <a:r>
-              <a:rPr lang="en-US" dirty="0" smtClean="0"/>
-              <a:t>Launch Initiative requirements</a:t>
-            </a:r>
-            <a:endParaRPr lang="en-US" dirty="0" smtClean="0"/>
-          </a:p>
-          <a:p>
-            <a:pPr lvl="1"/>
-            <a:r>
-              <a:rPr lang="en-US" dirty="0" smtClean="0"/>
-              <a:t>Structural, electrical, and other requirements are listed at </a:t>
-            </a:r>
-          </a:p>
-          <a:p>
-            <a:pPr lvl="2"/>
-            <a:r>
-              <a:rPr lang="en-US" dirty="0">
-                <a:hlinkClick r:id="rId2"/>
-              </a:rPr>
-              <a:t>http://</a:t>
-            </a:r>
-            <a:r>
-              <a:rPr lang="en-US" dirty="0" smtClean="0">
-                <a:hlinkClick r:id="rId2"/>
-              </a:rPr>
-              <a:t>www.nasa.gov/pdf/627972main_LSP-REQ-317_01A.pdf</a:t>
-            </a:r>
-            <a:endParaRPr lang="en-US" dirty="0"/>
-          </a:p>
-          <a:p>
-            <a:r>
-              <a:rPr lang="en-US" dirty="0" smtClean="0"/>
-              <a:t>Must have the following subsystems </a:t>
-            </a:r>
-          </a:p>
-          <a:p>
-            <a:pPr lvl="1"/>
-            <a:r>
-              <a:rPr lang="en-US" dirty="0" smtClean="0"/>
-              <a:t>Structure</a:t>
-            </a:r>
-          </a:p>
-          <a:p>
-            <a:pPr lvl="1"/>
-            <a:r>
-              <a:rPr lang="en-US" dirty="0" smtClean="0"/>
-              <a:t>Attitude </a:t>
-            </a:r>
-            <a:r>
-              <a:rPr lang="en-US" dirty="0" smtClean="0"/>
-              <a:t>Determination and Navigation Systems</a:t>
-            </a:r>
-            <a:endParaRPr lang="en-US" dirty="0" smtClean="0"/>
-          </a:p>
-          <a:p>
-            <a:pPr lvl="1"/>
-            <a:r>
-              <a:rPr lang="en-US" dirty="0" smtClean="0"/>
-              <a:t>Communication</a:t>
-            </a:r>
-          </a:p>
-          <a:p>
-            <a:pPr lvl="1"/>
-            <a:r>
-              <a:rPr lang="en-US" dirty="0" smtClean="0"/>
-              <a:t>Power Management</a:t>
-            </a:r>
-            <a:endParaRPr lang="en-US" dirty="0" smtClean="0"/>
-          </a:p>
-          <a:p>
-            <a:pPr marL="0" indent="0">
-              <a:buNone/>
-            </a:pPr>
-            <a:endParaRPr lang="en-US" dirty="0"/>
-          </a:p>
-        </p:txBody>
-      </p:sp>
-    </p:spTree>
-    <p:extLst>
-      <p:ext uri="{BB962C8B-B14F-4D97-AF65-F5344CB8AC3E}">
-        <p14:creationId xmlns:p14="http://schemas.microsoft.com/office/powerpoint/2010/main" val="2438159543"/>
-      </p:ext>
-    </p:extLst>
-  </p:cSld>
-  <p:clrMapOvr>
-    <a:masterClrMapping/>
-  </p:clrMapOvr>
-  <p:timing>
-    <p:tnLst>
-      <p:par>
-        <p:cTn id="1" dur="indefinite" restart="never" nodeType="tmRoot"/>
-      </p:par>
-    </p:tnLst>
-  </p:timing>
-</p:sld>
-</file>
-
-<file path=ppt/slides/slide4.xml><?xml version="1.0" encoding="utf-8"?>
-<p:sld xmlns:a="http://schemas.openxmlformats.org/drawingml/2006/main" xmlns:r="http://schemas.openxmlformats.org/officeDocument/2006/relationships" xmlns:p="http://schemas.openxmlformats.org/presentationml/2006/main">
-  <p:cSld>
-    <p:spTree>
-      <p:nvGrpSpPr>
-        <p:cNvPr id="1" name=""/>
-        <p:cNvGrpSpPr/>
-        <p:nvPr/>
-      </p:nvGrpSpPr>
-      <p:grpSpPr>
-        <a:xfrm>
-          <a:off x="0" y="0"/>
-          <a:ext cx="0" cy="0"/>
-          <a:chOff x="0" y="0"/>
-          <a:chExt cx="0" cy="0"/>
-        </a:xfrm>
-      </p:grpSpPr>
-      <p:sp>
-        <p:nvSpPr>
           <p:cNvPr id="2" name="Title 1"/>
           <p:cNvSpPr>
             <a:spLocks noGrp="1"/>
@@ -7423,6 +7051,392 @@
             </p:seq>
           </p:childTnLst>
         </p:cTn>
+      </p:par>
+    </p:tnLst>
+  </p:timing>
+</p:sld>
+</file>
+
+<file path=ppt/slides/slide3.xml><?xml version="1.0" encoding="utf-8"?>
+<p:sld xmlns:a="http://schemas.openxmlformats.org/drawingml/2006/main" xmlns:r="http://schemas.openxmlformats.org/officeDocument/2006/relationships" xmlns:p="http://schemas.openxmlformats.org/presentationml/2006/main">
+  <p:cSld>
+    <p:spTree>
+      <p:nvGrpSpPr>
+        <p:cNvPr id="1" name=""/>
+        <p:cNvGrpSpPr/>
+        <p:nvPr/>
+      </p:nvGrpSpPr>
+      <p:grpSpPr>
+        <a:xfrm>
+          <a:off x="0" y="0"/>
+          <a:ext cx="0" cy="0"/>
+          <a:chOff x="0" y="0"/>
+          <a:chExt cx="0" cy="0"/>
+        </a:xfrm>
+      </p:grpSpPr>
+      <p:sp>
+        <p:nvSpPr>
+          <p:cNvPr id="4" name="Title 1"/>
+          <p:cNvSpPr>
+            <a:spLocks noGrp="1"/>
+          </p:cNvSpPr>
+          <p:nvPr>
+            <p:ph type="title"/>
+          </p:nvPr>
+        </p:nvSpPr>
+        <p:spPr>
+          <a:xfrm>
+            <a:off x="838200" y="365125"/>
+            <a:ext cx="10515600" cy="688975"/>
+          </a:xfrm>
+        </p:spPr>
+        <p:txBody>
+          <a:bodyPr>
+            <a:normAutofit fontScale="90000"/>
+          </a:bodyPr>
+          <a:lstStyle/>
+          <a:p>
+            <a:r>
+              <a:rPr lang="en-US" dirty="0" smtClean="0"/>
+              <a:t>Requirements</a:t>
+            </a:r>
+            <a:endParaRPr lang="en-US" dirty="0"/>
+          </a:p>
+        </p:txBody>
+      </p:sp>
+      <p:sp>
+        <p:nvSpPr>
+          <p:cNvPr id="3" name="Content Placeholder 2"/>
+          <p:cNvSpPr>
+            <a:spLocks noGrp="1"/>
+          </p:cNvSpPr>
+          <p:nvPr>
+            <p:ph idx="1"/>
+          </p:nvPr>
+        </p:nvSpPr>
+        <p:spPr>
+          <a:xfrm>
+            <a:off x="838200" y="939800"/>
+            <a:ext cx="10515600" cy="5237163"/>
+          </a:xfrm>
+        </p:spPr>
+        <p:txBody>
+          <a:bodyPr/>
+          <a:lstStyle/>
+          <a:p>
+            <a:pPr marL="0" indent="0">
+              <a:buNone/>
+            </a:pPr>
+            <a:endParaRPr lang="en-US" dirty="0"/>
+          </a:p>
+          <a:p>
+            <a:pPr lvl="1"/>
+            <a:endParaRPr lang="en-US" dirty="0" smtClean="0"/>
+          </a:p>
+          <a:p>
+            <a:pPr lvl="1"/>
+            <a:r>
+              <a:rPr lang="en-US" dirty="0" smtClean="0"/>
+              <a:t>The CubeSat </a:t>
+            </a:r>
+            <a:r>
+              <a:rPr lang="en-US" dirty="0" smtClean="0"/>
+              <a:t>shall </a:t>
+            </a:r>
+            <a:r>
+              <a:rPr lang="en-US" dirty="0" smtClean="0"/>
+              <a:t>determine and relay a relative position solution (i.e., relative to the formation) with an accuracy of 10 meters (1 standard deviation)</a:t>
+            </a:r>
+          </a:p>
+          <a:p>
+            <a:pPr lvl="1"/>
+            <a:endParaRPr lang="en-US" dirty="0" smtClean="0"/>
+          </a:p>
+          <a:p>
+            <a:pPr lvl="1"/>
+            <a:r>
+              <a:rPr lang="en-US" dirty="0" smtClean="0"/>
+              <a:t>The CubeSat </a:t>
+            </a:r>
+            <a:r>
+              <a:rPr lang="en-US" dirty="0" smtClean="0"/>
+              <a:t>shall determine </a:t>
+            </a:r>
+            <a:r>
+              <a:rPr lang="en-US" dirty="0" smtClean="0"/>
+              <a:t>and relay a </a:t>
+            </a:r>
+            <a:r>
+              <a:rPr lang="en-US" dirty="0"/>
+              <a:t>relative attitude solution with an accuracy of 10 </a:t>
+            </a:r>
+            <a:r>
+              <a:rPr lang="en-US" dirty="0" err="1" smtClean="0"/>
+              <a:t>mRad</a:t>
+            </a:r>
+            <a:r>
+              <a:rPr lang="en-US" dirty="0"/>
+              <a:t>.</a:t>
+            </a:r>
+          </a:p>
+          <a:p>
+            <a:pPr lvl="1"/>
+            <a:endParaRPr lang="en-US" dirty="0" smtClean="0"/>
+          </a:p>
+          <a:p>
+            <a:pPr lvl="1"/>
+            <a:r>
+              <a:rPr lang="en-US" dirty="0" smtClean="0"/>
+              <a:t>The CubeSat </a:t>
+            </a:r>
+            <a:r>
+              <a:rPr lang="en-US" dirty="0" smtClean="0"/>
+              <a:t>shall maintain </a:t>
+            </a:r>
+            <a:r>
+              <a:rPr lang="en-US" dirty="0" smtClean="0"/>
+              <a:t>a clock </a:t>
+            </a:r>
+            <a:r>
+              <a:rPr lang="en-US" dirty="0"/>
+              <a:t>offset or timing accuracy (relative to the formation) better than 10 µs.</a:t>
+            </a:r>
+          </a:p>
+          <a:p>
+            <a:pPr lvl="1"/>
+            <a:endParaRPr lang="en-US" dirty="0"/>
+          </a:p>
+          <a:p>
+            <a:pPr lvl="1"/>
+            <a:endParaRPr lang="en-US" dirty="0"/>
+          </a:p>
+        </p:txBody>
+      </p:sp>
+    </p:spTree>
+    <p:extLst>
+      <p:ext uri="{BB962C8B-B14F-4D97-AF65-F5344CB8AC3E}">
+        <p14:creationId xmlns:p14="http://schemas.microsoft.com/office/powerpoint/2010/main" val="1456631454"/>
+      </p:ext>
+    </p:extLst>
+  </p:cSld>
+  <p:clrMapOvr>
+    <a:masterClrMapping/>
+  </p:clrMapOvr>
+  <p:timing>
+    <p:tnLst>
+      <p:par>
+        <p:cTn id="1" dur="indefinite" restart="never" nodeType="tmRoot"/>
+      </p:par>
+    </p:tnLst>
+  </p:timing>
+</p:sld>
+</file>
+
+<file path=ppt/slides/slide4.xml><?xml version="1.0" encoding="utf-8"?>
+<p:sld xmlns:a="http://schemas.openxmlformats.org/drawingml/2006/main" xmlns:r="http://schemas.openxmlformats.org/officeDocument/2006/relationships" xmlns:p="http://schemas.openxmlformats.org/presentationml/2006/main">
+  <p:cSld>
+    <p:spTree>
+      <p:nvGrpSpPr>
+        <p:cNvPr id="1" name=""/>
+        <p:cNvGrpSpPr/>
+        <p:nvPr/>
+      </p:nvGrpSpPr>
+      <p:grpSpPr>
+        <a:xfrm>
+          <a:off x="0" y="0"/>
+          <a:ext cx="0" cy="0"/>
+          <a:chOff x="0" y="0"/>
+          <a:chExt cx="0" cy="0"/>
+        </a:xfrm>
+      </p:grpSpPr>
+      <p:sp>
+        <p:nvSpPr>
+          <p:cNvPr id="2" name="Title 1"/>
+          <p:cNvSpPr>
+            <a:spLocks noGrp="1"/>
+          </p:cNvSpPr>
+          <p:nvPr>
+            <p:ph type="title"/>
+          </p:nvPr>
+        </p:nvSpPr>
+        <p:spPr>
+          <a:xfrm>
+            <a:off x="838200" y="365125"/>
+            <a:ext cx="10515600" cy="688975"/>
+          </a:xfrm>
+        </p:spPr>
+        <p:txBody>
+          <a:bodyPr>
+            <a:normAutofit fontScale="90000"/>
+          </a:bodyPr>
+          <a:lstStyle/>
+          <a:p>
+            <a:r>
+              <a:rPr lang="en-US" dirty="0" smtClean="0"/>
+              <a:t>Requirements </a:t>
+            </a:r>
+            <a:r>
+              <a:rPr lang="en-US" dirty="0" smtClean="0"/>
+              <a:t>– </a:t>
+            </a:r>
+            <a:r>
+              <a:rPr lang="en-US" sz="2700" dirty="0" smtClean="0"/>
+              <a:t>D</a:t>
+            </a:r>
+            <a:r>
+              <a:rPr lang="en-US" sz="2700" dirty="0" smtClean="0"/>
+              <a:t>erived</a:t>
+            </a:r>
+            <a:endParaRPr lang="en-US" sz="2700" dirty="0"/>
+          </a:p>
+        </p:txBody>
+      </p:sp>
+      <p:sp>
+        <p:nvSpPr>
+          <p:cNvPr id="3" name="Content Placeholder 2"/>
+          <p:cNvSpPr>
+            <a:spLocks noGrp="1"/>
+          </p:cNvSpPr>
+          <p:nvPr>
+            <p:ph idx="1"/>
+          </p:nvPr>
+        </p:nvSpPr>
+        <p:spPr>
+          <a:xfrm>
+            <a:off x="838200" y="1054100"/>
+            <a:ext cx="10515600" cy="5384800"/>
+          </a:xfrm>
+        </p:spPr>
+        <p:txBody>
+          <a:bodyPr>
+            <a:normAutofit/>
+          </a:bodyPr>
+          <a:lstStyle/>
+          <a:p>
+            <a:r>
+              <a:rPr lang="en-US" dirty="0" smtClean="0"/>
+              <a:t>Shall accept X-ray Detector as a payload</a:t>
+            </a:r>
+            <a:endParaRPr lang="en-US" dirty="0" smtClean="0"/>
+          </a:p>
+          <a:p>
+            <a:pPr lvl="1"/>
+            <a:r>
+              <a:rPr lang="en-US" dirty="0" smtClean="0"/>
+              <a:t>Supplies payload with power (5W) and communication requirements</a:t>
+            </a:r>
+          </a:p>
+          <a:p>
+            <a:pPr lvl="1"/>
+            <a:r>
+              <a:rPr lang="en-US" dirty="0" smtClean="0"/>
+              <a:t>Provides environmental data to payload with priority</a:t>
+            </a:r>
+          </a:p>
+          <a:p>
+            <a:pPr lvl="1"/>
+            <a:r>
+              <a:rPr lang="en-US" dirty="0" smtClean="0"/>
+              <a:t>Receives data from payload to transmit to ground network</a:t>
+            </a:r>
+          </a:p>
+          <a:p>
+            <a:r>
+              <a:rPr lang="en-US" dirty="0" smtClean="0"/>
+              <a:t>Shall </a:t>
+            </a:r>
+            <a:r>
+              <a:rPr lang="en-US" dirty="0" smtClean="0"/>
+              <a:t>meet </a:t>
+            </a:r>
+            <a:r>
+              <a:rPr lang="en-US" dirty="0" smtClean="0"/>
+              <a:t>NASA CubeSat Launch Initiative requirements</a:t>
+            </a:r>
+          </a:p>
+          <a:p>
+            <a:pPr lvl="1"/>
+            <a:r>
+              <a:rPr lang="en-US" dirty="0" smtClean="0"/>
+              <a:t>Structural, electrical, and other requirements are listed at </a:t>
+            </a:r>
+          </a:p>
+          <a:p>
+            <a:pPr lvl="2"/>
+            <a:r>
+              <a:rPr lang="en-US" dirty="0">
+                <a:hlinkClick r:id="rId2"/>
+              </a:rPr>
+              <a:t>http://</a:t>
+            </a:r>
+            <a:r>
+              <a:rPr lang="en-US" dirty="0" smtClean="0">
+                <a:hlinkClick r:id="rId2"/>
+              </a:rPr>
+              <a:t>www.nasa.gov/pdf/627972main_LSP-REQ-317_01A.pdf</a:t>
+            </a:r>
+            <a:endParaRPr lang="en-US" dirty="0"/>
+          </a:p>
+          <a:p>
+            <a:r>
+              <a:rPr lang="en-US" dirty="0" smtClean="0"/>
+              <a:t>Shall </a:t>
+            </a:r>
+            <a:r>
+              <a:rPr lang="en-US" dirty="0" smtClean="0"/>
+              <a:t>have the following subsystems </a:t>
+            </a:r>
+          </a:p>
+          <a:p>
+            <a:pPr lvl="1"/>
+            <a:r>
+              <a:rPr lang="en-US" dirty="0" smtClean="0"/>
+              <a:t>Structure</a:t>
+            </a:r>
+          </a:p>
+          <a:p>
+            <a:pPr lvl="1"/>
+            <a:r>
+              <a:rPr lang="en-US" dirty="0" smtClean="0"/>
+              <a:t>Attitude Determination and Navigation Systems</a:t>
+            </a:r>
+          </a:p>
+          <a:p>
+            <a:pPr lvl="1"/>
+            <a:r>
+              <a:rPr lang="en-US" dirty="0" smtClean="0"/>
+              <a:t>Communication</a:t>
+            </a:r>
+          </a:p>
+          <a:p>
+            <a:pPr lvl="1"/>
+            <a:r>
+              <a:rPr lang="en-US" dirty="0" smtClean="0"/>
+              <a:t>Power Management</a:t>
+            </a:r>
+          </a:p>
+          <a:p>
+            <a:pPr marL="0" indent="0">
+              <a:buNone/>
+            </a:pPr>
+            <a:endParaRPr lang="en-US" dirty="0"/>
+          </a:p>
+        </p:txBody>
+      </p:sp>
+    </p:spTree>
+    <p:extLst>
+      <p:ext uri="{BB962C8B-B14F-4D97-AF65-F5344CB8AC3E}">
+        <p14:creationId xmlns:p14="http://schemas.microsoft.com/office/powerpoint/2010/main" val="2438159543"/>
+      </p:ext>
+    </p:extLst>
+  </p:cSld>
+  <p:clrMapOvr>
+    <a:masterClrMapping/>
+  </p:clrMapOvr>
+  <p:timing>
+    <p:tnLst>
+      <p:par>
+        <p:cTn id="1" dur="indefinite" restart="never" nodeType="tmRoot"/>
       </p:par>
     </p:tnLst>
   </p:timing>

--- a/Presentations/CDR_Presentation.pptx
+++ b/Presentations/CDR_Presentation.pptx
@@ -5,13 +5,21 @@
     <p:sldMasterId id="2147483660" r:id="rId1"/>
   </p:sldMasterIdLst>
   <p:notesMasterIdLst>
-    <p:notesMasterId r:id="rId6"/>
+    <p:notesMasterId r:id="rId14"/>
   </p:notesMasterIdLst>
   <p:sldIdLst>
     <p:sldId id="256" r:id="rId2"/>
     <p:sldId id="257" r:id="rId3"/>
     <p:sldId id="259" r:id="rId4"/>
     <p:sldId id="258" r:id="rId5"/>
+    <p:sldId id="260" r:id="rId6"/>
+    <p:sldId id="261" r:id="rId7"/>
+    <p:sldId id="262" r:id="rId8"/>
+    <p:sldId id="263" r:id="rId9"/>
+    <p:sldId id="264" r:id="rId10"/>
+    <p:sldId id="265" r:id="rId11"/>
+    <p:sldId id="268" r:id="rId12"/>
+    <p:sldId id="269" r:id="rId13"/>
   </p:sldIdLst>
   <p:sldSz cx="12192000" cy="6858000"/>
   <p:notesSz cx="6858000" cy="9144000"/>
@@ -543,6 +551,198 @@
     <p:extLst>
       <p:ext uri="{BB962C8B-B14F-4D97-AF65-F5344CB8AC3E}">
         <p14:creationId xmlns:p14="http://schemas.microsoft.com/office/powerpoint/2010/main" val="3512314367"/>
+      </p:ext>
+    </p:extLst>
+  </p:cSld>
+  <p:clrMapOvr>
+    <a:masterClrMapping/>
+  </p:clrMapOvr>
+</p:notes>
+</file>
+
+<file path=ppt/notesSlides/notesSlide2.xml><?xml version="1.0" encoding="utf-8"?>
+<p:notes xmlns:a="http://schemas.openxmlformats.org/drawingml/2006/main" xmlns:r="http://schemas.openxmlformats.org/officeDocument/2006/relationships" xmlns:p="http://schemas.openxmlformats.org/presentationml/2006/main">
+  <p:cSld>
+    <p:spTree>
+      <p:nvGrpSpPr>
+        <p:cNvPr id="1" name=""/>
+        <p:cNvGrpSpPr/>
+        <p:nvPr/>
+      </p:nvGrpSpPr>
+      <p:grpSpPr>
+        <a:xfrm>
+          <a:off x="0" y="0"/>
+          <a:ext cx="0" cy="0"/>
+          <a:chOff x="0" y="0"/>
+          <a:chExt cx="0" cy="0"/>
+        </a:xfrm>
+      </p:grpSpPr>
+      <p:sp>
+        <p:nvSpPr>
+          <p:cNvPr id="2" name="Slide Image Placeholder 1"/>
+          <p:cNvSpPr>
+            <a:spLocks noGrp="1" noRot="1" noChangeAspect="1"/>
+          </p:cNvSpPr>
+          <p:nvPr>
+            <p:ph type="sldImg"/>
+          </p:nvPr>
+        </p:nvSpPr>
+        <p:spPr/>
+      </p:sp>
+      <p:sp>
+        <p:nvSpPr>
+          <p:cNvPr id="3" name="Notes Placeholder 2"/>
+          <p:cNvSpPr>
+            <a:spLocks noGrp="1"/>
+          </p:cNvSpPr>
+          <p:nvPr>
+            <p:ph type="body" idx="1"/>
+          </p:nvPr>
+        </p:nvSpPr>
+        <p:spPr/>
+        <p:txBody>
+          <a:bodyPr/>
+          <a:lstStyle/>
+          <a:p>
+            <a:r>
+              <a:rPr lang="en-US" dirty="0" smtClean="0"/>
+              <a:t>Cost is 8K</a:t>
+            </a:r>
+            <a:r>
+              <a:rPr lang="en-US" baseline="0" dirty="0" smtClean="0"/>
+              <a:t> 12K(around </a:t>
+            </a:r>
+            <a:r>
+              <a:rPr lang="en-US" baseline="0" smtClean="0"/>
+              <a:t>owned however) and </a:t>
+            </a:r>
+            <a:r>
+              <a:rPr lang="en-US" baseline="0" dirty="0" smtClean="0"/>
+              <a:t>29K respectively </a:t>
+            </a:r>
+            <a:endParaRPr lang="en-US" dirty="0"/>
+          </a:p>
+        </p:txBody>
+      </p:sp>
+      <p:sp>
+        <p:nvSpPr>
+          <p:cNvPr id="4" name="Slide Number Placeholder 3"/>
+          <p:cNvSpPr>
+            <a:spLocks noGrp="1"/>
+          </p:cNvSpPr>
+          <p:nvPr>
+            <p:ph type="sldNum" sz="quarter" idx="10"/>
+          </p:nvPr>
+        </p:nvSpPr>
+        <p:spPr/>
+        <p:txBody>
+          <a:bodyPr/>
+          <a:lstStyle/>
+          <a:p>
+            <a:fld id="{295C17A7-2255-4E71-B1DF-F996DB250A74}" type="slidenum">
+              <a:rPr lang="en-US" smtClean="0"/>
+              <a:t>8</a:t>
+            </a:fld>
+            <a:endParaRPr lang="en-US"/>
+          </a:p>
+        </p:txBody>
+      </p:sp>
+    </p:spTree>
+    <p:extLst>
+      <p:ext uri="{BB962C8B-B14F-4D97-AF65-F5344CB8AC3E}">
+        <p14:creationId xmlns:p14="http://schemas.microsoft.com/office/powerpoint/2010/main" val="4018029019"/>
+      </p:ext>
+    </p:extLst>
+  </p:cSld>
+  <p:clrMapOvr>
+    <a:masterClrMapping/>
+  </p:clrMapOvr>
+</p:notes>
+</file>
+
+<file path=ppt/notesSlides/notesSlide3.xml><?xml version="1.0" encoding="utf-8"?>
+<p:notes xmlns:a="http://schemas.openxmlformats.org/drawingml/2006/main" xmlns:r="http://schemas.openxmlformats.org/officeDocument/2006/relationships" xmlns:p="http://schemas.openxmlformats.org/presentationml/2006/main">
+  <p:cSld>
+    <p:spTree>
+      <p:nvGrpSpPr>
+        <p:cNvPr id="1" name=""/>
+        <p:cNvGrpSpPr/>
+        <p:nvPr/>
+      </p:nvGrpSpPr>
+      <p:grpSpPr>
+        <a:xfrm>
+          <a:off x="0" y="0"/>
+          <a:ext cx="0" cy="0"/>
+          <a:chOff x="0" y="0"/>
+          <a:chExt cx="0" cy="0"/>
+        </a:xfrm>
+      </p:grpSpPr>
+      <p:sp>
+        <p:nvSpPr>
+          <p:cNvPr id="2" name="Slide Image Placeholder 1"/>
+          <p:cNvSpPr>
+            <a:spLocks noGrp="1" noRot="1" noChangeAspect="1"/>
+          </p:cNvSpPr>
+          <p:nvPr>
+            <p:ph type="sldImg"/>
+          </p:nvPr>
+        </p:nvSpPr>
+        <p:spPr/>
+      </p:sp>
+      <p:sp>
+        <p:nvSpPr>
+          <p:cNvPr id="3" name="Notes Placeholder 2"/>
+          <p:cNvSpPr>
+            <a:spLocks noGrp="1"/>
+          </p:cNvSpPr>
+          <p:nvPr>
+            <p:ph type="body" idx="1"/>
+          </p:nvPr>
+        </p:nvSpPr>
+        <p:spPr/>
+        <p:txBody>
+          <a:bodyPr/>
+          <a:lstStyle/>
+          <a:p>
+            <a:r>
+              <a:rPr lang="en-US" dirty="0" smtClean="0"/>
+              <a:t>5K and 3K</a:t>
+            </a:r>
+            <a:r>
+              <a:rPr lang="en-US" baseline="0" dirty="0" smtClean="0"/>
+              <a:t> respectively </a:t>
+            </a:r>
+            <a:endParaRPr lang="en-US" dirty="0"/>
+          </a:p>
+        </p:txBody>
+      </p:sp>
+      <p:sp>
+        <p:nvSpPr>
+          <p:cNvPr id="4" name="Slide Number Placeholder 3"/>
+          <p:cNvSpPr>
+            <a:spLocks noGrp="1"/>
+          </p:cNvSpPr>
+          <p:nvPr>
+            <p:ph type="sldNum" sz="quarter" idx="10"/>
+          </p:nvPr>
+        </p:nvSpPr>
+        <p:spPr/>
+        <p:txBody>
+          <a:bodyPr/>
+          <a:lstStyle/>
+          <a:p>
+            <a:fld id="{295C17A7-2255-4E71-B1DF-F996DB250A74}" type="slidenum">
+              <a:rPr lang="en-US" smtClean="0"/>
+              <a:t>9</a:t>
+            </a:fld>
+            <a:endParaRPr lang="en-US"/>
+          </a:p>
+        </p:txBody>
+      </p:sp>
+    </p:spTree>
+    <p:extLst>
+      <p:ext uri="{BB962C8B-B14F-4D97-AF65-F5344CB8AC3E}">
+        <p14:creationId xmlns:p14="http://schemas.microsoft.com/office/powerpoint/2010/main" val="3840859167"/>
       </p:ext>
     </p:extLst>
   </p:cSld>
@@ -6593,6 +6793,409 @@
 </p:sld>
 </file>
 
+<file path=ppt/slides/slide10.xml><?xml version="1.0" encoding="utf-8"?>
+<p:sld xmlns:a="http://schemas.openxmlformats.org/drawingml/2006/main" xmlns:r="http://schemas.openxmlformats.org/officeDocument/2006/relationships" xmlns:p="http://schemas.openxmlformats.org/presentationml/2006/main">
+  <p:cSld>
+    <p:spTree>
+      <p:nvGrpSpPr>
+        <p:cNvPr id="1" name=""/>
+        <p:cNvGrpSpPr/>
+        <p:nvPr/>
+      </p:nvGrpSpPr>
+      <p:grpSpPr>
+        <a:xfrm>
+          <a:off x="0" y="0"/>
+          <a:ext cx="0" cy="0"/>
+          <a:chOff x="0" y="0"/>
+          <a:chExt cx="0" cy="0"/>
+        </a:xfrm>
+      </p:grpSpPr>
+      <p:sp>
+        <p:nvSpPr>
+          <p:cNvPr id="2" name="Title 1"/>
+          <p:cNvSpPr>
+            <a:spLocks noGrp="1"/>
+          </p:cNvSpPr>
+          <p:nvPr>
+            <p:ph type="ctrTitle"/>
+          </p:nvPr>
+        </p:nvSpPr>
+        <p:spPr/>
+        <p:txBody>
+          <a:bodyPr/>
+          <a:lstStyle/>
+          <a:p>
+            <a:r>
+              <a:rPr lang="en-US" sz="6000" dirty="0" smtClean="0"/>
+              <a:t>Attitude Determination</a:t>
+            </a:r>
+            <a:endParaRPr lang="en-US" sz="6000" dirty="0"/>
+          </a:p>
+        </p:txBody>
+      </p:sp>
+    </p:spTree>
+    <p:extLst>
+      <p:ext uri="{BB962C8B-B14F-4D97-AF65-F5344CB8AC3E}">
+        <p14:creationId xmlns:p14="http://schemas.microsoft.com/office/powerpoint/2010/main" val="1886115859"/>
+      </p:ext>
+    </p:extLst>
+  </p:cSld>
+  <p:clrMapOvr>
+    <a:masterClrMapping/>
+  </p:clrMapOvr>
+  <p:timing>
+    <p:tnLst>
+      <p:par>
+        <p:cTn id="1" dur="indefinite" restart="never" nodeType="tmRoot"/>
+      </p:par>
+    </p:tnLst>
+  </p:timing>
+</p:sld>
+</file>
+
+<file path=ppt/slides/slide11.xml><?xml version="1.0" encoding="utf-8"?>
+<p:sld xmlns:a="http://schemas.openxmlformats.org/drawingml/2006/main" xmlns:r="http://schemas.openxmlformats.org/officeDocument/2006/relationships" xmlns:p="http://schemas.openxmlformats.org/presentationml/2006/main">
+  <p:cSld>
+    <p:spTree>
+      <p:nvGrpSpPr>
+        <p:cNvPr id="1" name=""/>
+        <p:cNvGrpSpPr/>
+        <p:nvPr/>
+      </p:nvGrpSpPr>
+      <p:grpSpPr>
+        <a:xfrm>
+          <a:off x="0" y="0"/>
+          <a:ext cx="0" cy="0"/>
+          <a:chOff x="0" y="0"/>
+          <a:chExt cx="0" cy="0"/>
+        </a:xfrm>
+      </p:grpSpPr>
+      <p:sp>
+        <p:nvSpPr>
+          <p:cNvPr id="2" name="Title 1"/>
+          <p:cNvSpPr>
+            <a:spLocks noGrp="1"/>
+          </p:cNvSpPr>
+          <p:nvPr>
+            <p:ph type="title"/>
+          </p:nvPr>
+        </p:nvSpPr>
+        <p:spPr>
+          <a:xfrm>
+            <a:off x="646111" y="452718"/>
+            <a:ext cx="9404723" cy="791882"/>
+          </a:xfrm>
+        </p:spPr>
+        <p:txBody>
+          <a:bodyPr/>
+          <a:lstStyle/>
+          <a:p>
+            <a:r>
+              <a:rPr lang="en-US" dirty="0" smtClean="0"/>
+              <a:t>Attitude Determination</a:t>
+            </a:r>
+            <a:br>
+              <a:rPr lang="en-US" dirty="0" smtClean="0"/>
+            </a:br>
+            <a:endParaRPr lang="en-US" dirty="0"/>
+          </a:p>
+        </p:txBody>
+      </p:sp>
+      <p:sp>
+        <p:nvSpPr>
+          <p:cNvPr id="3" name="Content Placeholder 2"/>
+          <p:cNvSpPr>
+            <a:spLocks noGrp="1"/>
+          </p:cNvSpPr>
+          <p:nvPr>
+            <p:ph idx="1"/>
+          </p:nvPr>
+        </p:nvSpPr>
+        <p:spPr>
+          <a:xfrm>
+            <a:off x="1103312" y="1244600"/>
+            <a:ext cx="8946541" cy="5003799"/>
+          </a:xfrm>
+        </p:spPr>
+        <p:txBody>
+          <a:bodyPr/>
+          <a:lstStyle/>
+          <a:p>
+            <a:endParaRPr lang="en-US" dirty="0" smtClean="0"/>
+          </a:p>
+          <a:p>
+            <a:r>
+              <a:rPr lang="en-US" dirty="0" smtClean="0"/>
+              <a:t>Requirements</a:t>
+            </a:r>
+          </a:p>
+          <a:p>
+            <a:pPr lvl="1"/>
+            <a:endParaRPr lang="en-US" dirty="0" smtClean="0"/>
+          </a:p>
+          <a:p>
+            <a:pPr lvl="1"/>
+            <a:r>
+              <a:rPr lang="en-US" dirty="0" smtClean="0"/>
+              <a:t>Shall be accurate </a:t>
+            </a:r>
+            <a:r>
+              <a:rPr lang="en-US" dirty="0"/>
+              <a:t>to within </a:t>
+            </a:r>
+            <a:r>
+              <a:rPr lang="en-US" dirty="0" smtClean="0"/>
+              <a:t>10 </a:t>
+            </a:r>
+            <a:r>
+              <a:rPr lang="en-US" dirty="0" err="1" smtClean="0"/>
+              <a:t>mRad</a:t>
+            </a:r>
+            <a:r>
+              <a:rPr lang="en-US" dirty="0" smtClean="0"/>
+              <a:t> </a:t>
+            </a:r>
+            <a:r>
+              <a:rPr lang="en-US" dirty="0"/>
+              <a:t>(0.57º)</a:t>
+            </a:r>
+          </a:p>
+          <a:p>
+            <a:pPr lvl="1"/>
+            <a:endParaRPr lang="en-US" dirty="0" smtClean="0"/>
+          </a:p>
+          <a:p>
+            <a:pPr lvl="1"/>
+            <a:r>
+              <a:rPr lang="en-US" dirty="0" smtClean="0"/>
+              <a:t>Shall </a:t>
+            </a:r>
+            <a:r>
+              <a:rPr lang="en-US" dirty="0"/>
+              <a:t>not </a:t>
+            </a:r>
+            <a:r>
+              <a:rPr lang="en-US" dirty="0" smtClean="0"/>
+              <a:t>interfere electronically or magnetically </a:t>
+            </a:r>
+            <a:r>
+              <a:rPr lang="en-US" dirty="0"/>
+              <a:t>with </a:t>
+            </a:r>
+            <a:r>
+              <a:rPr lang="en-US" dirty="0" smtClean="0"/>
+              <a:t>payload</a:t>
+            </a:r>
+          </a:p>
+          <a:p>
+            <a:pPr lvl="1"/>
+            <a:endParaRPr lang="en-US" dirty="0" smtClean="0"/>
+          </a:p>
+          <a:p>
+            <a:pPr lvl="1"/>
+            <a:r>
+              <a:rPr lang="en-US" dirty="0" smtClean="0"/>
+              <a:t>Shall not </a:t>
+            </a:r>
+            <a:r>
+              <a:rPr lang="en-US" dirty="0"/>
+              <a:t>be </a:t>
+            </a:r>
+            <a:r>
+              <a:rPr lang="en-US" dirty="0" smtClean="0"/>
+              <a:t>magnetically-based</a:t>
+            </a:r>
+          </a:p>
+          <a:p>
+            <a:pPr lvl="1"/>
+            <a:endParaRPr lang="en-US" dirty="0" smtClean="0"/>
+          </a:p>
+          <a:p>
+            <a:pPr lvl="1"/>
+            <a:r>
+              <a:rPr lang="en-US" dirty="0" smtClean="0"/>
+              <a:t>All </a:t>
+            </a:r>
+            <a:r>
+              <a:rPr lang="en-US" dirty="0"/>
+              <a:t>components </a:t>
+            </a:r>
+            <a:r>
+              <a:rPr lang="en-US" dirty="0" smtClean="0"/>
+              <a:t>are preferred to have </a:t>
+            </a:r>
+            <a:r>
+              <a:rPr lang="en-US" dirty="0"/>
+              <a:t>space heritage</a:t>
+            </a:r>
+          </a:p>
+          <a:p>
+            <a:pPr lvl="1"/>
+            <a:endParaRPr lang="en-US" dirty="0"/>
+          </a:p>
+        </p:txBody>
+      </p:sp>
+    </p:spTree>
+    <p:extLst>
+      <p:ext uri="{BB962C8B-B14F-4D97-AF65-F5344CB8AC3E}">
+        <p14:creationId xmlns:p14="http://schemas.microsoft.com/office/powerpoint/2010/main" val="476709227"/>
+      </p:ext>
+    </p:extLst>
+  </p:cSld>
+  <p:clrMapOvr>
+    <a:masterClrMapping/>
+  </p:clrMapOvr>
+</p:sld>
+</file>
+
+<file path=ppt/slides/slide12.xml><?xml version="1.0" encoding="utf-8"?>
+<p:sld xmlns:a="http://schemas.openxmlformats.org/drawingml/2006/main" xmlns:r="http://schemas.openxmlformats.org/officeDocument/2006/relationships" xmlns:p="http://schemas.openxmlformats.org/presentationml/2006/main">
+  <p:cSld>
+    <p:spTree>
+      <p:nvGrpSpPr>
+        <p:cNvPr id="1" name=""/>
+        <p:cNvGrpSpPr/>
+        <p:nvPr/>
+      </p:nvGrpSpPr>
+      <p:grpSpPr>
+        <a:xfrm>
+          <a:off x="0" y="0"/>
+          <a:ext cx="0" cy="0"/>
+          <a:chOff x="0" y="0"/>
+          <a:chExt cx="0" cy="0"/>
+        </a:xfrm>
+      </p:grpSpPr>
+      <p:sp>
+        <p:nvSpPr>
+          <p:cNvPr id="2" name="Title 1"/>
+          <p:cNvSpPr>
+            <a:spLocks noGrp="1"/>
+          </p:cNvSpPr>
+          <p:nvPr>
+            <p:ph type="title"/>
+          </p:nvPr>
+        </p:nvSpPr>
+        <p:spPr>
+          <a:xfrm>
+            <a:off x="646111" y="452718"/>
+            <a:ext cx="9404723" cy="728382"/>
+          </a:xfrm>
+        </p:spPr>
+        <p:txBody>
+          <a:bodyPr/>
+          <a:lstStyle/>
+          <a:p>
+            <a:r>
+              <a:rPr lang="en-US" dirty="0" smtClean="0"/>
+              <a:t>Attitude Determination</a:t>
+            </a:r>
+            <a:endParaRPr lang="en-US" dirty="0"/>
+          </a:p>
+        </p:txBody>
+      </p:sp>
+      <p:sp>
+        <p:nvSpPr>
+          <p:cNvPr id="3" name="Content Placeholder 2"/>
+          <p:cNvSpPr>
+            <a:spLocks noGrp="1"/>
+          </p:cNvSpPr>
+          <p:nvPr>
+            <p:ph idx="1"/>
+          </p:nvPr>
+        </p:nvSpPr>
+        <p:spPr>
+          <a:xfrm>
+            <a:off x="1104293" y="1684618"/>
+            <a:ext cx="8946541" cy="4195481"/>
+          </a:xfrm>
+        </p:spPr>
+        <p:txBody>
+          <a:bodyPr/>
+          <a:lstStyle/>
+          <a:p>
+            <a:r>
+              <a:rPr lang="en-US" dirty="0" smtClean="0"/>
+              <a:t>Sun Sensors</a:t>
+            </a:r>
+          </a:p>
+          <a:p>
+            <a:pPr lvl="1"/>
+            <a:r>
+              <a:rPr lang="en-US" dirty="0"/>
+              <a:t>Produces a vector to the sun based on 2-axis analog output from photovoltaic </a:t>
+            </a:r>
+            <a:r>
+              <a:rPr lang="en-US" dirty="0" smtClean="0"/>
+              <a:t>cells</a:t>
+            </a:r>
+          </a:p>
+          <a:p>
+            <a:pPr lvl="1"/>
+            <a:endParaRPr lang="en-US" dirty="0"/>
+          </a:p>
+          <a:p>
+            <a:pPr lvl="1"/>
+            <a:r>
+              <a:rPr lang="en-US" dirty="0" smtClean="0"/>
+              <a:t>SHALL MAKE TABLE </a:t>
+            </a:r>
+          </a:p>
+          <a:p>
+            <a:pPr lvl="1"/>
+            <a:r>
+              <a:rPr lang="en-US" dirty="0" err="1"/>
+              <a:t>Gomspace</a:t>
+            </a:r>
+            <a:r>
+              <a:rPr lang="en-US" dirty="0"/>
+              <a:t> P110 Solar Panel Integrated Coarse Sun Sensor</a:t>
+            </a:r>
+          </a:p>
+          <a:p>
+            <a:pPr lvl="1"/>
+            <a:r>
+              <a:rPr lang="en-US" dirty="0" err="1"/>
+              <a:t>SolarMEMS</a:t>
+            </a:r>
+            <a:r>
+              <a:rPr lang="en-US" dirty="0"/>
+              <a:t> SSOC-D60</a:t>
+            </a:r>
+          </a:p>
+          <a:p>
+            <a:pPr lvl="1"/>
+            <a:r>
+              <a:rPr lang="en-US" dirty="0"/>
+              <a:t>SSBV CubeSat Sun Sensor</a:t>
+            </a:r>
+          </a:p>
+          <a:p>
+            <a:pPr lvl="1"/>
+            <a:r>
+              <a:rPr lang="it-IT" dirty="0"/>
+              <a:t>Space Micro MSS-01 Sun sensor</a:t>
+            </a:r>
+            <a:endParaRPr lang="en-US" dirty="0"/>
+          </a:p>
+          <a:p>
+            <a:pPr lvl="1"/>
+            <a:endParaRPr lang="en-US" dirty="0"/>
+          </a:p>
+        </p:txBody>
+      </p:sp>
+    </p:spTree>
+    <p:extLst>
+      <p:ext uri="{BB962C8B-B14F-4D97-AF65-F5344CB8AC3E}">
+        <p14:creationId xmlns:p14="http://schemas.microsoft.com/office/powerpoint/2010/main" val="2379433191"/>
+      </p:ext>
+    </p:extLst>
+  </p:cSld>
+  <p:clrMapOvr>
+    <a:masterClrMapping/>
+  </p:clrMapOvr>
+</p:sld>
+</file>
+
 <file path=ppt/slides/slide2.xml><?xml version="1.0" encoding="utf-8"?>
 <p:sld xmlns:a="http://schemas.openxmlformats.org/drawingml/2006/main" xmlns:r="http://schemas.openxmlformats.org/officeDocument/2006/relationships" xmlns:p="http://schemas.openxmlformats.org/presentationml/2006/main">
   <p:cSld>
@@ -7137,15 +7740,7 @@
             <a:pPr lvl="1"/>
             <a:r>
               <a:rPr lang="en-US" dirty="0" smtClean="0"/>
-              <a:t>The CubeSat </a:t>
-            </a:r>
-            <a:r>
-              <a:rPr lang="en-US" dirty="0" smtClean="0"/>
-              <a:t>shall </a:t>
-            </a:r>
-            <a:r>
-              <a:rPr lang="en-US" dirty="0" smtClean="0"/>
-              <a:t>determine and relay a relative position solution (i.e., relative to the formation) with an accuracy of 10 meters (1 standard deviation)</a:t>
+              <a:t>The CubeSat shall determine and relay a relative position solution (i.e., relative to the formation) with an accuracy of 10 meters (1 standard deviation)</a:t>
             </a:r>
           </a:p>
           <a:p>
@@ -7156,15 +7751,7 @@
             <a:pPr lvl="1"/>
             <a:r>
               <a:rPr lang="en-US" dirty="0" smtClean="0"/>
-              <a:t>The CubeSat </a:t>
-            </a:r>
-            <a:r>
-              <a:rPr lang="en-US" dirty="0" smtClean="0"/>
-              <a:t>shall determine </a:t>
-            </a:r>
-            <a:r>
-              <a:rPr lang="en-US" dirty="0" smtClean="0"/>
-              <a:t>and relay a </a:t>
+              <a:t>The CubeSat shall determine and relay a </a:t>
             </a:r>
             <a:r>
               <a:rPr lang="en-US" dirty="0"/>
@@ -7187,15 +7774,7 @@
             <a:pPr lvl="1"/>
             <a:r>
               <a:rPr lang="en-US" dirty="0" smtClean="0"/>
-              <a:t>The CubeSat </a:t>
-            </a:r>
-            <a:r>
-              <a:rPr lang="en-US" dirty="0" smtClean="0"/>
-              <a:t>shall maintain </a:t>
-            </a:r>
-            <a:r>
-              <a:rPr lang="en-US" dirty="0" smtClean="0"/>
-              <a:t>a clock </a:t>
+              <a:t>The CubeSat shall maintain a clock </a:t>
             </a:r>
             <a:r>
               <a:rPr lang="en-US" dirty="0"/>
@@ -7273,19 +7852,11 @@
           <a:p>
             <a:r>
               <a:rPr lang="en-US" dirty="0" smtClean="0"/>
-              <a:t>Requirements </a:t>
-            </a:r>
-            <a:r>
-              <a:rPr lang="en-US" dirty="0" smtClean="0"/>
-              <a:t>– </a:t>
+              <a:t>Requirements – </a:t>
             </a:r>
             <a:r>
               <a:rPr lang="en-US" sz="2700" dirty="0" smtClean="0"/>
-              <a:t>D</a:t>
-            </a:r>
-            <a:r>
-              <a:rPr lang="en-US" sz="2700" dirty="0" smtClean="0"/>
-              <a:t>erived</a:t>
+              <a:t>Derived</a:t>
             </a:r>
             <a:endParaRPr lang="en-US" sz="2700" dirty="0"/>
           </a:p>
@@ -7317,7 +7888,6 @@
               <a:rPr lang="en-US" dirty="0" smtClean="0"/>
               <a:t>Shall accept X-ray Detector as a payload</a:t>
             </a:r>
-            <a:endParaRPr lang="en-US" dirty="0" smtClean="0"/>
           </a:p>
           <a:p>
             <a:pPr lvl="1"/>
@@ -7343,15 +7913,7 @@
           <a:p>
             <a:r>
               <a:rPr lang="en-US" dirty="0" smtClean="0"/>
-              <a:t>Shall </a:t>
-            </a:r>
-            <a:r>
-              <a:rPr lang="en-US" dirty="0" smtClean="0"/>
-              <a:t>meet </a:t>
-            </a:r>
-            <a:r>
-              <a:rPr lang="en-US" dirty="0" smtClean="0"/>
-              <a:t>NASA CubeSat Launch Initiative requirements</a:t>
+              <a:t>Shall meet NASA CubeSat Launch Initiative requirements</a:t>
             </a:r>
           </a:p>
           <a:p>
@@ -7380,11 +7942,7 @@
           <a:p>
             <a:r>
               <a:rPr lang="en-US" dirty="0" smtClean="0"/>
-              <a:t>Shall </a:t>
-            </a:r>
-            <a:r>
-              <a:rPr lang="en-US" dirty="0" smtClean="0"/>
-              <a:t>have the following subsystems </a:t>
+              <a:t>Shall have the following subsystems </a:t>
             </a:r>
           </a:p>
           <a:p>
@@ -7440,6 +7998,1300 @@
       </p:par>
     </p:tnLst>
   </p:timing>
+</p:sld>
+</file>
+
+<file path=ppt/slides/slide5.xml><?xml version="1.0" encoding="utf-8"?>
+<p:sld xmlns:a="http://schemas.openxmlformats.org/drawingml/2006/main" xmlns:r="http://schemas.openxmlformats.org/officeDocument/2006/relationships" xmlns:p="http://schemas.openxmlformats.org/presentationml/2006/main">
+  <p:cSld>
+    <p:spTree>
+      <p:nvGrpSpPr>
+        <p:cNvPr id="1" name=""/>
+        <p:cNvGrpSpPr/>
+        <p:nvPr/>
+      </p:nvGrpSpPr>
+      <p:grpSpPr>
+        <a:xfrm>
+          <a:off x="0" y="0"/>
+          <a:ext cx="0" cy="0"/>
+          <a:chOff x="0" y="0"/>
+          <a:chExt cx="0" cy="0"/>
+        </a:xfrm>
+      </p:grpSpPr>
+      <p:sp>
+        <p:nvSpPr>
+          <p:cNvPr id="2" name="Title 1"/>
+          <p:cNvSpPr>
+            <a:spLocks noGrp="1"/>
+          </p:cNvSpPr>
+          <p:nvPr>
+            <p:ph type="ctrTitle"/>
+          </p:nvPr>
+        </p:nvSpPr>
+        <p:spPr/>
+        <p:txBody>
+          <a:bodyPr/>
+          <a:lstStyle/>
+          <a:p>
+            <a:r>
+              <a:rPr lang="en-US" dirty="0" smtClean="0"/>
+              <a:t>Navigation Systems</a:t>
+            </a:r>
+            <a:endParaRPr lang="en-US" dirty="0"/>
+          </a:p>
+        </p:txBody>
+      </p:sp>
+    </p:spTree>
+    <p:extLst>
+      <p:ext uri="{BB962C8B-B14F-4D97-AF65-F5344CB8AC3E}">
+        <p14:creationId xmlns:p14="http://schemas.microsoft.com/office/powerpoint/2010/main" val="3393357605"/>
+      </p:ext>
+    </p:extLst>
+  </p:cSld>
+  <p:clrMapOvr>
+    <a:masterClrMapping/>
+  </p:clrMapOvr>
+  <p:timing>
+    <p:tnLst>
+      <p:par>
+        <p:cTn id="1" dur="indefinite" restart="never" nodeType="tmRoot"/>
+      </p:par>
+    </p:tnLst>
+  </p:timing>
+</p:sld>
+</file>
+
+<file path=ppt/slides/slide6.xml><?xml version="1.0" encoding="utf-8"?>
+<p:sld xmlns:a="http://schemas.openxmlformats.org/drawingml/2006/main" xmlns:r="http://schemas.openxmlformats.org/officeDocument/2006/relationships" xmlns:p="http://schemas.openxmlformats.org/presentationml/2006/main">
+  <p:cSld>
+    <p:spTree>
+      <p:nvGrpSpPr>
+        <p:cNvPr id="1" name=""/>
+        <p:cNvGrpSpPr/>
+        <p:nvPr/>
+      </p:nvGrpSpPr>
+      <p:grpSpPr>
+        <a:xfrm>
+          <a:off x="0" y="0"/>
+          <a:ext cx="0" cy="0"/>
+          <a:chOff x="0" y="0"/>
+          <a:chExt cx="0" cy="0"/>
+        </a:xfrm>
+      </p:grpSpPr>
+      <p:sp>
+        <p:nvSpPr>
+          <p:cNvPr id="2" name="Title 1"/>
+          <p:cNvSpPr>
+            <a:spLocks noGrp="1"/>
+          </p:cNvSpPr>
+          <p:nvPr>
+            <p:ph type="title"/>
+          </p:nvPr>
+        </p:nvSpPr>
+        <p:spPr/>
+        <p:txBody>
+          <a:bodyPr/>
+          <a:lstStyle/>
+          <a:p>
+            <a:r>
+              <a:rPr lang="en-US" dirty="0" smtClean="0"/>
+              <a:t>Position Determination </a:t>
+            </a:r>
+            <a:endParaRPr lang="en-US" dirty="0"/>
+          </a:p>
+        </p:txBody>
+      </p:sp>
+      <p:sp>
+        <p:nvSpPr>
+          <p:cNvPr id="3" name="Content Placeholder 2"/>
+          <p:cNvSpPr>
+            <a:spLocks noGrp="1"/>
+          </p:cNvSpPr>
+          <p:nvPr>
+            <p:ph idx="1"/>
+          </p:nvPr>
+        </p:nvSpPr>
+        <p:spPr/>
+        <p:txBody>
+          <a:bodyPr/>
+          <a:lstStyle/>
+          <a:p>
+            <a:r>
+              <a:rPr lang="en-US" dirty="0" smtClean="0"/>
+              <a:t>Requirement</a:t>
+            </a:r>
+            <a:endParaRPr lang="en-US" dirty="0" smtClean="0"/>
+          </a:p>
+          <a:p>
+            <a:pPr lvl="1"/>
+            <a:endParaRPr lang="en-US" dirty="0" smtClean="0"/>
+          </a:p>
+          <a:p>
+            <a:pPr lvl="1"/>
+            <a:r>
+              <a:rPr lang="en-US" dirty="0" smtClean="0"/>
+              <a:t>The </a:t>
+            </a:r>
+            <a:r>
+              <a:rPr lang="en-US" dirty="0"/>
+              <a:t>CubeSat shall determine and relay </a:t>
+            </a:r>
+            <a:r>
+              <a:rPr lang="en-US" dirty="0" smtClean="0"/>
+              <a:t>a </a:t>
+            </a:r>
+            <a:r>
+              <a:rPr lang="en-US" dirty="0"/>
+              <a:t>position </a:t>
+            </a:r>
+            <a:r>
+              <a:rPr lang="en-US" dirty="0" smtClean="0"/>
+              <a:t>solution with </a:t>
+            </a:r>
+            <a:r>
+              <a:rPr lang="en-US" dirty="0"/>
+              <a:t>an accuracy of 10 meters (1 standard deviation)</a:t>
+            </a:r>
+          </a:p>
+          <a:p>
+            <a:pPr marL="457200" lvl="1" indent="0">
+              <a:buNone/>
+            </a:pPr>
+            <a:endParaRPr lang="en-US" dirty="0" smtClean="0"/>
+          </a:p>
+          <a:p>
+            <a:pPr marL="457200" lvl="1" indent="0">
+              <a:buNone/>
+            </a:pPr>
+            <a:endParaRPr lang="en-US" dirty="0"/>
+          </a:p>
+          <a:p>
+            <a:r>
+              <a:rPr lang="en-US" dirty="0" smtClean="0"/>
+              <a:t>Solution</a:t>
+            </a:r>
+          </a:p>
+          <a:p>
+            <a:pPr lvl="1"/>
+            <a:endParaRPr lang="en-US" dirty="0" smtClean="0"/>
+          </a:p>
+          <a:p>
+            <a:pPr lvl="1"/>
+            <a:r>
+              <a:rPr lang="en-US" dirty="0" smtClean="0"/>
+              <a:t>Global </a:t>
+            </a:r>
+            <a:r>
+              <a:rPr lang="en-US" dirty="0" smtClean="0"/>
+              <a:t>Positioning </a:t>
+            </a:r>
+            <a:r>
+              <a:rPr lang="en-US" dirty="0" smtClean="0"/>
+              <a:t>Systems</a:t>
+            </a:r>
+            <a:endParaRPr lang="en-US" dirty="0" smtClean="0"/>
+          </a:p>
+          <a:p>
+            <a:endParaRPr lang="en-US" dirty="0"/>
+          </a:p>
+        </p:txBody>
+      </p:sp>
+    </p:spTree>
+    <p:extLst>
+      <p:ext uri="{BB962C8B-B14F-4D97-AF65-F5344CB8AC3E}">
+        <p14:creationId xmlns:p14="http://schemas.microsoft.com/office/powerpoint/2010/main" val="48216346"/>
+      </p:ext>
+    </p:extLst>
+  </p:cSld>
+  <p:clrMapOvr>
+    <a:masterClrMapping/>
+  </p:clrMapOvr>
+  <p:timing>
+    <p:tnLst>
+      <p:par>
+        <p:cTn id="1" dur="indefinite" restart="never" nodeType="tmRoot"/>
+      </p:par>
+    </p:tnLst>
+  </p:timing>
+</p:sld>
+</file>
+
+<file path=ppt/slides/slide7.xml><?xml version="1.0" encoding="utf-8"?>
+<p:sld xmlns:a="http://schemas.openxmlformats.org/drawingml/2006/main" xmlns:r="http://schemas.openxmlformats.org/officeDocument/2006/relationships" xmlns:p="http://schemas.openxmlformats.org/presentationml/2006/main">
+  <p:cSld>
+    <p:spTree>
+      <p:nvGrpSpPr>
+        <p:cNvPr id="1" name=""/>
+        <p:cNvGrpSpPr/>
+        <p:nvPr/>
+      </p:nvGrpSpPr>
+      <p:grpSpPr>
+        <a:xfrm>
+          <a:off x="0" y="0"/>
+          <a:ext cx="0" cy="0"/>
+          <a:chOff x="0" y="0"/>
+          <a:chExt cx="0" cy="0"/>
+        </a:xfrm>
+      </p:grpSpPr>
+      <p:sp>
+        <p:nvSpPr>
+          <p:cNvPr id="2" name="Title 1"/>
+          <p:cNvSpPr>
+            <a:spLocks noGrp="1"/>
+          </p:cNvSpPr>
+          <p:nvPr>
+            <p:ph type="title"/>
+          </p:nvPr>
+        </p:nvSpPr>
+        <p:spPr/>
+        <p:txBody>
+          <a:bodyPr/>
+          <a:lstStyle/>
+          <a:p>
+            <a:r>
+              <a:rPr lang="en-US" dirty="0" smtClean="0"/>
+              <a:t>GPS in Space</a:t>
+            </a:r>
+            <a:br>
+              <a:rPr lang="en-US" dirty="0" smtClean="0"/>
+            </a:br>
+            <a:endParaRPr lang="en-US" dirty="0"/>
+          </a:p>
+        </p:txBody>
+      </p:sp>
+      <p:sp>
+        <p:nvSpPr>
+          <p:cNvPr id="3" name="Content Placeholder 2"/>
+          <p:cNvSpPr>
+            <a:spLocks noGrp="1"/>
+          </p:cNvSpPr>
+          <p:nvPr>
+            <p:ph idx="1"/>
+          </p:nvPr>
+        </p:nvSpPr>
+        <p:spPr>
+          <a:xfrm>
+            <a:off x="1103312" y="1470992"/>
+            <a:ext cx="8946541" cy="4777408"/>
+          </a:xfrm>
+        </p:spPr>
+        <p:txBody>
+          <a:bodyPr/>
+          <a:lstStyle/>
+          <a:p>
+            <a:r>
+              <a:rPr lang="en-US" dirty="0" smtClean="0"/>
+              <a:t>GPS satellites are in Middle </a:t>
+            </a:r>
+            <a:r>
+              <a:rPr lang="en-US" dirty="0" smtClean="0"/>
+              <a:t>Earth Orbit</a:t>
+            </a:r>
+            <a:endParaRPr lang="en-US" dirty="0" smtClean="0"/>
+          </a:p>
+          <a:p>
+            <a:endParaRPr lang="en-US" dirty="0" smtClean="0"/>
+          </a:p>
+          <a:p>
+            <a:r>
+              <a:rPr lang="en-US" dirty="0" smtClean="0"/>
+              <a:t>CubeSat operates in </a:t>
+            </a:r>
+            <a:r>
+              <a:rPr lang="en-US" dirty="0" smtClean="0"/>
+              <a:t>Low Earth </a:t>
+            </a:r>
+            <a:r>
+              <a:rPr lang="en-US" dirty="0" smtClean="0"/>
+              <a:t>Orbit  </a:t>
+            </a:r>
+          </a:p>
+          <a:p>
+            <a:endParaRPr lang="en-US" dirty="0" smtClean="0"/>
+          </a:p>
+          <a:p>
+            <a:r>
+              <a:rPr lang="en-US" dirty="0" smtClean="0"/>
+              <a:t>Two hardware components </a:t>
+            </a:r>
+            <a:endParaRPr lang="en-US" dirty="0" smtClean="0"/>
+          </a:p>
+          <a:p>
+            <a:pPr lvl="1"/>
+            <a:r>
+              <a:rPr lang="en-US" dirty="0" smtClean="0"/>
+              <a:t>GPS Receiver</a:t>
+            </a:r>
+          </a:p>
+          <a:p>
+            <a:pPr lvl="1"/>
+            <a:r>
+              <a:rPr lang="en-US" dirty="0" smtClean="0"/>
+              <a:t>GPS Antenna </a:t>
+            </a:r>
+          </a:p>
+          <a:p>
+            <a:pPr lvl="2"/>
+            <a:r>
+              <a:rPr lang="en-US" dirty="0" smtClean="0"/>
+              <a:t>Patch Antenna </a:t>
+            </a:r>
+          </a:p>
+          <a:p>
+            <a:pPr lvl="2"/>
+            <a:r>
+              <a:rPr lang="en-US" dirty="0" smtClean="0"/>
+              <a:t>Boxed Antenna	</a:t>
+            </a:r>
+            <a:endParaRPr lang="en-US" dirty="0"/>
+          </a:p>
+        </p:txBody>
+      </p:sp>
+    </p:spTree>
+    <p:extLst>
+      <p:ext uri="{BB962C8B-B14F-4D97-AF65-F5344CB8AC3E}">
+        <p14:creationId xmlns:p14="http://schemas.microsoft.com/office/powerpoint/2010/main" val="3459271681"/>
+      </p:ext>
+    </p:extLst>
+  </p:cSld>
+  <p:clrMapOvr>
+    <a:masterClrMapping/>
+  </p:clrMapOvr>
+  <p:timing>
+    <p:tnLst>
+      <p:par>
+        <p:cTn id="1" dur="indefinite" restart="never" nodeType="tmRoot"/>
+      </p:par>
+    </p:tnLst>
+  </p:timing>
+</p:sld>
+</file>
+
+<file path=ppt/slides/slide8.xml><?xml version="1.0" encoding="utf-8"?>
+<p:sld xmlns:a="http://schemas.openxmlformats.org/drawingml/2006/main" xmlns:r="http://schemas.openxmlformats.org/officeDocument/2006/relationships" xmlns:p="http://schemas.openxmlformats.org/presentationml/2006/main">
+  <p:cSld>
+    <p:spTree>
+      <p:nvGrpSpPr>
+        <p:cNvPr id="1" name=""/>
+        <p:cNvGrpSpPr/>
+        <p:nvPr/>
+      </p:nvGrpSpPr>
+      <p:grpSpPr>
+        <a:xfrm>
+          <a:off x="0" y="0"/>
+          <a:ext cx="0" cy="0"/>
+          <a:chOff x="0" y="0"/>
+          <a:chExt cx="0" cy="0"/>
+        </a:xfrm>
+      </p:grpSpPr>
+      <p:sp>
+        <p:nvSpPr>
+          <p:cNvPr id="2" name="Title 1"/>
+          <p:cNvSpPr>
+            <a:spLocks noGrp="1"/>
+          </p:cNvSpPr>
+          <p:nvPr>
+            <p:ph type="title"/>
+          </p:nvPr>
+        </p:nvSpPr>
+        <p:spPr/>
+        <p:txBody>
+          <a:bodyPr/>
+          <a:lstStyle/>
+          <a:p>
+            <a:r>
+              <a:rPr lang="en-US" dirty="0" smtClean="0"/>
+              <a:t>GPS Receiver </a:t>
+            </a:r>
+            <a:endParaRPr lang="en-US" dirty="0"/>
+          </a:p>
+        </p:txBody>
+      </p:sp>
+      <p:graphicFrame>
+        <p:nvGraphicFramePr>
+          <p:cNvPr id="6" name="Content Placeholder 5"/>
+          <p:cNvGraphicFramePr>
+            <a:graphicFrameLocks noGrp="1"/>
+          </p:cNvGraphicFramePr>
+          <p:nvPr>
+            <p:ph idx="1"/>
+            <p:extLst/>
+          </p:nvPr>
+        </p:nvGraphicFramePr>
+        <p:xfrm>
+          <a:off x="1103313" y="2052638"/>
+          <a:ext cx="8947150" cy="3268652"/>
+        </p:xfrm>
+        <a:graphic>
+          <a:graphicData uri="http://schemas.openxmlformats.org/drawingml/2006/table">
+            <a:tbl>
+              <a:tblPr firstRow="1" bandRow="1">
+                <a:tableStyleId>{5C22544A-7EE6-4342-B048-85BDC9FD1C3A}</a:tableStyleId>
+              </a:tblPr>
+              <a:tblGrid>
+                <a:gridCol w="1392752"/>
+                <a:gridCol w="2496065"/>
+                <a:gridCol w="2578443"/>
+                <a:gridCol w="2479890"/>
+              </a:tblGrid>
+              <a:tr h="864619">
+                <a:tc>
+                  <a:txBody>
+                    <a:bodyPr/>
+                    <a:lstStyle/>
+                    <a:p>
+                      <a:r>
+                        <a:rPr lang="en-US" dirty="0" smtClean="0"/>
+                        <a:t>Name</a:t>
+                      </a:r>
+                      <a:endParaRPr lang="en-US" dirty="0"/>
+                    </a:p>
+                  </a:txBody>
+                  <a:tcPr/>
+                </a:tc>
+                <a:tc>
+                  <a:txBody>
+                    <a:bodyPr/>
+                    <a:lstStyle/>
+                    <a:p>
+                      <a:r>
+                        <a:rPr lang="en-US" dirty="0" smtClean="0"/>
+                        <a:t>piNAV-L1</a:t>
+                      </a:r>
+                      <a:r>
+                        <a:rPr lang="en-US" baseline="0" dirty="0" smtClean="0"/>
+                        <a:t> </a:t>
+                      </a:r>
+                      <a:r>
+                        <a:rPr lang="en-US" baseline="0" dirty="0" smtClean="0"/>
+                        <a:t>GPS, </a:t>
+                      </a:r>
+                      <a:r>
+                        <a:rPr lang="en-US" baseline="0" dirty="0" err="1" smtClean="0"/>
+                        <a:t>Skyfoxlabs</a:t>
+                      </a:r>
+                      <a:endParaRPr lang="en-US" dirty="0"/>
+                    </a:p>
+                  </a:txBody>
+                  <a:tcPr/>
+                </a:tc>
+                <a:tc>
+                  <a:txBody>
+                    <a:bodyPr/>
+                    <a:lstStyle/>
+                    <a:p>
+                      <a:r>
+                        <a:rPr lang="en-US" dirty="0" smtClean="0"/>
+                        <a:t>OEM615,</a:t>
+                      </a:r>
+                      <a:r>
+                        <a:rPr lang="en-US" baseline="0" dirty="0" smtClean="0"/>
+                        <a:t> </a:t>
+                      </a:r>
+                      <a:r>
+                        <a:rPr lang="en-US" dirty="0" smtClean="0"/>
+                        <a:t>Novatel</a:t>
+                      </a:r>
+                      <a:endParaRPr lang="en-US" dirty="0"/>
+                    </a:p>
+                  </a:txBody>
+                  <a:tcPr/>
+                </a:tc>
+                <a:tc>
+                  <a:txBody>
+                    <a:bodyPr/>
+                    <a:lstStyle/>
+                    <a:p>
+                      <a:r>
+                        <a:rPr lang="en-US" dirty="0" smtClean="0"/>
+                        <a:t>CPS12-V1, </a:t>
+                      </a:r>
+                      <a:r>
+                        <a:rPr lang="en-US" dirty="0" err="1" smtClean="0"/>
+                        <a:t>SpaceQuest</a:t>
+                      </a:r>
+                      <a:endParaRPr lang="en-US" dirty="0"/>
+                    </a:p>
+                  </a:txBody>
+                  <a:tcPr/>
+                </a:tc>
+              </a:tr>
+              <a:tr h="625013">
+                <a:tc>
+                  <a:txBody>
+                    <a:bodyPr/>
+                    <a:lstStyle/>
+                    <a:p>
+                      <a:r>
+                        <a:rPr lang="en-US" dirty="0" smtClean="0"/>
+                        <a:t>Size(mm)</a:t>
+                      </a:r>
+                      <a:endParaRPr lang="en-US" dirty="0"/>
+                    </a:p>
+                  </a:txBody>
+                  <a:tcPr/>
+                </a:tc>
+                <a:tc>
+                  <a:txBody>
+                    <a:bodyPr/>
+                    <a:lstStyle/>
+                    <a:p>
+                      <a:r>
+                        <a:rPr lang="en-US" dirty="0" smtClean="0"/>
+                        <a:t>71 by</a:t>
+                      </a:r>
+                      <a:r>
+                        <a:rPr lang="en-US" baseline="0" dirty="0" smtClean="0"/>
+                        <a:t> 35 by 12.5</a:t>
+                      </a:r>
+                      <a:endParaRPr lang="en-US" dirty="0"/>
+                    </a:p>
+                  </a:txBody>
+                  <a:tcPr/>
+                </a:tc>
+                <a:tc>
+                  <a:txBody>
+                    <a:bodyPr/>
+                    <a:lstStyle/>
+                    <a:p>
+                      <a:r>
+                        <a:rPr lang="en-US" dirty="0" smtClean="0"/>
+                        <a:t>71 by 46 by 11</a:t>
+                      </a:r>
+                      <a:endParaRPr lang="en-US" dirty="0"/>
+                    </a:p>
+                  </a:txBody>
+                  <a:tcPr/>
+                </a:tc>
+                <a:tc>
+                  <a:txBody>
+                    <a:bodyPr/>
+                    <a:lstStyle/>
+                    <a:p>
+                      <a:r>
+                        <a:rPr lang="en-US" dirty="0" smtClean="0"/>
+                        <a:t>100 by 70 by 25</a:t>
+                      </a:r>
+                      <a:endParaRPr lang="en-US" dirty="0"/>
+                    </a:p>
+                  </a:txBody>
+                  <a:tcPr/>
+                </a:tc>
+              </a:tr>
+              <a:tr h="432310">
+                <a:tc>
+                  <a:txBody>
+                    <a:bodyPr/>
+                    <a:lstStyle/>
+                    <a:p>
+                      <a:r>
+                        <a:rPr lang="en-US" dirty="0" smtClean="0"/>
+                        <a:t>Power (W)</a:t>
+                      </a:r>
+                      <a:endParaRPr lang="en-US" dirty="0"/>
+                    </a:p>
+                  </a:txBody>
+                  <a:tcPr/>
+                </a:tc>
+                <a:tc>
+                  <a:txBody>
+                    <a:bodyPr/>
+                    <a:lstStyle/>
+                    <a:p>
+                      <a:r>
+                        <a:rPr lang="en-US" dirty="0" smtClean="0"/>
+                        <a:t>.540</a:t>
+                      </a:r>
+                      <a:endParaRPr lang="en-US" dirty="0"/>
+                    </a:p>
+                  </a:txBody>
+                  <a:tcPr/>
+                </a:tc>
+                <a:tc>
+                  <a:txBody>
+                    <a:bodyPr/>
+                    <a:lstStyle/>
+                    <a:p>
+                      <a:r>
+                        <a:rPr lang="en-US" dirty="0" smtClean="0"/>
+                        <a:t>1</a:t>
+                      </a:r>
+                      <a:r>
+                        <a:rPr lang="en-US" baseline="0" dirty="0" smtClean="0"/>
+                        <a:t> </a:t>
+                      </a:r>
+                      <a:endParaRPr lang="en-US" dirty="0"/>
+                    </a:p>
+                  </a:txBody>
+                  <a:tcPr/>
+                </a:tc>
+                <a:tc>
+                  <a:txBody>
+                    <a:bodyPr/>
+                    <a:lstStyle/>
+                    <a:p>
+                      <a:r>
+                        <a:rPr lang="en-US" dirty="0" smtClean="0"/>
+                        <a:t>1.2 </a:t>
+                      </a:r>
+                      <a:endParaRPr lang="en-US" dirty="0"/>
+                    </a:p>
+                  </a:txBody>
+                  <a:tcPr/>
+                </a:tc>
+              </a:tr>
+              <a:tr h="432310">
+                <a:tc>
+                  <a:txBody>
+                    <a:bodyPr/>
+                    <a:lstStyle/>
+                    <a:p>
+                      <a:r>
+                        <a:rPr lang="en-US" dirty="0" smtClean="0"/>
+                        <a:t>Weight (g)</a:t>
+                      </a:r>
+                      <a:endParaRPr lang="en-US" dirty="0"/>
+                    </a:p>
+                  </a:txBody>
+                  <a:tcPr/>
+                </a:tc>
+                <a:tc>
+                  <a:txBody>
+                    <a:bodyPr/>
+                    <a:lstStyle/>
+                    <a:p>
+                      <a:r>
+                        <a:rPr lang="en-US" dirty="0" smtClean="0"/>
+                        <a:t>47</a:t>
+                      </a:r>
+                      <a:endParaRPr lang="en-US" dirty="0"/>
+                    </a:p>
+                  </a:txBody>
+                  <a:tcPr/>
+                </a:tc>
+                <a:tc>
+                  <a:txBody>
+                    <a:bodyPr/>
+                    <a:lstStyle/>
+                    <a:p>
+                      <a:r>
+                        <a:rPr lang="en-US" dirty="0" smtClean="0"/>
+                        <a:t>24</a:t>
+                      </a:r>
+                      <a:endParaRPr lang="en-US" dirty="0"/>
+                    </a:p>
+                  </a:txBody>
+                  <a:tcPr/>
+                </a:tc>
+                <a:tc>
+                  <a:txBody>
+                    <a:bodyPr/>
+                    <a:lstStyle/>
+                    <a:p>
+                      <a:r>
+                        <a:rPr lang="en-US" dirty="0" smtClean="0"/>
+                        <a:t>160</a:t>
+                      </a:r>
+                      <a:endParaRPr lang="en-US" dirty="0"/>
+                    </a:p>
+                  </a:txBody>
+                  <a:tcPr/>
+                </a:tc>
+              </a:tr>
+              <a:tr h="864619">
+                <a:tc>
+                  <a:txBody>
+                    <a:bodyPr/>
+                    <a:lstStyle/>
+                    <a:p>
+                      <a:r>
+                        <a:rPr lang="en-US" dirty="0" smtClean="0"/>
+                        <a:t>Space Heritage</a:t>
+                      </a:r>
+                      <a:endParaRPr lang="en-US" dirty="0"/>
+                    </a:p>
+                  </a:txBody>
+                  <a:tcPr/>
+                </a:tc>
+                <a:tc>
+                  <a:txBody>
+                    <a:bodyPr/>
+                    <a:lstStyle/>
+                    <a:p>
+                      <a:r>
+                        <a:rPr lang="en-US" dirty="0" smtClean="0"/>
+                        <a:t>Projected, December </a:t>
+                      </a:r>
+                      <a:r>
+                        <a:rPr lang="en-US" dirty="0" smtClean="0"/>
+                        <a:t>2016</a:t>
+                      </a:r>
+                      <a:endParaRPr lang="en-US" dirty="0"/>
+                    </a:p>
+                  </a:txBody>
+                  <a:tcPr/>
+                </a:tc>
+                <a:tc>
+                  <a:txBody>
+                    <a:bodyPr/>
+                    <a:lstStyle/>
+                    <a:p>
+                      <a:r>
+                        <a:rPr lang="en-US" dirty="0" smtClean="0"/>
+                        <a:t>Unlisted;</a:t>
+                      </a:r>
+                      <a:r>
+                        <a:rPr lang="en-US" baseline="0" dirty="0" smtClean="0"/>
+                        <a:t> flown by </a:t>
+                      </a:r>
+                      <a:r>
+                        <a:rPr lang="en-US" baseline="0" dirty="0" smtClean="0"/>
+                        <a:t>Colorado CubeSat team</a:t>
+                      </a:r>
+                      <a:endParaRPr lang="en-US" dirty="0"/>
+                    </a:p>
+                  </a:txBody>
+                  <a:tcPr/>
+                </a:tc>
+                <a:tc>
+                  <a:txBody>
+                    <a:bodyPr/>
+                    <a:lstStyle/>
+                    <a:p>
+                      <a:r>
+                        <a:rPr lang="en-US" baseline="0" dirty="0" smtClean="0"/>
+                        <a:t>SpaceX</a:t>
+                      </a:r>
+                      <a:r>
+                        <a:rPr lang="en-US" baseline="0" dirty="0" smtClean="0"/>
+                        <a:t>, NASA, and USAF</a:t>
+                      </a:r>
+                      <a:endParaRPr lang="en-US" dirty="0"/>
+                    </a:p>
+                  </a:txBody>
+                  <a:tcPr/>
+                </a:tc>
+              </a:tr>
+            </a:tbl>
+          </a:graphicData>
+        </a:graphic>
+      </p:graphicFrame>
+    </p:spTree>
+    <p:extLst>
+      <p:ext uri="{BB962C8B-B14F-4D97-AF65-F5344CB8AC3E}">
+        <p14:creationId xmlns:p14="http://schemas.microsoft.com/office/powerpoint/2010/main" val="328467886"/>
+      </p:ext>
+    </p:extLst>
+  </p:cSld>
+  <p:clrMapOvr>
+    <a:masterClrMapping/>
+  </p:clrMapOvr>
+</p:sld>
+</file>
+
+<file path=ppt/slides/slide9.xml><?xml version="1.0" encoding="utf-8"?>
+<p:sld xmlns:a="http://schemas.openxmlformats.org/drawingml/2006/main" xmlns:r="http://schemas.openxmlformats.org/officeDocument/2006/relationships" xmlns:p="http://schemas.openxmlformats.org/presentationml/2006/main">
+  <p:cSld>
+    <p:spTree>
+      <p:nvGrpSpPr>
+        <p:cNvPr id="1" name=""/>
+        <p:cNvGrpSpPr/>
+        <p:nvPr/>
+      </p:nvGrpSpPr>
+      <p:grpSpPr>
+        <a:xfrm>
+          <a:off x="0" y="0"/>
+          <a:ext cx="0" cy="0"/>
+          <a:chOff x="0" y="0"/>
+          <a:chExt cx="0" cy="0"/>
+        </a:xfrm>
+      </p:grpSpPr>
+      <p:sp>
+        <p:nvSpPr>
+          <p:cNvPr id="2" name="Title 1"/>
+          <p:cNvSpPr>
+            <a:spLocks noGrp="1"/>
+          </p:cNvSpPr>
+          <p:nvPr>
+            <p:ph type="title"/>
+          </p:nvPr>
+        </p:nvSpPr>
+        <p:spPr/>
+        <p:txBody>
+          <a:bodyPr/>
+          <a:lstStyle/>
+          <a:p>
+            <a:r>
+              <a:rPr lang="en-US" dirty="0" smtClean="0"/>
+              <a:t>GPS Antenna </a:t>
+            </a:r>
+            <a:endParaRPr lang="en-US" dirty="0"/>
+          </a:p>
+        </p:txBody>
+      </p:sp>
+      <p:graphicFrame>
+        <p:nvGraphicFramePr>
+          <p:cNvPr id="4" name="Content Placeholder 3"/>
+          <p:cNvGraphicFramePr>
+            <a:graphicFrameLocks noGrp="1"/>
+          </p:cNvGraphicFramePr>
+          <p:nvPr>
+            <p:ph idx="1"/>
+            <p:extLst/>
+          </p:nvPr>
+        </p:nvGraphicFramePr>
+        <p:xfrm>
+          <a:off x="1087409" y="2017803"/>
+          <a:ext cx="8947150" cy="3203553"/>
+        </p:xfrm>
+        <a:graphic>
+          <a:graphicData uri="http://schemas.openxmlformats.org/drawingml/2006/table">
+            <a:tbl>
+              <a:tblPr firstRow="1" bandRow="1">
+                <a:tableStyleId>{5C22544A-7EE6-4342-B048-85BDC9FD1C3A}</a:tableStyleId>
+              </a:tblPr>
+              <a:tblGrid>
+                <a:gridCol w="1350991"/>
+                <a:gridCol w="2560320"/>
+                <a:gridCol w="2264229"/>
+                <a:gridCol w="2771610"/>
+              </a:tblGrid>
+              <a:tr h="854047">
+                <a:tc>
+                  <a:txBody>
+                    <a:bodyPr/>
+                    <a:lstStyle/>
+                    <a:p>
+                      <a:r>
+                        <a:rPr lang="en-US" dirty="0" smtClean="0"/>
+                        <a:t>Name</a:t>
+                      </a:r>
+                      <a:endParaRPr lang="en-US" dirty="0"/>
+                    </a:p>
+                  </a:txBody>
+                  <a:tcPr/>
+                </a:tc>
+                <a:tc>
+                  <a:txBody>
+                    <a:bodyPr/>
+                    <a:lstStyle/>
+                    <a:p>
+                      <a:r>
+                        <a:rPr lang="en-US" dirty="0" smtClean="0"/>
+                        <a:t>Single</a:t>
+                      </a:r>
+                      <a:r>
+                        <a:rPr lang="en-US" baseline="0" dirty="0" smtClean="0"/>
+                        <a:t> Frequency </a:t>
+                      </a:r>
+                      <a:r>
+                        <a:rPr lang="en-US" baseline="0" dirty="0" err="1" smtClean="0"/>
+                        <a:t>Microstrip</a:t>
+                      </a:r>
+                      <a:r>
+                        <a:rPr lang="en-US" baseline="0" dirty="0" smtClean="0"/>
+                        <a:t>, </a:t>
+                      </a:r>
+                      <a:r>
+                        <a:rPr lang="en-US" baseline="0" dirty="0" err="1" smtClean="0"/>
+                        <a:t>Antdevco</a:t>
+                      </a:r>
+                      <a:endParaRPr lang="en-US" dirty="0"/>
+                    </a:p>
+                  </a:txBody>
+                  <a:tcPr/>
+                </a:tc>
+                <a:tc>
+                  <a:txBody>
+                    <a:bodyPr/>
+                    <a:lstStyle/>
+                    <a:p>
+                      <a:r>
+                        <a:rPr lang="en-US" dirty="0" smtClean="0"/>
+                        <a:t>ANT-GPS,</a:t>
+                      </a:r>
+                      <a:r>
+                        <a:rPr lang="en-US" baseline="0" dirty="0" smtClean="0"/>
+                        <a:t> </a:t>
+                      </a:r>
+                      <a:r>
+                        <a:rPr lang="en-US" dirty="0" err="1" smtClean="0"/>
+                        <a:t>SpaceQuest</a:t>
+                      </a:r>
+                      <a:endParaRPr lang="en-US" dirty="0"/>
+                    </a:p>
+                  </a:txBody>
+                  <a:tcPr/>
+                </a:tc>
+                <a:tc>
+                  <a:txBody>
+                    <a:bodyPr/>
+                    <a:lstStyle/>
+                    <a:p>
+                      <a:r>
+                        <a:rPr lang="en-US" dirty="0" smtClean="0"/>
+                        <a:t>2G15A-XTB-1-N,</a:t>
+                      </a:r>
+                      <a:r>
+                        <a:rPr lang="en-US" baseline="0" dirty="0" smtClean="0"/>
+                        <a:t> </a:t>
+                      </a:r>
+                      <a:r>
+                        <a:rPr lang="en-US" dirty="0" err="1" smtClean="0"/>
+                        <a:t>AntCom</a:t>
+                      </a:r>
+                      <a:endParaRPr lang="en-US" dirty="0"/>
+                    </a:p>
+                  </a:txBody>
+                  <a:tcPr/>
+                </a:tc>
+              </a:tr>
+              <a:tr h="488026">
+                <a:tc>
+                  <a:txBody>
+                    <a:bodyPr/>
+                    <a:lstStyle/>
+                    <a:p>
+                      <a:r>
+                        <a:rPr lang="en-US" dirty="0" smtClean="0"/>
+                        <a:t>Type</a:t>
+                      </a:r>
+                      <a:endParaRPr lang="en-US" dirty="0"/>
+                    </a:p>
+                  </a:txBody>
+                  <a:tcPr/>
+                </a:tc>
+                <a:tc>
+                  <a:txBody>
+                    <a:bodyPr/>
+                    <a:lstStyle/>
+                    <a:p>
+                      <a:r>
+                        <a:rPr lang="en-US" dirty="0" smtClean="0"/>
+                        <a:t>Patch</a:t>
+                      </a:r>
+                      <a:endParaRPr lang="en-US" dirty="0"/>
+                    </a:p>
+                  </a:txBody>
+                  <a:tcPr/>
+                </a:tc>
+                <a:tc>
+                  <a:txBody>
+                    <a:bodyPr/>
+                    <a:lstStyle/>
+                    <a:p>
+                      <a:r>
+                        <a:rPr lang="en-US" dirty="0" smtClean="0"/>
+                        <a:t>Patch</a:t>
+                      </a:r>
+                      <a:endParaRPr lang="en-US" dirty="0"/>
+                    </a:p>
+                  </a:txBody>
+                  <a:tcPr/>
+                </a:tc>
+                <a:tc>
+                  <a:txBody>
+                    <a:bodyPr/>
+                    <a:lstStyle/>
+                    <a:p>
+                      <a:r>
+                        <a:rPr lang="en-US" dirty="0" smtClean="0"/>
+                        <a:t>Boxed</a:t>
+                      </a:r>
+                      <a:endParaRPr lang="en-US" dirty="0"/>
+                    </a:p>
+                  </a:txBody>
+                  <a:tcPr/>
+                </a:tc>
+              </a:tr>
+              <a:tr h="488026">
+                <a:tc>
+                  <a:txBody>
+                    <a:bodyPr/>
+                    <a:lstStyle/>
+                    <a:p>
+                      <a:r>
+                        <a:rPr lang="en-US" dirty="0" smtClean="0"/>
+                        <a:t>Size(in)</a:t>
+                      </a:r>
+                      <a:endParaRPr lang="en-US" dirty="0"/>
+                    </a:p>
+                  </a:txBody>
+                  <a:tcPr/>
+                </a:tc>
+                <a:tc>
+                  <a:txBody>
+                    <a:bodyPr/>
+                    <a:lstStyle/>
+                    <a:p>
+                      <a:r>
+                        <a:rPr lang="en-US" dirty="0" smtClean="0"/>
+                        <a:t>3 </a:t>
+                      </a:r>
+                      <a:r>
+                        <a:rPr lang="en-US" dirty="0" smtClean="0"/>
+                        <a:t>x</a:t>
+                      </a:r>
+                      <a:r>
+                        <a:rPr lang="en-US" baseline="0" dirty="0" smtClean="0"/>
+                        <a:t> 3</a:t>
+                      </a:r>
+                      <a:endParaRPr lang="en-US" dirty="0"/>
+                    </a:p>
+                  </a:txBody>
+                  <a:tcPr/>
+                </a:tc>
+                <a:tc>
+                  <a:txBody>
+                    <a:bodyPr/>
+                    <a:lstStyle/>
+                    <a:p>
+                      <a:r>
+                        <a:rPr lang="en-US" dirty="0" smtClean="0"/>
+                        <a:t>2 </a:t>
+                      </a:r>
+                      <a:r>
+                        <a:rPr lang="en-US" dirty="0" smtClean="0"/>
+                        <a:t>x 2</a:t>
+                      </a:r>
+                      <a:endParaRPr lang="en-US" dirty="0"/>
+                    </a:p>
+                  </a:txBody>
+                  <a:tcPr/>
+                </a:tc>
+                <a:tc>
+                  <a:txBody>
+                    <a:bodyPr/>
+                    <a:lstStyle/>
+                    <a:p>
+                      <a:r>
+                        <a:rPr lang="en-US" dirty="0" smtClean="0"/>
+                        <a:t>2.6 </a:t>
+                      </a:r>
+                      <a:r>
+                        <a:rPr lang="en-US" dirty="0" err="1" smtClean="0"/>
+                        <a:t>Dia</a:t>
+                      </a:r>
+                      <a:r>
+                        <a:rPr lang="en-US" baseline="0" dirty="0" smtClean="0"/>
+                        <a:t> </a:t>
+                      </a:r>
+                      <a:endParaRPr lang="en-US" dirty="0"/>
+                    </a:p>
+                  </a:txBody>
+                  <a:tcPr/>
+                </a:tc>
+              </a:tr>
+              <a:tr h="488026">
+                <a:tc>
+                  <a:txBody>
+                    <a:bodyPr/>
+                    <a:lstStyle/>
+                    <a:p>
+                      <a:pPr marL="0" marR="0" indent="0" algn="l" defTabSz="457200" rtl="0" eaLnBrk="1" fontAlgn="auto" latinLnBrk="0" hangingPunct="1">
+                        <a:lnSpc>
+                          <a:spcPct val="100000"/>
+                        </a:lnSpc>
+                        <a:spcBef>
+                          <a:spcPts val="0"/>
+                        </a:spcBef>
+                        <a:spcAft>
+                          <a:spcPts val="0"/>
+                        </a:spcAft>
+                        <a:buClrTx/>
+                        <a:buSzTx/>
+                        <a:buFontTx/>
+                        <a:buNone/>
+                        <a:tabLst/>
+                        <a:defRPr/>
+                      </a:pPr>
+                      <a:r>
+                        <a:rPr lang="en-US" dirty="0" smtClean="0"/>
+                        <a:t>Weight(g)</a:t>
+                      </a:r>
+                      <a:endParaRPr lang="en-US" dirty="0" smtClean="0"/>
+                    </a:p>
+                  </a:txBody>
+                  <a:tcPr/>
+                </a:tc>
+                <a:tc>
+                  <a:txBody>
+                    <a:bodyPr/>
+                    <a:lstStyle/>
+                    <a:p>
+                      <a:r>
+                        <a:rPr lang="en-US" dirty="0" smtClean="0"/>
+                        <a:t>100</a:t>
+                      </a:r>
+                      <a:endParaRPr lang="en-US" dirty="0"/>
+                    </a:p>
+                  </a:txBody>
+                  <a:tcPr/>
+                </a:tc>
+                <a:tc>
+                  <a:txBody>
+                    <a:bodyPr/>
+                    <a:lstStyle/>
+                    <a:p>
+                      <a:r>
+                        <a:rPr lang="en-US" dirty="0" smtClean="0"/>
+                        <a:t>82</a:t>
+                      </a:r>
+                      <a:endParaRPr lang="en-US" dirty="0"/>
+                    </a:p>
+                  </a:txBody>
+                  <a:tcPr/>
+                </a:tc>
+                <a:tc>
+                  <a:txBody>
+                    <a:bodyPr/>
+                    <a:lstStyle/>
+                    <a:p>
+                      <a:r>
+                        <a:rPr lang="en-US" dirty="0" smtClean="0"/>
+                        <a:t>110</a:t>
+                      </a:r>
+                      <a:endParaRPr lang="en-US" dirty="0"/>
+                    </a:p>
+                  </a:txBody>
+                  <a:tcPr/>
+                </a:tc>
+              </a:tr>
+              <a:tr h="885428">
+                <a:tc>
+                  <a:txBody>
+                    <a:bodyPr/>
+                    <a:lstStyle/>
+                    <a:p>
+                      <a:pPr marL="0" marR="0" indent="0" algn="l" defTabSz="457200" rtl="0" eaLnBrk="1" fontAlgn="auto" latinLnBrk="0" hangingPunct="1">
+                        <a:lnSpc>
+                          <a:spcPct val="100000"/>
+                        </a:lnSpc>
+                        <a:spcBef>
+                          <a:spcPts val="0"/>
+                        </a:spcBef>
+                        <a:spcAft>
+                          <a:spcPts val="0"/>
+                        </a:spcAft>
+                        <a:buClrTx/>
+                        <a:buSzTx/>
+                        <a:buFontTx/>
+                        <a:buNone/>
+                        <a:tabLst/>
+                        <a:defRPr/>
+                      </a:pPr>
+                      <a:r>
+                        <a:rPr lang="en-US" dirty="0" smtClean="0"/>
+                        <a:t>Space </a:t>
+                      </a:r>
+                      <a:r>
+                        <a:rPr lang="en-US" dirty="0" smtClean="0"/>
+                        <a:t>Heritage</a:t>
+                      </a:r>
+                      <a:endParaRPr lang="en-US" dirty="0"/>
+                    </a:p>
+                  </a:txBody>
+                  <a:tcPr/>
+                </a:tc>
+                <a:tc>
+                  <a:txBody>
+                    <a:bodyPr/>
+                    <a:lstStyle/>
+                    <a:p>
+                      <a:pPr marL="0" marR="0" indent="0" algn="l" defTabSz="457200" rtl="0" eaLnBrk="1" fontAlgn="auto" latinLnBrk="0" hangingPunct="1">
+                        <a:lnSpc>
+                          <a:spcPct val="100000"/>
+                        </a:lnSpc>
+                        <a:spcBef>
+                          <a:spcPts val="0"/>
+                        </a:spcBef>
+                        <a:spcAft>
+                          <a:spcPts val="0"/>
+                        </a:spcAft>
+                        <a:buClrTx/>
+                        <a:buSzTx/>
+                        <a:buFontTx/>
+                        <a:buNone/>
+                        <a:tabLst/>
+                        <a:defRPr/>
+                      </a:pPr>
+                      <a:r>
+                        <a:rPr lang="en-US" baseline="0" dirty="0" smtClean="0"/>
+                        <a:t>DOD</a:t>
+                      </a:r>
+                      <a:r>
+                        <a:rPr lang="en-US" baseline="0" dirty="0" smtClean="0"/>
+                        <a:t>, NASA, and USAF</a:t>
+                      </a:r>
+                      <a:endParaRPr lang="en-US" dirty="0" smtClean="0"/>
+                    </a:p>
+                  </a:txBody>
+                  <a:tcPr/>
+                </a:tc>
+                <a:tc>
+                  <a:txBody>
+                    <a:bodyPr/>
+                    <a:lstStyle/>
+                    <a:p>
+                      <a:pPr marL="0" marR="0" indent="0" algn="l" defTabSz="457200" rtl="0" eaLnBrk="1" fontAlgn="auto" latinLnBrk="0" hangingPunct="1">
+                        <a:lnSpc>
+                          <a:spcPct val="100000"/>
+                        </a:lnSpc>
+                        <a:spcBef>
+                          <a:spcPts val="0"/>
+                        </a:spcBef>
+                        <a:spcAft>
+                          <a:spcPts val="0"/>
+                        </a:spcAft>
+                        <a:buClrTx/>
+                        <a:buSzTx/>
+                        <a:buFontTx/>
+                        <a:buNone/>
+                        <a:tabLst/>
+                        <a:defRPr/>
+                      </a:pPr>
+                      <a:r>
+                        <a:rPr lang="en-US" baseline="0" dirty="0" smtClean="0"/>
+                        <a:t>SpaceX</a:t>
+                      </a:r>
+                      <a:r>
+                        <a:rPr lang="en-US" baseline="0" dirty="0" smtClean="0"/>
+                        <a:t>, NASA, and USAF</a:t>
+                      </a:r>
+                      <a:endParaRPr lang="en-US" dirty="0" smtClean="0"/>
+                    </a:p>
+                  </a:txBody>
+                  <a:tcPr/>
+                </a:tc>
+                <a:tc>
+                  <a:txBody>
+                    <a:bodyPr/>
+                    <a:lstStyle/>
+                    <a:p>
+                      <a:r>
+                        <a:rPr lang="en-US" baseline="0" dirty="0" smtClean="0"/>
+                        <a:t>HASP</a:t>
+                      </a:r>
+                      <a:endParaRPr lang="en-US" dirty="0"/>
+                    </a:p>
+                  </a:txBody>
+                  <a:tcPr/>
+                </a:tc>
+              </a:tr>
+            </a:tbl>
+          </a:graphicData>
+        </a:graphic>
+      </p:graphicFrame>
+    </p:spTree>
+    <p:extLst>
+      <p:ext uri="{BB962C8B-B14F-4D97-AF65-F5344CB8AC3E}">
+        <p14:creationId xmlns:p14="http://schemas.microsoft.com/office/powerpoint/2010/main" val="2492173471"/>
+      </p:ext>
+    </p:extLst>
+  </p:cSld>
+  <p:clrMapOvr>
+    <a:masterClrMapping/>
+  </p:clrMapOvr>
 </p:sld>
 </file>
 

--- a/Presentations/CDR_Presentation.pptx
+++ b/Presentations/CDR_Presentation.pptx
@@ -8258,6 +8258,10 @@
           </a:p>
           <a:p>
             <a:pPr lvl="1"/>
+            <a:endParaRPr lang="en-US" dirty="0" smtClean="0"/>
+          </a:p>
+          <a:p>
+            <a:pPr lvl="1"/>
             <a:r>
               <a:rPr lang="en-US" dirty="0" smtClean="0"/>
               <a:t>The </a:t>
@@ -8422,16 +8426,56 @@
           </a:p>
           <a:p>
             <a:pPr lvl="1"/>
+            <a:endParaRPr lang="en-US" sz="2000" dirty="0" smtClean="0"/>
+          </a:p>
+          <a:p>
+            <a:pPr lvl="1"/>
+            <a:r>
+              <a:rPr lang="en-US" sz="2000" dirty="0" smtClean="0"/>
+              <a:t>Shall </a:t>
+            </a:r>
             <a:r>
               <a:rPr lang="en-US" sz="2000" dirty="0"/>
-              <a:t>Shall accept X-ray Detector as a payload</a:t>
+              <a:t>accept </a:t>
+            </a:r>
+            <a:r>
+              <a:rPr lang="en-US" sz="2000" dirty="0" smtClean="0"/>
+              <a:t>“</a:t>
+            </a:r>
+            <a:r>
+              <a:rPr lang="en-US" sz="2000" dirty="0" smtClean="0"/>
+              <a:t>GRID”</a:t>
+            </a:r>
+            <a:r>
+              <a:rPr lang="en-US" sz="2000" dirty="0" smtClean="0"/>
+              <a:t> </a:t>
+            </a:r>
+            <a:r>
+              <a:rPr lang="en-US" sz="2000" dirty="0"/>
+              <a:t>as a payload</a:t>
             </a:r>
           </a:p>
           <a:p>
             <a:pPr lvl="2"/>
             <a:r>
               <a:rPr lang="en-US" sz="1800" dirty="0"/>
-              <a:t>Supplies payload with power (5W) and communication requirements</a:t>
+              <a:t>Supplies payload with power </a:t>
+            </a:r>
+            <a:r>
+              <a:rPr lang="en-US" sz="1800" dirty="0" smtClean="0"/>
+              <a:t>(3~5W/</a:t>
+            </a:r>
+            <a:r>
+              <a:rPr lang="en-US" sz="1800" dirty="0" err="1" smtClean="0"/>
+              <a:t>hr</a:t>
+            </a:r>
+            <a:r>
+              <a:rPr lang="en-US" sz="1800" dirty="0" smtClean="0"/>
+              <a:t>) </a:t>
+            </a:r>
+            <a:r>
+              <a:rPr lang="en-US" sz="1800" dirty="0"/>
+              <a:t>and communication requirements</a:t>
             </a:r>
           </a:p>
           <a:p>
@@ -8474,23 +8518,6 @@
                 </a:solidFill>
               </a:rPr>
               <a:t>http://www.nasa.gov/pdf/627972main_LSP-REQ-317_01A.pdf</a:t>
-            </a:r>
-          </a:p>
-          <a:p>
-            <a:endParaRPr lang="en-US" sz="2400" dirty="0"/>
-          </a:p>
-          <a:p>
-            <a:pPr lvl="1"/>
-            <a:r>
-              <a:rPr lang="en-US" sz="2000" dirty="0"/>
-              <a:t>Shall meet “Industrial Grade” environmental requirements</a:t>
-            </a:r>
-          </a:p>
-          <a:p>
-            <a:pPr lvl="2"/>
-            <a:r>
-              <a:rPr lang="en-US" sz="1800" dirty="0"/>
-              <a:t>Defined as -40ºC to 85ºC</a:t>
             </a:r>
           </a:p>
           <a:p>

--- a/Presentations/CDR_Presentation.pptx
+++ b/Presentations/CDR_Presentation.pptx
@@ -5,7 +5,7 @@
     <p:sldMasterId id="2147483660" r:id="rId1"/>
   </p:sldMasterIdLst>
   <p:notesMasterIdLst>
-    <p:notesMasterId r:id="rId16"/>
+    <p:notesMasterId r:id="rId21"/>
   </p:notesMasterIdLst>
   <p:sldIdLst>
     <p:sldId id="256" r:id="rId2"/>
@@ -15,13 +15,18 @@
     <p:sldId id="264" r:id="rId6"/>
     <p:sldId id="266" r:id="rId7"/>
     <p:sldId id="267" r:id="rId8"/>
-    <p:sldId id="261" r:id="rId9"/>
-    <p:sldId id="270" r:id="rId10"/>
-    <p:sldId id="271" r:id="rId11"/>
-    <p:sldId id="272" r:id="rId12"/>
-    <p:sldId id="273" r:id="rId13"/>
-    <p:sldId id="269" r:id="rId14"/>
-    <p:sldId id="268" r:id="rId15"/>
+    <p:sldId id="276" r:id="rId9"/>
+    <p:sldId id="277" r:id="rId10"/>
+    <p:sldId id="261" r:id="rId11"/>
+    <p:sldId id="274" r:id="rId12"/>
+    <p:sldId id="270" r:id="rId13"/>
+    <p:sldId id="275" r:id="rId14"/>
+    <p:sldId id="271" r:id="rId15"/>
+    <p:sldId id="278" r:id="rId16"/>
+    <p:sldId id="272" r:id="rId17"/>
+    <p:sldId id="279" r:id="rId18"/>
+    <p:sldId id="269" r:id="rId19"/>
+    <p:sldId id="268" r:id="rId20"/>
   </p:sldIdLst>
   <p:sldSz cx="12192000" cy="6858000"/>
   <p:notesSz cx="6858000" cy="9144000"/>
@@ -144,11 +149,16 @@
         </p14:section>
         <p14:section name="Design" id="{469F1377-38AB-4B9C-9F1F-68C5796EAF33}">
           <p14:sldIdLst>
+            <p14:sldId id="276"/>
+            <p14:sldId id="277"/>
             <p14:sldId id="261"/>
+            <p14:sldId id="274"/>
             <p14:sldId id="270"/>
+            <p14:sldId id="275"/>
             <p14:sldId id="271"/>
+            <p14:sldId id="278"/>
             <p14:sldId id="272"/>
-            <p14:sldId id="273"/>
+            <p14:sldId id="279"/>
           </p14:sldIdLst>
         </p14:section>
         <p14:section name="Budget" id="{509844D8-6DEF-47F2-B408-665832A1E0E3}">
@@ -6587,7 +6597,7 @@
                   </a:schemeClr>
                 </a:solidFill>
               </a:rPr>
-              <a:t>Design - Communications</a:t>
+              <a:t>Design</a:t>
             </a:r>
             <a:endParaRPr lang="en-US" dirty="0">
               <a:solidFill>
@@ -6657,7 +6667,7 @@
     </p:spTree>
     <p:extLst>
       <p:ext uri="{BB962C8B-B14F-4D97-AF65-F5344CB8AC3E}">
-        <p14:creationId xmlns:p14="http://schemas.microsoft.com/office/powerpoint/2010/main" val="971149973"/>
+        <p14:creationId xmlns:p14="http://schemas.microsoft.com/office/powerpoint/2010/main" val="3666959349"/>
       </p:ext>
     </p:extLst>
   </p:cSld>
@@ -6708,7 +6718,7 @@
                   </a:schemeClr>
                 </a:solidFill>
               </a:rPr>
-              <a:t>Design - Power</a:t>
+              <a:t>Wiring</a:t>
             </a:r>
             <a:endParaRPr lang="en-US" dirty="0">
               <a:solidFill>
@@ -6721,35 +6731,29 @@
           </a:p>
         </p:txBody>
       </p:sp>
-      <p:pic>
-        <p:nvPicPr>
-          <p:cNvPr id="5" name="Content Placeholder 4"/>
-          <p:cNvPicPr>
-            <a:picLocks noGrp="1" noChangeAspect="1"/>
-          </p:cNvPicPr>
+      <p:sp>
+        <p:nvSpPr>
+          <p:cNvPr id="3" name="Content Placeholder 2"/>
+          <p:cNvSpPr>
+            <a:spLocks noGrp="1"/>
+          </p:cNvSpPr>
           <p:nvPr>
             <p:ph idx="1"/>
           </p:nvPr>
-        </p:nvPicPr>
-        <p:blipFill>
-          <a:blip r:embed="rId2">
-            <a:extLst>
-              <a:ext uri="{28A0092B-C50C-407E-A947-70E740481C1C}">
-                <a14:useLocalDpi xmlns:a14="http://schemas.microsoft.com/office/drawing/2010/main" val="0"/>
-              </a:ext>
-            </a:extLst>
-          </a:blip>
-          <a:stretch>
-            <a:fillRect/>
-          </a:stretch>
-        </p:blipFill>
-        <p:spPr>
-          <a:xfrm>
-            <a:off x="1371030" y="1227138"/>
-            <a:ext cx="8889553" cy="5160962"/>
-          </a:xfrm>
-        </p:spPr>
-      </p:pic>
+        </p:nvSpPr>
+        <p:spPr/>
+        <p:txBody>
+          <a:bodyPr/>
+          <a:lstStyle/>
+          <a:p>
+            <a:r>
+              <a:rPr lang="en-US" dirty="0" smtClean="0"/>
+              <a:t>TO BE COMPLETED</a:t>
+            </a:r>
+            <a:endParaRPr lang="en-US" dirty="0"/>
+          </a:p>
+        </p:txBody>
+      </p:sp>
       <p:sp>
         <p:nvSpPr>
           <p:cNvPr id="4" name="Text Placeholder 3"/>
@@ -6767,18 +6771,14 @@
           </a:bodyPr>
           <a:lstStyle/>
           <a:p>
-            <a:r>
-              <a:rPr lang="en-US" dirty="0" smtClean="0"/>
-              <a:t> </a:t>
-            </a:r>
-            <a:endParaRPr lang="en-US" dirty="0"/>
+            <a:endParaRPr lang="en-US"/>
           </a:p>
         </p:txBody>
       </p:sp>
     </p:spTree>
     <p:extLst>
       <p:ext uri="{BB962C8B-B14F-4D97-AF65-F5344CB8AC3E}">
-        <p14:creationId xmlns:p14="http://schemas.microsoft.com/office/powerpoint/2010/main" val="1036177282"/>
+        <p14:creationId xmlns:p14="http://schemas.microsoft.com/office/powerpoint/2010/main" val="1273437707"/>
       </p:ext>
     </p:extLst>
   </p:cSld>
@@ -6829,7 +6829,7 @@
                   </a:schemeClr>
                 </a:solidFill>
               </a:rPr>
-              <a:t>Design - Structure</a:t>
+              <a:t>Design - ADNCS</a:t>
             </a:r>
             <a:endParaRPr lang="en-US" dirty="0">
               <a:solidFill>
@@ -6842,36 +6842,35 @@
           </a:p>
         </p:txBody>
       </p:sp>
-      <p:sp>
-        <p:nvSpPr>
-          <p:cNvPr id="3" name="Content Placeholder 2"/>
-          <p:cNvSpPr>
-            <a:spLocks noGrp="1"/>
-          </p:cNvSpPr>
+      <p:pic>
+        <p:nvPicPr>
+          <p:cNvPr id="5" name="Content Placeholder 4"/>
+          <p:cNvPicPr>
+            <a:picLocks noGrp="1" noChangeAspect="1"/>
+          </p:cNvPicPr>
           <p:nvPr>
             <p:ph idx="1"/>
           </p:nvPr>
-        </p:nvSpPr>
-        <p:spPr/>
-        <p:txBody>
-          <a:bodyPr/>
-          <a:lstStyle/>
-          <a:p>
-            <a:r>
-              <a:rPr lang="en-US" dirty="0" smtClean="0"/>
-              <a:t>Century College to Manufacture to Specifications</a:t>
-            </a:r>
-          </a:p>
-          <a:p>
-            <a:pPr lvl="1"/>
-            <a:r>
-              <a:rPr lang="en-US" dirty="0" smtClean="0"/>
-              <a:t>Sub Contracted by UMN </a:t>
-            </a:r>
-            <a:endParaRPr lang="en-US" dirty="0"/>
-          </a:p>
-        </p:txBody>
-      </p:sp>
+        </p:nvPicPr>
+        <p:blipFill>
+          <a:blip r:embed="rId2">
+            <a:extLst>
+              <a:ext uri="{28A0092B-C50C-407E-A947-70E740481C1C}">
+                <a14:useLocalDpi xmlns:a14="http://schemas.microsoft.com/office/drawing/2010/main" val="0"/>
+              </a:ext>
+            </a:extLst>
+          </a:blip>
+          <a:stretch>
+            <a:fillRect/>
+          </a:stretch>
+        </p:blipFill>
+        <p:spPr>
+          <a:xfrm>
+            <a:off x="1371030" y="1227138"/>
+            <a:ext cx="8889553" cy="5160962"/>
+          </a:xfrm>
+        </p:spPr>
+      </p:pic>
       <p:sp>
         <p:nvSpPr>
           <p:cNvPr id="4" name="Text Placeholder 3"/>
@@ -6891,7 +6890,7 @@
           <a:p>
             <a:r>
               <a:rPr lang="en-US" dirty="0" smtClean="0"/>
-              <a:t>Charlie</a:t>
+              <a:t> </a:t>
             </a:r>
             <a:endParaRPr lang="en-US" dirty="0"/>
           </a:p>
@@ -6900,7 +6899,7 @@
     </p:spTree>
     <p:extLst>
       <p:ext uri="{BB962C8B-B14F-4D97-AF65-F5344CB8AC3E}">
-        <p14:creationId xmlns:p14="http://schemas.microsoft.com/office/powerpoint/2010/main" val="228254302"/>
+        <p14:creationId xmlns:p14="http://schemas.microsoft.com/office/powerpoint/2010/main" val="198196162"/>
       </p:ext>
     </p:extLst>
   </p:cSld>
@@ -6951,7 +6950,7 @@
                   </a:schemeClr>
                 </a:solidFill>
               </a:rPr>
-              <a:t>FMEA</a:t>
+              <a:t>DESIGN ADNCS</a:t>
             </a:r>
             <a:endParaRPr lang="en-US" dirty="0">
               <a:solidFill>
@@ -6978,6 +6977,597 @@
         <p:txBody>
           <a:bodyPr/>
           <a:lstStyle/>
+          <a:p>
+            <a:r>
+              <a:rPr lang="en-US" dirty="0" smtClean="0"/>
+              <a:t>Passive attitude control decision</a:t>
+            </a:r>
+          </a:p>
+          <a:p>
+            <a:r>
+              <a:rPr lang="en-US" dirty="0"/>
+              <a:t>TO BE COMPLETED</a:t>
+            </a:r>
+          </a:p>
+          <a:p>
+            <a:endParaRPr lang="en-US" dirty="0"/>
+          </a:p>
+        </p:txBody>
+      </p:sp>
+      <p:sp>
+        <p:nvSpPr>
+          <p:cNvPr id="4" name="Text Placeholder 3"/>
+          <p:cNvSpPr>
+            <a:spLocks noGrp="1"/>
+          </p:cNvSpPr>
+          <p:nvPr>
+            <p:ph type="body" sz="quarter" idx="10"/>
+          </p:nvPr>
+        </p:nvSpPr>
+        <p:spPr/>
+        <p:txBody>
+          <a:bodyPr>
+            <a:normAutofit fontScale="92500" lnSpcReduction="10000"/>
+          </a:bodyPr>
+          <a:lstStyle/>
+          <a:p>
+            <a:endParaRPr lang="en-US"/>
+          </a:p>
+        </p:txBody>
+      </p:sp>
+    </p:spTree>
+    <p:extLst>
+      <p:ext uri="{BB962C8B-B14F-4D97-AF65-F5344CB8AC3E}">
+        <p14:creationId xmlns:p14="http://schemas.microsoft.com/office/powerpoint/2010/main" val="3156134388"/>
+      </p:ext>
+    </p:extLst>
+  </p:cSld>
+  <p:clrMapOvr>
+    <a:masterClrMapping/>
+  </p:clrMapOvr>
+</p:sld>
+</file>
+
+<file path=ppt/slides/slide14.xml><?xml version="1.0" encoding="utf-8"?>
+<p:sld xmlns:a="http://schemas.openxmlformats.org/drawingml/2006/main" xmlns:r="http://schemas.openxmlformats.org/officeDocument/2006/relationships" xmlns:p="http://schemas.openxmlformats.org/presentationml/2006/main">
+  <p:cSld>
+    <p:spTree>
+      <p:nvGrpSpPr>
+        <p:cNvPr id="1" name=""/>
+        <p:cNvGrpSpPr/>
+        <p:nvPr/>
+      </p:nvGrpSpPr>
+      <p:grpSpPr>
+        <a:xfrm>
+          <a:off x="0" y="0"/>
+          <a:ext cx="0" cy="0"/>
+          <a:chOff x="0" y="0"/>
+          <a:chExt cx="0" cy="0"/>
+        </a:xfrm>
+      </p:grpSpPr>
+      <p:sp>
+        <p:nvSpPr>
+          <p:cNvPr id="2" name="Title 1"/>
+          <p:cNvSpPr>
+            <a:spLocks noGrp="1"/>
+          </p:cNvSpPr>
+          <p:nvPr>
+            <p:ph type="title"/>
+          </p:nvPr>
+        </p:nvSpPr>
+        <p:spPr/>
+        <p:txBody>
+          <a:bodyPr/>
+          <a:lstStyle/>
+          <a:p>
+            <a:r>
+              <a:rPr lang="en-US" dirty="0" smtClean="0">
+                <a:solidFill>
+                  <a:schemeClr val="bg1">
+                    <a:lumMod val="50000"/>
+                    <a:lumOff val="50000"/>
+                  </a:schemeClr>
+                </a:solidFill>
+              </a:rPr>
+              <a:t>Design - Communications</a:t>
+            </a:r>
+            <a:endParaRPr lang="en-US" dirty="0">
+              <a:solidFill>
+                <a:schemeClr val="bg1">
+                  <a:lumMod val="50000"/>
+                  <a:lumOff val="50000"/>
+                </a:schemeClr>
+              </a:solidFill>
+            </a:endParaRPr>
+          </a:p>
+        </p:txBody>
+      </p:sp>
+      <p:pic>
+        <p:nvPicPr>
+          <p:cNvPr id="5" name="Content Placeholder 4"/>
+          <p:cNvPicPr>
+            <a:picLocks noGrp="1" noChangeAspect="1"/>
+          </p:cNvPicPr>
+          <p:nvPr>
+            <p:ph idx="1"/>
+          </p:nvPr>
+        </p:nvPicPr>
+        <p:blipFill>
+          <a:blip r:embed="rId2">
+            <a:extLst>
+              <a:ext uri="{28A0092B-C50C-407E-A947-70E740481C1C}">
+                <a14:useLocalDpi xmlns:a14="http://schemas.microsoft.com/office/drawing/2010/main" val="0"/>
+              </a:ext>
+            </a:extLst>
+          </a:blip>
+          <a:stretch>
+            <a:fillRect/>
+          </a:stretch>
+        </p:blipFill>
+        <p:spPr>
+          <a:xfrm>
+            <a:off x="1371030" y="1227138"/>
+            <a:ext cx="8889553" cy="5160962"/>
+          </a:xfrm>
+        </p:spPr>
+      </p:pic>
+      <p:sp>
+        <p:nvSpPr>
+          <p:cNvPr id="4" name="Text Placeholder 3"/>
+          <p:cNvSpPr>
+            <a:spLocks noGrp="1"/>
+          </p:cNvSpPr>
+          <p:nvPr>
+            <p:ph type="body" sz="quarter" idx="10"/>
+          </p:nvPr>
+        </p:nvSpPr>
+        <p:spPr/>
+        <p:txBody>
+          <a:bodyPr>
+            <a:normAutofit fontScale="92500" lnSpcReduction="10000"/>
+          </a:bodyPr>
+          <a:lstStyle/>
+          <a:p>
+            <a:r>
+              <a:rPr lang="en-US" dirty="0" smtClean="0"/>
+              <a:t> </a:t>
+            </a:r>
+            <a:endParaRPr lang="en-US" dirty="0"/>
+          </a:p>
+        </p:txBody>
+      </p:sp>
+    </p:spTree>
+    <p:extLst>
+      <p:ext uri="{BB962C8B-B14F-4D97-AF65-F5344CB8AC3E}">
+        <p14:creationId xmlns:p14="http://schemas.microsoft.com/office/powerpoint/2010/main" val="971149973"/>
+      </p:ext>
+    </p:extLst>
+  </p:cSld>
+  <p:clrMapOvr>
+    <a:masterClrMapping/>
+  </p:clrMapOvr>
+</p:sld>
+</file>
+
+<file path=ppt/slides/slide15.xml><?xml version="1.0" encoding="utf-8"?>
+<p:sld xmlns:a="http://schemas.openxmlformats.org/drawingml/2006/main" xmlns:r="http://schemas.openxmlformats.org/officeDocument/2006/relationships" xmlns:p="http://schemas.openxmlformats.org/presentationml/2006/main">
+  <p:cSld>
+    <p:spTree>
+      <p:nvGrpSpPr>
+        <p:cNvPr id="1" name=""/>
+        <p:cNvGrpSpPr/>
+        <p:nvPr/>
+      </p:nvGrpSpPr>
+      <p:grpSpPr>
+        <a:xfrm>
+          <a:off x="0" y="0"/>
+          <a:ext cx="0" cy="0"/>
+          <a:chOff x="0" y="0"/>
+          <a:chExt cx="0" cy="0"/>
+        </a:xfrm>
+      </p:grpSpPr>
+      <p:sp>
+        <p:nvSpPr>
+          <p:cNvPr id="2" name="Title 1"/>
+          <p:cNvSpPr>
+            <a:spLocks noGrp="1"/>
+          </p:cNvSpPr>
+          <p:nvPr>
+            <p:ph type="title"/>
+          </p:nvPr>
+        </p:nvSpPr>
+        <p:spPr/>
+        <p:txBody>
+          <a:bodyPr/>
+          <a:lstStyle/>
+          <a:p>
+            <a:r>
+              <a:rPr lang="en-US" dirty="0" smtClean="0">
+                <a:solidFill>
+                  <a:schemeClr val="bg1">
+                    <a:lumMod val="50000"/>
+                    <a:lumOff val="50000"/>
+                  </a:schemeClr>
+                </a:solidFill>
+              </a:rPr>
+              <a:t>Design – Link Budget</a:t>
+            </a:r>
+            <a:endParaRPr lang="en-US" dirty="0">
+              <a:solidFill>
+                <a:schemeClr val="bg1">
+                  <a:lumMod val="50000"/>
+                  <a:lumOff val="50000"/>
+                </a:schemeClr>
+              </a:solidFill>
+            </a:endParaRPr>
+          </a:p>
+        </p:txBody>
+      </p:sp>
+      <p:sp>
+        <p:nvSpPr>
+          <p:cNvPr id="3" name="Content Placeholder 2"/>
+          <p:cNvSpPr>
+            <a:spLocks noGrp="1"/>
+          </p:cNvSpPr>
+          <p:nvPr>
+            <p:ph idx="1"/>
+          </p:nvPr>
+        </p:nvSpPr>
+        <p:spPr/>
+        <p:txBody>
+          <a:bodyPr/>
+          <a:lstStyle/>
+          <a:p>
+            <a:r>
+              <a:rPr lang="en-US" dirty="0"/>
+              <a:t>TO BE COMPLETED</a:t>
+            </a:r>
+          </a:p>
+          <a:p>
+            <a:endParaRPr lang="en-US" dirty="0"/>
+          </a:p>
+        </p:txBody>
+      </p:sp>
+      <p:sp>
+        <p:nvSpPr>
+          <p:cNvPr id="4" name="Text Placeholder 3"/>
+          <p:cNvSpPr>
+            <a:spLocks noGrp="1"/>
+          </p:cNvSpPr>
+          <p:nvPr>
+            <p:ph type="body" sz="quarter" idx="10"/>
+          </p:nvPr>
+        </p:nvSpPr>
+        <p:spPr/>
+        <p:txBody>
+          <a:bodyPr>
+            <a:normAutofit fontScale="92500" lnSpcReduction="10000"/>
+          </a:bodyPr>
+          <a:lstStyle/>
+          <a:p>
+            <a:endParaRPr lang="en-US"/>
+          </a:p>
+        </p:txBody>
+      </p:sp>
+    </p:spTree>
+    <p:extLst>
+      <p:ext uri="{BB962C8B-B14F-4D97-AF65-F5344CB8AC3E}">
+        <p14:creationId xmlns:p14="http://schemas.microsoft.com/office/powerpoint/2010/main" val="555483364"/>
+      </p:ext>
+    </p:extLst>
+  </p:cSld>
+  <p:clrMapOvr>
+    <a:masterClrMapping/>
+  </p:clrMapOvr>
+</p:sld>
+</file>
+
+<file path=ppt/slides/slide16.xml><?xml version="1.0" encoding="utf-8"?>
+<p:sld xmlns:a="http://schemas.openxmlformats.org/drawingml/2006/main" xmlns:r="http://schemas.openxmlformats.org/officeDocument/2006/relationships" xmlns:p="http://schemas.openxmlformats.org/presentationml/2006/main">
+  <p:cSld>
+    <p:spTree>
+      <p:nvGrpSpPr>
+        <p:cNvPr id="1" name=""/>
+        <p:cNvGrpSpPr/>
+        <p:nvPr/>
+      </p:nvGrpSpPr>
+      <p:grpSpPr>
+        <a:xfrm>
+          <a:off x="0" y="0"/>
+          <a:ext cx="0" cy="0"/>
+          <a:chOff x="0" y="0"/>
+          <a:chExt cx="0" cy="0"/>
+        </a:xfrm>
+      </p:grpSpPr>
+      <p:sp>
+        <p:nvSpPr>
+          <p:cNvPr id="2" name="Title 1"/>
+          <p:cNvSpPr>
+            <a:spLocks noGrp="1"/>
+          </p:cNvSpPr>
+          <p:nvPr>
+            <p:ph type="title"/>
+          </p:nvPr>
+        </p:nvSpPr>
+        <p:spPr/>
+        <p:txBody>
+          <a:bodyPr/>
+          <a:lstStyle/>
+          <a:p>
+            <a:r>
+              <a:rPr lang="en-US" dirty="0" smtClean="0">
+                <a:solidFill>
+                  <a:schemeClr val="bg1">
+                    <a:lumMod val="50000"/>
+                    <a:lumOff val="50000"/>
+                  </a:schemeClr>
+                </a:solidFill>
+              </a:rPr>
+              <a:t>Design - Power</a:t>
+            </a:r>
+            <a:endParaRPr lang="en-US" dirty="0">
+              <a:solidFill>
+                <a:schemeClr val="bg1">
+                  <a:lumMod val="50000"/>
+                  <a:lumOff val="50000"/>
+                </a:schemeClr>
+              </a:solidFill>
+            </a:endParaRPr>
+          </a:p>
+        </p:txBody>
+      </p:sp>
+      <p:pic>
+        <p:nvPicPr>
+          <p:cNvPr id="5" name="Content Placeholder 4"/>
+          <p:cNvPicPr>
+            <a:picLocks noGrp="1" noChangeAspect="1"/>
+          </p:cNvPicPr>
+          <p:nvPr>
+            <p:ph idx="1"/>
+          </p:nvPr>
+        </p:nvPicPr>
+        <p:blipFill>
+          <a:blip r:embed="rId2">
+            <a:extLst>
+              <a:ext uri="{28A0092B-C50C-407E-A947-70E740481C1C}">
+                <a14:useLocalDpi xmlns:a14="http://schemas.microsoft.com/office/drawing/2010/main" val="0"/>
+              </a:ext>
+            </a:extLst>
+          </a:blip>
+          <a:stretch>
+            <a:fillRect/>
+          </a:stretch>
+        </p:blipFill>
+        <p:spPr>
+          <a:xfrm>
+            <a:off x="1371030" y="1227138"/>
+            <a:ext cx="8889553" cy="5160962"/>
+          </a:xfrm>
+        </p:spPr>
+      </p:pic>
+      <p:sp>
+        <p:nvSpPr>
+          <p:cNvPr id="4" name="Text Placeholder 3"/>
+          <p:cNvSpPr>
+            <a:spLocks noGrp="1"/>
+          </p:cNvSpPr>
+          <p:nvPr>
+            <p:ph type="body" sz="quarter" idx="10"/>
+          </p:nvPr>
+        </p:nvSpPr>
+        <p:spPr/>
+        <p:txBody>
+          <a:bodyPr>
+            <a:normAutofit fontScale="92500" lnSpcReduction="10000"/>
+          </a:bodyPr>
+          <a:lstStyle/>
+          <a:p>
+            <a:r>
+              <a:rPr lang="en-US" dirty="0" smtClean="0"/>
+              <a:t> </a:t>
+            </a:r>
+            <a:endParaRPr lang="en-US" dirty="0"/>
+          </a:p>
+        </p:txBody>
+      </p:sp>
+    </p:spTree>
+    <p:extLst>
+      <p:ext uri="{BB962C8B-B14F-4D97-AF65-F5344CB8AC3E}">
+        <p14:creationId xmlns:p14="http://schemas.microsoft.com/office/powerpoint/2010/main" val="1036177282"/>
+      </p:ext>
+    </p:extLst>
+  </p:cSld>
+  <p:clrMapOvr>
+    <a:masterClrMapping/>
+  </p:clrMapOvr>
+</p:sld>
+</file>
+
+<file path=ppt/slides/slide17.xml><?xml version="1.0" encoding="utf-8"?>
+<p:sld xmlns:a="http://schemas.openxmlformats.org/drawingml/2006/main" xmlns:r="http://schemas.openxmlformats.org/officeDocument/2006/relationships" xmlns:p="http://schemas.openxmlformats.org/presentationml/2006/main">
+  <p:cSld>
+    <p:spTree>
+      <p:nvGrpSpPr>
+        <p:cNvPr id="1" name=""/>
+        <p:cNvGrpSpPr/>
+        <p:nvPr/>
+      </p:nvGrpSpPr>
+      <p:grpSpPr>
+        <a:xfrm>
+          <a:off x="0" y="0"/>
+          <a:ext cx="0" cy="0"/>
+          <a:chOff x="0" y="0"/>
+          <a:chExt cx="0" cy="0"/>
+        </a:xfrm>
+      </p:grpSpPr>
+      <p:sp>
+        <p:nvSpPr>
+          <p:cNvPr id="2" name="Title 1"/>
+          <p:cNvSpPr>
+            <a:spLocks noGrp="1"/>
+          </p:cNvSpPr>
+          <p:nvPr>
+            <p:ph type="title"/>
+          </p:nvPr>
+        </p:nvSpPr>
+        <p:spPr/>
+        <p:txBody>
+          <a:bodyPr/>
+          <a:lstStyle/>
+          <a:p>
+            <a:r>
+              <a:rPr lang="en-US" dirty="0" smtClean="0">
+                <a:solidFill>
+                  <a:schemeClr val="bg1">
+                    <a:lumMod val="50000"/>
+                    <a:lumOff val="50000"/>
+                  </a:schemeClr>
+                </a:solidFill>
+              </a:rPr>
+              <a:t>Design – Power Budget</a:t>
+            </a:r>
+            <a:endParaRPr lang="en-US" dirty="0">
+              <a:solidFill>
+                <a:schemeClr val="bg1">
+                  <a:lumMod val="50000"/>
+                  <a:lumOff val="50000"/>
+                </a:schemeClr>
+              </a:solidFill>
+            </a:endParaRPr>
+          </a:p>
+        </p:txBody>
+      </p:sp>
+      <p:sp>
+        <p:nvSpPr>
+          <p:cNvPr id="3" name="Content Placeholder 2"/>
+          <p:cNvSpPr>
+            <a:spLocks noGrp="1"/>
+          </p:cNvSpPr>
+          <p:nvPr>
+            <p:ph idx="1"/>
+          </p:nvPr>
+        </p:nvSpPr>
+        <p:spPr/>
+        <p:txBody>
+          <a:bodyPr/>
+          <a:lstStyle/>
+          <a:p>
+            <a:r>
+              <a:rPr lang="en-US" dirty="0" smtClean="0"/>
+              <a:t>TO BE COMPLETED</a:t>
+            </a:r>
+            <a:endParaRPr lang="en-US" dirty="0"/>
+          </a:p>
+        </p:txBody>
+      </p:sp>
+      <p:sp>
+        <p:nvSpPr>
+          <p:cNvPr id="4" name="Text Placeholder 3"/>
+          <p:cNvSpPr>
+            <a:spLocks noGrp="1"/>
+          </p:cNvSpPr>
+          <p:nvPr>
+            <p:ph type="body" sz="quarter" idx="10"/>
+          </p:nvPr>
+        </p:nvSpPr>
+        <p:spPr/>
+        <p:txBody>
+          <a:bodyPr>
+            <a:normAutofit fontScale="92500" lnSpcReduction="10000"/>
+          </a:bodyPr>
+          <a:lstStyle/>
+          <a:p>
+            <a:endParaRPr lang="en-US"/>
+          </a:p>
+        </p:txBody>
+      </p:sp>
+    </p:spTree>
+    <p:extLst>
+      <p:ext uri="{BB962C8B-B14F-4D97-AF65-F5344CB8AC3E}">
+        <p14:creationId xmlns:p14="http://schemas.microsoft.com/office/powerpoint/2010/main" val="1043457955"/>
+      </p:ext>
+    </p:extLst>
+  </p:cSld>
+  <p:clrMapOvr>
+    <a:masterClrMapping/>
+  </p:clrMapOvr>
+</p:sld>
+</file>
+
+<file path=ppt/slides/slide18.xml><?xml version="1.0" encoding="utf-8"?>
+<p:sld xmlns:a="http://schemas.openxmlformats.org/drawingml/2006/main" xmlns:r="http://schemas.openxmlformats.org/officeDocument/2006/relationships" xmlns:p="http://schemas.openxmlformats.org/presentationml/2006/main">
+  <p:cSld>
+    <p:spTree>
+      <p:nvGrpSpPr>
+        <p:cNvPr id="1" name=""/>
+        <p:cNvGrpSpPr/>
+        <p:nvPr/>
+      </p:nvGrpSpPr>
+      <p:grpSpPr>
+        <a:xfrm>
+          <a:off x="0" y="0"/>
+          <a:ext cx="0" cy="0"/>
+          <a:chOff x="0" y="0"/>
+          <a:chExt cx="0" cy="0"/>
+        </a:xfrm>
+      </p:grpSpPr>
+      <p:sp>
+        <p:nvSpPr>
+          <p:cNvPr id="2" name="Title 1"/>
+          <p:cNvSpPr>
+            <a:spLocks noGrp="1"/>
+          </p:cNvSpPr>
+          <p:nvPr>
+            <p:ph type="title"/>
+          </p:nvPr>
+        </p:nvSpPr>
+        <p:spPr/>
+        <p:txBody>
+          <a:bodyPr/>
+          <a:lstStyle/>
+          <a:p>
+            <a:r>
+              <a:rPr lang="en-US" dirty="0" smtClean="0">
+                <a:solidFill>
+                  <a:schemeClr val="bg1">
+                    <a:lumMod val="50000"/>
+                    <a:lumOff val="50000"/>
+                  </a:schemeClr>
+                </a:solidFill>
+              </a:rPr>
+              <a:t>FMEA</a:t>
+            </a:r>
+            <a:endParaRPr lang="en-US" dirty="0">
+              <a:solidFill>
+                <a:schemeClr val="bg1">
+                  <a:lumMod val="50000"/>
+                  <a:lumOff val="50000"/>
+                </a:schemeClr>
+              </a:solidFill>
+            </a:endParaRPr>
+          </a:p>
+        </p:txBody>
+      </p:sp>
+      <p:sp>
+        <p:nvSpPr>
+          <p:cNvPr id="3" name="Content Placeholder 2"/>
+          <p:cNvSpPr>
+            <a:spLocks noGrp="1"/>
+          </p:cNvSpPr>
+          <p:nvPr>
+            <p:ph idx="1"/>
+          </p:nvPr>
+        </p:nvSpPr>
+        <p:spPr/>
+        <p:txBody>
+          <a:bodyPr/>
+          <a:lstStyle/>
+          <a:p>
+            <a:r>
+              <a:rPr lang="en-US" dirty="0"/>
+              <a:t>TO BE COMPLETED</a:t>
+            </a:r>
+          </a:p>
           <a:p>
             <a:endParaRPr lang="en-US" dirty="0"/>
           </a:p>
@@ -7021,7 +7611,7 @@
 </p:sld>
 </file>
 
-<file path=ppt/slides/slide14.xml><?xml version="1.0" encoding="utf-8"?>
+<file path=ppt/slides/slide19.xml><?xml version="1.0" encoding="utf-8"?>
 <p:sld xmlns:a="http://schemas.openxmlformats.org/drawingml/2006/main" xmlns:r="http://schemas.openxmlformats.org/officeDocument/2006/relationships" xmlns:p="http://schemas.openxmlformats.org/presentationml/2006/main">
   <p:cSld>
     <p:spTree>
@@ -8440,15 +9030,7 @@
             </a:r>
             <a:r>
               <a:rPr lang="en-US" sz="2000" dirty="0" smtClean="0"/>
-              <a:t>“</a:t>
-            </a:r>
-            <a:r>
-              <a:rPr lang="en-US" sz="2000" dirty="0" smtClean="0"/>
-              <a:t>GRID”</a:t>
-            </a:r>
-            <a:r>
-              <a:rPr lang="en-US" sz="2000" dirty="0" smtClean="0"/>
-              <a:t> </a:t>
+              <a:t>“GRID” </a:t>
             </a:r>
             <a:r>
               <a:rPr lang="en-US" sz="2000" dirty="0"/>
@@ -8607,7 +9189,7 @@
                   </a:schemeClr>
                 </a:solidFill>
               </a:rPr>
-              <a:t>Design</a:t>
+              <a:t>Design - Model</a:t>
             </a:r>
             <a:endParaRPr lang="en-US" dirty="0">
               <a:solidFill>
@@ -8620,35 +9202,33 @@
           </a:p>
         </p:txBody>
       </p:sp>
-      <p:pic>
-        <p:nvPicPr>
-          <p:cNvPr id="5" name="Content Placeholder 4"/>
-          <p:cNvPicPr>
-            <a:picLocks noGrp="1" noChangeAspect="1"/>
-          </p:cNvPicPr>
+      <p:sp>
+        <p:nvSpPr>
+          <p:cNvPr id="3" name="Content Placeholder 2"/>
+          <p:cNvSpPr>
+            <a:spLocks noGrp="1"/>
+          </p:cNvSpPr>
           <p:nvPr>
             <p:ph idx="1"/>
           </p:nvPr>
-        </p:nvPicPr>
-        <p:blipFill>
-          <a:blip r:embed="rId2">
-            <a:extLst>
-              <a:ext uri="{28A0092B-C50C-407E-A947-70E740481C1C}">
-                <a14:useLocalDpi xmlns:a14="http://schemas.microsoft.com/office/drawing/2010/main" val="0"/>
-              </a:ext>
-            </a:extLst>
-          </a:blip>
-          <a:stretch>
-            <a:fillRect/>
-          </a:stretch>
-        </p:blipFill>
-        <p:spPr>
-          <a:xfrm>
-            <a:off x="1371030" y="1227138"/>
-            <a:ext cx="8889553" cy="5160962"/>
-          </a:xfrm>
-        </p:spPr>
-      </p:pic>
+        </p:nvSpPr>
+        <p:spPr/>
+        <p:txBody>
+          <a:bodyPr/>
+          <a:lstStyle/>
+          <a:p>
+            <a:r>
+              <a:rPr lang="en-US" dirty="0" err="1" smtClean="0"/>
+              <a:t>Solidworks</a:t>
+            </a:r>
+            <a:r>
+              <a:rPr lang="en-US" dirty="0" smtClean="0"/>
+              <a:t> Model HERE</a:t>
+            </a:r>
+            <a:endParaRPr lang="en-US" dirty="0"/>
+          </a:p>
+        </p:txBody>
+      </p:sp>
       <p:sp>
         <p:nvSpPr>
           <p:cNvPr id="4" name="Text Placeholder 3"/>
@@ -8666,18 +9246,14 @@
           </a:bodyPr>
           <a:lstStyle/>
           <a:p>
-            <a:r>
-              <a:rPr lang="en-US" dirty="0" smtClean="0"/>
-              <a:t> </a:t>
-            </a:r>
-            <a:endParaRPr lang="en-US" dirty="0"/>
+            <a:endParaRPr lang="en-US"/>
           </a:p>
         </p:txBody>
       </p:sp>
     </p:spTree>
     <p:extLst>
       <p:ext uri="{BB962C8B-B14F-4D97-AF65-F5344CB8AC3E}">
-        <p14:creationId xmlns:p14="http://schemas.microsoft.com/office/powerpoint/2010/main" val="3666959349"/>
+        <p14:creationId xmlns:p14="http://schemas.microsoft.com/office/powerpoint/2010/main" val="1921092968"/>
       </p:ext>
     </p:extLst>
   </p:cSld>
@@ -8728,7 +9304,7 @@
                   </a:schemeClr>
                 </a:solidFill>
               </a:rPr>
-              <a:t>Design - ADNCS</a:t>
+              <a:t>Design - Structure</a:t>
             </a:r>
             <a:endParaRPr lang="en-US" dirty="0">
               <a:solidFill>
@@ -8741,35 +9317,36 @@
           </a:p>
         </p:txBody>
       </p:sp>
-      <p:pic>
-        <p:nvPicPr>
-          <p:cNvPr id="5" name="Content Placeholder 4"/>
-          <p:cNvPicPr>
-            <a:picLocks noGrp="1" noChangeAspect="1"/>
-          </p:cNvPicPr>
+      <p:sp>
+        <p:nvSpPr>
+          <p:cNvPr id="3" name="Content Placeholder 2"/>
+          <p:cNvSpPr>
+            <a:spLocks noGrp="1"/>
+          </p:cNvSpPr>
           <p:nvPr>
             <p:ph idx="1"/>
           </p:nvPr>
-        </p:nvPicPr>
-        <p:blipFill>
-          <a:blip r:embed="rId2">
-            <a:extLst>
-              <a:ext uri="{28A0092B-C50C-407E-A947-70E740481C1C}">
-                <a14:useLocalDpi xmlns:a14="http://schemas.microsoft.com/office/drawing/2010/main" val="0"/>
-              </a:ext>
-            </a:extLst>
-          </a:blip>
-          <a:stretch>
-            <a:fillRect/>
-          </a:stretch>
-        </p:blipFill>
-        <p:spPr>
-          <a:xfrm>
-            <a:off x="1371030" y="1227138"/>
-            <a:ext cx="8889553" cy="5160962"/>
-          </a:xfrm>
-        </p:spPr>
-      </p:pic>
+        </p:nvSpPr>
+        <p:spPr/>
+        <p:txBody>
+          <a:bodyPr/>
+          <a:lstStyle/>
+          <a:p>
+            <a:r>
+              <a:rPr lang="en-US" dirty="0" smtClean="0"/>
+              <a:t>Century College to Manufacture to Specifications</a:t>
+            </a:r>
+          </a:p>
+          <a:p>
+            <a:pPr lvl="1"/>
+            <a:r>
+              <a:rPr lang="en-US" dirty="0" smtClean="0"/>
+              <a:t>Sub Contracted by UMN </a:t>
+            </a:r>
+            <a:endParaRPr lang="en-US" dirty="0"/>
+          </a:p>
+        </p:txBody>
+      </p:sp>
       <p:sp>
         <p:nvSpPr>
           <p:cNvPr id="4" name="Text Placeholder 3"/>
@@ -8789,7 +9366,7 @@
           <a:p>
             <a:r>
               <a:rPr lang="en-US" dirty="0" smtClean="0"/>
-              <a:t> </a:t>
+              <a:t>Charlie</a:t>
             </a:r>
             <a:endParaRPr lang="en-US" dirty="0"/>
           </a:p>
@@ -8798,7 +9375,7 @@
     </p:spTree>
     <p:extLst>
       <p:ext uri="{BB962C8B-B14F-4D97-AF65-F5344CB8AC3E}">
-        <p14:creationId xmlns:p14="http://schemas.microsoft.com/office/powerpoint/2010/main" val="198196162"/>
+        <p14:creationId xmlns:p14="http://schemas.microsoft.com/office/powerpoint/2010/main" val="3004793187"/>
       </p:ext>
     </p:extLst>
   </p:cSld>

--- a/Presentations/CDR_Presentation.pptx
+++ b/Presentations/CDR_Presentation.pptx
@@ -5,7 +5,7 @@
     <p:sldMasterId id="2147483660" r:id="rId1"/>
   </p:sldMasterIdLst>
   <p:notesMasterIdLst>
-    <p:notesMasterId r:id="rId21"/>
+    <p:notesMasterId r:id="rId23"/>
   </p:notesMasterIdLst>
   <p:sldIdLst>
     <p:sldId id="256" r:id="rId2"/>
@@ -25,8 +25,10 @@
     <p:sldId id="278" r:id="rId16"/>
     <p:sldId id="272" r:id="rId17"/>
     <p:sldId id="279" r:id="rId18"/>
-    <p:sldId id="269" r:id="rId19"/>
-    <p:sldId id="268" r:id="rId20"/>
+    <p:sldId id="280" r:id="rId19"/>
+    <p:sldId id="269" r:id="rId20"/>
+    <p:sldId id="281" r:id="rId21"/>
+    <p:sldId id="268" r:id="rId22"/>
   </p:sldIdLst>
   <p:sldSz cx="12192000" cy="6858000"/>
   <p:notesSz cx="6858000" cy="9144000"/>
@@ -162,7 +164,9 @@
           </p14:sldIdLst>
         </p14:section>
         <p14:section name="Budget" id="{509844D8-6DEF-47F2-B408-665832A1E0E3}">
-          <p14:sldIdLst/>
+          <p14:sldIdLst>
+            <p14:sldId id="280"/>
+          </p14:sldIdLst>
         </p14:section>
         <p14:section name="FMEA" id="{4FDCAB87-F2A8-4383-88F4-8E70D281F673}">
           <p14:sldIdLst>
@@ -170,7 +174,9 @@
           </p14:sldIdLst>
         </p14:section>
         <p14:section name="Conclusion" id="{8D0EB9DF-449E-464E-B0A6-3B16FE21ECDF}">
-          <p14:sldIdLst/>
+          <p14:sldIdLst>
+            <p14:sldId id="281"/>
+          </p14:sldIdLst>
         </p14:section>
         <p14:section name="Individual" id="{C08723E0-6AD8-4255-BFA3-8DF72EBE7D79}">
           <p14:sldIdLst>
@@ -7535,7 +7541,7 @@
                   </a:schemeClr>
                 </a:solidFill>
               </a:rPr>
-              <a:t>FMEA</a:t>
+              <a:t>Budget</a:t>
             </a:r>
             <a:endParaRPr lang="en-US" dirty="0">
               <a:solidFill>
@@ -7564,8 +7570,45 @@
           <a:lstStyle/>
           <a:p>
             <a:r>
-              <a:rPr lang="en-US" dirty="0"/>
-              <a:t>TO BE COMPLETED</a:t>
+              <a:rPr lang="en-US" dirty="0" smtClean="0"/>
+              <a:t>Attitude Control</a:t>
+            </a:r>
+          </a:p>
+          <a:p>
+            <a:r>
+              <a:rPr lang="en-US" dirty="0" smtClean="0"/>
+              <a:t>Attitude Determination</a:t>
+            </a:r>
+          </a:p>
+          <a:p>
+            <a:r>
+              <a:rPr lang="en-US" dirty="0" smtClean="0"/>
+              <a:t>Navigation</a:t>
+            </a:r>
+          </a:p>
+          <a:p>
+            <a:r>
+              <a:rPr lang="en-US" dirty="0" smtClean="0"/>
+              <a:t>Communication</a:t>
+            </a:r>
+          </a:p>
+          <a:p>
+            <a:r>
+              <a:rPr lang="en-US" dirty="0" smtClean="0"/>
+              <a:t>Power</a:t>
+            </a:r>
+          </a:p>
+          <a:p>
+            <a:r>
+              <a:rPr lang="en-US" dirty="0" smtClean="0"/>
+              <a:t>Manpower</a:t>
+            </a:r>
+          </a:p>
+          <a:p>
+            <a:pPr lvl="1"/>
+            <a:r>
+              <a:rPr lang="en-US" dirty="0" smtClean="0"/>
+              <a:t>FREE!</a:t>
             </a:r>
           </a:p>
           <a:p>
@@ -7590,18 +7633,14 @@
           </a:bodyPr>
           <a:lstStyle/>
           <a:p>
-            <a:r>
-              <a:rPr lang="en-US" dirty="0" smtClean="0"/>
-              <a:t>Charlie</a:t>
-            </a:r>
-            <a:endParaRPr lang="en-US" dirty="0"/>
+            <a:endParaRPr lang="en-US"/>
           </a:p>
         </p:txBody>
       </p:sp>
     </p:spTree>
     <p:extLst>
       <p:ext uri="{BB962C8B-B14F-4D97-AF65-F5344CB8AC3E}">
-        <p14:creationId xmlns:p14="http://schemas.microsoft.com/office/powerpoint/2010/main" val="2929915190"/>
+        <p14:creationId xmlns:p14="http://schemas.microsoft.com/office/powerpoint/2010/main" val="3051738324"/>
       </p:ext>
     </p:extLst>
   </p:cSld>
@@ -7644,36 +7683,81 @@
           <a:lstStyle/>
           <a:p>
             <a:r>
+              <a:rPr lang="en-US" dirty="0" smtClean="0">
+                <a:solidFill>
+                  <a:schemeClr val="bg1">
+                    <a:lumMod val="50000"/>
+                    <a:lumOff val="50000"/>
+                  </a:schemeClr>
+                </a:solidFill>
+              </a:rPr>
+              <a:t>FMEA</a:t>
+            </a:r>
+            <a:endParaRPr lang="en-US" dirty="0">
+              <a:solidFill>
+                <a:schemeClr val="bg1">
+                  <a:lumMod val="50000"/>
+                  <a:lumOff val="50000"/>
+                </a:schemeClr>
+              </a:solidFill>
+            </a:endParaRPr>
+          </a:p>
+        </p:txBody>
+      </p:sp>
+      <p:sp>
+        <p:nvSpPr>
+          <p:cNvPr id="3" name="Content Placeholder 2"/>
+          <p:cNvSpPr>
+            <a:spLocks noGrp="1"/>
+          </p:cNvSpPr>
+          <p:nvPr>
+            <p:ph idx="1"/>
+          </p:nvPr>
+        </p:nvSpPr>
+        <p:spPr/>
+        <p:txBody>
+          <a:bodyPr/>
+          <a:lstStyle/>
+          <a:p>
+            <a:r>
+              <a:rPr lang="en-US" dirty="0"/>
+              <a:t>TO BE COMPLETED</a:t>
+            </a:r>
+          </a:p>
+          <a:p>
+            <a:endParaRPr lang="en-US" dirty="0"/>
+          </a:p>
+        </p:txBody>
+      </p:sp>
+      <p:sp>
+        <p:nvSpPr>
+          <p:cNvPr id="4" name="Text Placeholder 3"/>
+          <p:cNvSpPr>
+            <a:spLocks noGrp="1"/>
+          </p:cNvSpPr>
+          <p:nvPr>
+            <p:ph type="body" sz="quarter" idx="10"/>
+          </p:nvPr>
+        </p:nvSpPr>
+        <p:spPr/>
+        <p:txBody>
+          <a:bodyPr>
+            <a:normAutofit fontScale="92500" lnSpcReduction="10000"/>
+          </a:bodyPr>
+          <a:lstStyle/>
+          <a:p>
+            <a:r>
               <a:rPr lang="en-US" dirty="0" smtClean="0"/>
-              <a:t>Individual Reports</a:t>
+              <a:t>Charlie</a:t>
             </a:r>
             <a:endParaRPr lang="en-US" dirty="0"/>
-          </a:p>
-        </p:txBody>
-      </p:sp>
-      <p:sp>
-        <p:nvSpPr>
-          <p:cNvPr id="3" name="Text Placeholder 2"/>
-          <p:cNvSpPr>
-            <a:spLocks noGrp="1"/>
-          </p:cNvSpPr>
-          <p:nvPr>
-            <p:ph type="body" idx="1"/>
-          </p:nvPr>
-        </p:nvSpPr>
-        <p:spPr/>
-        <p:txBody>
-          <a:bodyPr/>
-          <a:lstStyle/>
-          <a:p>
-            <a:endParaRPr lang="en-US"/>
           </a:p>
         </p:txBody>
       </p:sp>
     </p:spTree>
     <p:extLst>
       <p:ext uri="{BB962C8B-B14F-4D97-AF65-F5344CB8AC3E}">
-        <p14:creationId xmlns:p14="http://schemas.microsoft.com/office/powerpoint/2010/main" val="3189312476"/>
+        <p14:creationId xmlns:p14="http://schemas.microsoft.com/office/powerpoint/2010/main" val="2929915190"/>
       </p:ext>
     </p:extLst>
   </p:cSld>
@@ -7861,6 +7945,195 @@
     <p:extLst>
       <p:ext uri="{BB962C8B-B14F-4D97-AF65-F5344CB8AC3E}">
         <p14:creationId xmlns:p14="http://schemas.microsoft.com/office/powerpoint/2010/main" val="270459347"/>
+      </p:ext>
+    </p:extLst>
+  </p:cSld>
+  <p:clrMapOvr>
+    <a:masterClrMapping/>
+  </p:clrMapOvr>
+</p:sld>
+</file>
+
+<file path=ppt/slides/slide20.xml><?xml version="1.0" encoding="utf-8"?>
+<p:sld xmlns:a="http://schemas.openxmlformats.org/drawingml/2006/main" xmlns:r="http://schemas.openxmlformats.org/officeDocument/2006/relationships" xmlns:p="http://schemas.openxmlformats.org/presentationml/2006/main">
+  <p:cSld>
+    <p:spTree>
+      <p:nvGrpSpPr>
+        <p:cNvPr id="1" name=""/>
+        <p:cNvGrpSpPr/>
+        <p:nvPr/>
+      </p:nvGrpSpPr>
+      <p:grpSpPr>
+        <a:xfrm>
+          <a:off x="0" y="0"/>
+          <a:ext cx="0" cy="0"/>
+          <a:chOff x="0" y="0"/>
+          <a:chExt cx="0" cy="0"/>
+        </a:xfrm>
+      </p:grpSpPr>
+      <p:sp>
+        <p:nvSpPr>
+          <p:cNvPr id="2" name="Title 1"/>
+          <p:cNvSpPr>
+            <a:spLocks noGrp="1"/>
+          </p:cNvSpPr>
+          <p:nvPr>
+            <p:ph type="title"/>
+          </p:nvPr>
+        </p:nvSpPr>
+        <p:spPr/>
+        <p:txBody>
+          <a:bodyPr/>
+          <a:lstStyle/>
+          <a:p>
+            <a:r>
+              <a:rPr lang="en-US" dirty="0" smtClean="0">
+                <a:solidFill>
+                  <a:schemeClr val="bg1">
+                    <a:lumMod val="50000"/>
+                    <a:lumOff val="50000"/>
+                  </a:schemeClr>
+                </a:solidFill>
+              </a:rPr>
+              <a:t>Conclusion</a:t>
+            </a:r>
+            <a:endParaRPr lang="en-US" dirty="0">
+              <a:solidFill>
+                <a:schemeClr val="bg1">
+                  <a:lumMod val="50000"/>
+                  <a:lumOff val="50000"/>
+                </a:schemeClr>
+              </a:solidFill>
+            </a:endParaRPr>
+          </a:p>
+        </p:txBody>
+      </p:sp>
+      <p:sp>
+        <p:nvSpPr>
+          <p:cNvPr id="3" name="Content Placeholder 2"/>
+          <p:cNvSpPr>
+            <a:spLocks noGrp="1"/>
+          </p:cNvSpPr>
+          <p:nvPr>
+            <p:ph idx="1"/>
+          </p:nvPr>
+        </p:nvSpPr>
+        <p:spPr/>
+        <p:txBody>
+          <a:bodyPr/>
+          <a:lstStyle/>
+          <a:p>
+            <a:r>
+              <a:rPr lang="en-US" dirty="0" smtClean="0"/>
+              <a:t>Delivered:</a:t>
+            </a:r>
+          </a:p>
+          <a:p>
+            <a:r>
+              <a:rPr lang="en-US" smtClean="0"/>
+              <a:t>TO BE COMPLETED</a:t>
+            </a:r>
+            <a:endParaRPr lang="en-US"/>
+          </a:p>
+        </p:txBody>
+      </p:sp>
+      <p:sp>
+        <p:nvSpPr>
+          <p:cNvPr id="4" name="Text Placeholder 3"/>
+          <p:cNvSpPr>
+            <a:spLocks noGrp="1"/>
+          </p:cNvSpPr>
+          <p:nvPr>
+            <p:ph type="body" sz="quarter" idx="10"/>
+          </p:nvPr>
+        </p:nvSpPr>
+        <p:spPr/>
+        <p:txBody>
+          <a:bodyPr>
+            <a:normAutofit fontScale="92500" lnSpcReduction="10000"/>
+          </a:bodyPr>
+          <a:lstStyle/>
+          <a:p>
+            <a:endParaRPr lang="en-US"/>
+          </a:p>
+        </p:txBody>
+      </p:sp>
+    </p:spTree>
+    <p:extLst>
+      <p:ext uri="{BB962C8B-B14F-4D97-AF65-F5344CB8AC3E}">
+        <p14:creationId xmlns:p14="http://schemas.microsoft.com/office/powerpoint/2010/main" val="1930181380"/>
+      </p:ext>
+    </p:extLst>
+  </p:cSld>
+  <p:clrMapOvr>
+    <a:masterClrMapping/>
+  </p:clrMapOvr>
+</p:sld>
+</file>
+
+<file path=ppt/slides/slide21.xml><?xml version="1.0" encoding="utf-8"?>
+<p:sld xmlns:a="http://schemas.openxmlformats.org/drawingml/2006/main" xmlns:r="http://schemas.openxmlformats.org/officeDocument/2006/relationships" xmlns:p="http://schemas.openxmlformats.org/presentationml/2006/main">
+  <p:cSld>
+    <p:spTree>
+      <p:nvGrpSpPr>
+        <p:cNvPr id="1" name=""/>
+        <p:cNvGrpSpPr/>
+        <p:nvPr/>
+      </p:nvGrpSpPr>
+      <p:grpSpPr>
+        <a:xfrm>
+          <a:off x="0" y="0"/>
+          <a:ext cx="0" cy="0"/>
+          <a:chOff x="0" y="0"/>
+          <a:chExt cx="0" cy="0"/>
+        </a:xfrm>
+      </p:grpSpPr>
+      <p:sp>
+        <p:nvSpPr>
+          <p:cNvPr id="2" name="Title 1"/>
+          <p:cNvSpPr>
+            <a:spLocks noGrp="1"/>
+          </p:cNvSpPr>
+          <p:nvPr>
+            <p:ph type="title"/>
+          </p:nvPr>
+        </p:nvSpPr>
+        <p:spPr/>
+        <p:txBody>
+          <a:bodyPr/>
+          <a:lstStyle/>
+          <a:p>
+            <a:r>
+              <a:rPr lang="en-US" dirty="0" smtClean="0"/>
+              <a:t>Individual Reports</a:t>
+            </a:r>
+            <a:endParaRPr lang="en-US" dirty="0"/>
+          </a:p>
+        </p:txBody>
+      </p:sp>
+      <p:sp>
+        <p:nvSpPr>
+          <p:cNvPr id="3" name="Text Placeholder 2"/>
+          <p:cNvSpPr>
+            <a:spLocks noGrp="1"/>
+          </p:cNvSpPr>
+          <p:nvPr>
+            <p:ph type="body" idx="1"/>
+          </p:nvPr>
+        </p:nvSpPr>
+        <p:spPr/>
+        <p:txBody>
+          <a:bodyPr/>
+          <a:lstStyle/>
+          <a:p>
+            <a:endParaRPr lang="en-US"/>
+          </a:p>
+        </p:txBody>
+      </p:sp>
+    </p:spTree>
+    <p:extLst>
+      <p:ext uri="{BB962C8B-B14F-4D97-AF65-F5344CB8AC3E}">
+        <p14:creationId xmlns:p14="http://schemas.microsoft.com/office/powerpoint/2010/main" val="3189312476"/>
       </p:ext>
     </p:extLst>
   </p:cSld>

--- a/Presentations/CDR_Presentation.pptx
+++ b/Presentations/CDR_Presentation.pptx
@@ -5,7 +5,7 @@
     <p:sldMasterId id="2147483660" r:id="rId1"/>
   </p:sldMasterIdLst>
   <p:notesMasterIdLst>
-    <p:notesMasterId r:id="rId23"/>
+    <p:notesMasterId r:id="rId24"/>
   </p:notesMasterIdLst>
   <p:sldIdLst>
     <p:sldId id="256" r:id="rId2"/>
@@ -13,22 +13,23 @@
     <p:sldId id="263" r:id="rId4"/>
     <p:sldId id="265" r:id="rId5"/>
     <p:sldId id="264" r:id="rId6"/>
-    <p:sldId id="266" r:id="rId7"/>
-    <p:sldId id="267" r:id="rId8"/>
-    <p:sldId id="276" r:id="rId9"/>
-    <p:sldId id="277" r:id="rId10"/>
-    <p:sldId id="261" r:id="rId11"/>
-    <p:sldId id="274" r:id="rId12"/>
-    <p:sldId id="270" r:id="rId13"/>
-    <p:sldId id="275" r:id="rId14"/>
-    <p:sldId id="271" r:id="rId15"/>
-    <p:sldId id="278" r:id="rId16"/>
-    <p:sldId id="272" r:id="rId17"/>
-    <p:sldId id="279" r:id="rId18"/>
-    <p:sldId id="280" r:id="rId19"/>
-    <p:sldId id="269" r:id="rId20"/>
-    <p:sldId id="281" r:id="rId21"/>
-    <p:sldId id="268" r:id="rId22"/>
+    <p:sldId id="282" r:id="rId7"/>
+    <p:sldId id="266" r:id="rId8"/>
+    <p:sldId id="267" r:id="rId9"/>
+    <p:sldId id="276" r:id="rId10"/>
+    <p:sldId id="277" r:id="rId11"/>
+    <p:sldId id="261" r:id="rId12"/>
+    <p:sldId id="274" r:id="rId13"/>
+    <p:sldId id="270" r:id="rId14"/>
+    <p:sldId id="275" r:id="rId15"/>
+    <p:sldId id="271" r:id="rId16"/>
+    <p:sldId id="278" r:id="rId17"/>
+    <p:sldId id="272" r:id="rId18"/>
+    <p:sldId id="279" r:id="rId19"/>
+    <p:sldId id="280" r:id="rId20"/>
+    <p:sldId id="269" r:id="rId21"/>
+    <p:sldId id="281" r:id="rId22"/>
+    <p:sldId id="268" r:id="rId23"/>
   </p:sldIdLst>
   <p:sldSz cx="12192000" cy="6858000"/>
   <p:notesSz cx="6858000" cy="9144000"/>
@@ -145,6 +146,7 @@
           <p14:sldIdLst>
             <p14:sldId id="265"/>
             <p14:sldId id="264"/>
+            <p14:sldId id="282"/>
             <p14:sldId id="266"/>
             <p14:sldId id="267"/>
           </p14:sldIdLst>
@@ -186,7 +188,7 @@
       </p14:sectionLst>
     </p:ext>
     <p:ext uri="{EFAFB233-063F-42B5-8137-9DF3F51BA10A}">
-      <p15:sldGuideLst xmlns:p15="http://schemas.microsoft.com/office/powerpoint/2012/main"/>
+      <p15:sldGuideLst xmlns:p15="http://schemas.microsoft.com/office/powerpoint/2012/main" xmlns=""/>
     </p:ext>
   </p:extLst>
 </p:presentation>
@@ -274,7 +276,7 @@
           <a:p>
             <a:fld id="{31C140BA-0231-455E-9316-1D73A33F1CEF}" type="datetimeFigureOut">
               <a:rPr lang="en-US" smtClean="0"/>
-              <a:t>11/23/2015</a:t>
+              <a:t>11/28/15</a:t>
             </a:fld>
             <a:endParaRPr lang="en-US"/>
           </a:p>
@@ -728,7 +730,7 @@
           <a:p>
             <a:fld id="{7DDDCAA9-9585-4BDA-B647-DCFF46B7611D}" type="datetimeFigureOut">
               <a:rPr lang="en-US" smtClean="0"/>
-              <a:t>11/23/2015</a:t>
+              <a:t>11/28/15</a:t>
             </a:fld>
             <a:endParaRPr lang="en-US"/>
           </a:p>
@@ -1003,7 +1005,7 @@
           <a:p>
             <a:fld id="{7DDDCAA9-9585-4BDA-B647-DCFF46B7611D}" type="datetimeFigureOut">
               <a:rPr lang="en-US" smtClean="0"/>
-              <a:t>11/23/2015</a:t>
+              <a:t>11/28/15</a:t>
             </a:fld>
             <a:endParaRPr lang="en-US"/>
           </a:p>
@@ -1197,7 +1199,7 @@
           <a:p>
             <a:fld id="{7DDDCAA9-9585-4BDA-B647-DCFF46B7611D}" type="datetimeFigureOut">
               <a:rPr lang="en-US" smtClean="0"/>
-              <a:t>11/23/2015</a:t>
+              <a:t>11/28/15</a:t>
             </a:fld>
             <a:endParaRPr lang="en-US"/>
           </a:p>
@@ -1470,7 +1472,7 @@
           <a:p>
             <a:fld id="{7DDDCAA9-9585-4BDA-B647-DCFF46B7611D}" type="datetimeFigureOut">
               <a:rPr lang="en-US" smtClean="0"/>
-              <a:t>11/23/2015</a:t>
+              <a:t>11/28/15</a:t>
             </a:fld>
             <a:endParaRPr lang="en-US"/>
           </a:p>
@@ -1811,7 +1813,7 @@
           <a:p>
             <a:fld id="{7DDDCAA9-9585-4BDA-B647-DCFF46B7611D}" type="datetimeFigureOut">
               <a:rPr lang="en-US" smtClean="0"/>
-              <a:t>11/23/2015</a:t>
+              <a:t>11/28/15</a:t>
             </a:fld>
             <a:endParaRPr lang="en-US"/>
           </a:p>
@@ -2434,7 +2436,7 @@
           <a:p>
             <a:fld id="{7DDDCAA9-9585-4BDA-B647-DCFF46B7611D}" type="datetimeFigureOut">
               <a:rPr lang="en-US" smtClean="0"/>
-              <a:t>11/23/2015</a:t>
+              <a:t>11/28/15</a:t>
             </a:fld>
             <a:endParaRPr lang="en-US"/>
           </a:p>
@@ -3294,7 +3296,7 @@
           <a:p>
             <a:fld id="{7DDDCAA9-9585-4BDA-B647-DCFF46B7611D}" type="datetimeFigureOut">
               <a:rPr lang="en-US" smtClean="0"/>
-              <a:t>11/23/2015</a:t>
+              <a:t>11/28/15</a:t>
             </a:fld>
             <a:endParaRPr lang="en-US"/>
           </a:p>
@@ -3464,7 +3466,7 @@
           <a:p>
             <a:fld id="{7DDDCAA9-9585-4BDA-B647-DCFF46B7611D}" type="datetimeFigureOut">
               <a:rPr lang="en-US" smtClean="0"/>
-              <a:t>11/23/2015</a:t>
+              <a:t>11/28/15</a:t>
             </a:fld>
             <a:endParaRPr lang="en-US"/>
           </a:p>
@@ -3644,7 +3646,7 @@
           <a:p>
             <a:fld id="{7DDDCAA9-9585-4BDA-B647-DCFF46B7611D}" type="datetimeFigureOut">
               <a:rPr lang="en-US" smtClean="0"/>
-              <a:t>11/23/2015</a:t>
+              <a:t>11/28/15</a:t>
             </a:fld>
             <a:endParaRPr lang="en-US"/>
           </a:p>
@@ -4040,7 +4042,7 @@
           <a:p>
             <a:fld id="{7DDDCAA9-9585-4BDA-B647-DCFF46B7611D}" type="datetimeFigureOut">
               <a:rPr lang="en-US" smtClean="0"/>
-              <a:t>11/23/2015</a:t>
+              <a:t>11/28/15</a:t>
             </a:fld>
             <a:endParaRPr lang="en-US"/>
           </a:p>
@@ -4332,7 +4334,7 @@
           <a:p>
             <a:fld id="{7DDDCAA9-9585-4BDA-B647-DCFF46B7611D}" type="datetimeFigureOut">
               <a:rPr lang="en-US" smtClean="0"/>
-              <a:t>11/23/2015</a:t>
+              <a:t>11/28/15</a:t>
             </a:fld>
             <a:endParaRPr lang="en-US"/>
           </a:p>
@@ -4776,7 +4778,7 @@
           <a:p>
             <a:fld id="{7DDDCAA9-9585-4BDA-B647-DCFF46B7611D}" type="datetimeFigureOut">
               <a:rPr lang="en-US" smtClean="0"/>
-              <a:t>11/23/2015</a:t>
+              <a:t>11/28/15</a:t>
             </a:fld>
             <a:endParaRPr lang="en-US"/>
           </a:p>
@@ -4894,7 +4896,7 @@
           <a:p>
             <a:fld id="{7DDDCAA9-9585-4BDA-B647-DCFF46B7611D}" type="datetimeFigureOut">
               <a:rPr lang="en-US" smtClean="0"/>
-              <a:t>11/23/2015</a:t>
+              <a:t>11/28/15</a:t>
             </a:fld>
             <a:endParaRPr lang="en-US"/>
           </a:p>
@@ -4989,7 +4991,7 @@
           <a:p>
             <a:fld id="{7DDDCAA9-9585-4BDA-B647-DCFF46B7611D}" type="datetimeFigureOut">
               <a:rPr lang="en-US" smtClean="0"/>
-              <a:t>11/23/2015</a:t>
+              <a:t>11/28/15</a:t>
             </a:fld>
             <a:endParaRPr lang="en-US"/>
           </a:p>
@@ -5268,7 +5270,7 @@
           <a:p>
             <a:fld id="{7DDDCAA9-9585-4BDA-B647-DCFF46B7611D}" type="datetimeFigureOut">
               <a:rPr lang="en-US" smtClean="0"/>
-              <a:t>11/23/2015</a:t>
+              <a:t>11/28/15</a:t>
             </a:fld>
             <a:endParaRPr lang="en-US"/>
           </a:p>
@@ -5543,7 +5545,7 @@
           <a:p>
             <a:fld id="{7DDDCAA9-9585-4BDA-B647-DCFF46B7611D}" type="datetimeFigureOut">
               <a:rPr lang="en-US" smtClean="0"/>
-              <a:t>11/23/2015</a:t>
+              <a:t>11/28/15</a:t>
             </a:fld>
             <a:endParaRPr lang="en-US"/>
           </a:p>
@@ -5945,7 +5947,7 @@
           <a:p>
             <a:fld id="{7DDDCAA9-9585-4BDA-B647-DCFF46B7611D}" type="datetimeFigureOut">
               <a:rPr lang="en-US" smtClean="0"/>
-              <a:t>11/23/2015</a:t>
+              <a:t>11/28/15</a:t>
             </a:fld>
             <a:endParaRPr lang="en-US"/>
           </a:p>
@@ -6603,7 +6605,7 @@
                   </a:schemeClr>
                 </a:solidFill>
               </a:rPr>
-              <a:t>Design</a:t>
+              <a:t>Design - Structure</a:t>
             </a:r>
             <a:endParaRPr lang="en-US" dirty="0">
               <a:solidFill>
@@ -6616,35 +6618,36 @@
           </a:p>
         </p:txBody>
       </p:sp>
-      <p:pic>
-        <p:nvPicPr>
-          <p:cNvPr id="5" name="Content Placeholder 4"/>
-          <p:cNvPicPr>
-            <a:picLocks noGrp="1" noChangeAspect="1"/>
-          </p:cNvPicPr>
+      <p:sp>
+        <p:nvSpPr>
+          <p:cNvPr id="3" name="Content Placeholder 2"/>
+          <p:cNvSpPr>
+            <a:spLocks noGrp="1"/>
+          </p:cNvSpPr>
           <p:nvPr>
             <p:ph idx="1"/>
           </p:nvPr>
-        </p:nvPicPr>
-        <p:blipFill>
-          <a:blip r:embed="rId2">
-            <a:extLst>
-              <a:ext uri="{28A0092B-C50C-407E-A947-70E740481C1C}">
-                <a14:useLocalDpi xmlns:a14="http://schemas.microsoft.com/office/drawing/2010/main" val="0"/>
-              </a:ext>
-            </a:extLst>
-          </a:blip>
-          <a:stretch>
-            <a:fillRect/>
-          </a:stretch>
-        </p:blipFill>
-        <p:spPr>
-          <a:xfrm>
-            <a:off x="1371030" y="1227138"/>
-            <a:ext cx="8889553" cy="5160962"/>
-          </a:xfrm>
-        </p:spPr>
-      </p:pic>
+        </p:nvSpPr>
+        <p:spPr/>
+        <p:txBody>
+          <a:bodyPr/>
+          <a:lstStyle/>
+          <a:p>
+            <a:r>
+              <a:rPr lang="en-US" dirty="0" smtClean="0"/>
+              <a:t>Century College to Manufacture to Specifications</a:t>
+            </a:r>
+          </a:p>
+          <a:p>
+            <a:pPr lvl="1"/>
+            <a:r>
+              <a:rPr lang="en-US" dirty="0" smtClean="0"/>
+              <a:t>Sub Contracted by UMN </a:t>
+            </a:r>
+            <a:endParaRPr lang="en-US" dirty="0"/>
+          </a:p>
+        </p:txBody>
+      </p:sp>
       <p:sp>
         <p:nvSpPr>
           <p:cNvPr id="4" name="Text Placeholder 3"/>
@@ -6664,7 +6667,7 @@
           <a:p>
             <a:r>
               <a:rPr lang="en-US" dirty="0" smtClean="0"/>
-              <a:t> </a:t>
+              <a:t>Charlie</a:t>
             </a:r>
             <a:endParaRPr lang="en-US" dirty="0"/>
           </a:p>
@@ -6673,7 +6676,7 @@
     </p:spTree>
     <p:extLst>
       <p:ext uri="{BB962C8B-B14F-4D97-AF65-F5344CB8AC3E}">
-        <p14:creationId xmlns:p14="http://schemas.microsoft.com/office/powerpoint/2010/main" val="3666959349"/>
+        <p14:creationId xmlns:p14="http://schemas.microsoft.com/office/powerpoint/2010/main" val="3004793187"/>
       </p:ext>
     </p:extLst>
   </p:cSld>
@@ -6724,7 +6727,7 @@
                   </a:schemeClr>
                 </a:solidFill>
               </a:rPr>
-              <a:t>Wiring</a:t>
+              <a:t>Design</a:t>
             </a:r>
             <a:endParaRPr lang="en-US" dirty="0">
               <a:solidFill>
@@ -6737,29 +6740,35 @@
           </a:p>
         </p:txBody>
       </p:sp>
-      <p:sp>
-        <p:nvSpPr>
-          <p:cNvPr id="3" name="Content Placeholder 2"/>
-          <p:cNvSpPr>
-            <a:spLocks noGrp="1"/>
-          </p:cNvSpPr>
+      <p:pic>
+        <p:nvPicPr>
+          <p:cNvPr id="5" name="Content Placeholder 4"/>
+          <p:cNvPicPr>
+            <a:picLocks noGrp="1" noChangeAspect="1"/>
+          </p:cNvPicPr>
           <p:nvPr>
             <p:ph idx="1"/>
           </p:nvPr>
-        </p:nvSpPr>
-        <p:spPr/>
-        <p:txBody>
-          <a:bodyPr/>
-          <a:lstStyle/>
-          <a:p>
-            <a:r>
-              <a:rPr lang="en-US" dirty="0" smtClean="0"/>
-              <a:t>TO BE COMPLETED</a:t>
-            </a:r>
-            <a:endParaRPr lang="en-US" dirty="0"/>
-          </a:p>
-        </p:txBody>
-      </p:sp>
+        </p:nvPicPr>
+        <p:blipFill>
+          <a:blip r:embed="rId2">
+            <a:extLst>
+              <a:ext uri="{28A0092B-C50C-407E-A947-70E740481C1C}">
+                <a14:useLocalDpi xmlns:a14="http://schemas.microsoft.com/office/drawing/2010/main" val="0"/>
+              </a:ext>
+            </a:extLst>
+          </a:blip>
+          <a:stretch>
+            <a:fillRect/>
+          </a:stretch>
+        </p:blipFill>
+        <p:spPr>
+          <a:xfrm>
+            <a:off x="1371030" y="1227138"/>
+            <a:ext cx="8889553" cy="5160962"/>
+          </a:xfrm>
+        </p:spPr>
+      </p:pic>
       <p:sp>
         <p:nvSpPr>
           <p:cNvPr id="4" name="Text Placeholder 3"/>
@@ -6777,14 +6786,18 @@
           </a:bodyPr>
           <a:lstStyle/>
           <a:p>
-            <a:endParaRPr lang="en-US"/>
+            <a:r>
+              <a:rPr lang="en-US" dirty="0" smtClean="0"/>
+              <a:t> </a:t>
+            </a:r>
+            <a:endParaRPr lang="en-US" dirty="0"/>
           </a:p>
         </p:txBody>
       </p:sp>
     </p:spTree>
     <p:extLst>
       <p:ext uri="{BB962C8B-B14F-4D97-AF65-F5344CB8AC3E}">
-        <p14:creationId xmlns:p14="http://schemas.microsoft.com/office/powerpoint/2010/main" val="1273437707"/>
+        <p14:creationId xmlns:p14="http://schemas.microsoft.com/office/powerpoint/2010/main" val="3666959349"/>
       </p:ext>
     </p:extLst>
   </p:cSld>
@@ -6835,7 +6848,7 @@
                   </a:schemeClr>
                 </a:solidFill>
               </a:rPr>
-              <a:t>Design - ADNCS</a:t>
+              <a:t>Wiring</a:t>
             </a:r>
             <a:endParaRPr lang="en-US" dirty="0">
               <a:solidFill>
@@ -6848,35 +6861,29 @@
           </a:p>
         </p:txBody>
       </p:sp>
-      <p:pic>
-        <p:nvPicPr>
-          <p:cNvPr id="5" name="Content Placeholder 4"/>
-          <p:cNvPicPr>
-            <a:picLocks noGrp="1" noChangeAspect="1"/>
-          </p:cNvPicPr>
+      <p:sp>
+        <p:nvSpPr>
+          <p:cNvPr id="3" name="Content Placeholder 2"/>
+          <p:cNvSpPr>
+            <a:spLocks noGrp="1"/>
+          </p:cNvSpPr>
           <p:nvPr>
             <p:ph idx="1"/>
           </p:nvPr>
-        </p:nvPicPr>
-        <p:blipFill>
-          <a:blip r:embed="rId2">
-            <a:extLst>
-              <a:ext uri="{28A0092B-C50C-407E-A947-70E740481C1C}">
-                <a14:useLocalDpi xmlns:a14="http://schemas.microsoft.com/office/drawing/2010/main" val="0"/>
-              </a:ext>
-            </a:extLst>
-          </a:blip>
-          <a:stretch>
-            <a:fillRect/>
-          </a:stretch>
-        </p:blipFill>
-        <p:spPr>
-          <a:xfrm>
-            <a:off x="1371030" y="1227138"/>
-            <a:ext cx="8889553" cy="5160962"/>
-          </a:xfrm>
-        </p:spPr>
-      </p:pic>
+        </p:nvSpPr>
+        <p:spPr/>
+        <p:txBody>
+          <a:bodyPr/>
+          <a:lstStyle/>
+          <a:p>
+            <a:r>
+              <a:rPr lang="en-US" dirty="0" smtClean="0"/>
+              <a:t>TO BE COMPLETED</a:t>
+            </a:r>
+            <a:endParaRPr lang="en-US" dirty="0"/>
+          </a:p>
+        </p:txBody>
+      </p:sp>
       <p:sp>
         <p:nvSpPr>
           <p:cNvPr id="4" name="Text Placeholder 3"/>
@@ -6894,18 +6901,14 @@
           </a:bodyPr>
           <a:lstStyle/>
           <a:p>
-            <a:r>
-              <a:rPr lang="en-US" dirty="0" smtClean="0"/>
-              <a:t> </a:t>
-            </a:r>
-            <a:endParaRPr lang="en-US" dirty="0"/>
+            <a:endParaRPr lang="en-US"/>
           </a:p>
         </p:txBody>
       </p:sp>
     </p:spTree>
     <p:extLst>
       <p:ext uri="{BB962C8B-B14F-4D97-AF65-F5344CB8AC3E}">
-        <p14:creationId xmlns:p14="http://schemas.microsoft.com/office/powerpoint/2010/main" val="198196162"/>
+        <p14:creationId xmlns:p14="http://schemas.microsoft.com/office/powerpoint/2010/main" val="1273437707"/>
       </p:ext>
     </p:extLst>
   </p:cSld>
@@ -6956,7 +6959,7 @@
                   </a:schemeClr>
                 </a:solidFill>
               </a:rPr>
-              <a:t>DESIGN ADNCS</a:t>
+              <a:t>Design - ADNCS</a:t>
             </a:r>
             <a:endParaRPr lang="en-US" dirty="0">
               <a:solidFill>
@@ -6969,37 +6972,35 @@
           </a:p>
         </p:txBody>
       </p:sp>
-      <p:sp>
-        <p:nvSpPr>
-          <p:cNvPr id="3" name="Content Placeholder 2"/>
-          <p:cNvSpPr>
-            <a:spLocks noGrp="1"/>
-          </p:cNvSpPr>
+      <p:pic>
+        <p:nvPicPr>
+          <p:cNvPr id="5" name="Content Placeholder 4"/>
+          <p:cNvPicPr>
+            <a:picLocks noGrp="1" noChangeAspect="1"/>
+          </p:cNvPicPr>
           <p:nvPr>
             <p:ph idx="1"/>
           </p:nvPr>
-        </p:nvSpPr>
-        <p:spPr/>
-        <p:txBody>
-          <a:bodyPr/>
-          <a:lstStyle/>
-          <a:p>
-            <a:r>
-              <a:rPr lang="en-US" dirty="0" smtClean="0"/>
-              <a:t>Passive attitude control decision</a:t>
-            </a:r>
-          </a:p>
-          <a:p>
-            <a:r>
-              <a:rPr lang="en-US" dirty="0"/>
-              <a:t>TO BE COMPLETED</a:t>
-            </a:r>
-          </a:p>
-          <a:p>
-            <a:endParaRPr lang="en-US" dirty="0"/>
-          </a:p>
-        </p:txBody>
-      </p:sp>
+        </p:nvPicPr>
+        <p:blipFill>
+          <a:blip r:embed="rId2">
+            <a:extLst>
+              <a:ext uri="{28A0092B-C50C-407E-A947-70E740481C1C}">
+                <a14:useLocalDpi xmlns:a14="http://schemas.microsoft.com/office/drawing/2010/main" val="0"/>
+              </a:ext>
+            </a:extLst>
+          </a:blip>
+          <a:stretch>
+            <a:fillRect/>
+          </a:stretch>
+        </p:blipFill>
+        <p:spPr>
+          <a:xfrm>
+            <a:off x="1371030" y="1227138"/>
+            <a:ext cx="8889553" cy="5160962"/>
+          </a:xfrm>
+        </p:spPr>
+      </p:pic>
       <p:sp>
         <p:nvSpPr>
           <p:cNvPr id="4" name="Text Placeholder 3"/>
@@ -7017,14 +7018,18 @@
           </a:bodyPr>
           <a:lstStyle/>
           <a:p>
-            <a:endParaRPr lang="en-US"/>
+            <a:r>
+              <a:rPr lang="en-US" dirty="0" smtClean="0"/>
+              <a:t> </a:t>
+            </a:r>
+            <a:endParaRPr lang="en-US" dirty="0"/>
           </a:p>
         </p:txBody>
       </p:sp>
     </p:spTree>
     <p:extLst>
       <p:ext uri="{BB962C8B-B14F-4D97-AF65-F5344CB8AC3E}">
-        <p14:creationId xmlns:p14="http://schemas.microsoft.com/office/powerpoint/2010/main" val="3156134388"/>
+        <p14:creationId xmlns:p14="http://schemas.microsoft.com/office/powerpoint/2010/main" val="198196162"/>
       </p:ext>
     </p:extLst>
   </p:cSld>
@@ -7075,7 +7080,7 @@
                   </a:schemeClr>
                 </a:solidFill>
               </a:rPr>
-              <a:t>Design - Communications</a:t>
+              <a:t>DESIGN ADNCS</a:t>
             </a:r>
             <a:endParaRPr lang="en-US" dirty="0">
               <a:solidFill>
@@ -7088,35 +7093,37 @@
           </a:p>
         </p:txBody>
       </p:sp>
-      <p:pic>
-        <p:nvPicPr>
-          <p:cNvPr id="5" name="Content Placeholder 4"/>
-          <p:cNvPicPr>
-            <a:picLocks noGrp="1" noChangeAspect="1"/>
-          </p:cNvPicPr>
+      <p:sp>
+        <p:nvSpPr>
+          <p:cNvPr id="3" name="Content Placeholder 2"/>
+          <p:cNvSpPr>
+            <a:spLocks noGrp="1"/>
+          </p:cNvSpPr>
           <p:nvPr>
             <p:ph idx="1"/>
           </p:nvPr>
-        </p:nvPicPr>
-        <p:blipFill>
-          <a:blip r:embed="rId2">
-            <a:extLst>
-              <a:ext uri="{28A0092B-C50C-407E-A947-70E740481C1C}">
-                <a14:useLocalDpi xmlns:a14="http://schemas.microsoft.com/office/drawing/2010/main" val="0"/>
-              </a:ext>
-            </a:extLst>
-          </a:blip>
-          <a:stretch>
-            <a:fillRect/>
-          </a:stretch>
-        </p:blipFill>
-        <p:spPr>
-          <a:xfrm>
-            <a:off x="1371030" y="1227138"/>
-            <a:ext cx="8889553" cy="5160962"/>
-          </a:xfrm>
-        </p:spPr>
-      </p:pic>
+        </p:nvSpPr>
+        <p:spPr/>
+        <p:txBody>
+          <a:bodyPr/>
+          <a:lstStyle/>
+          <a:p>
+            <a:r>
+              <a:rPr lang="en-US" dirty="0" smtClean="0"/>
+              <a:t>Passive attitude control decision</a:t>
+            </a:r>
+          </a:p>
+          <a:p>
+            <a:r>
+              <a:rPr lang="en-US" dirty="0"/>
+              <a:t>TO BE COMPLETED</a:t>
+            </a:r>
+          </a:p>
+          <a:p>
+            <a:endParaRPr lang="en-US" dirty="0"/>
+          </a:p>
+        </p:txBody>
+      </p:sp>
       <p:sp>
         <p:nvSpPr>
           <p:cNvPr id="4" name="Text Placeholder 3"/>
@@ -7134,18 +7141,14 @@
           </a:bodyPr>
           <a:lstStyle/>
           <a:p>
-            <a:r>
-              <a:rPr lang="en-US" dirty="0" smtClean="0"/>
-              <a:t> </a:t>
-            </a:r>
-            <a:endParaRPr lang="en-US" dirty="0"/>
+            <a:endParaRPr lang="en-US"/>
           </a:p>
         </p:txBody>
       </p:sp>
     </p:spTree>
     <p:extLst>
       <p:ext uri="{BB962C8B-B14F-4D97-AF65-F5344CB8AC3E}">
-        <p14:creationId xmlns:p14="http://schemas.microsoft.com/office/powerpoint/2010/main" val="971149973"/>
+        <p14:creationId xmlns:p14="http://schemas.microsoft.com/office/powerpoint/2010/main" val="3156134388"/>
       </p:ext>
     </p:extLst>
   </p:cSld>
@@ -7196,7 +7199,7 @@
                   </a:schemeClr>
                 </a:solidFill>
               </a:rPr>
-              <a:t>Design – Link Budget</a:t>
+              <a:t>Design - Communications</a:t>
             </a:r>
             <a:endParaRPr lang="en-US" dirty="0">
               <a:solidFill>
@@ -7209,31 +7212,35 @@
           </a:p>
         </p:txBody>
       </p:sp>
-      <p:sp>
-        <p:nvSpPr>
-          <p:cNvPr id="3" name="Content Placeholder 2"/>
-          <p:cNvSpPr>
-            <a:spLocks noGrp="1"/>
-          </p:cNvSpPr>
+      <p:pic>
+        <p:nvPicPr>
+          <p:cNvPr id="5" name="Content Placeholder 4"/>
+          <p:cNvPicPr>
+            <a:picLocks noGrp="1" noChangeAspect="1"/>
+          </p:cNvPicPr>
           <p:nvPr>
             <p:ph idx="1"/>
           </p:nvPr>
-        </p:nvSpPr>
-        <p:spPr/>
-        <p:txBody>
-          <a:bodyPr/>
-          <a:lstStyle/>
-          <a:p>
-            <a:r>
-              <a:rPr lang="en-US" dirty="0"/>
-              <a:t>TO BE COMPLETED</a:t>
-            </a:r>
-          </a:p>
-          <a:p>
-            <a:endParaRPr lang="en-US" dirty="0"/>
-          </a:p>
-        </p:txBody>
-      </p:sp>
+        </p:nvPicPr>
+        <p:blipFill>
+          <a:blip r:embed="rId2">
+            <a:extLst>
+              <a:ext uri="{28A0092B-C50C-407E-A947-70E740481C1C}">
+                <a14:useLocalDpi xmlns:a14="http://schemas.microsoft.com/office/drawing/2010/main" val="0"/>
+              </a:ext>
+            </a:extLst>
+          </a:blip>
+          <a:stretch>
+            <a:fillRect/>
+          </a:stretch>
+        </p:blipFill>
+        <p:spPr>
+          <a:xfrm>
+            <a:off x="1371030" y="1227138"/>
+            <a:ext cx="8889553" cy="5160962"/>
+          </a:xfrm>
+        </p:spPr>
+      </p:pic>
       <p:sp>
         <p:nvSpPr>
           <p:cNvPr id="4" name="Text Placeholder 3"/>
@@ -7251,14 +7258,18 @@
           </a:bodyPr>
           <a:lstStyle/>
           <a:p>
-            <a:endParaRPr lang="en-US"/>
+            <a:r>
+              <a:rPr lang="en-US" dirty="0" smtClean="0"/>
+              <a:t> </a:t>
+            </a:r>
+            <a:endParaRPr lang="en-US" dirty="0"/>
           </a:p>
         </p:txBody>
       </p:sp>
     </p:spTree>
     <p:extLst>
       <p:ext uri="{BB962C8B-B14F-4D97-AF65-F5344CB8AC3E}">
-        <p14:creationId xmlns:p14="http://schemas.microsoft.com/office/powerpoint/2010/main" val="555483364"/>
+        <p14:creationId xmlns:p14="http://schemas.microsoft.com/office/powerpoint/2010/main" val="971149973"/>
       </p:ext>
     </p:extLst>
   </p:cSld>
@@ -7309,7 +7320,7 @@
                   </a:schemeClr>
                 </a:solidFill>
               </a:rPr>
-              <a:t>Design - Power</a:t>
+              <a:t>Design – Link Budget</a:t>
             </a:r>
             <a:endParaRPr lang="en-US" dirty="0">
               <a:solidFill>
@@ -7322,35 +7333,31 @@
           </a:p>
         </p:txBody>
       </p:sp>
-      <p:pic>
-        <p:nvPicPr>
-          <p:cNvPr id="5" name="Content Placeholder 4"/>
-          <p:cNvPicPr>
-            <a:picLocks noGrp="1" noChangeAspect="1"/>
-          </p:cNvPicPr>
+      <p:sp>
+        <p:nvSpPr>
+          <p:cNvPr id="3" name="Content Placeholder 2"/>
+          <p:cNvSpPr>
+            <a:spLocks noGrp="1"/>
+          </p:cNvSpPr>
           <p:nvPr>
             <p:ph idx="1"/>
           </p:nvPr>
-        </p:nvPicPr>
-        <p:blipFill>
-          <a:blip r:embed="rId2">
-            <a:extLst>
-              <a:ext uri="{28A0092B-C50C-407E-A947-70E740481C1C}">
-                <a14:useLocalDpi xmlns:a14="http://schemas.microsoft.com/office/drawing/2010/main" val="0"/>
-              </a:ext>
-            </a:extLst>
-          </a:blip>
-          <a:stretch>
-            <a:fillRect/>
-          </a:stretch>
-        </p:blipFill>
-        <p:spPr>
-          <a:xfrm>
-            <a:off x="1371030" y="1227138"/>
-            <a:ext cx="8889553" cy="5160962"/>
-          </a:xfrm>
-        </p:spPr>
-      </p:pic>
+        </p:nvSpPr>
+        <p:spPr/>
+        <p:txBody>
+          <a:bodyPr/>
+          <a:lstStyle/>
+          <a:p>
+            <a:r>
+              <a:rPr lang="en-US" dirty="0"/>
+              <a:t>TO BE COMPLETED</a:t>
+            </a:r>
+          </a:p>
+          <a:p>
+            <a:endParaRPr lang="en-US" dirty="0"/>
+          </a:p>
+        </p:txBody>
+      </p:sp>
       <p:sp>
         <p:nvSpPr>
           <p:cNvPr id="4" name="Text Placeholder 3"/>
@@ -7368,18 +7375,14 @@
           </a:bodyPr>
           <a:lstStyle/>
           <a:p>
-            <a:r>
-              <a:rPr lang="en-US" dirty="0" smtClean="0"/>
-              <a:t> </a:t>
-            </a:r>
-            <a:endParaRPr lang="en-US" dirty="0"/>
+            <a:endParaRPr lang="en-US"/>
           </a:p>
         </p:txBody>
       </p:sp>
     </p:spTree>
     <p:extLst>
       <p:ext uri="{BB962C8B-B14F-4D97-AF65-F5344CB8AC3E}">
-        <p14:creationId xmlns:p14="http://schemas.microsoft.com/office/powerpoint/2010/main" val="1036177282"/>
+        <p14:creationId xmlns:p14="http://schemas.microsoft.com/office/powerpoint/2010/main" val="555483364"/>
       </p:ext>
     </p:extLst>
   </p:cSld>
@@ -7430,7 +7433,7 @@
                   </a:schemeClr>
                 </a:solidFill>
               </a:rPr>
-              <a:t>Design – Power Budget</a:t>
+              <a:t>Design - Power</a:t>
             </a:r>
             <a:endParaRPr lang="en-US" dirty="0">
               <a:solidFill>
@@ -7443,29 +7446,35 @@
           </a:p>
         </p:txBody>
       </p:sp>
-      <p:sp>
-        <p:nvSpPr>
-          <p:cNvPr id="3" name="Content Placeholder 2"/>
-          <p:cNvSpPr>
-            <a:spLocks noGrp="1"/>
-          </p:cNvSpPr>
+      <p:pic>
+        <p:nvPicPr>
+          <p:cNvPr id="5" name="Content Placeholder 4"/>
+          <p:cNvPicPr>
+            <a:picLocks noGrp="1" noChangeAspect="1"/>
+          </p:cNvPicPr>
           <p:nvPr>
             <p:ph idx="1"/>
           </p:nvPr>
-        </p:nvSpPr>
-        <p:spPr/>
-        <p:txBody>
-          <a:bodyPr/>
-          <a:lstStyle/>
-          <a:p>
-            <a:r>
-              <a:rPr lang="en-US" dirty="0" smtClean="0"/>
-              <a:t>TO BE COMPLETED</a:t>
-            </a:r>
-            <a:endParaRPr lang="en-US" dirty="0"/>
-          </a:p>
-        </p:txBody>
-      </p:sp>
+        </p:nvPicPr>
+        <p:blipFill>
+          <a:blip r:embed="rId2">
+            <a:extLst>
+              <a:ext uri="{28A0092B-C50C-407E-A947-70E740481C1C}">
+                <a14:useLocalDpi xmlns:a14="http://schemas.microsoft.com/office/drawing/2010/main" val="0"/>
+              </a:ext>
+            </a:extLst>
+          </a:blip>
+          <a:stretch>
+            <a:fillRect/>
+          </a:stretch>
+        </p:blipFill>
+        <p:spPr>
+          <a:xfrm>
+            <a:off x="1371030" y="1227138"/>
+            <a:ext cx="8889553" cy="5160962"/>
+          </a:xfrm>
+        </p:spPr>
+      </p:pic>
       <p:sp>
         <p:nvSpPr>
           <p:cNvPr id="4" name="Text Placeholder 3"/>
@@ -7483,14 +7492,18 @@
           </a:bodyPr>
           <a:lstStyle/>
           <a:p>
-            <a:endParaRPr lang="en-US"/>
+            <a:r>
+              <a:rPr lang="en-US" dirty="0" smtClean="0"/>
+              <a:t> </a:t>
+            </a:r>
+            <a:endParaRPr lang="en-US" dirty="0"/>
           </a:p>
         </p:txBody>
       </p:sp>
     </p:spTree>
     <p:extLst>
       <p:ext uri="{BB962C8B-B14F-4D97-AF65-F5344CB8AC3E}">
-        <p14:creationId xmlns:p14="http://schemas.microsoft.com/office/powerpoint/2010/main" val="1043457955"/>
+        <p14:creationId xmlns:p14="http://schemas.microsoft.com/office/powerpoint/2010/main" val="1036177282"/>
       </p:ext>
     </p:extLst>
   </p:cSld>
@@ -7541,7 +7554,7 @@
                   </a:schemeClr>
                 </a:solidFill>
               </a:rPr>
-              <a:t>Budget</a:t>
+              <a:t>Design – Power Budget</a:t>
             </a:r>
             <a:endParaRPr lang="en-US" dirty="0">
               <a:solidFill>
@@ -7571,47 +7584,8 @@
           <a:p>
             <a:r>
               <a:rPr lang="en-US" dirty="0" smtClean="0"/>
-              <a:t>Attitude Control</a:t>
-            </a:r>
-          </a:p>
-          <a:p>
-            <a:r>
-              <a:rPr lang="en-US" dirty="0" smtClean="0"/>
-              <a:t>Attitude Determination</a:t>
-            </a:r>
-          </a:p>
-          <a:p>
-            <a:r>
-              <a:rPr lang="en-US" dirty="0" smtClean="0"/>
-              <a:t>Navigation</a:t>
-            </a:r>
-          </a:p>
-          <a:p>
-            <a:r>
-              <a:rPr lang="en-US" dirty="0" smtClean="0"/>
-              <a:t>Communication</a:t>
-            </a:r>
-          </a:p>
-          <a:p>
-            <a:r>
-              <a:rPr lang="en-US" dirty="0" smtClean="0"/>
-              <a:t>Power</a:t>
-            </a:r>
-          </a:p>
-          <a:p>
-            <a:r>
-              <a:rPr lang="en-US" dirty="0" smtClean="0"/>
-              <a:t>Manpower</a:t>
-            </a:r>
-          </a:p>
-          <a:p>
-            <a:pPr lvl="1"/>
-            <a:r>
-              <a:rPr lang="en-US" dirty="0" smtClean="0"/>
-              <a:t>FREE!</a:t>
-            </a:r>
-          </a:p>
-          <a:p>
+              <a:t>TO BE COMPLETED</a:t>
+            </a:r>
             <a:endParaRPr lang="en-US" dirty="0"/>
           </a:p>
         </p:txBody>
@@ -7640,7 +7614,7 @@
     </p:spTree>
     <p:extLst>
       <p:ext uri="{BB962C8B-B14F-4D97-AF65-F5344CB8AC3E}">
-        <p14:creationId xmlns:p14="http://schemas.microsoft.com/office/powerpoint/2010/main" val="3051738324"/>
+        <p14:creationId xmlns:p14="http://schemas.microsoft.com/office/powerpoint/2010/main" val="1043457955"/>
       </p:ext>
     </p:extLst>
   </p:cSld>
@@ -7691,7 +7665,7 @@
                   </a:schemeClr>
                 </a:solidFill>
               </a:rPr>
-              <a:t>FMEA</a:t>
+              <a:t>Budget</a:t>
             </a:r>
             <a:endParaRPr lang="en-US" dirty="0">
               <a:solidFill>
@@ -7720,8 +7694,45 @@
           <a:lstStyle/>
           <a:p>
             <a:r>
-              <a:rPr lang="en-US" dirty="0"/>
-              <a:t>TO BE COMPLETED</a:t>
+              <a:rPr lang="en-US" dirty="0" smtClean="0"/>
+              <a:t>Attitude Control</a:t>
+            </a:r>
+          </a:p>
+          <a:p>
+            <a:r>
+              <a:rPr lang="en-US" dirty="0" smtClean="0"/>
+              <a:t>Attitude Determination</a:t>
+            </a:r>
+          </a:p>
+          <a:p>
+            <a:r>
+              <a:rPr lang="en-US" dirty="0" smtClean="0"/>
+              <a:t>Navigation</a:t>
+            </a:r>
+          </a:p>
+          <a:p>
+            <a:r>
+              <a:rPr lang="en-US" dirty="0" smtClean="0"/>
+              <a:t>Communication</a:t>
+            </a:r>
+          </a:p>
+          <a:p>
+            <a:r>
+              <a:rPr lang="en-US" dirty="0" smtClean="0"/>
+              <a:t>Power</a:t>
+            </a:r>
+          </a:p>
+          <a:p>
+            <a:r>
+              <a:rPr lang="en-US" dirty="0" smtClean="0"/>
+              <a:t>Manpower</a:t>
+            </a:r>
+          </a:p>
+          <a:p>
+            <a:pPr lvl="1"/>
+            <a:r>
+              <a:rPr lang="en-US" dirty="0" smtClean="0"/>
+              <a:t>FREE!</a:t>
             </a:r>
           </a:p>
           <a:p>
@@ -7746,18 +7757,14 @@
           </a:bodyPr>
           <a:lstStyle/>
           <a:p>
-            <a:r>
-              <a:rPr lang="en-US" dirty="0" smtClean="0"/>
-              <a:t>Charlie</a:t>
-            </a:r>
-            <a:endParaRPr lang="en-US" dirty="0"/>
+            <a:endParaRPr lang="en-US"/>
           </a:p>
         </p:txBody>
       </p:sp>
     </p:spTree>
     <p:extLst>
       <p:ext uri="{BB962C8B-B14F-4D97-AF65-F5344CB8AC3E}">
-        <p14:creationId xmlns:p14="http://schemas.microsoft.com/office/powerpoint/2010/main" val="2929915190"/>
+        <p14:creationId xmlns:p14="http://schemas.microsoft.com/office/powerpoint/2010/main" val="3051738324"/>
       </p:ext>
     </p:extLst>
   </p:cSld>
@@ -7995,6 +8002,123 @@
                   </a:schemeClr>
                 </a:solidFill>
               </a:rPr>
+              <a:t>FMEA</a:t>
+            </a:r>
+            <a:endParaRPr lang="en-US" dirty="0">
+              <a:solidFill>
+                <a:schemeClr val="bg1">
+                  <a:lumMod val="50000"/>
+                  <a:lumOff val="50000"/>
+                </a:schemeClr>
+              </a:solidFill>
+            </a:endParaRPr>
+          </a:p>
+        </p:txBody>
+      </p:sp>
+      <p:sp>
+        <p:nvSpPr>
+          <p:cNvPr id="3" name="Content Placeholder 2"/>
+          <p:cNvSpPr>
+            <a:spLocks noGrp="1"/>
+          </p:cNvSpPr>
+          <p:nvPr>
+            <p:ph idx="1"/>
+          </p:nvPr>
+        </p:nvSpPr>
+        <p:spPr/>
+        <p:txBody>
+          <a:bodyPr/>
+          <a:lstStyle/>
+          <a:p>
+            <a:r>
+              <a:rPr lang="en-US" dirty="0"/>
+              <a:t>TO BE COMPLETED</a:t>
+            </a:r>
+          </a:p>
+          <a:p>
+            <a:endParaRPr lang="en-US" dirty="0"/>
+          </a:p>
+        </p:txBody>
+      </p:sp>
+      <p:sp>
+        <p:nvSpPr>
+          <p:cNvPr id="4" name="Text Placeholder 3"/>
+          <p:cNvSpPr>
+            <a:spLocks noGrp="1"/>
+          </p:cNvSpPr>
+          <p:nvPr>
+            <p:ph type="body" sz="quarter" idx="10"/>
+          </p:nvPr>
+        </p:nvSpPr>
+        <p:spPr/>
+        <p:txBody>
+          <a:bodyPr>
+            <a:normAutofit fontScale="92500" lnSpcReduction="10000"/>
+          </a:bodyPr>
+          <a:lstStyle/>
+          <a:p>
+            <a:r>
+              <a:rPr lang="en-US" dirty="0" smtClean="0"/>
+              <a:t>Charlie</a:t>
+            </a:r>
+            <a:endParaRPr lang="en-US" dirty="0"/>
+          </a:p>
+        </p:txBody>
+      </p:sp>
+    </p:spTree>
+    <p:extLst>
+      <p:ext uri="{BB962C8B-B14F-4D97-AF65-F5344CB8AC3E}">
+        <p14:creationId xmlns:p14="http://schemas.microsoft.com/office/powerpoint/2010/main" val="2929915190"/>
+      </p:ext>
+    </p:extLst>
+  </p:cSld>
+  <p:clrMapOvr>
+    <a:masterClrMapping/>
+  </p:clrMapOvr>
+</p:sld>
+</file>
+
+<file path=ppt/slides/slide21.xml><?xml version="1.0" encoding="utf-8"?>
+<p:sld xmlns:a="http://schemas.openxmlformats.org/drawingml/2006/main" xmlns:r="http://schemas.openxmlformats.org/officeDocument/2006/relationships" xmlns:p="http://schemas.openxmlformats.org/presentationml/2006/main">
+  <p:cSld>
+    <p:spTree>
+      <p:nvGrpSpPr>
+        <p:cNvPr id="1" name=""/>
+        <p:cNvGrpSpPr/>
+        <p:nvPr/>
+      </p:nvGrpSpPr>
+      <p:grpSpPr>
+        <a:xfrm>
+          <a:off x="0" y="0"/>
+          <a:ext cx="0" cy="0"/>
+          <a:chOff x="0" y="0"/>
+          <a:chExt cx="0" cy="0"/>
+        </a:xfrm>
+      </p:grpSpPr>
+      <p:sp>
+        <p:nvSpPr>
+          <p:cNvPr id="2" name="Title 1"/>
+          <p:cNvSpPr>
+            <a:spLocks noGrp="1"/>
+          </p:cNvSpPr>
+          <p:nvPr>
+            <p:ph type="title"/>
+          </p:nvPr>
+        </p:nvSpPr>
+        <p:spPr/>
+        <p:txBody>
+          <a:bodyPr/>
+          <a:lstStyle/>
+          <a:p>
+            <a:r>
+              <a:rPr lang="en-US" dirty="0" smtClean="0">
+                <a:solidFill>
+                  <a:schemeClr val="bg1">
+                    <a:lumMod val="50000"/>
+                    <a:lumOff val="50000"/>
+                  </a:schemeClr>
+                </a:solidFill>
+              </a:rPr>
               <a:t>Conclusion</a:t>
             </a:r>
             <a:endParaRPr lang="en-US" dirty="0">
@@ -8071,7 +8195,7 @@
 </p:sld>
 </file>
 
-<file path=ppt/slides/slide21.xml><?xml version="1.0" encoding="utf-8"?>
+<file path=ppt/slides/slide22.xml><?xml version="1.0" encoding="utf-8"?>
 <p:sld xmlns:a="http://schemas.openxmlformats.org/drawingml/2006/main" xmlns:r="http://schemas.openxmlformats.org/officeDocument/2006/relationships" xmlns:p="http://schemas.openxmlformats.org/presentationml/2006/main">
   <p:cSld>
     <p:spTree>
@@ -8978,14 +9102,14 @@
             <a:noFill/>
           </a:ln>
           <a:extLst>
-            <a:ext uri="{909E8E84-426E-40DD-AFC4-6F175D3DCCD1}">
+            <a:ext uri="{909E8E84-426E-40dd-AFC4-6F175D3DCCD1}">
               <a14:hiddenFill xmlns:a14="http://schemas.microsoft.com/office/drawing/2010/main">
                 <a:solidFill>
                   <a:schemeClr val="accent1"/>
                 </a:solidFill>
               </a14:hiddenFill>
             </a:ext>
-            <a:ext uri="{91240B29-F687-4F45-9708-019B960494DF}">
+            <a:ext uri="{91240B29-F687-4f45-9708-019B960494DF}">
               <a14:hiddenLine xmlns:a14="http://schemas.microsoft.com/office/drawing/2010/main" w="9525">
                 <a:solidFill>
                   <a:schemeClr val="tx1"/>
@@ -9111,63 +9235,33 @@
           <a:bodyPr/>
           <a:lstStyle/>
           <a:p>
-            <a:pPr marL="0" indent="0">
-              <a:buNone/>
-            </a:pPr>
-            <a:r>
-              <a:rPr lang="en-US" sz="2400" dirty="0" smtClean="0"/>
-              <a:t>Requirements</a:t>
-            </a:r>
+            <a:r>
+              <a:rPr lang="en-US" dirty="0" smtClean="0"/>
+              <a:t>Payload</a:t>
+            </a:r>
+            <a:endParaRPr lang="en-US" dirty="0"/>
           </a:p>
           <a:p>
             <a:pPr lvl="1"/>
-            <a:endParaRPr lang="en-US" dirty="0" smtClean="0"/>
+            <a:r>
+              <a:rPr lang="en-US" dirty="0"/>
+              <a:t>Gamma Ray Intensity Detector (GRID)</a:t>
+            </a:r>
+          </a:p>
+          <a:p>
+            <a:r>
+              <a:rPr lang="en-US" dirty="0"/>
+              <a:t>What GRID does?</a:t>
+            </a:r>
           </a:p>
           <a:p>
             <a:pPr lvl="1"/>
             <a:r>
-              <a:rPr lang="en-US" dirty="0" smtClean="0"/>
-              <a:t>The </a:t>
-            </a:r>
-            <a:r>
               <a:rPr lang="en-US" dirty="0"/>
-              <a:t>CubeSat shall determine and relay a relative position solution (i.e., relative to the formation) with an accuracy of 10 meters (1 standard deviation)</a:t>
-            </a:r>
-          </a:p>
-          <a:p>
-            <a:pPr lvl="1"/>
-            <a:endParaRPr lang="en-US" dirty="0"/>
-          </a:p>
-          <a:p>
-            <a:pPr lvl="1"/>
-            <a:r>
-              <a:rPr lang="en-US" dirty="0"/>
-              <a:t>The CubeSat shall determine and relay a relative attitude solution with an accuracy of 10 </a:t>
-            </a:r>
-            <a:r>
-              <a:rPr lang="en-US" dirty="0" err="1"/>
-              <a:t>mRad</a:t>
-            </a:r>
-            <a:r>
-              <a:rPr lang="en-US" dirty="0"/>
-              <a:t>.</a:t>
-            </a:r>
-          </a:p>
-          <a:p>
-            <a:pPr lvl="1"/>
-            <a:endParaRPr lang="en-US" dirty="0"/>
-          </a:p>
-          <a:p>
-            <a:pPr lvl="1"/>
-            <a:r>
-              <a:rPr lang="en-US" dirty="0"/>
-              <a:t>The CubeSat shall maintain a clock offset or timing accuracy (relative to the formation) better than 10 µs.</a:t>
-            </a:r>
-          </a:p>
-          <a:p>
-            <a:pPr marL="0" indent="0">
-              <a:buNone/>
-            </a:pPr>
+              <a:t>Detect Gamma Ray Events to conceptually prove deep space navigation concepts</a:t>
+            </a:r>
+          </a:p>
+          <a:p>
             <a:endParaRPr lang="en-US" dirty="0"/>
           </a:p>
         </p:txBody>
@@ -9197,16 +9291,116 @@
           </a:p>
         </p:txBody>
       </p:sp>
+      <p:pic>
+        <p:nvPicPr>
+          <p:cNvPr id="5" name="Picture 2"/>
+          <p:cNvPicPr>
+            <a:picLocks noChangeAspect="1" noChangeArrowheads="1"/>
+          </p:cNvPicPr>
+          <p:nvPr/>
+        </p:nvPicPr>
+        <p:blipFill rotWithShape="1">
+          <a:blip r:embed="rId2">
+            <a:clrChange>
+              <a:clrFrom>
+                <a:srgbClr val="000000"/>
+              </a:clrFrom>
+              <a:clrTo>
+                <a:srgbClr val="000000">
+                  <a:alpha val="0"/>
+                </a:srgbClr>
+              </a:clrTo>
+            </a:clrChange>
+            <a:extLst>
+              <a:ext uri="{28A0092B-C50C-407E-A947-70E740481C1C}">
+                <a14:useLocalDpi xmlns:a14="http://schemas.microsoft.com/office/drawing/2010/main" val="0"/>
+              </a:ext>
+            </a:extLst>
+          </a:blip>
+          <a:srcRect l="768" t="806" r="768" b="806"/>
+          <a:stretch/>
+        </p:blipFill>
+        <p:spPr bwMode="auto">
+          <a:xfrm>
+            <a:off x="3195663" y="3085930"/>
+            <a:ext cx="5540774" cy="2792164"/>
+          </a:xfrm>
+          <a:prstGeom prst="rect">
+            <a:avLst/>
+          </a:prstGeom>
+          <a:noFill/>
+          <a:ln>
+            <a:noFill/>
+          </a:ln>
+          <a:extLst>
+            <a:ext uri="{909E8E84-426E-40dd-AFC4-6F175D3DCCD1}">
+              <a14:hiddenFill xmlns:a14="http://schemas.microsoft.com/office/drawing/2010/main">
+                <a:solidFill>
+                  <a:schemeClr val="accent1"/>
+                </a:solidFill>
+              </a14:hiddenFill>
+            </a:ext>
+            <a:ext uri="{91240B29-F687-4f45-9708-019B960494DF}">
+              <a14:hiddenLine xmlns:a14="http://schemas.microsoft.com/office/drawing/2010/main" w="9525">
+                <a:solidFill>
+                  <a:schemeClr val="tx1"/>
+                </a:solidFill>
+                <a:miter lim="800000"/>
+                <a:headEnd/>
+                <a:tailEnd/>
+              </a14:hiddenLine>
+            </a:ext>
+          </a:extLst>
+        </p:spPr>
+      </p:pic>
+      <p:sp>
+        <p:nvSpPr>
+          <p:cNvPr id="6" name="TextBox 5"/>
+          <p:cNvSpPr txBox="1"/>
+          <p:nvPr/>
+        </p:nvSpPr>
+        <p:spPr>
+          <a:xfrm>
+            <a:off x="3071882" y="5985593"/>
+            <a:ext cx="5714310" cy="646331"/>
+          </a:xfrm>
+          <a:prstGeom prst="rect">
+            <a:avLst/>
+          </a:prstGeom>
+          <a:noFill/>
+        </p:spPr>
+        <p:txBody>
+          <a:bodyPr wrap="square" rtlCol="0">
+            <a:spAutoFit/>
+          </a:bodyPr>
+          <a:lstStyle/>
+          <a:p>
+            <a:pPr marL="628650" indent="-628650"/>
+            <a:r>
+              <a:rPr lang="en-US" sz="1200" dirty="0" smtClean="0"/>
+              <a:t>Figure 1. This figures shows six examples of known Gamma Ray bursts from our universe. The data in the plots represents the relation between Kilo-Electron Volts and Seconds in time.</a:t>
+            </a:r>
+            <a:endParaRPr lang="en-US" sz="1200" dirty="0"/>
+          </a:p>
+        </p:txBody>
+      </p:sp>
     </p:spTree>
     <p:extLst>
       <p:ext uri="{BB962C8B-B14F-4D97-AF65-F5344CB8AC3E}">
-        <p14:creationId xmlns:p14="http://schemas.microsoft.com/office/powerpoint/2010/main" val="1619150952"/>
+        <p14:creationId xmlns:p14="http://schemas.microsoft.com/office/powerpoint/2010/main" val="2594912660"/>
       </p:ext>
     </p:extLst>
   </p:cSld>
   <p:clrMapOvr>
     <a:masterClrMapping/>
   </p:clrMapOvr>
+  <p:timing>
+    <p:tnLst>
+      <p:par>
+        <p:cTn xmlns:p14="http://schemas.microsoft.com/office/powerpoint/2010/main" id="1" dur="indefinite" restart="never" nodeType="tmRoot"/>
+      </p:par>
+    </p:tnLst>
+  </p:timing>
 </p:sld>
 </file>
 
@@ -9245,9 +9439,9 @@
             <a:r>
               <a:rPr lang="en-US" dirty="0" smtClean="0">
                 <a:solidFill>
-                  <a:schemeClr val="bg1">
-                    <a:lumMod val="50000"/>
-                    <a:lumOff val="50000"/>
+                  <a:schemeClr val="bg2">
+                    <a:lumMod val="40000"/>
+                    <a:lumOff val="60000"/>
                   </a:schemeClr>
                 </a:solidFill>
               </a:rPr>
@@ -9255,9 +9449,9 @@
             </a:r>
             <a:endParaRPr lang="en-US" dirty="0">
               <a:solidFill>
-                <a:schemeClr val="bg1">
-                  <a:lumMod val="50000"/>
-                  <a:lumOff val="50000"/>
+                <a:schemeClr val="bg2">
+                  <a:lumMod val="40000"/>
+                  <a:lumOff val="60000"/>
                 </a:schemeClr>
               </a:solidFill>
             </a:endParaRPr>
@@ -9284,95 +9478,52 @@
             </a:pPr>
             <a:r>
               <a:rPr lang="en-US" sz="2400" dirty="0" smtClean="0"/>
-              <a:t>Derived Requirements</a:t>
+              <a:t>Requirements</a:t>
             </a:r>
           </a:p>
           <a:p>
             <a:pPr lvl="1"/>
-            <a:endParaRPr lang="en-US" sz="2000" dirty="0" smtClean="0"/>
+            <a:endParaRPr lang="en-US" dirty="0" smtClean="0"/>
           </a:p>
           <a:p>
             <a:pPr lvl="1"/>
             <a:r>
-              <a:rPr lang="en-US" sz="2000" dirty="0" smtClean="0"/>
-              <a:t>Shall </a:t>
-            </a:r>
-            <a:r>
-              <a:rPr lang="en-US" sz="2000" dirty="0"/>
-              <a:t>accept </a:t>
-            </a:r>
-            <a:r>
-              <a:rPr lang="en-US" sz="2000" dirty="0" smtClean="0"/>
-              <a:t>“GRID” </a:t>
-            </a:r>
-            <a:r>
-              <a:rPr lang="en-US" sz="2000" dirty="0"/>
-              <a:t>as a payload</a:t>
-            </a:r>
-          </a:p>
-          <a:p>
-            <a:pPr lvl="2"/>
-            <a:r>
-              <a:rPr lang="en-US" sz="1800" dirty="0"/>
-              <a:t>Supplies payload with power </a:t>
-            </a:r>
-            <a:r>
-              <a:rPr lang="en-US" sz="1800" dirty="0" smtClean="0"/>
-              <a:t>(3~5W/</a:t>
-            </a:r>
-            <a:r>
-              <a:rPr lang="en-US" sz="1800" dirty="0" err="1" smtClean="0"/>
-              <a:t>hr</a:t>
-            </a:r>
-            <a:r>
-              <a:rPr lang="en-US" sz="1800" dirty="0" smtClean="0"/>
-              <a:t>) </a:t>
-            </a:r>
-            <a:r>
-              <a:rPr lang="en-US" sz="1800" dirty="0"/>
-              <a:t>and communication requirements</a:t>
-            </a:r>
-          </a:p>
-          <a:p>
-            <a:pPr lvl="2"/>
-            <a:r>
-              <a:rPr lang="en-US" sz="1800" dirty="0"/>
-              <a:t>Provides environmental data (time, attitude, position) to payload with priority</a:t>
-            </a:r>
-          </a:p>
-          <a:p>
-            <a:pPr lvl="2"/>
-            <a:r>
-              <a:rPr lang="en-US" sz="1800" dirty="0"/>
-              <a:t>Receives data from payload to transmit to ground network</a:t>
-            </a:r>
-          </a:p>
-          <a:p>
-            <a:endParaRPr lang="en-US" sz="2400" dirty="0"/>
+              <a:rPr lang="en-US" dirty="0" smtClean="0"/>
+              <a:t>The </a:t>
+            </a:r>
+            <a:r>
+              <a:rPr lang="en-US" dirty="0"/>
+              <a:t>CubeSat shall determine and relay a relative position solution (i.e., relative to the formation) with an accuracy of 10 meters (1 standard deviation)</a:t>
+            </a:r>
           </a:p>
           <a:p>
             <a:pPr lvl="1"/>
-            <a:r>
-              <a:rPr lang="en-US" sz="2000" dirty="0"/>
-              <a:t>Shall meet NASA CubeSat Launch Initiative requirements</a:t>
-            </a:r>
-          </a:p>
-          <a:p>
-            <a:pPr lvl="2"/>
-            <a:r>
-              <a:rPr lang="en-US" sz="1800" dirty="0"/>
-              <a:t>Structural, electrical, and other requirements are listed at </a:t>
-            </a:r>
-          </a:p>
-          <a:p>
-            <a:pPr lvl="3"/>
-            <a:r>
-              <a:rPr lang="en-US" sz="1600" dirty="0">
-                <a:solidFill>
-                  <a:srgbClr val="FFC000"/>
-                </a:solidFill>
-              </a:rPr>
-              <a:t>http://www.nasa.gov/pdf/627972main_LSP-REQ-317_01A.pdf</a:t>
+            <a:endParaRPr lang="en-US" dirty="0"/>
+          </a:p>
+          <a:p>
+            <a:pPr lvl="1"/>
+            <a:r>
+              <a:rPr lang="en-US" dirty="0"/>
+              <a:t>The CubeSat shall determine and relay a relative attitude solution with an accuracy of 10 </a:t>
+            </a:r>
+            <a:r>
+              <a:rPr lang="en-US" dirty="0" err="1"/>
+              <a:t>mRad</a:t>
+            </a:r>
+            <a:r>
+              <a:rPr lang="en-US" dirty="0"/>
+              <a:t>.</a:t>
+            </a:r>
+          </a:p>
+          <a:p>
+            <a:pPr lvl="1"/>
+            <a:endParaRPr lang="en-US" dirty="0"/>
+          </a:p>
+          <a:p>
+            <a:pPr lvl="1"/>
+            <a:r>
+              <a:rPr lang="en-US" dirty="0"/>
+              <a:t>The CubeSat shall maintain a clock offset or timing accuracy (relative to the formation) better than 10 µs.</a:t>
             </a:r>
           </a:p>
           <a:p>
@@ -9411,7 +9562,7 @@
     </p:spTree>
     <p:extLst>
       <p:ext uri="{BB962C8B-B14F-4D97-AF65-F5344CB8AC3E}">
-        <p14:creationId xmlns:p14="http://schemas.microsoft.com/office/powerpoint/2010/main" val="2454001140"/>
+        <p14:creationId xmlns:p14="http://schemas.microsoft.com/office/powerpoint/2010/main" val="1619150952"/>
       </p:ext>
     </p:extLst>
   </p:cSld>
@@ -9462,7 +9613,7 @@
                   </a:schemeClr>
                 </a:solidFill>
               </a:rPr>
-              <a:t>Design - Model</a:t>
+              <a:t>Motivation</a:t>
             </a:r>
             <a:endParaRPr lang="en-US" dirty="0">
               <a:solidFill>
@@ -9490,14 +9641,106 @@
           <a:bodyPr/>
           <a:lstStyle/>
           <a:p>
-            <a:r>
-              <a:rPr lang="en-US" dirty="0" err="1" smtClean="0"/>
-              <a:t>Solidworks</a:t>
-            </a:r>
-            <a:r>
-              <a:rPr lang="en-US" dirty="0" smtClean="0"/>
-              <a:t> Model HERE</a:t>
-            </a:r>
+            <a:pPr marL="0" indent="0">
+              <a:buNone/>
+            </a:pPr>
+            <a:r>
+              <a:rPr lang="en-US" sz="2400" dirty="0" smtClean="0"/>
+              <a:t>Derived Requirements</a:t>
+            </a:r>
+          </a:p>
+          <a:p>
+            <a:pPr lvl="1"/>
+            <a:endParaRPr lang="en-US" sz="2000" dirty="0" smtClean="0"/>
+          </a:p>
+          <a:p>
+            <a:pPr lvl="1"/>
+            <a:r>
+              <a:rPr lang="en-US" sz="2000" dirty="0" smtClean="0"/>
+              <a:t>Shall </a:t>
+            </a:r>
+            <a:r>
+              <a:rPr lang="en-US" sz="2000" dirty="0"/>
+              <a:t>accept </a:t>
+            </a:r>
+            <a:r>
+              <a:rPr lang="en-US" sz="2000" dirty="0" smtClean="0"/>
+              <a:t>“GRID” </a:t>
+            </a:r>
+            <a:r>
+              <a:rPr lang="en-US" sz="2000" dirty="0"/>
+              <a:t>as a payload</a:t>
+            </a:r>
+          </a:p>
+          <a:p>
+            <a:pPr lvl="2"/>
+            <a:r>
+              <a:rPr lang="en-US" sz="1800" dirty="0"/>
+              <a:t>Supplies payload with power </a:t>
+            </a:r>
+            <a:r>
+              <a:rPr lang="en-US" sz="1800" dirty="0" smtClean="0"/>
+              <a:t>(3~5W/</a:t>
+            </a:r>
+            <a:r>
+              <a:rPr lang="en-US" sz="1800" dirty="0" err="1" smtClean="0"/>
+              <a:t>hr</a:t>
+            </a:r>
+            <a:r>
+              <a:rPr lang="en-US" sz="1800" dirty="0" smtClean="0"/>
+              <a:t>) </a:t>
+            </a:r>
+            <a:r>
+              <a:rPr lang="en-US" sz="1800" dirty="0"/>
+              <a:t>and communication requirements</a:t>
+            </a:r>
+          </a:p>
+          <a:p>
+            <a:pPr lvl="2"/>
+            <a:r>
+              <a:rPr lang="en-US" sz="1800" dirty="0"/>
+              <a:t>Provides environmental data (time, attitude, position) to payload with priority</a:t>
+            </a:r>
+          </a:p>
+          <a:p>
+            <a:pPr lvl="2"/>
+            <a:r>
+              <a:rPr lang="en-US" sz="1800" dirty="0"/>
+              <a:t>Receives data from payload to transmit to ground network</a:t>
+            </a:r>
+          </a:p>
+          <a:p>
+            <a:endParaRPr lang="en-US" sz="2400" dirty="0"/>
+          </a:p>
+          <a:p>
+            <a:pPr lvl="1"/>
+            <a:r>
+              <a:rPr lang="en-US" sz="2000" dirty="0"/>
+              <a:t>Shall meet NASA CubeSat Launch Initiative requirements</a:t>
+            </a:r>
+          </a:p>
+          <a:p>
+            <a:pPr lvl="2"/>
+            <a:r>
+              <a:rPr lang="en-US" sz="1800" dirty="0"/>
+              <a:t>Structural, electrical, and other requirements are listed at </a:t>
+            </a:r>
+          </a:p>
+          <a:p>
+            <a:pPr lvl="3"/>
+            <a:r>
+              <a:rPr lang="en-US" sz="1600" dirty="0">
+                <a:solidFill>
+                  <a:srgbClr val="FFC000"/>
+                </a:solidFill>
+              </a:rPr>
+              <a:t>http://www.nasa.gov/pdf/627972main_LSP-REQ-317_01A.pdf</a:t>
+            </a:r>
+          </a:p>
+          <a:p>
+            <a:pPr marL="0" indent="0">
+              <a:buNone/>
+            </a:pPr>
             <a:endParaRPr lang="en-US" dirty="0"/>
           </a:p>
         </p:txBody>
@@ -9519,14 +9762,18 @@
           </a:bodyPr>
           <a:lstStyle/>
           <a:p>
-            <a:endParaRPr lang="en-US"/>
+            <a:r>
+              <a:rPr lang="en-US" dirty="0" smtClean="0"/>
+              <a:t>Charlie</a:t>
+            </a:r>
+            <a:endParaRPr lang="en-US" dirty="0"/>
           </a:p>
         </p:txBody>
       </p:sp>
     </p:spTree>
     <p:extLst>
       <p:ext uri="{BB962C8B-B14F-4D97-AF65-F5344CB8AC3E}">
-        <p14:creationId xmlns:p14="http://schemas.microsoft.com/office/powerpoint/2010/main" val="1921092968"/>
+        <p14:creationId xmlns:p14="http://schemas.microsoft.com/office/powerpoint/2010/main" val="2454001140"/>
       </p:ext>
     </p:extLst>
   </p:cSld>
@@ -9577,7 +9824,7 @@
                   </a:schemeClr>
                 </a:solidFill>
               </a:rPr>
-              <a:t>Design - Structure</a:t>
+              <a:t>Design - Model</a:t>
             </a:r>
             <a:endParaRPr lang="en-US" dirty="0">
               <a:solidFill>
@@ -9606,15 +9853,12 @@
           <a:lstStyle/>
           <a:p>
             <a:r>
+              <a:rPr lang="en-US" dirty="0" err="1" smtClean="0"/>
+              <a:t>Solidworks</a:t>
+            </a:r>
+            <a:r>
               <a:rPr lang="en-US" dirty="0" smtClean="0"/>
-              <a:t>Century College to Manufacture to Specifications</a:t>
-            </a:r>
-          </a:p>
-          <a:p>
-            <a:pPr lvl="1"/>
-            <a:r>
-              <a:rPr lang="en-US" dirty="0" smtClean="0"/>
-              <a:t>Sub Contracted by UMN </a:t>
+              <a:t> Model HERE</a:t>
             </a:r>
             <a:endParaRPr lang="en-US" dirty="0"/>
           </a:p>
@@ -9637,18 +9881,14 @@
           </a:bodyPr>
           <a:lstStyle/>
           <a:p>
-            <a:r>
-              <a:rPr lang="en-US" dirty="0" smtClean="0"/>
-              <a:t>Charlie</a:t>
-            </a:r>
-            <a:endParaRPr lang="en-US" dirty="0"/>
+            <a:endParaRPr lang="en-US"/>
           </a:p>
         </p:txBody>
       </p:sp>
     </p:spTree>
     <p:extLst>
       <p:ext uri="{BB962C8B-B14F-4D97-AF65-F5344CB8AC3E}">
-        <p14:creationId xmlns:p14="http://schemas.microsoft.com/office/powerpoint/2010/main" val="3004793187"/>
+        <p14:creationId xmlns:p14="http://schemas.microsoft.com/office/powerpoint/2010/main" val="1921092968"/>
       </p:ext>
     </p:extLst>
   </p:cSld>
@@ -9918,7 +10158,7 @@
   <a:extraClrSchemeLst/>
   <a:extLst>
     <a:ext uri="{05A4C25C-085E-4340-85A3-A5531E510DB2}">
-      <thm15:themeFamily xmlns:thm15="http://schemas.microsoft.com/office/thememl/2012/main" name="Theme1" id="{4DC015B6-F420-4CE0-B51C-21BE6322361F}" vid="{1413F7E4-2720-4250-A1CE-68DF955E7FCD}"/>
+      <thm15:themeFamily xmlns:thm15="http://schemas.microsoft.com/office/thememl/2012/main" xmlns="" name="Theme1" id="{4DC015B6-F420-4CE0-B51C-21BE6322361F}" vid="{1413F7E4-2720-4250-A1CE-68DF955E7FCD}"/>
     </a:ext>
   </a:extLst>
 </a:theme>
@@ -9967,7 +10207,7 @@
     </a:clrScheme>
     <a:fontScheme name="Office">
       <a:majorFont>
-        <a:latin typeface="Calibri Light" panose="020F0302020204030204"/>
+        <a:latin typeface="Calibri Light"/>
         <a:ea typeface=""/>
         <a:cs typeface=""/>
         <a:font script="Jpan" typeface="ＭＳ Ｐゴシック"/>
@@ -10002,7 +10242,7 @@
         <a:font script="Geor" typeface="Sylfaen"/>
       </a:majorFont>
       <a:minorFont>
-        <a:latin typeface="Calibri" panose="020F0502020204030204"/>
+        <a:latin typeface="Calibri"/>
         <a:ea typeface=""/>
         <a:cs typeface=""/>
         <a:font script="Jpan" typeface="ＭＳ Ｐゴシック"/>
@@ -10179,7 +10419,7 @@
   <a:extraClrSchemeLst/>
   <a:extLst>
     <a:ext uri="{05A4C25C-085E-4340-85A3-A5531E510DB2}">
-      <thm15:themeFamily xmlns:thm15="http://schemas.microsoft.com/office/thememl/2012/main" name="Office Theme" id="{62F939B6-93AF-4DB8-9C6B-D6C7DFDC589F}" vid="{4A3C46E8-61CC-4603-A589-7422A47A8E4A}"/>
+      <thm15:themeFamily xmlns:thm15="http://schemas.microsoft.com/office/thememl/2012/main" xmlns="" name="Office Theme" id="{62F939B6-93AF-4DB8-9C6B-D6C7DFDC589F}" vid="{4A3C46E8-61CC-4603-A589-7422A47A8E4A}"/>
     </a:ext>
   </a:extLst>
 </a:theme>

--- a/Presentations/CDR_Presentation.pptx
+++ b/Presentations/CDR_Presentation.pptx
@@ -5,7 +5,7 @@
     <p:sldMasterId id="2147483660" r:id="rId1"/>
   </p:sldMasterIdLst>
   <p:notesMasterIdLst>
-    <p:notesMasterId r:id="rId24"/>
+    <p:notesMasterId r:id="rId35"/>
   </p:notesMasterIdLst>
   <p:sldIdLst>
     <p:sldId id="256" r:id="rId2"/>
@@ -23,13 +23,24 @@
     <p:sldId id="270" r:id="rId14"/>
     <p:sldId id="275" r:id="rId15"/>
     <p:sldId id="271" r:id="rId16"/>
-    <p:sldId id="278" r:id="rId17"/>
-    <p:sldId id="272" r:id="rId18"/>
-    <p:sldId id="279" r:id="rId19"/>
-    <p:sldId id="280" r:id="rId20"/>
-    <p:sldId id="269" r:id="rId21"/>
-    <p:sldId id="281" r:id="rId22"/>
-    <p:sldId id="268" r:id="rId23"/>
+    <p:sldId id="283" r:id="rId17"/>
+    <p:sldId id="284" r:id="rId18"/>
+    <p:sldId id="285" r:id="rId19"/>
+    <p:sldId id="286" r:id="rId20"/>
+    <p:sldId id="287" r:id="rId21"/>
+    <p:sldId id="288" r:id="rId22"/>
+    <p:sldId id="289" r:id="rId23"/>
+    <p:sldId id="290" r:id="rId24"/>
+    <p:sldId id="291" r:id="rId25"/>
+    <p:sldId id="292" r:id="rId26"/>
+    <p:sldId id="293" r:id="rId27"/>
+    <p:sldId id="278" r:id="rId28"/>
+    <p:sldId id="272" r:id="rId29"/>
+    <p:sldId id="279" r:id="rId30"/>
+    <p:sldId id="280" r:id="rId31"/>
+    <p:sldId id="269" r:id="rId32"/>
+    <p:sldId id="281" r:id="rId33"/>
+    <p:sldId id="268" r:id="rId34"/>
   </p:sldIdLst>
   <p:sldSz cx="12192000" cy="6858000"/>
   <p:notesSz cx="6858000" cy="9144000"/>
@@ -160,6 +171,17 @@
             <p14:sldId id="270"/>
             <p14:sldId id="275"/>
             <p14:sldId id="271"/>
+            <p14:sldId id="283"/>
+            <p14:sldId id="284"/>
+            <p14:sldId id="285"/>
+            <p14:sldId id="286"/>
+            <p14:sldId id="287"/>
+            <p14:sldId id="288"/>
+            <p14:sldId id="289"/>
+            <p14:sldId id="290"/>
+            <p14:sldId id="291"/>
+            <p14:sldId id="292"/>
+            <p14:sldId id="293"/>
             <p14:sldId id="278"/>
             <p14:sldId id="272"/>
             <p14:sldId id="279"/>
@@ -188,7 +210,7 @@
       </p14:sectionLst>
     </p:ext>
     <p:ext uri="{EFAFB233-063F-42B5-8137-9DF3F51BA10A}">
-      <p15:sldGuideLst xmlns:p15="http://schemas.microsoft.com/office/powerpoint/2012/main" xmlns=""/>
+      <p15:sldGuideLst xmlns="" xmlns:p15="http://schemas.microsoft.com/office/powerpoint/2012/main"/>
     </p:ext>
   </p:extLst>
 </p:presentation>
@@ -7320,7 +7342,29 @@
                   </a:schemeClr>
                 </a:solidFill>
               </a:rPr>
-              <a:t>Design – Link Budget</a:t>
+              <a:t>Design </a:t>
+            </a:r>
+            <a:r>
+              <a:rPr lang="en-US" dirty="0">
+                <a:solidFill>
+                  <a:schemeClr val="bg1">
+                    <a:lumMod val="50000"/>
+                    <a:lumOff val="50000"/>
+                  </a:schemeClr>
+                </a:solidFill>
+              </a:rPr>
+              <a:t>-</a:t>
+            </a:r>
+            <a:r>
+              <a:rPr lang="en-US" dirty="0" smtClean="0">
+                <a:solidFill>
+                  <a:schemeClr val="bg1">
+                    <a:lumMod val="50000"/>
+                    <a:lumOff val="50000"/>
+                  </a:schemeClr>
+                </a:solidFill>
+              </a:rPr>
+              <a:t> Communications</a:t>
             </a:r>
             <a:endParaRPr lang="en-US" dirty="0">
               <a:solidFill>
@@ -7335,31 +7379,6 @@
       </p:sp>
       <p:sp>
         <p:nvSpPr>
-          <p:cNvPr id="3" name="Content Placeholder 2"/>
-          <p:cNvSpPr>
-            <a:spLocks noGrp="1"/>
-          </p:cNvSpPr>
-          <p:nvPr>
-            <p:ph idx="1"/>
-          </p:nvPr>
-        </p:nvSpPr>
-        <p:spPr/>
-        <p:txBody>
-          <a:bodyPr/>
-          <a:lstStyle/>
-          <a:p>
-            <a:r>
-              <a:rPr lang="en-US" dirty="0"/>
-              <a:t>TO BE COMPLETED</a:t>
-            </a:r>
-          </a:p>
-          <a:p>
-            <a:endParaRPr lang="en-US" dirty="0"/>
-          </a:p>
-        </p:txBody>
-      </p:sp>
-      <p:sp>
-        <p:nvSpPr>
           <p:cNvPr id="4" name="Text Placeholder 3"/>
           <p:cNvSpPr>
             <a:spLocks noGrp="1"/>
@@ -7375,20 +7394,466 @@
           </a:bodyPr>
           <a:lstStyle/>
           <a:p>
-            <a:endParaRPr lang="en-US"/>
-          </a:p>
-        </p:txBody>
-      </p:sp>
+            <a:r>
+              <a:rPr lang="en-US" dirty="0" smtClean="0"/>
+              <a:t>Ben</a:t>
+            </a:r>
+            <a:endParaRPr lang="en-US" dirty="0"/>
+          </a:p>
+        </p:txBody>
+      </p:sp>
+      <p:pic>
+        <p:nvPicPr>
+          <p:cNvPr id="7" name="Picture 6"/>
+          <p:cNvPicPr>
+            <a:picLocks noChangeAspect="1"/>
+          </p:cNvPicPr>
+          <p:nvPr/>
+        </p:nvPicPr>
+        <p:blipFill>
+          <a:blip r:embed="rId2"/>
+          <a:stretch>
+            <a:fillRect/>
+          </a:stretch>
+        </p:blipFill>
+        <p:spPr>
+          <a:xfrm>
+            <a:off x="8697369" y="3995393"/>
+            <a:ext cx="1612900" cy="2705100"/>
+          </a:xfrm>
+          <a:prstGeom prst="rect">
+            <a:avLst/>
+          </a:prstGeom>
+        </p:spPr>
+      </p:pic>
+      <p:pic>
+        <p:nvPicPr>
+          <p:cNvPr id="11" name="Picture 10"/>
+          <p:cNvPicPr>
+            <a:picLocks noChangeAspect="1"/>
+          </p:cNvPicPr>
+          <p:nvPr/>
+        </p:nvPicPr>
+        <p:blipFill>
+          <a:blip r:embed="rId3"/>
+          <a:stretch>
+            <a:fillRect/>
+          </a:stretch>
+        </p:blipFill>
+        <p:spPr>
+          <a:xfrm>
+            <a:off x="6231657" y="925937"/>
+            <a:ext cx="6502400" cy="6426200"/>
+          </a:xfrm>
+          <a:prstGeom prst="rect">
+            <a:avLst/>
+          </a:prstGeom>
+        </p:spPr>
+      </p:pic>
+      <p:sp>
+        <p:nvSpPr>
+          <p:cNvPr id="12" name="Content Placeholder 2"/>
+          <p:cNvSpPr>
+            <a:spLocks noGrp="1"/>
+          </p:cNvSpPr>
+          <p:nvPr>
+            <p:ph idx="1"/>
+          </p:nvPr>
+        </p:nvSpPr>
+        <p:spPr>
+          <a:xfrm>
+            <a:off x="458222" y="2840147"/>
+            <a:ext cx="7626532" cy="3548128"/>
+          </a:xfrm>
+        </p:spPr>
+        <p:txBody>
+          <a:bodyPr anchor="b"/>
+          <a:lstStyle/>
+          <a:p>
+            <a:pPr marL="0" indent="0">
+              <a:buNone/>
+            </a:pPr>
+            <a:r>
+              <a:rPr lang="en-US" sz="2400" dirty="0" smtClean="0"/>
+              <a:t>Step 1: Active Pinging</a:t>
+            </a:r>
+          </a:p>
+          <a:p>
+            <a:r>
+              <a:rPr lang="en-US" dirty="0" smtClean="0"/>
+              <a:t>Check if any other ground stations are currently in contact with </a:t>
+            </a:r>
+            <a:r>
+              <a:rPr lang="en-US" dirty="0" err="1" smtClean="0"/>
+              <a:t>CubeSat</a:t>
+            </a:r>
+            <a:endParaRPr lang="en-US" dirty="0" smtClean="0"/>
+          </a:p>
+          <a:p>
+            <a:r>
+              <a:rPr lang="en-US" dirty="0" smtClean="0"/>
+              <a:t>If not, send hail signal once every 3 seconds</a:t>
+            </a:r>
+            <a:endParaRPr lang="en-US" dirty="0"/>
+          </a:p>
+          <a:p>
+            <a:endParaRPr lang="en-US" dirty="0"/>
+          </a:p>
+        </p:txBody>
+      </p:sp>
+      <p:pic>
+        <p:nvPicPr>
+          <p:cNvPr id="13" name="Picture 12"/>
+          <p:cNvPicPr>
+            <a:picLocks noChangeAspect="1"/>
+          </p:cNvPicPr>
+          <p:nvPr/>
+        </p:nvPicPr>
+        <p:blipFill>
+          <a:blip r:embed="rId4"/>
+          <a:stretch>
+            <a:fillRect/>
+          </a:stretch>
+        </p:blipFill>
+        <p:spPr>
+          <a:xfrm>
+            <a:off x="1529528" y="1205963"/>
+            <a:ext cx="1676400" cy="1524000"/>
+          </a:xfrm>
+          <a:prstGeom prst="rect">
+            <a:avLst/>
+          </a:prstGeom>
+        </p:spPr>
+      </p:pic>
     </p:spTree>
     <p:extLst>
       <p:ext uri="{BB962C8B-B14F-4D97-AF65-F5344CB8AC3E}">
-        <p14:creationId xmlns:p14="http://schemas.microsoft.com/office/powerpoint/2010/main" val="555483364"/>
+        <p14:creationId xmlns:p14="http://schemas.microsoft.com/office/powerpoint/2010/main" val="710465654"/>
       </p:ext>
     </p:extLst>
   </p:cSld>
   <p:clrMapOvr>
     <a:masterClrMapping/>
   </p:clrMapOvr>
+  <p:timing>
+    <p:tnLst>
+      <p:par>
+        <p:cTn xmlns:p14="http://schemas.microsoft.com/office/powerpoint/2010/main" id="1" dur="indefinite" restart="never" nodeType="tmRoot">
+          <p:childTnLst>
+            <p:seq concurrent="1" nextAc="seek">
+              <p:cTn id="2" dur="indefinite" nodeType="mainSeq">
+                <p:childTnLst>
+                  <p:par>
+                    <p:cTn id="3" fill="hold">
+                      <p:stCondLst>
+                        <p:cond delay="indefinite"/>
+                        <p:cond evt="onBegin" delay="0">
+                          <p:tn val="2"/>
+                        </p:cond>
+                      </p:stCondLst>
+                      <p:childTnLst>
+                        <p:par>
+                          <p:cTn id="4" fill="hold">
+                            <p:stCondLst>
+                              <p:cond delay="0"/>
+                            </p:stCondLst>
+                            <p:childTnLst>
+                              <p:par>
+                                <p:cTn id="5" presetID="6" presetClass="entr" presetSubtype="32" fill="hold" nodeType="afterEffect">
+                                  <p:stCondLst>
+                                    <p:cond delay="0"/>
+                                  </p:stCondLst>
+                                  <p:childTnLst>
+                                    <p:set>
+                                      <p:cBhvr>
+                                        <p:cTn id="6" dur="1" fill="hold">
+                                          <p:stCondLst>
+                                            <p:cond delay="0"/>
+                                          </p:stCondLst>
+                                        </p:cTn>
+                                        <p:tgtEl>
+                                          <p:spTgt spid="11"/>
+                                        </p:tgtEl>
+                                        <p:attrNameLst>
+                                          <p:attrName>style.visibility</p:attrName>
+                                        </p:attrNameLst>
+                                      </p:cBhvr>
+                                      <p:to>
+                                        <p:strVal val="visible"/>
+                                      </p:to>
+                                    </p:set>
+                                    <p:animEffect transition="in" filter="circle(out)">
+                                      <p:cBhvr>
+                                        <p:cTn id="7" dur="500"/>
+                                        <p:tgtEl>
+                                          <p:spTgt spid="11"/>
+                                        </p:tgtEl>
+                                      </p:cBhvr>
+                                    </p:animEffect>
+                                  </p:childTnLst>
+                                </p:cTn>
+                              </p:par>
+                            </p:childTnLst>
+                          </p:cTn>
+                        </p:par>
+                        <p:par>
+                          <p:cTn id="8" fill="hold">
+                            <p:stCondLst>
+                              <p:cond delay="500"/>
+                            </p:stCondLst>
+                            <p:childTnLst>
+                              <p:par>
+                                <p:cTn id="9" presetID="6" presetClass="exit" presetSubtype="32" fill="hold" nodeType="afterEffect">
+                                  <p:stCondLst>
+                                    <p:cond delay="0"/>
+                                  </p:stCondLst>
+                                  <p:childTnLst>
+                                    <p:animEffect transition="out" filter="circle(out)">
+                                      <p:cBhvr>
+                                        <p:cTn id="10" dur="1000"/>
+                                        <p:tgtEl>
+                                          <p:spTgt spid="11"/>
+                                        </p:tgtEl>
+                                      </p:cBhvr>
+                                    </p:animEffect>
+                                    <p:set>
+                                      <p:cBhvr>
+                                        <p:cTn id="11" dur="1" fill="hold">
+                                          <p:stCondLst>
+                                            <p:cond delay="999"/>
+                                          </p:stCondLst>
+                                        </p:cTn>
+                                        <p:tgtEl>
+                                          <p:spTgt spid="11"/>
+                                        </p:tgtEl>
+                                        <p:attrNameLst>
+                                          <p:attrName>style.visibility</p:attrName>
+                                        </p:attrNameLst>
+                                      </p:cBhvr>
+                                      <p:to>
+                                        <p:strVal val="hidden"/>
+                                      </p:to>
+                                    </p:set>
+                                  </p:childTnLst>
+                                </p:cTn>
+                              </p:par>
+                            </p:childTnLst>
+                          </p:cTn>
+                        </p:par>
+                        <p:par>
+                          <p:cTn id="12" fill="hold">
+                            <p:stCondLst>
+                              <p:cond delay="1500"/>
+                            </p:stCondLst>
+                            <p:childTnLst>
+                              <p:par>
+                                <p:cTn id="13" presetID="6" presetClass="entr" presetSubtype="32" fill="hold" nodeType="afterEffect">
+                                  <p:stCondLst>
+                                    <p:cond delay="1500"/>
+                                  </p:stCondLst>
+                                  <p:childTnLst>
+                                    <p:set>
+                                      <p:cBhvr>
+                                        <p:cTn id="14" dur="1" fill="hold">
+                                          <p:stCondLst>
+                                            <p:cond delay="0"/>
+                                          </p:stCondLst>
+                                        </p:cTn>
+                                        <p:tgtEl>
+                                          <p:spTgt spid="11"/>
+                                        </p:tgtEl>
+                                        <p:attrNameLst>
+                                          <p:attrName>style.visibility</p:attrName>
+                                        </p:attrNameLst>
+                                      </p:cBhvr>
+                                      <p:to>
+                                        <p:strVal val="visible"/>
+                                      </p:to>
+                                    </p:set>
+                                    <p:animEffect transition="in" filter="circle(out)">
+                                      <p:cBhvr>
+                                        <p:cTn id="15" dur="500"/>
+                                        <p:tgtEl>
+                                          <p:spTgt spid="11"/>
+                                        </p:tgtEl>
+                                      </p:cBhvr>
+                                    </p:animEffect>
+                                  </p:childTnLst>
+                                </p:cTn>
+                              </p:par>
+                            </p:childTnLst>
+                          </p:cTn>
+                        </p:par>
+                        <p:par>
+                          <p:cTn id="16" fill="hold">
+                            <p:stCondLst>
+                              <p:cond delay="3500"/>
+                            </p:stCondLst>
+                            <p:childTnLst>
+                              <p:par>
+                                <p:cTn id="17" presetID="6" presetClass="exit" presetSubtype="32" fill="hold" nodeType="afterEffect">
+                                  <p:stCondLst>
+                                    <p:cond delay="0"/>
+                                  </p:stCondLst>
+                                  <p:childTnLst>
+                                    <p:animEffect transition="out" filter="circle(out)">
+                                      <p:cBhvr>
+                                        <p:cTn id="18" dur="1000"/>
+                                        <p:tgtEl>
+                                          <p:spTgt spid="11"/>
+                                        </p:tgtEl>
+                                      </p:cBhvr>
+                                    </p:animEffect>
+                                    <p:set>
+                                      <p:cBhvr>
+                                        <p:cTn id="19" dur="1" fill="hold">
+                                          <p:stCondLst>
+                                            <p:cond delay="999"/>
+                                          </p:stCondLst>
+                                        </p:cTn>
+                                        <p:tgtEl>
+                                          <p:spTgt spid="11"/>
+                                        </p:tgtEl>
+                                        <p:attrNameLst>
+                                          <p:attrName>style.visibility</p:attrName>
+                                        </p:attrNameLst>
+                                      </p:cBhvr>
+                                      <p:to>
+                                        <p:strVal val="hidden"/>
+                                      </p:to>
+                                    </p:set>
+                                  </p:childTnLst>
+                                </p:cTn>
+                              </p:par>
+                              <p:par>
+                                <p:cTn id="20" presetID="0" presetClass="path" presetSubtype="0" fill="hold" nodeType="withEffect">
+                                  <p:stCondLst>
+                                    <p:cond delay="500"/>
+                                  </p:stCondLst>
+                                  <p:childTnLst>
+                                    <p:animMotion origin="layout" path="M -8.07081E-8 1.38953E-8 L 0.2912 1.38953E-8 " pathEditMode="relative" rAng="0" ptsTypes="AA">
+                                      <p:cBhvr>
+                                        <p:cTn id="21" dur="2000" fill="hold"/>
+                                        <p:tgtEl>
+                                          <p:spTgt spid="13"/>
+                                        </p:tgtEl>
+                                        <p:attrNameLst>
+                                          <p:attrName>ppt_x</p:attrName>
+                                          <p:attrName>ppt_y</p:attrName>
+                                        </p:attrNameLst>
+                                      </p:cBhvr>
+                                      <p:rCtr x="14554" y="0"/>
+                                    </p:animMotion>
+                                  </p:childTnLst>
+                                </p:cTn>
+                              </p:par>
+                              <p:par>
+                                <p:cTn id="22" presetID="6" presetClass="entr" presetSubtype="32" fill="hold" nodeType="withEffect">
+                                  <p:stCondLst>
+                                    <p:cond delay="2500"/>
+                                  </p:stCondLst>
+                                  <p:childTnLst>
+                                    <p:set>
+                                      <p:cBhvr>
+                                        <p:cTn id="23" dur="1" fill="hold">
+                                          <p:stCondLst>
+                                            <p:cond delay="0"/>
+                                          </p:stCondLst>
+                                        </p:cTn>
+                                        <p:tgtEl>
+                                          <p:spTgt spid="11"/>
+                                        </p:tgtEl>
+                                        <p:attrNameLst>
+                                          <p:attrName>style.visibility</p:attrName>
+                                        </p:attrNameLst>
+                                      </p:cBhvr>
+                                      <p:to>
+                                        <p:strVal val="visible"/>
+                                      </p:to>
+                                    </p:set>
+                                    <p:animEffect transition="in" filter="circle(out)">
+                                      <p:cBhvr>
+                                        <p:cTn id="24" dur="500"/>
+                                        <p:tgtEl>
+                                          <p:spTgt spid="11"/>
+                                        </p:tgtEl>
+                                      </p:cBhvr>
+                                    </p:animEffect>
+                                  </p:childTnLst>
+                                </p:cTn>
+                              </p:par>
+                            </p:childTnLst>
+                          </p:cTn>
+                        </p:par>
+                        <p:par>
+                          <p:cTn id="25" fill="hold">
+                            <p:stCondLst>
+                              <p:cond delay="6500"/>
+                            </p:stCondLst>
+                            <p:childTnLst>
+                              <p:par>
+                                <p:cTn id="26" presetID="6" presetClass="exit" presetSubtype="32" fill="hold" nodeType="afterEffect">
+                                  <p:stCondLst>
+                                    <p:cond delay="0"/>
+                                  </p:stCondLst>
+                                  <p:childTnLst>
+                                    <p:animEffect transition="out" filter="circle(out)">
+                                      <p:cBhvr>
+                                        <p:cTn id="27" dur="1000"/>
+                                        <p:tgtEl>
+                                          <p:spTgt spid="11"/>
+                                        </p:tgtEl>
+                                      </p:cBhvr>
+                                    </p:animEffect>
+                                    <p:set>
+                                      <p:cBhvr>
+                                        <p:cTn id="28" dur="1" fill="hold">
+                                          <p:stCondLst>
+                                            <p:cond delay="999"/>
+                                          </p:stCondLst>
+                                        </p:cTn>
+                                        <p:tgtEl>
+                                          <p:spTgt spid="11"/>
+                                        </p:tgtEl>
+                                        <p:attrNameLst>
+                                          <p:attrName>style.visibility</p:attrName>
+                                        </p:attrNameLst>
+                                      </p:cBhvr>
+                                      <p:to>
+                                        <p:strVal val="hidden"/>
+                                      </p:to>
+                                    </p:set>
+                                  </p:childTnLst>
+                                </p:cTn>
+                              </p:par>
+                            </p:childTnLst>
+                          </p:cTn>
+                        </p:par>
+                      </p:childTnLst>
+                    </p:cTn>
+                  </p:par>
+                </p:childTnLst>
+              </p:cTn>
+              <p:prevCondLst>
+                <p:cond evt="onPrev" delay="0">
+                  <p:tgtEl>
+                    <p:sldTgt/>
+                  </p:tgtEl>
+                </p:cond>
+              </p:prevCondLst>
+              <p:nextCondLst>
+                <p:cond evt="onNext" delay="0">
+                  <p:tgtEl>
+                    <p:sldTgt/>
+                  </p:tgtEl>
+                </p:cond>
+              </p:nextCondLst>
+            </p:seq>
+          </p:childTnLst>
+        </p:cTn>
+      </p:par>
+    </p:tnLst>
+  </p:timing>
 </p:sld>
 </file>
 
@@ -7433,7 +7898,7 @@
                   </a:schemeClr>
                 </a:solidFill>
               </a:rPr>
-              <a:t>Design - Power</a:t>
+              <a:t>Design - Communications</a:t>
             </a:r>
             <a:endParaRPr lang="en-US" dirty="0">
               <a:solidFill>
@@ -7446,70 +7911,445 @@
           </a:p>
         </p:txBody>
       </p:sp>
+      <p:sp>
+        <p:nvSpPr>
+          <p:cNvPr id="4" name="Text Placeholder 3"/>
+          <p:cNvSpPr>
+            <a:spLocks noGrp="1"/>
+          </p:cNvSpPr>
+          <p:nvPr>
+            <p:ph type="body" sz="quarter" idx="10"/>
+          </p:nvPr>
+        </p:nvSpPr>
+        <p:spPr/>
+        <p:txBody>
+          <a:bodyPr>
+            <a:normAutofit fontScale="92500" lnSpcReduction="10000"/>
+          </a:bodyPr>
+          <a:lstStyle/>
+          <a:p>
+            <a:r>
+              <a:rPr lang="en-US" dirty="0" smtClean="0"/>
+              <a:t>Ben</a:t>
+            </a:r>
+            <a:endParaRPr lang="en-US" dirty="0"/>
+          </a:p>
+        </p:txBody>
+      </p:sp>
       <p:pic>
         <p:nvPicPr>
-          <p:cNvPr id="5" name="Content Placeholder 4"/>
+          <p:cNvPr id="6" name="Picture 5"/>
           <p:cNvPicPr>
-            <a:picLocks noGrp="1" noChangeAspect="1"/>
+            <a:picLocks noChangeAspect="1"/>
           </p:cNvPicPr>
-          <p:nvPr>
-            <p:ph idx="1"/>
-          </p:nvPr>
+          <p:nvPr/>
         </p:nvPicPr>
         <p:blipFill>
-          <a:blip r:embed="rId2">
-            <a:extLst>
-              <a:ext uri="{28A0092B-C50C-407E-A947-70E740481C1C}">
-                <a14:useLocalDpi xmlns:a14="http://schemas.microsoft.com/office/drawing/2010/main" val="0"/>
-              </a:ext>
-            </a:extLst>
-          </a:blip>
+          <a:blip r:embed="rId2"/>
           <a:stretch>
             <a:fillRect/>
           </a:stretch>
         </p:blipFill>
         <p:spPr>
           <a:xfrm>
-            <a:off x="1371030" y="1227138"/>
-            <a:ext cx="8889553" cy="5160962"/>
+            <a:off x="5080265" y="1205963"/>
+            <a:ext cx="1676400" cy="1524000"/>
+          </a:xfrm>
+          <a:prstGeom prst="rect">
+            <a:avLst/>
+          </a:prstGeom>
+        </p:spPr>
+      </p:pic>
+      <p:pic>
+        <p:nvPicPr>
+          <p:cNvPr id="7" name="Picture 6"/>
+          <p:cNvPicPr>
+            <a:picLocks noChangeAspect="1"/>
+          </p:cNvPicPr>
+          <p:nvPr/>
+        </p:nvPicPr>
+        <p:blipFill>
+          <a:blip r:embed="rId3"/>
+          <a:stretch>
+            <a:fillRect/>
+          </a:stretch>
+        </p:blipFill>
+        <p:spPr>
+          <a:xfrm>
+            <a:off x="8697369" y="3995393"/>
+            <a:ext cx="1612900" cy="2705100"/>
+          </a:xfrm>
+          <a:prstGeom prst="rect">
+            <a:avLst/>
+          </a:prstGeom>
+        </p:spPr>
+      </p:pic>
+      <p:pic>
+        <p:nvPicPr>
+          <p:cNvPr id="8" name="Picture 7"/>
+          <p:cNvPicPr>
+            <a:picLocks noChangeAspect="1"/>
+          </p:cNvPicPr>
+          <p:nvPr/>
+        </p:nvPicPr>
+        <p:blipFill>
+          <a:blip r:embed="rId4"/>
+          <a:stretch>
+            <a:fillRect/>
+          </a:stretch>
+        </p:blipFill>
+        <p:spPr>
+          <a:xfrm>
+            <a:off x="6885289" y="2528545"/>
+            <a:ext cx="2451100" cy="1473200"/>
+          </a:xfrm>
+          <a:prstGeom prst="rect">
+            <a:avLst/>
+          </a:prstGeom>
+        </p:spPr>
+      </p:pic>
+      <p:sp>
+        <p:nvSpPr>
+          <p:cNvPr id="11" name="Content Placeholder 2"/>
+          <p:cNvSpPr>
+            <a:spLocks noGrp="1"/>
+          </p:cNvSpPr>
+          <p:nvPr>
+            <p:ph idx="1"/>
+          </p:nvPr>
+        </p:nvSpPr>
+        <p:spPr>
+          <a:xfrm>
+            <a:off x="458222" y="2840147"/>
+            <a:ext cx="7626532" cy="3548128"/>
           </a:xfrm>
         </p:spPr>
+        <p:txBody>
+          <a:bodyPr anchor="b"/>
+          <a:lstStyle/>
+          <a:p>
+            <a:pPr marL="0" indent="0">
+              <a:buNone/>
+            </a:pPr>
+            <a:r>
+              <a:rPr lang="en-US" sz="2400" dirty="0" smtClean="0"/>
+              <a:t>Step 2: Establish Connection</a:t>
+            </a:r>
+          </a:p>
+          <a:p>
+            <a:r>
+              <a:rPr lang="en-US" dirty="0" err="1" smtClean="0"/>
+              <a:t>CubeSat</a:t>
+            </a:r>
+            <a:r>
+              <a:rPr lang="en-US" dirty="0" smtClean="0"/>
+              <a:t> replies to hail</a:t>
+            </a:r>
+          </a:p>
+          <a:p>
+            <a:r>
+              <a:rPr lang="en-US" dirty="0" err="1" smtClean="0"/>
+              <a:t>CubeSat</a:t>
+            </a:r>
+            <a:r>
+              <a:rPr lang="en-US" dirty="0" smtClean="0"/>
+              <a:t> transmits GPS location, heading, and velocity information</a:t>
+            </a:r>
+          </a:p>
+          <a:p>
+            <a:r>
+              <a:rPr lang="en-US" dirty="0" err="1" smtClean="0"/>
+              <a:t>CubeSat</a:t>
+            </a:r>
+            <a:r>
+              <a:rPr lang="en-US" dirty="0" smtClean="0"/>
+              <a:t> transmits number of files ready for downlink</a:t>
+            </a:r>
+            <a:endParaRPr lang="en-US" dirty="0"/>
+          </a:p>
+          <a:p>
+            <a:endParaRPr lang="en-US" dirty="0"/>
+          </a:p>
+        </p:txBody>
+      </p:sp>
+      <p:pic>
+        <p:nvPicPr>
+          <p:cNvPr id="5" name="Picture 4"/>
+          <p:cNvPicPr>
+            <a:picLocks noChangeAspect="1"/>
+          </p:cNvPicPr>
+          <p:nvPr/>
+        </p:nvPicPr>
+        <p:blipFill>
+          <a:blip r:embed="rId5"/>
+          <a:stretch>
+            <a:fillRect/>
+          </a:stretch>
+        </p:blipFill>
+        <p:spPr>
+          <a:xfrm>
+            <a:off x="6885288" y="2528545"/>
+            <a:ext cx="2451100" cy="1473200"/>
+          </a:xfrm>
+          <a:prstGeom prst="rect">
+            <a:avLst/>
+          </a:prstGeom>
+        </p:spPr>
       </p:pic>
-      <p:sp>
-        <p:nvSpPr>
-          <p:cNvPr id="4" name="Text Placeholder 3"/>
-          <p:cNvSpPr>
-            <a:spLocks noGrp="1"/>
-          </p:cNvSpPr>
-          <p:nvPr>
-            <p:ph type="body" sz="quarter" idx="10"/>
-          </p:nvPr>
-        </p:nvSpPr>
-        <p:spPr/>
-        <p:txBody>
-          <a:bodyPr>
-            <a:normAutofit fontScale="92500" lnSpcReduction="10000"/>
-          </a:bodyPr>
-          <a:lstStyle/>
-          <a:p>
-            <a:r>
-              <a:rPr lang="en-US" dirty="0" smtClean="0"/>
-              <a:t> </a:t>
-            </a:r>
-            <a:endParaRPr lang="en-US" dirty="0"/>
-          </a:p>
-        </p:txBody>
-      </p:sp>
     </p:spTree>
     <p:extLst>
       <p:ext uri="{BB962C8B-B14F-4D97-AF65-F5344CB8AC3E}">
-        <p14:creationId xmlns:p14="http://schemas.microsoft.com/office/powerpoint/2010/main" val="1036177282"/>
+        <p14:creationId xmlns:p14="http://schemas.microsoft.com/office/powerpoint/2010/main" val="706224670"/>
       </p:ext>
     </p:extLst>
   </p:cSld>
   <p:clrMapOvr>
     <a:masterClrMapping/>
   </p:clrMapOvr>
+  <p:timing>
+    <p:tnLst>
+      <p:par>
+        <p:cTn xmlns:p14="http://schemas.microsoft.com/office/powerpoint/2010/main" id="1" dur="indefinite" restart="never" nodeType="tmRoot">
+          <p:childTnLst>
+            <p:seq concurrent="1" nextAc="seek">
+              <p:cTn id="2" dur="indefinite" nodeType="mainSeq">
+                <p:childTnLst>
+                  <p:par>
+                    <p:cTn id="3" fill="hold">
+                      <p:stCondLst>
+                        <p:cond delay="indefinite"/>
+                        <p:cond evt="onBegin" delay="0">
+                          <p:tn val="2"/>
+                        </p:cond>
+                      </p:stCondLst>
+                      <p:childTnLst>
+                        <p:par>
+                          <p:cTn id="4" fill="hold">
+                            <p:stCondLst>
+                              <p:cond delay="0"/>
+                            </p:stCondLst>
+                            <p:childTnLst>
+                              <p:par>
+                                <p:cTn id="5" presetID="22" presetClass="entr" presetSubtype="8" fill="hold" nodeType="afterEffect">
+                                  <p:stCondLst>
+                                    <p:cond delay="0"/>
+                                  </p:stCondLst>
+                                  <p:childTnLst>
+                                    <p:set>
+                                      <p:cBhvr>
+                                        <p:cTn id="6" dur="1" fill="hold">
+                                          <p:stCondLst>
+                                            <p:cond delay="0"/>
+                                          </p:stCondLst>
+                                        </p:cTn>
+                                        <p:tgtEl>
+                                          <p:spTgt spid="8"/>
+                                        </p:tgtEl>
+                                        <p:attrNameLst>
+                                          <p:attrName>style.visibility</p:attrName>
+                                        </p:attrNameLst>
+                                      </p:cBhvr>
+                                      <p:to>
+                                        <p:strVal val="visible"/>
+                                      </p:to>
+                                    </p:set>
+                                    <p:animEffect transition="in" filter="wipe(left)">
+                                      <p:cBhvr>
+                                        <p:cTn id="7" dur="500"/>
+                                        <p:tgtEl>
+                                          <p:spTgt spid="8"/>
+                                        </p:tgtEl>
+                                      </p:cBhvr>
+                                    </p:animEffect>
+                                  </p:childTnLst>
+                                </p:cTn>
+                              </p:par>
+                            </p:childTnLst>
+                          </p:cTn>
+                        </p:par>
+                        <p:par>
+                          <p:cTn id="8" fill="hold">
+                            <p:stCondLst>
+                              <p:cond delay="500"/>
+                            </p:stCondLst>
+                            <p:childTnLst>
+                              <p:par>
+                                <p:cTn id="9" presetID="22" presetClass="exit" presetSubtype="8" fill="hold" nodeType="afterEffect">
+                                  <p:stCondLst>
+                                    <p:cond delay="0"/>
+                                  </p:stCondLst>
+                                  <p:childTnLst>
+                                    <p:animEffect transition="out" filter="wipe(left)">
+                                      <p:cBhvr>
+                                        <p:cTn id="10" dur="500"/>
+                                        <p:tgtEl>
+                                          <p:spTgt spid="8"/>
+                                        </p:tgtEl>
+                                      </p:cBhvr>
+                                    </p:animEffect>
+                                    <p:set>
+                                      <p:cBhvr>
+                                        <p:cTn id="11" dur="1" fill="hold">
+                                          <p:stCondLst>
+                                            <p:cond delay="499"/>
+                                          </p:stCondLst>
+                                        </p:cTn>
+                                        <p:tgtEl>
+                                          <p:spTgt spid="8"/>
+                                        </p:tgtEl>
+                                        <p:attrNameLst>
+                                          <p:attrName>style.visibility</p:attrName>
+                                        </p:attrNameLst>
+                                      </p:cBhvr>
+                                      <p:to>
+                                        <p:strVal val="hidden"/>
+                                      </p:to>
+                                    </p:set>
+                                  </p:childTnLst>
+                                </p:cTn>
+                              </p:par>
+                              <p:par>
+                                <p:cTn id="12" presetID="22" presetClass="entr" presetSubtype="8" fill="hold" nodeType="withEffect">
+                                  <p:stCondLst>
+                                    <p:cond delay="0"/>
+                                  </p:stCondLst>
+                                  <p:childTnLst>
+                                    <p:set>
+                                      <p:cBhvr>
+                                        <p:cTn id="13" dur="1" fill="hold">
+                                          <p:stCondLst>
+                                            <p:cond delay="0"/>
+                                          </p:stCondLst>
+                                        </p:cTn>
+                                        <p:tgtEl>
+                                          <p:spTgt spid="5"/>
+                                        </p:tgtEl>
+                                        <p:attrNameLst>
+                                          <p:attrName>style.visibility</p:attrName>
+                                        </p:attrNameLst>
+                                      </p:cBhvr>
+                                      <p:to>
+                                        <p:strVal val="visible"/>
+                                      </p:to>
+                                    </p:set>
+                                    <p:animEffect transition="in" filter="wipe(left)">
+                                      <p:cBhvr>
+                                        <p:cTn id="14" dur="500"/>
+                                        <p:tgtEl>
+                                          <p:spTgt spid="5"/>
+                                        </p:tgtEl>
+                                      </p:cBhvr>
+                                    </p:animEffect>
+                                  </p:childTnLst>
+                                </p:cTn>
+                              </p:par>
+                            </p:childTnLst>
+                          </p:cTn>
+                        </p:par>
+                        <p:par>
+                          <p:cTn id="15" fill="hold">
+                            <p:stCondLst>
+                              <p:cond delay="1000"/>
+                            </p:stCondLst>
+                            <p:childTnLst>
+                              <p:par>
+                                <p:cTn id="16" presetID="22" presetClass="exit" presetSubtype="8" fill="hold" nodeType="afterEffect">
+                                  <p:stCondLst>
+                                    <p:cond delay="0"/>
+                                  </p:stCondLst>
+                                  <p:childTnLst>
+                                    <p:animEffect transition="out" filter="wipe(left)">
+                                      <p:cBhvr>
+                                        <p:cTn id="17" dur="500"/>
+                                        <p:tgtEl>
+                                          <p:spTgt spid="5"/>
+                                        </p:tgtEl>
+                                      </p:cBhvr>
+                                    </p:animEffect>
+                                    <p:set>
+                                      <p:cBhvr>
+                                        <p:cTn id="18" dur="1" fill="hold">
+                                          <p:stCondLst>
+                                            <p:cond delay="499"/>
+                                          </p:stCondLst>
+                                        </p:cTn>
+                                        <p:tgtEl>
+                                          <p:spTgt spid="5"/>
+                                        </p:tgtEl>
+                                        <p:attrNameLst>
+                                          <p:attrName>style.visibility</p:attrName>
+                                        </p:attrNameLst>
+                                      </p:cBhvr>
+                                      <p:to>
+                                        <p:strVal val="hidden"/>
+                                      </p:to>
+                                    </p:set>
+                                  </p:childTnLst>
+                                </p:cTn>
+                              </p:par>
+                              <p:par>
+                                <p:cTn id="19" presetID="22" presetClass="entr" presetSubtype="8" fill="hold" nodeType="withEffect">
+                                  <p:stCondLst>
+                                    <p:cond delay="0"/>
+                                  </p:stCondLst>
+                                  <p:childTnLst>
+                                    <p:set>
+                                      <p:cBhvr>
+                                        <p:cTn id="20" dur="1" fill="hold">
+                                          <p:stCondLst>
+                                            <p:cond delay="0"/>
+                                          </p:stCondLst>
+                                        </p:cTn>
+                                        <p:tgtEl>
+                                          <p:spTgt spid="8"/>
+                                        </p:tgtEl>
+                                        <p:attrNameLst>
+                                          <p:attrName>style.visibility</p:attrName>
+                                        </p:attrNameLst>
+                                      </p:cBhvr>
+                                      <p:to>
+                                        <p:strVal val="visible"/>
+                                      </p:to>
+                                    </p:set>
+                                    <p:animEffect transition="in" filter="wipe(left)">
+                                      <p:cBhvr>
+                                        <p:cTn id="21" dur="500"/>
+                                        <p:tgtEl>
+                                          <p:spTgt spid="8"/>
+                                        </p:tgtEl>
+                                      </p:cBhvr>
+                                    </p:animEffect>
+                                  </p:childTnLst>
+                                </p:cTn>
+                              </p:par>
+                            </p:childTnLst>
+                          </p:cTn>
+                        </p:par>
+                      </p:childTnLst>
+                    </p:cTn>
+                  </p:par>
+                </p:childTnLst>
+              </p:cTn>
+              <p:prevCondLst>
+                <p:cond evt="onPrev" delay="0">
+                  <p:tgtEl>
+                    <p:sldTgt/>
+                  </p:tgtEl>
+                </p:cond>
+              </p:prevCondLst>
+              <p:nextCondLst>
+                <p:cond evt="onNext" delay="0">
+                  <p:tgtEl>
+                    <p:sldTgt/>
+                  </p:tgtEl>
+                </p:cond>
+              </p:nextCondLst>
+            </p:seq>
+          </p:childTnLst>
+        </p:cTn>
+      </p:par>
+    </p:tnLst>
+  </p:timing>
 </p:sld>
 </file>
 
@@ -7554,7 +8394,7 @@
                   </a:schemeClr>
                 </a:solidFill>
               </a:rPr>
-              <a:t>Design – Power Budget</a:t>
+              <a:t>Design - Communications</a:t>
             </a:r>
             <a:endParaRPr lang="en-US" dirty="0">
               <a:solidFill>
@@ -7569,29 +8409,6 @@
       </p:sp>
       <p:sp>
         <p:nvSpPr>
-          <p:cNvPr id="3" name="Content Placeholder 2"/>
-          <p:cNvSpPr>
-            <a:spLocks noGrp="1"/>
-          </p:cNvSpPr>
-          <p:nvPr>
-            <p:ph idx="1"/>
-          </p:nvPr>
-        </p:nvSpPr>
-        <p:spPr/>
-        <p:txBody>
-          <a:bodyPr/>
-          <a:lstStyle/>
-          <a:p>
-            <a:r>
-              <a:rPr lang="en-US" dirty="0" smtClean="0"/>
-              <a:t>TO BE COMPLETED</a:t>
-            </a:r>
-            <a:endParaRPr lang="en-US" dirty="0"/>
-          </a:p>
-        </p:txBody>
-      </p:sp>
-      <p:sp>
-        <p:nvSpPr>
           <p:cNvPr id="4" name="Text Placeholder 3"/>
           <p:cNvSpPr>
             <a:spLocks noGrp="1"/>
@@ -7607,20 +8424,143 @@
           </a:bodyPr>
           <a:lstStyle/>
           <a:p>
-            <a:endParaRPr lang="en-US"/>
+            <a:r>
+              <a:rPr lang="en-US" dirty="0" smtClean="0"/>
+              <a:t>Ben</a:t>
+            </a:r>
+            <a:endParaRPr lang="en-US" dirty="0"/>
+          </a:p>
+        </p:txBody>
+      </p:sp>
+      <p:pic>
+        <p:nvPicPr>
+          <p:cNvPr id="6" name="Picture 5"/>
+          <p:cNvPicPr>
+            <a:picLocks noChangeAspect="1"/>
+          </p:cNvPicPr>
+          <p:nvPr/>
+        </p:nvPicPr>
+        <p:blipFill>
+          <a:blip r:embed="rId2"/>
+          <a:stretch>
+            <a:fillRect/>
+          </a:stretch>
+        </p:blipFill>
+        <p:spPr>
+          <a:xfrm>
+            <a:off x="5080265" y="1205963"/>
+            <a:ext cx="1676400" cy="1524000"/>
+          </a:xfrm>
+          <a:prstGeom prst="rect">
+            <a:avLst/>
+          </a:prstGeom>
+        </p:spPr>
+      </p:pic>
+      <p:pic>
+        <p:nvPicPr>
+          <p:cNvPr id="7" name="Picture 6"/>
+          <p:cNvPicPr>
+            <a:picLocks noChangeAspect="1"/>
+          </p:cNvPicPr>
+          <p:nvPr/>
+        </p:nvPicPr>
+        <p:blipFill>
+          <a:blip r:embed="rId3"/>
+          <a:stretch>
+            <a:fillRect/>
+          </a:stretch>
+        </p:blipFill>
+        <p:spPr>
+          <a:xfrm>
+            <a:off x="8697369" y="3995393"/>
+            <a:ext cx="1612900" cy="2705100"/>
+          </a:xfrm>
+          <a:prstGeom prst="rect">
+            <a:avLst/>
+          </a:prstGeom>
+        </p:spPr>
+      </p:pic>
+      <p:pic>
+        <p:nvPicPr>
+          <p:cNvPr id="8" name="Picture 7"/>
+          <p:cNvPicPr>
+            <a:picLocks noChangeAspect="1"/>
+          </p:cNvPicPr>
+          <p:nvPr/>
+        </p:nvPicPr>
+        <p:blipFill>
+          <a:blip r:embed="rId4"/>
+          <a:stretch>
+            <a:fillRect/>
+          </a:stretch>
+        </p:blipFill>
+        <p:spPr>
+          <a:xfrm>
+            <a:off x="6885289" y="2528545"/>
+            <a:ext cx="2451100" cy="1473200"/>
+          </a:xfrm>
+          <a:prstGeom prst="rect">
+            <a:avLst/>
+          </a:prstGeom>
+        </p:spPr>
+      </p:pic>
+      <p:sp>
+        <p:nvSpPr>
+          <p:cNvPr id="11" name="Content Placeholder 2"/>
+          <p:cNvSpPr>
+            <a:spLocks noGrp="1"/>
+          </p:cNvSpPr>
+          <p:nvPr>
+            <p:ph idx="1"/>
+          </p:nvPr>
+        </p:nvSpPr>
+        <p:spPr>
+          <a:xfrm>
+            <a:off x="458222" y="2840147"/>
+            <a:ext cx="7626532" cy="3548128"/>
+          </a:xfrm>
+        </p:spPr>
+        <p:txBody>
+          <a:bodyPr anchor="b"/>
+          <a:lstStyle/>
+          <a:p>
+            <a:pPr marL="0" indent="0">
+              <a:buNone/>
+            </a:pPr>
+            <a:r>
+              <a:rPr lang="en-US" sz="2400" dirty="0" smtClean="0"/>
+              <a:t>Step 3: Computation</a:t>
+            </a:r>
+          </a:p>
+          <a:p>
+            <a:r>
+              <a:rPr lang="en-US" dirty="0" smtClean="0"/>
+              <a:t>Ground station determines communication time</a:t>
+            </a:r>
+            <a:endParaRPr lang="en-US" dirty="0"/>
+          </a:p>
+          <a:p>
+            <a:endParaRPr lang="en-US" dirty="0"/>
           </a:p>
         </p:txBody>
       </p:sp>
     </p:spTree>
     <p:extLst>
       <p:ext uri="{BB962C8B-B14F-4D97-AF65-F5344CB8AC3E}">
-        <p14:creationId xmlns:p14="http://schemas.microsoft.com/office/powerpoint/2010/main" val="1043457955"/>
+        <p14:creationId xmlns:p14="http://schemas.microsoft.com/office/powerpoint/2010/main" val="1268805089"/>
       </p:ext>
     </p:extLst>
   </p:cSld>
   <p:clrMapOvr>
     <a:masterClrMapping/>
   </p:clrMapOvr>
+  <p:timing>
+    <p:tnLst>
+      <p:par>
+        <p:cTn xmlns:p14="http://schemas.microsoft.com/office/powerpoint/2010/main" id="1" dur="indefinite" restart="never" nodeType="tmRoot"/>
+      </p:par>
+    </p:tnLst>
+  </p:timing>
 </p:sld>
 </file>
 
@@ -7665,7 +8605,7 @@
                   </a:schemeClr>
                 </a:solidFill>
               </a:rPr>
-              <a:t>Budget</a:t>
+              <a:t>Design - Communications</a:t>
             </a:r>
             <a:endParaRPr lang="en-US" dirty="0">
               <a:solidFill>
@@ -7680,68 +8620,6 @@
       </p:sp>
       <p:sp>
         <p:nvSpPr>
-          <p:cNvPr id="3" name="Content Placeholder 2"/>
-          <p:cNvSpPr>
-            <a:spLocks noGrp="1"/>
-          </p:cNvSpPr>
-          <p:nvPr>
-            <p:ph idx="1"/>
-          </p:nvPr>
-        </p:nvSpPr>
-        <p:spPr/>
-        <p:txBody>
-          <a:bodyPr/>
-          <a:lstStyle/>
-          <a:p>
-            <a:r>
-              <a:rPr lang="en-US" dirty="0" smtClean="0"/>
-              <a:t>Attitude Control</a:t>
-            </a:r>
-          </a:p>
-          <a:p>
-            <a:r>
-              <a:rPr lang="en-US" dirty="0" smtClean="0"/>
-              <a:t>Attitude Determination</a:t>
-            </a:r>
-          </a:p>
-          <a:p>
-            <a:r>
-              <a:rPr lang="en-US" dirty="0" smtClean="0"/>
-              <a:t>Navigation</a:t>
-            </a:r>
-          </a:p>
-          <a:p>
-            <a:r>
-              <a:rPr lang="en-US" dirty="0" smtClean="0"/>
-              <a:t>Communication</a:t>
-            </a:r>
-          </a:p>
-          <a:p>
-            <a:r>
-              <a:rPr lang="en-US" dirty="0" smtClean="0"/>
-              <a:t>Power</a:t>
-            </a:r>
-          </a:p>
-          <a:p>
-            <a:r>
-              <a:rPr lang="en-US" dirty="0" smtClean="0"/>
-              <a:t>Manpower</a:t>
-            </a:r>
-          </a:p>
-          <a:p>
-            <a:pPr lvl="1"/>
-            <a:r>
-              <a:rPr lang="en-US" dirty="0" smtClean="0"/>
-              <a:t>FREE!</a:t>
-            </a:r>
-          </a:p>
-          <a:p>
-            <a:endParaRPr lang="en-US" dirty="0"/>
-          </a:p>
-        </p:txBody>
-      </p:sp>
-      <p:sp>
-        <p:nvSpPr>
           <p:cNvPr id="4" name="Text Placeholder 3"/>
           <p:cNvSpPr>
             <a:spLocks noGrp="1"/>
@@ -7757,20 +8635,745 @@
           </a:bodyPr>
           <a:lstStyle/>
           <a:p>
+            <a:r>
+              <a:rPr lang="en-US" dirty="0" smtClean="0"/>
+              <a:t>Ben</a:t>
+            </a:r>
+            <a:endParaRPr lang="en-US" dirty="0"/>
+          </a:p>
+        </p:txBody>
+      </p:sp>
+      <p:pic>
+        <p:nvPicPr>
+          <p:cNvPr id="6" name="Picture 5"/>
+          <p:cNvPicPr>
+            <a:picLocks noChangeAspect="1"/>
+          </p:cNvPicPr>
+          <p:nvPr/>
+        </p:nvPicPr>
+        <p:blipFill>
+          <a:blip r:embed="rId2"/>
+          <a:stretch>
+            <a:fillRect/>
+          </a:stretch>
+        </p:blipFill>
+        <p:spPr>
+          <a:xfrm>
+            <a:off x="5080265" y="1205963"/>
+            <a:ext cx="1676400" cy="1524000"/>
+          </a:xfrm>
+          <a:prstGeom prst="rect">
+            <a:avLst/>
+          </a:prstGeom>
+        </p:spPr>
+      </p:pic>
+      <p:pic>
+        <p:nvPicPr>
+          <p:cNvPr id="7" name="Picture 6"/>
+          <p:cNvPicPr>
+            <a:picLocks noChangeAspect="1"/>
+          </p:cNvPicPr>
+          <p:nvPr/>
+        </p:nvPicPr>
+        <p:blipFill>
+          <a:blip r:embed="rId3"/>
+          <a:stretch>
+            <a:fillRect/>
+          </a:stretch>
+        </p:blipFill>
+        <p:spPr>
+          <a:xfrm>
+            <a:off x="8697369" y="3995393"/>
+            <a:ext cx="1612900" cy="2705100"/>
+          </a:xfrm>
+          <a:prstGeom prst="rect">
+            <a:avLst/>
+          </a:prstGeom>
+        </p:spPr>
+      </p:pic>
+      <p:pic>
+        <p:nvPicPr>
+          <p:cNvPr id="8" name="Picture 7"/>
+          <p:cNvPicPr>
+            <a:picLocks noChangeAspect="1"/>
+          </p:cNvPicPr>
+          <p:nvPr/>
+        </p:nvPicPr>
+        <p:blipFill>
+          <a:blip r:embed="rId4"/>
+          <a:stretch>
+            <a:fillRect/>
+          </a:stretch>
+        </p:blipFill>
+        <p:spPr>
+          <a:xfrm>
+            <a:off x="6885289" y="2528545"/>
+            <a:ext cx="2451100" cy="1473200"/>
+          </a:xfrm>
+          <a:prstGeom prst="rect">
+            <a:avLst/>
+          </a:prstGeom>
+        </p:spPr>
+      </p:pic>
+      <p:sp>
+        <p:nvSpPr>
+          <p:cNvPr id="11" name="Content Placeholder 2"/>
+          <p:cNvSpPr>
+            <a:spLocks noGrp="1"/>
+          </p:cNvSpPr>
+          <p:nvPr>
+            <p:ph idx="1"/>
+          </p:nvPr>
+        </p:nvSpPr>
+        <p:spPr>
+          <a:xfrm>
+            <a:off x="458222" y="2840147"/>
+            <a:ext cx="7626532" cy="3548128"/>
+          </a:xfrm>
+        </p:spPr>
+        <p:txBody>
+          <a:bodyPr anchor="b"/>
+          <a:lstStyle/>
+          <a:p>
+            <a:pPr marL="0" indent="0">
+              <a:buNone/>
+            </a:pPr>
+            <a:r>
+              <a:rPr lang="en-US" sz="2400" dirty="0" smtClean="0"/>
+              <a:t>Step 3: Computation</a:t>
+            </a:r>
+          </a:p>
+          <a:p>
+            <a:r>
+              <a:rPr lang="en-US" dirty="0" smtClean="0"/>
+              <a:t>Ground station determines communication time</a:t>
+            </a:r>
+            <a:endParaRPr lang="en-US" dirty="0"/>
+          </a:p>
+          <a:p>
+            <a:endParaRPr lang="en-US" dirty="0"/>
+          </a:p>
+        </p:txBody>
+      </p:sp>
+      <p:sp>
+        <p:nvSpPr>
+          <p:cNvPr id="3" name="Rounded Rectangle 2"/>
+          <p:cNvSpPr/>
+          <p:nvPr/>
+        </p:nvSpPr>
+        <p:spPr>
+          <a:xfrm>
+            <a:off x="612844" y="561544"/>
+            <a:ext cx="10966313" cy="5734913"/>
+          </a:xfrm>
+          <a:prstGeom prst="roundRect">
+            <a:avLst/>
+          </a:prstGeom>
+          <a:solidFill>
+            <a:srgbClr val="FFFF0B">
+              <a:alpha val="91000"/>
+            </a:srgbClr>
+          </a:solidFill>
+          <a:ln w="57150" cmpd="sng">
+            <a:solidFill>
+              <a:schemeClr val="tx1"/>
+            </a:solidFill>
+          </a:ln>
+        </p:spPr>
+        <p:style>
+          <a:lnRef idx="1">
+            <a:schemeClr val="accent1"/>
+          </a:lnRef>
+          <a:fillRef idx="3">
+            <a:schemeClr val="accent1"/>
+          </a:fillRef>
+          <a:effectRef idx="2">
+            <a:schemeClr val="accent1"/>
+          </a:effectRef>
+          <a:fontRef idx="minor">
+            <a:schemeClr val="lt1"/>
+          </a:fontRef>
+        </p:style>
+        <p:txBody>
+          <a:bodyPr rtlCol="0" anchor="ctr"/>
+          <a:lstStyle/>
+          <a:p>
+            <a:pPr algn="ctr"/>
             <a:endParaRPr lang="en-US"/>
+          </a:p>
+        </p:txBody>
+      </p:sp>
+      <p:pic>
+        <p:nvPicPr>
+          <p:cNvPr id="9" name="Picture 8"/>
+          <p:cNvPicPr>
+            <a:picLocks noChangeAspect="1"/>
+          </p:cNvPicPr>
+          <p:nvPr/>
+        </p:nvPicPr>
+        <p:blipFill>
+          <a:blip r:embed="rId5"/>
+          <a:stretch>
+            <a:fillRect/>
+          </a:stretch>
+        </p:blipFill>
+        <p:spPr>
+          <a:xfrm>
+            <a:off x="1346321" y="1441450"/>
+            <a:ext cx="4051300" cy="3975100"/>
+          </a:xfrm>
+          <a:prstGeom prst="rect">
+            <a:avLst/>
+          </a:prstGeom>
+        </p:spPr>
+      </p:pic>
+      <p:pic>
+        <p:nvPicPr>
+          <p:cNvPr id="15" name="Picture 14"/>
+          <p:cNvPicPr>
+            <a:picLocks noChangeAspect="1"/>
+          </p:cNvPicPr>
+          <p:nvPr/>
+        </p:nvPicPr>
+        <p:blipFill>
+          <a:blip r:embed="rId6"/>
+          <a:stretch>
+            <a:fillRect/>
+          </a:stretch>
+        </p:blipFill>
+        <p:spPr>
+          <a:xfrm>
+            <a:off x="1346321" y="1446845"/>
+            <a:ext cx="4051300" cy="3937000"/>
+          </a:xfrm>
+          <a:prstGeom prst="rect">
+            <a:avLst/>
+          </a:prstGeom>
+        </p:spPr>
+      </p:pic>
+      <p:pic>
+        <p:nvPicPr>
+          <p:cNvPr id="16" name="Picture 15"/>
+          <p:cNvPicPr>
+            <a:picLocks noChangeAspect="1"/>
+          </p:cNvPicPr>
+          <p:nvPr/>
+        </p:nvPicPr>
+        <p:blipFill>
+          <a:blip r:embed="rId7"/>
+          <a:stretch>
+            <a:fillRect/>
+          </a:stretch>
+        </p:blipFill>
+        <p:spPr>
+          <a:xfrm>
+            <a:off x="1346321" y="1441450"/>
+            <a:ext cx="4051300" cy="3975100"/>
+          </a:xfrm>
+          <a:prstGeom prst="rect">
+            <a:avLst/>
+          </a:prstGeom>
+        </p:spPr>
+      </p:pic>
+      <p:pic>
+        <p:nvPicPr>
+          <p:cNvPr id="19" name="Picture 18"/>
+          <p:cNvPicPr>
+            <a:picLocks noChangeAspect="1"/>
+          </p:cNvPicPr>
+          <p:nvPr/>
+        </p:nvPicPr>
+        <p:blipFill>
+          <a:blip r:embed="rId8"/>
+          <a:stretch>
+            <a:fillRect/>
+          </a:stretch>
+        </p:blipFill>
+        <p:spPr>
+          <a:xfrm>
+            <a:off x="6359015" y="1206500"/>
+            <a:ext cx="4445000" cy="4445000"/>
+          </a:xfrm>
+          <a:prstGeom prst="rect">
+            <a:avLst/>
+          </a:prstGeom>
+        </p:spPr>
+      </p:pic>
+      <p:pic>
+        <p:nvPicPr>
+          <p:cNvPr id="18" name="Picture 17"/>
+          <p:cNvPicPr>
+            <a:picLocks noChangeAspect="1"/>
+          </p:cNvPicPr>
+          <p:nvPr/>
+        </p:nvPicPr>
+        <p:blipFill>
+          <a:blip r:embed="rId9"/>
+          <a:stretch>
+            <a:fillRect/>
+          </a:stretch>
+        </p:blipFill>
+        <p:spPr>
+          <a:xfrm>
+            <a:off x="6359015" y="1206500"/>
+            <a:ext cx="4445000" cy="4445000"/>
+          </a:xfrm>
+          <a:prstGeom prst="rect">
+            <a:avLst/>
+          </a:prstGeom>
+        </p:spPr>
+      </p:pic>
+      <p:sp>
+        <p:nvSpPr>
+          <p:cNvPr id="20" name="TextBox 19"/>
+          <p:cNvSpPr txBox="1"/>
+          <p:nvPr/>
+        </p:nvSpPr>
+        <p:spPr>
+          <a:xfrm>
+            <a:off x="4083348" y="3495566"/>
+            <a:ext cx="546267" cy="369332"/>
+          </a:xfrm>
+          <a:prstGeom prst="rect">
+            <a:avLst/>
+          </a:prstGeom>
+          <a:noFill/>
+        </p:spPr>
+        <p:txBody>
+          <a:bodyPr wrap="square" rtlCol="0">
+            <a:spAutoFit/>
+          </a:bodyPr>
+          <a:lstStyle/>
+          <a:p>
+            <a:r>
+              <a:rPr lang="en-US" dirty="0" smtClean="0">
+                <a:solidFill>
+                  <a:schemeClr val="bg1"/>
+                </a:solidFill>
+              </a:rPr>
+              <a:t>2°</a:t>
+            </a:r>
+            <a:endParaRPr lang="en-US" dirty="0">
+              <a:solidFill>
+                <a:schemeClr val="bg1"/>
+              </a:solidFill>
+            </a:endParaRPr>
           </a:p>
         </p:txBody>
       </p:sp>
     </p:spTree>
     <p:extLst>
       <p:ext uri="{BB962C8B-B14F-4D97-AF65-F5344CB8AC3E}">
-        <p14:creationId xmlns:p14="http://schemas.microsoft.com/office/powerpoint/2010/main" val="3051738324"/>
+        <p14:creationId xmlns:p14="http://schemas.microsoft.com/office/powerpoint/2010/main" val="3104484450"/>
       </p:ext>
     </p:extLst>
   </p:cSld>
   <p:clrMapOvr>
     <a:masterClrMapping/>
   </p:clrMapOvr>
+  <p:timing>
+    <p:tnLst>
+      <p:par>
+        <p:cTn xmlns:p14="http://schemas.microsoft.com/office/powerpoint/2010/main" id="1" dur="indefinite" restart="never" nodeType="tmRoot">
+          <p:childTnLst>
+            <p:seq concurrent="1" nextAc="seek">
+              <p:cTn id="2" dur="indefinite" nodeType="mainSeq">
+                <p:childTnLst>
+                  <p:par>
+                    <p:cTn id="3" fill="hold">
+                      <p:stCondLst>
+                        <p:cond delay="indefinite"/>
+                        <p:cond evt="onBegin" delay="0">
+                          <p:tn val="2"/>
+                        </p:cond>
+                      </p:stCondLst>
+                      <p:childTnLst>
+                        <p:par>
+                          <p:cTn id="4" fill="hold">
+                            <p:stCondLst>
+                              <p:cond delay="0"/>
+                            </p:stCondLst>
+                            <p:childTnLst>
+                              <p:par>
+                                <p:cTn id="5" presetID="23" presetClass="entr" presetSubtype="272" fill="hold" grpId="0" nodeType="afterEffect">
+                                  <p:stCondLst>
+                                    <p:cond delay="0"/>
+                                  </p:stCondLst>
+                                  <p:childTnLst>
+                                    <p:set>
+                                      <p:cBhvr>
+                                        <p:cTn id="6" dur="1" fill="hold">
+                                          <p:stCondLst>
+                                            <p:cond delay="0"/>
+                                          </p:stCondLst>
+                                        </p:cTn>
+                                        <p:tgtEl>
+                                          <p:spTgt spid="3"/>
+                                        </p:tgtEl>
+                                        <p:attrNameLst>
+                                          <p:attrName>style.visibility</p:attrName>
+                                        </p:attrNameLst>
+                                      </p:cBhvr>
+                                      <p:to>
+                                        <p:strVal val="visible"/>
+                                      </p:to>
+                                    </p:set>
+                                    <p:anim calcmode="lin" valueType="num">
+                                      <p:cBhvr>
+                                        <p:cTn id="7" dur="500" fill="hold"/>
+                                        <p:tgtEl>
+                                          <p:spTgt spid="3"/>
+                                        </p:tgtEl>
+                                        <p:attrNameLst>
+                                          <p:attrName>ppt_w</p:attrName>
+                                        </p:attrNameLst>
+                                      </p:cBhvr>
+                                      <p:tavLst>
+                                        <p:tav tm="0">
+                                          <p:val>
+                                            <p:strVal val="2/3*#ppt_w"/>
+                                          </p:val>
+                                        </p:tav>
+                                        <p:tav tm="100000">
+                                          <p:val>
+                                            <p:strVal val="#ppt_w"/>
+                                          </p:val>
+                                        </p:tav>
+                                      </p:tavLst>
+                                    </p:anim>
+                                    <p:anim calcmode="lin" valueType="num">
+                                      <p:cBhvr>
+                                        <p:cTn id="8" dur="500" fill="hold"/>
+                                        <p:tgtEl>
+                                          <p:spTgt spid="3"/>
+                                        </p:tgtEl>
+                                        <p:attrNameLst>
+                                          <p:attrName>ppt_h</p:attrName>
+                                        </p:attrNameLst>
+                                      </p:cBhvr>
+                                      <p:tavLst>
+                                        <p:tav tm="0">
+                                          <p:val>
+                                            <p:strVal val="2/3*#ppt_h"/>
+                                          </p:val>
+                                        </p:tav>
+                                        <p:tav tm="100000">
+                                          <p:val>
+                                            <p:strVal val="#ppt_h"/>
+                                          </p:val>
+                                        </p:tav>
+                                      </p:tavLst>
+                                    </p:anim>
+                                  </p:childTnLst>
+                                </p:cTn>
+                              </p:par>
+                            </p:childTnLst>
+                          </p:cTn>
+                        </p:par>
+                        <p:par>
+                          <p:cTn id="9" fill="hold">
+                            <p:stCondLst>
+                              <p:cond delay="500"/>
+                            </p:stCondLst>
+                            <p:childTnLst>
+                              <p:par>
+                                <p:cTn id="10" presetID="10" presetClass="entr" presetSubtype="0" fill="hold" nodeType="afterEffect">
+                                  <p:stCondLst>
+                                    <p:cond delay="0"/>
+                                  </p:stCondLst>
+                                  <p:childTnLst>
+                                    <p:set>
+                                      <p:cBhvr>
+                                        <p:cTn id="11" dur="1" fill="hold">
+                                          <p:stCondLst>
+                                            <p:cond delay="0"/>
+                                          </p:stCondLst>
+                                        </p:cTn>
+                                        <p:tgtEl>
+                                          <p:spTgt spid="16"/>
+                                        </p:tgtEl>
+                                        <p:attrNameLst>
+                                          <p:attrName>style.visibility</p:attrName>
+                                        </p:attrNameLst>
+                                      </p:cBhvr>
+                                      <p:to>
+                                        <p:strVal val="visible"/>
+                                      </p:to>
+                                    </p:set>
+                                    <p:animEffect transition="in" filter="fade">
+                                      <p:cBhvr>
+                                        <p:cTn id="12" dur="500"/>
+                                        <p:tgtEl>
+                                          <p:spTgt spid="16"/>
+                                        </p:tgtEl>
+                                      </p:cBhvr>
+                                    </p:animEffect>
+                                  </p:childTnLst>
+                                </p:cTn>
+                              </p:par>
+                              <p:par>
+                                <p:cTn id="13" presetID="10" presetClass="entr" presetSubtype="0" fill="hold" nodeType="withEffect">
+                                  <p:stCondLst>
+                                    <p:cond delay="0"/>
+                                  </p:stCondLst>
+                                  <p:childTnLst>
+                                    <p:set>
+                                      <p:cBhvr>
+                                        <p:cTn id="14" dur="1" fill="hold">
+                                          <p:stCondLst>
+                                            <p:cond delay="0"/>
+                                          </p:stCondLst>
+                                        </p:cTn>
+                                        <p:tgtEl>
+                                          <p:spTgt spid="18"/>
+                                        </p:tgtEl>
+                                        <p:attrNameLst>
+                                          <p:attrName>style.visibility</p:attrName>
+                                        </p:attrNameLst>
+                                      </p:cBhvr>
+                                      <p:to>
+                                        <p:strVal val="visible"/>
+                                      </p:to>
+                                    </p:set>
+                                    <p:animEffect transition="in" filter="fade">
+                                      <p:cBhvr>
+                                        <p:cTn id="15" dur="500"/>
+                                        <p:tgtEl>
+                                          <p:spTgt spid="18"/>
+                                        </p:tgtEl>
+                                      </p:cBhvr>
+                                    </p:animEffect>
+                                  </p:childTnLst>
+                                </p:cTn>
+                              </p:par>
+                            </p:childTnLst>
+                          </p:cTn>
+                        </p:par>
+                        <p:par>
+                          <p:cTn id="16" fill="hold">
+                            <p:stCondLst>
+                              <p:cond delay="1000"/>
+                            </p:stCondLst>
+                            <p:childTnLst>
+                              <p:par>
+                                <p:cTn id="17" presetID="20" presetClass="entr" presetSubtype="0" fill="hold" nodeType="afterEffect">
+                                  <p:stCondLst>
+                                    <p:cond delay="0"/>
+                                  </p:stCondLst>
+                                  <p:childTnLst>
+                                    <p:set>
+                                      <p:cBhvr>
+                                        <p:cTn id="18" dur="1" fill="hold">
+                                          <p:stCondLst>
+                                            <p:cond delay="0"/>
+                                          </p:stCondLst>
+                                        </p:cTn>
+                                        <p:tgtEl>
+                                          <p:spTgt spid="15"/>
+                                        </p:tgtEl>
+                                        <p:attrNameLst>
+                                          <p:attrName>style.visibility</p:attrName>
+                                        </p:attrNameLst>
+                                      </p:cBhvr>
+                                      <p:to>
+                                        <p:strVal val="visible"/>
+                                      </p:to>
+                                    </p:set>
+                                    <p:animEffect transition="in" filter="wedge">
+                                      <p:cBhvr>
+                                        <p:cTn id="19" dur="2000"/>
+                                        <p:tgtEl>
+                                          <p:spTgt spid="15"/>
+                                        </p:tgtEl>
+                                      </p:cBhvr>
+                                    </p:animEffect>
+                                  </p:childTnLst>
+                                </p:cTn>
+                              </p:par>
+                              <p:par>
+                                <p:cTn id="20" presetID="6" presetClass="entr" presetSubtype="32" fill="hold" nodeType="withEffect">
+                                  <p:stCondLst>
+                                    <p:cond delay="0"/>
+                                  </p:stCondLst>
+                                  <p:childTnLst>
+                                    <p:set>
+                                      <p:cBhvr>
+                                        <p:cTn id="21" dur="1" fill="hold">
+                                          <p:stCondLst>
+                                            <p:cond delay="0"/>
+                                          </p:stCondLst>
+                                        </p:cTn>
+                                        <p:tgtEl>
+                                          <p:spTgt spid="19"/>
+                                        </p:tgtEl>
+                                        <p:attrNameLst>
+                                          <p:attrName>style.visibility</p:attrName>
+                                        </p:attrNameLst>
+                                      </p:cBhvr>
+                                      <p:to>
+                                        <p:strVal val="visible"/>
+                                      </p:to>
+                                    </p:set>
+                                    <p:animEffect transition="in" filter="circle(out)">
+                                      <p:cBhvr>
+                                        <p:cTn id="22" dur="1500"/>
+                                        <p:tgtEl>
+                                          <p:spTgt spid="19"/>
+                                        </p:tgtEl>
+                                      </p:cBhvr>
+                                    </p:animEffect>
+                                  </p:childTnLst>
+                                </p:cTn>
+                              </p:par>
+                            </p:childTnLst>
+                          </p:cTn>
+                        </p:par>
+                        <p:par>
+                          <p:cTn id="23" fill="hold">
+                            <p:stCondLst>
+                              <p:cond delay="3000"/>
+                            </p:stCondLst>
+                            <p:childTnLst>
+                              <p:par>
+                                <p:cTn id="24" presetID="1" presetClass="exit" presetSubtype="0" fill="hold" nodeType="afterEffect">
+                                  <p:stCondLst>
+                                    <p:cond delay="0"/>
+                                  </p:stCondLst>
+                                  <p:childTnLst>
+                                    <p:set>
+                                      <p:cBhvr>
+                                        <p:cTn id="25" dur="1" fill="hold">
+                                          <p:stCondLst>
+                                            <p:cond delay="0"/>
+                                          </p:stCondLst>
+                                        </p:cTn>
+                                        <p:tgtEl>
+                                          <p:spTgt spid="16"/>
+                                        </p:tgtEl>
+                                        <p:attrNameLst>
+                                          <p:attrName>style.visibility</p:attrName>
+                                        </p:attrNameLst>
+                                      </p:cBhvr>
+                                      <p:to>
+                                        <p:strVal val="hidden"/>
+                                      </p:to>
+                                    </p:set>
+                                  </p:childTnLst>
+                                </p:cTn>
+                              </p:par>
+                              <p:par>
+                                <p:cTn id="26" presetID="1" presetClass="exit" presetSubtype="0" fill="hold" nodeType="withEffect">
+                                  <p:stCondLst>
+                                    <p:cond delay="0"/>
+                                  </p:stCondLst>
+                                  <p:childTnLst>
+                                    <p:set>
+                                      <p:cBhvr>
+                                        <p:cTn id="27" dur="1" fill="hold">
+                                          <p:stCondLst>
+                                            <p:cond delay="0"/>
+                                          </p:stCondLst>
+                                        </p:cTn>
+                                        <p:tgtEl>
+                                          <p:spTgt spid="15"/>
+                                        </p:tgtEl>
+                                        <p:attrNameLst>
+                                          <p:attrName>style.visibility</p:attrName>
+                                        </p:attrNameLst>
+                                      </p:cBhvr>
+                                      <p:to>
+                                        <p:strVal val="hidden"/>
+                                      </p:to>
+                                    </p:set>
+                                  </p:childTnLst>
+                                </p:cTn>
+                              </p:par>
+                              <p:par>
+                                <p:cTn id="28" presetID="1" presetClass="entr" presetSubtype="0" fill="hold" nodeType="withEffect">
+                                  <p:stCondLst>
+                                    <p:cond delay="0"/>
+                                  </p:stCondLst>
+                                  <p:childTnLst>
+                                    <p:set>
+                                      <p:cBhvr>
+                                        <p:cTn id="29" dur="1" fill="hold">
+                                          <p:stCondLst>
+                                            <p:cond delay="0"/>
+                                          </p:stCondLst>
+                                        </p:cTn>
+                                        <p:tgtEl>
+                                          <p:spTgt spid="9"/>
+                                        </p:tgtEl>
+                                        <p:attrNameLst>
+                                          <p:attrName>style.visibility</p:attrName>
+                                        </p:attrNameLst>
+                                      </p:cBhvr>
+                                      <p:to>
+                                        <p:strVal val="visible"/>
+                                      </p:to>
+                                    </p:set>
+                                  </p:childTnLst>
+                                </p:cTn>
+                              </p:par>
+                              <p:par>
+                                <p:cTn id="30" presetID="1" presetClass="entr" presetSubtype="0" fill="hold" grpId="0" nodeType="withEffect">
+                                  <p:stCondLst>
+                                    <p:cond delay="0"/>
+                                  </p:stCondLst>
+                                  <p:childTnLst>
+                                    <p:set>
+                                      <p:cBhvr>
+                                        <p:cTn id="31" dur="1" fill="hold">
+                                          <p:stCondLst>
+                                            <p:cond delay="0"/>
+                                          </p:stCondLst>
+                                        </p:cTn>
+                                        <p:tgtEl>
+                                          <p:spTgt spid="20"/>
+                                        </p:tgtEl>
+                                        <p:attrNameLst>
+                                          <p:attrName>style.visibility</p:attrName>
+                                        </p:attrNameLst>
+                                      </p:cBhvr>
+                                      <p:to>
+                                        <p:strVal val="visible"/>
+                                      </p:to>
+                                    </p:set>
+                                  </p:childTnLst>
+                                </p:cTn>
+                              </p:par>
+                            </p:childTnLst>
+                          </p:cTn>
+                        </p:par>
+                      </p:childTnLst>
+                    </p:cTn>
+                  </p:par>
+                </p:childTnLst>
+              </p:cTn>
+              <p:prevCondLst>
+                <p:cond evt="onPrev" delay="0">
+                  <p:tgtEl>
+                    <p:sldTgt/>
+                  </p:tgtEl>
+                </p:cond>
+              </p:prevCondLst>
+              <p:nextCondLst>
+                <p:cond evt="onNext" delay="0">
+                  <p:tgtEl>
+                    <p:sldTgt/>
+                  </p:tgtEl>
+                </p:cond>
+              </p:nextCondLst>
+            </p:seq>
+          </p:childTnLst>
+        </p:cTn>
+      </p:par>
+    </p:tnLst>
+    <p:bldLst>
+      <p:bldP spid="3" grpId="0" animBg="1"/>
+      <p:bldP spid="20" grpId="0"/>
+    </p:bldLst>
+  </p:timing>
 </p:sld>
 </file>
 
@@ -8002,7 +9605,7 @@
                   </a:schemeClr>
                 </a:solidFill>
               </a:rPr>
-              <a:t>FMEA</a:t>
+              <a:t>Design - Communications</a:t>
             </a:r>
             <a:endParaRPr lang="en-US" dirty="0">
               <a:solidFill>
@@ -8017,31 +9620,6 @@
       </p:sp>
       <p:sp>
         <p:nvSpPr>
-          <p:cNvPr id="3" name="Content Placeholder 2"/>
-          <p:cNvSpPr>
-            <a:spLocks noGrp="1"/>
-          </p:cNvSpPr>
-          <p:nvPr>
-            <p:ph idx="1"/>
-          </p:nvPr>
-        </p:nvSpPr>
-        <p:spPr/>
-        <p:txBody>
-          <a:bodyPr/>
-          <a:lstStyle/>
-          <a:p>
-            <a:r>
-              <a:rPr lang="en-US" dirty="0"/>
-              <a:t>TO BE COMPLETED</a:t>
-            </a:r>
-          </a:p>
-          <a:p>
-            <a:endParaRPr lang="en-US" dirty="0"/>
-          </a:p>
-        </p:txBody>
-      </p:sp>
-      <p:sp>
-        <p:nvSpPr>
           <p:cNvPr id="4" name="Text Placeholder 3"/>
           <p:cNvSpPr>
             <a:spLocks noGrp="1"/>
@@ -8059,22 +9637,778 @@
           <a:p>
             <a:r>
               <a:rPr lang="en-US" dirty="0" smtClean="0"/>
-              <a:t>Charlie</a:t>
+              <a:t>Ben</a:t>
             </a:r>
             <a:endParaRPr lang="en-US" dirty="0"/>
           </a:p>
         </p:txBody>
       </p:sp>
+      <p:pic>
+        <p:nvPicPr>
+          <p:cNvPr id="6" name="Picture 5"/>
+          <p:cNvPicPr>
+            <a:picLocks noChangeAspect="1"/>
+          </p:cNvPicPr>
+          <p:nvPr/>
+        </p:nvPicPr>
+        <p:blipFill>
+          <a:blip r:embed="rId2"/>
+          <a:stretch>
+            <a:fillRect/>
+          </a:stretch>
+        </p:blipFill>
+        <p:spPr>
+          <a:xfrm>
+            <a:off x="5080265" y="1205963"/>
+            <a:ext cx="1676400" cy="1524000"/>
+          </a:xfrm>
+          <a:prstGeom prst="rect">
+            <a:avLst/>
+          </a:prstGeom>
+        </p:spPr>
+      </p:pic>
+      <p:pic>
+        <p:nvPicPr>
+          <p:cNvPr id="7" name="Picture 6"/>
+          <p:cNvPicPr>
+            <a:picLocks noChangeAspect="1"/>
+          </p:cNvPicPr>
+          <p:nvPr/>
+        </p:nvPicPr>
+        <p:blipFill>
+          <a:blip r:embed="rId3"/>
+          <a:stretch>
+            <a:fillRect/>
+          </a:stretch>
+        </p:blipFill>
+        <p:spPr>
+          <a:xfrm>
+            <a:off x="8697369" y="3995393"/>
+            <a:ext cx="1612900" cy="2705100"/>
+          </a:xfrm>
+          <a:prstGeom prst="rect">
+            <a:avLst/>
+          </a:prstGeom>
+        </p:spPr>
+      </p:pic>
+      <p:pic>
+        <p:nvPicPr>
+          <p:cNvPr id="8" name="Picture 7"/>
+          <p:cNvPicPr>
+            <a:picLocks noChangeAspect="1"/>
+          </p:cNvPicPr>
+          <p:nvPr/>
+        </p:nvPicPr>
+        <p:blipFill>
+          <a:blip r:embed="rId4"/>
+          <a:stretch>
+            <a:fillRect/>
+          </a:stretch>
+        </p:blipFill>
+        <p:spPr>
+          <a:xfrm>
+            <a:off x="6885289" y="2528545"/>
+            <a:ext cx="2451100" cy="1473200"/>
+          </a:xfrm>
+          <a:prstGeom prst="rect">
+            <a:avLst/>
+          </a:prstGeom>
+        </p:spPr>
+      </p:pic>
+      <p:sp>
+        <p:nvSpPr>
+          <p:cNvPr id="11" name="Content Placeholder 2"/>
+          <p:cNvSpPr>
+            <a:spLocks noGrp="1"/>
+          </p:cNvSpPr>
+          <p:nvPr>
+            <p:ph idx="1"/>
+          </p:nvPr>
+        </p:nvSpPr>
+        <p:spPr>
+          <a:xfrm>
+            <a:off x="458222" y="2840147"/>
+            <a:ext cx="7626532" cy="3548128"/>
+          </a:xfrm>
+        </p:spPr>
+        <p:txBody>
+          <a:bodyPr anchor="b"/>
+          <a:lstStyle/>
+          <a:p>
+            <a:pPr marL="0" indent="0">
+              <a:buNone/>
+            </a:pPr>
+            <a:r>
+              <a:rPr lang="en-US" sz="2400" dirty="0" smtClean="0"/>
+              <a:t>Step 3: Computation</a:t>
+            </a:r>
+          </a:p>
+          <a:p>
+            <a:r>
+              <a:rPr lang="en-US" dirty="0" smtClean="0"/>
+              <a:t>Ground station determines communication time</a:t>
+            </a:r>
+            <a:endParaRPr lang="en-US" dirty="0"/>
+          </a:p>
+          <a:p>
+            <a:endParaRPr lang="en-US" dirty="0"/>
+          </a:p>
+        </p:txBody>
+      </p:sp>
+      <p:sp>
+        <p:nvSpPr>
+          <p:cNvPr id="3" name="Rounded Rectangle 2"/>
+          <p:cNvSpPr/>
+          <p:nvPr/>
+        </p:nvSpPr>
+        <p:spPr>
+          <a:xfrm>
+            <a:off x="612844" y="561544"/>
+            <a:ext cx="10966313" cy="5734913"/>
+          </a:xfrm>
+          <a:prstGeom prst="roundRect">
+            <a:avLst/>
+          </a:prstGeom>
+          <a:solidFill>
+            <a:srgbClr val="FFFF0B">
+              <a:alpha val="91000"/>
+            </a:srgbClr>
+          </a:solidFill>
+          <a:ln w="57150" cmpd="sng">
+            <a:solidFill>
+              <a:schemeClr val="tx1"/>
+            </a:solidFill>
+          </a:ln>
+        </p:spPr>
+        <p:style>
+          <a:lnRef idx="1">
+            <a:schemeClr val="accent1"/>
+          </a:lnRef>
+          <a:fillRef idx="3">
+            <a:schemeClr val="accent1"/>
+          </a:fillRef>
+          <a:effectRef idx="2">
+            <a:schemeClr val="accent1"/>
+          </a:effectRef>
+          <a:fontRef idx="minor">
+            <a:schemeClr val="lt1"/>
+          </a:fontRef>
+        </p:style>
+        <p:txBody>
+          <a:bodyPr rtlCol="0" anchor="ctr"/>
+          <a:lstStyle/>
+          <a:p>
+            <a:pPr algn="ctr"/>
+            <a:endParaRPr lang="en-US"/>
+          </a:p>
+        </p:txBody>
+      </p:sp>
+      <p:pic>
+        <p:nvPicPr>
+          <p:cNvPr id="5" name="Picture 4"/>
+          <p:cNvPicPr>
+            <a:picLocks noChangeAspect="1"/>
+          </p:cNvPicPr>
+          <p:nvPr/>
+        </p:nvPicPr>
+        <p:blipFill>
+          <a:blip r:embed="rId5"/>
+          <a:stretch>
+            <a:fillRect/>
+          </a:stretch>
+        </p:blipFill>
+        <p:spPr>
+          <a:xfrm>
+            <a:off x="6359016" y="1206500"/>
+            <a:ext cx="4445000" cy="4445000"/>
+          </a:xfrm>
+          <a:prstGeom prst="rect">
+            <a:avLst/>
+          </a:prstGeom>
+        </p:spPr>
+      </p:pic>
+      <p:pic>
+        <p:nvPicPr>
+          <p:cNvPr id="10" name="Picture 9"/>
+          <p:cNvPicPr>
+            <a:picLocks noChangeAspect="1"/>
+          </p:cNvPicPr>
+          <p:nvPr/>
+        </p:nvPicPr>
+        <p:blipFill>
+          <a:blip r:embed="rId6"/>
+          <a:stretch>
+            <a:fillRect/>
+          </a:stretch>
+        </p:blipFill>
+        <p:spPr>
+          <a:xfrm>
+            <a:off x="6359016" y="1206500"/>
+            <a:ext cx="4445000" cy="4445000"/>
+          </a:xfrm>
+          <a:prstGeom prst="rect">
+            <a:avLst/>
+          </a:prstGeom>
+        </p:spPr>
+      </p:pic>
+      <p:sp>
+        <p:nvSpPr>
+          <p:cNvPr id="17" name="Content Placeholder 2"/>
+          <p:cNvSpPr txBox="1">
+            <a:spLocks/>
+          </p:cNvSpPr>
+          <p:nvPr/>
+        </p:nvSpPr>
+        <p:spPr>
+          <a:xfrm>
+            <a:off x="1293456" y="1572473"/>
+            <a:ext cx="4647200" cy="3780112"/>
+          </a:xfrm>
+          <a:prstGeom prst="rect">
+            <a:avLst/>
+          </a:prstGeom>
+        </p:spPr>
+        <p:txBody>
+          <a:bodyPr vert="horz" lIns="91440" tIns="45720" rIns="91440" bIns="45720" rtlCol="0" anchor="t">
+            <a:normAutofit/>
+          </a:bodyPr>
+          <a:lstStyle>
+            <a:lvl1pPr marL="342900" indent="-342900" algn="l" defTabSz="457200" rtl="0" eaLnBrk="1" latinLnBrk="0" hangingPunct="1">
+              <a:spcBef>
+                <a:spcPts val="1000"/>
+              </a:spcBef>
+              <a:spcAft>
+                <a:spcPts val="0"/>
+              </a:spcAft>
+              <a:buClr>
+                <a:schemeClr val="bg2">
+                  <a:lumMod val="40000"/>
+                  <a:lumOff val="60000"/>
+                </a:schemeClr>
+              </a:buClr>
+              <a:buSzPct val="80000"/>
+              <a:buFont typeface="Wingdings 3" charset="2"/>
+              <a:buChar char=""/>
+              <a:defRPr sz="2000" b="0" i="0" kern="1200">
+                <a:solidFill>
+                  <a:schemeClr val="tx1"/>
+                </a:solidFill>
+                <a:latin typeface="+mj-lt"/>
+                <a:ea typeface="+mj-ea"/>
+                <a:cs typeface="+mj-cs"/>
+              </a:defRPr>
+            </a:lvl1pPr>
+            <a:lvl2pPr marL="742950" indent="-285750" algn="l" defTabSz="457200" rtl="0" eaLnBrk="1" latinLnBrk="0" hangingPunct="1">
+              <a:spcBef>
+                <a:spcPts val="1000"/>
+              </a:spcBef>
+              <a:spcAft>
+                <a:spcPts val="0"/>
+              </a:spcAft>
+              <a:buClr>
+                <a:schemeClr val="bg2">
+                  <a:lumMod val="40000"/>
+                  <a:lumOff val="60000"/>
+                </a:schemeClr>
+              </a:buClr>
+              <a:buSzPct val="80000"/>
+              <a:buFont typeface="Wingdings 3" charset="2"/>
+              <a:buChar char=""/>
+              <a:defRPr sz="1800" b="0" i="0" kern="1200">
+                <a:solidFill>
+                  <a:schemeClr val="tx1"/>
+                </a:solidFill>
+                <a:latin typeface="+mj-lt"/>
+                <a:ea typeface="+mj-ea"/>
+                <a:cs typeface="+mj-cs"/>
+              </a:defRPr>
+            </a:lvl2pPr>
+            <a:lvl3pPr marL="1143000" indent="-228600" algn="l" defTabSz="457200" rtl="0" eaLnBrk="1" latinLnBrk="0" hangingPunct="1">
+              <a:spcBef>
+                <a:spcPts val="1000"/>
+              </a:spcBef>
+              <a:spcAft>
+                <a:spcPts val="0"/>
+              </a:spcAft>
+              <a:buClr>
+                <a:schemeClr val="bg2">
+                  <a:lumMod val="40000"/>
+                  <a:lumOff val="60000"/>
+                </a:schemeClr>
+              </a:buClr>
+              <a:buSzPct val="80000"/>
+              <a:buFont typeface="Wingdings 3" charset="2"/>
+              <a:buChar char=""/>
+              <a:defRPr sz="1600" b="0" i="0" kern="1200">
+                <a:solidFill>
+                  <a:schemeClr val="tx1"/>
+                </a:solidFill>
+                <a:latin typeface="+mj-lt"/>
+                <a:ea typeface="+mj-ea"/>
+                <a:cs typeface="+mj-cs"/>
+              </a:defRPr>
+            </a:lvl3pPr>
+            <a:lvl4pPr marL="1600200" indent="-228600" algn="l" defTabSz="457200" rtl="0" eaLnBrk="1" latinLnBrk="0" hangingPunct="1">
+              <a:spcBef>
+                <a:spcPts val="1000"/>
+              </a:spcBef>
+              <a:spcAft>
+                <a:spcPts val="0"/>
+              </a:spcAft>
+              <a:buClr>
+                <a:schemeClr val="bg2">
+                  <a:lumMod val="40000"/>
+                  <a:lumOff val="60000"/>
+                </a:schemeClr>
+              </a:buClr>
+              <a:buSzPct val="80000"/>
+              <a:buFont typeface="Wingdings 3" charset="2"/>
+              <a:buChar char=""/>
+              <a:defRPr sz="1400" b="0" i="0" kern="1200">
+                <a:solidFill>
+                  <a:schemeClr val="tx1"/>
+                </a:solidFill>
+                <a:latin typeface="+mj-lt"/>
+                <a:ea typeface="+mj-ea"/>
+                <a:cs typeface="+mj-cs"/>
+              </a:defRPr>
+            </a:lvl4pPr>
+            <a:lvl5pPr marL="2057400" indent="-228600" algn="l" defTabSz="457200" rtl="0" eaLnBrk="1" latinLnBrk="0" hangingPunct="1">
+              <a:spcBef>
+                <a:spcPts val="1000"/>
+              </a:spcBef>
+              <a:spcAft>
+                <a:spcPts val="0"/>
+              </a:spcAft>
+              <a:buClr>
+                <a:schemeClr val="bg2">
+                  <a:lumMod val="40000"/>
+                  <a:lumOff val="60000"/>
+                </a:schemeClr>
+              </a:buClr>
+              <a:buSzPct val="80000"/>
+              <a:buFont typeface="Wingdings 3" charset="2"/>
+              <a:buChar char=""/>
+              <a:defRPr sz="1400" b="0" i="0" kern="1200">
+                <a:solidFill>
+                  <a:schemeClr val="tx1"/>
+                </a:solidFill>
+                <a:latin typeface="+mj-lt"/>
+                <a:ea typeface="+mj-ea"/>
+                <a:cs typeface="+mj-cs"/>
+              </a:defRPr>
+            </a:lvl5pPr>
+            <a:lvl6pPr marL="2506000" indent="-228600" algn="l" defTabSz="457200" rtl="0" eaLnBrk="1" latinLnBrk="0" hangingPunct="1">
+              <a:spcBef>
+                <a:spcPts val="1000"/>
+              </a:spcBef>
+              <a:spcAft>
+                <a:spcPts val="0"/>
+              </a:spcAft>
+              <a:buClr>
+                <a:schemeClr val="bg2">
+                  <a:lumMod val="40000"/>
+                  <a:lumOff val="60000"/>
+                </a:schemeClr>
+              </a:buClr>
+              <a:buSzPct val="80000"/>
+              <a:buFont typeface="Wingdings 3" charset="2"/>
+              <a:buChar char=""/>
+              <a:defRPr sz="1400" b="0" i="0" kern="1200">
+                <a:solidFill>
+                  <a:schemeClr val="tx1"/>
+                </a:solidFill>
+                <a:latin typeface="+mj-lt"/>
+                <a:ea typeface="+mj-ea"/>
+                <a:cs typeface="+mj-cs"/>
+              </a:defRPr>
+            </a:lvl6pPr>
+            <a:lvl7pPr marL="2971800" indent="-228600" algn="l" defTabSz="457200" rtl="0" eaLnBrk="1" latinLnBrk="0" hangingPunct="1">
+              <a:spcBef>
+                <a:spcPts val="1000"/>
+              </a:spcBef>
+              <a:spcAft>
+                <a:spcPts val="0"/>
+              </a:spcAft>
+              <a:buClr>
+                <a:schemeClr val="bg2">
+                  <a:lumMod val="40000"/>
+                  <a:lumOff val="60000"/>
+                </a:schemeClr>
+              </a:buClr>
+              <a:buSzPct val="80000"/>
+              <a:buFont typeface="Wingdings 3" charset="2"/>
+              <a:buChar char=""/>
+              <a:defRPr sz="1400" b="0" i="0" kern="1200">
+                <a:solidFill>
+                  <a:schemeClr val="tx1"/>
+                </a:solidFill>
+                <a:latin typeface="+mj-lt"/>
+                <a:ea typeface="+mj-ea"/>
+                <a:cs typeface="+mj-cs"/>
+              </a:defRPr>
+            </a:lvl7pPr>
+            <a:lvl8pPr marL="3429000" indent="-228600" algn="l" defTabSz="457200" rtl="0" eaLnBrk="1" latinLnBrk="0" hangingPunct="1">
+              <a:spcBef>
+                <a:spcPts val="1000"/>
+              </a:spcBef>
+              <a:spcAft>
+                <a:spcPts val="0"/>
+              </a:spcAft>
+              <a:buClr>
+                <a:schemeClr val="bg2">
+                  <a:lumMod val="40000"/>
+                  <a:lumOff val="60000"/>
+                </a:schemeClr>
+              </a:buClr>
+              <a:buSzPct val="80000"/>
+              <a:buFont typeface="Wingdings 3" charset="2"/>
+              <a:buChar char=""/>
+              <a:defRPr sz="1400" b="0" i="0" kern="1200">
+                <a:solidFill>
+                  <a:schemeClr val="tx1"/>
+                </a:solidFill>
+                <a:latin typeface="+mj-lt"/>
+                <a:ea typeface="+mj-ea"/>
+                <a:cs typeface="+mj-cs"/>
+              </a:defRPr>
+            </a:lvl8pPr>
+            <a:lvl9pPr marL="3886200" indent="-228600" algn="l" defTabSz="457200" rtl="0" eaLnBrk="1" latinLnBrk="0" hangingPunct="1">
+              <a:spcBef>
+                <a:spcPts val="1000"/>
+              </a:spcBef>
+              <a:spcAft>
+                <a:spcPts val="0"/>
+              </a:spcAft>
+              <a:buClr>
+                <a:schemeClr val="bg2">
+                  <a:lumMod val="40000"/>
+                  <a:lumOff val="60000"/>
+                </a:schemeClr>
+              </a:buClr>
+              <a:buSzPct val="80000"/>
+              <a:buFont typeface="Wingdings 3" charset="2"/>
+              <a:buChar char=""/>
+              <a:defRPr sz="1400" b="0" i="0" kern="1200">
+                <a:solidFill>
+                  <a:schemeClr val="tx1"/>
+                </a:solidFill>
+                <a:latin typeface="+mj-lt"/>
+                <a:ea typeface="+mj-ea"/>
+                <a:cs typeface="+mj-cs"/>
+              </a:defRPr>
+            </a:lvl9pPr>
+          </a:lstStyle>
+          <a:p>
+            <a:pPr>
+              <a:buClrTx/>
+            </a:pPr>
+            <a:r>
+              <a:rPr lang="en-US" dirty="0" err="1" smtClean="0">
+                <a:solidFill>
+                  <a:srgbClr val="000000"/>
+                </a:solidFill>
+              </a:rPr>
+              <a:t>CubeSat</a:t>
+            </a:r>
+            <a:r>
+              <a:rPr lang="en-US" dirty="0" smtClean="0">
+                <a:solidFill>
+                  <a:srgbClr val="000000"/>
+                </a:solidFill>
+              </a:rPr>
+              <a:t> makes contact</a:t>
+            </a:r>
+          </a:p>
+          <a:p>
+            <a:pPr>
+              <a:buClrTx/>
+            </a:pPr>
+            <a:r>
+              <a:rPr lang="en-US" dirty="0" smtClean="0">
+                <a:solidFill>
+                  <a:srgbClr val="000000"/>
+                </a:solidFill>
+              </a:rPr>
+              <a:t>Determine range</a:t>
+            </a:r>
+          </a:p>
+        </p:txBody>
+      </p:sp>
+      <p:pic>
+        <p:nvPicPr>
+          <p:cNvPr id="12" name="Picture 11"/>
+          <p:cNvPicPr>
+            <a:picLocks noChangeAspect="1"/>
+          </p:cNvPicPr>
+          <p:nvPr/>
+        </p:nvPicPr>
+        <p:blipFill>
+          <a:blip r:embed="rId7"/>
+          <a:stretch>
+            <a:fillRect/>
+          </a:stretch>
+        </p:blipFill>
+        <p:spPr>
+          <a:xfrm>
+            <a:off x="7352581" y="1976636"/>
+            <a:ext cx="1079500" cy="1320800"/>
+          </a:xfrm>
+          <a:prstGeom prst="rect">
+            <a:avLst/>
+          </a:prstGeom>
+        </p:spPr>
+      </p:pic>
     </p:spTree>
     <p:extLst>
       <p:ext uri="{BB962C8B-B14F-4D97-AF65-F5344CB8AC3E}">
-        <p14:creationId xmlns:p14="http://schemas.microsoft.com/office/powerpoint/2010/main" val="2929915190"/>
+        <p14:creationId xmlns:p14="http://schemas.microsoft.com/office/powerpoint/2010/main" val="2181249060"/>
       </p:ext>
     </p:extLst>
   </p:cSld>
   <p:clrMapOvr>
     <a:masterClrMapping/>
   </p:clrMapOvr>
+  <p:timing>
+    <p:tnLst>
+      <p:par>
+        <p:cTn xmlns:p14="http://schemas.microsoft.com/office/powerpoint/2010/main" id="1" dur="indefinite" restart="never" nodeType="tmRoot">
+          <p:childTnLst>
+            <p:seq concurrent="1" nextAc="seek">
+              <p:cTn id="2" dur="indefinite" nodeType="mainSeq">
+                <p:childTnLst>
+                  <p:par>
+                    <p:cTn id="3" fill="hold">
+                      <p:stCondLst>
+                        <p:cond delay="indefinite"/>
+                        <p:cond evt="onBegin" delay="0">
+                          <p:tn val="2"/>
+                        </p:cond>
+                      </p:stCondLst>
+                      <p:childTnLst>
+                        <p:par>
+                          <p:cTn id="4" fill="hold">
+                            <p:stCondLst>
+                              <p:cond delay="0"/>
+                            </p:stCondLst>
+                            <p:childTnLst>
+                              <p:par>
+                                <p:cTn id="5" presetID="1" presetClass="entr" presetSubtype="0" fill="hold" grpId="0" nodeType="withEffect">
+                                  <p:stCondLst>
+                                    <p:cond delay="0"/>
+                                  </p:stCondLst>
+                                  <p:childTnLst>
+                                    <p:set>
+                                      <p:cBhvr>
+                                        <p:cTn id="6" dur="1" fill="hold">
+                                          <p:stCondLst>
+                                            <p:cond delay="0"/>
+                                          </p:stCondLst>
+                                        </p:cTn>
+                                        <p:tgtEl>
+                                          <p:spTgt spid="17">
+                                            <p:txEl>
+                                              <p:pRg st="0" end="0"/>
+                                            </p:txEl>
+                                          </p:spTgt>
+                                        </p:tgtEl>
+                                        <p:attrNameLst>
+                                          <p:attrName>style.visibility</p:attrName>
+                                        </p:attrNameLst>
+                                      </p:cBhvr>
+                                      <p:to>
+                                        <p:strVal val="visible"/>
+                                      </p:to>
+                                    </p:set>
+                                  </p:childTnLst>
+                                </p:cTn>
+                              </p:par>
+                            </p:childTnLst>
+                          </p:cTn>
+                        </p:par>
+                        <p:par>
+                          <p:cTn id="7" fill="hold">
+                            <p:stCondLst>
+                              <p:cond delay="0"/>
+                            </p:stCondLst>
+                            <p:childTnLst>
+                              <p:par>
+                                <p:cTn id="8" presetID="22" presetClass="entr" presetSubtype="1" fill="hold" nodeType="afterEffect">
+                                  <p:stCondLst>
+                                    <p:cond delay="0"/>
+                                  </p:stCondLst>
+                                  <p:childTnLst>
+                                    <p:set>
+                                      <p:cBhvr>
+                                        <p:cTn id="9" dur="1" fill="hold">
+                                          <p:stCondLst>
+                                            <p:cond delay="0"/>
+                                          </p:stCondLst>
+                                        </p:cTn>
+                                        <p:tgtEl>
+                                          <p:spTgt spid="12"/>
+                                        </p:tgtEl>
+                                        <p:attrNameLst>
+                                          <p:attrName>style.visibility</p:attrName>
+                                        </p:attrNameLst>
+                                      </p:cBhvr>
+                                      <p:to>
+                                        <p:strVal val="visible"/>
+                                      </p:to>
+                                    </p:set>
+                                    <p:animEffect transition="in" filter="wipe(up)">
+                                      <p:cBhvr>
+                                        <p:cTn id="10" dur="500"/>
+                                        <p:tgtEl>
+                                          <p:spTgt spid="12"/>
+                                        </p:tgtEl>
+                                      </p:cBhvr>
+                                    </p:animEffect>
+                                  </p:childTnLst>
+                                </p:cTn>
+                              </p:par>
+                            </p:childTnLst>
+                          </p:cTn>
+                        </p:par>
+                      </p:childTnLst>
+                    </p:cTn>
+                  </p:par>
+                  <p:par>
+                    <p:cTn id="11" fill="hold">
+                      <p:stCondLst>
+                        <p:cond delay="indefinite"/>
+                      </p:stCondLst>
+                      <p:childTnLst>
+                        <p:par>
+                          <p:cTn id="12" fill="hold">
+                            <p:stCondLst>
+                              <p:cond delay="0"/>
+                            </p:stCondLst>
+                            <p:childTnLst>
+                              <p:par>
+                                <p:cTn id="13" presetID="1" presetClass="exit" presetSubtype="0" fill="hold" nodeType="clickEffect">
+                                  <p:stCondLst>
+                                    <p:cond delay="0"/>
+                                  </p:stCondLst>
+                                  <p:childTnLst>
+                                    <p:set>
+                                      <p:cBhvr>
+                                        <p:cTn id="14" dur="1" fill="hold">
+                                          <p:stCondLst>
+                                            <p:cond delay="0"/>
+                                          </p:stCondLst>
+                                        </p:cTn>
+                                        <p:tgtEl>
+                                          <p:spTgt spid="12"/>
+                                        </p:tgtEl>
+                                        <p:attrNameLst>
+                                          <p:attrName>style.visibility</p:attrName>
+                                        </p:attrNameLst>
+                                      </p:cBhvr>
+                                      <p:to>
+                                        <p:strVal val="hidden"/>
+                                      </p:to>
+                                    </p:set>
+                                  </p:childTnLst>
+                                </p:cTn>
+                              </p:par>
+                              <p:par>
+                                <p:cTn id="15" presetID="21" presetClass="entr" presetSubtype="1" fill="hold" nodeType="withEffect">
+                                  <p:stCondLst>
+                                    <p:cond delay="0"/>
+                                  </p:stCondLst>
+                                  <p:childTnLst>
+                                    <p:set>
+                                      <p:cBhvr>
+                                        <p:cTn id="16" dur="1" fill="hold">
+                                          <p:stCondLst>
+                                            <p:cond delay="0"/>
+                                          </p:stCondLst>
+                                        </p:cTn>
+                                        <p:tgtEl>
+                                          <p:spTgt spid="10"/>
+                                        </p:tgtEl>
+                                        <p:attrNameLst>
+                                          <p:attrName>style.visibility</p:attrName>
+                                        </p:attrNameLst>
+                                      </p:cBhvr>
+                                      <p:to>
+                                        <p:strVal val="visible"/>
+                                      </p:to>
+                                    </p:set>
+                                    <p:animEffect transition="in" filter="wheel(1)">
+                                      <p:cBhvr>
+                                        <p:cTn id="17" dur="500"/>
+                                        <p:tgtEl>
+                                          <p:spTgt spid="10"/>
+                                        </p:tgtEl>
+                                      </p:cBhvr>
+                                    </p:animEffect>
+                                  </p:childTnLst>
+                                </p:cTn>
+                              </p:par>
+                              <p:par>
+                                <p:cTn id="18" presetID="1" presetClass="entr" presetSubtype="0" fill="hold" grpId="0" nodeType="withEffect">
+                                  <p:stCondLst>
+                                    <p:cond delay="0"/>
+                                  </p:stCondLst>
+                                  <p:childTnLst>
+                                    <p:set>
+                                      <p:cBhvr>
+                                        <p:cTn id="19" dur="1" fill="hold">
+                                          <p:stCondLst>
+                                            <p:cond delay="0"/>
+                                          </p:stCondLst>
+                                        </p:cTn>
+                                        <p:tgtEl>
+                                          <p:spTgt spid="17">
+                                            <p:txEl>
+                                              <p:pRg st="1" end="1"/>
+                                            </p:txEl>
+                                          </p:spTgt>
+                                        </p:tgtEl>
+                                        <p:attrNameLst>
+                                          <p:attrName>style.visibility</p:attrName>
+                                        </p:attrNameLst>
+                                      </p:cBhvr>
+                                      <p:to>
+                                        <p:strVal val="visible"/>
+                                      </p:to>
+                                    </p:set>
+                                  </p:childTnLst>
+                                </p:cTn>
+                              </p:par>
+                            </p:childTnLst>
+                          </p:cTn>
+                        </p:par>
+                      </p:childTnLst>
+                    </p:cTn>
+                  </p:par>
+                </p:childTnLst>
+              </p:cTn>
+              <p:prevCondLst>
+                <p:cond evt="onPrev" delay="0">
+                  <p:tgtEl>
+                    <p:sldTgt/>
+                  </p:tgtEl>
+                </p:cond>
+              </p:prevCondLst>
+              <p:nextCondLst>
+                <p:cond evt="onNext" delay="0">
+                  <p:tgtEl>
+                    <p:sldTgt/>
+                  </p:tgtEl>
+                </p:cond>
+              </p:nextCondLst>
+            </p:seq>
+          </p:childTnLst>
+        </p:cTn>
+      </p:par>
+    </p:tnLst>
+    <p:bldLst>
+      <p:bldP spid="17" grpId="0" build="p"/>
+    </p:bldLst>
+  </p:timing>
 </p:sld>
 </file>
 
@@ -8119,7 +10453,7 @@
                   </a:schemeClr>
                 </a:solidFill>
               </a:rPr>
-              <a:t>Conclusion</a:t>
+              <a:t>Design - Communications</a:t>
             </a:r>
             <a:endParaRPr lang="en-US" dirty="0">
               <a:solidFill>
@@ -8134,35 +10468,6 @@
       </p:sp>
       <p:sp>
         <p:nvSpPr>
-          <p:cNvPr id="3" name="Content Placeholder 2"/>
-          <p:cNvSpPr>
-            <a:spLocks noGrp="1"/>
-          </p:cNvSpPr>
-          <p:nvPr>
-            <p:ph idx="1"/>
-          </p:nvPr>
-        </p:nvSpPr>
-        <p:spPr/>
-        <p:txBody>
-          <a:bodyPr/>
-          <a:lstStyle/>
-          <a:p>
-            <a:r>
-              <a:rPr lang="en-US" dirty="0" smtClean="0"/>
-              <a:t>Delivered:</a:t>
-            </a:r>
-          </a:p>
-          <a:p>
-            <a:r>
-              <a:rPr lang="en-US" smtClean="0"/>
-              <a:t>TO BE COMPLETED</a:t>
-            </a:r>
-            <a:endParaRPr lang="en-US"/>
-          </a:p>
-        </p:txBody>
-      </p:sp>
-      <p:sp>
-        <p:nvSpPr>
           <p:cNvPr id="4" name="Text Placeholder 3"/>
           <p:cNvSpPr>
             <a:spLocks noGrp="1"/>
@@ -8178,20 +10483,1078 @@
           </a:bodyPr>
           <a:lstStyle/>
           <a:p>
+            <a:r>
+              <a:rPr lang="en-US" dirty="0" smtClean="0"/>
+              <a:t>Ben</a:t>
+            </a:r>
+            <a:endParaRPr lang="en-US" dirty="0"/>
+          </a:p>
+        </p:txBody>
+      </p:sp>
+      <p:pic>
+        <p:nvPicPr>
+          <p:cNvPr id="6" name="Picture 5"/>
+          <p:cNvPicPr>
+            <a:picLocks noChangeAspect="1"/>
+          </p:cNvPicPr>
+          <p:nvPr/>
+        </p:nvPicPr>
+        <p:blipFill>
+          <a:blip r:embed="rId2"/>
+          <a:stretch>
+            <a:fillRect/>
+          </a:stretch>
+        </p:blipFill>
+        <p:spPr>
+          <a:xfrm>
+            <a:off x="5080265" y="1205963"/>
+            <a:ext cx="1676400" cy="1524000"/>
+          </a:xfrm>
+          <a:prstGeom prst="rect">
+            <a:avLst/>
+          </a:prstGeom>
+        </p:spPr>
+      </p:pic>
+      <p:pic>
+        <p:nvPicPr>
+          <p:cNvPr id="7" name="Picture 6"/>
+          <p:cNvPicPr>
+            <a:picLocks noChangeAspect="1"/>
+          </p:cNvPicPr>
+          <p:nvPr/>
+        </p:nvPicPr>
+        <p:blipFill>
+          <a:blip r:embed="rId3"/>
+          <a:stretch>
+            <a:fillRect/>
+          </a:stretch>
+        </p:blipFill>
+        <p:spPr>
+          <a:xfrm>
+            <a:off x="8697369" y="3995393"/>
+            <a:ext cx="1612900" cy="2705100"/>
+          </a:xfrm>
+          <a:prstGeom prst="rect">
+            <a:avLst/>
+          </a:prstGeom>
+        </p:spPr>
+      </p:pic>
+      <p:pic>
+        <p:nvPicPr>
+          <p:cNvPr id="8" name="Picture 7"/>
+          <p:cNvPicPr>
+            <a:picLocks noChangeAspect="1"/>
+          </p:cNvPicPr>
+          <p:nvPr/>
+        </p:nvPicPr>
+        <p:blipFill>
+          <a:blip r:embed="rId4"/>
+          <a:stretch>
+            <a:fillRect/>
+          </a:stretch>
+        </p:blipFill>
+        <p:spPr>
+          <a:xfrm>
+            <a:off x="6885289" y="2528545"/>
+            <a:ext cx="2451100" cy="1473200"/>
+          </a:xfrm>
+          <a:prstGeom prst="rect">
+            <a:avLst/>
+          </a:prstGeom>
+        </p:spPr>
+      </p:pic>
+      <p:sp>
+        <p:nvSpPr>
+          <p:cNvPr id="11" name="Content Placeholder 2"/>
+          <p:cNvSpPr>
+            <a:spLocks noGrp="1"/>
+          </p:cNvSpPr>
+          <p:nvPr>
+            <p:ph idx="1"/>
+          </p:nvPr>
+        </p:nvSpPr>
+        <p:spPr>
+          <a:xfrm>
+            <a:off x="458222" y="2840147"/>
+            <a:ext cx="7626532" cy="3548128"/>
+          </a:xfrm>
+        </p:spPr>
+        <p:txBody>
+          <a:bodyPr anchor="b"/>
+          <a:lstStyle/>
+          <a:p>
+            <a:pPr marL="0" indent="0">
+              <a:buNone/>
+            </a:pPr>
+            <a:r>
+              <a:rPr lang="en-US" sz="2400" dirty="0" smtClean="0"/>
+              <a:t>Step 3: Computation</a:t>
+            </a:r>
+          </a:p>
+          <a:p>
+            <a:r>
+              <a:rPr lang="en-US" dirty="0" smtClean="0"/>
+              <a:t>Ground station determines communication time</a:t>
+            </a:r>
+            <a:endParaRPr lang="en-US" dirty="0"/>
+          </a:p>
+          <a:p>
+            <a:endParaRPr lang="en-US" dirty="0"/>
+          </a:p>
+        </p:txBody>
+      </p:sp>
+      <p:sp>
+        <p:nvSpPr>
+          <p:cNvPr id="3" name="Rounded Rectangle 2"/>
+          <p:cNvSpPr/>
+          <p:nvPr/>
+        </p:nvSpPr>
+        <p:spPr>
+          <a:xfrm>
+            <a:off x="612844" y="561544"/>
+            <a:ext cx="10966313" cy="5734913"/>
+          </a:xfrm>
+          <a:prstGeom prst="roundRect">
+            <a:avLst/>
+          </a:prstGeom>
+          <a:solidFill>
+            <a:srgbClr val="FFFF0B">
+              <a:alpha val="91000"/>
+            </a:srgbClr>
+          </a:solidFill>
+          <a:ln w="57150" cmpd="sng">
+            <a:solidFill>
+              <a:schemeClr val="tx1"/>
+            </a:solidFill>
+          </a:ln>
+        </p:spPr>
+        <p:style>
+          <a:lnRef idx="1">
+            <a:schemeClr val="accent1"/>
+          </a:lnRef>
+          <a:fillRef idx="3">
+            <a:schemeClr val="accent1"/>
+          </a:fillRef>
+          <a:effectRef idx="2">
+            <a:schemeClr val="accent1"/>
+          </a:effectRef>
+          <a:fontRef idx="minor">
+            <a:schemeClr val="lt1"/>
+          </a:fontRef>
+        </p:style>
+        <p:txBody>
+          <a:bodyPr rtlCol="0" anchor="ctr"/>
+          <a:lstStyle/>
+          <a:p>
+            <a:pPr algn="ctr"/>
             <a:endParaRPr lang="en-US"/>
+          </a:p>
+        </p:txBody>
+      </p:sp>
+      <p:pic>
+        <p:nvPicPr>
+          <p:cNvPr id="12" name="Picture 11"/>
+          <p:cNvPicPr>
+            <a:picLocks noChangeAspect="1"/>
+          </p:cNvPicPr>
+          <p:nvPr/>
+        </p:nvPicPr>
+        <p:blipFill>
+          <a:blip r:embed="rId5"/>
+          <a:stretch>
+            <a:fillRect/>
+          </a:stretch>
+        </p:blipFill>
+        <p:spPr>
+          <a:xfrm>
+            <a:off x="6359016" y="1206500"/>
+            <a:ext cx="4445000" cy="4445000"/>
+          </a:xfrm>
+          <a:prstGeom prst="rect">
+            <a:avLst/>
+          </a:prstGeom>
+        </p:spPr>
+      </p:pic>
+      <p:pic>
+        <p:nvPicPr>
+          <p:cNvPr id="13" name="Picture 12"/>
+          <p:cNvPicPr>
+            <a:picLocks noChangeAspect="1"/>
+          </p:cNvPicPr>
+          <p:nvPr/>
+        </p:nvPicPr>
+        <p:blipFill>
+          <a:blip r:embed="rId6"/>
+          <a:stretch>
+            <a:fillRect/>
+          </a:stretch>
+        </p:blipFill>
+        <p:spPr>
+          <a:xfrm>
+            <a:off x="6359015" y="1206500"/>
+            <a:ext cx="4445000" cy="4445000"/>
+          </a:xfrm>
+          <a:prstGeom prst="rect">
+            <a:avLst/>
+          </a:prstGeom>
+        </p:spPr>
+      </p:pic>
+      <p:pic>
+        <p:nvPicPr>
+          <p:cNvPr id="14" name="Picture 13"/>
+          <p:cNvPicPr>
+            <a:picLocks noChangeAspect="1"/>
+          </p:cNvPicPr>
+          <p:nvPr/>
+        </p:nvPicPr>
+        <p:blipFill>
+          <a:blip r:embed="rId7"/>
+          <a:stretch>
+            <a:fillRect/>
+          </a:stretch>
+        </p:blipFill>
+        <p:spPr>
+          <a:xfrm>
+            <a:off x="6359016" y="1206500"/>
+            <a:ext cx="4445000" cy="4445000"/>
+          </a:xfrm>
+          <a:prstGeom prst="rect">
+            <a:avLst/>
+          </a:prstGeom>
+        </p:spPr>
+      </p:pic>
+      <p:pic>
+        <p:nvPicPr>
+          <p:cNvPr id="15" name="Picture 14"/>
+          <p:cNvPicPr>
+            <a:picLocks noChangeAspect="1"/>
+          </p:cNvPicPr>
+          <p:nvPr/>
+        </p:nvPicPr>
+        <p:blipFill>
+          <a:blip r:embed="rId8"/>
+          <a:stretch>
+            <a:fillRect/>
+          </a:stretch>
+        </p:blipFill>
+        <p:spPr>
+          <a:xfrm>
+            <a:off x="6359015" y="1206500"/>
+            <a:ext cx="4445000" cy="4445000"/>
+          </a:xfrm>
+          <a:prstGeom prst="rect">
+            <a:avLst/>
+          </a:prstGeom>
+        </p:spPr>
+      </p:pic>
+      <p:pic>
+        <p:nvPicPr>
+          <p:cNvPr id="16" name="Picture 15"/>
+          <p:cNvPicPr>
+            <a:picLocks noChangeAspect="1"/>
+          </p:cNvPicPr>
+          <p:nvPr/>
+        </p:nvPicPr>
+        <p:blipFill>
+          <a:blip r:embed="rId9"/>
+          <a:stretch>
+            <a:fillRect/>
+          </a:stretch>
+        </p:blipFill>
+        <p:spPr>
+          <a:xfrm>
+            <a:off x="6359015" y="1206500"/>
+            <a:ext cx="4445000" cy="4445000"/>
+          </a:xfrm>
+          <a:prstGeom prst="rect">
+            <a:avLst/>
+          </a:prstGeom>
+        </p:spPr>
+      </p:pic>
+      <p:sp>
+        <p:nvSpPr>
+          <p:cNvPr id="17" name="Content Placeholder 2"/>
+          <p:cNvSpPr txBox="1">
+            <a:spLocks/>
+          </p:cNvSpPr>
+          <p:nvPr/>
+        </p:nvSpPr>
+        <p:spPr>
+          <a:xfrm>
+            <a:off x="1293456" y="1572473"/>
+            <a:ext cx="4647200" cy="3780112"/>
+          </a:xfrm>
+          <a:prstGeom prst="rect">
+            <a:avLst/>
+          </a:prstGeom>
+        </p:spPr>
+        <p:txBody>
+          <a:bodyPr vert="horz" lIns="91440" tIns="45720" rIns="91440" bIns="45720" rtlCol="0" anchor="t">
+            <a:normAutofit/>
+          </a:bodyPr>
+          <a:lstStyle>
+            <a:lvl1pPr marL="342900" indent="-342900" algn="l" defTabSz="457200" rtl="0" eaLnBrk="1" latinLnBrk="0" hangingPunct="1">
+              <a:spcBef>
+                <a:spcPts val="1000"/>
+              </a:spcBef>
+              <a:spcAft>
+                <a:spcPts val="0"/>
+              </a:spcAft>
+              <a:buClr>
+                <a:schemeClr val="bg2">
+                  <a:lumMod val="40000"/>
+                  <a:lumOff val="60000"/>
+                </a:schemeClr>
+              </a:buClr>
+              <a:buSzPct val="80000"/>
+              <a:buFont typeface="Wingdings 3" charset="2"/>
+              <a:buChar char=""/>
+              <a:defRPr sz="2000" b="0" i="0" kern="1200">
+                <a:solidFill>
+                  <a:schemeClr val="tx1"/>
+                </a:solidFill>
+                <a:latin typeface="+mj-lt"/>
+                <a:ea typeface="+mj-ea"/>
+                <a:cs typeface="+mj-cs"/>
+              </a:defRPr>
+            </a:lvl1pPr>
+            <a:lvl2pPr marL="742950" indent="-285750" algn="l" defTabSz="457200" rtl="0" eaLnBrk="1" latinLnBrk="0" hangingPunct="1">
+              <a:spcBef>
+                <a:spcPts val="1000"/>
+              </a:spcBef>
+              <a:spcAft>
+                <a:spcPts val="0"/>
+              </a:spcAft>
+              <a:buClr>
+                <a:schemeClr val="bg2">
+                  <a:lumMod val="40000"/>
+                  <a:lumOff val="60000"/>
+                </a:schemeClr>
+              </a:buClr>
+              <a:buSzPct val="80000"/>
+              <a:buFont typeface="Wingdings 3" charset="2"/>
+              <a:buChar char=""/>
+              <a:defRPr sz="1800" b="0" i="0" kern="1200">
+                <a:solidFill>
+                  <a:schemeClr val="tx1"/>
+                </a:solidFill>
+                <a:latin typeface="+mj-lt"/>
+                <a:ea typeface="+mj-ea"/>
+                <a:cs typeface="+mj-cs"/>
+              </a:defRPr>
+            </a:lvl2pPr>
+            <a:lvl3pPr marL="1143000" indent="-228600" algn="l" defTabSz="457200" rtl="0" eaLnBrk="1" latinLnBrk="0" hangingPunct="1">
+              <a:spcBef>
+                <a:spcPts val="1000"/>
+              </a:spcBef>
+              <a:spcAft>
+                <a:spcPts val="0"/>
+              </a:spcAft>
+              <a:buClr>
+                <a:schemeClr val="bg2">
+                  <a:lumMod val="40000"/>
+                  <a:lumOff val="60000"/>
+                </a:schemeClr>
+              </a:buClr>
+              <a:buSzPct val="80000"/>
+              <a:buFont typeface="Wingdings 3" charset="2"/>
+              <a:buChar char=""/>
+              <a:defRPr sz="1600" b="0" i="0" kern="1200">
+                <a:solidFill>
+                  <a:schemeClr val="tx1"/>
+                </a:solidFill>
+                <a:latin typeface="+mj-lt"/>
+                <a:ea typeface="+mj-ea"/>
+                <a:cs typeface="+mj-cs"/>
+              </a:defRPr>
+            </a:lvl3pPr>
+            <a:lvl4pPr marL="1600200" indent="-228600" algn="l" defTabSz="457200" rtl="0" eaLnBrk="1" latinLnBrk="0" hangingPunct="1">
+              <a:spcBef>
+                <a:spcPts val="1000"/>
+              </a:spcBef>
+              <a:spcAft>
+                <a:spcPts val="0"/>
+              </a:spcAft>
+              <a:buClr>
+                <a:schemeClr val="bg2">
+                  <a:lumMod val="40000"/>
+                  <a:lumOff val="60000"/>
+                </a:schemeClr>
+              </a:buClr>
+              <a:buSzPct val="80000"/>
+              <a:buFont typeface="Wingdings 3" charset="2"/>
+              <a:buChar char=""/>
+              <a:defRPr sz="1400" b="0" i="0" kern="1200">
+                <a:solidFill>
+                  <a:schemeClr val="tx1"/>
+                </a:solidFill>
+                <a:latin typeface="+mj-lt"/>
+                <a:ea typeface="+mj-ea"/>
+                <a:cs typeface="+mj-cs"/>
+              </a:defRPr>
+            </a:lvl4pPr>
+            <a:lvl5pPr marL="2057400" indent="-228600" algn="l" defTabSz="457200" rtl="0" eaLnBrk="1" latinLnBrk="0" hangingPunct="1">
+              <a:spcBef>
+                <a:spcPts val="1000"/>
+              </a:spcBef>
+              <a:spcAft>
+                <a:spcPts val="0"/>
+              </a:spcAft>
+              <a:buClr>
+                <a:schemeClr val="bg2">
+                  <a:lumMod val="40000"/>
+                  <a:lumOff val="60000"/>
+                </a:schemeClr>
+              </a:buClr>
+              <a:buSzPct val="80000"/>
+              <a:buFont typeface="Wingdings 3" charset="2"/>
+              <a:buChar char=""/>
+              <a:defRPr sz="1400" b="0" i="0" kern="1200">
+                <a:solidFill>
+                  <a:schemeClr val="tx1"/>
+                </a:solidFill>
+                <a:latin typeface="+mj-lt"/>
+                <a:ea typeface="+mj-ea"/>
+                <a:cs typeface="+mj-cs"/>
+              </a:defRPr>
+            </a:lvl5pPr>
+            <a:lvl6pPr marL="2506000" indent="-228600" algn="l" defTabSz="457200" rtl="0" eaLnBrk="1" latinLnBrk="0" hangingPunct="1">
+              <a:spcBef>
+                <a:spcPts val="1000"/>
+              </a:spcBef>
+              <a:spcAft>
+                <a:spcPts val="0"/>
+              </a:spcAft>
+              <a:buClr>
+                <a:schemeClr val="bg2">
+                  <a:lumMod val="40000"/>
+                  <a:lumOff val="60000"/>
+                </a:schemeClr>
+              </a:buClr>
+              <a:buSzPct val="80000"/>
+              <a:buFont typeface="Wingdings 3" charset="2"/>
+              <a:buChar char=""/>
+              <a:defRPr sz="1400" b="0" i="0" kern="1200">
+                <a:solidFill>
+                  <a:schemeClr val="tx1"/>
+                </a:solidFill>
+                <a:latin typeface="+mj-lt"/>
+                <a:ea typeface="+mj-ea"/>
+                <a:cs typeface="+mj-cs"/>
+              </a:defRPr>
+            </a:lvl6pPr>
+            <a:lvl7pPr marL="2971800" indent="-228600" algn="l" defTabSz="457200" rtl="0" eaLnBrk="1" latinLnBrk="0" hangingPunct="1">
+              <a:spcBef>
+                <a:spcPts val="1000"/>
+              </a:spcBef>
+              <a:spcAft>
+                <a:spcPts val="0"/>
+              </a:spcAft>
+              <a:buClr>
+                <a:schemeClr val="bg2">
+                  <a:lumMod val="40000"/>
+                  <a:lumOff val="60000"/>
+                </a:schemeClr>
+              </a:buClr>
+              <a:buSzPct val="80000"/>
+              <a:buFont typeface="Wingdings 3" charset="2"/>
+              <a:buChar char=""/>
+              <a:defRPr sz="1400" b="0" i="0" kern="1200">
+                <a:solidFill>
+                  <a:schemeClr val="tx1"/>
+                </a:solidFill>
+                <a:latin typeface="+mj-lt"/>
+                <a:ea typeface="+mj-ea"/>
+                <a:cs typeface="+mj-cs"/>
+              </a:defRPr>
+            </a:lvl7pPr>
+            <a:lvl8pPr marL="3429000" indent="-228600" algn="l" defTabSz="457200" rtl="0" eaLnBrk="1" latinLnBrk="0" hangingPunct="1">
+              <a:spcBef>
+                <a:spcPts val="1000"/>
+              </a:spcBef>
+              <a:spcAft>
+                <a:spcPts val="0"/>
+              </a:spcAft>
+              <a:buClr>
+                <a:schemeClr val="bg2">
+                  <a:lumMod val="40000"/>
+                  <a:lumOff val="60000"/>
+                </a:schemeClr>
+              </a:buClr>
+              <a:buSzPct val="80000"/>
+              <a:buFont typeface="Wingdings 3" charset="2"/>
+              <a:buChar char=""/>
+              <a:defRPr sz="1400" b="0" i="0" kern="1200">
+                <a:solidFill>
+                  <a:schemeClr val="tx1"/>
+                </a:solidFill>
+                <a:latin typeface="+mj-lt"/>
+                <a:ea typeface="+mj-ea"/>
+                <a:cs typeface="+mj-cs"/>
+              </a:defRPr>
+            </a:lvl8pPr>
+            <a:lvl9pPr marL="3886200" indent="-228600" algn="l" defTabSz="457200" rtl="0" eaLnBrk="1" latinLnBrk="0" hangingPunct="1">
+              <a:spcBef>
+                <a:spcPts val="1000"/>
+              </a:spcBef>
+              <a:spcAft>
+                <a:spcPts val="0"/>
+              </a:spcAft>
+              <a:buClr>
+                <a:schemeClr val="bg2">
+                  <a:lumMod val="40000"/>
+                  <a:lumOff val="60000"/>
+                </a:schemeClr>
+              </a:buClr>
+              <a:buSzPct val="80000"/>
+              <a:buFont typeface="Wingdings 3" charset="2"/>
+              <a:buChar char=""/>
+              <a:defRPr sz="1400" b="0" i="0" kern="1200">
+                <a:solidFill>
+                  <a:schemeClr val="tx1"/>
+                </a:solidFill>
+                <a:latin typeface="+mj-lt"/>
+                <a:ea typeface="+mj-ea"/>
+                <a:cs typeface="+mj-cs"/>
+              </a:defRPr>
+            </a:lvl9pPr>
+          </a:lstStyle>
+          <a:p>
+            <a:pPr>
+              <a:buClrTx/>
+            </a:pPr>
+            <a:r>
+              <a:rPr lang="en-US" dirty="0" err="1" smtClean="0">
+                <a:solidFill>
+                  <a:srgbClr val="000000"/>
+                </a:solidFill>
+              </a:rPr>
+              <a:t>CubeSat</a:t>
+            </a:r>
+            <a:r>
+              <a:rPr lang="en-US" dirty="0" smtClean="0">
+                <a:solidFill>
+                  <a:srgbClr val="000000"/>
+                </a:solidFill>
+              </a:rPr>
+              <a:t> makes contact</a:t>
+            </a:r>
+          </a:p>
+          <a:p>
+            <a:pPr>
+              <a:buClrTx/>
+            </a:pPr>
+            <a:r>
+              <a:rPr lang="en-US" dirty="0" smtClean="0">
+                <a:solidFill>
+                  <a:srgbClr val="000000"/>
+                </a:solidFill>
+              </a:rPr>
+              <a:t>Determine range</a:t>
+            </a:r>
+          </a:p>
+          <a:p>
+            <a:pPr>
+              <a:buClrTx/>
+            </a:pPr>
+            <a:r>
+              <a:rPr lang="en-US" dirty="0" smtClean="0">
+                <a:solidFill>
+                  <a:srgbClr val="000000"/>
+                </a:solidFill>
+              </a:rPr>
+              <a:t>Forward time step</a:t>
+            </a:r>
+          </a:p>
+          <a:p>
+            <a:pPr lvl="1">
+              <a:buClrTx/>
+            </a:pPr>
+            <a:r>
+              <a:rPr lang="en-US" dirty="0" smtClean="0">
+                <a:solidFill>
+                  <a:srgbClr val="000000"/>
+                </a:solidFill>
+              </a:rPr>
+              <a:t>5 second intervals</a:t>
+            </a:r>
+          </a:p>
+          <a:p>
+            <a:endParaRPr lang="en-US" dirty="0">
+              <a:solidFill>
+                <a:srgbClr val="000000"/>
+              </a:solidFill>
+            </a:endParaRPr>
           </a:p>
         </p:txBody>
       </p:sp>
     </p:spTree>
     <p:extLst>
       <p:ext uri="{BB962C8B-B14F-4D97-AF65-F5344CB8AC3E}">
-        <p14:creationId xmlns:p14="http://schemas.microsoft.com/office/powerpoint/2010/main" val="1930181380"/>
+        <p14:creationId xmlns:p14="http://schemas.microsoft.com/office/powerpoint/2010/main" val="2148301538"/>
       </p:ext>
     </p:extLst>
   </p:cSld>
   <p:clrMapOvr>
     <a:masterClrMapping/>
   </p:clrMapOvr>
+  <p:timing>
+    <p:tnLst>
+      <p:par>
+        <p:cTn xmlns:p14="http://schemas.microsoft.com/office/powerpoint/2010/main" id="1" dur="indefinite" restart="never" nodeType="tmRoot">
+          <p:childTnLst>
+            <p:seq concurrent="1" nextAc="seek">
+              <p:cTn id="2" dur="indefinite" nodeType="mainSeq">
+                <p:childTnLst>
+                  <p:par>
+                    <p:cTn id="3" fill="hold">
+                      <p:stCondLst>
+                        <p:cond delay="indefinite"/>
+                        <p:cond evt="onBegin" delay="0">
+                          <p:tn val="2"/>
+                        </p:cond>
+                      </p:stCondLst>
+                      <p:childTnLst>
+                        <p:par>
+                          <p:cTn id="4" fill="hold">
+                            <p:stCondLst>
+                              <p:cond delay="0"/>
+                            </p:stCondLst>
+                            <p:childTnLst>
+                              <p:par>
+                                <p:cTn id="5" presetID="1" presetClass="exit" presetSubtype="0" fill="hold" nodeType="afterEffect">
+                                  <p:stCondLst>
+                                    <p:cond delay="300"/>
+                                  </p:stCondLst>
+                                  <p:childTnLst>
+                                    <p:set>
+                                      <p:cBhvr>
+                                        <p:cTn id="6" dur="1" fill="hold">
+                                          <p:stCondLst>
+                                            <p:cond delay="0"/>
+                                          </p:stCondLst>
+                                        </p:cTn>
+                                        <p:tgtEl>
+                                          <p:spTgt spid="12"/>
+                                        </p:tgtEl>
+                                        <p:attrNameLst>
+                                          <p:attrName>style.visibility</p:attrName>
+                                        </p:attrNameLst>
+                                      </p:cBhvr>
+                                      <p:to>
+                                        <p:strVal val="hidden"/>
+                                      </p:to>
+                                    </p:set>
+                                  </p:childTnLst>
+                                </p:cTn>
+                              </p:par>
+                            </p:childTnLst>
+                          </p:cTn>
+                        </p:par>
+                        <p:par>
+                          <p:cTn id="7" fill="hold">
+                            <p:stCondLst>
+                              <p:cond delay="300"/>
+                            </p:stCondLst>
+                            <p:childTnLst>
+                              <p:par>
+                                <p:cTn id="8" presetID="1" presetClass="entr" presetSubtype="0" fill="hold" nodeType="afterEffect">
+                                  <p:stCondLst>
+                                    <p:cond delay="0"/>
+                                  </p:stCondLst>
+                                  <p:childTnLst>
+                                    <p:set>
+                                      <p:cBhvr>
+                                        <p:cTn id="9" dur="1" fill="hold">
+                                          <p:stCondLst>
+                                            <p:cond delay="0"/>
+                                          </p:stCondLst>
+                                        </p:cTn>
+                                        <p:tgtEl>
+                                          <p:spTgt spid="13"/>
+                                        </p:tgtEl>
+                                        <p:attrNameLst>
+                                          <p:attrName>style.visibility</p:attrName>
+                                        </p:attrNameLst>
+                                      </p:cBhvr>
+                                      <p:to>
+                                        <p:strVal val="visible"/>
+                                      </p:to>
+                                    </p:set>
+                                  </p:childTnLst>
+                                </p:cTn>
+                              </p:par>
+                            </p:childTnLst>
+                          </p:cTn>
+                        </p:par>
+                        <p:par>
+                          <p:cTn id="10" fill="hold">
+                            <p:stCondLst>
+                              <p:cond delay="300"/>
+                            </p:stCondLst>
+                            <p:childTnLst>
+                              <p:par>
+                                <p:cTn id="11" presetID="1" presetClass="exit" presetSubtype="0" fill="hold" nodeType="afterEffect">
+                                  <p:stCondLst>
+                                    <p:cond delay="300"/>
+                                  </p:stCondLst>
+                                  <p:childTnLst>
+                                    <p:set>
+                                      <p:cBhvr>
+                                        <p:cTn id="12" dur="1" fill="hold">
+                                          <p:stCondLst>
+                                            <p:cond delay="0"/>
+                                          </p:stCondLst>
+                                        </p:cTn>
+                                        <p:tgtEl>
+                                          <p:spTgt spid="13"/>
+                                        </p:tgtEl>
+                                        <p:attrNameLst>
+                                          <p:attrName>style.visibility</p:attrName>
+                                        </p:attrNameLst>
+                                      </p:cBhvr>
+                                      <p:to>
+                                        <p:strVal val="hidden"/>
+                                      </p:to>
+                                    </p:set>
+                                  </p:childTnLst>
+                                </p:cTn>
+                              </p:par>
+                            </p:childTnLst>
+                          </p:cTn>
+                        </p:par>
+                        <p:par>
+                          <p:cTn id="13" fill="hold">
+                            <p:stCondLst>
+                              <p:cond delay="600"/>
+                            </p:stCondLst>
+                            <p:childTnLst>
+                              <p:par>
+                                <p:cTn id="14" presetID="1" presetClass="entr" presetSubtype="0" fill="hold" nodeType="afterEffect">
+                                  <p:stCondLst>
+                                    <p:cond delay="0"/>
+                                  </p:stCondLst>
+                                  <p:childTnLst>
+                                    <p:set>
+                                      <p:cBhvr>
+                                        <p:cTn id="15" dur="1" fill="hold">
+                                          <p:stCondLst>
+                                            <p:cond delay="0"/>
+                                          </p:stCondLst>
+                                        </p:cTn>
+                                        <p:tgtEl>
+                                          <p:spTgt spid="14"/>
+                                        </p:tgtEl>
+                                        <p:attrNameLst>
+                                          <p:attrName>style.visibility</p:attrName>
+                                        </p:attrNameLst>
+                                      </p:cBhvr>
+                                      <p:to>
+                                        <p:strVal val="visible"/>
+                                      </p:to>
+                                    </p:set>
+                                  </p:childTnLst>
+                                </p:cTn>
+                              </p:par>
+                            </p:childTnLst>
+                          </p:cTn>
+                        </p:par>
+                        <p:par>
+                          <p:cTn id="16" fill="hold">
+                            <p:stCondLst>
+                              <p:cond delay="600"/>
+                            </p:stCondLst>
+                            <p:childTnLst>
+                              <p:par>
+                                <p:cTn id="17" presetID="1" presetClass="exit" presetSubtype="0" fill="hold" nodeType="afterEffect">
+                                  <p:stCondLst>
+                                    <p:cond delay="300"/>
+                                  </p:stCondLst>
+                                  <p:childTnLst>
+                                    <p:set>
+                                      <p:cBhvr>
+                                        <p:cTn id="18" dur="1" fill="hold">
+                                          <p:stCondLst>
+                                            <p:cond delay="0"/>
+                                          </p:stCondLst>
+                                        </p:cTn>
+                                        <p:tgtEl>
+                                          <p:spTgt spid="14"/>
+                                        </p:tgtEl>
+                                        <p:attrNameLst>
+                                          <p:attrName>style.visibility</p:attrName>
+                                        </p:attrNameLst>
+                                      </p:cBhvr>
+                                      <p:to>
+                                        <p:strVal val="hidden"/>
+                                      </p:to>
+                                    </p:set>
+                                  </p:childTnLst>
+                                </p:cTn>
+                              </p:par>
+                            </p:childTnLst>
+                          </p:cTn>
+                        </p:par>
+                        <p:par>
+                          <p:cTn id="19" fill="hold">
+                            <p:stCondLst>
+                              <p:cond delay="900"/>
+                            </p:stCondLst>
+                            <p:childTnLst>
+                              <p:par>
+                                <p:cTn id="20" presetID="1" presetClass="entr" presetSubtype="0" fill="hold" nodeType="afterEffect">
+                                  <p:stCondLst>
+                                    <p:cond delay="0"/>
+                                  </p:stCondLst>
+                                  <p:childTnLst>
+                                    <p:set>
+                                      <p:cBhvr>
+                                        <p:cTn id="21" dur="1" fill="hold">
+                                          <p:stCondLst>
+                                            <p:cond delay="0"/>
+                                          </p:stCondLst>
+                                        </p:cTn>
+                                        <p:tgtEl>
+                                          <p:spTgt spid="15"/>
+                                        </p:tgtEl>
+                                        <p:attrNameLst>
+                                          <p:attrName>style.visibility</p:attrName>
+                                        </p:attrNameLst>
+                                      </p:cBhvr>
+                                      <p:to>
+                                        <p:strVal val="visible"/>
+                                      </p:to>
+                                    </p:set>
+                                  </p:childTnLst>
+                                </p:cTn>
+                              </p:par>
+                            </p:childTnLst>
+                          </p:cTn>
+                        </p:par>
+                        <p:par>
+                          <p:cTn id="22" fill="hold">
+                            <p:stCondLst>
+                              <p:cond delay="900"/>
+                            </p:stCondLst>
+                            <p:childTnLst>
+                              <p:par>
+                                <p:cTn id="23" presetID="1" presetClass="exit" presetSubtype="0" fill="hold" nodeType="afterEffect">
+                                  <p:stCondLst>
+                                    <p:cond delay="300"/>
+                                  </p:stCondLst>
+                                  <p:childTnLst>
+                                    <p:set>
+                                      <p:cBhvr>
+                                        <p:cTn id="24" dur="1" fill="hold">
+                                          <p:stCondLst>
+                                            <p:cond delay="0"/>
+                                          </p:stCondLst>
+                                        </p:cTn>
+                                        <p:tgtEl>
+                                          <p:spTgt spid="15"/>
+                                        </p:tgtEl>
+                                        <p:attrNameLst>
+                                          <p:attrName>style.visibility</p:attrName>
+                                        </p:attrNameLst>
+                                      </p:cBhvr>
+                                      <p:to>
+                                        <p:strVal val="hidden"/>
+                                      </p:to>
+                                    </p:set>
+                                  </p:childTnLst>
+                                </p:cTn>
+                              </p:par>
+                            </p:childTnLst>
+                          </p:cTn>
+                        </p:par>
+                        <p:par>
+                          <p:cTn id="25" fill="hold">
+                            <p:stCondLst>
+                              <p:cond delay="1200"/>
+                            </p:stCondLst>
+                            <p:childTnLst>
+                              <p:par>
+                                <p:cTn id="26" presetID="1" presetClass="entr" presetSubtype="0" fill="hold" nodeType="afterEffect">
+                                  <p:stCondLst>
+                                    <p:cond delay="0"/>
+                                  </p:stCondLst>
+                                  <p:childTnLst>
+                                    <p:set>
+                                      <p:cBhvr>
+                                        <p:cTn id="27" dur="1" fill="hold">
+                                          <p:stCondLst>
+                                            <p:cond delay="0"/>
+                                          </p:stCondLst>
+                                        </p:cTn>
+                                        <p:tgtEl>
+                                          <p:spTgt spid="16"/>
+                                        </p:tgtEl>
+                                        <p:attrNameLst>
+                                          <p:attrName>style.visibility</p:attrName>
+                                        </p:attrNameLst>
+                                      </p:cBhvr>
+                                      <p:to>
+                                        <p:strVal val="visible"/>
+                                      </p:to>
+                                    </p:set>
+                                  </p:childTnLst>
+                                </p:cTn>
+                              </p:par>
+                            </p:childTnLst>
+                          </p:cTn>
+                        </p:par>
+                      </p:childTnLst>
+                    </p:cTn>
+                  </p:par>
+                  <p:par>
+                    <p:cTn id="28" fill="hold">
+                      <p:stCondLst>
+                        <p:cond delay="indefinite"/>
+                      </p:stCondLst>
+                      <p:childTnLst>
+                        <p:par>
+                          <p:cTn id="29" fill="hold">
+                            <p:stCondLst>
+                              <p:cond delay="0"/>
+                            </p:stCondLst>
+                            <p:childTnLst>
+                              <p:par>
+                                <p:cTn id="30" presetID="10" presetClass="exit" presetSubtype="0" fill="hold" nodeType="clickEffect">
+                                  <p:stCondLst>
+                                    <p:cond delay="0"/>
+                                  </p:stCondLst>
+                                  <p:childTnLst>
+                                    <p:animEffect transition="out" filter="fade">
+                                      <p:cBhvr>
+                                        <p:cTn id="31" dur="500"/>
+                                        <p:tgtEl>
+                                          <p:spTgt spid="16"/>
+                                        </p:tgtEl>
+                                      </p:cBhvr>
+                                    </p:animEffect>
+                                    <p:set>
+                                      <p:cBhvr>
+                                        <p:cTn id="32" dur="1" fill="hold">
+                                          <p:stCondLst>
+                                            <p:cond delay="499"/>
+                                          </p:stCondLst>
+                                        </p:cTn>
+                                        <p:tgtEl>
+                                          <p:spTgt spid="16"/>
+                                        </p:tgtEl>
+                                        <p:attrNameLst>
+                                          <p:attrName>style.visibility</p:attrName>
+                                        </p:attrNameLst>
+                                      </p:cBhvr>
+                                      <p:to>
+                                        <p:strVal val="hidden"/>
+                                      </p:to>
+                                    </p:set>
+                                  </p:childTnLst>
+                                </p:cTn>
+                              </p:par>
+                              <p:par>
+                                <p:cTn id="33" presetID="10" presetClass="exit" presetSubtype="0" fill="hold" grpId="0" nodeType="withEffect">
+                                  <p:stCondLst>
+                                    <p:cond delay="0"/>
+                                  </p:stCondLst>
+                                  <p:childTnLst>
+                                    <p:animEffect transition="out" filter="fade">
+                                      <p:cBhvr>
+                                        <p:cTn id="34" dur="500"/>
+                                        <p:tgtEl>
+                                          <p:spTgt spid="17"/>
+                                        </p:tgtEl>
+                                      </p:cBhvr>
+                                    </p:animEffect>
+                                    <p:set>
+                                      <p:cBhvr>
+                                        <p:cTn id="35" dur="1" fill="hold">
+                                          <p:stCondLst>
+                                            <p:cond delay="499"/>
+                                          </p:stCondLst>
+                                        </p:cTn>
+                                        <p:tgtEl>
+                                          <p:spTgt spid="17"/>
+                                        </p:tgtEl>
+                                        <p:attrNameLst>
+                                          <p:attrName>style.visibility</p:attrName>
+                                        </p:attrNameLst>
+                                      </p:cBhvr>
+                                      <p:to>
+                                        <p:strVal val="hidden"/>
+                                      </p:to>
+                                    </p:set>
+                                  </p:childTnLst>
+                                </p:cTn>
+                              </p:par>
+                              <p:par>
+                                <p:cTn id="36" presetID="10" presetClass="exit" presetSubtype="0" fill="hold" grpId="0" nodeType="withEffect">
+                                  <p:stCondLst>
+                                    <p:cond delay="0"/>
+                                  </p:stCondLst>
+                                  <p:childTnLst>
+                                    <p:animEffect transition="out" filter="fade">
+                                      <p:cBhvr>
+                                        <p:cTn id="37" dur="500"/>
+                                        <p:tgtEl>
+                                          <p:spTgt spid="3"/>
+                                        </p:tgtEl>
+                                      </p:cBhvr>
+                                    </p:animEffect>
+                                    <p:set>
+                                      <p:cBhvr>
+                                        <p:cTn id="38" dur="1" fill="hold">
+                                          <p:stCondLst>
+                                            <p:cond delay="499"/>
+                                          </p:stCondLst>
+                                        </p:cTn>
+                                        <p:tgtEl>
+                                          <p:spTgt spid="3"/>
+                                        </p:tgtEl>
+                                        <p:attrNameLst>
+                                          <p:attrName>style.visibility</p:attrName>
+                                        </p:attrNameLst>
+                                      </p:cBhvr>
+                                      <p:to>
+                                        <p:strVal val="hidden"/>
+                                      </p:to>
+                                    </p:set>
+                                  </p:childTnLst>
+                                </p:cTn>
+                              </p:par>
+                            </p:childTnLst>
+                          </p:cTn>
+                        </p:par>
+                      </p:childTnLst>
+                    </p:cTn>
+                  </p:par>
+                </p:childTnLst>
+              </p:cTn>
+              <p:prevCondLst>
+                <p:cond evt="onPrev" delay="0">
+                  <p:tgtEl>
+                    <p:sldTgt/>
+                  </p:tgtEl>
+                </p:cond>
+              </p:prevCondLst>
+              <p:nextCondLst>
+                <p:cond evt="onNext" delay="0">
+                  <p:tgtEl>
+                    <p:sldTgt/>
+                  </p:tgtEl>
+                </p:cond>
+              </p:nextCondLst>
+            </p:seq>
+          </p:childTnLst>
+        </p:cTn>
+      </p:par>
+    </p:tnLst>
+    <p:bldLst>
+      <p:bldP spid="3" grpId="0" animBg="1"/>
+      <p:bldP spid="17" grpId="0"/>
+    </p:bldLst>
+  </p:timing>
 </p:sld>
 </file>
 
@@ -8228,36 +11591,2170 @@
           <a:lstStyle/>
           <a:p>
             <a:r>
+              <a:rPr lang="en-US" dirty="0" smtClean="0">
+                <a:solidFill>
+                  <a:schemeClr val="bg1">
+                    <a:lumMod val="50000"/>
+                    <a:lumOff val="50000"/>
+                  </a:schemeClr>
+                </a:solidFill>
+              </a:rPr>
+              <a:t>Design - Communications</a:t>
+            </a:r>
+            <a:endParaRPr lang="en-US" dirty="0">
+              <a:solidFill>
+                <a:schemeClr val="bg1">
+                  <a:lumMod val="50000"/>
+                  <a:lumOff val="50000"/>
+                </a:schemeClr>
+              </a:solidFill>
+            </a:endParaRPr>
+          </a:p>
+        </p:txBody>
+      </p:sp>
+      <p:sp>
+        <p:nvSpPr>
+          <p:cNvPr id="4" name="Text Placeholder 3"/>
+          <p:cNvSpPr>
+            <a:spLocks noGrp="1"/>
+          </p:cNvSpPr>
+          <p:nvPr>
+            <p:ph type="body" sz="quarter" idx="10"/>
+          </p:nvPr>
+        </p:nvSpPr>
+        <p:spPr/>
+        <p:txBody>
+          <a:bodyPr>
+            <a:normAutofit fontScale="92500" lnSpcReduction="10000"/>
+          </a:bodyPr>
+          <a:lstStyle/>
+          <a:p>
+            <a:r>
               <a:rPr lang="en-US" dirty="0" smtClean="0"/>
-              <a:t>Individual Reports</a:t>
+              <a:t>Ben</a:t>
             </a:r>
             <a:endParaRPr lang="en-US" dirty="0"/>
           </a:p>
         </p:txBody>
       </p:sp>
-      <p:sp>
-        <p:nvSpPr>
-          <p:cNvPr id="3" name="Text Placeholder 2"/>
-          <p:cNvSpPr>
-            <a:spLocks noGrp="1"/>
-          </p:cNvSpPr>
-          <p:nvPr>
-            <p:ph type="body" idx="1"/>
-          </p:nvPr>
-        </p:nvSpPr>
-        <p:spPr/>
-        <p:txBody>
-          <a:bodyPr/>
+      <p:pic>
+        <p:nvPicPr>
+          <p:cNvPr id="6" name="Picture 5"/>
+          <p:cNvPicPr>
+            <a:picLocks noChangeAspect="1"/>
+          </p:cNvPicPr>
+          <p:nvPr/>
+        </p:nvPicPr>
+        <p:blipFill>
+          <a:blip r:embed="rId2"/>
+          <a:stretch>
+            <a:fillRect/>
+          </a:stretch>
+        </p:blipFill>
+        <p:spPr>
+          <a:xfrm>
+            <a:off x="5080265" y="1205963"/>
+            <a:ext cx="1676400" cy="1524000"/>
+          </a:xfrm>
+          <a:prstGeom prst="rect">
+            <a:avLst/>
+          </a:prstGeom>
+        </p:spPr>
+      </p:pic>
+      <p:pic>
+        <p:nvPicPr>
+          <p:cNvPr id="7" name="Picture 6"/>
+          <p:cNvPicPr>
+            <a:picLocks noChangeAspect="1"/>
+          </p:cNvPicPr>
+          <p:nvPr/>
+        </p:nvPicPr>
+        <p:blipFill>
+          <a:blip r:embed="rId3"/>
+          <a:stretch>
+            <a:fillRect/>
+          </a:stretch>
+        </p:blipFill>
+        <p:spPr>
+          <a:xfrm>
+            <a:off x="8697369" y="3995393"/>
+            <a:ext cx="1612900" cy="2705100"/>
+          </a:xfrm>
+          <a:prstGeom prst="rect">
+            <a:avLst/>
+          </a:prstGeom>
+        </p:spPr>
+      </p:pic>
+      <p:pic>
+        <p:nvPicPr>
+          <p:cNvPr id="8" name="Picture 7"/>
+          <p:cNvPicPr>
+            <a:picLocks noChangeAspect="1"/>
+          </p:cNvPicPr>
+          <p:nvPr/>
+        </p:nvPicPr>
+        <p:blipFill>
+          <a:blip r:embed="rId4"/>
+          <a:stretch>
+            <a:fillRect/>
+          </a:stretch>
+        </p:blipFill>
+        <p:spPr>
+          <a:xfrm>
+            <a:off x="6885289" y="2528545"/>
+            <a:ext cx="2451100" cy="1473200"/>
+          </a:xfrm>
+          <a:prstGeom prst="rect">
+            <a:avLst/>
+          </a:prstGeom>
+        </p:spPr>
+      </p:pic>
+      <p:sp>
+        <p:nvSpPr>
+          <p:cNvPr id="11" name="Content Placeholder 2"/>
+          <p:cNvSpPr>
+            <a:spLocks noGrp="1"/>
+          </p:cNvSpPr>
+          <p:nvPr>
+            <p:ph idx="1"/>
+          </p:nvPr>
+        </p:nvSpPr>
+        <p:spPr>
+          <a:xfrm>
+            <a:off x="458222" y="2840147"/>
+            <a:ext cx="7626532" cy="3548128"/>
+          </a:xfrm>
+        </p:spPr>
+        <p:txBody>
+          <a:bodyPr anchor="b"/>
           <a:lstStyle/>
           <a:p>
-            <a:endParaRPr lang="en-US"/>
-          </a:p>
-        </p:txBody>
-      </p:sp>
+            <a:pPr marL="0" indent="0">
+              <a:buNone/>
+            </a:pPr>
+            <a:r>
+              <a:rPr lang="en-US" sz="2400" dirty="0" smtClean="0"/>
+              <a:t>Step 4: Command</a:t>
+            </a:r>
+          </a:p>
+          <a:p>
+            <a:r>
+              <a:rPr lang="en-US" dirty="0" smtClean="0"/>
+              <a:t>Ground Station sends command code</a:t>
+            </a:r>
+            <a:endParaRPr lang="en-US" dirty="0"/>
+          </a:p>
+          <a:p>
+            <a:endParaRPr lang="en-US" dirty="0"/>
+          </a:p>
+        </p:txBody>
+      </p:sp>
+      <p:pic>
+        <p:nvPicPr>
+          <p:cNvPr id="3" name="Picture 2"/>
+          <p:cNvPicPr>
+            <a:picLocks noChangeAspect="1"/>
+          </p:cNvPicPr>
+          <p:nvPr/>
+        </p:nvPicPr>
+        <p:blipFill>
+          <a:blip r:embed="rId5"/>
+          <a:stretch>
+            <a:fillRect/>
+          </a:stretch>
+        </p:blipFill>
+        <p:spPr>
+          <a:xfrm>
+            <a:off x="6885289" y="2528545"/>
+            <a:ext cx="2451100" cy="1473200"/>
+          </a:xfrm>
+          <a:prstGeom prst="rect">
+            <a:avLst/>
+          </a:prstGeom>
+        </p:spPr>
+      </p:pic>
     </p:spTree>
     <p:extLst>
       <p:ext uri="{BB962C8B-B14F-4D97-AF65-F5344CB8AC3E}">
-        <p14:creationId xmlns:p14="http://schemas.microsoft.com/office/powerpoint/2010/main" val="3189312476"/>
+        <p14:creationId xmlns:p14="http://schemas.microsoft.com/office/powerpoint/2010/main" val="1427266516"/>
+      </p:ext>
+    </p:extLst>
+  </p:cSld>
+  <p:clrMapOvr>
+    <a:masterClrMapping/>
+  </p:clrMapOvr>
+  <p:timing>
+    <p:tnLst>
+      <p:par>
+        <p:cTn xmlns:p14="http://schemas.microsoft.com/office/powerpoint/2010/main" id="1" dur="indefinite" restart="never" nodeType="tmRoot">
+          <p:childTnLst>
+            <p:seq concurrent="1" nextAc="seek">
+              <p:cTn id="2" dur="indefinite" nodeType="mainSeq">
+                <p:childTnLst>
+                  <p:par>
+                    <p:cTn id="3" fill="hold">
+                      <p:stCondLst>
+                        <p:cond delay="indefinite"/>
+                        <p:cond evt="onBegin" delay="0">
+                          <p:tn val="2"/>
+                        </p:cond>
+                      </p:stCondLst>
+                      <p:childTnLst>
+                        <p:par>
+                          <p:cTn id="4" fill="hold">
+                            <p:stCondLst>
+                              <p:cond delay="0"/>
+                            </p:stCondLst>
+                            <p:childTnLst>
+                              <p:par>
+                                <p:cTn id="5" presetID="22" presetClass="exit" presetSubtype="2" fill="hold" nodeType="afterEffect">
+                                  <p:stCondLst>
+                                    <p:cond delay="500"/>
+                                  </p:stCondLst>
+                                  <p:childTnLst>
+                                    <p:animEffect transition="out" filter="wipe(right)">
+                                      <p:cBhvr>
+                                        <p:cTn id="6" dur="500"/>
+                                        <p:tgtEl>
+                                          <p:spTgt spid="8"/>
+                                        </p:tgtEl>
+                                      </p:cBhvr>
+                                    </p:animEffect>
+                                    <p:set>
+                                      <p:cBhvr>
+                                        <p:cTn id="7" dur="1" fill="hold">
+                                          <p:stCondLst>
+                                            <p:cond delay="499"/>
+                                          </p:stCondLst>
+                                        </p:cTn>
+                                        <p:tgtEl>
+                                          <p:spTgt spid="8"/>
+                                        </p:tgtEl>
+                                        <p:attrNameLst>
+                                          <p:attrName>style.visibility</p:attrName>
+                                        </p:attrNameLst>
+                                      </p:cBhvr>
+                                      <p:to>
+                                        <p:strVal val="hidden"/>
+                                      </p:to>
+                                    </p:set>
+                                  </p:childTnLst>
+                                </p:cTn>
+                              </p:par>
+                              <p:par>
+                                <p:cTn id="8" presetID="22" presetClass="entr" presetSubtype="2" fill="hold" nodeType="withEffect">
+                                  <p:stCondLst>
+                                    <p:cond delay="500"/>
+                                  </p:stCondLst>
+                                  <p:childTnLst>
+                                    <p:set>
+                                      <p:cBhvr>
+                                        <p:cTn id="9" dur="1" fill="hold">
+                                          <p:stCondLst>
+                                            <p:cond delay="0"/>
+                                          </p:stCondLst>
+                                        </p:cTn>
+                                        <p:tgtEl>
+                                          <p:spTgt spid="3"/>
+                                        </p:tgtEl>
+                                        <p:attrNameLst>
+                                          <p:attrName>style.visibility</p:attrName>
+                                        </p:attrNameLst>
+                                      </p:cBhvr>
+                                      <p:to>
+                                        <p:strVal val="visible"/>
+                                      </p:to>
+                                    </p:set>
+                                    <p:animEffect transition="in" filter="wipe(right)">
+                                      <p:cBhvr>
+                                        <p:cTn id="10" dur="500"/>
+                                        <p:tgtEl>
+                                          <p:spTgt spid="3"/>
+                                        </p:tgtEl>
+                                      </p:cBhvr>
+                                    </p:animEffect>
+                                  </p:childTnLst>
+                                </p:cTn>
+                              </p:par>
+                            </p:childTnLst>
+                          </p:cTn>
+                        </p:par>
+                        <p:par>
+                          <p:cTn id="11" fill="hold">
+                            <p:stCondLst>
+                              <p:cond delay="1000"/>
+                            </p:stCondLst>
+                            <p:childTnLst>
+                              <p:par>
+                                <p:cTn id="12" presetID="22" presetClass="exit" presetSubtype="2" fill="hold" nodeType="afterEffect">
+                                  <p:stCondLst>
+                                    <p:cond delay="0"/>
+                                  </p:stCondLst>
+                                  <p:childTnLst>
+                                    <p:animEffect transition="out" filter="wipe(right)">
+                                      <p:cBhvr>
+                                        <p:cTn id="13" dur="500"/>
+                                        <p:tgtEl>
+                                          <p:spTgt spid="3"/>
+                                        </p:tgtEl>
+                                      </p:cBhvr>
+                                    </p:animEffect>
+                                    <p:set>
+                                      <p:cBhvr>
+                                        <p:cTn id="14" dur="1" fill="hold">
+                                          <p:stCondLst>
+                                            <p:cond delay="499"/>
+                                          </p:stCondLst>
+                                        </p:cTn>
+                                        <p:tgtEl>
+                                          <p:spTgt spid="3"/>
+                                        </p:tgtEl>
+                                        <p:attrNameLst>
+                                          <p:attrName>style.visibility</p:attrName>
+                                        </p:attrNameLst>
+                                      </p:cBhvr>
+                                      <p:to>
+                                        <p:strVal val="hidden"/>
+                                      </p:to>
+                                    </p:set>
+                                  </p:childTnLst>
+                                </p:cTn>
+                              </p:par>
+                              <p:par>
+                                <p:cTn id="15" presetID="22" presetClass="entr" presetSubtype="2" fill="hold" nodeType="withEffect">
+                                  <p:stCondLst>
+                                    <p:cond delay="0"/>
+                                  </p:stCondLst>
+                                  <p:childTnLst>
+                                    <p:set>
+                                      <p:cBhvr>
+                                        <p:cTn id="16" dur="1" fill="hold">
+                                          <p:stCondLst>
+                                            <p:cond delay="0"/>
+                                          </p:stCondLst>
+                                        </p:cTn>
+                                        <p:tgtEl>
+                                          <p:spTgt spid="8"/>
+                                        </p:tgtEl>
+                                        <p:attrNameLst>
+                                          <p:attrName>style.visibility</p:attrName>
+                                        </p:attrNameLst>
+                                      </p:cBhvr>
+                                      <p:to>
+                                        <p:strVal val="visible"/>
+                                      </p:to>
+                                    </p:set>
+                                    <p:animEffect transition="in" filter="wipe(right)">
+                                      <p:cBhvr>
+                                        <p:cTn id="17" dur="500"/>
+                                        <p:tgtEl>
+                                          <p:spTgt spid="8"/>
+                                        </p:tgtEl>
+                                      </p:cBhvr>
+                                    </p:animEffect>
+                                  </p:childTnLst>
+                                </p:cTn>
+                              </p:par>
+                            </p:childTnLst>
+                          </p:cTn>
+                        </p:par>
+                      </p:childTnLst>
+                    </p:cTn>
+                  </p:par>
+                </p:childTnLst>
+              </p:cTn>
+              <p:prevCondLst>
+                <p:cond evt="onPrev" delay="0">
+                  <p:tgtEl>
+                    <p:sldTgt/>
+                  </p:tgtEl>
+                </p:cond>
+              </p:prevCondLst>
+              <p:nextCondLst>
+                <p:cond evt="onNext" delay="0">
+                  <p:tgtEl>
+                    <p:sldTgt/>
+                  </p:tgtEl>
+                </p:cond>
+              </p:nextCondLst>
+            </p:seq>
+          </p:childTnLst>
+        </p:cTn>
+      </p:par>
+    </p:tnLst>
+  </p:timing>
+</p:sld>
+</file>
+
+<file path=ppt/slides/slide23.xml><?xml version="1.0" encoding="utf-8"?>
+<p:sld xmlns:a="http://schemas.openxmlformats.org/drawingml/2006/main" xmlns:r="http://schemas.openxmlformats.org/officeDocument/2006/relationships" xmlns:p="http://schemas.openxmlformats.org/presentationml/2006/main">
+  <p:cSld>
+    <p:spTree>
+      <p:nvGrpSpPr>
+        <p:cNvPr id="1" name=""/>
+        <p:cNvGrpSpPr/>
+        <p:nvPr/>
+      </p:nvGrpSpPr>
+      <p:grpSpPr>
+        <a:xfrm>
+          <a:off x="0" y="0"/>
+          <a:ext cx="0" cy="0"/>
+          <a:chOff x="0" y="0"/>
+          <a:chExt cx="0" cy="0"/>
+        </a:xfrm>
+      </p:grpSpPr>
+      <p:sp>
+        <p:nvSpPr>
+          <p:cNvPr id="2" name="Title 1"/>
+          <p:cNvSpPr>
+            <a:spLocks noGrp="1"/>
+          </p:cNvSpPr>
+          <p:nvPr>
+            <p:ph type="title"/>
+          </p:nvPr>
+        </p:nvSpPr>
+        <p:spPr/>
+        <p:txBody>
+          <a:bodyPr/>
+          <a:lstStyle/>
+          <a:p>
+            <a:r>
+              <a:rPr lang="en-US" dirty="0" smtClean="0">
+                <a:solidFill>
+                  <a:schemeClr val="bg1">
+                    <a:lumMod val="50000"/>
+                    <a:lumOff val="50000"/>
+                  </a:schemeClr>
+                </a:solidFill>
+              </a:rPr>
+              <a:t>Design - Communications</a:t>
+            </a:r>
+            <a:endParaRPr lang="en-US" dirty="0">
+              <a:solidFill>
+                <a:schemeClr val="bg1">
+                  <a:lumMod val="50000"/>
+                  <a:lumOff val="50000"/>
+                </a:schemeClr>
+              </a:solidFill>
+            </a:endParaRPr>
+          </a:p>
+        </p:txBody>
+      </p:sp>
+      <p:sp>
+        <p:nvSpPr>
+          <p:cNvPr id="4" name="Text Placeholder 3"/>
+          <p:cNvSpPr>
+            <a:spLocks noGrp="1"/>
+          </p:cNvSpPr>
+          <p:nvPr>
+            <p:ph type="body" sz="quarter" idx="10"/>
+          </p:nvPr>
+        </p:nvSpPr>
+        <p:spPr/>
+        <p:txBody>
+          <a:bodyPr>
+            <a:normAutofit fontScale="92500" lnSpcReduction="10000"/>
+          </a:bodyPr>
+          <a:lstStyle/>
+          <a:p>
+            <a:r>
+              <a:rPr lang="en-US" dirty="0" smtClean="0"/>
+              <a:t>Ben</a:t>
+            </a:r>
+            <a:endParaRPr lang="en-US" dirty="0"/>
+          </a:p>
+        </p:txBody>
+      </p:sp>
+      <p:pic>
+        <p:nvPicPr>
+          <p:cNvPr id="6" name="Picture 5"/>
+          <p:cNvPicPr>
+            <a:picLocks noChangeAspect="1"/>
+          </p:cNvPicPr>
+          <p:nvPr/>
+        </p:nvPicPr>
+        <p:blipFill>
+          <a:blip r:embed="rId2"/>
+          <a:stretch>
+            <a:fillRect/>
+          </a:stretch>
+        </p:blipFill>
+        <p:spPr>
+          <a:xfrm>
+            <a:off x="5080265" y="1205963"/>
+            <a:ext cx="1676400" cy="1524000"/>
+          </a:xfrm>
+          <a:prstGeom prst="rect">
+            <a:avLst/>
+          </a:prstGeom>
+        </p:spPr>
+      </p:pic>
+      <p:pic>
+        <p:nvPicPr>
+          <p:cNvPr id="7" name="Picture 6"/>
+          <p:cNvPicPr>
+            <a:picLocks noChangeAspect="1"/>
+          </p:cNvPicPr>
+          <p:nvPr/>
+        </p:nvPicPr>
+        <p:blipFill>
+          <a:blip r:embed="rId3"/>
+          <a:stretch>
+            <a:fillRect/>
+          </a:stretch>
+        </p:blipFill>
+        <p:spPr>
+          <a:xfrm>
+            <a:off x="8697369" y="3995393"/>
+            <a:ext cx="1612900" cy="2705100"/>
+          </a:xfrm>
+          <a:prstGeom prst="rect">
+            <a:avLst/>
+          </a:prstGeom>
+        </p:spPr>
+      </p:pic>
+      <p:pic>
+        <p:nvPicPr>
+          <p:cNvPr id="8" name="Picture 7"/>
+          <p:cNvPicPr>
+            <a:picLocks noChangeAspect="1"/>
+          </p:cNvPicPr>
+          <p:nvPr/>
+        </p:nvPicPr>
+        <p:blipFill>
+          <a:blip r:embed="rId4"/>
+          <a:stretch>
+            <a:fillRect/>
+          </a:stretch>
+        </p:blipFill>
+        <p:spPr>
+          <a:xfrm>
+            <a:off x="6885289" y="2528545"/>
+            <a:ext cx="2451100" cy="1473200"/>
+          </a:xfrm>
+          <a:prstGeom prst="rect">
+            <a:avLst/>
+          </a:prstGeom>
+        </p:spPr>
+      </p:pic>
+      <p:sp>
+        <p:nvSpPr>
+          <p:cNvPr id="11" name="Content Placeholder 2"/>
+          <p:cNvSpPr>
+            <a:spLocks noGrp="1"/>
+          </p:cNvSpPr>
+          <p:nvPr>
+            <p:ph idx="1"/>
+          </p:nvPr>
+        </p:nvSpPr>
+        <p:spPr>
+          <a:xfrm>
+            <a:off x="458222" y="2840147"/>
+            <a:ext cx="7626532" cy="3548128"/>
+          </a:xfrm>
+        </p:spPr>
+        <p:txBody>
+          <a:bodyPr anchor="b"/>
+          <a:lstStyle/>
+          <a:p>
+            <a:pPr marL="0" indent="0">
+              <a:buNone/>
+            </a:pPr>
+            <a:r>
+              <a:rPr lang="en-US" sz="2400" dirty="0" smtClean="0"/>
+              <a:t>Step 5: Transmit Data</a:t>
+            </a:r>
+          </a:p>
+          <a:p>
+            <a:r>
+              <a:rPr lang="en-US" dirty="0" smtClean="0"/>
+              <a:t>point</a:t>
+            </a:r>
+            <a:endParaRPr lang="en-US" dirty="0"/>
+          </a:p>
+          <a:p>
+            <a:endParaRPr lang="en-US" dirty="0"/>
+          </a:p>
+        </p:txBody>
+      </p:sp>
+      <p:pic>
+        <p:nvPicPr>
+          <p:cNvPr id="5" name="Picture 4"/>
+          <p:cNvPicPr>
+            <a:picLocks noChangeAspect="1"/>
+          </p:cNvPicPr>
+          <p:nvPr/>
+        </p:nvPicPr>
+        <p:blipFill>
+          <a:blip r:embed="rId5"/>
+          <a:stretch>
+            <a:fillRect/>
+          </a:stretch>
+        </p:blipFill>
+        <p:spPr>
+          <a:xfrm>
+            <a:off x="6885288" y="2528545"/>
+            <a:ext cx="2451100" cy="1473200"/>
+          </a:xfrm>
+          <a:prstGeom prst="rect">
+            <a:avLst/>
+          </a:prstGeom>
+        </p:spPr>
+      </p:pic>
+    </p:spTree>
+    <p:extLst>
+      <p:ext uri="{BB962C8B-B14F-4D97-AF65-F5344CB8AC3E}">
+        <p14:creationId xmlns:p14="http://schemas.microsoft.com/office/powerpoint/2010/main" val="1919171598"/>
+      </p:ext>
+    </p:extLst>
+  </p:cSld>
+  <p:clrMapOvr>
+    <a:masterClrMapping/>
+  </p:clrMapOvr>
+  <p:timing>
+    <p:tnLst>
+      <p:par>
+        <p:cTn xmlns:p14="http://schemas.microsoft.com/office/powerpoint/2010/main" id="1" dur="indefinite" restart="never" nodeType="tmRoot">
+          <p:childTnLst>
+            <p:seq concurrent="1" nextAc="seek">
+              <p:cTn id="2" dur="indefinite" nodeType="mainSeq">
+                <p:childTnLst>
+                  <p:par>
+                    <p:cTn id="3" fill="hold">
+                      <p:stCondLst>
+                        <p:cond delay="indefinite"/>
+                        <p:cond evt="onBegin" delay="0">
+                          <p:tn val="2"/>
+                        </p:cond>
+                      </p:stCondLst>
+                      <p:childTnLst>
+                        <p:par>
+                          <p:cTn id="4" fill="hold">
+                            <p:stCondLst>
+                              <p:cond delay="0"/>
+                            </p:stCondLst>
+                            <p:childTnLst>
+                              <p:par>
+                                <p:cTn id="5" presetID="22" presetClass="exit" presetSubtype="8" fill="hold" nodeType="afterEffect">
+                                  <p:stCondLst>
+                                    <p:cond delay="500"/>
+                                  </p:stCondLst>
+                                  <p:childTnLst>
+                                    <p:animEffect transition="out" filter="wipe(left)">
+                                      <p:cBhvr>
+                                        <p:cTn id="6" dur="500"/>
+                                        <p:tgtEl>
+                                          <p:spTgt spid="8"/>
+                                        </p:tgtEl>
+                                      </p:cBhvr>
+                                    </p:animEffect>
+                                    <p:set>
+                                      <p:cBhvr>
+                                        <p:cTn id="7" dur="1" fill="hold">
+                                          <p:stCondLst>
+                                            <p:cond delay="499"/>
+                                          </p:stCondLst>
+                                        </p:cTn>
+                                        <p:tgtEl>
+                                          <p:spTgt spid="8"/>
+                                        </p:tgtEl>
+                                        <p:attrNameLst>
+                                          <p:attrName>style.visibility</p:attrName>
+                                        </p:attrNameLst>
+                                      </p:cBhvr>
+                                      <p:to>
+                                        <p:strVal val="hidden"/>
+                                      </p:to>
+                                    </p:set>
+                                  </p:childTnLst>
+                                </p:cTn>
+                              </p:par>
+                              <p:par>
+                                <p:cTn id="8" presetID="22" presetClass="entr" presetSubtype="8" fill="hold" nodeType="withEffect">
+                                  <p:stCondLst>
+                                    <p:cond delay="500"/>
+                                  </p:stCondLst>
+                                  <p:childTnLst>
+                                    <p:set>
+                                      <p:cBhvr>
+                                        <p:cTn id="9" dur="1" fill="hold">
+                                          <p:stCondLst>
+                                            <p:cond delay="0"/>
+                                          </p:stCondLst>
+                                        </p:cTn>
+                                        <p:tgtEl>
+                                          <p:spTgt spid="5"/>
+                                        </p:tgtEl>
+                                        <p:attrNameLst>
+                                          <p:attrName>style.visibility</p:attrName>
+                                        </p:attrNameLst>
+                                      </p:cBhvr>
+                                      <p:to>
+                                        <p:strVal val="visible"/>
+                                      </p:to>
+                                    </p:set>
+                                    <p:animEffect transition="in" filter="wipe(left)">
+                                      <p:cBhvr>
+                                        <p:cTn id="10" dur="500"/>
+                                        <p:tgtEl>
+                                          <p:spTgt spid="5"/>
+                                        </p:tgtEl>
+                                      </p:cBhvr>
+                                    </p:animEffect>
+                                  </p:childTnLst>
+                                </p:cTn>
+                              </p:par>
+                            </p:childTnLst>
+                          </p:cTn>
+                        </p:par>
+                        <p:par>
+                          <p:cTn id="11" fill="hold">
+                            <p:stCondLst>
+                              <p:cond delay="1000"/>
+                            </p:stCondLst>
+                            <p:childTnLst>
+                              <p:par>
+                                <p:cTn id="12" presetID="22" presetClass="exit" presetSubtype="8" fill="hold" nodeType="afterEffect">
+                                  <p:stCondLst>
+                                    <p:cond delay="1000"/>
+                                  </p:stCondLst>
+                                  <p:childTnLst>
+                                    <p:animEffect transition="out" filter="wipe(left)">
+                                      <p:cBhvr>
+                                        <p:cTn id="13" dur="500"/>
+                                        <p:tgtEl>
+                                          <p:spTgt spid="5"/>
+                                        </p:tgtEl>
+                                      </p:cBhvr>
+                                    </p:animEffect>
+                                    <p:set>
+                                      <p:cBhvr>
+                                        <p:cTn id="14" dur="1" fill="hold">
+                                          <p:stCondLst>
+                                            <p:cond delay="499"/>
+                                          </p:stCondLst>
+                                        </p:cTn>
+                                        <p:tgtEl>
+                                          <p:spTgt spid="5"/>
+                                        </p:tgtEl>
+                                        <p:attrNameLst>
+                                          <p:attrName>style.visibility</p:attrName>
+                                        </p:attrNameLst>
+                                      </p:cBhvr>
+                                      <p:to>
+                                        <p:strVal val="hidden"/>
+                                      </p:to>
+                                    </p:set>
+                                  </p:childTnLst>
+                                </p:cTn>
+                              </p:par>
+                              <p:par>
+                                <p:cTn id="15" presetID="22" presetClass="entr" presetSubtype="8" fill="hold" nodeType="withEffect">
+                                  <p:stCondLst>
+                                    <p:cond delay="1000"/>
+                                  </p:stCondLst>
+                                  <p:childTnLst>
+                                    <p:set>
+                                      <p:cBhvr>
+                                        <p:cTn id="16" dur="1" fill="hold">
+                                          <p:stCondLst>
+                                            <p:cond delay="0"/>
+                                          </p:stCondLst>
+                                        </p:cTn>
+                                        <p:tgtEl>
+                                          <p:spTgt spid="8"/>
+                                        </p:tgtEl>
+                                        <p:attrNameLst>
+                                          <p:attrName>style.visibility</p:attrName>
+                                        </p:attrNameLst>
+                                      </p:cBhvr>
+                                      <p:to>
+                                        <p:strVal val="visible"/>
+                                      </p:to>
+                                    </p:set>
+                                    <p:animEffect transition="in" filter="wipe(left)">
+                                      <p:cBhvr>
+                                        <p:cTn id="17" dur="500"/>
+                                        <p:tgtEl>
+                                          <p:spTgt spid="8"/>
+                                        </p:tgtEl>
+                                      </p:cBhvr>
+                                    </p:animEffect>
+                                  </p:childTnLst>
+                                </p:cTn>
+                              </p:par>
+                            </p:childTnLst>
+                          </p:cTn>
+                        </p:par>
+                      </p:childTnLst>
+                    </p:cTn>
+                  </p:par>
+                </p:childTnLst>
+              </p:cTn>
+              <p:prevCondLst>
+                <p:cond evt="onPrev" delay="0">
+                  <p:tgtEl>
+                    <p:sldTgt/>
+                  </p:tgtEl>
+                </p:cond>
+              </p:prevCondLst>
+              <p:nextCondLst>
+                <p:cond evt="onNext" delay="0">
+                  <p:tgtEl>
+                    <p:sldTgt/>
+                  </p:tgtEl>
+                </p:cond>
+              </p:nextCondLst>
+            </p:seq>
+          </p:childTnLst>
+        </p:cTn>
+      </p:par>
+    </p:tnLst>
+  </p:timing>
+</p:sld>
+</file>
+
+<file path=ppt/slides/slide24.xml><?xml version="1.0" encoding="utf-8"?>
+<p:sld xmlns:a="http://schemas.openxmlformats.org/drawingml/2006/main" xmlns:r="http://schemas.openxmlformats.org/officeDocument/2006/relationships" xmlns:p="http://schemas.openxmlformats.org/presentationml/2006/main">
+  <p:cSld>
+    <p:spTree>
+      <p:nvGrpSpPr>
+        <p:cNvPr id="1" name=""/>
+        <p:cNvGrpSpPr/>
+        <p:nvPr/>
+      </p:nvGrpSpPr>
+      <p:grpSpPr>
+        <a:xfrm>
+          <a:off x="0" y="0"/>
+          <a:ext cx="0" cy="0"/>
+          <a:chOff x="0" y="0"/>
+          <a:chExt cx="0" cy="0"/>
+        </a:xfrm>
+      </p:grpSpPr>
+      <p:sp>
+        <p:nvSpPr>
+          <p:cNvPr id="2" name="Title 1"/>
+          <p:cNvSpPr>
+            <a:spLocks noGrp="1"/>
+          </p:cNvSpPr>
+          <p:nvPr>
+            <p:ph type="title"/>
+          </p:nvPr>
+        </p:nvSpPr>
+        <p:spPr/>
+        <p:txBody>
+          <a:bodyPr/>
+          <a:lstStyle/>
+          <a:p>
+            <a:r>
+              <a:rPr lang="en-US" dirty="0" smtClean="0">
+                <a:solidFill>
+                  <a:schemeClr val="bg1">
+                    <a:lumMod val="50000"/>
+                    <a:lumOff val="50000"/>
+                  </a:schemeClr>
+                </a:solidFill>
+              </a:rPr>
+              <a:t>Design - Communications</a:t>
+            </a:r>
+            <a:endParaRPr lang="en-US" dirty="0">
+              <a:solidFill>
+                <a:schemeClr val="bg1">
+                  <a:lumMod val="50000"/>
+                  <a:lumOff val="50000"/>
+                </a:schemeClr>
+              </a:solidFill>
+            </a:endParaRPr>
+          </a:p>
+        </p:txBody>
+      </p:sp>
+      <p:sp>
+        <p:nvSpPr>
+          <p:cNvPr id="4" name="Text Placeholder 3"/>
+          <p:cNvSpPr>
+            <a:spLocks noGrp="1"/>
+          </p:cNvSpPr>
+          <p:nvPr>
+            <p:ph type="body" sz="quarter" idx="10"/>
+          </p:nvPr>
+        </p:nvSpPr>
+        <p:spPr/>
+        <p:txBody>
+          <a:bodyPr>
+            <a:normAutofit fontScale="92500" lnSpcReduction="10000"/>
+          </a:bodyPr>
+          <a:lstStyle/>
+          <a:p>
+            <a:r>
+              <a:rPr lang="en-US" dirty="0" smtClean="0"/>
+              <a:t>Ben</a:t>
+            </a:r>
+            <a:endParaRPr lang="en-US" dirty="0"/>
+          </a:p>
+        </p:txBody>
+      </p:sp>
+      <p:pic>
+        <p:nvPicPr>
+          <p:cNvPr id="6" name="Picture 5"/>
+          <p:cNvPicPr>
+            <a:picLocks noChangeAspect="1"/>
+          </p:cNvPicPr>
+          <p:nvPr/>
+        </p:nvPicPr>
+        <p:blipFill>
+          <a:blip r:embed="rId2"/>
+          <a:stretch>
+            <a:fillRect/>
+          </a:stretch>
+        </p:blipFill>
+        <p:spPr>
+          <a:xfrm>
+            <a:off x="5080265" y="1205963"/>
+            <a:ext cx="1676400" cy="1524000"/>
+          </a:xfrm>
+          <a:prstGeom prst="rect">
+            <a:avLst/>
+          </a:prstGeom>
+        </p:spPr>
+      </p:pic>
+      <p:pic>
+        <p:nvPicPr>
+          <p:cNvPr id="7" name="Picture 6"/>
+          <p:cNvPicPr>
+            <a:picLocks noChangeAspect="1"/>
+          </p:cNvPicPr>
+          <p:nvPr/>
+        </p:nvPicPr>
+        <p:blipFill>
+          <a:blip r:embed="rId3"/>
+          <a:stretch>
+            <a:fillRect/>
+          </a:stretch>
+        </p:blipFill>
+        <p:spPr>
+          <a:xfrm>
+            <a:off x="8697369" y="3995393"/>
+            <a:ext cx="1612900" cy="2705100"/>
+          </a:xfrm>
+          <a:prstGeom prst="rect">
+            <a:avLst/>
+          </a:prstGeom>
+        </p:spPr>
+      </p:pic>
+      <p:pic>
+        <p:nvPicPr>
+          <p:cNvPr id="8" name="Picture 7"/>
+          <p:cNvPicPr>
+            <a:picLocks noChangeAspect="1"/>
+          </p:cNvPicPr>
+          <p:nvPr/>
+        </p:nvPicPr>
+        <p:blipFill>
+          <a:blip r:embed="rId4"/>
+          <a:stretch>
+            <a:fillRect/>
+          </a:stretch>
+        </p:blipFill>
+        <p:spPr>
+          <a:xfrm>
+            <a:off x="6885289" y="2528545"/>
+            <a:ext cx="2451100" cy="1473200"/>
+          </a:xfrm>
+          <a:prstGeom prst="rect">
+            <a:avLst/>
+          </a:prstGeom>
+        </p:spPr>
+      </p:pic>
+      <p:sp>
+        <p:nvSpPr>
+          <p:cNvPr id="11" name="Content Placeholder 2"/>
+          <p:cNvSpPr>
+            <a:spLocks noGrp="1"/>
+          </p:cNvSpPr>
+          <p:nvPr>
+            <p:ph idx="1"/>
+          </p:nvPr>
+        </p:nvSpPr>
+        <p:spPr>
+          <a:xfrm>
+            <a:off x="458222" y="2840147"/>
+            <a:ext cx="7626532" cy="3548128"/>
+          </a:xfrm>
+        </p:spPr>
+        <p:txBody>
+          <a:bodyPr anchor="b"/>
+          <a:lstStyle/>
+          <a:p>
+            <a:pPr marL="0" indent="0">
+              <a:buNone/>
+            </a:pPr>
+            <a:r>
+              <a:rPr lang="en-US" sz="2400" dirty="0" smtClean="0"/>
+              <a:t>Step 6: Checksum</a:t>
+            </a:r>
+          </a:p>
+          <a:p>
+            <a:r>
+              <a:rPr lang="en-US" dirty="0" smtClean="0"/>
+              <a:t>point</a:t>
+            </a:r>
+            <a:endParaRPr lang="en-US" dirty="0"/>
+          </a:p>
+          <a:p>
+            <a:endParaRPr lang="en-US" dirty="0"/>
+          </a:p>
+        </p:txBody>
+      </p:sp>
+      <p:pic>
+        <p:nvPicPr>
+          <p:cNvPr id="3" name="Picture 2"/>
+          <p:cNvPicPr>
+            <a:picLocks noChangeAspect="1"/>
+          </p:cNvPicPr>
+          <p:nvPr/>
+        </p:nvPicPr>
+        <p:blipFill>
+          <a:blip r:embed="rId5"/>
+          <a:stretch>
+            <a:fillRect/>
+          </a:stretch>
+        </p:blipFill>
+        <p:spPr>
+          <a:xfrm>
+            <a:off x="6885289" y="2528545"/>
+            <a:ext cx="2451100" cy="1473200"/>
+          </a:xfrm>
+          <a:prstGeom prst="rect">
+            <a:avLst/>
+          </a:prstGeom>
+        </p:spPr>
+      </p:pic>
+    </p:spTree>
+    <p:extLst>
+      <p:ext uri="{BB962C8B-B14F-4D97-AF65-F5344CB8AC3E}">
+        <p14:creationId xmlns:p14="http://schemas.microsoft.com/office/powerpoint/2010/main" val="2183738234"/>
+      </p:ext>
+    </p:extLst>
+  </p:cSld>
+  <p:clrMapOvr>
+    <a:masterClrMapping/>
+  </p:clrMapOvr>
+  <p:timing>
+    <p:tnLst>
+      <p:par>
+        <p:cTn xmlns:p14="http://schemas.microsoft.com/office/powerpoint/2010/main" id="1" dur="indefinite" restart="never" nodeType="tmRoot">
+          <p:childTnLst>
+            <p:seq concurrent="1" nextAc="seek">
+              <p:cTn id="2" dur="indefinite" nodeType="mainSeq">
+                <p:childTnLst>
+                  <p:par>
+                    <p:cTn id="3" fill="hold">
+                      <p:stCondLst>
+                        <p:cond delay="indefinite"/>
+                        <p:cond evt="onBegin" delay="0">
+                          <p:tn val="2"/>
+                        </p:cond>
+                      </p:stCondLst>
+                      <p:childTnLst>
+                        <p:par>
+                          <p:cTn id="4" fill="hold">
+                            <p:stCondLst>
+                              <p:cond delay="0"/>
+                            </p:stCondLst>
+                            <p:childTnLst>
+                              <p:par>
+                                <p:cTn id="5" presetID="22" presetClass="exit" presetSubtype="2" fill="hold" nodeType="afterEffect">
+                                  <p:stCondLst>
+                                    <p:cond delay="500"/>
+                                  </p:stCondLst>
+                                  <p:childTnLst>
+                                    <p:animEffect transition="out" filter="wipe(right)">
+                                      <p:cBhvr>
+                                        <p:cTn id="6" dur="500"/>
+                                        <p:tgtEl>
+                                          <p:spTgt spid="8"/>
+                                        </p:tgtEl>
+                                      </p:cBhvr>
+                                    </p:animEffect>
+                                    <p:set>
+                                      <p:cBhvr>
+                                        <p:cTn id="7" dur="1" fill="hold">
+                                          <p:stCondLst>
+                                            <p:cond delay="499"/>
+                                          </p:stCondLst>
+                                        </p:cTn>
+                                        <p:tgtEl>
+                                          <p:spTgt spid="8"/>
+                                        </p:tgtEl>
+                                        <p:attrNameLst>
+                                          <p:attrName>style.visibility</p:attrName>
+                                        </p:attrNameLst>
+                                      </p:cBhvr>
+                                      <p:to>
+                                        <p:strVal val="hidden"/>
+                                      </p:to>
+                                    </p:set>
+                                  </p:childTnLst>
+                                </p:cTn>
+                              </p:par>
+                              <p:par>
+                                <p:cTn id="8" presetID="22" presetClass="entr" presetSubtype="2" fill="hold" nodeType="withEffect">
+                                  <p:stCondLst>
+                                    <p:cond delay="500"/>
+                                  </p:stCondLst>
+                                  <p:childTnLst>
+                                    <p:set>
+                                      <p:cBhvr>
+                                        <p:cTn id="9" dur="1" fill="hold">
+                                          <p:stCondLst>
+                                            <p:cond delay="0"/>
+                                          </p:stCondLst>
+                                        </p:cTn>
+                                        <p:tgtEl>
+                                          <p:spTgt spid="3"/>
+                                        </p:tgtEl>
+                                        <p:attrNameLst>
+                                          <p:attrName>style.visibility</p:attrName>
+                                        </p:attrNameLst>
+                                      </p:cBhvr>
+                                      <p:to>
+                                        <p:strVal val="visible"/>
+                                      </p:to>
+                                    </p:set>
+                                    <p:animEffect transition="in" filter="wipe(right)">
+                                      <p:cBhvr>
+                                        <p:cTn id="10" dur="500"/>
+                                        <p:tgtEl>
+                                          <p:spTgt spid="3"/>
+                                        </p:tgtEl>
+                                      </p:cBhvr>
+                                    </p:animEffect>
+                                  </p:childTnLst>
+                                </p:cTn>
+                              </p:par>
+                            </p:childTnLst>
+                          </p:cTn>
+                        </p:par>
+                        <p:par>
+                          <p:cTn id="11" fill="hold">
+                            <p:stCondLst>
+                              <p:cond delay="1000"/>
+                            </p:stCondLst>
+                            <p:childTnLst>
+                              <p:par>
+                                <p:cTn id="12" presetID="22" presetClass="exit" presetSubtype="2" fill="hold" nodeType="afterEffect">
+                                  <p:stCondLst>
+                                    <p:cond delay="0"/>
+                                  </p:stCondLst>
+                                  <p:childTnLst>
+                                    <p:animEffect transition="out" filter="wipe(right)">
+                                      <p:cBhvr>
+                                        <p:cTn id="13" dur="500"/>
+                                        <p:tgtEl>
+                                          <p:spTgt spid="3"/>
+                                        </p:tgtEl>
+                                      </p:cBhvr>
+                                    </p:animEffect>
+                                    <p:set>
+                                      <p:cBhvr>
+                                        <p:cTn id="14" dur="1" fill="hold">
+                                          <p:stCondLst>
+                                            <p:cond delay="499"/>
+                                          </p:stCondLst>
+                                        </p:cTn>
+                                        <p:tgtEl>
+                                          <p:spTgt spid="3"/>
+                                        </p:tgtEl>
+                                        <p:attrNameLst>
+                                          <p:attrName>style.visibility</p:attrName>
+                                        </p:attrNameLst>
+                                      </p:cBhvr>
+                                      <p:to>
+                                        <p:strVal val="hidden"/>
+                                      </p:to>
+                                    </p:set>
+                                  </p:childTnLst>
+                                </p:cTn>
+                              </p:par>
+                              <p:par>
+                                <p:cTn id="15" presetID="22" presetClass="entr" presetSubtype="2" fill="hold" nodeType="withEffect">
+                                  <p:stCondLst>
+                                    <p:cond delay="0"/>
+                                  </p:stCondLst>
+                                  <p:childTnLst>
+                                    <p:set>
+                                      <p:cBhvr>
+                                        <p:cTn id="16" dur="1" fill="hold">
+                                          <p:stCondLst>
+                                            <p:cond delay="0"/>
+                                          </p:stCondLst>
+                                        </p:cTn>
+                                        <p:tgtEl>
+                                          <p:spTgt spid="8"/>
+                                        </p:tgtEl>
+                                        <p:attrNameLst>
+                                          <p:attrName>style.visibility</p:attrName>
+                                        </p:attrNameLst>
+                                      </p:cBhvr>
+                                      <p:to>
+                                        <p:strVal val="visible"/>
+                                      </p:to>
+                                    </p:set>
+                                    <p:animEffect transition="in" filter="wipe(right)">
+                                      <p:cBhvr>
+                                        <p:cTn id="17" dur="500"/>
+                                        <p:tgtEl>
+                                          <p:spTgt spid="8"/>
+                                        </p:tgtEl>
+                                      </p:cBhvr>
+                                    </p:animEffect>
+                                  </p:childTnLst>
+                                </p:cTn>
+                              </p:par>
+                            </p:childTnLst>
+                          </p:cTn>
+                        </p:par>
+                      </p:childTnLst>
+                    </p:cTn>
+                  </p:par>
+                </p:childTnLst>
+              </p:cTn>
+              <p:prevCondLst>
+                <p:cond evt="onPrev" delay="0">
+                  <p:tgtEl>
+                    <p:sldTgt/>
+                  </p:tgtEl>
+                </p:cond>
+              </p:prevCondLst>
+              <p:nextCondLst>
+                <p:cond evt="onNext" delay="0">
+                  <p:tgtEl>
+                    <p:sldTgt/>
+                  </p:tgtEl>
+                </p:cond>
+              </p:nextCondLst>
+            </p:seq>
+          </p:childTnLst>
+        </p:cTn>
+      </p:par>
+    </p:tnLst>
+  </p:timing>
+</p:sld>
+</file>
+
+<file path=ppt/slides/slide25.xml><?xml version="1.0" encoding="utf-8"?>
+<p:sld xmlns:a="http://schemas.openxmlformats.org/drawingml/2006/main" xmlns:r="http://schemas.openxmlformats.org/officeDocument/2006/relationships" xmlns:p="http://schemas.openxmlformats.org/presentationml/2006/main">
+  <p:cSld>
+    <p:spTree>
+      <p:nvGrpSpPr>
+        <p:cNvPr id="1" name=""/>
+        <p:cNvGrpSpPr/>
+        <p:nvPr/>
+      </p:nvGrpSpPr>
+      <p:grpSpPr>
+        <a:xfrm>
+          <a:off x="0" y="0"/>
+          <a:ext cx="0" cy="0"/>
+          <a:chOff x="0" y="0"/>
+          <a:chExt cx="0" cy="0"/>
+        </a:xfrm>
+      </p:grpSpPr>
+      <p:sp>
+        <p:nvSpPr>
+          <p:cNvPr id="2" name="Title 1"/>
+          <p:cNvSpPr>
+            <a:spLocks noGrp="1"/>
+          </p:cNvSpPr>
+          <p:nvPr>
+            <p:ph type="title"/>
+          </p:nvPr>
+        </p:nvSpPr>
+        <p:spPr/>
+        <p:txBody>
+          <a:bodyPr/>
+          <a:lstStyle/>
+          <a:p>
+            <a:r>
+              <a:rPr lang="en-US" dirty="0" smtClean="0">
+                <a:solidFill>
+                  <a:schemeClr val="bg1">
+                    <a:lumMod val="50000"/>
+                    <a:lumOff val="50000"/>
+                  </a:schemeClr>
+                </a:solidFill>
+              </a:rPr>
+              <a:t>Design - Communications</a:t>
+            </a:r>
+            <a:endParaRPr lang="en-US" dirty="0">
+              <a:solidFill>
+                <a:schemeClr val="bg1">
+                  <a:lumMod val="50000"/>
+                  <a:lumOff val="50000"/>
+                </a:schemeClr>
+              </a:solidFill>
+            </a:endParaRPr>
+          </a:p>
+        </p:txBody>
+      </p:sp>
+      <p:sp>
+        <p:nvSpPr>
+          <p:cNvPr id="4" name="Text Placeholder 3"/>
+          <p:cNvSpPr>
+            <a:spLocks noGrp="1"/>
+          </p:cNvSpPr>
+          <p:nvPr>
+            <p:ph type="body" sz="quarter" idx="10"/>
+          </p:nvPr>
+        </p:nvSpPr>
+        <p:spPr/>
+        <p:txBody>
+          <a:bodyPr>
+            <a:normAutofit fontScale="92500" lnSpcReduction="10000"/>
+          </a:bodyPr>
+          <a:lstStyle/>
+          <a:p>
+            <a:r>
+              <a:rPr lang="en-US" dirty="0" smtClean="0"/>
+              <a:t>Ben</a:t>
+            </a:r>
+            <a:endParaRPr lang="en-US" dirty="0"/>
+          </a:p>
+        </p:txBody>
+      </p:sp>
+      <p:pic>
+        <p:nvPicPr>
+          <p:cNvPr id="6" name="Picture 5"/>
+          <p:cNvPicPr>
+            <a:picLocks noChangeAspect="1"/>
+          </p:cNvPicPr>
+          <p:nvPr/>
+        </p:nvPicPr>
+        <p:blipFill>
+          <a:blip r:embed="rId2"/>
+          <a:stretch>
+            <a:fillRect/>
+          </a:stretch>
+        </p:blipFill>
+        <p:spPr>
+          <a:xfrm>
+            <a:off x="5080265" y="1205963"/>
+            <a:ext cx="1676400" cy="1524000"/>
+          </a:xfrm>
+          <a:prstGeom prst="rect">
+            <a:avLst/>
+          </a:prstGeom>
+        </p:spPr>
+      </p:pic>
+      <p:pic>
+        <p:nvPicPr>
+          <p:cNvPr id="7" name="Picture 6"/>
+          <p:cNvPicPr>
+            <a:picLocks noChangeAspect="1"/>
+          </p:cNvPicPr>
+          <p:nvPr/>
+        </p:nvPicPr>
+        <p:blipFill>
+          <a:blip r:embed="rId3"/>
+          <a:stretch>
+            <a:fillRect/>
+          </a:stretch>
+        </p:blipFill>
+        <p:spPr>
+          <a:xfrm>
+            <a:off x="8697369" y="3995393"/>
+            <a:ext cx="1612900" cy="2705100"/>
+          </a:xfrm>
+          <a:prstGeom prst="rect">
+            <a:avLst/>
+          </a:prstGeom>
+        </p:spPr>
+      </p:pic>
+      <p:pic>
+        <p:nvPicPr>
+          <p:cNvPr id="8" name="Picture 7"/>
+          <p:cNvPicPr>
+            <a:picLocks noChangeAspect="1"/>
+          </p:cNvPicPr>
+          <p:nvPr/>
+        </p:nvPicPr>
+        <p:blipFill>
+          <a:blip r:embed="rId4"/>
+          <a:stretch>
+            <a:fillRect/>
+          </a:stretch>
+        </p:blipFill>
+        <p:spPr>
+          <a:xfrm>
+            <a:off x="6885289" y="2528545"/>
+            <a:ext cx="2451100" cy="1473200"/>
+          </a:xfrm>
+          <a:prstGeom prst="rect">
+            <a:avLst/>
+          </a:prstGeom>
+        </p:spPr>
+      </p:pic>
+      <p:sp>
+        <p:nvSpPr>
+          <p:cNvPr id="11" name="Content Placeholder 2"/>
+          <p:cNvSpPr>
+            <a:spLocks noGrp="1"/>
+          </p:cNvSpPr>
+          <p:nvPr>
+            <p:ph idx="1"/>
+          </p:nvPr>
+        </p:nvSpPr>
+        <p:spPr>
+          <a:xfrm>
+            <a:off x="458222" y="2840147"/>
+            <a:ext cx="7626532" cy="3548128"/>
+          </a:xfrm>
+        </p:spPr>
+        <p:txBody>
+          <a:bodyPr anchor="b"/>
+          <a:lstStyle/>
+          <a:p>
+            <a:pPr marL="0" indent="0">
+              <a:buNone/>
+            </a:pPr>
+            <a:r>
+              <a:rPr lang="en-US" sz="2400" dirty="0" smtClean="0"/>
+              <a:t>Step 7: Confirmation</a:t>
+            </a:r>
+          </a:p>
+          <a:p>
+            <a:r>
+              <a:rPr lang="en-US" dirty="0" err="1" smtClean="0"/>
+              <a:t>CubeSat</a:t>
+            </a:r>
+            <a:r>
+              <a:rPr lang="en-US" dirty="0" smtClean="0"/>
+              <a:t> checks checksum</a:t>
+            </a:r>
+          </a:p>
+          <a:p>
+            <a:r>
+              <a:rPr lang="en-US" dirty="0" err="1" smtClean="0"/>
+              <a:t>CubeSat</a:t>
+            </a:r>
+            <a:r>
+              <a:rPr lang="en-US" dirty="0" smtClean="0"/>
+              <a:t> relays success/failure to ground station</a:t>
+            </a:r>
+          </a:p>
+          <a:p>
+            <a:r>
+              <a:rPr lang="en-US" dirty="0" err="1" smtClean="0"/>
+              <a:t>CubeSat</a:t>
+            </a:r>
+            <a:r>
+              <a:rPr lang="en-US" dirty="0" smtClean="0"/>
+              <a:t> marks file for deletion</a:t>
+            </a:r>
+            <a:endParaRPr lang="en-US" dirty="0"/>
+          </a:p>
+          <a:p>
+            <a:endParaRPr lang="en-US" dirty="0"/>
+          </a:p>
+        </p:txBody>
+      </p:sp>
+      <p:pic>
+        <p:nvPicPr>
+          <p:cNvPr id="5" name="Picture 4"/>
+          <p:cNvPicPr>
+            <a:picLocks noChangeAspect="1"/>
+          </p:cNvPicPr>
+          <p:nvPr/>
+        </p:nvPicPr>
+        <p:blipFill>
+          <a:blip r:embed="rId5"/>
+          <a:stretch>
+            <a:fillRect/>
+          </a:stretch>
+        </p:blipFill>
+        <p:spPr>
+          <a:xfrm>
+            <a:off x="6885288" y="2528545"/>
+            <a:ext cx="2451100" cy="1473200"/>
+          </a:xfrm>
+          <a:prstGeom prst="rect">
+            <a:avLst/>
+          </a:prstGeom>
+        </p:spPr>
+      </p:pic>
+    </p:spTree>
+    <p:extLst>
+      <p:ext uri="{BB962C8B-B14F-4D97-AF65-F5344CB8AC3E}">
+        <p14:creationId xmlns:p14="http://schemas.microsoft.com/office/powerpoint/2010/main" val="159612655"/>
+      </p:ext>
+    </p:extLst>
+  </p:cSld>
+  <p:clrMapOvr>
+    <a:masterClrMapping/>
+  </p:clrMapOvr>
+  <p:timing>
+    <p:tnLst>
+      <p:par>
+        <p:cTn xmlns:p14="http://schemas.microsoft.com/office/powerpoint/2010/main" id="1" dur="indefinite" restart="never" nodeType="tmRoot">
+          <p:childTnLst>
+            <p:seq concurrent="1" nextAc="seek">
+              <p:cTn id="2" dur="indefinite" nodeType="mainSeq">
+                <p:childTnLst>
+                  <p:par>
+                    <p:cTn id="3" fill="hold">
+                      <p:stCondLst>
+                        <p:cond delay="indefinite"/>
+                        <p:cond evt="onBegin" delay="0">
+                          <p:tn val="2"/>
+                        </p:cond>
+                      </p:stCondLst>
+                      <p:childTnLst>
+                        <p:par>
+                          <p:cTn id="4" fill="hold">
+                            <p:stCondLst>
+                              <p:cond delay="0"/>
+                            </p:stCondLst>
+                            <p:childTnLst>
+                              <p:par>
+                                <p:cTn id="5" presetID="22" presetClass="exit" presetSubtype="8" fill="hold" nodeType="afterEffect">
+                                  <p:stCondLst>
+                                    <p:cond delay="500"/>
+                                  </p:stCondLst>
+                                  <p:childTnLst>
+                                    <p:animEffect transition="out" filter="wipe(left)">
+                                      <p:cBhvr>
+                                        <p:cTn id="6" dur="500"/>
+                                        <p:tgtEl>
+                                          <p:spTgt spid="8"/>
+                                        </p:tgtEl>
+                                      </p:cBhvr>
+                                    </p:animEffect>
+                                    <p:set>
+                                      <p:cBhvr>
+                                        <p:cTn id="7" dur="1" fill="hold">
+                                          <p:stCondLst>
+                                            <p:cond delay="499"/>
+                                          </p:stCondLst>
+                                        </p:cTn>
+                                        <p:tgtEl>
+                                          <p:spTgt spid="8"/>
+                                        </p:tgtEl>
+                                        <p:attrNameLst>
+                                          <p:attrName>style.visibility</p:attrName>
+                                        </p:attrNameLst>
+                                      </p:cBhvr>
+                                      <p:to>
+                                        <p:strVal val="hidden"/>
+                                      </p:to>
+                                    </p:set>
+                                  </p:childTnLst>
+                                </p:cTn>
+                              </p:par>
+                              <p:par>
+                                <p:cTn id="8" presetID="22" presetClass="entr" presetSubtype="8" fill="hold" nodeType="withEffect">
+                                  <p:stCondLst>
+                                    <p:cond delay="500"/>
+                                  </p:stCondLst>
+                                  <p:childTnLst>
+                                    <p:set>
+                                      <p:cBhvr>
+                                        <p:cTn id="9" dur="1" fill="hold">
+                                          <p:stCondLst>
+                                            <p:cond delay="0"/>
+                                          </p:stCondLst>
+                                        </p:cTn>
+                                        <p:tgtEl>
+                                          <p:spTgt spid="5"/>
+                                        </p:tgtEl>
+                                        <p:attrNameLst>
+                                          <p:attrName>style.visibility</p:attrName>
+                                        </p:attrNameLst>
+                                      </p:cBhvr>
+                                      <p:to>
+                                        <p:strVal val="visible"/>
+                                      </p:to>
+                                    </p:set>
+                                    <p:animEffect transition="in" filter="wipe(left)">
+                                      <p:cBhvr>
+                                        <p:cTn id="10" dur="500"/>
+                                        <p:tgtEl>
+                                          <p:spTgt spid="5"/>
+                                        </p:tgtEl>
+                                      </p:cBhvr>
+                                    </p:animEffect>
+                                  </p:childTnLst>
+                                </p:cTn>
+                              </p:par>
+                            </p:childTnLst>
+                          </p:cTn>
+                        </p:par>
+                        <p:par>
+                          <p:cTn id="11" fill="hold">
+                            <p:stCondLst>
+                              <p:cond delay="1000"/>
+                            </p:stCondLst>
+                            <p:childTnLst>
+                              <p:par>
+                                <p:cTn id="12" presetID="22" presetClass="exit" presetSubtype="8" fill="hold" nodeType="afterEffect">
+                                  <p:stCondLst>
+                                    <p:cond delay="0"/>
+                                  </p:stCondLst>
+                                  <p:childTnLst>
+                                    <p:animEffect transition="out" filter="wipe(left)">
+                                      <p:cBhvr>
+                                        <p:cTn id="13" dur="500"/>
+                                        <p:tgtEl>
+                                          <p:spTgt spid="5"/>
+                                        </p:tgtEl>
+                                      </p:cBhvr>
+                                    </p:animEffect>
+                                    <p:set>
+                                      <p:cBhvr>
+                                        <p:cTn id="14" dur="1" fill="hold">
+                                          <p:stCondLst>
+                                            <p:cond delay="499"/>
+                                          </p:stCondLst>
+                                        </p:cTn>
+                                        <p:tgtEl>
+                                          <p:spTgt spid="5"/>
+                                        </p:tgtEl>
+                                        <p:attrNameLst>
+                                          <p:attrName>style.visibility</p:attrName>
+                                        </p:attrNameLst>
+                                      </p:cBhvr>
+                                      <p:to>
+                                        <p:strVal val="hidden"/>
+                                      </p:to>
+                                    </p:set>
+                                  </p:childTnLst>
+                                </p:cTn>
+                              </p:par>
+                              <p:par>
+                                <p:cTn id="15" presetID="22" presetClass="entr" presetSubtype="8" fill="hold" nodeType="withEffect">
+                                  <p:stCondLst>
+                                    <p:cond delay="0"/>
+                                  </p:stCondLst>
+                                  <p:childTnLst>
+                                    <p:set>
+                                      <p:cBhvr>
+                                        <p:cTn id="16" dur="1" fill="hold">
+                                          <p:stCondLst>
+                                            <p:cond delay="0"/>
+                                          </p:stCondLst>
+                                        </p:cTn>
+                                        <p:tgtEl>
+                                          <p:spTgt spid="8"/>
+                                        </p:tgtEl>
+                                        <p:attrNameLst>
+                                          <p:attrName>style.visibility</p:attrName>
+                                        </p:attrNameLst>
+                                      </p:cBhvr>
+                                      <p:to>
+                                        <p:strVal val="visible"/>
+                                      </p:to>
+                                    </p:set>
+                                    <p:animEffect transition="in" filter="wipe(left)">
+                                      <p:cBhvr>
+                                        <p:cTn id="17" dur="500"/>
+                                        <p:tgtEl>
+                                          <p:spTgt spid="8"/>
+                                        </p:tgtEl>
+                                      </p:cBhvr>
+                                    </p:animEffect>
+                                  </p:childTnLst>
+                                </p:cTn>
+                              </p:par>
+                            </p:childTnLst>
+                          </p:cTn>
+                        </p:par>
+                      </p:childTnLst>
+                    </p:cTn>
+                  </p:par>
+                </p:childTnLst>
+              </p:cTn>
+              <p:prevCondLst>
+                <p:cond evt="onPrev" delay="0">
+                  <p:tgtEl>
+                    <p:sldTgt/>
+                  </p:tgtEl>
+                </p:cond>
+              </p:prevCondLst>
+              <p:nextCondLst>
+                <p:cond evt="onNext" delay="0">
+                  <p:tgtEl>
+                    <p:sldTgt/>
+                  </p:tgtEl>
+                </p:cond>
+              </p:nextCondLst>
+            </p:seq>
+          </p:childTnLst>
+        </p:cTn>
+      </p:par>
+    </p:tnLst>
+  </p:timing>
+</p:sld>
+</file>
+
+<file path=ppt/slides/slide26.xml><?xml version="1.0" encoding="utf-8"?>
+<p:sld xmlns:a="http://schemas.openxmlformats.org/drawingml/2006/main" xmlns:r="http://schemas.openxmlformats.org/officeDocument/2006/relationships" xmlns:p="http://schemas.openxmlformats.org/presentationml/2006/main">
+  <p:cSld>
+    <p:spTree>
+      <p:nvGrpSpPr>
+        <p:cNvPr id="1" name=""/>
+        <p:cNvGrpSpPr/>
+        <p:nvPr/>
+      </p:nvGrpSpPr>
+      <p:grpSpPr>
+        <a:xfrm>
+          <a:off x="0" y="0"/>
+          <a:ext cx="0" cy="0"/>
+          <a:chOff x="0" y="0"/>
+          <a:chExt cx="0" cy="0"/>
+        </a:xfrm>
+      </p:grpSpPr>
+      <p:sp>
+        <p:nvSpPr>
+          <p:cNvPr id="2" name="Title 1"/>
+          <p:cNvSpPr>
+            <a:spLocks noGrp="1"/>
+          </p:cNvSpPr>
+          <p:nvPr>
+            <p:ph type="title"/>
+          </p:nvPr>
+        </p:nvSpPr>
+        <p:spPr/>
+        <p:txBody>
+          <a:bodyPr/>
+          <a:lstStyle/>
+          <a:p>
+            <a:r>
+              <a:rPr lang="en-US" dirty="0" smtClean="0">
+                <a:solidFill>
+                  <a:schemeClr val="bg1">
+                    <a:lumMod val="50000"/>
+                    <a:lumOff val="50000"/>
+                  </a:schemeClr>
+                </a:solidFill>
+              </a:rPr>
+              <a:t>Design - Communications</a:t>
+            </a:r>
+            <a:endParaRPr lang="en-US" dirty="0">
+              <a:solidFill>
+                <a:schemeClr val="bg1">
+                  <a:lumMod val="50000"/>
+                  <a:lumOff val="50000"/>
+                </a:schemeClr>
+              </a:solidFill>
+            </a:endParaRPr>
+          </a:p>
+        </p:txBody>
+      </p:sp>
+      <p:sp>
+        <p:nvSpPr>
+          <p:cNvPr id="3" name="Content Placeholder 2"/>
+          <p:cNvSpPr>
+            <a:spLocks noGrp="1"/>
+          </p:cNvSpPr>
+          <p:nvPr>
+            <p:ph idx="1"/>
+          </p:nvPr>
+        </p:nvSpPr>
+        <p:spPr/>
+        <p:txBody>
+          <a:bodyPr/>
+          <a:lstStyle/>
+          <a:p>
+            <a:r>
+              <a:rPr lang="en-US" dirty="0" smtClean="0"/>
+              <a:t>In progress</a:t>
+            </a:r>
+            <a:endParaRPr lang="en-US" dirty="0"/>
+          </a:p>
+          <a:p>
+            <a:endParaRPr lang="en-US" dirty="0"/>
+          </a:p>
+        </p:txBody>
+      </p:sp>
+      <p:sp>
+        <p:nvSpPr>
+          <p:cNvPr id="4" name="Text Placeholder 3"/>
+          <p:cNvSpPr>
+            <a:spLocks noGrp="1"/>
+          </p:cNvSpPr>
+          <p:nvPr>
+            <p:ph type="body" sz="quarter" idx="10"/>
+          </p:nvPr>
+        </p:nvSpPr>
+        <p:spPr/>
+        <p:txBody>
+          <a:bodyPr>
+            <a:normAutofit fontScale="92500" lnSpcReduction="10000"/>
+          </a:bodyPr>
+          <a:lstStyle/>
+          <a:p>
+            <a:r>
+              <a:rPr lang="en-US" dirty="0" smtClean="0"/>
+              <a:t>Ben</a:t>
+            </a:r>
+            <a:endParaRPr lang="en-US" dirty="0"/>
+          </a:p>
+        </p:txBody>
+      </p:sp>
+    </p:spTree>
+    <p:extLst>
+      <p:ext uri="{BB962C8B-B14F-4D97-AF65-F5344CB8AC3E}">
+        <p14:creationId xmlns:p14="http://schemas.microsoft.com/office/powerpoint/2010/main" val="123934941"/>
+      </p:ext>
+    </p:extLst>
+  </p:cSld>
+  <p:clrMapOvr>
+    <a:masterClrMapping/>
+  </p:clrMapOvr>
+  <p:timing>
+    <p:tnLst>
+      <p:par>
+        <p:cTn xmlns:p14="http://schemas.microsoft.com/office/powerpoint/2010/main" id="1" dur="indefinite" restart="never" nodeType="tmRoot"/>
+      </p:par>
+    </p:tnLst>
+  </p:timing>
+</p:sld>
+</file>
+
+<file path=ppt/slides/slide27.xml><?xml version="1.0" encoding="utf-8"?>
+<p:sld xmlns:a="http://schemas.openxmlformats.org/drawingml/2006/main" xmlns:r="http://schemas.openxmlformats.org/officeDocument/2006/relationships" xmlns:p="http://schemas.openxmlformats.org/presentationml/2006/main">
+  <p:cSld>
+    <p:spTree>
+      <p:nvGrpSpPr>
+        <p:cNvPr id="1" name=""/>
+        <p:cNvGrpSpPr/>
+        <p:nvPr/>
+      </p:nvGrpSpPr>
+      <p:grpSpPr>
+        <a:xfrm>
+          <a:off x="0" y="0"/>
+          <a:ext cx="0" cy="0"/>
+          <a:chOff x="0" y="0"/>
+          <a:chExt cx="0" cy="0"/>
+        </a:xfrm>
+      </p:grpSpPr>
+      <p:sp>
+        <p:nvSpPr>
+          <p:cNvPr id="2" name="Title 1"/>
+          <p:cNvSpPr>
+            <a:spLocks noGrp="1"/>
+          </p:cNvSpPr>
+          <p:nvPr>
+            <p:ph type="title"/>
+          </p:nvPr>
+        </p:nvSpPr>
+        <p:spPr/>
+        <p:txBody>
+          <a:bodyPr/>
+          <a:lstStyle/>
+          <a:p>
+            <a:r>
+              <a:rPr lang="en-US" dirty="0" smtClean="0">
+                <a:solidFill>
+                  <a:schemeClr val="bg1">
+                    <a:lumMod val="50000"/>
+                    <a:lumOff val="50000"/>
+                  </a:schemeClr>
+                </a:solidFill>
+              </a:rPr>
+              <a:t>Design – Link Budget</a:t>
+            </a:r>
+            <a:endParaRPr lang="en-US" dirty="0">
+              <a:solidFill>
+                <a:schemeClr val="bg1">
+                  <a:lumMod val="50000"/>
+                  <a:lumOff val="50000"/>
+                </a:schemeClr>
+              </a:solidFill>
+            </a:endParaRPr>
+          </a:p>
+        </p:txBody>
+      </p:sp>
+      <p:sp>
+        <p:nvSpPr>
+          <p:cNvPr id="3" name="Content Placeholder 2"/>
+          <p:cNvSpPr>
+            <a:spLocks noGrp="1"/>
+          </p:cNvSpPr>
+          <p:nvPr>
+            <p:ph idx="1"/>
+          </p:nvPr>
+        </p:nvSpPr>
+        <p:spPr/>
+        <p:txBody>
+          <a:bodyPr/>
+          <a:lstStyle/>
+          <a:p>
+            <a:r>
+              <a:rPr lang="en-US" dirty="0"/>
+              <a:t>TO BE COMPLETED</a:t>
+            </a:r>
+          </a:p>
+          <a:p>
+            <a:endParaRPr lang="en-US" dirty="0"/>
+          </a:p>
+        </p:txBody>
+      </p:sp>
+      <p:sp>
+        <p:nvSpPr>
+          <p:cNvPr id="4" name="Text Placeholder 3"/>
+          <p:cNvSpPr>
+            <a:spLocks noGrp="1"/>
+          </p:cNvSpPr>
+          <p:nvPr>
+            <p:ph type="body" sz="quarter" idx="10"/>
+          </p:nvPr>
+        </p:nvSpPr>
+        <p:spPr/>
+        <p:txBody>
+          <a:bodyPr>
+            <a:normAutofit fontScale="92500" lnSpcReduction="10000"/>
+          </a:bodyPr>
+          <a:lstStyle/>
+          <a:p>
+            <a:endParaRPr lang="en-US"/>
+          </a:p>
+        </p:txBody>
+      </p:sp>
+    </p:spTree>
+    <p:extLst>
+      <p:ext uri="{BB962C8B-B14F-4D97-AF65-F5344CB8AC3E}">
+        <p14:creationId xmlns:p14="http://schemas.microsoft.com/office/powerpoint/2010/main" val="555483364"/>
+      </p:ext>
+    </p:extLst>
+  </p:cSld>
+  <p:clrMapOvr>
+    <a:masterClrMapping/>
+  </p:clrMapOvr>
+</p:sld>
+</file>
+
+<file path=ppt/slides/slide28.xml><?xml version="1.0" encoding="utf-8"?>
+<p:sld xmlns:a="http://schemas.openxmlformats.org/drawingml/2006/main" xmlns:r="http://schemas.openxmlformats.org/officeDocument/2006/relationships" xmlns:p="http://schemas.openxmlformats.org/presentationml/2006/main">
+  <p:cSld>
+    <p:spTree>
+      <p:nvGrpSpPr>
+        <p:cNvPr id="1" name=""/>
+        <p:cNvGrpSpPr/>
+        <p:nvPr/>
+      </p:nvGrpSpPr>
+      <p:grpSpPr>
+        <a:xfrm>
+          <a:off x="0" y="0"/>
+          <a:ext cx="0" cy="0"/>
+          <a:chOff x="0" y="0"/>
+          <a:chExt cx="0" cy="0"/>
+        </a:xfrm>
+      </p:grpSpPr>
+      <p:sp>
+        <p:nvSpPr>
+          <p:cNvPr id="2" name="Title 1"/>
+          <p:cNvSpPr>
+            <a:spLocks noGrp="1"/>
+          </p:cNvSpPr>
+          <p:nvPr>
+            <p:ph type="title"/>
+          </p:nvPr>
+        </p:nvSpPr>
+        <p:spPr/>
+        <p:txBody>
+          <a:bodyPr/>
+          <a:lstStyle/>
+          <a:p>
+            <a:r>
+              <a:rPr lang="en-US" dirty="0" smtClean="0">
+                <a:solidFill>
+                  <a:schemeClr val="bg1">
+                    <a:lumMod val="50000"/>
+                    <a:lumOff val="50000"/>
+                  </a:schemeClr>
+                </a:solidFill>
+              </a:rPr>
+              <a:t>Design - Power</a:t>
+            </a:r>
+            <a:endParaRPr lang="en-US" dirty="0">
+              <a:solidFill>
+                <a:schemeClr val="bg1">
+                  <a:lumMod val="50000"/>
+                  <a:lumOff val="50000"/>
+                </a:schemeClr>
+              </a:solidFill>
+            </a:endParaRPr>
+          </a:p>
+        </p:txBody>
+      </p:sp>
+      <p:pic>
+        <p:nvPicPr>
+          <p:cNvPr id="5" name="Content Placeholder 4"/>
+          <p:cNvPicPr>
+            <a:picLocks noGrp="1" noChangeAspect="1"/>
+          </p:cNvPicPr>
+          <p:nvPr>
+            <p:ph idx="1"/>
+          </p:nvPr>
+        </p:nvPicPr>
+        <p:blipFill>
+          <a:blip r:embed="rId2">
+            <a:extLst>
+              <a:ext uri="{28A0092B-C50C-407E-A947-70E740481C1C}">
+                <a14:useLocalDpi xmlns:a14="http://schemas.microsoft.com/office/drawing/2010/main" val="0"/>
+              </a:ext>
+            </a:extLst>
+          </a:blip>
+          <a:stretch>
+            <a:fillRect/>
+          </a:stretch>
+        </p:blipFill>
+        <p:spPr>
+          <a:xfrm>
+            <a:off x="1371030" y="1227138"/>
+            <a:ext cx="8889553" cy="5160962"/>
+          </a:xfrm>
+        </p:spPr>
+      </p:pic>
+      <p:sp>
+        <p:nvSpPr>
+          <p:cNvPr id="4" name="Text Placeholder 3"/>
+          <p:cNvSpPr>
+            <a:spLocks noGrp="1"/>
+          </p:cNvSpPr>
+          <p:nvPr>
+            <p:ph type="body" sz="quarter" idx="10"/>
+          </p:nvPr>
+        </p:nvSpPr>
+        <p:spPr/>
+        <p:txBody>
+          <a:bodyPr>
+            <a:normAutofit fontScale="92500" lnSpcReduction="10000"/>
+          </a:bodyPr>
+          <a:lstStyle/>
+          <a:p>
+            <a:r>
+              <a:rPr lang="en-US" dirty="0" smtClean="0"/>
+              <a:t> </a:t>
+            </a:r>
+            <a:endParaRPr lang="en-US" dirty="0"/>
+          </a:p>
+        </p:txBody>
+      </p:sp>
+    </p:spTree>
+    <p:extLst>
+      <p:ext uri="{BB962C8B-B14F-4D97-AF65-F5344CB8AC3E}">
+        <p14:creationId xmlns:p14="http://schemas.microsoft.com/office/powerpoint/2010/main" val="1036177282"/>
+      </p:ext>
+    </p:extLst>
+  </p:cSld>
+  <p:clrMapOvr>
+    <a:masterClrMapping/>
+  </p:clrMapOvr>
+</p:sld>
+</file>
+
+<file path=ppt/slides/slide29.xml><?xml version="1.0" encoding="utf-8"?>
+<p:sld xmlns:a="http://schemas.openxmlformats.org/drawingml/2006/main" xmlns:r="http://schemas.openxmlformats.org/officeDocument/2006/relationships" xmlns:p="http://schemas.openxmlformats.org/presentationml/2006/main">
+  <p:cSld>
+    <p:spTree>
+      <p:nvGrpSpPr>
+        <p:cNvPr id="1" name=""/>
+        <p:cNvGrpSpPr/>
+        <p:nvPr/>
+      </p:nvGrpSpPr>
+      <p:grpSpPr>
+        <a:xfrm>
+          <a:off x="0" y="0"/>
+          <a:ext cx="0" cy="0"/>
+          <a:chOff x="0" y="0"/>
+          <a:chExt cx="0" cy="0"/>
+        </a:xfrm>
+      </p:grpSpPr>
+      <p:sp>
+        <p:nvSpPr>
+          <p:cNvPr id="2" name="Title 1"/>
+          <p:cNvSpPr>
+            <a:spLocks noGrp="1"/>
+          </p:cNvSpPr>
+          <p:nvPr>
+            <p:ph type="title"/>
+          </p:nvPr>
+        </p:nvSpPr>
+        <p:spPr/>
+        <p:txBody>
+          <a:bodyPr/>
+          <a:lstStyle/>
+          <a:p>
+            <a:r>
+              <a:rPr lang="en-US" dirty="0" smtClean="0">
+                <a:solidFill>
+                  <a:schemeClr val="bg1">
+                    <a:lumMod val="50000"/>
+                    <a:lumOff val="50000"/>
+                  </a:schemeClr>
+                </a:solidFill>
+              </a:rPr>
+              <a:t>Design – Power Budget</a:t>
+            </a:r>
+            <a:endParaRPr lang="en-US" dirty="0">
+              <a:solidFill>
+                <a:schemeClr val="bg1">
+                  <a:lumMod val="50000"/>
+                  <a:lumOff val="50000"/>
+                </a:schemeClr>
+              </a:solidFill>
+            </a:endParaRPr>
+          </a:p>
+        </p:txBody>
+      </p:sp>
+      <p:sp>
+        <p:nvSpPr>
+          <p:cNvPr id="3" name="Content Placeholder 2"/>
+          <p:cNvSpPr>
+            <a:spLocks noGrp="1"/>
+          </p:cNvSpPr>
+          <p:nvPr>
+            <p:ph idx="1"/>
+          </p:nvPr>
+        </p:nvSpPr>
+        <p:spPr/>
+        <p:txBody>
+          <a:bodyPr/>
+          <a:lstStyle/>
+          <a:p>
+            <a:r>
+              <a:rPr lang="en-US" dirty="0" smtClean="0"/>
+              <a:t>TO BE COMPLETED</a:t>
+            </a:r>
+            <a:endParaRPr lang="en-US" dirty="0"/>
+          </a:p>
+        </p:txBody>
+      </p:sp>
+      <p:sp>
+        <p:nvSpPr>
+          <p:cNvPr id="4" name="Text Placeholder 3"/>
+          <p:cNvSpPr>
+            <a:spLocks noGrp="1"/>
+          </p:cNvSpPr>
+          <p:nvPr>
+            <p:ph type="body" sz="quarter" idx="10"/>
+          </p:nvPr>
+        </p:nvSpPr>
+        <p:spPr/>
+        <p:txBody>
+          <a:bodyPr>
+            <a:normAutofit fontScale="92500" lnSpcReduction="10000"/>
+          </a:bodyPr>
+          <a:lstStyle/>
+          <a:p>
+            <a:endParaRPr lang="en-US"/>
+          </a:p>
+        </p:txBody>
+      </p:sp>
+    </p:spTree>
+    <p:extLst>
+      <p:ext uri="{BB962C8B-B14F-4D97-AF65-F5344CB8AC3E}">
+        <p14:creationId xmlns:p14="http://schemas.microsoft.com/office/powerpoint/2010/main" val="1043457955"/>
       </p:ext>
     </p:extLst>
   </p:cSld>
@@ -8813,6 +14310,462 @@
     <p:extLst>
       <p:ext uri="{BB962C8B-B14F-4D97-AF65-F5344CB8AC3E}">
         <p14:creationId xmlns:p14="http://schemas.microsoft.com/office/powerpoint/2010/main" val="3346044060"/>
+      </p:ext>
+    </p:extLst>
+  </p:cSld>
+  <p:clrMapOvr>
+    <a:masterClrMapping/>
+  </p:clrMapOvr>
+</p:sld>
+</file>
+
+<file path=ppt/slides/slide30.xml><?xml version="1.0" encoding="utf-8"?>
+<p:sld xmlns:a="http://schemas.openxmlformats.org/drawingml/2006/main" xmlns:r="http://schemas.openxmlformats.org/officeDocument/2006/relationships" xmlns:p="http://schemas.openxmlformats.org/presentationml/2006/main">
+  <p:cSld>
+    <p:spTree>
+      <p:nvGrpSpPr>
+        <p:cNvPr id="1" name=""/>
+        <p:cNvGrpSpPr/>
+        <p:nvPr/>
+      </p:nvGrpSpPr>
+      <p:grpSpPr>
+        <a:xfrm>
+          <a:off x="0" y="0"/>
+          <a:ext cx="0" cy="0"/>
+          <a:chOff x="0" y="0"/>
+          <a:chExt cx="0" cy="0"/>
+        </a:xfrm>
+      </p:grpSpPr>
+      <p:sp>
+        <p:nvSpPr>
+          <p:cNvPr id="2" name="Title 1"/>
+          <p:cNvSpPr>
+            <a:spLocks noGrp="1"/>
+          </p:cNvSpPr>
+          <p:nvPr>
+            <p:ph type="title"/>
+          </p:nvPr>
+        </p:nvSpPr>
+        <p:spPr/>
+        <p:txBody>
+          <a:bodyPr/>
+          <a:lstStyle/>
+          <a:p>
+            <a:r>
+              <a:rPr lang="en-US" dirty="0" smtClean="0">
+                <a:solidFill>
+                  <a:schemeClr val="bg1">
+                    <a:lumMod val="50000"/>
+                    <a:lumOff val="50000"/>
+                  </a:schemeClr>
+                </a:solidFill>
+              </a:rPr>
+              <a:t>Budget</a:t>
+            </a:r>
+            <a:endParaRPr lang="en-US" dirty="0">
+              <a:solidFill>
+                <a:schemeClr val="bg1">
+                  <a:lumMod val="50000"/>
+                  <a:lumOff val="50000"/>
+                </a:schemeClr>
+              </a:solidFill>
+            </a:endParaRPr>
+          </a:p>
+        </p:txBody>
+      </p:sp>
+      <p:sp>
+        <p:nvSpPr>
+          <p:cNvPr id="3" name="Content Placeholder 2"/>
+          <p:cNvSpPr>
+            <a:spLocks noGrp="1"/>
+          </p:cNvSpPr>
+          <p:nvPr>
+            <p:ph idx="1"/>
+          </p:nvPr>
+        </p:nvSpPr>
+        <p:spPr/>
+        <p:txBody>
+          <a:bodyPr/>
+          <a:lstStyle/>
+          <a:p>
+            <a:r>
+              <a:rPr lang="en-US" dirty="0" smtClean="0"/>
+              <a:t>Attitude Control</a:t>
+            </a:r>
+          </a:p>
+          <a:p>
+            <a:r>
+              <a:rPr lang="en-US" dirty="0" smtClean="0"/>
+              <a:t>Attitude Determination</a:t>
+            </a:r>
+          </a:p>
+          <a:p>
+            <a:r>
+              <a:rPr lang="en-US" dirty="0" smtClean="0"/>
+              <a:t>Navigation</a:t>
+            </a:r>
+          </a:p>
+          <a:p>
+            <a:r>
+              <a:rPr lang="en-US" dirty="0" smtClean="0"/>
+              <a:t>Communication</a:t>
+            </a:r>
+          </a:p>
+          <a:p>
+            <a:r>
+              <a:rPr lang="en-US" dirty="0" smtClean="0"/>
+              <a:t>Power</a:t>
+            </a:r>
+          </a:p>
+          <a:p>
+            <a:r>
+              <a:rPr lang="en-US" dirty="0" smtClean="0"/>
+              <a:t>Manpower</a:t>
+            </a:r>
+          </a:p>
+          <a:p>
+            <a:pPr lvl="1"/>
+            <a:r>
+              <a:rPr lang="en-US" dirty="0" smtClean="0"/>
+              <a:t>FREE!</a:t>
+            </a:r>
+          </a:p>
+          <a:p>
+            <a:endParaRPr lang="en-US" dirty="0"/>
+          </a:p>
+        </p:txBody>
+      </p:sp>
+      <p:sp>
+        <p:nvSpPr>
+          <p:cNvPr id="4" name="Text Placeholder 3"/>
+          <p:cNvSpPr>
+            <a:spLocks noGrp="1"/>
+          </p:cNvSpPr>
+          <p:nvPr>
+            <p:ph type="body" sz="quarter" idx="10"/>
+          </p:nvPr>
+        </p:nvSpPr>
+        <p:spPr/>
+        <p:txBody>
+          <a:bodyPr>
+            <a:normAutofit fontScale="92500" lnSpcReduction="10000"/>
+          </a:bodyPr>
+          <a:lstStyle/>
+          <a:p>
+            <a:endParaRPr lang="en-US"/>
+          </a:p>
+        </p:txBody>
+      </p:sp>
+    </p:spTree>
+    <p:extLst>
+      <p:ext uri="{BB962C8B-B14F-4D97-AF65-F5344CB8AC3E}">
+        <p14:creationId xmlns:p14="http://schemas.microsoft.com/office/powerpoint/2010/main" val="3051738324"/>
+      </p:ext>
+    </p:extLst>
+  </p:cSld>
+  <p:clrMapOvr>
+    <a:masterClrMapping/>
+  </p:clrMapOvr>
+</p:sld>
+</file>
+
+<file path=ppt/slides/slide31.xml><?xml version="1.0" encoding="utf-8"?>
+<p:sld xmlns:a="http://schemas.openxmlformats.org/drawingml/2006/main" xmlns:r="http://schemas.openxmlformats.org/officeDocument/2006/relationships" xmlns:p="http://schemas.openxmlformats.org/presentationml/2006/main">
+  <p:cSld>
+    <p:spTree>
+      <p:nvGrpSpPr>
+        <p:cNvPr id="1" name=""/>
+        <p:cNvGrpSpPr/>
+        <p:nvPr/>
+      </p:nvGrpSpPr>
+      <p:grpSpPr>
+        <a:xfrm>
+          <a:off x="0" y="0"/>
+          <a:ext cx="0" cy="0"/>
+          <a:chOff x="0" y="0"/>
+          <a:chExt cx="0" cy="0"/>
+        </a:xfrm>
+      </p:grpSpPr>
+      <p:sp>
+        <p:nvSpPr>
+          <p:cNvPr id="2" name="Title 1"/>
+          <p:cNvSpPr>
+            <a:spLocks noGrp="1"/>
+          </p:cNvSpPr>
+          <p:nvPr>
+            <p:ph type="title"/>
+          </p:nvPr>
+        </p:nvSpPr>
+        <p:spPr/>
+        <p:txBody>
+          <a:bodyPr/>
+          <a:lstStyle/>
+          <a:p>
+            <a:r>
+              <a:rPr lang="en-US" dirty="0" smtClean="0">
+                <a:solidFill>
+                  <a:schemeClr val="bg1">
+                    <a:lumMod val="50000"/>
+                    <a:lumOff val="50000"/>
+                  </a:schemeClr>
+                </a:solidFill>
+              </a:rPr>
+              <a:t>FMEA</a:t>
+            </a:r>
+            <a:endParaRPr lang="en-US" dirty="0">
+              <a:solidFill>
+                <a:schemeClr val="bg1">
+                  <a:lumMod val="50000"/>
+                  <a:lumOff val="50000"/>
+                </a:schemeClr>
+              </a:solidFill>
+            </a:endParaRPr>
+          </a:p>
+        </p:txBody>
+      </p:sp>
+      <p:sp>
+        <p:nvSpPr>
+          <p:cNvPr id="3" name="Content Placeholder 2"/>
+          <p:cNvSpPr>
+            <a:spLocks noGrp="1"/>
+          </p:cNvSpPr>
+          <p:nvPr>
+            <p:ph idx="1"/>
+          </p:nvPr>
+        </p:nvSpPr>
+        <p:spPr/>
+        <p:txBody>
+          <a:bodyPr/>
+          <a:lstStyle/>
+          <a:p>
+            <a:r>
+              <a:rPr lang="en-US" dirty="0"/>
+              <a:t>TO BE COMPLETED</a:t>
+            </a:r>
+          </a:p>
+          <a:p>
+            <a:endParaRPr lang="en-US" dirty="0"/>
+          </a:p>
+        </p:txBody>
+      </p:sp>
+      <p:sp>
+        <p:nvSpPr>
+          <p:cNvPr id="4" name="Text Placeholder 3"/>
+          <p:cNvSpPr>
+            <a:spLocks noGrp="1"/>
+          </p:cNvSpPr>
+          <p:nvPr>
+            <p:ph type="body" sz="quarter" idx="10"/>
+          </p:nvPr>
+        </p:nvSpPr>
+        <p:spPr/>
+        <p:txBody>
+          <a:bodyPr>
+            <a:normAutofit fontScale="92500" lnSpcReduction="10000"/>
+          </a:bodyPr>
+          <a:lstStyle/>
+          <a:p>
+            <a:r>
+              <a:rPr lang="en-US" dirty="0" smtClean="0"/>
+              <a:t>Charlie</a:t>
+            </a:r>
+            <a:endParaRPr lang="en-US" dirty="0"/>
+          </a:p>
+        </p:txBody>
+      </p:sp>
+    </p:spTree>
+    <p:extLst>
+      <p:ext uri="{BB962C8B-B14F-4D97-AF65-F5344CB8AC3E}">
+        <p14:creationId xmlns:p14="http://schemas.microsoft.com/office/powerpoint/2010/main" val="2929915190"/>
+      </p:ext>
+    </p:extLst>
+  </p:cSld>
+  <p:clrMapOvr>
+    <a:masterClrMapping/>
+  </p:clrMapOvr>
+</p:sld>
+</file>
+
+<file path=ppt/slides/slide32.xml><?xml version="1.0" encoding="utf-8"?>
+<p:sld xmlns:a="http://schemas.openxmlformats.org/drawingml/2006/main" xmlns:r="http://schemas.openxmlformats.org/officeDocument/2006/relationships" xmlns:p="http://schemas.openxmlformats.org/presentationml/2006/main">
+  <p:cSld>
+    <p:spTree>
+      <p:nvGrpSpPr>
+        <p:cNvPr id="1" name=""/>
+        <p:cNvGrpSpPr/>
+        <p:nvPr/>
+      </p:nvGrpSpPr>
+      <p:grpSpPr>
+        <a:xfrm>
+          <a:off x="0" y="0"/>
+          <a:ext cx="0" cy="0"/>
+          <a:chOff x="0" y="0"/>
+          <a:chExt cx="0" cy="0"/>
+        </a:xfrm>
+      </p:grpSpPr>
+      <p:sp>
+        <p:nvSpPr>
+          <p:cNvPr id="2" name="Title 1"/>
+          <p:cNvSpPr>
+            <a:spLocks noGrp="1"/>
+          </p:cNvSpPr>
+          <p:nvPr>
+            <p:ph type="title"/>
+          </p:nvPr>
+        </p:nvSpPr>
+        <p:spPr/>
+        <p:txBody>
+          <a:bodyPr/>
+          <a:lstStyle/>
+          <a:p>
+            <a:r>
+              <a:rPr lang="en-US" dirty="0" smtClean="0">
+                <a:solidFill>
+                  <a:schemeClr val="bg1">
+                    <a:lumMod val="50000"/>
+                    <a:lumOff val="50000"/>
+                  </a:schemeClr>
+                </a:solidFill>
+              </a:rPr>
+              <a:t>Conclusion</a:t>
+            </a:r>
+            <a:endParaRPr lang="en-US" dirty="0">
+              <a:solidFill>
+                <a:schemeClr val="bg1">
+                  <a:lumMod val="50000"/>
+                  <a:lumOff val="50000"/>
+                </a:schemeClr>
+              </a:solidFill>
+            </a:endParaRPr>
+          </a:p>
+        </p:txBody>
+      </p:sp>
+      <p:sp>
+        <p:nvSpPr>
+          <p:cNvPr id="3" name="Content Placeholder 2"/>
+          <p:cNvSpPr>
+            <a:spLocks noGrp="1"/>
+          </p:cNvSpPr>
+          <p:nvPr>
+            <p:ph idx="1"/>
+          </p:nvPr>
+        </p:nvSpPr>
+        <p:spPr/>
+        <p:txBody>
+          <a:bodyPr/>
+          <a:lstStyle/>
+          <a:p>
+            <a:r>
+              <a:rPr lang="en-US" dirty="0" smtClean="0"/>
+              <a:t>Delivered:</a:t>
+            </a:r>
+          </a:p>
+          <a:p>
+            <a:r>
+              <a:rPr lang="en-US" smtClean="0"/>
+              <a:t>TO BE COMPLETED</a:t>
+            </a:r>
+            <a:endParaRPr lang="en-US"/>
+          </a:p>
+        </p:txBody>
+      </p:sp>
+      <p:sp>
+        <p:nvSpPr>
+          <p:cNvPr id="4" name="Text Placeholder 3"/>
+          <p:cNvSpPr>
+            <a:spLocks noGrp="1"/>
+          </p:cNvSpPr>
+          <p:nvPr>
+            <p:ph type="body" sz="quarter" idx="10"/>
+          </p:nvPr>
+        </p:nvSpPr>
+        <p:spPr/>
+        <p:txBody>
+          <a:bodyPr>
+            <a:normAutofit fontScale="92500" lnSpcReduction="10000"/>
+          </a:bodyPr>
+          <a:lstStyle/>
+          <a:p>
+            <a:endParaRPr lang="en-US"/>
+          </a:p>
+        </p:txBody>
+      </p:sp>
+    </p:spTree>
+    <p:extLst>
+      <p:ext uri="{BB962C8B-B14F-4D97-AF65-F5344CB8AC3E}">
+        <p14:creationId xmlns:p14="http://schemas.microsoft.com/office/powerpoint/2010/main" val="1930181380"/>
+      </p:ext>
+    </p:extLst>
+  </p:cSld>
+  <p:clrMapOvr>
+    <a:masterClrMapping/>
+  </p:clrMapOvr>
+</p:sld>
+</file>
+
+<file path=ppt/slides/slide33.xml><?xml version="1.0" encoding="utf-8"?>
+<p:sld xmlns:a="http://schemas.openxmlformats.org/drawingml/2006/main" xmlns:r="http://schemas.openxmlformats.org/officeDocument/2006/relationships" xmlns:p="http://schemas.openxmlformats.org/presentationml/2006/main">
+  <p:cSld>
+    <p:spTree>
+      <p:nvGrpSpPr>
+        <p:cNvPr id="1" name=""/>
+        <p:cNvGrpSpPr/>
+        <p:nvPr/>
+      </p:nvGrpSpPr>
+      <p:grpSpPr>
+        <a:xfrm>
+          <a:off x="0" y="0"/>
+          <a:ext cx="0" cy="0"/>
+          <a:chOff x="0" y="0"/>
+          <a:chExt cx="0" cy="0"/>
+        </a:xfrm>
+      </p:grpSpPr>
+      <p:sp>
+        <p:nvSpPr>
+          <p:cNvPr id="2" name="Title 1"/>
+          <p:cNvSpPr>
+            <a:spLocks noGrp="1"/>
+          </p:cNvSpPr>
+          <p:nvPr>
+            <p:ph type="title"/>
+          </p:nvPr>
+        </p:nvSpPr>
+        <p:spPr/>
+        <p:txBody>
+          <a:bodyPr/>
+          <a:lstStyle/>
+          <a:p>
+            <a:r>
+              <a:rPr lang="en-US" dirty="0" smtClean="0"/>
+              <a:t>Individual Reports</a:t>
+            </a:r>
+            <a:endParaRPr lang="en-US" dirty="0"/>
+          </a:p>
+        </p:txBody>
+      </p:sp>
+      <p:sp>
+        <p:nvSpPr>
+          <p:cNvPr id="3" name="Text Placeholder 2"/>
+          <p:cNvSpPr>
+            <a:spLocks noGrp="1"/>
+          </p:cNvSpPr>
+          <p:nvPr>
+            <p:ph type="body" idx="1"/>
+          </p:nvPr>
+        </p:nvSpPr>
+        <p:spPr/>
+        <p:txBody>
+          <a:bodyPr/>
+          <a:lstStyle/>
+          <a:p>
+            <a:endParaRPr lang="en-US"/>
+          </a:p>
+        </p:txBody>
+      </p:sp>
+    </p:spTree>
+    <p:extLst>
+      <p:ext uri="{BB962C8B-B14F-4D97-AF65-F5344CB8AC3E}">
+        <p14:creationId xmlns:p14="http://schemas.microsoft.com/office/powerpoint/2010/main" val="3189312476"/>
       </p:ext>
     </p:extLst>
   </p:cSld>
@@ -10158,7 +16111,7 @@
   <a:extraClrSchemeLst/>
   <a:extLst>
     <a:ext uri="{05A4C25C-085E-4340-85A3-A5531E510DB2}">
-      <thm15:themeFamily xmlns:thm15="http://schemas.microsoft.com/office/thememl/2012/main" xmlns="" name="Theme1" id="{4DC015B6-F420-4CE0-B51C-21BE6322361F}" vid="{1413F7E4-2720-4250-A1CE-68DF955E7FCD}"/>
+      <thm15:themeFamily xmlns="" xmlns:thm15="http://schemas.microsoft.com/office/thememl/2012/main" name="Theme1" id="{4DC015B6-F420-4CE0-B51C-21BE6322361F}" vid="{1413F7E4-2720-4250-A1CE-68DF955E7FCD}"/>
     </a:ext>
   </a:extLst>
 </a:theme>
@@ -10419,7 +16372,7 @@
   <a:extraClrSchemeLst/>
   <a:extLst>
     <a:ext uri="{05A4C25C-085E-4340-85A3-A5531E510DB2}">
-      <thm15:themeFamily xmlns:thm15="http://schemas.microsoft.com/office/thememl/2012/main" xmlns="" name="Office Theme" id="{62F939B6-93AF-4DB8-9C6B-D6C7DFDC589F}" vid="{4A3C46E8-61CC-4603-A589-7422A47A8E4A}"/>
+      <thm15:themeFamily xmlns="" xmlns:thm15="http://schemas.microsoft.com/office/thememl/2012/main" name="Office Theme" id="{62F939B6-93AF-4DB8-9C6B-D6C7DFDC589F}" vid="{4A3C46E8-61CC-4603-A589-7422A47A8E4A}"/>
     </a:ext>
   </a:extLst>
 </a:theme>

--- a/Presentations/CDR_Presentation.pptx
+++ b/Presentations/CDR_Presentation.pptx
@@ -26,9 +26,9 @@
     <p:sldId id="283" r:id="rId17"/>
     <p:sldId id="284" r:id="rId18"/>
     <p:sldId id="285" r:id="rId19"/>
-    <p:sldId id="286" r:id="rId20"/>
-    <p:sldId id="287" r:id="rId21"/>
-    <p:sldId id="288" r:id="rId22"/>
+    <p:sldId id="294" r:id="rId20"/>
+    <p:sldId id="295" r:id="rId21"/>
+    <p:sldId id="296" r:id="rId22"/>
     <p:sldId id="289" r:id="rId23"/>
     <p:sldId id="290" r:id="rId24"/>
     <p:sldId id="291" r:id="rId25"/>
@@ -174,9 +174,9 @@
             <p14:sldId id="283"/>
             <p14:sldId id="284"/>
             <p14:sldId id="285"/>
-            <p14:sldId id="286"/>
-            <p14:sldId id="287"/>
-            <p14:sldId id="288"/>
+            <p14:sldId id="294"/>
+            <p14:sldId id="295"/>
+            <p14:sldId id="296"/>
             <p14:sldId id="289"/>
             <p14:sldId id="290"/>
             <p14:sldId id="291"/>
@@ -210,7 +210,7 @@
       </p14:sectionLst>
     </p:ext>
     <p:ext uri="{EFAFB233-063F-42B5-8137-9DF3F51BA10A}">
-      <p15:sldGuideLst xmlns="" xmlns:p15="http://schemas.microsoft.com/office/powerpoint/2012/main"/>
+      <p15:sldGuideLst xmlns:p15="http://schemas.microsoft.com/office/powerpoint/2012/main" xmlns=""/>
     </p:ext>
   </p:extLst>
 </p:presentation>
@@ -298,7 +298,7 @@
           <a:p>
             <a:fld id="{31C140BA-0231-455E-9316-1D73A33F1CEF}" type="datetimeFigureOut">
               <a:rPr lang="en-US" smtClean="0"/>
-              <a:t>11/28/15</a:t>
+              <a:t>11/29/15</a:t>
             </a:fld>
             <a:endParaRPr lang="en-US"/>
           </a:p>
@@ -752,7 +752,7 @@
           <a:p>
             <a:fld id="{7DDDCAA9-9585-4BDA-B647-DCFF46B7611D}" type="datetimeFigureOut">
               <a:rPr lang="en-US" smtClean="0"/>
-              <a:t>11/28/15</a:t>
+              <a:t>11/29/15</a:t>
             </a:fld>
             <a:endParaRPr lang="en-US"/>
           </a:p>
@@ -1027,7 +1027,7 @@
           <a:p>
             <a:fld id="{7DDDCAA9-9585-4BDA-B647-DCFF46B7611D}" type="datetimeFigureOut">
               <a:rPr lang="en-US" smtClean="0"/>
-              <a:t>11/28/15</a:t>
+              <a:t>11/29/15</a:t>
             </a:fld>
             <a:endParaRPr lang="en-US"/>
           </a:p>
@@ -1221,7 +1221,7 @@
           <a:p>
             <a:fld id="{7DDDCAA9-9585-4BDA-B647-DCFF46B7611D}" type="datetimeFigureOut">
               <a:rPr lang="en-US" smtClean="0"/>
-              <a:t>11/28/15</a:t>
+              <a:t>11/29/15</a:t>
             </a:fld>
             <a:endParaRPr lang="en-US"/>
           </a:p>
@@ -1494,7 +1494,7 @@
           <a:p>
             <a:fld id="{7DDDCAA9-9585-4BDA-B647-DCFF46B7611D}" type="datetimeFigureOut">
               <a:rPr lang="en-US" smtClean="0"/>
-              <a:t>11/28/15</a:t>
+              <a:t>11/29/15</a:t>
             </a:fld>
             <a:endParaRPr lang="en-US"/>
           </a:p>
@@ -1835,7 +1835,7 @@
           <a:p>
             <a:fld id="{7DDDCAA9-9585-4BDA-B647-DCFF46B7611D}" type="datetimeFigureOut">
               <a:rPr lang="en-US" smtClean="0"/>
-              <a:t>11/28/15</a:t>
+              <a:t>11/29/15</a:t>
             </a:fld>
             <a:endParaRPr lang="en-US"/>
           </a:p>
@@ -2458,7 +2458,7 @@
           <a:p>
             <a:fld id="{7DDDCAA9-9585-4BDA-B647-DCFF46B7611D}" type="datetimeFigureOut">
               <a:rPr lang="en-US" smtClean="0"/>
-              <a:t>11/28/15</a:t>
+              <a:t>11/29/15</a:t>
             </a:fld>
             <a:endParaRPr lang="en-US"/>
           </a:p>
@@ -3318,7 +3318,7 @@
           <a:p>
             <a:fld id="{7DDDCAA9-9585-4BDA-B647-DCFF46B7611D}" type="datetimeFigureOut">
               <a:rPr lang="en-US" smtClean="0"/>
-              <a:t>11/28/15</a:t>
+              <a:t>11/29/15</a:t>
             </a:fld>
             <a:endParaRPr lang="en-US"/>
           </a:p>
@@ -3488,7 +3488,7 @@
           <a:p>
             <a:fld id="{7DDDCAA9-9585-4BDA-B647-DCFF46B7611D}" type="datetimeFigureOut">
               <a:rPr lang="en-US" smtClean="0"/>
-              <a:t>11/28/15</a:t>
+              <a:t>11/29/15</a:t>
             </a:fld>
             <a:endParaRPr lang="en-US"/>
           </a:p>
@@ -3668,7 +3668,7 @@
           <a:p>
             <a:fld id="{7DDDCAA9-9585-4BDA-B647-DCFF46B7611D}" type="datetimeFigureOut">
               <a:rPr lang="en-US" smtClean="0"/>
-              <a:t>11/28/15</a:t>
+              <a:t>11/29/15</a:t>
             </a:fld>
             <a:endParaRPr lang="en-US"/>
           </a:p>
@@ -4064,7 +4064,7 @@
           <a:p>
             <a:fld id="{7DDDCAA9-9585-4BDA-B647-DCFF46B7611D}" type="datetimeFigureOut">
               <a:rPr lang="en-US" smtClean="0"/>
-              <a:t>11/28/15</a:t>
+              <a:t>11/29/15</a:t>
             </a:fld>
             <a:endParaRPr lang="en-US"/>
           </a:p>
@@ -4356,7 +4356,7 @@
           <a:p>
             <a:fld id="{7DDDCAA9-9585-4BDA-B647-DCFF46B7611D}" type="datetimeFigureOut">
               <a:rPr lang="en-US" smtClean="0"/>
-              <a:t>11/28/15</a:t>
+              <a:t>11/29/15</a:t>
             </a:fld>
             <a:endParaRPr lang="en-US"/>
           </a:p>
@@ -4800,7 +4800,7 @@
           <a:p>
             <a:fld id="{7DDDCAA9-9585-4BDA-B647-DCFF46B7611D}" type="datetimeFigureOut">
               <a:rPr lang="en-US" smtClean="0"/>
-              <a:t>11/28/15</a:t>
+              <a:t>11/29/15</a:t>
             </a:fld>
             <a:endParaRPr lang="en-US"/>
           </a:p>
@@ -4918,7 +4918,7 @@
           <a:p>
             <a:fld id="{7DDDCAA9-9585-4BDA-B647-DCFF46B7611D}" type="datetimeFigureOut">
               <a:rPr lang="en-US" smtClean="0"/>
-              <a:t>11/28/15</a:t>
+              <a:t>11/29/15</a:t>
             </a:fld>
             <a:endParaRPr lang="en-US"/>
           </a:p>
@@ -5013,7 +5013,7 @@
           <a:p>
             <a:fld id="{7DDDCAA9-9585-4BDA-B647-DCFF46B7611D}" type="datetimeFigureOut">
               <a:rPr lang="en-US" smtClean="0"/>
-              <a:t>11/28/15</a:t>
+              <a:t>11/29/15</a:t>
             </a:fld>
             <a:endParaRPr lang="en-US"/>
           </a:p>
@@ -5292,7 +5292,7 @@
           <a:p>
             <a:fld id="{7DDDCAA9-9585-4BDA-B647-DCFF46B7611D}" type="datetimeFigureOut">
               <a:rPr lang="en-US" smtClean="0"/>
-              <a:t>11/28/15</a:t>
+              <a:t>11/29/15</a:t>
             </a:fld>
             <a:endParaRPr lang="en-US"/>
           </a:p>
@@ -5567,7 +5567,7 @@
           <a:p>
             <a:fld id="{7DDDCAA9-9585-4BDA-B647-DCFF46B7611D}" type="datetimeFigureOut">
               <a:rPr lang="en-US" smtClean="0"/>
-              <a:t>11/28/15</a:t>
+              <a:t>11/29/15</a:t>
             </a:fld>
             <a:endParaRPr lang="en-US"/>
           </a:p>
@@ -5969,7 +5969,7 @@
           <a:p>
             <a:fld id="{7DDDCAA9-9585-4BDA-B647-DCFF46B7611D}" type="datetimeFigureOut">
               <a:rPr lang="en-US" smtClean="0"/>
-              <a:t>11/28/15</a:t>
+              <a:t>11/29/15</a:t>
             </a:fld>
             <a:endParaRPr lang="en-US"/>
           </a:p>
@@ -8812,15 +8812,21 @@
           <p:nvPr/>
         </p:nvPicPr>
         <p:blipFill>
-          <a:blip r:embed="rId5"/>
+          <a:blip r:embed="rId5">
+            <a:extLst>
+              <a:ext uri="{28A0092B-C50C-407E-A947-70E740481C1C}">
+                <a14:useLocalDpi xmlns:a14="http://schemas.microsoft.com/office/drawing/2010/main" val="0"/>
+              </a:ext>
+            </a:extLst>
+          </a:blip>
           <a:stretch>
             <a:fillRect/>
           </a:stretch>
         </p:blipFill>
         <p:spPr>
           <a:xfrm>
-            <a:off x="1346321" y="1441450"/>
-            <a:ext cx="4051300" cy="3975100"/>
+            <a:off x="1346321" y="1442890"/>
+            <a:ext cx="4051300" cy="3972220"/>
           </a:xfrm>
           <a:prstGeom prst="rect">
             <a:avLst/>
@@ -8836,15 +8842,21 @@
           <p:nvPr/>
         </p:nvPicPr>
         <p:blipFill>
-          <a:blip r:embed="rId6"/>
+          <a:blip r:embed="rId6">
+            <a:extLst>
+              <a:ext uri="{28A0092B-C50C-407E-A947-70E740481C1C}">
+                <a14:useLocalDpi xmlns:a14="http://schemas.microsoft.com/office/drawing/2010/main" val="0"/>
+              </a:ext>
+            </a:extLst>
+          </a:blip>
           <a:stretch>
             <a:fillRect/>
           </a:stretch>
         </p:blipFill>
         <p:spPr>
           <a:xfrm>
-            <a:off x="1346321" y="1446845"/>
-            <a:ext cx="4051300" cy="3937000"/>
+            <a:off x="1346322" y="1447483"/>
+            <a:ext cx="4051300" cy="3935722"/>
           </a:xfrm>
           <a:prstGeom prst="rect">
             <a:avLst/>
@@ -8860,15 +8872,21 @@
           <p:nvPr/>
         </p:nvPicPr>
         <p:blipFill>
-          <a:blip r:embed="rId7"/>
+          <a:blip r:embed="rId7">
+            <a:extLst>
+              <a:ext uri="{28A0092B-C50C-407E-A947-70E740481C1C}">
+                <a14:useLocalDpi xmlns:a14="http://schemas.microsoft.com/office/drawing/2010/main" val="0"/>
+              </a:ext>
+            </a:extLst>
+          </a:blip>
           <a:stretch>
             <a:fillRect/>
           </a:stretch>
         </p:blipFill>
         <p:spPr>
           <a:xfrm>
-            <a:off x="1346321" y="1441450"/>
-            <a:ext cx="4051300" cy="3975100"/>
+            <a:off x="1346322" y="1442890"/>
+            <a:ext cx="4051300" cy="3972220"/>
           </a:xfrm>
           <a:prstGeom prst="rect">
             <a:avLst/>
@@ -8884,15 +8902,21 @@
           <p:nvPr/>
         </p:nvPicPr>
         <p:blipFill>
-          <a:blip r:embed="rId8"/>
+          <a:blip r:embed="rId8">
+            <a:extLst>
+              <a:ext uri="{28A0092B-C50C-407E-A947-70E740481C1C}">
+                <a14:useLocalDpi xmlns:a14="http://schemas.microsoft.com/office/drawing/2010/main" val="0"/>
+              </a:ext>
+            </a:extLst>
+          </a:blip>
           <a:stretch>
             <a:fillRect/>
           </a:stretch>
         </p:blipFill>
         <p:spPr>
           <a:xfrm>
-            <a:off x="6359015" y="1206500"/>
-            <a:ext cx="4445000" cy="4445000"/>
+            <a:off x="6362055" y="1206500"/>
+            <a:ext cx="4438919" cy="4445000"/>
           </a:xfrm>
           <a:prstGeom prst="rect">
             <a:avLst/>
@@ -8908,15 +8932,21 @@
           <p:nvPr/>
         </p:nvPicPr>
         <p:blipFill>
-          <a:blip r:embed="rId9"/>
+          <a:blip r:embed="rId9">
+            <a:extLst>
+              <a:ext uri="{28A0092B-C50C-407E-A947-70E740481C1C}">
+                <a14:useLocalDpi xmlns:a14="http://schemas.microsoft.com/office/drawing/2010/main" val="0"/>
+              </a:ext>
+            </a:extLst>
+          </a:blip>
           <a:stretch>
             <a:fillRect/>
           </a:stretch>
         </p:blipFill>
         <p:spPr>
           <a:xfrm>
-            <a:off x="6359015" y="1206500"/>
-            <a:ext cx="4445000" cy="4445000"/>
+            <a:off x="6362055" y="1206500"/>
+            <a:ext cx="4438919" cy="4445000"/>
           </a:xfrm>
           <a:prstGeom prst="rect">
             <a:avLst/>
@@ -8964,7 +8994,7 @@
     </p:spTree>
     <p:extLst>
       <p:ext uri="{BB962C8B-B14F-4D97-AF65-F5344CB8AC3E}">
-        <p14:creationId xmlns:p14="http://schemas.microsoft.com/office/powerpoint/2010/main" val="3104484450"/>
+        <p14:creationId xmlns:p14="http://schemas.microsoft.com/office/powerpoint/2010/main" val="3581672069"/>
       </p:ext>
     </p:extLst>
   </p:cSld>
@@ -9812,15 +9842,21 @@
           <p:nvPr/>
         </p:nvPicPr>
         <p:blipFill>
-          <a:blip r:embed="rId5"/>
+          <a:blip r:embed="rId5">
+            <a:extLst>
+              <a:ext uri="{28A0092B-C50C-407E-A947-70E740481C1C}">
+                <a14:useLocalDpi xmlns:a14="http://schemas.microsoft.com/office/drawing/2010/main" val="0"/>
+              </a:ext>
+            </a:extLst>
+          </a:blip>
           <a:stretch>
             <a:fillRect/>
           </a:stretch>
         </p:blipFill>
         <p:spPr>
           <a:xfrm>
-            <a:off x="6359016" y="1206500"/>
-            <a:ext cx="4445000" cy="4445000"/>
+            <a:off x="6362056" y="1206500"/>
+            <a:ext cx="4438919" cy="4445000"/>
           </a:xfrm>
           <a:prstGeom prst="rect">
             <a:avLst/>
@@ -9836,15 +9872,21 @@
           <p:nvPr/>
         </p:nvPicPr>
         <p:blipFill>
-          <a:blip r:embed="rId6"/>
+          <a:blip r:embed="rId6">
+            <a:extLst>
+              <a:ext uri="{28A0092B-C50C-407E-A947-70E740481C1C}">
+                <a14:useLocalDpi xmlns:a14="http://schemas.microsoft.com/office/drawing/2010/main" val="0"/>
+              </a:ext>
+            </a:extLst>
+          </a:blip>
           <a:stretch>
             <a:fillRect/>
           </a:stretch>
         </p:blipFill>
         <p:spPr>
           <a:xfrm>
-            <a:off x="6359016" y="1206500"/>
-            <a:ext cx="4445000" cy="4445000"/>
+            <a:off x="6362056" y="1206500"/>
+            <a:ext cx="4438919" cy="4445000"/>
           </a:xfrm>
           <a:prstGeom prst="rect">
             <a:avLst/>
@@ -10162,7 +10204,7 @@
     </p:spTree>
     <p:extLst>
       <p:ext uri="{BB962C8B-B14F-4D97-AF65-F5344CB8AC3E}">
-        <p14:creationId xmlns:p14="http://schemas.microsoft.com/office/powerpoint/2010/main" val="2181249060"/>
+        <p14:creationId xmlns:p14="http://schemas.microsoft.com/office/powerpoint/2010/main" val="3343994159"/>
       </p:ext>
     </p:extLst>
   </p:cSld>
@@ -10660,15 +10702,21 @@
           <p:nvPr/>
         </p:nvPicPr>
         <p:blipFill>
-          <a:blip r:embed="rId5"/>
+          <a:blip r:embed="rId5">
+            <a:extLst>
+              <a:ext uri="{28A0092B-C50C-407E-A947-70E740481C1C}">
+                <a14:useLocalDpi xmlns:a14="http://schemas.microsoft.com/office/drawing/2010/main" val="0"/>
+              </a:ext>
+            </a:extLst>
+          </a:blip>
           <a:stretch>
             <a:fillRect/>
           </a:stretch>
         </p:blipFill>
         <p:spPr>
           <a:xfrm>
-            <a:off x="6359016" y="1206500"/>
-            <a:ext cx="4445000" cy="4445000"/>
+            <a:off x="6362056" y="1206500"/>
+            <a:ext cx="4438919" cy="4445000"/>
           </a:xfrm>
           <a:prstGeom prst="rect">
             <a:avLst/>
@@ -10684,15 +10732,21 @@
           <p:nvPr/>
         </p:nvPicPr>
         <p:blipFill>
-          <a:blip r:embed="rId6"/>
+          <a:blip r:embed="rId6">
+            <a:extLst>
+              <a:ext uri="{28A0092B-C50C-407E-A947-70E740481C1C}">
+                <a14:useLocalDpi xmlns:a14="http://schemas.microsoft.com/office/drawing/2010/main" val="0"/>
+              </a:ext>
+            </a:extLst>
+          </a:blip>
           <a:stretch>
             <a:fillRect/>
           </a:stretch>
         </p:blipFill>
         <p:spPr>
           <a:xfrm>
-            <a:off x="6359015" y="1206500"/>
-            <a:ext cx="4445000" cy="4445000"/>
+            <a:off x="6362055" y="1206500"/>
+            <a:ext cx="4438919" cy="4445000"/>
           </a:xfrm>
           <a:prstGeom prst="rect">
             <a:avLst/>
@@ -10708,15 +10762,21 @@
           <p:nvPr/>
         </p:nvPicPr>
         <p:blipFill>
-          <a:blip r:embed="rId7"/>
+          <a:blip r:embed="rId7">
+            <a:extLst>
+              <a:ext uri="{28A0092B-C50C-407E-A947-70E740481C1C}">
+                <a14:useLocalDpi xmlns:a14="http://schemas.microsoft.com/office/drawing/2010/main" val="0"/>
+              </a:ext>
+            </a:extLst>
+          </a:blip>
           <a:stretch>
             <a:fillRect/>
           </a:stretch>
         </p:blipFill>
         <p:spPr>
           <a:xfrm>
-            <a:off x="6359016" y="1206500"/>
-            <a:ext cx="4445000" cy="4445000"/>
+            <a:off x="6362055" y="1206500"/>
+            <a:ext cx="4438919" cy="4445000"/>
           </a:xfrm>
           <a:prstGeom prst="rect">
             <a:avLst/>
@@ -10732,15 +10792,21 @@
           <p:nvPr/>
         </p:nvPicPr>
         <p:blipFill>
-          <a:blip r:embed="rId8"/>
+          <a:blip r:embed="rId8">
+            <a:extLst>
+              <a:ext uri="{28A0092B-C50C-407E-A947-70E740481C1C}">
+                <a14:useLocalDpi xmlns:a14="http://schemas.microsoft.com/office/drawing/2010/main" val="0"/>
+              </a:ext>
+            </a:extLst>
+          </a:blip>
           <a:stretch>
             <a:fillRect/>
           </a:stretch>
         </p:blipFill>
         <p:spPr>
           <a:xfrm>
-            <a:off x="6359015" y="1206500"/>
-            <a:ext cx="4445000" cy="4445000"/>
+            <a:off x="6362054" y="1206500"/>
+            <a:ext cx="4438919" cy="4445000"/>
           </a:xfrm>
           <a:prstGeom prst="rect">
             <a:avLst/>
@@ -10756,15 +10822,21 @@
           <p:nvPr/>
         </p:nvPicPr>
         <p:blipFill>
-          <a:blip r:embed="rId9"/>
+          <a:blip r:embed="rId9">
+            <a:extLst>
+              <a:ext uri="{28A0092B-C50C-407E-A947-70E740481C1C}">
+                <a14:useLocalDpi xmlns:a14="http://schemas.microsoft.com/office/drawing/2010/main" val="0"/>
+              </a:ext>
+            </a:extLst>
+          </a:blip>
           <a:stretch>
             <a:fillRect/>
           </a:stretch>
         </p:blipFill>
         <p:spPr>
           <a:xfrm>
-            <a:off x="6359015" y="1206500"/>
-            <a:ext cx="4445000" cy="4445000"/>
+            <a:off x="6370694" y="1206500"/>
+            <a:ext cx="4438919" cy="4445000"/>
           </a:xfrm>
           <a:prstGeom prst="rect">
             <a:avLst/>
@@ -11091,7 +11163,7 @@
     </p:spTree>
     <p:extLst>
       <p:ext uri="{BB962C8B-B14F-4D97-AF65-F5344CB8AC3E}">
-        <p14:creationId xmlns:p14="http://schemas.microsoft.com/office/powerpoint/2010/main" val="2148301538"/>
+        <p14:creationId xmlns:p14="http://schemas.microsoft.com/office/powerpoint/2010/main" val="2879342858"/>
       </p:ext>
     </p:extLst>
   </p:cSld>
@@ -16111,7 +16183,7 @@
   <a:extraClrSchemeLst/>
   <a:extLst>
     <a:ext uri="{05A4C25C-085E-4340-85A3-A5531E510DB2}">
-      <thm15:themeFamily xmlns="" xmlns:thm15="http://schemas.microsoft.com/office/thememl/2012/main" name="Theme1" id="{4DC015B6-F420-4CE0-B51C-21BE6322361F}" vid="{1413F7E4-2720-4250-A1CE-68DF955E7FCD}"/>
+      <thm15:themeFamily xmlns:thm15="http://schemas.microsoft.com/office/thememl/2012/main" xmlns="" name="Theme1" id="{4DC015B6-F420-4CE0-B51C-21BE6322361F}" vid="{1413F7E4-2720-4250-A1CE-68DF955E7FCD}"/>
     </a:ext>
   </a:extLst>
 </a:theme>
@@ -16372,7 +16444,7 @@
   <a:extraClrSchemeLst/>
   <a:extLst>
     <a:ext uri="{05A4C25C-085E-4340-85A3-A5531E510DB2}">
-      <thm15:themeFamily xmlns="" xmlns:thm15="http://schemas.microsoft.com/office/thememl/2012/main" name="Office Theme" id="{62F939B6-93AF-4DB8-9C6B-D6C7DFDC589F}" vid="{4A3C46E8-61CC-4603-A589-7422A47A8E4A}"/>
+      <thm15:themeFamily xmlns:thm15="http://schemas.microsoft.com/office/thememl/2012/main" xmlns="" name="Office Theme" id="{62F939B6-93AF-4DB8-9C6B-D6C7DFDC589F}" vid="{4A3C46E8-61CC-4603-A589-7422A47A8E4A}"/>
     </a:ext>
   </a:extLst>
 </a:theme>

--- a/Presentations/CDR_Presentation.pptx
+++ b/Presentations/CDR_Presentation.pptx
@@ -210,7 +210,7 @@
       </p14:sectionLst>
     </p:ext>
     <p:ext uri="{EFAFB233-063F-42B5-8137-9DF3F51BA10A}">
-      <p15:sldGuideLst xmlns:p15="http://schemas.microsoft.com/office/powerpoint/2012/main" xmlns=""/>
+      <p15:sldGuideLst xmlns="" xmlns:p15="http://schemas.microsoft.com/office/powerpoint/2012/main"/>
     </p:ext>
   </p:extLst>
 </p:presentation>
@@ -298,7 +298,7 @@
           <a:p>
             <a:fld id="{31C140BA-0231-455E-9316-1D73A33F1CEF}" type="datetimeFigureOut">
               <a:rPr lang="en-US" smtClean="0"/>
-              <a:t>11/29/15</a:t>
+              <a:t>11/30/15</a:t>
             </a:fld>
             <a:endParaRPr lang="en-US"/>
           </a:p>
@@ -752,7 +752,7 @@
           <a:p>
             <a:fld id="{7DDDCAA9-9585-4BDA-B647-DCFF46B7611D}" type="datetimeFigureOut">
               <a:rPr lang="en-US" smtClean="0"/>
-              <a:t>11/29/15</a:t>
+              <a:t>11/30/15</a:t>
             </a:fld>
             <a:endParaRPr lang="en-US"/>
           </a:p>
@@ -1027,7 +1027,7 @@
           <a:p>
             <a:fld id="{7DDDCAA9-9585-4BDA-B647-DCFF46B7611D}" type="datetimeFigureOut">
               <a:rPr lang="en-US" smtClean="0"/>
-              <a:t>11/29/15</a:t>
+              <a:t>11/30/15</a:t>
             </a:fld>
             <a:endParaRPr lang="en-US"/>
           </a:p>
@@ -1221,7 +1221,7 @@
           <a:p>
             <a:fld id="{7DDDCAA9-9585-4BDA-B647-DCFF46B7611D}" type="datetimeFigureOut">
               <a:rPr lang="en-US" smtClean="0"/>
-              <a:t>11/29/15</a:t>
+              <a:t>11/30/15</a:t>
             </a:fld>
             <a:endParaRPr lang="en-US"/>
           </a:p>
@@ -1494,7 +1494,7 @@
           <a:p>
             <a:fld id="{7DDDCAA9-9585-4BDA-B647-DCFF46B7611D}" type="datetimeFigureOut">
               <a:rPr lang="en-US" smtClean="0"/>
-              <a:t>11/29/15</a:t>
+              <a:t>11/30/15</a:t>
             </a:fld>
             <a:endParaRPr lang="en-US"/>
           </a:p>
@@ -1835,7 +1835,7 @@
           <a:p>
             <a:fld id="{7DDDCAA9-9585-4BDA-B647-DCFF46B7611D}" type="datetimeFigureOut">
               <a:rPr lang="en-US" smtClean="0"/>
-              <a:t>11/29/15</a:t>
+              <a:t>11/30/15</a:t>
             </a:fld>
             <a:endParaRPr lang="en-US"/>
           </a:p>
@@ -2458,7 +2458,7 @@
           <a:p>
             <a:fld id="{7DDDCAA9-9585-4BDA-B647-DCFF46B7611D}" type="datetimeFigureOut">
               <a:rPr lang="en-US" smtClean="0"/>
-              <a:t>11/29/15</a:t>
+              <a:t>11/30/15</a:t>
             </a:fld>
             <a:endParaRPr lang="en-US"/>
           </a:p>
@@ -3318,7 +3318,7 @@
           <a:p>
             <a:fld id="{7DDDCAA9-9585-4BDA-B647-DCFF46B7611D}" type="datetimeFigureOut">
               <a:rPr lang="en-US" smtClean="0"/>
-              <a:t>11/29/15</a:t>
+              <a:t>11/30/15</a:t>
             </a:fld>
             <a:endParaRPr lang="en-US"/>
           </a:p>
@@ -3488,7 +3488,7 @@
           <a:p>
             <a:fld id="{7DDDCAA9-9585-4BDA-B647-DCFF46B7611D}" type="datetimeFigureOut">
               <a:rPr lang="en-US" smtClean="0"/>
-              <a:t>11/29/15</a:t>
+              <a:t>11/30/15</a:t>
             </a:fld>
             <a:endParaRPr lang="en-US"/>
           </a:p>
@@ -3668,7 +3668,7 @@
           <a:p>
             <a:fld id="{7DDDCAA9-9585-4BDA-B647-DCFF46B7611D}" type="datetimeFigureOut">
               <a:rPr lang="en-US" smtClean="0"/>
-              <a:t>11/29/15</a:t>
+              <a:t>11/30/15</a:t>
             </a:fld>
             <a:endParaRPr lang="en-US"/>
           </a:p>
@@ -4064,7 +4064,7 @@
           <a:p>
             <a:fld id="{7DDDCAA9-9585-4BDA-B647-DCFF46B7611D}" type="datetimeFigureOut">
               <a:rPr lang="en-US" smtClean="0"/>
-              <a:t>11/29/15</a:t>
+              <a:t>11/30/15</a:t>
             </a:fld>
             <a:endParaRPr lang="en-US"/>
           </a:p>
@@ -4356,7 +4356,7 @@
           <a:p>
             <a:fld id="{7DDDCAA9-9585-4BDA-B647-DCFF46B7611D}" type="datetimeFigureOut">
               <a:rPr lang="en-US" smtClean="0"/>
-              <a:t>11/29/15</a:t>
+              <a:t>11/30/15</a:t>
             </a:fld>
             <a:endParaRPr lang="en-US"/>
           </a:p>
@@ -4800,7 +4800,7 @@
           <a:p>
             <a:fld id="{7DDDCAA9-9585-4BDA-B647-DCFF46B7611D}" type="datetimeFigureOut">
               <a:rPr lang="en-US" smtClean="0"/>
-              <a:t>11/29/15</a:t>
+              <a:t>11/30/15</a:t>
             </a:fld>
             <a:endParaRPr lang="en-US"/>
           </a:p>
@@ -4918,7 +4918,7 @@
           <a:p>
             <a:fld id="{7DDDCAA9-9585-4BDA-B647-DCFF46B7611D}" type="datetimeFigureOut">
               <a:rPr lang="en-US" smtClean="0"/>
-              <a:t>11/29/15</a:t>
+              <a:t>11/30/15</a:t>
             </a:fld>
             <a:endParaRPr lang="en-US"/>
           </a:p>
@@ -5013,7 +5013,7 @@
           <a:p>
             <a:fld id="{7DDDCAA9-9585-4BDA-B647-DCFF46B7611D}" type="datetimeFigureOut">
               <a:rPr lang="en-US" smtClean="0"/>
-              <a:t>11/29/15</a:t>
+              <a:t>11/30/15</a:t>
             </a:fld>
             <a:endParaRPr lang="en-US"/>
           </a:p>
@@ -5292,7 +5292,7 @@
           <a:p>
             <a:fld id="{7DDDCAA9-9585-4BDA-B647-DCFF46B7611D}" type="datetimeFigureOut">
               <a:rPr lang="en-US" smtClean="0"/>
-              <a:t>11/29/15</a:t>
+              <a:t>11/30/15</a:t>
             </a:fld>
             <a:endParaRPr lang="en-US"/>
           </a:p>
@@ -5567,7 +5567,7 @@
           <a:p>
             <a:fld id="{7DDDCAA9-9585-4BDA-B647-DCFF46B7611D}" type="datetimeFigureOut">
               <a:rPr lang="en-US" smtClean="0"/>
-              <a:t>11/29/15</a:t>
+              <a:t>11/30/15</a:t>
             </a:fld>
             <a:endParaRPr lang="en-US"/>
           </a:p>
@@ -5969,7 +5969,7 @@
           <a:p>
             <a:fld id="{7DDDCAA9-9585-4BDA-B647-DCFF46B7611D}" type="datetimeFigureOut">
               <a:rPr lang="en-US" smtClean="0"/>
-              <a:t>11/29/15</a:t>
+              <a:t>11/30/15</a:t>
             </a:fld>
             <a:endParaRPr lang="en-US"/>
           </a:p>
@@ -7177,6 +7177,13 @@
   <p:clrMapOvr>
     <a:masterClrMapping/>
   </p:clrMapOvr>
+  <p:timing>
+    <p:tnLst>
+      <p:par>
+        <p:cTn xmlns:p14="http://schemas.microsoft.com/office/powerpoint/2010/main" id="1" dur="indefinite" restart="never" nodeType="tmRoot"/>
+      </p:par>
+    </p:tnLst>
+  </p:timing>
 </p:sld>
 </file>
 
@@ -7298,6 +7305,13 @@
   <p:clrMapOvr>
     <a:masterClrMapping/>
   </p:clrMapOvr>
+  <p:timing>
+    <p:tnLst>
+      <p:par>
+        <p:cTn xmlns:p14="http://schemas.microsoft.com/office/powerpoint/2010/main" id="1" dur="indefinite" restart="never" nodeType="tmRoot"/>
+      </p:par>
+    </p:tnLst>
+  </p:timing>
 </p:sld>
 </file>
 
@@ -8982,6 +8996,76 @@
                 </a:solidFill>
               </a:rPr>
               <a:t>2°</a:t>
+            </a:r>
+            <a:endParaRPr lang="en-US" dirty="0">
+              <a:solidFill>
+                <a:schemeClr val="bg1"/>
+              </a:solidFill>
+            </a:endParaRPr>
+          </a:p>
+        </p:txBody>
+      </p:sp>
+      <p:pic>
+        <p:nvPicPr>
+          <p:cNvPr id="14" name="Picture 13"/>
+          <p:cNvPicPr>
+            <a:picLocks noChangeAspect="1"/>
+          </p:cNvPicPr>
+          <p:nvPr/>
+        </p:nvPicPr>
+        <p:blipFill>
+          <a:blip r:embed="rId10"/>
+          <a:stretch>
+            <a:fillRect/>
+          </a:stretch>
+        </p:blipFill>
+        <p:spPr>
+          <a:xfrm>
+            <a:off x="6373560" y="3403600"/>
+            <a:ext cx="2222500" cy="38100"/>
+          </a:xfrm>
+          <a:prstGeom prst="rect">
+            <a:avLst/>
+          </a:prstGeom>
+        </p:spPr>
+      </p:pic>
+      <p:sp>
+        <p:nvSpPr>
+          <p:cNvPr id="21" name="TextBox 20"/>
+          <p:cNvSpPr txBox="1"/>
+          <p:nvPr/>
+        </p:nvSpPr>
+        <p:spPr>
+          <a:xfrm>
+            <a:off x="6936634" y="3486970"/>
+            <a:ext cx="1094480" cy="376944"/>
+          </a:xfrm>
+          <a:prstGeom prst="rect">
+            <a:avLst/>
+          </a:prstGeom>
+          <a:noFill/>
+        </p:spPr>
+        <p:txBody>
+          <a:bodyPr wrap="square" rtlCol="0">
+            <a:spAutoFit/>
+          </a:bodyPr>
+          <a:lstStyle/>
+          <a:p>
+            <a:r>
+              <a:rPr lang="en-US" dirty="0" smtClean="0">
+                <a:solidFill>
+                  <a:schemeClr val="bg1"/>
+                </a:solidFill>
+              </a:rPr>
+              <a:t>2</a:t>
+            </a:r>
+            <a:r>
+              <a:rPr lang="en-US" dirty="0" smtClean="0">
+                <a:solidFill>
+                  <a:schemeClr val="bg1"/>
+                </a:solidFill>
+              </a:rPr>
+              <a:t>000 km</a:t>
             </a:r>
             <a:endParaRPr lang="en-US" dirty="0">
               <a:solidFill>
@@ -9372,6 +9456,60 @@
                                   </p:childTnLst>
                                 </p:cTn>
                               </p:par>
+                              <p:par>
+                                <p:cTn id="32" presetID="1" presetClass="entr" presetSubtype="0" fill="hold" grpId="0" nodeType="withEffect">
+                                  <p:stCondLst>
+                                    <p:cond delay="0"/>
+                                  </p:stCondLst>
+                                  <p:childTnLst>
+                                    <p:set>
+                                      <p:cBhvr>
+                                        <p:cTn id="33" dur="1" fill="hold">
+                                          <p:stCondLst>
+                                            <p:cond delay="0"/>
+                                          </p:stCondLst>
+                                        </p:cTn>
+                                        <p:tgtEl>
+                                          <p:spTgt spid="21"/>
+                                        </p:tgtEl>
+                                        <p:attrNameLst>
+                                          <p:attrName>style.visibility</p:attrName>
+                                        </p:attrNameLst>
+                                      </p:cBhvr>
+                                      <p:to>
+                                        <p:strVal val="visible"/>
+                                      </p:to>
+                                    </p:set>
+                                  </p:childTnLst>
+                                </p:cTn>
+                              </p:par>
+                              <p:par>
+                                <p:cTn id="34" presetID="1" presetClass="entr" presetSubtype="0" fill="hold" nodeType="withEffect">
+                                  <p:stCondLst>
+                                    <p:cond delay="0"/>
+                                  </p:stCondLst>
+                                  <p:childTnLst>
+                                    <p:set>
+                                      <p:cBhvr>
+                                        <p:cTn id="35" dur="1" fill="hold">
+                                          <p:stCondLst>
+                                            <p:cond delay="0"/>
+                                          </p:stCondLst>
+                                        </p:cTn>
+                                        <p:tgtEl>
+                                          <p:spTgt spid="14"/>
+                                        </p:tgtEl>
+                                        <p:attrNameLst>
+                                          <p:attrName>style.visibility</p:attrName>
+                                        </p:attrNameLst>
+                                      </p:cBhvr>
+                                      <p:to>
+                                        <p:strVal val="visible"/>
+                                      </p:to>
+                                    </p:set>
+                                  </p:childTnLst>
+                                </p:cTn>
+                              </p:par>
                             </p:childTnLst>
                           </p:cTn>
                         </p:par>
@@ -9402,6 +9540,7 @@
     <p:bldLst>
       <p:bldP spid="3" grpId="0" animBg="1"/>
       <p:bldP spid="20" grpId="0"/>
+      <p:bldP spid="21" grpId="0"/>
     </p:bldLst>
   </p:timing>
 </p:sld>
@@ -13601,6 +13740,13 @@
   <p:clrMapOvr>
     <a:masterClrMapping/>
   </p:clrMapOvr>
+  <p:timing>
+    <p:tnLst>
+      <p:par>
+        <p:cTn xmlns:p14="http://schemas.microsoft.com/office/powerpoint/2010/main" id="1" dur="indefinite" restart="never" nodeType="tmRoot"/>
+      </p:par>
+    </p:tnLst>
+  </p:timing>
 </p:sld>
 </file>
 
@@ -16183,7 +16329,7 @@
   <a:extraClrSchemeLst/>
   <a:extLst>
     <a:ext uri="{05A4C25C-085E-4340-85A3-A5531E510DB2}">
-      <thm15:themeFamily xmlns:thm15="http://schemas.microsoft.com/office/thememl/2012/main" xmlns="" name="Theme1" id="{4DC015B6-F420-4CE0-B51C-21BE6322361F}" vid="{1413F7E4-2720-4250-A1CE-68DF955E7FCD}"/>
+      <thm15:themeFamily xmlns="" xmlns:thm15="http://schemas.microsoft.com/office/thememl/2012/main" name="Theme1" id="{4DC015B6-F420-4CE0-B51C-21BE6322361F}" vid="{1413F7E4-2720-4250-A1CE-68DF955E7FCD}"/>
     </a:ext>
   </a:extLst>
 </a:theme>
@@ -16444,7 +16590,7 @@
   <a:extraClrSchemeLst/>
   <a:extLst>
     <a:ext uri="{05A4C25C-085E-4340-85A3-A5531E510DB2}">
-      <thm15:themeFamily xmlns:thm15="http://schemas.microsoft.com/office/thememl/2012/main" xmlns="" name="Office Theme" id="{62F939B6-93AF-4DB8-9C6B-D6C7DFDC589F}" vid="{4A3C46E8-61CC-4603-A589-7422A47A8E4A}"/>
+      <thm15:themeFamily xmlns="" xmlns:thm15="http://schemas.microsoft.com/office/thememl/2012/main" name="Office Theme" id="{62F939B6-93AF-4DB8-9C6B-D6C7DFDC589F}" vid="{4A3C46E8-61CC-4603-A589-7422A47A8E4A}"/>
     </a:ext>
   </a:extLst>
 </a:theme>

--- a/Presentations/CDR_Presentation.pptx
+++ b/Presentations/CDR_Presentation.pptx
@@ -210,7 +210,7 @@
       </p14:sectionLst>
     </p:ext>
     <p:ext uri="{EFAFB233-063F-42B5-8137-9DF3F51BA10A}">
-      <p15:sldGuideLst xmlns="" xmlns:p15="http://schemas.microsoft.com/office/powerpoint/2012/main"/>
+      <p15:sldGuideLst xmlns:p15="http://schemas.microsoft.com/office/powerpoint/2012/main" xmlns=""/>
     </p:ext>
   </p:extLst>
 </p:presentation>
@@ -6826,6 +6826,13 @@
   <p:clrMapOvr>
     <a:masterClrMapping/>
   </p:clrMapOvr>
+  <p:timing>
+    <p:tnLst>
+      <p:par>
+        <p:cTn xmlns:p14="http://schemas.microsoft.com/office/powerpoint/2010/main" id="1" dur="indefinite" restart="never" nodeType="tmRoot"/>
+      </p:par>
+    </p:tnLst>
+  </p:timing>
 </p:sld>
 </file>
 
@@ -6937,6 +6944,13 @@
   <p:clrMapOvr>
     <a:masterClrMapping/>
   </p:clrMapOvr>
+  <p:timing>
+    <p:tnLst>
+      <p:par>
+        <p:cTn xmlns:p14="http://schemas.microsoft.com/office/powerpoint/2010/main" id="1" dur="indefinite" restart="never" nodeType="tmRoot"/>
+      </p:par>
+    </p:tnLst>
+  </p:timing>
 </p:sld>
 </file>
 
@@ -7058,6 +7072,13 @@
   <p:clrMapOvr>
     <a:masterClrMapping/>
   </p:clrMapOvr>
+  <p:timing>
+    <p:tnLst>
+      <p:par>
+        <p:cTn xmlns:p14="http://schemas.microsoft.com/office/powerpoint/2010/main" id="1" dur="indefinite" restart="never" nodeType="tmRoot"/>
+      </p:par>
+    </p:tnLst>
+  </p:timing>
 </p:sld>
 </file>
 
@@ -9057,15 +9078,7 @@
                   <a:schemeClr val="bg1"/>
                 </a:solidFill>
               </a:rPr>
-              <a:t>2</a:t>
-            </a:r>
-            <a:r>
-              <a:rPr lang="en-US" dirty="0" smtClean="0">
-                <a:solidFill>
-                  <a:schemeClr val="bg1"/>
-                </a:solidFill>
-              </a:rPr>
-              <a:t>000 km</a:t>
+              <a:t>2000 km</a:t>
             </a:r>
             <a:endParaRPr lang="en-US" dirty="0">
               <a:solidFill>
@@ -11932,8 +11945,8 @@
         </p:nvSpPr>
         <p:spPr>
           <a:xfrm>
-            <a:off x="458222" y="2840147"/>
-            <a:ext cx="7626532" cy="3548128"/>
+            <a:off x="458222" y="1395302"/>
+            <a:ext cx="7626532" cy="4992973"/>
           </a:xfrm>
         </p:spPr>
         <p:txBody>
@@ -11951,9 +11964,40 @@
           <a:p>
             <a:r>
               <a:rPr lang="en-US" dirty="0" smtClean="0"/>
-              <a:t>Ground Station sends command code</a:t>
-            </a:r>
-            <a:endParaRPr lang="en-US" dirty="0"/>
+              <a:t>Ground Station sends command </a:t>
+            </a:r>
+            <a:r>
+              <a:rPr lang="en-US" dirty="0" smtClean="0"/>
+              <a:t>code</a:t>
+            </a:r>
+          </a:p>
+          <a:p>
+            <a:pPr lvl="1"/>
+            <a:r>
+              <a:rPr lang="en-US" dirty="0"/>
+              <a:t>transfer queued file</a:t>
+            </a:r>
+          </a:p>
+          <a:p>
+            <a:pPr lvl="1"/>
+            <a:r>
+              <a:rPr lang="en-US" dirty="0"/>
+              <a:t>transfer log file</a:t>
+            </a:r>
+          </a:p>
+          <a:p>
+            <a:pPr lvl="1"/>
+            <a:r>
+              <a:rPr lang="en-US" dirty="0"/>
+              <a:t>diagnostics</a:t>
+            </a:r>
+          </a:p>
+          <a:p>
+            <a:pPr lvl="1"/>
+            <a:r>
+              <a:rPr lang="en-US" dirty="0"/>
+              <a:t>delete queued file</a:t>
+            </a:r>
           </a:p>
           <a:p>
             <a:endParaRPr lang="en-US" dirty="0"/>
@@ -11984,6 +12028,287 @@
           </a:prstGeom>
         </p:spPr>
       </p:pic>
+      <p:sp>
+        <p:nvSpPr>
+          <p:cNvPr id="10" name="Content Placeholder 2"/>
+          <p:cNvSpPr txBox="1">
+            <a:spLocks/>
+          </p:cNvSpPr>
+          <p:nvPr/>
+        </p:nvSpPr>
+        <p:spPr>
+          <a:xfrm>
+            <a:off x="3669243" y="4078577"/>
+            <a:ext cx="3843158" cy="2301103"/>
+          </a:xfrm>
+          <a:prstGeom prst="rect">
+            <a:avLst/>
+          </a:prstGeom>
+        </p:spPr>
+        <p:txBody>
+          <a:bodyPr vert="horz" lIns="91440" tIns="45720" rIns="91440" bIns="45720" rtlCol="0" anchor="b">
+            <a:normAutofit/>
+          </a:bodyPr>
+          <a:lstStyle>
+            <a:lvl1pPr marL="342900" indent="-342900" algn="l" defTabSz="457200" rtl="0" eaLnBrk="1" latinLnBrk="0" hangingPunct="1">
+              <a:spcBef>
+                <a:spcPts val="1000"/>
+              </a:spcBef>
+              <a:spcAft>
+                <a:spcPts val="0"/>
+              </a:spcAft>
+              <a:buClr>
+                <a:schemeClr val="bg2">
+                  <a:lumMod val="40000"/>
+                  <a:lumOff val="60000"/>
+                </a:schemeClr>
+              </a:buClr>
+              <a:buSzPct val="80000"/>
+              <a:buFont typeface="Wingdings 3" charset="2"/>
+              <a:buChar char=""/>
+              <a:defRPr sz="2000" b="0" i="0" kern="1200">
+                <a:solidFill>
+                  <a:schemeClr val="tx1"/>
+                </a:solidFill>
+                <a:latin typeface="+mj-lt"/>
+                <a:ea typeface="+mj-ea"/>
+                <a:cs typeface="+mj-cs"/>
+              </a:defRPr>
+            </a:lvl1pPr>
+            <a:lvl2pPr marL="742950" indent="-285750" algn="l" defTabSz="457200" rtl="0" eaLnBrk="1" latinLnBrk="0" hangingPunct="1">
+              <a:spcBef>
+                <a:spcPts val="1000"/>
+              </a:spcBef>
+              <a:spcAft>
+                <a:spcPts val="0"/>
+              </a:spcAft>
+              <a:buClr>
+                <a:schemeClr val="bg2">
+                  <a:lumMod val="40000"/>
+                  <a:lumOff val="60000"/>
+                </a:schemeClr>
+              </a:buClr>
+              <a:buSzPct val="80000"/>
+              <a:buFont typeface="Wingdings 3" charset="2"/>
+              <a:buChar char=""/>
+              <a:defRPr sz="1800" b="0" i="0" kern="1200">
+                <a:solidFill>
+                  <a:schemeClr val="tx1"/>
+                </a:solidFill>
+                <a:latin typeface="+mj-lt"/>
+                <a:ea typeface="+mj-ea"/>
+                <a:cs typeface="+mj-cs"/>
+              </a:defRPr>
+            </a:lvl2pPr>
+            <a:lvl3pPr marL="1143000" indent="-228600" algn="l" defTabSz="457200" rtl="0" eaLnBrk="1" latinLnBrk="0" hangingPunct="1">
+              <a:spcBef>
+                <a:spcPts val="1000"/>
+              </a:spcBef>
+              <a:spcAft>
+                <a:spcPts val="0"/>
+              </a:spcAft>
+              <a:buClr>
+                <a:schemeClr val="bg2">
+                  <a:lumMod val="40000"/>
+                  <a:lumOff val="60000"/>
+                </a:schemeClr>
+              </a:buClr>
+              <a:buSzPct val="80000"/>
+              <a:buFont typeface="Wingdings 3" charset="2"/>
+              <a:buChar char=""/>
+              <a:defRPr sz="1600" b="0" i="0" kern="1200">
+                <a:solidFill>
+                  <a:schemeClr val="tx1"/>
+                </a:solidFill>
+                <a:latin typeface="+mj-lt"/>
+                <a:ea typeface="+mj-ea"/>
+                <a:cs typeface="+mj-cs"/>
+              </a:defRPr>
+            </a:lvl3pPr>
+            <a:lvl4pPr marL="1600200" indent="-228600" algn="l" defTabSz="457200" rtl="0" eaLnBrk="1" latinLnBrk="0" hangingPunct="1">
+              <a:spcBef>
+                <a:spcPts val="1000"/>
+              </a:spcBef>
+              <a:spcAft>
+                <a:spcPts val="0"/>
+              </a:spcAft>
+              <a:buClr>
+                <a:schemeClr val="bg2">
+                  <a:lumMod val="40000"/>
+                  <a:lumOff val="60000"/>
+                </a:schemeClr>
+              </a:buClr>
+              <a:buSzPct val="80000"/>
+              <a:buFont typeface="Wingdings 3" charset="2"/>
+              <a:buChar char=""/>
+              <a:defRPr sz="1400" b="0" i="0" kern="1200">
+                <a:solidFill>
+                  <a:schemeClr val="tx1"/>
+                </a:solidFill>
+                <a:latin typeface="+mj-lt"/>
+                <a:ea typeface="+mj-ea"/>
+                <a:cs typeface="+mj-cs"/>
+              </a:defRPr>
+            </a:lvl4pPr>
+            <a:lvl5pPr marL="2057400" indent="-228600" algn="l" defTabSz="457200" rtl="0" eaLnBrk="1" latinLnBrk="0" hangingPunct="1">
+              <a:spcBef>
+                <a:spcPts val="1000"/>
+              </a:spcBef>
+              <a:spcAft>
+                <a:spcPts val="0"/>
+              </a:spcAft>
+              <a:buClr>
+                <a:schemeClr val="bg2">
+                  <a:lumMod val="40000"/>
+                  <a:lumOff val="60000"/>
+                </a:schemeClr>
+              </a:buClr>
+              <a:buSzPct val="80000"/>
+              <a:buFont typeface="Wingdings 3" charset="2"/>
+              <a:buChar char=""/>
+              <a:defRPr sz="1400" b="0" i="0" kern="1200">
+                <a:solidFill>
+                  <a:schemeClr val="tx1"/>
+                </a:solidFill>
+                <a:latin typeface="+mj-lt"/>
+                <a:ea typeface="+mj-ea"/>
+                <a:cs typeface="+mj-cs"/>
+              </a:defRPr>
+            </a:lvl5pPr>
+            <a:lvl6pPr marL="2506000" indent="-228600" algn="l" defTabSz="457200" rtl="0" eaLnBrk="1" latinLnBrk="0" hangingPunct="1">
+              <a:spcBef>
+                <a:spcPts val="1000"/>
+              </a:spcBef>
+              <a:spcAft>
+                <a:spcPts val="0"/>
+              </a:spcAft>
+              <a:buClr>
+                <a:schemeClr val="bg2">
+                  <a:lumMod val="40000"/>
+                  <a:lumOff val="60000"/>
+                </a:schemeClr>
+              </a:buClr>
+              <a:buSzPct val="80000"/>
+              <a:buFont typeface="Wingdings 3" charset="2"/>
+              <a:buChar char=""/>
+              <a:defRPr sz="1400" b="0" i="0" kern="1200">
+                <a:solidFill>
+                  <a:schemeClr val="tx1"/>
+                </a:solidFill>
+                <a:latin typeface="+mj-lt"/>
+                <a:ea typeface="+mj-ea"/>
+                <a:cs typeface="+mj-cs"/>
+              </a:defRPr>
+            </a:lvl6pPr>
+            <a:lvl7pPr marL="2971800" indent="-228600" algn="l" defTabSz="457200" rtl="0" eaLnBrk="1" latinLnBrk="0" hangingPunct="1">
+              <a:spcBef>
+                <a:spcPts val="1000"/>
+              </a:spcBef>
+              <a:spcAft>
+                <a:spcPts val="0"/>
+              </a:spcAft>
+              <a:buClr>
+                <a:schemeClr val="bg2">
+                  <a:lumMod val="40000"/>
+                  <a:lumOff val="60000"/>
+                </a:schemeClr>
+              </a:buClr>
+              <a:buSzPct val="80000"/>
+              <a:buFont typeface="Wingdings 3" charset="2"/>
+              <a:buChar char=""/>
+              <a:defRPr sz="1400" b="0" i="0" kern="1200">
+                <a:solidFill>
+                  <a:schemeClr val="tx1"/>
+                </a:solidFill>
+                <a:latin typeface="+mj-lt"/>
+                <a:ea typeface="+mj-ea"/>
+                <a:cs typeface="+mj-cs"/>
+              </a:defRPr>
+            </a:lvl7pPr>
+            <a:lvl8pPr marL="3429000" indent="-228600" algn="l" defTabSz="457200" rtl="0" eaLnBrk="1" latinLnBrk="0" hangingPunct="1">
+              <a:spcBef>
+                <a:spcPts val="1000"/>
+              </a:spcBef>
+              <a:spcAft>
+                <a:spcPts val="0"/>
+              </a:spcAft>
+              <a:buClr>
+                <a:schemeClr val="bg2">
+                  <a:lumMod val="40000"/>
+                  <a:lumOff val="60000"/>
+                </a:schemeClr>
+              </a:buClr>
+              <a:buSzPct val="80000"/>
+              <a:buFont typeface="Wingdings 3" charset="2"/>
+              <a:buChar char=""/>
+              <a:defRPr sz="1400" b="0" i="0" kern="1200">
+                <a:solidFill>
+                  <a:schemeClr val="tx1"/>
+                </a:solidFill>
+                <a:latin typeface="+mj-lt"/>
+                <a:ea typeface="+mj-ea"/>
+                <a:cs typeface="+mj-cs"/>
+              </a:defRPr>
+            </a:lvl8pPr>
+            <a:lvl9pPr marL="3886200" indent="-228600" algn="l" defTabSz="457200" rtl="0" eaLnBrk="1" latinLnBrk="0" hangingPunct="1">
+              <a:spcBef>
+                <a:spcPts val="1000"/>
+              </a:spcBef>
+              <a:spcAft>
+                <a:spcPts val="0"/>
+              </a:spcAft>
+              <a:buClr>
+                <a:schemeClr val="bg2">
+                  <a:lumMod val="40000"/>
+                  <a:lumOff val="60000"/>
+                </a:schemeClr>
+              </a:buClr>
+              <a:buSzPct val="80000"/>
+              <a:buFont typeface="Wingdings 3" charset="2"/>
+              <a:buChar char=""/>
+              <a:defRPr sz="1400" b="0" i="0" kern="1200">
+                <a:solidFill>
+                  <a:schemeClr val="tx1"/>
+                </a:solidFill>
+                <a:latin typeface="+mj-lt"/>
+                <a:ea typeface="+mj-ea"/>
+                <a:cs typeface="+mj-cs"/>
+              </a:defRPr>
+            </a:lvl9pPr>
+          </a:lstStyle>
+          <a:p>
+            <a:pPr lvl="1"/>
+            <a:r>
+              <a:rPr lang="en-US" dirty="0" smtClean="0"/>
+              <a:t>delete all data files</a:t>
+            </a:r>
+          </a:p>
+          <a:p>
+            <a:pPr lvl="1"/>
+            <a:r>
+              <a:rPr lang="en-US" dirty="0" smtClean="0"/>
+              <a:t>delete log file</a:t>
+            </a:r>
+          </a:p>
+          <a:p>
+            <a:pPr lvl="1"/>
+            <a:r>
+              <a:rPr lang="en-US" dirty="0" smtClean="0"/>
+              <a:t>reboot OS</a:t>
+            </a:r>
+          </a:p>
+          <a:p>
+            <a:pPr lvl="1"/>
+            <a:r>
+              <a:rPr lang="en-US" dirty="0" smtClean="0"/>
+              <a:t>goodbye</a:t>
+            </a:r>
+          </a:p>
+          <a:p>
+            <a:endParaRPr lang="en-US" dirty="0"/>
+          </a:p>
+        </p:txBody>
+      </p:sp>
     </p:spTree>
     <p:extLst>
       <p:ext uri="{BB962C8B-B14F-4D97-AF65-F5344CB8AC3E}">
@@ -16329,7 +16654,7 @@
   <a:extraClrSchemeLst/>
   <a:extLst>
     <a:ext uri="{05A4C25C-085E-4340-85A3-A5531E510DB2}">
-      <thm15:themeFamily xmlns="" xmlns:thm15="http://schemas.microsoft.com/office/thememl/2012/main" name="Theme1" id="{4DC015B6-F420-4CE0-B51C-21BE6322361F}" vid="{1413F7E4-2720-4250-A1CE-68DF955E7FCD}"/>
+      <thm15:themeFamily xmlns:thm15="http://schemas.microsoft.com/office/thememl/2012/main" xmlns="" name="Theme1" id="{4DC015B6-F420-4CE0-B51C-21BE6322361F}" vid="{1413F7E4-2720-4250-A1CE-68DF955E7FCD}"/>
     </a:ext>
   </a:extLst>
 </a:theme>
@@ -16590,7 +16915,7 @@
   <a:extraClrSchemeLst/>
   <a:extLst>
     <a:ext uri="{05A4C25C-085E-4340-85A3-A5531E510DB2}">
-      <thm15:themeFamily xmlns="" xmlns:thm15="http://schemas.microsoft.com/office/thememl/2012/main" name="Office Theme" id="{62F939B6-93AF-4DB8-9C6B-D6C7DFDC589F}" vid="{4A3C46E8-61CC-4603-A589-7422A47A8E4A}"/>
+      <thm15:themeFamily xmlns:thm15="http://schemas.microsoft.com/office/thememl/2012/main" xmlns="" name="Office Theme" id="{62F939B6-93AF-4DB8-9C6B-D6C7DFDC589F}" vid="{4A3C46E8-61CC-4603-A589-7422A47A8E4A}"/>
     </a:ext>
   </a:extLst>
 </a:theme>

--- a/Presentations/CDR_Presentation.pptx
+++ b/Presentations/CDR_Presentation.pptx
@@ -23,24 +23,24 @@
     <p:sldId id="270" r:id="rId14"/>
     <p:sldId id="275" r:id="rId15"/>
     <p:sldId id="271" r:id="rId16"/>
-    <p:sldId id="283" r:id="rId17"/>
-    <p:sldId id="284" r:id="rId18"/>
-    <p:sldId id="285" r:id="rId19"/>
-    <p:sldId id="294" r:id="rId20"/>
-    <p:sldId id="295" r:id="rId21"/>
-    <p:sldId id="296" r:id="rId22"/>
-    <p:sldId id="289" r:id="rId23"/>
-    <p:sldId id="290" r:id="rId24"/>
-    <p:sldId id="291" r:id="rId25"/>
-    <p:sldId id="292" r:id="rId26"/>
-    <p:sldId id="293" r:id="rId27"/>
-    <p:sldId id="278" r:id="rId28"/>
-    <p:sldId id="272" r:id="rId29"/>
-    <p:sldId id="279" r:id="rId30"/>
-    <p:sldId id="280" r:id="rId31"/>
-    <p:sldId id="269" r:id="rId32"/>
-    <p:sldId id="281" r:id="rId33"/>
-    <p:sldId id="268" r:id="rId34"/>
+    <p:sldId id="298" r:id="rId17"/>
+    <p:sldId id="283" r:id="rId18"/>
+    <p:sldId id="284" r:id="rId19"/>
+    <p:sldId id="285" r:id="rId20"/>
+    <p:sldId id="294" r:id="rId21"/>
+    <p:sldId id="295" r:id="rId22"/>
+    <p:sldId id="296" r:id="rId23"/>
+    <p:sldId id="289" r:id="rId24"/>
+    <p:sldId id="290" r:id="rId25"/>
+    <p:sldId id="291" r:id="rId26"/>
+    <p:sldId id="292" r:id="rId27"/>
+    <p:sldId id="272" r:id="rId28"/>
+    <p:sldId id="279" r:id="rId29"/>
+    <p:sldId id="280" r:id="rId30"/>
+    <p:sldId id="269" r:id="rId31"/>
+    <p:sldId id="281" r:id="rId32"/>
+    <p:sldId id="268" r:id="rId33"/>
+    <p:sldId id="297" r:id="rId34"/>
   </p:sldIdLst>
   <p:sldSz cx="12192000" cy="6858000"/>
   <p:notesSz cx="6858000" cy="9144000"/>
@@ -171,6 +171,7 @@
             <p14:sldId id="270"/>
             <p14:sldId id="275"/>
             <p14:sldId id="271"/>
+            <p14:sldId id="298"/>
             <p14:sldId id="283"/>
             <p14:sldId id="284"/>
             <p14:sldId id="285"/>
@@ -181,8 +182,6 @@
             <p14:sldId id="290"/>
             <p14:sldId id="291"/>
             <p14:sldId id="292"/>
-            <p14:sldId id="293"/>
-            <p14:sldId id="278"/>
             <p14:sldId id="272"/>
             <p14:sldId id="279"/>
           </p14:sldIdLst>
@@ -205,12 +204,13 @@
         <p14:section name="Individual" id="{C08723E0-6AD8-4255-BFA3-8DF72EBE7D79}">
           <p14:sldIdLst>
             <p14:sldId id="268"/>
+            <p14:sldId id="297"/>
           </p14:sldIdLst>
         </p14:section>
       </p14:sectionLst>
     </p:ext>
     <p:ext uri="{EFAFB233-063F-42B5-8137-9DF3F51BA10A}">
-      <p15:sldGuideLst xmlns:p15="http://schemas.microsoft.com/office/powerpoint/2012/main" xmlns=""/>
+      <p15:sldGuideLst xmlns="" xmlns:p15="http://schemas.microsoft.com/office/powerpoint/2012/main"/>
     </p:ext>
   </p:extLst>
 </p:presentation>
@@ -7399,6 +7399,176 @@
                   </a:schemeClr>
                 </a:solidFill>
               </a:rPr>
+              <a:t> Com. Equipment</a:t>
+            </a:r>
+            <a:endParaRPr lang="en-US" dirty="0">
+              <a:solidFill>
+                <a:schemeClr val="bg1">
+                  <a:lumMod val="50000"/>
+                  <a:lumOff val="50000"/>
+                </a:schemeClr>
+              </a:solidFill>
+            </a:endParaRPr>
+          </a:p>
+        </p:txBody>
+      </p:sp>
+      <p:sp>
+        <p:nvSpPr>
+          <p:cNvPr id="3" name="Content Placeholder 2"/>
+          <p:cNvSpPr>
+            <a:spLocks noGrp="1"/>
+          </p:cNvSpPr>
+          <p:nvPr>
+            <p:ph idx="1"/>
+          </p:nvPr>
+        </p:nvSpPr>
+        <p:spPr/>
+        <p:txBody>
+          <a:bodyPr/>
+          <a:lstStyle/>
+          <a:p>
+            <a:r>
+              <a:rPr lang="en-US" dirty="0" err="1" smtClean="0"/>
+              <a:t>FreeWave</a:t>
+            </a:r>
+            <a:r>
+              <a:rPr lang="en-US" dirty="0" smtClean="0"/>
+              <a:t> Radio @ </a:t>
+            </a:r>
+            <a:r>
+              <a:rPr lang="en-US" dirty="0"/>
+              <a:t>915MHz</a:t>
+            </a:r>
+            <a:endParaRPr lang="en-US" dirty="0" smtClean="0"/>
+          </a:p>
+          <a:p>
+            <a:r>
+              <a:rPr lang="en-US" dirty="0" smtClean="0"/>
+              <a:t>Whip Antenna</a:t>
+            </a:r>
+          </a:p>
+          <a:p>
+            <a:endParaRPr lang="en-US" dirty="0" smtClean="0"/>
+          </a:p>
+          <a:p>
+            <a:r>
+              <a:rPr lang="en-US" dirty="0" smtClean="0"/>
+              <a:t>TO </a:t>
+            </a:r>
+            <a:r>
+              <a:rPr lang="en-US" dirty="0"/>
+              <a:t>BE COMPLETED</a:t>
+            </a:r>
+          </a:p>
+          <a:p>
+            <a:endParaRPr lang="en-US" dirty="0"/>
+          </a:p>
+        </p:txBody>
+      </p:sp>
+      <p:sp>
+        <p:nvSpPr>
+          <p:cNvPr id="4" name="Text Placeholder 3"/>
+          <p:cNvSpPr>
+            <a:spLocks noGrp="1"/>
+          </p:cNvSpPr>
+          <p:nvPr>
+            <p:ph type="body" sz="quarter" idx="10"/>
+          </p:nvPr>
+        </p:nvSpPr>
+        <p:spPr/>
+        <p:txBody>
+          <a:bodyPr>
+            <a:normAutofit fontScale="92500" lnSpcReduction="10000"/>
+          </a:bodyPr>
+          <a:lstStyle/>
+          <a:p>
+            <a:endParaRPr lang="en-US"/>
+          </a:p>
+        </p:txBody>
+      </p:sp>
+    </p:spTree>
+    <p:extLst>
+      <p:ext uri="{BB962C8B-B14F-4D97-AF65-F5344CB8AC3E}">
+        <p14:creationId xmlns:p14="http://schemas.microsoft.com/office/powerpoint/2010/main" val="2624501678"/>
+      </p:ext>
+    </p:extLst>
+  </p:cSld>
+  <p:clrMapOvr>
+    <a:masterClrMapping/>
+  </p:clrMapOvr>
+  <p:timing>
+    <p:tnLst>
+      <p:par>
+        <p:cTn xmlns:p14="http://schemas.microsoft.com/office/powerpoint/2010/main" id="1" dur="indefinite" restart="never" nodeType="tmRoot"/>
+      </p:par>
+    </p:tnLst>
+  </p:timing>
+</p:sld>
+</file>
+
+<file path=ppt/slides/slide17.xml><?xml version="1.0" encoding="utf-8"?>
+<p:sld xmlns:a="http://schemas.openxmlformats.org/drawingml/2006/main" xmlns:r="http://schemas.openxmlformats.org/officeDocument/2006/relationships" xmlns:p="http://schemas.openxmlformats.org/presentationml/2006/main">
+  <p:cSld>
+    <p:spTree>
+      <p:nvGrpSpPr>
+        <p:cNvPr id="1" name=""/>
+        <p:cNvGrpSpPr/>
+        <p:nvPr/>
+      </p:nvGrpSpPr>
+      <p:grpSpPr>
+        <a:xfrm>
+          <a:off x="0" y="0"/>
+          <a:ext cx="0" cy="0"/>
+          <a:chOff x="0" y="0"/>
+          <a:chExt cx="0" cy="0"/>
+        </a:xfrm>
+      </p:grpSpPr>
+      <p:sp>
+        <p:nvSpPr>
+          <p:cNvPr id="2" name="Title 1"/>
+          <p:cNvSpPr>
+            <a:spLocks noGrp="1"/>
+          </p:cNvSpPr>
+          <p:nvPr>
+            <p:ph type="title"/>
+          </p:nvPr>
+        </p:nvSpPr>
+        <p:spPr/>
+        <p:txBody>
+          <a:bodyPr/>
+          <a:lstStyle/>
+          <a:p>
+            <a:r>
+              <a:rPr lang="en-US" dirty="0" smtClean="0">
+                <a:solidFill>
+                  <a:schemeClr val="bg1">
+                    <a:lumMod val="50000"/>
+                    <a:lumOff val="50000"/>
+                  </a:schemeClr>
+                </a:solidFill>
+              </a:rPr>
+              <a:t>Design </a:t>
+            </a:r>
+            <a:r>
+              <a:rPr lang="en-US" dirty="0">
+                <a:solidFill>
+                  <a:schemeClr val="bg1">
+                    <a:lumMod val="50000"/>
+                    <a:lumOff val="50000"/>
+                  </a:schemeClr>
+                </a:solidFill>
+              </a:rPr>
+              <a:t>-</a:t>
+            </a:r>
+            <a:r>
+              <a:rPr lang="en-US" dirty="0" smtClean="0">
+                <a:solidFill>
+                  <a:schemeClr val="bg1">
+                    <a:lumMod val="50000"/>
+                    <a:lumOff val="50000"/>
+                  </a:schemeClr>
+                </a:solidFill>
+              </a:rPr>
               <a:t> Communications</a:t>
             </a:r>
             <a:endParaRPr lang="en-US" dirty="0">
@@ -7892,7 +8062,7 @@
 </p:sld>
 </file>
 
-<file path=ppt/slides/slide17.xml><?xml version="1.0" encoding="utf-8"?>
+<file path=ppt/slides/slide18.xml><?xml version="1.0" encoding="utf-8"?>
 <p:sld xmlns:a="http://schemas.openxmlformats.org/drawingml/2006/main" xmlns:r="http://schemas.openxmlformats.org/officeDocument/2006/relationships" xmlns:p="http://schemas.openxmlformats.org/presentationml/2006/main">
   <p:cSld>
     <p:spTree>
@@ -8388,7 +8558,7 @@
 </p:sld>
 </file>
 
-<file path=ppt/slides/slide18.xml><?xml version="1.0" encoding="utf-8"?>
+<file path=ppt/slides/slide19.xml><?xml version="1.0" encoding="utf-8"?>
 <p:sld xmlns:a="http://schemas.openxmlformats.org/drawingml/2006/main" xmlns:r="http://schemas.openxmlformats.org/officeDocument/2006/relationships" xmlns:p="http://schemas.openxmlformats.org/presentationml/2006/main">
   <p:cSld>
     <p:spTree>
@@ -8599,7 +8769,194 @@
 </p:sld>
 </file>
 
-<file path=ppt/slides/slide19.xml><?xml version="1.0" encoding="utf-8"?>
+<file path=ppt/slides/slide2.xml><?xml version="1.0" encoding="utf-8"?>
+<p:sld xmlns:a="http://schemas.openxmlformats.org/drawingml/2006/main" xmlns:r="http://schemas.openxmlformats.org/officeDocument/2006/relationships" xmlns:p="http://schemas.openxmlformats.org/presentationml/2006/main">
+  <p:cSld>
+    <p:spTree>
+      <p:nvGrpSpPr>
+        <p:cNvPr id="1" name=""/>
+        <p:cNvGrpSpPr/>
+        <p:nvPr/>
+      </p:nvGrpSpPr>
+      <p:grpSpPr>
+        <a:xfrm>
+          <a:off x="0" y="0"/>
+          <a:ext cx="0" cy="0"/>
+          <a:chOff x="0" y="0"/>
+          <a:chExt cx="0" cy="0"/>
+        </a:xfrm>
+      </p:grpSpPr>
+      <p:sp>
+        <p:nvSpPr>
+          <p:cNvPr id="2" name="Title 1"/>
+          <p:cNvSpPr>
+            <a:spLocks noGrp="1"/>
+          </p:cNvSpPr>
+          <p:nvPr>
+            <p:ph type="title"/>
+          </p:nvPr>
+        </p:nvSpPr>
+        <p:spPr/>
+        <p:txBody>
+          <a:bodyPr/>
+          <a:lstStyle/>
+          <a:p>
+            <a:r>
+              <a:rPr lang="en-US" dirty="0" smtClean="0">
+                <a:solidFill>
+                  <a:schemeClr val="bg2">
+                    <a:lumMod val="40000"/>
+                    <a:lumOff val="60000"/>
+                  </a:schemeClr>
+                </a:solidFill>
+              </a:rPr>
+              <a:t>Agenda</a:t>
+            </a:r>
+            <a:endParaRPr lang="en-US" dirty="0">
+              <a:solidFill>
+                <a:schemeClr val="bg2">
+                  <a:lumMod val="40000"/>
+                  <a:lumOff val="60000"/>
+                </a:schemeClr>
+              </a:solidFill>
+            </a:endParaRPr>
+          </a:p>
+        </p:txBody>
+      </p:sp>
+      <p:sp>
+        <p:nvSpPr>
+          <p:cNvPr id="3" name="Content Placeholder 2"/>
+          <p:cNvSpPr>
+            <a:spLocks noGrp="1"/>
+          </p:cNvSpPr>
+          <p:nvPr>
+            <p:ph idx="1"/>
+          </p:nvPr>
+        </p:nvSpPr>
+        <p:spPr/>
+        <p:txBody>
+          <a:bodyPr>
+            <a:normAutofit/>
+          </a:bodyPr>
+          <a:lstStyle/>
+          <a:p>
+            <a:pPr marL="1257300" lvl="2" indent="-457200">
+              <a:buAutoNum type="arabicPeriod"/>
+            </a:pPr>
+            <a:r>
+              <a:rPr lang="en-US" sz="3200" dirty="0" smtClean="0"/>
+              <a:t>Introduction</a:t>
+            </a:r>
+          </a:p>
+          <a:p>
+            <a:pPr marL="1257300" lvl="2" indent="-457200">
+              <a:buAutoNum type="arabicPeriod"/>
+            </a:pPr>
+            <a:r>
+              <a:rPr lang="en-US" sz="3200" dirty="0" smtClean="0"/>
+              <a:t>Motivation</a:t>
+            </a:r>
+            <a:endParaRPr lang="en-US" sz="3200" dirty="0"/>
+          </a:p>
+          <a:p>
+            <a:pPr marL="1257300" lvl="2" indent="-457200">
+              <a:buAutoNum type="arabicPeriod"/>
+            </a:pPr>
+            <a:r>
+              <a:rPr lang="en-US" sz="3200" dirty="0" smtClean="0"/>
+              <a:t>Approach</a:t>
+            </a:r>
+          </a:p>
+          <a:p>
+            <a:pPr marL="1257300" lvl="2" indent="-457200">
+              <a:buAutoNum type="arabicPeriod"/>
+            </a:pPr>
+            <a:r>
+              <a:rPr lang="en-US" sz="3200" dirty="0" smtClean="0"/>
+              <a:t>Budget</a:t>
+            </a:r>
+          </a:p>
+          <a:p>
+            <a:pPr marL="1257300" lvl="2" indent="-457200">
+              <a:buAutoNum type="arabicPeriod"/>
+            </a:pPr>
+            <a:r>
+              <a:rPr lang="en-US" sz="3200" dirty="0" smtClean="0"/>
+              <a:t>Design</a:t>
+            </a:r>
+          </a:p>
+          <a:p>
+            <a:pPr marL="1257300" lvl="2" indent="-457200">
+              <a:buAutoNum type="arabicPeriod"/>
+            </a:pPr>
+            <a:r>
+              <a:rPr lang="en-US" sz="3200" dirty="0" smtClean="0"/>
+              <a:t>Standards</a:t>
+            </a:r>
+          </a:p>
+          <a:p>
+            <a:pPr marL="1257300" lvl="2" indent="-457200">
+              <a:buAutoNum type="arabicPeriod"/>
+            </a:pPr>
+            <a:r>
+              <a:rPr lang="en-US" sz="3200" dirty="0" smtClean="0"/>
+              <a:t>FMEA</a:t>
+            </a:r>
+          </a:p>
+          <a:p>
+            <a:pPr marL="1257300" lvl="2" indent="-457200">
+              <a:buAutoNum type="arabicPeriod"/>
+            </a:pPr>
+            <a:r>
+              <a:rPr lang="en-US" sz="3200" dirty="0" smtClean="0"/>
+              <a:t>Conclusion</a:t>
+            </a:r>
+            <a:endParaRPr lang="en-US" sz="3200" dirty="0"/>
+          </a:p>
+          <a:p>
+            <a:endParaRPr lang="en-US" dirty="0"/>
+          </a:p>
+        </p:txBody>
+      </p:sp>
+      <p:sp>
+        <p:nvSpPr>
+          <p:cNvPr id="4" name="Text Placeholder 3"/>
+          <p:cNvSpPr>
+            <a:spLocks noGrp="1"/>
+          </p:cNvSpPr>
+          <p:nvPr>
+            <p:ph type="body" sz="quarter" idx="10"/>
+          </p:nvPr>
+        </p:nvSpPr>
+        <p:spPr/>
+        <p:txBody>
+          <a:bodyPr>
+            <a:normAutofit fontScale="92500" lnSpcReduction="10000"/>
+          </a:bodyPr>
+          <a:lstStyle/>
+          <a:p>
+            <a:r>
+              <a:rPr lang="en-US" dirty="0" smtClean="0"/>
+              <a:t>Charlie</a:t>
+            </a:r>
+            <a:endParaRPr lang="en-US" dirty="0"/>
+          </a:p>
+        </p:txBody>
+      </p:sp>
+    </p:spTree>
+    <p:extLst>
+      <p:ext uri="{BB962C8B-B14F-4D97-AF65-F5344CB8AC3E}">
+        <p14:creationId xmlns:p14="http://schemas.microsoft.com/office/powerpoint/2010/main" val="270459347"/>
+      </p:ext>
+    </p:extLst>
+  </p:cSld>
+  <p:clrMapOvr>
+    <a:masterClrMapping/>
+  </p:clrMapOvr>
+</p:sld>
+</file>
+
+<file path=ppt/slides/slide20.xml><?xml version="1.0" encoding="utf-8"?>
 <p:sld xmlns:a="http://schemas.openxmlformats.org/drawingml/2006/main" xmlns:r="http://schemas.openxmlformats.org/officeDocument/2006/relationships" xmlns:p="http://schemas.openxmlformats.org/presentationml/2006/main">
   <p:cSld>
     <p:spTree>
@@ -9559,194 +9916,7 @@
 </p:sld>
 </file>
 
-<file path=ppt/slides/slide2.xml><?xml version="1.0" encoding="utf-8"?>
-<p:sld xmlns:a="http://schemas.openxmlformats.org/drawingml/2006/main" xmlns:r="http://schemas.openxmlformats.org/officeDocument/2006/relationships" xmlns:p="http://schemas.openxmlformats.org/presentationml/2006/main">
-  <p:cSld>
-    <p:spTree>
-      <p:nvGrpSpPr>
-        <p:cNvPr id="1" name=""/>
-        <p:cNvGrpSpPr/>
-        <p:nvPr/>
-      </p:nvGrpSpPr>
-      <p:grpSpPr>
-        <a:xfrm>
-          <a:off x="0" y="0"/>
-          <a:ext cx="0" cy="0"/>
-          <a:chOff x="0" y="0"/>
-          <a:chExt cx="0" cy="0"/>
-        </a:xfrm>
-      </p:grpSpPr>
-      <p:sp>
-        <p:nvSpPr>
-          <p:cNvPr id="2" name="Title 1"/>
-          <p:cNvSpPr>
-            <a:spLocks noGrp="1"/>
-          </p:cNvSpPr>
-          <p:nvPr>
-            <p:ph type="title"/>
-          </p:nvPr>
-        </p:nvSpPr>
-        <p:spPr/>
-        <p:txBody>
-          <a:bodyPr/>
-          <a:lstStyle/>
-          <a:p>
-            <a:r>
-              <a:rPr lang="en-US" dirty="0" smtClean="0">
-                <a:solidFill>
-                  <a:schemeClr val="bg2">
-                    <a:lumMod val="40000"/>
-                    <a:lumOff val="60000"/>
-                  </a:schemeClr>
-                </a:solidFill>
-              </a:rPr>
-              <a:t>Agenda</a:t>
-            </a:r>
-            <a:endParaRPr lang="en-US" dirty="0">
-              <a:solidFill>
-                <a:schemeClr val="bg2">
-                  <a:lumMod val="40000"/>
-                  <a:lumOff val="60000"/>
-                </a:schemeClr>
-              </a:solidFill>
-            </a:endParaRPr>
-          </a:p>
-        </p:txBody>
-      </p:sp>
-      <p:sp>
-        <p:nvSpPr>
-          <p:cNvPr id="3" name="Content Placeholder 2"/>
-          <p:cNvSpPr>
-            <a:spLocks noGrp="1"/>
-          </p:cNvSpPr>
-          <p:nvPr>
-            <p:ph idx="1"/>
-          </p:nvPr>
-        </p:nvSpPr>
-        <p:spPr/>
-        <p:txBody>
-          <a:bodyPr>
-            <a:normAutofit/>
-          </a:bodyPr>
-          <a:lstStyle/>
-          <a:p>
-            <a:pPr marL="1257300" lvl="2" indent="-457200">
-              <a:buAutoNum type="arabicPeriod"/>
-            </a:pPr>
-            <a:r>
-              <a:rPr lang="en-US" sz="3200" dirty="0" smtClean="0"/>
-              <a:t>Introduction</a:t>
-            </a:r>
-          </a:p>
-          <a:p>
-            <a:pPr marL="1257300" lvl="2" indent="-457200">
-              <a:buAutoNum type="arabicPeriod"/>
-            </a:pPr>
-            <a:r>
-              <a:rPr lang="en-US" sz="3200" dirty="0" smtClean="0"/>
-              <a:t>Motivation</a:t>
-            </a:r>
-            <a:endParaRPr lang="en-US" sz="3200" dirty="0"/>
-          </a:p>
-          <a:p>
-            <a:pPr marL="1257300" lvl="2" indent="-457200">
-              <a:buAutoNum type="arabicPeriod"/>
-            </a:pPr>
-            <a:r>
-              <a:rPr lang="en-US" sz="3200" dirty="0" smtClean="0"/>
-              <a:t>Approach</a:t>
-            </a:r>
-          </a:p>
-          <a:p>
-            <a:pPr marL="1257300" lvl="2" indent="-457200">
-              <a:buAutoNum type="arabicPeriod"/>
-            </a:pPr>
-            <a:r>
-              <a:rPr lang="en-US" sz="3200" dirty="0" smtClean="0"/>
-              <a:t>Budget</a:t>
-            </a:r>
-          </a:p>
-          <a:p>
-            <a:pPr marL="1257300" lvl="2" indent="-457200">
-              <a:buAutoNum type="arabicPeriod"/>
-            </a:pPr>
-            <a:r>
-              <a:rPr lang="en-US" sz="3200" dirty="0" smtClean="0"/>
-              <a:t>Design</a:t>
-            </a:r>
-          </a:p>
-          <a:p>
-            <a:pPr marL="1257300" lvl="2" indent="-457200">
-              <a:buAutoNum type="arabicPeriod"/>
-            </a:pPr>
-            <a:r>
-              <a:rPr lang="en-US" sz="3200" dirty="0" smtClean="0"/>
-              <a:t>Standards</a:t>
-            </a:r>
-          </a:p>
-          <a:p>
-            <a:pPr marL="1257300" lvl="2" indent="-457200">
-              <a:buAutoNum type="arabicPeriod"/>
-            </a:pPr>
-            <a:r>
-              <a:rPr lang="en-US" sz="3200" dirty="0" smtClean="0"/>
-              <a:t>FMEA</a:t>
-            </a:r>
-          </a:p>
-          <a:p>
-            <a:pPr marL="1257300" lvl="2" indent="-457200">
-              <a:buAutoNum type="arabicPeriod"/>
-            </a:pPr>
-            <a:r>
-              <a:rPr lang="en-US" sz="3200" dirty="0" smtClean="0"/>
-              <a:t>Conclusion</a:t>
-            </a:r>
-            <a:endParaRPr lang="en-US" sz="3200" dirty="0"/>
-          </a:p>
-          <a:p>
-            <a:endParaRPr lang="en-US" dirty="0"/>
-          </a:p>
-        </p:txBody>
-      </p:sp>
-      <p:sp>
-        <p:nvSpPr>
-          <p:cNvPr id="4" name="Text Placeholder 3"/>
-          <p:cNvSpPr>
-            <a:spLocks noGrp="1"/>
-          </p:cNvSpPr>
-          <p:nvPr>
-            <p:ph type="body" sz="quarter" idx="10"/>
-          </p:nvPr>
-        </p:nvSpPr>
-        <p:spPr/>
-        <p:txBody>
-          <a:bodyPr>
-            <a:normAutofit fontScale="92500" lnSpcReduction="10000"/>
-          </a:bodyPr>
-          <a:lstStyle/>
-          <a:p>
-            <a:r>
-              <a:rPr lang="en-US" dirty="0" smtClean="0"/>
-              <a:t>Charlie</a:t>
-            </a:r>
-            <a:endParaRPr lang="en-US" dirty="0"/>
-          </a:p>
-        </p:txBody>
-      </p:sp>
-    </p:spTree>
-    <p:extLst>
-      <p:ext uri="{BB962C8B-B14F-4D97-AF65-F5344CB8AC3E}">
-        <p14:creationId xmlns:p14="http://schemas.microsoft.com/office/powerpoint/2010/main" val="270459347"/>
-      </p:ext>
-    </p:extLst>
-  </p:cSld>
-  <p:clrMapOvr>
-    <a:masterClrMapping/>
-  </p:clrMapOvr>
-</p:sld>
-</file>
-
-<file path=ppt/slides/slide20.xml><?xml version="1.0" encoding="utf-8"?>
+<file path=ppt/slides/slide21.xml><?xml version="1.0" encoding="utf-8"?>
 <p:sld xmlns:a="http://schemas.openxmlformats.org/drawingml/2006/main" xmlns:r="http://schemas.openxmlformats.org/officeDocument/2006/relationships" xmlns:p="http://schemas.openxmlformats.org/presentationml/2006/main">
   <p:cSld>
     <p:spTree>
@@ -10606,7 +10776,7 @@
 </p:sld>
 </file>
 
-<file path=ppt/slides/slide21.xml><?xml version="1.0" encoding="utf-8"?>
+<file path=ppt/slides/slide22.xml><?xml version="1.0" encoding="utf-8"?>
 <p:sld xmlns:a="http://schemas.openxmlformats.org/drawingml/2006/main" xmlns:r="http://schemas.openxmlformats.org/officeDocument/2006/relationships" xmlns:p="http://schemas.openxmlformats.org/presentationml/2006/main">
   <p:cSld>
     <p:spTree>
@@ -11782,7 +11952,7 @@
 </p:sld>
 </file>
 
-<file path=ppt/slides/slide22.xml><?xml version="1.0" encoding="utf-8"?>
+<file path=ppt/slides/slide23.xml><?xml version="1.0" encoding="utf-8"?>
 <p:sld xmlns:a="http://schemas.openxmlformats.org/drawingml/2006/main" xmlns:r="http://schemas.openxmlformats.org/officeDocument/2006/relationships" xmlns:p="http://schemas.openxmlformats.org/presentationml/2006/main">
   <p:cSld>
     <p:spTree>
@@ -11964,11 +12134,7 @@
           <a:p>
             <a:r>
               <a:rPr lang="en-US" dirty="0" smtClean="0"/>
-              <a:t>Ground Station sends command </a:t>
-            </a:r>
-            <a:r>
-              <a:rPr lang="en-US" dirty="0" smtClean="0"/>
-              <a:t>code</a:t>
+              <a:t>Ground Station sends command code</a:t>
             </a:r>
           </a:p>
           <a:p>
@@ -12522,7 +12688,7 @@
 </p:sld>
 </file>
 
-<file path=ppt/slides/slide23.xml><?xml version="1.0" encoding="utf-8"?>
+<file path=ppt/slides/slide24.xml><?xml version="1.0" encoding="utf-8"?>
 <p:sld xmlns:a="http://schemas.openxmlformats.org/drawingml/2006/main" xmlns:r="http://schemas.openxmlformats.org/officeDocument/2006/relationships" xmlns:p="http://schemas.openxmlformats.org/presentationml/2006/main">
   <p:cSld>
     <p:spTree>
@@ -12950,7 +13116,7 @@
 </p:sld>
 </file>
 
-<file path=ppt/slides/slide24.xml><?xml version="1.0" encoding="utf-8"?>
+<file path=ppt/slides/slide25.xml><?xml version="1.0" encoding="utf-8"?>
 <p:sld xmlns:a="http://schemas.openxmlformats.org/drawingml/2006/main" xmlns:r="http://schemas.openxmlformats.org/officeDocument/2006/relationships" xmlns:p="http://schemas.openxmlformats.org/presentationml/2006/main">
   <p:cSld>
     <p:spTree>
@@ -13378,7 +13544,7 @@
 </p:sld>
 </file>
 
-<file path=ppt/slides/slide25.xml><?xml version="1.0" encoding="utf-8"?>
+<file path=ppt/slides/slide26.xml><?xml version="1.0" encoding="utf-8"?>
 <p:sld xmlns:a="http://schemas.openxmlformats.org/drawingml/2006/main" xmlns:r="http://schemas.openxmlformats.org/officeDocument/2006/relationships" xmlns:p="http://schemas.openxmlformats.org/presentationml/2006/main">
   <p:cSld>
     <p:spTree>
@@ -13830,131 +13996,6 @@
 </p:sld>
 </file>
 
-<file path=ppt/slides/slide26.xml><?xml version="1.0" encoding="utf-8"?>
-<p:sld xmlns:a="http://schemas.openxmlformats.org/drawingml/2006/main" xmlns:r="http://schemas.openxmlformats.org/officeDocument/2006/relationships" xmlns:p="http://schemas.openxmlformats.org/presentationml/2006/main">
-  <p:cSld>
-    <p:spTree>
-      <p:nvGrpSpPr>
-        <p:cNvPr id="1" name=""/>
-        <p:cNvGrpSpPr/>
-        <p:nvPr/>
-      </p:nvGrpSpPr>
-      <p:grpSpPr>
-        <a:xfrm>
-          <a:off x="0" y="0"/>
-          <a:ext cx="0" cy="0"/>
-          <a:chOff x="0" y="0"/>
-          <a:chExt cx="0" cy="0"/>
-        </a:xfrm>
-      </p:grpSpPr>
-      <p:sp>
-        <p:nvSpPr>
-          <p:cNvPr id="2" name="Title 1"/>
-          <p:cNvSpPr>
-            <a:spLocks noGrp="1"/>
-          </p:cNvSpPr>
-          <p:nvPr>
-            <p:ph type="title"/>
-          </p:nvPr>
-        </p:nvSpPr>
-        <p:spPr/>
-        <p:txBody>
-          <a:bodyPr/>
-          <a:lstStyle/>
-          <a:p>
-            <a:r>
-              <a:rPr lang="en-US" dirty="0" smtClean="0">
-                <a:solidFill>
-                  <a:schemeClr val="bg1">
-                    <a:lumMod val="50000"/>
-                    <a:lumOff val="50000"/>
-                  </a:schemeClr>
-                </a:solidFill>
-              </a:rPr>
-              <a:t>Design - Communications</a:t>
-            </a:r>
-            <a:endParaRPr lang="en-US" dirty="0">
-              <a:solidFill>
-                <a:schemeClr val="bg1">
-                  <a:lumMod val="50000"/>
-                  <a:lumOff val="50000"/>
-                </a:schemeClr>
-              </a:solidFill>
-            </a:endParaRPr>
-          </a:p>
-        </p:txBody>
-      </p:sp>
-      <p:sp>
-        <p:nvSpPr>
-          <p:cNvPr id="3" name="Content Placeholder 2"/>
-          <p:cNvSpPr>
-            <a:spLocks noGrp="1"/>
-          </p:cNvSpPr>
-          <p:nvPr>
-            <p:ph idx="1"/>
-          </p:nvPr>
-        </p:nvSpPr>
-        <p:spPr/>
-        <p:txBody>
-          <a:bodyPr/>
-          <a:lstStyle/>
-          <a:p>
-            <a:r>
-              <a:rPr lang="en-US" dirty="0" smtClean="0"/>
-              <a:t>In progress</a:t>
-            </a:r>
-            <a:endParaRPr lang="en-US" dirty="0"/>
-          </a:p>
-          <a:p>
-            <a:endParaRPr lang="en-US" dirty="0"/>
-          </a:p>
-        </p:txBody>
-      </p:sp>
-      <p:sp>
-        <p:nvSpPr>
-          <p:cNvPr id="4" name="Text Placeholder 3"/>
-          <p:cNvSpPr>
-            <a:spLocks noGrp="1"/>
-          </p:cNvSpPr>
-          <p:nvPr>
-            <p:ph type="body" sz="quarter" idx="10"/>
-          </p:nvPr>
-        </p:nvSpPr>
-        <p:spPr/>
-        <p:txBody>
-          <a:bodyPr>
-            <a:normAutofit fontScale="92500" lnSpcReduction="10000"/>
-          </a:bodyPr>
-          <a:lstStyle/>
-          <a:p>
-            <a:r>
-              <a:rPr lang="en-US" dirty="0" smtClean="0"/>
-              <a:t>Ben</a:t>
-            </a:r>
-            <a:endParaRPr lang="en-US" dirty="0"/>
-          </a:p>
-        </p:txBody>
-      </p:sp>
-    </p:spTree>
-    <p:extLst>
-      <p:ext uri="{BB962C8B-B14F-4D97-AF65-F5344CB8AC3E}">
-        <p14:creationId xmlns:p14="http://schemas.microsoft.com/office/powerpoint/2010/main" val="123934941"/>
-      </p:ext>
-    </p:extLst>
-  </p:cSld>
-  <p:clrMapOvr>
-    <a:masterClrMapping/>
-  </p:clrMapOvr>
-  <p:timing>
-    <p:tnLst>
-      <p:par>
-        <p:cTn xmlns:p14="http://schemas.microsoft.com/office/powerpoint/2010/main" id="1" dur="indefinite" restart="never" nodeType="tmRoot"/>
-      </p:par>
-    </p:tnLst>
-  </p:timing>
-</p:sld>
-</file>
-
 <file path=ppt/slides/slide27.xml><?xml version="1.0" encoding="utf-8"?>
 <p:sld xmlns:a="http://schemas.openxmlformats.org/drawingml/2006/main" xmlns:r="http://schemas.openxmlformats.org/officeDocument/2006/relationships" xmlns:p="http://schemas.openxmlformats.org/presentationml/2006/main">
   <p:cSld>
@@ -13996,7 +14037,7 @@
                   </a:schemeClr>
                 </a:solidFill>
               </a:rPr>
-              <a:t>Design – Link Budget</a:t>
+              <a:t>Design - Power</a:t>
             </a:r>
             <a:endParaRPr lang="en-US" dirty="0">
               <a:solidFill>
@@ -14009,31 +14050,35 @@
           </a:p>
         </p:txBody>
       </p:sp>
-      <p:sp>
-        <p:nvSpPr>
-          <p:cNvPr id="3" name="Content Placeholder 2"/>
-          <p:cNvSpPr>
-            <a:spLocks noGrp="1"/>
-          </p:cNvSpPr>
+      <p:pic>
+        <p:nvPicPr>
+          <p:cNvPr id="5" name="Content Placeholder 4"/>
+          <p:cNvPicPr>
+            <a:picLocks noGrp="1" noChangeAspect="1"/>
+          </p:cNvPicPr>
           <p:nvPr>
             <p:ph idx="1"/>
           </p:nvPr>
-        </p:nvSpPr>
-        <p:spPr/>
-        <p:txBody>
-          <a:bodyPr/>
-          <a:lstStyle/>
-          <a:p>
-            <a:r>
-              <a:rPr lang="en-US" dirty="0"/>
-              <a:t>TO BE COMPLETED</a:t>
-            </a:r>
-          </a:p>
-          <a:p>
-            <a:endParaRPr lang="en-US" dirty="0"/>
-          </a:p>
-        </p:txBody>
-      </p:sp>
+        </p:nvPicPr>
+        <p:blipFill>
+          <a:blip r:embed="rId2">
+            <a:extLst>
+              <a:ext uri="{28A0092B-C50C-407E-A947-70E740481C1C}">
+                <a14:useLocalDpi xmlns:a14="http://schemas.microsoft.com/office/drawing/2010/main" val="0"/>
+              </a:ext>
+            </a:extLst>
+          </a:blip>
+          <a:stretch>
+            <a:fillRect/>
+          </a:stretch>
+        </p:blipFill>
+        <p:spPr>
+          <a:xfrm>
+            <a:off x="1371030" y="1227138"/>
+            <a:ext cx="8889553" cy="5160962"/>
+          </a:xfrm>
+        </p:spPr>
+      </p:pic>
       <p:sp>
         <p:nvSpPr>
           <p:cNvPr id="4" name="Text Placeholder 3"/>
@@ -14051,27 +14096,24 @@
           </a:bodyPr>
           <a:lstStyle/>
           <a:p>
-            <a:endParaRPr lang="en-US"/>
+            <a:r>
+              <a:rPr lang="en-US" dirty="0" smtClean="0"/>
+              <a:t> </a:t>
+            </a:r>
+            <a:endParaRPr lang="en-US" dirty="0"/>
           </a:p>
         </p:txBody>
       </p:sp>
     </p:spTree>
     <p:extLst>
       <p:ext uri="{BB962C8B-B14F-4D97-AF65-F5344CB8AC3E}">
-        <p14:creationId xmlns:p14="http://schemas.microsoft.com/office/powerpoint/2010/main" val="555483364"/>
+        <p14:creationId xmlns:p14="http://schemas.microsoft.com/office/powerpoint/2010/main" val="1036177282"/>
       </p:ext>
     </p:extLst>
   </p:cSld>
   <p:clrMapOvr>
     <a:masterClrMapping/>
   </p:clrMapOvr>
-  <p:timing>
-    <p:tnLst>
-      <p:par>
-        <p:cTn xmlns:p14="http://schemas.microsoft.com/office/powerpoint/2010/main" id="1" dur="indefinite" restart="never" nodeType="tmRoot"/>
-      </p:par>
-    </p:tnLst>
-  </p:timing>
 </p:sld>
 </file>
 
@@ -14116,7 +14158,7 @@
                   </a:schemeClr>
                 </a:solidFill>
               </a:rPr>
-              <a:t>Design - Power</a:t>
+              <a:t>Design – Power Budget</a:t>
             </a:r>
             <a:endParaRPr lang="en-US" dirty="0">
               <a:solidFill>
@@ -14129,35 +14171,29 @@
           </a:p>
         </p:txBody>
       </p:sp>
-      <p:pic>
-        <p:nvPicPr>
-          <p:cNvPr id="5" name="Content Placeholder 4"/>
-          <p:cNvPicPr>
-            <a:picLocks noGrp="1" noChangeAspect="1"/>
-          </p:cNvPicPr>
+      <p:sp>
+        <p:nvSpPr>
+          <p:cNvPr id="3" name="Content Placeholder 2"/>
+          <p:cNvSpPr>
+            <a:spLocks noGrp="1"/>
+          </p:cNvSpPr>
           <p:nvPr>
             <p:ph idx="1"/>
           </p:nvPr>
-        </p:nvPicPr>
-        <p:blipFill>
-          <a:blip r:embed="rId2">
-            <a:extLst>
-              <a:ext uri="{28A0092B-C50C-407E-A947-70E740481C1C}">
-                <a14:useLocalDpi xmlns:a14="http://schemas.microsoft.com/office/drawing/2010/main" val="0"/>
-              </a:ext>
-            </a:extLst>
-          </a:blip>
-          <a:stretch>
-            <a:fillRect/>
-          </a:stretch>
-        </p:blipFill>
-        <p:spPr>
-          <a:xfrm>
-            <a:off x="1371030" y="1227138"/>
-            <a:ext cx="8889553" cy="5160962"/>
-          </a:xfrm>
-        </p:spPr>
-      </p:pic>
+        </p:nvSpPr>
+        <p:spPr/>
+        <p:txBody>
+          <a:bodyPr/>
+          <a:lstStyle/>
+          <a:p>
+            <a:r>
+              <a:rPr lang="en-US" dirty="0" smtClean="0"/>
+              <a:t>TO BE COMPLETED</a:t>
+            </a:r>
+            <a:endParaRPr lang="en-US" dirty="0"/>
+          </a:p>
+        </p:txBody>
+      </p:sp>
       <p:sp>
         <p:nvSpPr>
           <p:cNvPr id="4" name="Text Placeholder 3"/>
@@ -14175,18 +14211,14 @@
           </a:bodyPr>
           <a:lstStyle/>
           <a:p>
-            <a:r>
-              <a:rPr lang="en-US" dirty="0" smtClean="0"/>
-              <a:t> </a:t>
-            </a:r>
-            <a:endParaRPr lang="en-US" dirty="0"/>
+            <a:endParaRPr lang="en-US"/>
           </a:p>
         </p:txBody>
       </p:sp>
     </p:spTree>
     <p:extLst>
       <p:ext uri="{BB962C8B-B14F-4D97-AF65-F5344CB8AC3E}">
-        <p14:creationId xmlns:p14="http://schemas.microsoft.com/office/powerpoint/2010/main" val="1036177282"/>
+        <p14:creationId xmlns:p14="http://schemas.microsoft.com/office/powerpoint/2010/main" val="1043457955"/>
       </p:ext>
     </p:extLst>
   </p:cSld>
@@ -14237,7 +14269,7 @@
                   </a:schemeClr>
                 </a:solidFill>
               </a:rPr>
-              <a:t>Design – Power Budget</a:t>
+              <a:t>Budget</a:t>
             </a:r>
             <a:endParaRPr lang="en-US" dirty="0">
               <a:solidFill>
@@ -14267,8 +14299,47 @@
           <a:p>
             <a:r>
               <a:rPr lang="en-US" dirty="0" smtClean="0"/>
-              <a:t>TO BE COMPLETED</a:t>
-            </a:r>
+              <a:t>Attitude Control</a:t>
+            </a:r>
+          </a:p>
+          <a:p>
+            <a:r>
+              <a:rPr lang="en-US" dirty="0" smtClean="0"/>
+              <a:t>Attitude Determination</a:t>
+            </a:r>
+          </a:p>
+          <a:p>
+            <a:r>
+              <a:rPr lang="en-US" dirty="0" smtClean="0"/>
+              <a:t>Navigation</a:t>
+            </a:r>
+          </a:p>
+          <a:p>
+            <a:r>
+              <a:rPr lang="en-US" dirty="0" smtClean="0"/>
+              <a:t>Communication</a:t>
+            </a:r>
+          </a:p>
+          <a:p>
+            <a:r>
+              <a:rPr lang="en-US" dirty="0" smtClean="0"/>
+              <a:t>Power</a:t>
+            </a:r>
+          </a:p>
+          <a:p>
+            <a:r>
+              <a:rPr lang="en-US" dirty="0" smtClean="0"/>
+              <a:t>Manpower</a:t>
+            </a:r>
+          </a:p>
+          <a:p>
+            <a:pPr lvl="1"/>
+            <a:r>
+              <a:rPr lang="en-US" dirty="0" smtClean="0"/>
+              <a:t>FREE!</a:t>
+            </a:r>
+          </a:p>
+          <a:p>
             <a:endParaRPr lang="en-US" dirty="0"/>
           </a:p>
         </p:txBody>
@@ -14297,7 +14368,7 @@
     </p:spTree>
     <p:extLst>
       <p:ext uri="{BB962C8B-B14F-4D97-AF65-F5344CB8AC3E}">
-        <p14:creationId xmlns:p14="http://schemas.microsoft.com/office/powerpoint/2010/main" val="1043457955"/>
+        <p14:creationId xmlns:p14="http://schemas.microsoft.com/office/powerpoint/2010/main" val="3051738324"/>
       </p:ext>
     </p:extLst>
   </p:cSld>
@@ -14903,7 +14974,7 @@
                   </a:schemeClr>
                 </a:solidFill>
               </a:rPr>
-              <a:t>Budget</a:t>
+              <a:t>FMEA</a:t>
             </a:r>
             <a:endParaRPr lang="en-US" dirty="0">
               <a:solidFill>
@@ -14932,45 +15003,8 @@
           <a:lstStyle/>
           <a:p>
             <a:r>
-              <a:rPr lang="en-US" dirty="0" smtClean="0"/>
-              <a:t>Attitude Control</a:t>
-            </a:r>
-          </a:p>
-          <a:p>
-            <a:r>
-              <a:rPr lang="en-US" dirty="0" smtClean="0"/>
-              <a:t>Attitude Determination</a:t>
-            </a:r>
-          </a:p>
-          <a:p>
-            <a:r>
-              <a:rPr lang="en-US" dirty="0" smtClean="0"/>
-              <a:t>Navigation</a:t>
-            </a:r>
-          </a:p>
-          <a:p>
-            <a:r>
-              <a:rPr lang="en-US" dirty="0" smtClean="0"/>
-              <a:t>Communication</a:t>
-            </a:r>
-          </a:p>
-          <a:p>
-            <a:r>
-              <a:rPr lang="en-US" dirty="0" smtClean="0"/>
-              <a:t>Power</a:t>
-            </a:r>
-          </a:p>
-          <a:p>
-            <a:r>
-              <a:rPr lang="en-US" dirty="0" smtClean="0"/>
-              <a:t>Manpower</a:t>
-            </a:r>
-          </a:p>
-          <a:p>
-            <a:pPr lvl="1"/>
-            <a:r>
-              <a:rPr lang="en-US" dirty="0" smtClean="0"/>
-              <a:t>FREE!</a:t>
+              <a:rPr lang="en-US" dirty="0"/>
+              <a:t>TO BE COMPLETED</a:t>
             </a:r>
           </a:p>
           <a:p>
@@ -14995,14 +15029,18 @@
           </a:bodyPr>
           <a:lstStyle/>
           <a:p>
-            <a:endParaRPr lang="en-US"/>
+            <a:r>
+              <a:rPr lang="en-US" dirty="0" smtClean="0"/>
+              <a:t>Charlie</a:t>
+            </a:r>
+            <a:endParaRPr lang="en-US" dirty="0"/>
           </a:p>
         </p:txBody>
       </p:sp>
     </p:spTree>
     <p:extLst>
       <p:ext uri="{BB962C8B-B14F-4D97-AF65-F5344CB8AC3E}">
-        <p14:creationId xmlns:p14="http://schemas.microsoft.com/office/powerpoint/2010/main" val="3051738324"/>
+        <p14:creationId xmlns:p14="http://schemas.microsoft.com/office/powerpoint/2010/main" val="2929915190"/>
       </p:ext>
     </p:extLst>
   </p:cSld>
@@ -15053,7 +15091,7 @@
                   </a:schemeClr>
                 </a:solidFill>
               </a:rPr>
-              <a:t>FMEA</a:t>
+              <a:t>Conclusion</a:t>
             </a:r>
             <a:endParaRPr lang="en-US" dirty="0">
               <a:solidFill>
@@ -15082,12 +15120,16 @@
           <a:lstStyle/>
           <a:p>
             <a:r>
-              <a:rPr lang="en-US" dirty="0"/>
+              <a:rPr lang="en-US" dirty="0" smtClean="0"/>
+              <a:t>Delivered:</a:t>
+            </a:r>
+          </a:p>
+          <a:p>
+            <a:r>
+              <a:rPr lang="en-US" smtClean="0"/>
               <a:t>TO BE COMPLETED</a:t>
             </a:r>
-          </a:p>
-          <a:p>
-            <a:endParaRPr lang="en-US" dirty="0"/>
+            <a:endParaRPr lang="en-US"/>
           </a:p>
         </p:txBody>
       </p:sp>
@@ -15108,18 +15150,14 @@
           </a:bodyPr>
           <a:lstStyle/>
           <a:p>
-            <a:r>
-              <a:rPr lang="en-US" dirty="0" smtClean="0"/>
-              <a:t>Charlie</a:t>
-            </a:r>
-            <a:endParaRPr lang="en-US" dirty="0"/>
+            <a:endParaRPr lang="en-US"/>
           </a:p>
         </p:txBody>
       </p:sp>
     </p:spTree>
     <p:extLst>
       <p:ext uri="{BB962C8B-B14F-4D97-AF65-F5344CB8AC3E}">
-        <p14:creationId xmlns:p14="http://schemas.microsoft.com/office/powerpoint/2010/main" val="2929915190"/>
+        <p14:creationId xmlns:p14="http://schemas.microsoft.com/office/powerpoint/2010/main" val="1930181380"/>
       </p:ext>
     </p:extLst>
   </p:cSld>
@@ -15162,71 +15200,26 @@
           <a:lstStyle/>
           <a:p>
             <a:r>
-              <a:rPr lang="en-US" dirty="0" smtClean="0">
-                <a:solidFill>
-                  <a:schemeClr val="bg1">
-                    <a:lumMod val="50000"/>
-                    <a:lumOff val="50000"/>
-                  </a:schemeClr>
-                </a:solidFill>
-              </a:rPr>
-              <a:t>Conclusion</a:t>
-            </a:r>
-            <a:endParaRPr lang="en-US" dirty="0">
-              <a:solidFill>
-                <a:schemeClr val="bg1">
-                  <a:lumMod val="50000"/>
-                  <a:lumOff val="50000"/>
-                </a:schemeClr>
-              </a:solidFill>
-            </a:endParaRPr>
-          </a:p>
-        </p:txBody>
-      </p:sp>
-      <p:sp>
-        <p:nvSpPr>
-          <p:cNvPr id="3" name="Content Placeholder 2"/>
-          <p:cNvSpPr>
-            <a:spLocks noGrp="1"/>
-          </p:cNvSpPr>
-          <p:nvPr>
-            <p:ph idx="1"/>
+              <a:rPr lang="en-US" dirty="0" smtClean="0"/>
+              <a:t>Individual Reports</a:t>
+            </a:r>
+            <a:endParaRPr lang="en-US" dirty="0"/>
+          </a:p>
+        </p:txBody>
+      </p:sp>
+      <p:sp>
+        <p:nvSpPr>
+          <p:cNvPr id="3" name="Text Placeholder 2"/>
+          <p:cNvSpPr>
+            <a:spLocks noGrp="1"/>
+          </p:cNvSpPr>
+          <p:nvPr>
+            <p:ph type="body" idx="1"/>
           </p:nvPr>
         </p:nvSpPr>
         <p:spPr/>
         <p:txBody>
           <a:bodyPr/>
-          <a:lstStyle/>
-          <a:p>
-            <a:r>
-              <a:rPr lang="en-US" dirty="0" smtClean="0"/>
-              <a:t>Delivered:</a:t>
-            </a:r>
-          </a:p>
-          <a:p>
-            <a:r>
-              <a:rPr lang="en-US" smtClean="0"/>
-              <a:t>TO BE COMPLETED</a:t>
-            </a:r>
-            <a:endParaRPr lang="en-US"/>
-          </a:p>
-        </p:txBody>
-      </p:sp>
-      <p:sp>
-        <p:nvSpPr>
-          <p:cNvPr id="4" name="Text Placeholder 3"/>
-          <p:cNvSpPr>
-            <a:spLocks noGrp="1"/>
-          </p:cNvSpPr>
-          <p:nvPr>
-            <p:ph type="body" sz="quarter" idx="10"/>
-          </p:nvPr>
-        </p:nvSpPr>
-        <p:spPr/>
-        <p:txBody>
-          <a:bodyPr>
-            <a:normAutofit fontScale="92500" lnSpcReduction="10000"/>
-          </a:bodyPr>
           <a:lstStyle/>
           <a:p>
             <a:endParaRPr lang="en-US"/>
@@ -15236,7 +15229,7 @@
     </p:spTree>
     <p:extLst>
       <p:ext uri="{BB962C8B-B14F-4D97-AF65-F5344CB8AC3E}">
-        <p14:creationId xmlns:p14="http://schemas.microsoft.com/office/powerpoint/2010/main" val="1930181380"/>
+        <p14:creationId xmlns:p14="http://schemas.microsoft.com/office/powerpoint/2010/main" val="3189312476"/>
       </p:ext>
     </p:extLst>
   </p:cSld>
@@ -15279,21 +15272,57 @@
           <a:lstStyle/>
           <a:p>
             <a:r>
-              <a:rPr lang="en-US" dirty="0" smtClean="0"/>
-              <a:t>Individual Reports</a:t>
-            </a:r>
-            <a:endParaRPr lang="en-US" dirty="0"/>
-          </a:p>
-        </p:txBody>
-      </p:sp>
-      <p:sp>
-        <p:nvSpPr>
-          <p:cNvPr id="3" name="Text Placeholder 2"/>
-          <p:cNvSpPr>
-            <a:spLocks noGrp="1"/>
-          </p:cNvSpPr>
-          <p:nvPr>
-            <p:ph type="body" idx="1"/>
+              <a:rPr lang="en-US" dirty="0" smtClean="0">
+                <a:solidFill>
+                  <a:schemeClr val="bg1">
+                    <a:lumMod val="50000"/>
+                    <a:lumOff val="50000"/>
+                  </a:schemeClr>
+                </a:solidFill>
+              </a:rPr>
+              <a:t>Design – </a:t>
+            </a:r>
+            <a:r>
+              <a:rPr lang="en-US" dirty="0" smtClean="0">
+                <a:solidFill>
+                  <a:schemeClr val="bg1">
+                    <a:lumMod val="50000"/>
+                    <a:lumOff val="50000"/>
+                  </a:schemeClr>
+                </a:solidFill>
+              </a:rPr>
+              <a:t>Data Link </a:t>
+            </a:r>
+            <a:r>
+              <a:rPr lang="en-US" dirty="0" smtClean="0">
+                <a:solidFill>
+                  <a:schemeClr val="bg1">
+                    <a:lumMod val="50000"/>
+                    <a:lumOff val="50000"/>
+                  </a:schemeClr>
+                </a:solidFill>
+              </a:rPr>
+              <a:t>Budget</a:t>
+            </a:r>
+            <a:endParaRPr lang="en-US" dirty="0">
+              <a:solidFill>
+                <a:schemeClr val="bg1">
+                  <a:lumMod val="50000"/>
+                  <a:lumOff val="50000"/>
+                </a:schemeClr>
+              </a:solidFill>
+            </a:endParaRPr>
+          </a:p>
+        </p:txBody>
+      </p:sp>
+      <p:sp>
+        <p:nvSpPr>
+          <p:cNvPr id="3" name="Content Placeholder 2"/>
+          <p:cNvSpPr>
+            <a:spLocks noGrp="1"/>
+          </p:cNvSpPr>
+          <p:nvPr>
+            <p:ph idx="1"/>
           </p:nvPr>
         </p:nvSpPr>
         <p:spPr/>
@@ -15301,20 +15330,58 @@
           <a:bodyPr/>
           <a:lstStyle/>
           <a:p>
-            <a:endParaRPr lang="en-US"/>
+            <a:r>
+              <a:rPr lang="en-US" dirty="0"/>
+              <a:t>TO BE COMPLETED</a:t>
+            </a:r>
+          </a:p>
+          <a:p>
+            <a:endParaRPr lang="en-US" dirty="0"/>
+          </a:p>
+        </p:txBody>
+      </p:sp>
+      <p:sp>
+        <p:nvSpPr>
+          <p:cNvPr id="4" name="Text Placeholder 3"/>
+          <p:cNvSpPr>
+            <a:spLocks noGrp="1"/>
+          </p:cNvSpPr>
+          <p:nvPr>
+            <p:ph type="body" sz="quarter" idx="10"/>
+          </p:nvPr>
+        </p:nvSpPr>
+        <p:spPr/>
+        <p:txBody>
+          <a:bodyPr>
+            <a:normAutofit fontScale="92500" lnSpcReduction="10000"/>
+          </a:bodyPr>
+          <a:lstStyle/>
+          <a:p>
+            <a:r>
+              <a:rPr lang="en-US" dirty="0" smtClean="0"/>
+              <a:t>Ben</a:t>
+            </a:r>
+            <a:endParaRPr lang="en-US" dirty="0"/>
           </a:p>
         </p:txBody>
       </p:sp>
     </p:spTree>
     <p:extLst>
       <p:ext uri="{BB962C8B-B14F-4D97-AF65-F5344CB8AC3E}">
-        <p14:creationId xmlns:p14="http://schemas.microsoft.com/office/powerpoint/2010/main" val="3189312476"/>
+        <p14:creationId xmlns:p14="http://schemas.microsoft.com/office/powerpoint/2010/main" val="1821753868"/>
       </p:ext>
     </p:extLst>
   </p:cSld>
   <p:clrMapOvr>
     <a:masterClrMapping/>
   </p:clrMapOvr>
+  <p:timing>
+    <p:tnLst>
+      <p:par>
+        <p:cTn xmlns:p14="http://schemas.microsoft.com/office/powerpoint/2010/main" id="1" dur="indefinite" restart="never" nodeType="tmRoot"/>
+      </p:par>
+    </p:tnLst>
+  </p:timing>
 </p:sld>
 </file>
 
@@ -16654,7 +16721,7 @@
   <a:extraClrSchemeLst/>
   <a:extLst>
     <a:ext uri="{05A4C25C-085E-4340-85A3-A5531E510DB2}">
-      <thm15:themeFamily xmlns:thm15="http://schemas.microsoft.com/office/thememl/2012/main" xmlns="" name="Theme1" id="{4DC015B6-F420-4CE0-B51C-21BE6322361F}" vid="{1413F7E4-2720-4250-A1CE-68DF955E7FCD}"/>
+      <thm15:themeFamily xmlns="" xmlns:thm15="http://schemas.microsoft.com/office/thememl/2012/main" name="Theme1" id="{4DC015B6-F420-4CE0-B51C-21BE6322361F}" vid="{1413F7E4-2720-4250-A1CE-68DF955E7FCD}"/>
     </a:ext>
   </a:extLst>
 </a:theme>
@@ -16915,7 +16982,7 @@
   <a:extraClrSchemeLst/>
   <a:extLst>
     <a:ext uri="{05A4C25C-085E-4340-85A3-A5531E510DB2}">
-      <thm15:themeFamily xmlns:thm15="http://schemas.microsoft.com/office/thememl/2012/main" xmlns="" name="Office Theme" id="{62F939B6-93AF-4DB8-9C6B-D6C7DFDC589F}" vid="{4A3C46E8-61CC-4603-A589-7422A47A8E4A}"/>
+      <thm15:themeFamily xmlns="" xmlns:thm15="http://schemas.microsoft.com/office/thememl/2012/main" name="Office Theme" id="{62F939B6-93AF-4DB8-9C6B-D6C7DFDC589F}" vid="{4A3C46E8-61CC-4603-A589-7422A47A8E4A}"/>
     </a:ext>
   </a:extLst>
 </a:theme>

--- a/Presentations/CDR_Presentation.pptx
+++ b/Presentations/CDR_Presentation.pptx
@@ -5,7 +5,7 @@
     <p:sldMasterId id="2147483660" r:id="rId1"/>
   </p:sldMasterIdLst>
   <p:notesMasterIdLst>
-    <p:notesMasterId r:id="rId35"/>
+    <p:notesMasterId r:id="rId36"/>
   </p:notesMasterIdLst>
   <p:sldIdLst>
     <p:sldId id="256" r:id="rId2"/>
@@ -34,13 +34,14 @@
     <p:sldId id="290" r:id="rId25"/>
     <p:sldId id="291" r:id="rId26"/>
     <p:sldId id="292" r:id="rId27"/>
-    <p:sldId id="272" r:id="rId28"/>
-    <p:sldId id="279" r:id="rId29"/>
-    <p:sldId id="280" r:id="rId30"/>
-    <p:sldId id="269" r:id="rId31"/>
-    <p:sldId id="281" r:id="rId32"/>
-    <p:sldId id="268" r:id="rId33"/>
-    <p:sldId id="297" r:id="rId34"/>
+    <p:sldId id="299" r:id="rId28"/>
+    <p:sldId id="272" r:id="rId29"/>
+    <p:sldId id="279" r:id="rId30"/>
+    <p:sldId id="280" r:id="rId31"/>
+    <p:sldId id="269" r:id="rId32"/>
+    <p:sldId id="281" r:id="rId33"/>
+    <p:sldId id="268" r:id="rId34"/>
+    <p:sldId id="297" r:id="rId35"/>
   </p:sldIdLst>
   <p:sldSz cx="12192000" cy="6858000"/>
   <p:notesSz cx="6858000" cy="9144000"/>
@@ -182,6 +183,7 @@
             <p14:sldId id="290"/>
             <p14:sldId id="291"/>
             <p14:sldId id="292"/>
+            <p14:sldId id="299"/>
             <p14:sldId id="272"/>
             <p14:sldId id="279"/>
           </p14:sldIdLst>
@@ -210,7 +212,7 @@
       </p14:sectionLst>
     </p:ext>
     <p:ext uri="{EFAFB233-063F-42B5-8137-9DF3F51BA10A}">
-      <p15:sldGuideLst xmlns="" xmlns:p15="http://schemas.microsoft.com/office/powerpoint/2012/main"/>
+      <p15:sldGuideLst xmlns:p15="http://schemas.microsoft.com/office/powerpoint/2012/main" xmlns=""/>
     </p:ext>
   </p:extLst>
 </p:presentation>
@@ -12162,8 +12164,23 @@
             <a:pPr lvl="1"/>
             <a:r>
               <a:rPr lang="en-US" dirty="0"/>
-              <a:t>delete queued file</a:t>
-            </a:r>
+              <a:t>delete queued </a:t>
+            </a:r>
+            <a:r>
+              <a:rPr lang="en-US" dirty="0" smtClean="0"/>
+              <a:t>file</a:t>
+            </a:r>
+          </a:p>
+          <a:p>
+            <a:r>
+              <a:rPr lang="en-US" dirty="0" err="1" smtClean="0"/>
+              <a:t>CubeSat</a:t>
+            </a:r>
+            <a:r>
+              <a:rPr lang="en-US" dirty="0" smtClean="0"/>
+              <a:t> purges marked files</a:t>
+            </a:r>
+            <a:endParaRPr lang="en-US" dirty="0"/>
           </a:p>
           <a:p>
             <a:endParaRPr lang="en-US" dirty="0"/>
@@ -12466,9 +12483,16 @@
           <a:p>
             <a:pPr lvl="1"/>
             <a:r>
+              <a:rPr lang="en-US" dirty="0"/>
+              <a:t>g</a:t>
+            </a:r>
+            <a:r>
               <a:rPr lang="en-US" dirty="0" smtClean="0"/>
-              <a:t>goodbye</a:t>
-            </a:r>
+              <a:t>oodbye</a:t>
+            </a:r>
+          </a:p>
+          <a:p>
+            <a:endParaRPr lang="en-US" dirty="0" smtClean="0"/>
           </a:p>
           <a:p>
             <a:endParaRPr lang="en-US" dirty="0"/>
@@ -12869,8 +12893,31 @@
           </a:p>
           <a:p>
             <a:r>
+              <a:rPr lang="en-US" dirty="0" err="1" smtClean="0"/>
+              <a:t>CubeSat</a:t>
+            </a:r>
+            <a:r>
               <a:rPr lang="en-US" dirty="0" smtClean="0"/>
-              <a:t>point</a:t>
+              <a:t> </a:t>
+            </a:r>
+            <a:r>
+              <a:rPr lang="en-US" dirty="0" smtClean="0"/>
+              <a:t>transmits one 128 </a:t>
+            </a:r>
+            <a:r>
+              <a:rPr lang="en-US" dirty="0" err="1" smtClean="0"/>
+              <a:t>kB</a:t>
+            </a:r>
+            <a:r>
+              <a:rPr lang="en-US" dirty="0" smtClean="0"/>
+              <a:t> packet</a:t>
+            </a:r>
+          </a:p>
+          <a:p>
+            <a:pPr lvl="1"/>
+            <a:r>
+              <a:rPr lang="en-US" dirty="0" smtClean="0"/>
+              <a:t>3 time steps</a:t>
             </a:r>
             <a:endParaRPr lang="en-US" dirty="0"/>
           </a:p>
@@ -13292,13 +13339,24 @@
             </a:pPr>
             <a:r>
               <a:rPr lang="en-US" sz="2400" dirty="0" smtClean="0"/>
-              <a:t>Step 6: Checksum</a:t>
-            </a:r>
+              <a:t>Step 6: </a:t>
+            </a:r>
+            <a:r>
+              <a:rPr lang="en-US" sz="2400" dirty="0" smtClean="0"/>
+              <a:t>Error Checking</a:t>
+            </a:r>
+            <a:endParaRPr lang="en-US" sz="2400" dirty="0" smtClean="0"/>
           </a:p>
           <a:p>
             <a:r>
               <a:rPr lang="en-US" dirty="0" smtClean="0"/>
-              <a:t>point</a:t>
+              <a:t>Ground Station computes checksum</a:t>
+            </a:r>
+          </a:p>
+          <a:p>
+            <a:r>
+              <a:rPr lang="en-US" dirty="0" smtClean="0"/>
+              <a:t>Ground Station transmits checksum</a:t>
             </a:r>
             <a:endParaRPr lang="en-US" dirty="0"/>
           </a:p>
@@ -13740,8 +13798,23 @@
             </a:r>
             <a:r>
               <a:rPr lang="en-US" dirty="0" smtClean="0"/>
-              <a:t> relays success/failure to ground station</a:t>
-            </a:r>
+              <a:t> relays success/failure to ground </a:t>
+            </a:r>
+            <a:r>
+              <a:rPr lang="en-US" dirty="0" smtClean="0"/>
+              <a:t>station</a:t>
+            </a:r>
+          </a:p>
+          <a:p>
+            <a:r>
+              <a:rPr lang="en-US" dirty="0" err="1" smtClean="0"/>
+              <a:t>CubeSat</a:t>
+            </a:r>
+            <a:r>
+              <a:rPr lang="en-US" dirty="0" smtClean="0"/>
+              <a:t> appends log file</a:t>
+            </a:r>
+            <a:endParaRPr lang="en-US" dirty="0" smtClean="0"/>
           </a:p>
           <a:p>
             <a:r>
@@ -14037,6 +14110,469 @@
                   </a:schemeClr>
                 </a:solidFill>
               </a:rPr>
+              <a:t>Design - Communications</a:t>
+            </a:r>
+            <a:endParaRPr lang="en-US" dirty="0">
+              <a:solidFill>
+                <a:schemeClr val="bg1">
+                  <a:lumMod val="50000"/>
+                  <a:lumOff val="50000"/>
+                </a:schemeClr>
+              </a:solidFill>
+            </a:endParaRPr>
+          </a:p>
+        </p:txBody>
+      </p:sp>
+      <p:sp>
+        <p:nvSpPr>
+          <p:cNvPr id="4" name="Text Placeholder 3"/>
+          <p:cNvSpPr>
+            <a:spLocks noGrp="1"/>
+          </p:cNvSpPr>
+          <p:nvPr>
+            <p:ph type="body" sz="quarter" idx="10"/>
+          </p:nvPr>
+        </p:nvSpPr>
+        <p:spPr/>
+        <p:txBody>
+          <a:bodyPr>
+            <a:normAutofit fontScale="92500" lnSpcReduction="10000"/>
+          </a:bodyPr>
+          <a:lstStyle/>
+          <a:p>
+            <a:r>
+              <a:rPr lang="en-US" dirty="0" smtClean="0"/>
+              <a:t>Ben</a:t>
+            </a:r>
+            <a:endParaRPr lang="en-US" dirty="0"/>
+          </a:p>
+        </p:txBody>
+      </p:sp>
+      <p:pic>
+        <p:nvPicPr>
+          <p:cNvPr id="6" name="Picture 5"/>
+          <p:cNvPicPr>
+            <a:picLocks noChangeAspect="1"/>
+          </p:cNvPicPr>
+          <p:nvPr/>
+        </p:nvPicPr>
+        <p:blipFill>
+          <a:blip r:embed="rId2"/>
+          <a:stretch>
+            <a:fillRect/>
+          </a:stretch>
+        </p:blipFill>
+        <p:spPr>
+          <a:xfrm>
+            <a:off x="5080265" y="1205963"/>
+            <a:ext cx="1676400" cy="1524000"/>
+          </a:xfrm>
+          <a:prstGeom prst="rect">
+            <a:avLst/>
+          </a:prstGeom>
+        </p:spPr>
+      </p:pic>
+      <p:pic>
+        <p:nvPicPr>
+          <p:cNvPr id="7" name="Picture 6"/>
+          <p:cNvPicPr>
+            <a:picLocks noChangeAspect="1"/>
+          </p:cNvPicPr>
+          <p:nvPr/>
+        </p:nvPicPr>
+        <p:blipFill>
+          <a:blip r:embed="rId3"/>
+          <a:stretch>
+            <a:fillRect/>
+          </a:stretch>
+        </p:blipFill>
+        <p:spPr>
+          <a:xfrm>
+            <a:off x="8697369" y="3995393"/>
+            <a:ext cx="1612900" cy="2705100"/>
+          </a:xfrm>
+          <a:prstGeom prst="rect">
+            <a:avLst/>
+          </a:prstGeom>
+        </p:spPr>
+      </p:pic>
+      <p:pic>
+        <p:nvPicPr>
+          <p:cNvPr id="8" name="Picture 7"/>
+          <p:cNvPicPr>
+            <a:picLocks noChangeAspect="1"/>
+          </p:cNvPicPr>
+          <p:nvPr/>
+        </p:nvPicPr>
+        <p:blipFill>
+          <a:blip r:embed="rId4"/>
+          <a:stretch>
+            <a:fillRect/>
+          </a:stretch>
+        </p:blipFill>
+        <p:spPr>
+          <a:xfrm>
+            <a:off x="6885289" y="2528545"/>
+            <a:ext cx="2451100" cy="1473200"/>
+          </a:xfrm>
+          <a:prstGeom prst="rect">
+            <a:avLst/>
+          </a:prstGeom>
+        </p:spPr>
+      </p:pic>
+      <p:sp>
+        <p:nvSpPr>
+          <p:cNvPr id="11" name="Content Placeholder 2"/>
+          <p:cNvSpPr>
+            <a:spLocks noGrp="1"/>
+          </p:cNvSpPr>
+          <p:nvPr>
+            <p:ph idx="1"/>
+          </p:nvPr>
+        </p:nvSpPr>
+        <p:spPr>
+          <a:xfrm>
+            <a:off x="458222" y="2840147"/>
+            <a:ext cx="7626532" cy="3548128"/>
+          </a:xfrm>
+        </p:spPr>
+        <p:txBody>
+          <a:bodyPr anchor="b"/>
+          <a:lstStyle/>
+          <a:p>
+            <a:pPr marL="0" indent="0">
+              <a:buNone/>
+            </a:pPr>
+            <a:r>
+              <a:rPr lang="en-US" sz="2400" dirty="0" smtClean="0"/>
+              <a:t>Diagnostics</a:t>
+            </a:r>
+            <a:endParaRPr lang="en-US" sz="2400" dirty="0" smtClean="0"/>
+          </a:p>
+          <a:p>
+            <a:r>
+              <a:rPr lang="en-US" dirty="0" smtClean="0"/>
+              <a:t>Onboard Time</a:t>
+            </a:r>
+          </a:p>
+          <a:p>
+            <a:r>
+              <a:rPr lang="en-US" dirty="0" smtClean="0"/>
+              <a:t>GPS Position, Velocity, Satellite Lock</a:t>
+            </a:r>
+          </a:p>
+          <a:p>
+            <a:r>
+              <a:rPr lang="en-US" dirty="0" smtClean="0"/>
+              <a:t>Battery Status, </a:t>
+            </a:r>
+            <a:r>
+              <a:rPr lang="en-US" dirty="0" smtClean="0"/>
+              <a:t>Panel Cell Performance</a:t>
+            </a:r>
+          </a:p>
+          <a:p>
+            <a:r>
+              <a:rPr lang="en-US" dirty="0" smtClean="0"/>
+              <a:t>Attitude Magnetic Lock</a:t>
+            </a:r>
+          </a:p>
+          <a:p>
+            <a:r>
+              <a:rPr lang="en-US" dirty="0" smtClean="0"/>
+              <a:t>Data Storage Check</a:t>
+            </a:r>
+          </a:p>
+          <a:p>
+            <a:r>
+              <a:rPr lang="en-US" dirty="0" smtClean="0"/>
+              <a:t>Detector Diagnostics</a:t>
+            </a:r>
+            <a:endParaRPr lang="en-US" dirty="0"/>
+          </a:p>
+          <a:p>
+            <a:endParaRPr lang="en-US" dirty="0"/>
+          </a:p>
+        </p:txBody>
+      </p:sp>
+      <p:pic>
+        <p:nvPicPr>
+          <p:cNvPr id="5" name="Picture 4"/>
+          <p:cNvPicPr>
+            <a:picLocks noChangeAspect="1"/>
+          </p:cNvPicPr>
+          <p:nvPr/>
+        </p:nvPicPr>
+        <p:blipFill>
+          <a:blip r:embed="rId5"/>
+          <a:stretch>
+            <a:fillRect/>
+          </a:stretch>
+        </p:blipFill>
+        <p:spPr>
+          <a:xfrm>
+            <a:off x="6885288" y="2528545"/>
+            <a:ext cx="2451100" cy="1473200"/>
+          </a:xfrm>
+          <a:prstGeom prst="rect">
+            <a:avLst/>
+          </a:prstGeom>
+        </p:spPr>
+      </p:pic>
+    </p:spTree>
+    <p:extLst>
+      <p:ext uri="{BB962C8B-B14F-4D97-AF65-F5344CB8AC3E}">
+        <p14:creationId xmlns:p14="http://schemas.microsoft.com/office/powerpoint/2010/main" val="1332039012"/>
+      </p:ext>
+    </p:extLst>
+  </p:cSld>
+  <p:clrMapOvr>
+    <a:masterClrMapping/>
+  </p:clrMapOvr>
+  <p:timing>
+    <p:tnLst>
+      <p:par>
+        <p:cTn xmlns:p14="http://schemas.microsoft.com/office/powerpoint/2010/main" id="1" dur="indefinite" restart="never" nodeType="tmRoot">
+          <p:childTnLst>
+            <p:seq concurrent="1" nextAc="seek">
+              <p:cTn id="2" dur="indefinite" nodeType="mainSeq">
+                <p:childTnLst>
+                  <p:par>
+                    <p:cTn id="3" fill="hold">
+                      <p:stCondLst>
+                        <p:cond delay="indefinite"/>
+                        <p:cond evt="onBegin" delay="0">
+                          <p:tn val="2"/>
+                        </p:cond>
+                      </p:stCondLst>
+                      <p:childTnLst>
+                        <p:par>
+                          <p:cTn id="4" fill="hold">
+                            <p:stCondLst>
+                              <p:cond delay="0"/>
+                            </p:stCondLst>
+                            <p:childTnLst>
+                              <p:par>
+                                <p:cTn id="5" presetID="22" presetClass="exit" presetSubtype="8" fill="hold" nodeType="afterEffect">
+                                  <p:stCondLst>
+                                    <p:cond delay="500"/>
+                                  </p:stCondLst>
+                                  <p:childTnLst>
+                                    <p:animEffect transition="out" filter="wipe(left)">
+                                      <p:cBhvr>
+                                        <p:cTn id="6" dur="500"/>
+                                        <p:tgtEl>
+                                          <p:spTgt spid="8"/>
+                                        </p:tgtEl>
+                                      </p:cBhvr>
+                                    </p:animEffect>
+                                    <p:set>
+                                      <p:cBhvr>
+                                        <p:cTn id="7" dur="1" fill="hold">
+                                          <p:stCondLst>
+                                            <p:cond delay="499"/>
+                                          </p:stCondLst>
+                                        </p:cTn>
+                                        <p:tgtEl>
+                                          <p:spTgt spid="8"/>
+                                        </p:tgtEl>
+                                        <p:attrNameLst>
+                                          <p:attrName>style.visibility</p:attrName>
+                                        </p:attrNameLst>
+                                      </p:cBhvr>
+                                      <p:to>
+                                        <p:strVal val="hidden"/>
+                                      </p:to>
+                                    </p:set>
+                                  </p:childTnLst>
+                                </p:cTn>
+                              </p:par>
+                              <p:par>
+                                <p:cTn id="8" presetID="22" presetClass="entr" presetSubtype="8" fill="hold" nodeType="withEffect">
+                                  <p:stCondLst>
+                                    <p:cond delay="500"/>
+                                  </p:stCondLst>
+                                  <p:childTnLst>
+                                    <p:set>
+                                      <p:cBhvr>
+                                        <p:cTn id="9" dur="1" fill="hold">
+                                          <p:stCondLst>
+                                            <p:cond delay="0"/>
+                                          </p:stCondLst>
+                                        </p:cTn>
+                                        <p:tgtEl>
+                                          <p:spTgt spid="5"/>
+                                        </p:tgtEl>
+                                        <p:attrNameLst>
+                                          <p:attrName>style.visibility</p:attrName>
+                                        </p:attrNameLst>
+                                      </p:cBhvr>
+                                      <p:to>
+                                        <p:strVal val="visible"/>
+                                      </p:to>
+                                    </p:set>
+                                    <p:animEffect transition="in" filter="wipe(left)">
+                                      <p:cBhvr>
+                                        <p:cTn id="10" dur="500"/>
+                                        <p:tgtEl>
+                                          <p:spTgt spid="5"/>
+                                        </p:tgtEl>
+                                      </p:cBhvr>
+                                    </p:animEffect>
+                                  </p:childTnLst>
+                                </p:cTn>
+                              </p:par>
+                            </p:childTnLst>
+                          </p:cTn>
+                        </p:par>
+                        <p:par>
+                          <p:cTn id="11" fill="hold">
+                            <p:stCondLst>
+                              <p:cond delay="1000"/>
+                            </p:stCondLst>
+                            <p:childTnLst>
+                              <p:par>
+                                <p:cTn id="12" presetID="22" presetClass="exit" presetSubtype="8" fill="hold" nodeType="afterEffect">
+                                  <p:stCondLst>
+                                    <p:cond delay="0"/>
+                                  </p:stCondLst>
+                                  <p:childTnLst>
+                                    <p:animEffect transition="out" filter="wipe(left)">
+                                      <p:cBhvr>
+                                        <p:cTn id="13" dur="500"/>
+                                        <p:tgtEl>
+                                          <p:spTgt spid="5"/>
+                                        </p:tgtEl>
+                                      </p:cBhvr>
+                                    </p:animEffect>
+                                    <p:set>
+                                      <p:cBhvr>
+                                        <p:cTn id="14" dur="1" fill="hold">
+                                          <p:stCondLst>
+                                            <p:cond delay="499"/>
+                                          </p:stCondLst>
+                                        </p:cTn>
+                                        <p:tgtEl>
+                                          <p:spTgt spid="5"/>
+                                        </p:tgtEl>
+                                        <p:attrNameLst>
+                                          <p:attrName>style.visibility</p:attrName>
+                                        </p:attrNameLst>
+                                      </p:cBhvr>
+                                      <p:to>
+                                        <p:strVal val="hidden"/>
+                                      </p:to>
+                                    </p:set>
+                                  </p:childTnLst>
+                                </p:cTn>
+                              </p:par>
+                              <p:par>
+                                <p:cTn id="15" presetID="22" presetClass="entr" presetSubtype="8" fill="hold" nodeType="withEffect">
+                                  <p:stCondLst>
+                                    <p:cond delay="0"/>
+                                  </p:stCondLst>
+                                  <p:childTnLst>
+                                    <p:set>
+                                      <p:cBhvr>
+                                        <p:cTn id="16" dur="1" fill="hold">
+                                          <p:stCondLst>
+                                            <p:cond delay="0"/>
+                                          </p:stCondLst>
+                                        </p:cTn>
+                                        <p:tgtEl>
+                                          <p:spTgt spid="8"/>
+                                        </p:tgtEl>
+                                        <p:attrNameLst>
+                                          <p:attrName>style.visibility</p:attrName>
+                                        </p:attrNameLst>
+                                      </p:cBhvr>
+                                      <p:to>
+                                        <p:strVal val="visible"/>
+                                      </p:to>
+                                    </p:set>
+                                    <p:animEffect transition="in" filter="wipe(left)">
+                                      <p:cBhvr>
+                                        <p:cTn id="17" dur="500"/>
+                                        <p:tgtEl>
+                                          <p:spTgt spid="8"/>
+                                        </p:tgtEl>
+                                      </p:cBhvr>
+                                    </p:animEffect>
+                                  </p:childTnLst>
+                                </p:cTn>
+                              </p:par>
+                            </p:childTnLst>
+                          </p:cTn>
+                        </p:par>
+                      </p:childTnLst>
+                    </p:cTn>
+                  </p:par>
+                </p:childTnLst>
+              </p:cTn>
+              <p:prevCondLst>
+                <p:cond evt="onPrev" delay="0">
+                  <p:tgtEl>
+                    <p:sldTgt/>
+                  </p:tgtEl>
+                </p:cond>
+              </p:prevCondLst>
+              <p:nextCondLst>
+                <p:cond evt="onNext" delay="0">
+                  <p:tgtEl>
+                    <p:sldTgt/>
+                  </p:tgtEl>
+                </p:cond>
+              </p:nextCondLst>
+            </p:seq>
+          </p:childTnLst>
+        </p:cTn>
+      </p:par>
+    </p:tnLst>
+  </p:timing>
+</p:sld>
+</file>
+
+<file path=ppt/slides/slide28.xml><?xml version="1.0" encoding="utf-8"?>
+<p:sld xmlns:a="http://schemas.openxmlformats.org/drawingml/2006/main" xmlns:r="http://schemas.openxmlformats.org/officeDocument/2006/relationships" xmlns:p="http://schemas.openxmlformats.org/presentationml/2006/main">
+  <p:cSld>
+    <p:spTree>
+      <p:nvGrpSpPr>
+        <p:cNvPr id="1" name=""/>
+        <p:cNvGrpSpPr/>
+        <p:nvPr/>
+      </p:nvGrpSpPr>
+      <p:grpSpPr>
+        <a:xfrm>
+          <a:off x="0" y="0"/>
+          <a:ext cx="0" cy="0"/>
+          <a:chOff x="0" y="0"/>
+          <a:chExt cx="0" cy="0"/>
+        </a:xfrm>
+      </p:grpSpPr>
+      <p:sp>
+        <p:nvSpPr>
+          <p:cNvPr id="2" name="Title 1"/>
+          <p:cNvSpPr>
+            <a:spLocks noGrp="1"/>
+          </p:cNvSpPr>
+          <p:nvPr>
+            <p:ph type="title"/>
+          </p:nvPr>
+        </p:nvSpPr>
+        <p:spPr/>
+        <p:txBody>
+          <a:bodyPr/>
+          <a:lstStyle/>
+          <a:p>
+            <a:r>
+              <a:rPr lang="en-US" dirty="0" smtClean="0">
+                <a:solidFill>
+                  <a:schemeClr val="bg1">
+                    <a:lumMod val="50000"/>
+                    <a:lumOff val="50000"/>
+                  </a:schemeClr>
+                </a:solidFill>
+              </a:rPr>
               <a:t>Design - Power</a:t>
             </a:r>
             <a:endParaRPr lang="en-US" dirty="0">
@@ -14108,117 +14644,6 @@
     <p:extLst>
       <p:ext uri="{BB962C8B-B14F-4D97-AF65-F5344CB8AC3E}">
         <p14:creationId xmlns:p14="http://schemas.microsoft.com/office/powerpoint/2010/main" val="1036177282"/>
-      </p:ext>
-    </p:extLst>
-  </p:cSld>
-  <p:clrMapOvr>
-    <a:masterClrMapping/>
-  </p:clrMapOvr>
-</p:sld>
-</file>
-
-<file path=ppt/slides/slide28.xml><?xml version="1.0" encoding="utf-8"?>
-<p:sld xmlns:a="http://schemas.openxmlformats.org/drawingml/2006/main" xmlns:r="http://schemas.openxmlformats.org/officeDocument/2006/relationships" xmlns:p="http://schemas.openxmlformats.org/presentationml/2006/main">
-  <p:cSld>
-    <p:spTree>
-      <p:nvGrpSpPr>
-        <p:cNvPr id="1" name=""/>
-        <p:cNvGrpSpPr/>
-        <p:nvPr/>
-      </p:nvGrpSpPr>
-      <p:grpSpPr>
-        <a:xfrm>
-          <a:off x="0" y="0"/>
-          <a:ext cx="0" cy="0"/>
-          <a:chOff x="0" y="0"/>
-          <a:chExt cx="0" cy="0"/>
-        </a:xfrm>
-      </p:grpSpPr>
-      <p:sp>
-        <p:nvSpPr>
-          <p:cNvPr id="2" name="Title 1"/>
-          <p:cNvSpPr>
-            <a:spLocks noGrp="1"/>
-          </p:cNvSpPr>
-          <p:nvPr>
-            <p:ph type="title"/>
-          </p:nvPr>
-        </p:nvSpPr>
-        <p:spPr/>
-        <p:txBody>
-          <a:bodyPr/>
-          <a:lstStyle/>
-          <a:p>
-            <a:r>
-              <a:rPr lang="en-US" dirty="0" smtClean="0">
-                <a:solidFill>
-                  <a:schemeClr val="bg1">
-                    <a:lumMod val="50000"/>
-                    <a:lumOff val="50000"/>
-                  </a:schemeClr>
-                </a:solidFill>
-              </a:rPr>
-              <a:t>Design – Power Budget</a:t>
-            </a:r>
-            <a:endParaRPr lang="en-US" dirty="0">
-              <a:solidFill>
-                <a:schemeClr val="bg1">
-                  <a:lumMod val="50000"/>
-                  <a:lumOff val="50000"/>
-                </a:schemeClr>
-              </a:solidFill>
-            </a:endParaRPr>
-          </a:p>
-        </p:txBody>
-      </p:sp>
-      <p:sp>
-        <p:nvSpPr>
-          <p:cNvPr id="3" name="Content Placeholder 2"/>
-          <p:cNvSpPr>
-            <a:spLocks noGrp="1"/>
-          </p:cNvSpPr>
-          <p:nvPr>
-            <p:ph idx="1"/>
-          </p:nvPr>
-        </p:nvSpPr>
-        <p:spPr/>
-        <p:txBody>
-          <a:bodyPr/>
-          <a:lstStyle/>
-          <a:p>
-            <a:r>
-              <a:rPr lang="en-US" dirty="0" smtClean="0"/>
-              <a:t>TO BE COMPLETED</a:t>
-            </a:r>
-            <a:endParaRPr lang="en-US" dirty="0"/>
-          </a:p>
-        </p:txBody>
-      </p:sp>
-      <p:sp>
-        <p:nvSpPr>
-          <p:cNvPr id="4" name="Text Placeholder 3"/>
-          <p:cNvSpPr>
-            <a:spLocks noGrp="1"/>
-          </p:cNvSpPr>
-          <p:nvPr>
-            <p:ph type="body" sz="quarter" idx="10"/>
-          </p:nvPr>
-        </p:nvSpPr>
-        <p:spPr/>
-        <p:txBody>
-          <a:bodyPr>
-            <a:normAutofit fontScale="92500" lnSpcReduction="10000"/>
-          </a:bodyPr>
-          <a:lstStyle/>
-          <a:p>
-            <a:endParaRPr lang="en-US"/>
-          </a:p>
-        </p:txBody>
-      </p:sp>
-    </p:spTree>
-    <p:extLst>
-      <p:ext uri="{BB962C8B-B14F-4D97-AF65-F5344CB8AC3E}">
-        <p14:creationId xmlns:p14="http://schemas.microsoft.com/office/powerpoint/2010/main" val="1043457955"/>
       </p:ext>
     </p:extLst>
   </p:cSld>
@@ -14269,7 +14694,7 @@
                   </a:schemeClr>
                 </a:solidFill>
               </a:rPr>
-              <a:t>Budget</a:t>
+              <a:t>Design – Power Budget</a:t>
             </a:r>
             <a:endParaRPr lang="en-US" dirty="0">
               <a:solidFill>
@@ -14299,47 +14724,8 @@
           <a:p>
             <a:r>
               <a:rPr lang="en-US" dirty="0" smtClean="0"/>
-              <a:t>Attitude Control</a:t>
-            </a:r>
-          </a:p>
-          <a:p>
-            <a:r>
-              <a:rPr lang="en-US" dirty="0" smtClean="0"/>
-              <a:t>Attitude Determination</a:t>
-            </a:r>
-          </a:p>
-          <a:p>
-            <a:r>
-              <a:rPr lang="en-US" dirty="0" smtClean="0"/>
-              <a:t>Navigation</a:t>
-            </a:r>
-          </a:p>
-          <a:p>
-            <a:r>
-              <a:rPr lang="en-US" dirty="0" smtClean="0"/>
-              <a:t>Communication</a:t>
-            </a:r>
-          </a:p>
-          <a:p>
-            <a:r>
-              <a:rPr lang="en-US" dirty="0" smtClean="0"/>
-              <a:t>Power</a:t>
-            </a:r>
-          </a:p>
-          <a:p>
-            <a:r>
-              <a:rPr lang="en-US" dirty="0" smtClean="0"/>
-              <a:t>Manpower</a:t>
-            </a:r>
-          </a:p>
-          <a:p>
-            <a:pPr lvl="1"/>
-            <a:r>
-              <a:rPr lang="en-US" dirty="0" smtClean="0"/>
-              <a:t>FREE!</a:t>
-            </a:r>
-          </a:p>
-          <a:p>
+              <a:t>TO BE COMPLETED</a:t>
+            </a:r>
             <a:endParaRPr lang="en-US" dirty="0"/>
           </a:p>
         </p:txBody>
@@ -14368,7 +14754,7 @@
     </p:spTree>
     <p:extLst>
       <p:ext uri="{BB962C8B-B14F-4D97-AF65-F5344CB8AC3E}">
-        <p14:creationId xmlns:p14="http://schemas.microsoft.com/office/powerpoint/2010/main" val="3051738324"/>
+        <p14:creationId xmlns:p14="http://schemas.microsoft.com/office/powerpoint/2010/main" val="1043457955"/>
       </p:ext>
     </p:extLst>
   </p:cSld>
@@ -14974,7 +15360,7 @@
                   </a:schemeClr>
                 </a:solidFill>
               </a:rPr>
-              <a:t>FMEA</a:t>
+              <a:t>Budget</a:t>
             </a:r>
             <a:endParaRPr lang="en-US" dirty="0">
               <a:solidFill>
@@ -15003,8 +15389,45 @@
           <a:lstStyle/>
           <a:p>
             <a:r>
-              <a:rPr lang="en-US" dirty="0"/>
-              <a:t>TO BE COMPLETED</a:t>
+              <a:rPr lang="en-US" dirty="0" smtClean="0"/>
+              <a:t>Attitude Control</a:t>
+            </a:r>
+          </a:p>
+          <a:p>
+            <a:r>
+              <a:rPr lang="en-US" dirty="0" smtClean="0"/>
+              <a:t>Attitude Determination</a:t>
+            </a:r>
+          </a:p>
+          <a:p>
+            <a:r>
+              <a:rPr lang="en-US" dirty="0" smtClean="0"/>
+              <a:t>Navigation</a:t>
+            </a:r>
+          </a:p>
+          <a:p>
+            <a:r>
+              <a:rPr lang="en-US" dirty="0" smtClean="0"/>
+              <a:t>Communication</a:t>
+            </a:r>
+          </a:p>
+          <a:p>
+            <a:r>
+              <a:rPr lang="en-US" dirty="0" smtClean="0"/>
+              <a:t>Power</a:t>
+            </a:r>
+          </a:p>
+          <a:p>
+            <a:r>
+              <a:rPr lang="en-US" dirty="0" smtClean="0"/>
+              <a:t>Manpower</a:t>
+            </a:r>
+          </a:p>
+          <a:p>
+            <a:pPr lvl="1"/>
+            <a:r>
+              <a:rPr lang="en-US" dirty="0" smtClean="0"/>
+              <a:t>FREE!</a:t>
             </a:r>
           </a:p>
           <a:p>
@@ -15029,18 +15452,14 @@
           </a:bodyPr>
           <a:lstStyle/>
           <a:p>
-            <a:r>
-              <a:rPr lang="en-US" dirty="0" smtClean="0"/>
-              <a:t>Charlie</a:t>
-            </a:r>
-            <a:endParaRPr lang="en-US" dirty="0"/>
+            <a:endParaRPr lang="en-US"/>
           </a:p>
         </p:txBody>
       </p:sp>
     </p:spTree>
     <p:extLst>
       <p:ext uri="{BB962C8B-B14F-4D97-AF65-F5344CB8AC3E}">
-        <p14:creationId xmlns:p14="http://schemas.microsoft.com/office/powerpoint/2010/main" val="2929915190"/>
+        <p14:creationId xmlns:p14="http://schemas.microsoft.com/office/powerpoint/2010/main" val="3051738324"/>
       </p:ext>
     </p:extLst>
   </p:cSld>
@@ -15091,7 +15510,7 @@
                   </a:schemeClr>
                 </a:solidFill>
               </a:rPr>
-              <a:t>Conclusion</a:t>
+              <a:t>FMEA</a:t>
             </a:r>
             <a:endParaRPr lang="en-US" dirty="0">
               <a:solidFill>
@@ -15120,16 +15539,12 @@
           <a:lstStyle/>
           <a:p>
             <a:r>
-              <a:rPr lang="en-US" dirty="0" smtClean="0"/>
-              <a:t>Delivered:</a:t>
-            </a:r>
-          </a:p>
-          <a:p>
-            <a:r>
-              <a:rPr lang="en-US" smtClean="0"/>
+              <a:rPr lang="en-US" dirty="0"/>
               <a:t>TO BE COMPLETED</a:t>
             </a:r>
-            <a:endParaRPr lang="en-US"/>
+          </a:p>
+          <a:p>
+            <a:endParaRPr lang="en-US" dirty="0"/>
           </a:p>
         </p:txBody>
       </p:sp>
@@ -15150,14 +15565,18 @@
           </a:bodyPr>
           <a:lstStyle/>
           <a:p>
-            <a:endParaRPr lang="en-US"/>
+            <a:r>
+              <a:rPr lang="en-US" dirty="0" smtClean="0"/>
+              <a:t>Charlie</a:t>
+            </a:r>
+            <a:endParaRPr lang="en-US" dirty="0"/>
           </a:p>
         </p:txBody>
       </p:sp>
     </p:spTree>
     <p:extLst>
       <p:ext uri="{BB962C8B-B14F-4D97-AF65-F5344CB8AC3E}">
-        <p14:creationId xmlns:p14="http://schemas.microsoft.com/office/powerpoint/2010/main" val="1930181380"/>
+        <p14:creationId xmlns:p14="http://schemas.microsoft.com/office/powerpoint/2010/main" val="2929915190"/>
       </p:ext>
     </p:extLst>
   </p:cSld>
@@ -15200,26 +15619,71 @@
           <a:lstStyle/>
           <a:p>
             <a:r>
+              <a:rPr lang="en-US" dirty="0" smtClean="0">
+                <a:solidFill>
+                  <a:schemeClr val="bg1">
+                    <a:lumMod val="50000"/>
+                    <a:lumOff val="50000"/>
+                  </a:schemeClr>
+                </a:solidFill>
+              </a:rPr>
+              <a:t>Conclusion</a:t>
+            </a:r>
+            <a:endParaRPr lang="en-US" dirty="0">
+              <a:solidFill>
+                <a:schemeClr val="bg1">
+                  <a:lumMod val="50000"/>
+                  <a:lumOff val="50000"/>
+                </a:schemeClr>
+              </a:solidFill>
+            </a:endParaRPr>
+          </a:p>
+        </p:txBody>
+      </p:sp>
+      <p:sp>
+        <p:nvSpPr>
+          <p:cNvPr id="3" name="Content Placeholder 2"/>
+          <p:cNvSpPr>
+            <a:spLocks noGrp="1"/>
+          </p:cNvSpPr>
+          <p:nvPr>
+            <p:ph idx="1"/>
+          </p:nvPr>
+        </p:nvSpPr>
+        <p:spPr/>
+        <p:txBody>
+          <a:bodyPr/>
+          <a:lstStyle/>
+          <a:p>
+            <a:r>
               <a:rPr lang="en-US" dirty="0" smtClean="0"/>
-              <a:t>Individual Reports</a:t>
-            </a:r>
-            <a:endParaRPr lang="en-US" dirty="0"/>
-          </a:p>
-        </p:txBody>
-      </p:sp>
-      <p:sp>
-        <p:nvSpPr>
-          <p:cNvPr id="3" name="Text Placeholder 2"/>
-          <p:cNvSpPr>
-            <a:spLocks noGrp="1"/>
-          </p:cNvSpPr>
-          <p:nvPr>
-            <p:ph type="body" idx="1"/>
+              <a:t>Delivered:</a:t>
+            </a:r>
+          </a:p>
+          <a:p>
+            <a:r>
+              <a:rPr lang="en-US" smtClean="0"/>
+              <a:t>TO BE COMPLETED</a:t>
+            </a:r>
+            <a:endParaRPr lang="en-US"/>
+          </a:p>
+        </p:txBody>
+      </p:sp>
+      <p:sp>
+        <p:nvSpPr>
+          <p:cNvPr id="4" name="Text Placeholder 3"/>
+          <p:cNvSpPr>
+            <a:spLocks noGrp="1"/>
+          </p:cNvSpPr>
+          <p:nvPr>
+            <p:ph type="body" sz="quarter" idx="10"/>
           </p:nvPr>
         </p:nvSpPr>
         <p:spPr/>
         <p:txBody>
-          <a:bodyPr/>
+          <a:bodyPr>
+            <a:normAutofit fontScale="92500" lnSpcReduction="10000"/>
+          </a:bodyPr>
           <a:lstStyle/>
           <a:p>
             <a:endParaRPr lang="en-US"/>
@@ -15229,7 +15693,7 @@
     </p:spTree>
     <p:extLst>
       <p:ext uri="{BB962C8B-B14F-4D97-AF65-F5344CB8AC3E}">
-        <p14:creationId xmlns:p14="http://schemas.microsoft.com/office/powerpoint/2010/main" val="3189312476"/>
+        <p14:creationId xmlns:p14="http://schemas.microsoft.com/office/powerpoint/2010/main" val="1930181380"/>
       </p:ext>
     </p:extLst>
   </p:cSld>
@@ -15272,6 +15736,78 @@
           <a:lstStyle/>
           <a:p>
             <a:r>
+              <a:rPr lang="en-US" dirty="0" smtClean="0"/>
+              <a:t>Individual Reports</a:t>
+            </a:r>
+            <a:endParaRPr lang="en-US" dirty="0"/>
+          </a:p>
+        </p:txBody>
+      </p:sp>
+      <p:sp>
+        <p:nvSpPr>
+          <p:cNvPr id="3" name="Text Placeholder 2"/>
+          <p:cNvSpPr>
+            <a:spLocks noGrp="1"/>
+          </p:cNvSpPr>
+          <p:nvPr>
+            <p:ph type="body" idx="1"/>
+          </p:nvPr>
+        </p:nvSpPr>
+        <p:spPr/>
+        <p:txBody>
+          <a:bodyPr/>
+          <a:lstStyle/>
+          <a:p>
+            <a:endParaRPr lang="en-US"/>
+          </a:p>
+        </p:txBody>
+      </p:sp>
+    </p:spTree>
+    <p:extLst>
+      <p:ext uri="{BB962C8B-B14F-4D97-AF65-F5344CB8AC3E}">
+        <p14:creationId xmlns:p14="http://schemas.microsoft.com/office/powerpoint/2010/main" val="3189312476"/>
+      </p:ext>
+    </p:extLst>
+  </p:cSld>
+  <p:clrMapOvr>
+    <a:masterClrMapping/>
+  </p:clrMapOvr>
+</p:sld>
+</file>
+
+<file path=ppt/slides/slide34.xml><?xml version="1.0" encoding="utf-8"?>
+<p:sld xmlns:a="http://schemas.openxmlformats.org/drawingml/2006/main" xmlns:r="http://schemas.openxmlformats.org/officeDocument/2006/relationships" xmlns:p="http://schemas.openxmlformats.org/presentationml/2006/main">
+  <p:cSld>
+    <p:spTree>
+      <p:nvGrpSpPr>
+        <p:cNvPr id="1" name=""/>
+        <p:cNvGrpSpPr/>
+        <p:nvPr/>
+      </p:nvGrpSpPr>
+      <p:grpSpPr>
+        <a:xfrm>
+          <a:off x="0" y="0"/>
+          <a:ext cx="0" cy="0"/>
+          <a:chOff x="0" y="0"/>
+          <a:chExt cx="0" cy="0"/>
+        </a:xfrm>
+      </p:grpSpPr>
+      <p:sp>
+        <p:nvSpPr>
+          <p:cNvPr id="2" name="Title 1"/>
+          <p:cNvSpPr>
+            <a:spLocks noGrp="1"/>
+          </p:cNvSpPr>
+          <p:nvPr>
+            <p:ph type="title"/>
+          </p:nvPr>
+        </p:nvSpPr>
+        <p:spPr/>
+        <p:txBody>
+          <a:bodyPr/>
+          <a:lstStyle/>
+          <a:p>
+            <a:r>
               <a:rPr lang="en-US" dirty="0" smtClean="0">
                 <a:solidFill>
                   <a:schemeClr val="bg1">
@@ -15280,29 +15816,7 @@
                   </a:schemeClr>
                 </a:solidFill>
               </a:rPr>
-              <a:t>Design – </a:t>
-            </a:r>
-            <a:r>
-              <a:rPr lang="en-US" dirty="0" smtClean="0">
-                <a:solidFill>
-                  <a:schemeClr val="bg1">
-                    <a:lumMod val="50000"/>
-                    <a:lumOff val="50000"/>
-                  </a:schemeClr>
-                </a:solidFill>
-              </a:rPr>
-              <a:t>Data Link </a:t>
-            </a:r>
-            <a:r>
-              <a:rPr lang="en-US" dirty="0" smtClean="0">
-                <a:solidFill>
-                  <a:schemeClr val="bg1">
-                    <a:lumMod val="50000"/>
-                    <a:lumOff val="50000"/>
-                  </a:schemeClr>
-                </a:solidFill>
-              </a:rPr>
-              <a:t>Budget</a:t>
+              <a:t>Design – Data Link Budget</a:t>
             </a:r>
             <a:endParaRPr lang="en-US" dirty="0">
               <a:solidFill>
@@ -16721,7 +17235,7 @@
   <a:extraClrSchemeLst/>
   <a:extLst>
     <a:ext uri="{05A4C25C-085E-4340-85A3-A5531E510DB2}">
-      <thm15:themeFamily xmlns="" xmlns:thm15="http://schemas.microsoft.com/office/thememl/2012/main" name="Theme1" id="{4DC015B6-F420-4CE0-B51C-21BE6322361F}" vid="{1413F7E4-2720-4250-A1CE-68DF955E7FCD}"/>
+      <thm15:themeFamily xmlns:thm15="http://schemas.microsoft.com/office/thememl/2012/main" xmlns="" name="Theme1" id="{4DC015B6-F420-4CE0-B51C-21BE6322361F}" vid="{1413F7E4-2720-4250-A1CE-68DF955E7FCD}"/>
     </a:ext>
   </a:extLst>
 </a:theme>
@@ -16982,7 +17496,7 @@
   <a:extraClrSchemeLst/>
   <a:extLst>
     <a:ext uri="{05A4C25C-085E-4340-85A3-A5531E510DB2}">
-      <thm15:themeFamily xmlns="" xmlns:thm15="http://schemas.microsoft.com/office/thememl/2012/main" name="Office Theme" id="{62F939B6-93AF-4DB8-9C6B-D6C7DFDC589F}" vid="{4A3C46E8-61CC-4603-A589-7422A47A8E4A}"/>
+      <thm15:themeFamily xmlns:thm15="http://schemas.microsoft.com/office/thememl/2012/main" xmlns="" name="Office Theme" id="{62F939B6-93AF-4DB8-9C6B-D6C7DFDC589F}" vid="{4A3C46E8-61CC-4603-A589-7422A47A8E4A}"/>
     </a:ext>
   </a:extLst>
 </a:theme>

--- a/Presentations/CDR_Presentation.pptx
+++ b/Presentations/CDR_Presentation.pptx
@@ -5,7 +5,7 @@
     <p:sldMasterId id="2147483660" r:id="rId1"/>
   </p:sldMasterIdLst>
   <p:notesMasterIdLst>
-    <p:notesMasterId r:id="rId36"/>
+    <p:notesMasterId r:id="rId48"/>
   </p:notesMasterIdLst>
   <p:sldIdLst>
     <p:sldId id="256" r:id="rId2"/>
@@ -13,35 +13,47 @@
     <p:sldId id="263" r:id="rId4"/>
     <p:sldId id="265" r:id="rId5"/>
     <p:sldId id="264" r:id="rId6"/>
-    <p:sldId id="282" r:id="rId7"/>
-    <p:sldId id="266" r:id="rId8"/>
-    <p:sldId id="267" r:id="rId9"/>
-    <p:sldId id="276" r:id="rId10"/>
-    <p:sldId id="277" r:id="rId11"/>
-    <p:sldId id="261" r:id="rId12"/>
-    <p:sldId id="274" r:id="rId13"/>
-    <p:sldId id="270" r:id="rId14"/>
-    <p:sldId id="275" r:id="rId15"/>
-    <p:sldId id="271" r:id="rId16"/>
-    <p:sldId id="298" r:id="rId17"/>
-    <p:sldId id="283" r:id="rId18"/>
-    <p:sldId id="284" r:id="rId19"/>
-    <p:sldId id="285" r:id="rId20"/>
-    <p:sldId id="294" r:id="rId21"/>
-    <p:sldId id="295" r:id="rId22"/>
-    <p:sldId id="296" r:id="rId23"/>
-    <p:sldId id="289" r:id="rId24"/>
-    <p:sldId id="290" r:id="rId25"/>
-    <p:sldId id="291" r:id="rId26"/>
-    <p:sldId id="292" r:id="rId27"/>
-    <p:sldId id="299" r:id="rId28"/>
-    <p:sldId id="272" r:id="rId29"/>
-    <p:sldId id="279" r:id="rId30"/>
-    <p:sldId id="280" r:id="rId31"/>
-    <p:sldId id="269" r:id="rId32"/>
-    <p:sldId id="281" r:id="rId33"/>
-    <p:sldId id="268" r:id="rId34"/>
-    <p:sldId id="297" r:id="rId35"/>
+    <p:sldId id="266" r:id="rId7"/>
+    <p:sldId id="267" r:id="rId8"/>
+    <p:sldId id="300" r:id="rId9"/>
+    <p:sldId id="280" r:id="rId10"/>
+    <p:sldId id="276" r:id="rId11"/>
+    <p:sldId id="277" r:id="rId12"/>
+    <p:sldId id="311" r:id="rId13"/>
+    <p:sldId id="261" r:id="rId14"/>
+    <p:sldId id="274" r:id="rId15"/>
+    <p:sldId id="270" r:id="rId16"/>
+    <p:sldId id="275" r:id="rId17"/>
+    <p:sldId id="301" r:id="rId18"/>
+    <p:sldId id="302" r:id="rId19"/>
+    <p:sldId id="303" r:id="rId20"/>
+    <p:sldId id="309" r:id="rId21"/>
+    <p:sldId id="271" r:id="rId22"/>
+    <p:sldId id="298" r:id="rId23"/>
+    <p:sldId id="283" r:id="rId24"/>
+    <p:sldId id="284" r:id="rId25"/>
+    <p:sldId id="285" r:id="rId26"/>
+    <p:sldId id="294" r:id="rId27"/>
+    <p:sldId id="295" r:id="rId28"/>
+    <p:sldId id="296" r:id="rId29"/>
+    <p:sldId id="289" r:id="rId30"/>
+    <p:sldId id="290" r:id="rId31"/>
+    <p:sldId id="291" r:id="rId32"/>
+    <p:sldId id="292" r:id="rId33"/>
+    <p:sldId id="299" r:id="rId34"/>
+    <p:sldId id="272" r:id="rId35"/>
+    <p:sldId id="304" r:id="rId36"/>
+    <p:sldId id="310" r:id="rId37"/>
+    <p:sldId id="307" r:id="rId38"/>
+    <p:sldId id="305" r:id="rId39"/>
+    <p:sldId id="308" r:id="rId40"/>
+    <p:sldId id="306" r:id="rId41"/>
+    <p:sldId id="279" r:id="rId42"/>
+    <p:sldId id="269" r:id="rId43"/>
+    <p:sldId id="281" r:id="rId44"/>
+    <p:sldId id="312" r:id="rId45"/>
+    <p:sldId id="268" r:id="rId46"/>
+    <p:sldId id="297" r:id="rId47"/>
   </p:sldIdLst>
   <p:sldSz cx="12192000" cy="6858000"/>
   <p:notesSz cx="6858000" cy="9144000"/>
@@ -158,19 +170,33 @@
           <p14:sldIdLst>
             <p14:sldId id="265"/>
             <p14:sldId id="264"/>
-            <p14:sldId id="282"/>
             <p14:sldId id="266"/>
             <p14:sldId id="267"/>
+          </p14:sldIdLst>
+        </p14:section>
+        <p14:section name="Design Approach" id="{2793174F-974E-4182-ADAB-0F8E12E64552}">
+          <p14:sldIdLst>
+            <p14:sldId id="300"/>
+          </p14:sldIdLst>
+        </p14:section>
+        <p14:section name="Budget" id="{509844D8-6DEF-47F2-B408-665832A1E0E3}">
+          <p14:sldIdLst>
+            <p14:sldId id="280"/>
           </p14:sldIdLst>
         </p14:section>
         <p14:section name="Design" id="{469F1377-38AB-4B9C-9F1F-68C5796EAF33}">
           <p14:sldIdLst>
             <p14:sldId id="276"/>
             <p14:sldId id="277"/>
+            <p14:sldId id="311"/>
             <p14:sldId id="261"/>
             <p14:sldId id="274"/>
             <p14:sldId id="270"/>
             <p14:sldId id="275"/>
+            <p14:sldId id="301"/>
+            <p14:sldId id="302"/>
+            <p14:sldId id="303"/>
+            <p14:sldId id="309"/>
             <p14:sldId id="271"/>
             <p14:sldId id="298"/>
             <p14:sldId id="283"/>
@@ -185,12 +211,13 @@
             <p14:sldId id="292"/>
             <p14:sldId id="299"/>
             <p14:sldId id="272"/>
+            <p14:sldId id="304"/>
+            <p14:sldId id="310"/>
+            <p14:sldId id="307"/>
+            <p14:sldId id="305"/>
+            <p14:sldId id="308"/>
+            <p14:sldId id="306"/>
             <p14:sldId id="279"/>
-          </p14:sldIdLst>
-        </p14:section>
-        <p14:section name="Budget" id="{509844D8-6DEF-47F2-B408-665832A1E0E3}">
-          <p14:sldIdLst>
-            <p14:sldId id="280"/>
           </p14:sldIdLst>
         </p14:section>
         <p14:section name="FMEA" id="{4FDCAB87-F2A8-4383-88F4-8E70D281F673}">
@@ -201,6 +228,7 @@
         <p14:section name="Conclusion" id="{8D0EB9DF-449E-464E-B0A6-3B16FE21ECDF}">
           <p14:sldIdLst>
             <p14:sldId id="281"/>
+            <p14:sldId id="312"/>
           </p14:sldIdLst>
         </p14:section>
         <p14:section name="Individual" id="{C08723E0-6AD8-4255-BFA3-8DF72EBE7D79}">
@@ -212,7 +240,18 @@
       </p14:sectionLst>
     </p:ext>
     <p:ext uri="{EFAFB233-063F-42B5-8137-9DF3F51BA10A}">
-      <p15:sldGuideLst xmlns:p15="http://schemas.microsoft.com/office/powerpoint/2012/main" xmlns=""/>
+      <p15:sldGuideLst xmlns:p15="http://schemas.microsoft.com/office/powerpoint/2012/main">
+        <p15:guide id="1" orient="horz" pos="2160">
+          <p15:clr>
+            <a:srgbClr val="A4A3A4"/>
+          </p15:clr>
+        </p15:guide>
+        <p15:guide id="2" pos="3840">
+          <p15:clr>
+            <a:srgbClr val="A4A3A4"/>
+          </p15:clr>
+        </p15:guide>
+      </p15:sldGuideLst>
     </p:ext>
   </p:extLst>
 </p:presentation>
@@ -300,7 +339,7 @@
           <a:p>
             <a:fld id="{31C140BA-0231-455E-9316-1D73A33F1CEF}" type="datetimeFigureOut">
               <a:rPr lang="en-US" smtClean="0"/>
-              <a:t>11/30/15</a:t>
+              <a:t>12/4/2015</a:t>
             </a:fld>
             <a:endParaRPr lang="en-US"/>
           </a:p>
@@ -754,7 +793,7 @@
           <a:p>
             <a:fld id="{7DDDCAA9-9585-4BDA-B647-DCFF46B7611D}" type="datetimeFigureOut">
               <a:rPr lang="en-US" smtClean="0"/>
-              <a:t>11/30/15</a:t>
+              <a:t>12/4/2015</a:t>
             </a:fld>
             <a:endParaRPr lang="en-US"/>
           </a:p>
@@ -1029,7 +1068,7 @@
           <a:p>
             <a:fld id="{7DDDCAA9-9585-4BDA-B647-DCFF46B7611D}" type="datetimeFigureOut">
               <a:rPr lang="en-US" smtClean="0"/>
-              <a:t>11/30/15</a:t>
+              <a:t>12/4/2015</a:t>
             </a:fld>
             <a:endParaRPr lang="en-US"/>
           </a:p>
@@ -1223,7 +1262,7 @@
           <a:p>
             <a:fld id="{7DDDCAA9-9585-4BDA-B647-DCFF46B7611D}" type="datetimeFigureOut">
               <a:rPr lang="en-US" smtClean="0"/>
-              <a:t>11/30/15</a:t>
+              <a:t>12/4/2015</a:t>
             </a:fld>
             <a:endParaRPr lang="en-US"/>
           </a:p>
@@ -1496,7 +1535,7 @@
           <a:p>
             <a:fld id="{7DDDCAA9-9585-4BDA-B647-DCFF46B7611D}" type="datetimeFigureOut">
               <a:rPr lang="en-US" smtClean="0"/>
-              <a:t>11/30/15</a:t>
+              <a:t>12/4/2015</a:t>
             </a:fld>
             <a:endParaRPr lang="en-US"/>
           </a:p>
@@ -1837,7 +1876,7 @@
           <a:p>
             <a:fld id="{7DDDCAA9-9585-4BDA-B647-DCFF46B7611D}" type="datetimeFigureOut">
               <a:rPr lang="en-US" smtClean="0"/>
-              <a:t>11/30/15</a:t>
+              <a:t>12/4/2015</a:t>
             </a:fld>
             <a:endParaRPr lang="en-US"/>
           </a:p>
@@ -2460,7 +2499,7 @@
           <a:p>
             <a:fld id="{7DDDCAA9-9585-4BDA-B647-DCFF46B7611D}" type="datetimeFigureOut">
               <a:rPr lang="en-US" smtClean="0"/>
-              <a:t>11/30/15</a:t>
+              <a:t>12/4/2015</a:t>
             </a:fld>
             <a:endParaRPr lang="en-US"/>
           </a:p>
@@ -3320,7 +3359,7 @@
           <a:p>
             <a:fld id="{7DDDCAA9-9585-4BDA-B647-DCFF46B7611D}" type="datetimeFigureOut">
               <a:rPr lang="en-US" smtClean="0"/>
-              <a:t>11/30/15</a:t>
+              <a:t>12/4/2015</a:t>
             </a:fld>
             <a:endParaRPr lang="en-US"/>
           </a:p>
@@ -3490,7 +3529,7 @@
           <a:p>
             <a:fld id="{7DDDCAA9-9585-4BDA-B647-DCFF46B7611D}" type="datetimeFigureOut">
               <a:rPr lang="en-US" smtClean="0"/>
-              <a:t>11/30/15</a:t>
+              <a:t>12/4/2015</a:t>
             </a:fld>
             <a:endParaRPr lang="en-US"/>
           </a:p>
@@ -3670,7 +3709,7 @@
           <a:p>
             <a:fld id="{7DDDCAA9-9585-4BDA-B647-DCFF46B7611D}" type="datetimeFigureOut">
               <a:rPr lang="en-US" smtClean="0"/>
-              <a:t>11/30/15</a:t>
+              <a:t>12/4/2015</a:t>
             </a:fld>
             <a:endParaRPr lang="en-US"/>
           </a:p>
@@ -4066,7 +4105,7 @@
           <a:p>
             <a:fld id="{7DDDCAA9-9585-4BDA-B647-DCFF46B7611D}" type="datetimeFigureOut">
               <a:rPr lang="en-US" smtClean="0"/>
-              <a:t>11/30/15</a:t>
+              <a:t>12/4/2015</a:t>
             </a:fld>
             <a:endParaRPr lang="en-US"/>
           </a:p>
@@ -4358,7 +4397,7 @@
           <a:p>
             <a:fld id="{7DDDCAA9-9585-4BDA-B647-DCFF46B7611D}" type="datetimeFigureOut">
               <a:rPr lang="en-US" smtClean="0"/>
-              <a:t>11/30/15</a:t>
+              <a:t>12/4/2015</a:t>
             </a:fld>
             <a:endParaRPr lang="en-US"/>
           </a:p>
@@ -4802,7 +4841,7 @@
           <a:p>
             <a:fld id="{7DDDCAA9-9585-4BDA-B647-DCFF46B7611D}" type="datetimeFigureOut">
               <a:rPr lang="en-US" smtClean="0"/>
-              <a:t>11/30/15</a:t>
+              <a:t>12/4/2015</a:t>
             </a:fld>
             <a:endParaRPr lang="en-US"/>
           </a:p>
@@ -4920,7 +4959,7 @@
           <a:p>
             <a:fld id="{7DDDCAA9-9585-4BDA-B647-DCFF46B7611D}" type="datetimeFigureOut">
               <a:rPr lang="en-US" smtClean="0"/>
-              <a:t>11/30/15</a:t>
+              <a:t>12/4/2015</a:t>
             </a:fld>
             <a:endParaRPr lang="en-US"/>
           </a:p>
@@ -5015,7 +5054,7 @@
           <a:p>
             <a:fld id="{7DDDCAA9-9585-4BDA-B647-DCFF46B7611D}" type="datetimeFigureOut">
               <a:rPr lang="en-US" smtClean="0"/>
-              <a:t>11/30/15</a:t>
+              <a:t>12/4/2015</a:t>
             </a:fld>
             <a:endParaRPr lang="en-US"/>
           </a:p>
@@ -5294,7 +5333,7 @@
           <a:p>
             <a:fld id="{7DDDCAA9-9585-4BDA-B647-DCFF46B7611D}" type="datetimeFigureOut">
               <a:rPr lang="en-US" smtClean="0"/>
-              <a:t>11/30/15</a:t>
+              <a:t>12/4/2015</a:t>
             </a:fld>
             <a:endParaRPr lang="en-US"/>
           </a:p>
@@ -5569,7 +5608,7 @@
           <a:p>
             <a:fld id="{7DDDCAA9-9585-4BDA-B647-DCFF46B7611D}" type="datetimeFigureOut">
               <a:rPr lang="en-US" smtClean="0"/>
-              <a:t>11/30/15</a:t>
+              <a:t>12/4/2015</a:t>
             </a:fld>
             <a:endParaRPr lang="en-US"/>
           </a:p>
@@ -5971,7 +6010,7 @@
           <a:p>
             <a:fld id="{7DDDCAA9-9585-4BDA-B647-DCFF46B7611D}" type="datetimeFigureOut">
               <a:rPr lang="en-US" smtClean="0"/>
-              <a:t>11/30/15</a:t>
+              <a:t>12/4/2015</a:t>
             </a:fld>
             <a:endParaRPr lang="en-US"/>
           </a:p>
@@ -6585,6 +6624,13 @@
   <p:clrMapOvr>
     <a:masterClrMapping/>
   </p:clrMapOvr>
+  <p:timing>
+    <p:tnLst>
+      <p:par>
+        <p:cTn id="1" dur="indefinite" restart="never" nodeType="tmRoot"/>
+      </p:par>
+    </p:tnLst>
+  </p:timing>
 </p:sld>
 </file>
 
@@ -6629,7 +6675,7 @@
                   </a:schemeClr>
                 </a:solidFill>
               </a:rPr>
-              <a:t>Design - Structure</a:t>
+              <a:t>Design - Model</a:t>
             </a:r>
             <a:endParaRPr lang="en-US" dirty="0">
               <a:solidFill>
@@ -6658,15 +6704,12 @@
           <a:lstStyle/>
           <a:p>
             <a:r>
+              <a:rPr lang="en-US" dirty="0" err="1" smtClean="0"/>
+              <a:t>Solidworks</a:t>
+            </a:r>
+            <a:r>
               <a:rPr lang="en-US" dirty="0" smtClean="0"/>
-              <a:t>Century College to Manufacture to Specifications</a:t>
-            </a:r>
-          </a:p>
-          <a:p>
-            <a:pPr lvl="1"/>
-            <a:r>
-              <a:rPr lang="en-US" dirty="0" smtClean="0"/>
-              <a:t>Sub Contracted by UMN </a:t>
+              <a:t> Model HERE</a:t>
             </a:r>
             <a:endParaRPr lang="en-US" dirty="0"/>
           </a:p>
@@ -6691,7 +6734,7 @@
           <a:p>
             <a:r>
               <a:rPr lang="en-US" dirty="0" smtClean="0"/>
-              <a:t>Charlie</a:t>
+              <a:t>Charlie D</a:t>
             </a:r>
             <a:endParaRPr lang="en-US" dirty="0"/>
           </a:p>
@@ -6700,13 +6743,20 @@
     </p:spTree>
     <p:extLst>
       <p:ext uri="{BB962C8B-B14F-4D97-AF65-F5344CB8AC3E}">
-        <p14:creationId xmlns:p14="http://schemas.microsoft.com/office/powerpoint/2010/main" val="3004793187"/>
+        <p14:creationId xmlns:p14="http://schemas.microsoft.com/office/powerpoint/2010/main" val="1921092968"/>
       </p:ext>
     </p:extLst>
   </p:cSld>
   <p:clrMapOvr>
     <a:masterClrMapping/>
   </p:clrMapOvr>
+  <p:timing>
+    <p:tnLst>
+      <p:par>
+        <p:cTn id="1" dur="indefinite" restart="never" nodeType="tmRoot"/>
+      </p:par>
+    </p:tnLst>
+  </p:timing>
 </p:sld>
 </file>
 
@@ -6751,7 +6801,7 @@
                   </a:schemeClr>
                 </a:solidFill>
               </a:rPr>
-              <a:t>Design</a:t>
+              <a:t>Design - Structure</a:t>
             </a:r>
             <a:endParaRPr lang="en-US" dirty="0">
               <a:solidFill>
@@ -6764,35 +6814,36 @@
           </a:p>
         </p:txBody>
       </p:sp>
-      <p:pic>
-        <p:nvPicPr>
-          <p:cNvPr id="5" name="Content Placeholder 4"/>
-          <p:cNvPicPr>
-            <a:picLocks noGrp="1" noChangeAspect="1"/>
-          </p:cNvPicPr>
+      <p:sp>
+        <p:nvSpPr>
+          <p:cNvPr id="3" name="Content Placeholder 2"/>
+          <p:cNvSpPr>
+            <a:spLocks noGrp="1"/>
+          </p:cNvSpPr>
           <p:nvPr>
             <p:ph idx="1"/>
           </p:nvPr>
-        </p:nvPicPr>
-        <p:blipFill>
-          <a:blip r:embed="rId2">
-            <a:extLst>
-              <a:ext uri="{28A0092B-C50C-407E-A947-70E740481C1C}">
-                <a14:useLocalDpi xmlns:a14="http://schemas.microsoft.com/office/drawing/2010/main" val="0"/>
-              </a:ext>
-            </a:extLst>
-          </a:blip>
-          <a:stretch>
-            <a:fillRect/>
-          </a:stretch>
-        </p:blipFill>
-        <p:spPr>
-          <a:xfrm>
-            <a:off x="1371030" y="1227138"/>
-            <a:ext cx="8889553" cy="5160962"/>
-          </a:xfrm>
-        </p:spPr>
-      </p:pic>
+        </p:nvSpPr>
+        <p:spPr/>
+        <p:txBody>
+          <a:bodyPr/>
+          <a:lstStyle/>
+          <a:p>
+            <a:r>
+              <a:rPr lang="en-US" dirty="0" smtClean="0"/>
+              <a:t>Century College to Manufacture to Specifications</a:t>
+            </a:r>
+          </a:p>
+          <a:p>
+            <a:pPr lvl="1"/>
+            <a:r>
+              <a:rPr lang="en-US" dirty="0" smtClean="0"/>
+              <a:t>Sub Contracted by UMN </a:t>
+            </a:r>
+            <a:endParaRPr lang="en-US" dirty="0"/>
+          </a:p>
+        </p:txBody>
+      </p:sp>
       <p:sp>
         <p:nvSpPr>
           <p:cNvPr id="4" name="Text Placeholder 3"/>
@@ -6812,7 +6863,7 @@
           <a:p>
             <a:r>
               <a:rPr lang="en-US" dirty="0" smtClean="0"/>
-              <a:t> </a:t>
+              <a:t>Charlie</a:t>
             </a:r>
             <a:endParaRPr lang="en-US" dirty="0"/>
           </a:p>
@@ -6821,7 +6872,7 @@
     </p:spTree>
     <p:extLst>
       <p:ext uri="{BB962C8B-B14F-4D97-AF65-F5344CB8AC3E}">
-        <p14:creationId xmlns:p14="http://schemas.microsoft.com/office/powerpoint/2010/main" val="3666959349"/>
+        <p14:creationId xmlns:p14="http://schemas.microsoft.com/office/powerpoint/2010/main" val="3004793187"/>
       </p:ext>
     </p:extLst>
   </p:cSld>
@@ -6831,7 +6882,7 @@
   <p:timing>
     <p:tnLst>
       <p:par>
-        <p:cTn xmlns:p14="http://schemas.microsoft.com/office/powerpoint/2010/main" id="1" dur="indefinite" restart="never" nodeType="tmRoot"/>
+        <p:cTn id="1" dur="indefinite" restart="never" nodeType="tmRoot"/>
       </p:par>
     </p:tnLst>
   </p:timing>
@@ -6879,7 +6930,7 @@
                   </a:schemeClr>
                 </a:solidFill>
               </a:rPr>
-              <a:t>Wiring</a:t>
+              <a:t>Design - Structure</a:t>
             </a:r>
             <a:endParaRPr lang="en-US" dirty="0">
               <a:solidFill>
@@ -6909,7 +6960,7 @@
           <a:p>
             <a:r>
               <a:rPr lang="en-US" dirty="0" smtClean="0"/>
-              <a:t>TO BE COMPLETED</a:t>
+              <a:t>Thermal environment ( heat shielding )</a:t>
             </a:r>
             <a:endParaRPr lang="en-US" dirty="0"/>
           </a:p>
@@ -6932,14 +6983,18 @@
           </a:bodyPr>
           <a:lstStyle/>
           <a:p>
-            <a:endParaRPr lang="en-US"/>
+            <a:r>
+              <a:rPr lang="en-US" dirty="0" smtClean="0"/>
+              <a:t>Charlie</a:t>
+            </a:r>
+            <a:endParaRPr lang="en-US" dirty="0"/>
           </a:p>
         </p:txBody>
       </p:sp>
     </p:spTree>
     <p:extLst>
       <p:ext uri="{BB962C8B-B14F-4D97-AF65-F5344CB8AC3E}">
-        <p14:creationId xmlns:p14="http://schemas.microsoft.com/office/powerpoint/2010/main" val="1273437707"/>
+        <p14:creationId xmlns:p14="http://schemas.microsoft.com/office/powerpoint/2010/main" val="1230390874"/>
       </p:ext>
     </p:extLst>
   </p:cSld>
@@ -6949,7 +7004,7 @@
   <p:timing>
     <p:tnLst>
       <p:par>
-        <p:cTn xmlns:p14="http://schemas.microsoft.com/office/powerpoint/2010/main" id="1" dur="indefinite" restart="never" nodeType="tmRoot"/>
+        <p:cTn id="1" dur="indefinite" restart="never" nodeType="tmRoot"/>
       </p:par>
     </p:tnLst>
   </p:timing>
@@ -6997,7 +7052,7 @@
                   </a:schemeClr>
                 </a:solidFill>
               </a:rPr>
-              <a:t>Design - ADNCS</a:t>
+              <a:t>Design</a:t>
             </a:r>
             <a:endParaRPr lang="en-US" dirty="0">
               <a:solidFill>
@@ -7067,7 +7122,7 @@
     </p:spTree>
     <p:extLst>
       <p:ext uri="{BB962C8B-B14F-4D97-AF65-F5344CB8AC3E}">
-        <p14:creationId xmlns:p14="http://schemas.microsoft.com/office/powerpoint/2010/main" val="198196162"/>
+        <p14:creationId xmlns:p14="http://schemas.microsoft.com/office/powerpoint/2010/main" val="3666959349"/>
       </p:ext>
     </p:extLst>
   </p:cSld>
@@ -7077,7 +7132,7 @@
   <p:timing>
     <p:tnLst>
       <p:par>
-        <p:cTn xmlns:p14="http://schemas.microsoft.com/office/powerpoint/2010/main" id="1" dur="indefinite" restart="never" nodeType="tmRoot"/>
+        <p:cTn id="1" dur="indefinite" restart="never" nodeType="tmRoot"/>
       </p:par>
     </p:tnLst>
   </p:timing>
@@ -7125,7 +7180,7 @@
                   </a:schemeClr>
                 </a:solidFill>
               </a:rPr>
-              <a:t>DESIGN ADNCS</a:t>
+              <a:t>Wiring</a:t>
             </a:r>
             <a:endParaRPr lang="en-US" dirty="0">
               <a:solidFill>
@@ -7155,16 +7210,8 @@
           <a:p>
             <a:r>
               <a:rPr lang="en-US" dirty="0" smtClean="0"/>
-              <a:t>Passive attitude control decision</a:t>
-            </a:r>
-          </a:p>
-          <a:p>
-            <a:r>
-              <a:rPr lang="en-US" dirty="0"/>
               <a:t>TO BE COMPLETED</a:t>
             </a:r>
-          </a:p>
-          <a:p>
             <a:endParaRPr lang="en-US" dirty="0"/>
           </a:p>
         </p:txBody>
@@ -7186,14 +7233,18 @@
           </a:bodyPr>
           <a:lstStyle/>
           <a:p>
-            <a:endParaRPr lang="en-US"/>
+            <a:r>
+              <a:rPr lang="en-US" dirty="0" smtClean="0"/>
+              <a:t>Jake G</a:t>
+            </a:r>
+            <a:endParaRPr lang="en-US" dirty="0"/>
           </a:p>
         </p:txBody>
       </p:sp>
     </p:spTree>
     <p:extLst>
       <p:ext uri="{BB962C8B-B14F-4D97-AF65-F5344CB8AC3E}">
-        <p14:creationId xmlns:p14="http://schemas.microsoft.com/office/powerpoint/2010/main" val="3156134388"/>
+        <p14:creationId xmlns:p14="http://schemas.microsoft.com/office/powerpoint/2010/main" val="1273437707"/>
       </p:ext>
     </p:extLst>
   </p:cSld>
@@ -7203,7 +7254,7 @@
   <p:timing>
     <p:tnLst>
       <p:par>
-        <p:cTn xmlns:p14="http://schemas.microsoft.com/office/powerpoint/2010/main" id="1" dur="indefinite" restart="never" nodeType="tmRoot"/>
+        <p:cTn id="1" dur="indefinite" restart="never" nodeType="tmRoot"/>
       </p:par>
     </p:tnLst>
   </p:timing>
@@ -7251,7 +7302,7 @@
                   </a:schemeClr>
                 </a:solidFill>
               </a:rPr>
-              <a:t>Design - Communications</a:t>
+              <a:t>Design - ADNCS</a:t>
             </a:r>
             <a:endParaRPr lang="en-US" dirty="0">
               <a:solidFill>
@@ -7321,7 +7372,7 @@
     </p:spTree>
     <p:extLst>
       <p:ext uri="{BB962C8B-B14F-4D97-AF65-F5344CB8AC3E}">
-        <p14:creationId xmlns:p14="http://schemas.microsoft.com/office/powerpoint/2010/main" val="971149973"/>
+        <p14:creationId xmlns:p14="http://schemas.microsoft.com/office/powerpoint/2010/main" val="198196162"/>
       </p:ext>
     </p:extLst>
   </p:cSld>
@@ -7331,7 +7382,7 @@
   <p:timing>
     <p:tnLst>
       <p:par>
-        <p:cTn xmlns:p14="http://schemas.microsoft.com/office/powerpoint/2010/main" id="1" dur="indefinite" restart="never" nodeType="tmRoot"/>
+        <p:cTn id="1" dur="indefinite" restart="never" nodeType="tmRoot"/>
       </p:par>
     </p:tnLst>
   </p:timing>
@@ -7379,6 +7430,998 @@
                   </a:schemeClr>
                 </a:solidFill>
               </a:rPr>
+              <a:t>DESIGN ADNCS</a:t>
+            </a:r>
+            <a:endParaRPr lang="en-US" dirty="0">
+              <a:solidFill>
+                <a:schemeClr val="bg1">
+                  <a:lumMod val="50000"/>
+                  <a:lumOff val="50000"/>
+                </a:schemeClr>
+              </a:solidFill>
+            </a:endParaRPr>
+          </a:p>
+        </p:txBody>
+      </p:sp>
+      <p:sp>
+        <p:nvSpPr>
+          <p:cNvPr id="3" name="Content Placeholder 2"/>
+          <p:cNvSpPr>
+            <a:spLocks noGrp="1"/>
+          </p:cNvSpPr>
+          <p:nvPr>
+            <p:ph idx="1"/>
+          </p:nvPr>
+        </p:nvSpPr>
+        <p:spPr/>
+        <p:txBody>
+          <a:bodyPr/>
+          <a:lstStyle/>
+          <a:p>
+            <a:r>
+              <a:rPr lang="en-US" dirty="0" smtClean="0"/>
+              <a:t>Overview</a:t>
+            </a:r>
+            <a:endParaRPr lang="en-US" dirty="0" smtClean="0"/>
+          </a:p>
+          <a:p>
+            <a:endParaRPr lang="en-US" dirty="0"/>
+          </a:p>
+        </p:txBody>
+      </p:sp>
+      <p:sp>
+        <p:nvSpPr>
+          <p:cNvPr id="4" name="Text Placeholder 3"/>
+          <p:cNvSpPr>
+            <a:spLocks noGrp="1"/>
+          </p:cNvSpPr>
+          <p:nvPr>
+            <p:ph type="body" sz="quarter" idx="10"/>
+          </p:nvPr>
+        </p:nvSpPr>
+        <p:spPr/>
+        <p:txBody>
+          <a:bodyPr>
+            <a:normAutofit fontScale="92500" lnSpcReduction="10000"/>
+          </a:bodyPr>
+          <a:lstStyle/>
+          <a:p>
+            <a:r>
+              <a:rPr lang="en-US" dirty="0" smtClean="0"/>
+              <a:t>Nick S</a:t>
+            </a:r>
+            <a:endParaRPr lang="en-US" dirty="0"/>
+          </a:p>
+        </p:txBody>
+      </p:sp>
+    </p:spTree>
+    <p:extLst>
+      <p:ext uri="{BB962C8B-B14F-4D97-AF65-F5344CB8AC3E}">
+        <p14:creationId xmlns:p14="http://schemas.microsoft.com/office/powerpoint/2010/main" val="3156134388"/>
+      </p:ext>
+    </p:extLst>
+  </p:cSld>
+  <p:clrMapOvr>
+    <a:masterClrMapping/>
+  </p:clrMapOvr>
+  <p:timing>
+    <p:tnLst>
+      <p:par>
+        <p:cTn id="1" dur="indefinite" restart="never" nodeType="tmRoot"/>
+      </p:par>
+    </p:tnLst>
+  </p:timing>
+</p:sld>
+</file>
+
+<file path=ppt/slides/slide17.xml><?xml version="1.0" encoding="utf-8"?>
+<p:sld xmlns:a="http://schemas.openxmlformats.org/drawingml/2006/main" xmlns:r="http://schemas.openxmlformats.org/officeDocument/2006/relationships" xmlns:p="http://schemas.openxmlformats.org/presentationml/2006/main">
+  <p:cSld>
+    <p:spTree>
+      <p:nvGrpSpPr>
+        <p:cNvPr id="1" name=""/>
+        <p:cNvGrpSpPr/>
+        <p:nvPr/>
+      </p:nvGrpSpPr>
+      <p:grpSpPr>
+        <a:xfrm>
+          <a:off x="0" y="0"/>
+          <a:ext cx="0" cy="0"/>
+          <a:chOff x="0" y="0"/>
+          <a:chExt cx="0" cy="0"/>
+        </a:xfrm>
+      </p:grpSpPr>
+      <p:sp>
+        <p:nvSpPr>
+          <p:cNvPr id="2" name="Title 1"/>
+          <p:cNvSpPr>
+            <a:spLocks noGrp="1"/>
+          </p:cNvSpPr>
+          <p:nvPr>
+            <p:ph type="title"/>
+          </p:nvPr>
+        </p:nvSpPr>
+        <p:spPr/>
+        <p:txBody>
+          <a:bodyPr/>
+          <a:lstStyle/>
+          <a:p>
+            <a:r>
+              <a:rPr lang="en-US" dirty="0" smtClean="0">
+                <a:solidFill>
+                  <a:schemeClr val="bg1">
+                    <a:lumMod val="50000"/>
+                    <a:lumOff val="50000"/>
+                  </a:schemeClr>
+                </a:solidFill>
+              </a:rPr>
+              <a:t>DESIGN ADNCS</a:t>
+            </a:r>
+            <a:endParaRPr lang="en-US" dirty="0">
+              <a:solidFill>
+                <a:schemeClr val="bg1">
+                  <a:lumMod val="50000"/>
+                  <a:lumOff val="50000"/>
+                </a:schemeClr>
+              </a:solidFill>
+            </a:endParaRPr>
+          </a:p>
+        </p:txBody>
+      </p:sp>
+      <p:sp>
+        <p:nvSpPr>
+          <p:cNvPr id="3" name="Content Placeholder 2"/>
+          <p:cNvSpPr>
+            <a:spLocks noGrp="1"/>
+          </p:cNvSpPr>
+          <p:nvPr>
+            <p:ph idx="1"/>
+          </p:nvPr>
+        </p:nvSpPr>
+        <p:spPr/>
+        <p:txBody>
+          <a:bodyPr/>
+          <a:lstStyle/>
+          <a:p>
+            <a:r>
+              <a:rPr lang="en-US" dirty="0" smtClean="0"/>
+              <a:t>Passive control </a:t>
+            </a:r>
+            <a:r>
+              <a:rPr lang="en-US" dirty="0" err="1" smtClean="0"/>
+              <a:t>mathematatatatatics</a:t>
+            </a:r>
+            <a:endParaRPr lang="en-US" dirty="0" smtClean="0"/>
+          </a:p>
+          <a:p>
+            <a:pPr marL="0" indent="0">
+              <a:buNone/>
+            </a:pPr>
+            <a:r>
+              <a:rPr lang="en-US" dirty="0" smtClean="0"/>
+              <a:t>	why passive? </a:t>
+            </a:r>
+          </a:p>
+          <a:p>
+            <a:pPr marL="0" indent="0">
+              <a:buNone/>
+            </a:pPr>
+            <a:r>
+              <a:rPr lang="en-US" dirty="0"/>
+              <a:t>	</a:t>
+            </a:r>
+            <a:r>
+              <a:rPr lang="en-US" dirty="0" smtClean="0"/>
+              <a:t>	power savings, </a:t>
+            </a:r>
+            <a:r>
+              <a:rPr lang="en-US" dirty="0" err="1" smtClean="0"/>
+              <a:t>etc</a:t>
+            </a:r>
+            <a:endParaRPr lang="en-US" dirty="0" smtClean="0"/>
+          </a:p>
+          <a:p>
+            <a:pPr marL="0" indent="0">
+              <a:buNone/>
+            </a:pPr>
+            <a:r>
+              <a:rPr lang="en-US" dirty="0"/>
+              <a:t>	</a:t>
+            </a:r>
+            <a:r>
+              <a:rPr lang="en-US" dirty="0" smtClean="0"/>
+              <a:t>	FMEA analytics</a:t>
+            </a:r>
+          </a:p>
+          <a:p>
+            <a:pPr marL="0" indent="0">
+              <a:buNone/>
+            </a:pPr>
+            <a:endParaRPr lang="en-US" dirty="0"/>
+          </a:p>
+          <a:p>
+            <a:endParaRPr lang="en-US" dirty="0"/>
+          </a:p>
+        </p:txBody>
+      </p:sp>
+      <p:sp>
+        <p:nvSpPr>
+          <p:cNvPr id="4" name="Text Placeholder 3"/>
+          <p:cNvSpPr>
+            <a:spLocks noGrp="1"/>
+          </p:cNvSpPr>
+          <p:nvPr>
+            <p:ph type="body" sz="quarter" idx="10"/>
+          </p:nvPr>
+        </p:nvSpPr>
+        <p:spPr/>
+        <p:txBody>
+          <a:bodyPr>
+            <a:normAutofit fontScale="92500" lnSpcReduction="10000"/>
+          </a:bodyPr>
+          <a:lstStyle/>
+          <a:p>
+            <a:r>
+              <a:rPr lang="en-US" dirty="0" smtClean="0"/>
+              <a:t>Nick S</a:t>
+            </a:r>
+            <a:endParaRPr lang="en-US" dirty="0"/>
+          </a:p>
+        </p:txBody>
+      </p:sp>
+    </p:spTree>
+    <p:extLst>
+      <p:ext uri="{BB962C8B-B14F-4D97-AF65-F5344CB8AC3E}">
+        <p14:creationId xmlns:p14="http://schemas.microsoft.com/office/powerpoint/2010/main" val="1500640000"/>
+      </p:ext>
+    </p:extLst>
+  </p:cSld>
+  <p:clrMapOvr>
+    <a:masterClrMapping/>
+  </p:clrMapOvr>
+  <p:timing>
+    <p:tnLst>
+      <p:par>
+        <p:cTn id="1" dur="indefinite" restart="never" nodeType="tmRoot"/>
+      </p:par>
+    </p:tnLst>
+  </p:timing>
+</p:sld>
+</file>
+
+<file path=ppt/slides/slide18.xml><?xml version="1.0" encoding="utf-8"?>
+<p:sld xmlns:a="http://schemas.openxmlformats.org/drawingml/2006/main" xmlns:r="http://schemas.openxmlformats.org/officeDocument/2006/relationships" xmlns:p="http://schemas.openxmlformats.org/presentationml/2006/main">
+  <p:cSld>
+    <p:spTree>
+      <p:nvGrpSpPr>
+        <p:cNvPr id="1" name=""/>
+        <p:cNvGrpSpPr/>
+        <p:nvPr/>
+      </p:nvGrpSpPr>
+      <p:grpSpPr>
+        <a:xfrm>
+          <a:off x="0" y="0"/>
+          <a:ext cx="0" cy="0"/>
+          <a:chOff x="0" y="0"/>
+          <a:chExt cx="0" cy="0"/>
+        </a:xfrm>
+      </p:grpSpPr>
+      <p:sp>
+        <p:nvSpPr>
+          <p:cNvPr id="2" name="Title 1"/>
+          <p:cNvSpPr>
+            <a:spLocks noGrp="1"/>
+          </p:cNvSpPr>
+          <p:nvPr>
+            <p:ph type="title"/>
+          </p:nvPr>
+        </p:nvSpPr>
+        <p:spPr/>
+        <p:txBody>
+          <a:bodyPr/>
+          <a:lstStyle/>
+          <a:p>
+            <a:r>
+              <a:rPr lang="en-US" dirty="0" smtClean="0">
+                <a:solidFill>
+                  <a:schemeClr val="bg1">
+                    <a:lumMod val="50000"/>
+                    <a:lumOff val="50000"/>
+                  </a:schemeClr>
+                </a:solidFill>
+              </a:rPr>
+              <a:t>DESIGN ADNCS</a:t>
+            </a:r>
+            <a:endParaRPr lang="en-US" dirty="0">
+              <a:solidFill>
+                <a:schemeClr val="bg1">
+                  <a:lumMod val="50000"/>
+                  <a:lumOff val="50000"/>
+                </a:schemeClr>
+              </a:solidFill>
+            </a:endParaRPr>
+          </a:p>
+        </p:txBody>
+      </p:sp>
+      <p:sp>
+        <p:nvSpPr>
+          <p:cNvPr id="3" name="Content Placeholder 2"/>
+          <p:cNvSpPr>
+            <a:spLocks noGrp="1"/>
+          </p:cNvSpPr>
+          <p:nvPr>
+            <p:ph idx="1"/>
+          </p:nvPr>
+        </p:nvSpPr>
+        <p:spPr/>
+        <p:txBody>
+          <a:bodyPr/>
+          <a:lstStyle/>
+          <a:p>
+            <a:r>
+              <a:rPr lang="en-US" dirty="0" smtClean="0"/>
+              <a:t>GPS </a:t>
+            </a:r>
+            <a:endParaRPr lang="en-US" dirty="0"/>
+          </a:p>
+          <a:p>
+            <a:endParaRPr lang="en-US" dirty="0"/>
+          </a:p>
+        </p:txBody>
+      </p:sp>
+      <p:sp>
+        <p:nvSpPr>
+          <p:cNvPr id="4" name="Text Placeholder 3"/>
+          <p:cNvSpPr>
+            <a:spLocks noGrp="1"/>
+          </p:cNvSpPr>
+          <p:nvPr>
+            <p:ph type="body" sz="quarter" idx="10"/>
+          </p:nvPr>
+        </p:nvSpPr>
+        <p:spPr/>
+        <p:txBody>
+          <a:bodyPr>
+            <a:normAutofit fontScale="92500" lnSpcReduction="10000"/>
+          </a:bodyPr>
+          <a:lstStyle/>
+          <a:p>
+            <a:r>
+              <a:rPr lang="en-US" dirty="0" smtClean="0"/>
+              <a:t>Jake G</a:t>
+            </a:r>
+            <a:endParaRPr lang="en-US" dirty="0"/>
+          </a:p>
+        </p:txBody>
+      </p:sp>
+    </p:spTree>
+    <p:extLst>
+      <p:ext uri="{BB962C8B-B14F-4D97-AF65-F5344CB8AC3E}">
+        <p14:creationId xmlns:p14="http://schemas.microsoft.com/office/powerpoint/2010/main" val="1750423926"/>
+      </p:ext>
+    </p:extLst>
+  </p:cSld>
+  <p:clrMapOvr>
+    <a:masterClrMapping/>
+  </p:clrMapOvr>
+  <p:timing>
+    <p:tnLst>
+      <p:par>
+        <p:cTn id="1" dur="indefinite" restart="never" nodeType="tmRoot"/>
+      </p:par>
+    </p:tnLst>
+  </p:timing>
+</p:sld>
+</file>
+
+<file path=ppt/slides/slide19.xml><?xml version="1.0" encoding="utf-8"?>
+<p:sld xmlns:a="http://schemas.openxmlformats.org/drawingml/2006/main" xmlns:r="http://schemas.openxmlformats.org/officeDocument/2006/relationships" xmlns:p="http://schemas.openxmlformats.org/presentationml/2006/main">
+  <p:cSld>
+    <p:spTree>
+      <p:nvGrpSpPr>
+        <p:cNvPr id="1" name=""/>
+        <p:cNvGrpSpPr/>
+        <p:nvPr/>
+      </p:nvGrpSpPr>
+      <p:grpSpPr>
+        <a:xfrm>
+          <a:off x="0" y="0"/>
+          <a:ext cx="0" cy="0"/>
+          <a:chOff x="0" y="0"/>
+          <a:chExt cx="0" cy="0"/>
+        </a:xfrm>
+      </p:grpSpPr>
+      <p:sp>
+        <p:nvSpPr>
+          <p:cNvPr id="2" name="Title 1"/>
+          <p:cNvSpPr>
+            <a:spLocks noGrp="1"/>
+          </p:cNvSpPr>
+          <p:nvPr>
+            <p:ph type="title"/>
+          </p:nvPr>
+        </p:nvSpPr>
+        <p:spPr/>
+        <p:txBody>
+          <a:bodyPr/>
+          <a:lstStyle/>
+          <a:p>
+            <a:r>
+              <a:rPr lang="en-US" dirty="0" smtClean="0">
+                <a:solidFill>
+                  <a:schemeClr val="bg1">
+                    <a:lumMod val="50000"/>
+                    <a:lumOff val="50000"/>
+                  </a:schemeClr>
+                </a:solidFill>
+              </a:rPr>
+              <a:t>DESIGN ADNCS</a:t>
+            </a:r>
+            <a:endParaRPr lang="en-US" dirty="0">
+              <a:solidFill>
+                <a:schemeClr val="bg1">
+                  <a:lumMod val="50000"/>
+                  <a:lumOff val="50000"/>
+                </a:schemeClr>
+              </a:solidFill>
+            </a:endParaRPr>
+          </a:p>
+        </p:txBody>
+      </p:sp>
+      <p:sp>
+        <p:nvSpPr>
+          <p:cNvPr id="3" name="Content Placeholder 2"/>
+          <p:cNvSpPr>
+            <a:spLocks noGrp="1"/>
+          </p:cNvSpPr>
+          <p:nvPr>
+            <p:ph idx="1"/>
+          </p:nvPr>
+        </p:nvSpPr>
+        <p:spPr/>
+        <p:txBody>
+          <a:bodyPr/>
+          <a:lstStyle/>
+          <a:p>
+            <a:r>
+              <a:rPr lang="en-US" dirty="0" smtClean="0"/>
+              <a:t>Attitude determination</a:t>
+            </a:r>
+          </a:p>
+          <a:p>
+            <a:r>
+              <a:rPr lang="en-US" dirty="0" smtClean="0"/>
+              <a:t>High level description, inputs, etc.</a:t>
+            </a:r>
+            <a:endParaRPr lang="en-US" dirty="0"/>
+          </a:p>
+          <a:p>
+            <a:endParaRPr lang="en-US" dirty="0"/>
+          </a:p>
+        </p:txBody>
+      </p:sp>
+      <p:sp>
+        <p:nvSpPr>
+          <p:cNvPr id="4" name="Text Placeholder 3"/>
+          <p:cNvSpPr>
+            <a:spLocks noGrp="1"/>
+          </p:cNvSpPr>
+          <p:nvPr>
+            <p:ph type="body" sz="quarter" idx="10"/>
+          </p:nvPr>
+        </p:nvSpPr>
+        <p:spPr/>
+        <p:txBody>
+          <a:bodyPr>
+            <a:normAutofit fontScale="92500" lnSpcReduction="10000"/>
+          </a:bodyPr>
+          <a:lstStyle/>
+          <a:p>
+            <a:r>
+              <a:rPr lang="en-US" dirty="0" smtClean="0"/>
+              <a:t>Brian H</a:t>
+            </a:r>
+            <a:endParaRPr lang="en-US" dirty="0"/>
+          </a:p>
+        </p:txBody>
+      </p:sp>
+    </p:spTree>
+    <p:extLst>
+      <p:ext uri="{BB962C8B-B14F-4D97-AF65-F5344CB8AC3E}">
+        <p14:creationId xmlns:p14="http://schemas.microsoft.com/office/powerpoint/2010/main" val="2985144722"/>
+      </p:ext>
+    </p:extLst>
+  </p:cSld>
+  <p:clrMapOvr>
+    <a:masterClrMapping/>
+  </p:clrMapOvr>
+  <p:timing>
+    <p:tnLst>
+      <p:par>
+        <p:cTn id="1" dur="indefinite" restart="never" nodeType="tmRoot"/>
+      </p:par>
+    </p:tnLst>
+  </p:timing>
+</p:sld>
+</file>
+
+<file path=ppt/slides/slide2.xml><?xml version="1.0" encoding="utf-8"?>
+<p:sld xmlns:a="http://schemas.openxmlformats.org/drawingml/2006/main" xmlns:r="http://schemas.openxmlformats.org/officeDocument/2006/relationships" xmlns:p="http://schemas.openxmlformats.org/presentationml/2006/main">
+  <p:cSld>
+    <p:spTree>
+      <p:nvGrpSpPr>
+        <p:cNvPr id="1" name=""/>
+        <p:cNvGrpSpPr/>
+        <p:nvPr/>
+      </p:nvGrpSpPr>
+      <p:grpSpPr>
+        <a:xfrm>
+          <a:off x="0" y="0"/>
+          <a:ext cx="0" cy="0"/>
+          <a:chOff x="0" y="0"/>
+          <a:chExt cx="0" cy="0"/>
+        </a:xfrm>
+      </p:grpSpPr>
+      <p:sp>
+        <p:nvSpPr>
+          <p:cNvPr id="2" name="Title 1"/>
+          <p:cNvSpPr>
+            <a:spLocks noGrp="1"/>
+          </p:cNvSpPr>
+          <p:nvPr>
+            <p:ph type="title"/>
+          </p:nvPr>
+        </p:nvSpPr>
+        <p:spPr/>
+        <p:txBody>
+          <a:bodyPr/>
+          <a:lstStyle/>
+          <a:p>
+            <a:r>
+              <a:rPr lang="en-US" dirty="0" smtClean="0">
+                <a:solidFill>
+                  <a:schemeClr val="bg2">
+                    <a:lumMod val="40000"/>
+                    <a:lumOff val="60000"/>
+                  </a:schemeClr>
+                </a:solidFill>
+              </a:rPr>
+              <a:t>Agenda</a:t>
+            </a:r>
+            <a:endParaRPr lang="en-US" dirty="0">
+              <a:solidFill>
+                <a:schemeClr val="bg2">
+                  <a:lumMod val="40000"/>
+                  <a:lumOff val="60000"/>
+                </a:schemeClr>
+              </a:solidFill>
+            </a:endParaRPr>
+          </a:p>
+        </p:txBody>
+      </p:sp>
+      <p:sp>
+        <p:nvSpPr>
+          <p:cNvPr id="3" name="Content Placeholder 2"/>
+          <p:cNvSpPr>
+            <a:spLocks noGrp="1"/>
+          </p:cNvSpPr>
+          <p:nvPr>
+            <p:ph idx="1"/>
+          </p:nvPr>
+        </p:nvSpPr>
+        <p:spPr/>
+        <p:txBody>
+          <a:bodyPr>
+            <a:normAutofit/>
+          </a:bodyPr>
+          <a:lstStyle/>
+          <a:p>
+            <a:pPr marL="1257300" lvl="2" indent="-457200">
+              <a:buAutoNum type="arabicPeriod"/>
+            </a:pPr>
+            <a:r>
+              <a:rPr lang="en-US" sz="3200" dirty="0" smtClean="0"/>
+              <a:t>Introduction</a:t>
+            </a:r>
+          </a:p>
+          <a:p>
+            <a:pPr marL="1257300" lvl="2" indent="-457200">
+              <a:buAutoNum type="arabicPeriod"/>
+            </a:pPr>
+            <a:r>
+              <a:rPr lang="en-US" sz="3200" dirty="0" smtClean="0"/>
+              <a:t>Motivation</a:t>
+            </a:r>
+            <a:endParaRPr lang="en-US" sz="3200" dirty="0"/>
+          </a:p>
+          <a:p>
+            <a:pPr marL="1257300" lvl="2" indent="-457200">
+              <a:buAutoNum type="arabicPeriod"/>
+            </a:pPr>
+            <a:r>
+              <a:rPr lang="en-US" sz="3200" dirty="0" smtClean="0"/>
+              <a:t>Approach</a:t>
+            </a:r>
+          </a:p>
+          <a:p>
+            <a:pPr marL="1257300" lvl="2" indent="-457200">
+              <a:buAutoNum type="arabicPeriod"/>
+            </a:pPr>
+            <a:r>
+              <a:rPr lang="en-US" sz="3200" dirty="0" smtClean="0"/>
+              <a:t>Budget</a:t>
+            </a:r>
+          </a:p>
+          <a:p>
+            <a:pPr marL="1257300" lvl="2" indent="-457200">
+              <a:buAutoNum type="arabicPeriod"/>
+            </a:pPr>
+            <a:r>
+              <a:rPr lang="en-US" sz="3200" dirty="0" smtClean="0"/>
+              <a:t>Design</a:t>
+            </a:r>
+          </a:p>
+          <a:p>
+            <a:pPr marL="1257300" lvl="2" indent="-457200">
+              <a:buAutoNum type="arabicPeriod"/>
+            </a:pPr>
+            <a:r>
+              <a:rPr lang="en-US" sz="3200" dirty="0" smtClean="0"/>
+              <a:t>Standards</a:t>
+            </a:r>
+          </a:p>
+          <a:p>
+            <a:pPr marL="1257300" lvl="2" indent="-457200">
+              <a:buAutoNum type="arabicPeriod"/>
+            </a:pPr>
+            <a:r>
+              <a:rPr lang="en-US" sz="3200" dirty="0" smtClean="0"/>
+              <a:t>FMEA</a:t>
+            </a:r>
+          </a:p>
+          <a:p>
+            <a:pPr marL="1257300" lvl="2" indent="-457200">
+              <a:buAutoNum type="arabicPeriod"/>
+            </a:pPr>
+            <a:r>
+              <a:rPr lang="en-US" sz="3200" dirty="0" smtClean="0"/>
+              <a:t>Conclusion</a:t>
+            </a:r>
+            <a:endParaRPr lang="en-US" sz="3200" dirty="0"/>
+          </a:p>
+          <a:p>
+            <a:endParaRPr lang="en-US" dirty="0"/>
+          </a:p>
+        </p:txBody>
+      </p:sp>
+      <p:sp>
+        <p:nvSpPr>
+          <p:cNvPr id="4" name="Text Placeholder 3"/>
+          <p:cNvSpPr>
+            <a:spLocks noGrp="1"/>
+          </p:cNvSpPr>
+          <p:nvPr>
+            <p:ph type="body" sz="quarter" idx="10"/>
+          </p:nvPr>
+        </p:nvSpPr>
+        <p:spPr/>
+        <p:txBody>
+          <a:bodyPr>
+            <a:normAutofit fontScale="92500" lnSpcReduction="10000"/>
+          </a:bodyPr>
+          <a:lstStyle/>
+          <a:p>
+            <a:r>
+              <a:rPr lang="en-US" dirty="0" smtClean="0"/>
+              <a:t>Charlie</a:t>
+            </a:r>
+            <a:endParaRPr lang="en-US" dirty="0"/>
+          </a:p>
+        </p:txBody>
+      </p:sp>
+    </p:spTree>
+    <p:extLst>
+      <p:ext uri="{BB962C8B-B14F-4D97-AF65-F5344CB8AC3E}">
+        <p14:creationId xmlns:p14="http://schemas.microsoft.com/office/powerpoint/2010/main" val="270459347"/>
+      </p:ext>
+    </p:extLst>
+  </p:cSld>
+  <p:clrMapOvr>
+    <a:masterClrMapping/>
+  </p:clrMapOvr>
+  <p:timing>
+    <p:tnLst>
+      <p:par>
+        <p:cTn id="1" dur="indefinite" restart="never" nodeType="tmRoot"/>
+      </p:par>
+    </p:tnLst>
+  </p:timing>
+</p:sld>
+</file>
+
+<file path=ppt/slides/slide20.xml><?xml version="1.0" encoding="utf-8"?>
+<p:sld xmlns:a="http://schemas.openxmlformats.org/drawingml/2006/main" xmlns:r="http://schemas.openxmlformats.org/officeDocument/2006/relationships" xmlns:p="http://schemas.openxmlformats.org/presentationml/2006/main">
+  <p:cSld>
+    <p:spTree>
+      <p:nvGrpSpPr>
+        <p:cNvPr id="1" name=""/>
+        <p:cNvGrpSpPr/>
+        <p:nvPr/>
+      </p:nvGrpSpPr>
+      <p:grpSpPr>
+        <a:xfrm>
+          <a:off x="0" y="0"/>
+          <a:ext cx="0" cy="0"/>
+          <a:chOff x="0" y="0"/>
+          <a:chExt cx="0" cy="0"/>
+        </a:xfrm>
+      </p:grpSpPr>
+      <p:sp>
+        <p:nvSpPr>
+          <p:cNvPr id="2" name="Title 1"/>
+          <p:cNvSpPr>
+            <a:spLocks noGrp="1"/>
+          </p:cNvSpPr>
+          <p:nvPr>
+            <p:ph type="title"/>
+          </p:nvPr>
+        </p:nvSpPr>
+        <p:spPr/>
+        <p:txBody>
+          <a:bodyPr/>
+          <a:lstStyle/>
+          <a:p>
+            <a:r>
+              <a:rPr lang="en-US" dirty="0" smtClean="0"/>
+              <a:t>Design - ADNCS</a:t>
+            </a:r>
+            <a:endParaRPr lang="en-US" dirty="0"/>
+          </a:p>
+        </p:txBody>
+      </p:sp>
+      <p:pic>
+        <p:nvPicPr>
+          <p:cNvPr id="5" name="Content Placeholder 4"/>
+          <p:cNvPicPr>
+            <a:picLocks noGrp="1" noChangeAspect="1"/>
+          </p:cNvPicPr>
+          <p:nvPr>
+            <p:ph idx="1"/>
+          </p:nvPr>
+        </p:nvPicPr>
+        <p:blipFill>
+          <a:blip r:embed="rId2">
+            <a:extLst>
+              <a:ext uri="{28A0092B-C50C-407E-A947-70E740481C1C}">
+                <a14:useLocalDpi xmlns:a14="http://schemas.microsoft.com/office/drawing/2010/main" val="0"/>
+              </a:ext>
+            </a:extLst>
+          </a:blip>
+          <a:stretch>
+            <a:fillRect/>
+          </a:stretch>
+        </p:blipFill>
+        <p:spPr>
+          <a:xfrm>
+            <a:off x="3529806" y="1521619"/>
+            <a:ext cx="4572000" cy="4572000"/>
+          </a:xfrm>
+        </p:spPr>
+      </p:pic>
+      <p:sp>
+        <p:nvSpPr>
+          <p:cNvPr id="4" name="Text Placeholder 3"/>
+          <p:cNvSpPr>
+            <a:spLocks noGrp="1"/>
+          </p:cNvSpPr>
+          <p:nvPr>
+            <p:ph type="body" sz="quarter" idx="10"/>
+          </p:nvPr>
+        </p:nvSpPr>
+        <p:spPr/>
+        <p:txBody>
+          <a:bodyPr>
+            <a:normAutofit fontScale="92500" lnSpcReduction="10000"/>
+          </a:bodyPr>
+          <a:lstStyle/>
+          <a:p>
+            <a:r>
+              <a:rPr lang="en-US" dirty="0" smtClean="0"/>
+              <a:t>Jake G</a:t>
+            </a:r>
+            <a:endParaRPr lang="en-US" dirty="0"/>
+          </a:p>
+        </p:txBody>
+      </p:sp>
+    </p:spTree>
+    <p:extLst>
+      <p:ext uri="{BB962C8B-B14F-4D97-AF65-F5344CB8AC3E}">
+        <p14:creationId xmlns:p14="http://schemas.microsoft.com/office/powerpoint/2010/main" val="62625232"/>
+      </p:ext>
+    </p:extLst>
+  </p:cSld>
+  <p:clrMapOvr>
+    <a:masterClrMapping/>
+  </p:clrMapOvr>
+  <p:timing>
+    <p:tnLst>
+      <p:par>
+        <p:cTn id="1" dur="indefinite" restart="never" nodeType="tmRoot"/>
+      </p:par>
+    </p:tnLst>
+  </p:timing>
+</p:sld>
+</file>
+
+<file path=ppt/slides/slide21.xml><?xml version="1.0" encoding="utf-8"?>
+<p:sld xmlns:a="http://schemas.openxmlformats.org/drawingml/2006/main" xmlns:r="http://schemas.openxmlformats.org/officeDocument/2006/relationships" xmlns:p="http://schemas.openxmlformats.org/presentationml/2006/main">
+  <p:cSld>
+    <p:spTree>
+      <p:nvGrpSpPr>
+        <p:cNvPr id="1" name=""/>
+        <p:cNvGrpSpPr/>
+        <p:nvPr/>
+      </p:nvGrpSpPr>
+      <p:grpSpPr>
+        <a:xfrm>
+          <a:off x="0" y="0"/>
+          <a:ext cx="0" cy="0"/>
+          <a:chOff x="0" y="0"/>
+          <a:chExt cx="0" cy="0"/>
+        </a:xfrm>
+      </p:grpSpPr>
+      <p:sp>
+        <p:nvSpPr>
+          <p:cNvPr id="2" name="Title 1"/>
+          <p:cNvSpPr>
+            <a:spLocks noGrp="1"/>
+          </p:cNvSpPr>
+          <p:nvPr>
+            <p:ph type="title"/>
+          </p:nvPr>
+        </p:nvSpPr>
+        <p:spPr/>
+        <p:txBody>
+          <a:bodyPr/>
+          <a:lstStyle/>
+          <a:p>
+            <a:r>
+              <a:rPr lang="en-US" dirty="0" smtClean="0">
+                <a:solidFill>
+                  <a:schemeClr val="bg1">
+                    <a:lumMod val="50000"/>
+                    <a:lumOff val="50000"/>
+                  </a:schemeClr>
+                </a:solidFill>
+              </a:rPr>
+              <a:t>Design - Communications</a:t>
+            </a:r>
+            <a:endParaRPr lang="en-US" dirty="0">
+              <a:solidFill>
+                <a:schemeClr val="bg1">
+                  <a:lumMod val="50000"/>
+                  <a:lumOff val="50000"/>
+                </a:schemeClr>
+              </a:solidFill>
+            </a:endParaRPr>
+          </a:p>
+        </p:txBody>
+      </p:sp>
+      <p:pic>
+        <p:nvPicPr>
+          <p:cNvPr id="5" name="Content Placeholder 4"/>
+          <p:cNvPicPr>
+            <a:picLocks noGrp="1" noChangeAspect="1"/>
+          </p:cNvPicPr>
+          <p:nvPr>
+            <p:ph idx="1"/>
+          </p:nvPr>
+        </p:nvPicPr>
+        <p:blipFill>
+          <a:blip r:embed="rId2">
+            <a:extLst>
+              <a:ext uri="{28A0092B-C50C-407E-A947-70E740481C1C}">
+                <a14:useLocalDpi xmlns:a14="http://schemas.microsoft.com/office/drawing/2010/main" val="0"/>
+              </a:ext>
+            </a:extLst>
+          </a:blip>
+          <a:stretch>
+            <a:fillRect/>
+          </a:stretch>
+        </p:blipFill>
+        <p:spPr>
+          <a:xfrm>
+            <a:off x="1371030" y="1227138"/>
+            <a:ext cx="8889553" cy="5160962"/>
+          </a:xfrm>
+        </p:spPr>
+      </p:pic>
+      <p:sp>
+        <p:nvSpPr>
+          <p:cNvPr id="4" name="Text Placeholder 3"/>
+          <p:cNvSpPr>
+            <a:spLocks noGrp="1"/>
+          </p:cNvSpPr>
+          <p:nvPr>
+            <p:ph type="body" sz="quarter" idx="10"/>
+          </p:nvPr>
+        </p:nvSpPr>
+        <p:spPr/>
+        <p:txBody>
+          <a:bodyPr>
+            <a:normAutofit fontScale="92500" lnSpcReduction="10000"/>
+          </a:bodyPr>
+          <a:lstStyle/>
+          <a:p>
+            <a:r>
+              <a:rPr lang="en-US" dirty="0" smtClean="0"/>
+              <a:t> </a:t>
+            </a:r>
+            <a:endParaRPr lang="en-US" dirty="0"/>
+          </a:p>
+        </p:txBody>
+      </p:sp>
+    </p:spTree>
+    <p:extLst>
+      <p:ext uri="{BB962C8B-B14F-4D97-AF65-F5344CB8AC3E}">
+        <p14:creationId xmlns:p14="http://schemas.microsoft.com/office/powerpoint/2010/main" val="971149973"/>
+      </p:ext>
+    </p:extLst>
+  </p:cSld>
+  <p:clrMapOvr>
+    <a:masterClrMapping/>
+  </p:clrMapOvr>
+  <p:timing>
+    <p:tnLst>
+      <p:par>
+        <p:cTn id="1" dur="indefinite" restart="never" nodeType="tmRoot"/>
+      </p:par>
+    </p:tnLst>
+  </p:timing>
+</p:sld>
+</file>
+
+<file path=ppt/slides/slide22.xml><?xml version="1.0" encoding="utf-8"?>
+<p:sld xmlns:a="http://schemas.openxmlformats.org/drawingml/2006/main" xmlns:r="http://schemas.openxmlformats.org/officeDocument/2006/relationships" xmlns:p="http://schemas.openxmlformats.org/presentationml/2006/main">
+  <p:cSld>
+    <p:spTree>
+      <p:nvGrpSpPr>
+        <p:cNvPr id="1" name=""/>
+        <p:cNvGrpSpPr/>
+        <p:nvPr/>
+      </p:nvGrpSpPr>
+      <p:grpSpPr>
+        <a:xfrm>
+          <a:off x="0" y="0"/>
+          <a:ext cx="0" cy="0"/>
+          <a:chOff x="0" y="0"/>
+          <a:chExt cx="0" cy="0"/>
+        </a:xfrm>
+      </p:grpSpPr>
+      <p:sp>
+        <p:nvSpPr>
+          <p:cNvPr id="2" name="Title 1"/>
+          <p:cNvSpPr>
+            <a:spLocks noGrp="1"/>
+          </p:cNvSpPr>
+          <p:nvPr>
+            <p:ph type="title"/>
+          </p:nvPr>
+        </p:nvSpPr>
+        <p:spPr/>
+        <p:txBody>
+          <a:bodyPr/>
+          <a:lstStyle/>
+          <a:p>
+            <a:r>
+              <a:rPr lang="en-US" dirty="0" smtClean="0">
+                <a:solidFill>
+                  <a:schemeClr val="bg1">
+                    <a:lumMod val="50000"/>
+                    <a:lumOff val="50000"/>
+                  </a:schemeClr>
+                </a:solidFill>
+              </a:rPr>
               <a:t>Design </a:t>
             </a:r>
             <a:r>
@@ -7484,7 +8527,11 @@
           </a:bodyPr>
           <a:lstStyle/>
           <a:p>
-            <a:endParaRPr lang="en-US"/>
+            <a:r>
+              <a:rPr lang="en-US" dirty="0" smtClean="0"/>
+              <a:t>Tim K</a:t>
+            </a:r>
+            <a:endParaRPr lang="en-US" dirty="0"/>
           </a:p>
         </p:txBody>
       </p:sp>
@@ -7501,14 +8548,14 @@
   <p:timing>
     <p:tnLst>
       <p:par>
-        <p:cTn xmlns:p14="http://schemas.microsoft.com/office/powerpoint/2010/main" id="1" dur="indefinite" restart="never" nodeType="tmRoot"/>
+        <p:cTn id="1" dur="indefinite" restart="never" nodeType="tmRoot"/>
       </p:par>
     </p:tnLst>
   </p:timing>
 </p:sld>
 </file>
 
-<file path=ppt/slides/slide17.xml><?xml version="1.0" encoding="utf-8"?>
+<file path=ppt/slides/slide23.xml><?xml version="1.0" encoding="utf-8"?>
 <p:sld xmlns:a="http://schemas.openxmlformats.org/drawingml/2006/main" xmlns:r="http://schemas.openxmlformats.org/officeDocument/2006/relationships" xmlns:p="http://schemas.openxmlformats.org/presentationml/2006/main">
   <p:cSld>
     <p:spTree>
@@ -7745,7 +8792,7 @@
   <p:timing>
     <p:tnLst>
       <p:par>
-        <p:cTn xmlns:p14="http://schemas.microsoft.com/office/powerpoint/2010/main" id="1" dur="indefinite" restart="never" nodeType="tmRoot">
+        <p:cTn id="1" dur="indefinite" restart="never" nodeType="tmRoot">
           <p:childTnLst>
             <p:seq concurrent="1" nextAc="seek">
               <p:cTn id="2" dur="indefinite" nodeType="mainSeq">
@@ -8064,7 +9111,7 @@
 </p:sld>
 </file>
 
-<file path=ppt/slides/slide18.xml><?xml version="1.0" encoding="utf-8"?>
+<file path=ppt/slides/slide24.xml><?xml version="1.0" encoding="utf-8"?>
 <p:sld xmlns:a="http://schemas.openxmlformats.org/drawingml/2006/main" xmlns:r="http://schemas.openxmlformats.org/officeDocument/2006/relationships" xmlns:p="http://schemas.openxmlformats.org/presentationml/2006/main">
   <p:cSld>
     <p:spTree>
@@ -8316,7 +9363,7 @@
   <p:timing>
     <p:tnLst>
       <p:par>
-        <p:cTn xmlns:p14="http://schemas.microsoft.com/office/powerpoint/2010/main" id="1" dur="indefinite" restart="never" nodeType="tmRoot">
+        <p:cTn id="1" dur="indefinite" restart="never" nodeType="tmRoot">
           <p:childTnLst>
             <p:seq concurrent="1" nextAc="seek">
               <p:cTn id="2" dur="indefinite" nodeType="mainSeq">
@@ -8560,7 +9607,7 @@
 </p:sld>
 </file>
 
-<file path=ppt/slides/slide19.xml><?xml version="1.0" encoding="utf-8"?>
+<file path=ppt/slides/slide25.xml><?xml version="1.0" encoding="utf-8"?>
 <p:sld xmlns:a="http://schemas.openxmlformats.org/drawingml/2006/main" xmlns:r="http://schemas.openxmlformats.org/officeDocument/2006/relationships" xmlns:p="http://schemas.openxmlformats.org/presentationml/2006/main">
   <p:cSld>
     <p:spTree>
@@ -8764,201 +9811,14 @@
   <p:timing>
     <p:tnLst>
       <p:par>
-        <p:cTn xmlns:p14="http://schemas.microsoft.com/office/powerpoint/2010/main" id="1" dur="indefinite" restart="never" nodeType="tmRoot"/>
+        <p:cTn id="1" dur="indefinite" restart="never" nodeType="tmRoot"/>
       </p:par>
     </p:tnLst>
   </p:timing>
 </p:sld>
 </file>
 
-<file path=ppt/slides/slide2.xml><?xml version="1.0" encoding="utf-8"?>
-<p:sld xmlns:a="http://schemas.openxmlformats.org/drawingml/2006/main" xmlns:r="http://schemas.openxmlformats.org/officeDocument/2006/relationships" xmlns:p="http://schemas.openxmlformats.org/presentationml/2006/main">
-  <p:cSld>
-    <p:spTree>
-      <p:nvGrpSpPr>
-        <p:cNvPr id="1" name=""/>
-        <p:cNvGrpSpPr/>
-        <p:nvPr/>
-      </p:nvGrpSpPr>
-      <p:grpSpPr>
-        <a:xfrm>
-          <a:off x="0" y="0"/>
-          <a:ext cx="0" cy="0"/>
-          <a:chOff x="0" y="0"/>
-          <a:chExt cx="0" cy="0"/>
-        </a:xfrm>
-      </p:grpSpPr>
-      <p:sp>
-        <p:nvSpPr>
-          <p:cNvPr id="2" name="Title 1"/>
-          <p:cNvSpPr>
-            <a:spLocks noGrp="1"/>
-          </p:cNvSpPr>
-          <p:nvPr>
-            <p:ph type="title"/>
-          </p:nvPr>
-        </p:nvSpPr>
-        <p:spPr/>
-        <p:txBody>
-          <a:bodyPr/>
-          <a:lstStyle/>
-          <a:p>
-            <a:r>
-              <a:rPr lang="en-US" dirty="0" smtClean="0">
-                <a:solidFill>
-                  <a:schemeClr val="bg2">
-                    <a:lumMod val="40000"/>
-                    <a:lumOff val="60000"/>
-                  </a:schemeClr>
-                </a:solidFill>
-              </a:rPr>
-              <a:t>Agenda</a:t>
-            </a:r>
-            <a:endParaRPr lang="en-US" dirty="0">
-              <a:solidFill>
-                <a:schemeClr val="bg2">
-                  <a:lumMod val="40000"/>
-                  <a:lumOff val="60000"/>
-                </a:schemeClr>
-              </a:solidFill>
-            </a:endParaRPr>
-          </a:p>
-        </p:txBody>
-      </p:sp>
-      <p:sp>
-        <p:nvSpPr>
-          <p:cNvPr id="3" name="Content Placeholder 2"/>
-          <p:cNvSpPr>
-            <a:spLocks noGrp="1"/>
-          </p:cNvSpPr>
-          <p:nvPr>
-            <p:ph idx="1"/>
-          </p:nvPr>
-        </p:nvSpPr>
-        <p:spPr/>
-        <p:txBody>
-          <a:bodyPr>
-            <a:normAutofit/>
-          </a:bodyPr>
-          <a:lstStyle/>
-          <a:p>
-            <a:pPr marL="1257300" lvl="2" indent="-457200">
-              <a:buAutoNum type="arabicPeriod"/>
-            </a:pPr>
-            <a:r>
-              <a:rPr lang="en-US" sz="3200" dirty="0" smtClean="0"/>
-              <a:t>Introduction</a:t>
-            </a:r>
-          </a:p>
-          <a:p>
-            <a:pPr marL="1257300" lvl="2" indent="-457200">
-              <a:buAutoNum type="arabicPeriod"/>
-            </a:pPr>
-            <a:r>
-              <a:rPr lang="en-US" sz="3200" dirty="0" smtClean="0"/>
-              <a:t>Motivation</a:t>
-            </a:r>
-            <a:endParaRPr lang="en-US" sz="3200" dirty="0"/>
-          </a:p>
-          <a:p>
-            <a:pPr marL="1257300" lvl="2" indent="-457200">
-              <a:buAutoNum type="arabicPeriod"/>
-            </a:pPr>
-            <a:r>
-              <a:rPr lang="en-US" sz="3200" dirty="0" smtClean="0"/>
-              <a:t>Approach</a:t>
-            </a:r>
-          </a:p>
-          <a:p>
-            <a:pPr marL="1257300" lvl="2" indent="-457200">
-              <a:buAutoNum type="arabicPeriod"/>
-            </a:pPr>
-            <a:r>
-              <a:rPr lang="en-US" sz="3200" dirty="0" smtClean="0"/>
-              <a:t>Budget</a:t>
-            </a:r>
-          </a:p>
-          <a:p>
-            <a:pPr marL="1257300" lvl="2" indent="-457200">
-              <a:buAutoNum type="arabicPeriod"/>
-            </a:pPr>
-            <a:r>
-              <a:rPr lang="en-US" sz="3200" dirty="0" smtClean="0"/>
-              <a:t>Design</a:t>
-            </a:r>
-          </a:p>
-          <a:p>
-            <a:pPr marL="1257300" lvl="2" indent="-457200">
-              <a:buAutoNum type="arabicPeriod"/>
-            </a:pPr>
-            <a:r>
-              <a:rPr lang="en-US" sz="3200" dirty="0" smtClean="0"/>
-              <a:t>Standards</a:t>
-            </a:r>
-          </a:p>
-          <a:p>
-            <a:pPr marL="1257300" lvl="2" indent="-457200">
-              <a:buAutoNum type="arabicPeriod"/>
-            </a:pPr>
-            <a:r>
-              <a:rPr lang="en-US" sz="3200" dirty="0" smtClean="0"/>
-              <a:t>FMEA</a:t>
-            </a:r>
-          </a:p>
-          <a:p>
-            <a:pPr marL="1257300" lvl="2" indent="-457200">
-              <a:buAutoNum type="arabicPeriod"/>
-            </a:pPr>
-            <a:r>
-              <a:rPr lang="en-US" sz="3200" dirty="0" smtClean="0"/>
-              <a:t>Conclusion</a:t>
-            </a:r>
-            <a:endParaRPr lang="en-US" sz="3200" dirty="0"/>
-          </a:p>
-          <a:p>
-            <a:endParaRPr lang="en-US" dirty="0"/>
-          </a:p>
-        </p:txBody>
-      </p:sp>
-      <p:sp>
-        <p:nvSpPr>
-          <p:cNvPr id="4" name="Text Placeholder 3"/>
-          <p:cNvSpPr>
-            <a:spLocks noGrp="1"/>
-          </p:cNvSpPr>
-          <p:nvPr>
-            <p:ph type="body" sz="quarter" idx="10"/>
-          </p:nvPr>
-        </p:nvSpPr>
-        <p:spPr/>
-        <p:txBody>
-          <a:bodyPr>
-            <a:normAutofit fontScale="92500" lnSpcReduction="10000"/>
-          </a:bodyPr>
-          <a:lstStyle/>
-          <a:p>
-            <a:r>
-              <a:rPr lang="en-US" dirty="0" smtClean="0"/>
-              <a:t>Charlie</a:t>
-            </a:r>
-            <a:endParaRPr lang="en-US" dirty="0"/>
-          </a:p>
-        </p:txBody>
-      </p:sp>
-    </p:spTree>
-    <p:extLst>
-      <p:ext uri="{BB962C8B-B14F-4D97-AF65-F5344CB8AC3E}">
-        <p14:creationId xmlns:p14="http://schemas.microsoft.com/office/powerpoint/2010/main" val="270459347"/>
-      </p:ext>
-    </p:extLst>
-  </p:cSld>
-  <p:clrMapOvr>
-    <a:masterClrMapping/>
-  </p:clrMapOvr>
-</p:sld>
-</file>
-
-<file path=ppt/slides/slide20.xml><?xml version="1.0" encoding="utf-8"?>
+<file path=ppt/slides/slide26.xml><?xml version="1.0" encoding="utf-8"?>
 <p:sld xmlns:a="http://schemas.openxmlformats.org/drawingml/2006/main" xmlns:r="http://schemas.openxmlformats.org/officeDocument/2006/relationships" xmlns:p="http://schemas.openxmlformats.org/presentationml/2006/main">
   <p:cSld>
     <p:spTree>
@@ -9460,7 +10320,7 @@
   <p:timing>
     <p:tnLst>
       <p:par>
-        <p:cTn xmlns:p14="http://schemas.microsoft.com/office/powerpoint/2010/main" id="1" dur="indefinite" restart="never" nodeType="tmRoot">
+        <p:cTn id="1" dur="indefinite" restart="never" nodeType="tmRoot">
           <p:childTnLst>
             <p:seq concurrent="1" nextAc="seek">
               <p:cTn id="2" dur="indefinite" nodeType="mainSeq">
@@ -9918,7 +10778,7 @@
 </p:sld>
 </file>
 
-<file path=ppt/slides/slide21.xml><?xml version="1.0" encoding="utf-8"?>
+<file path=ppt/slides/slide27.xml><?xml version="1.0" encoding="utf-8"?>
 <p:sld xmlns:a="http://schemas.openxmlformats.org/drawingml/2006/main" xmlns:r="http://schemas.openxmlformats.org/officeDocument/2006/relationships" xmlns:p="http://schemas.openxmlformats.org/presentationml/2006/main">
   <p:cSld>
     <p:spTree>
@@ -10538,7 +11398,7 @@
   <p:timing>
     <p:tnLst>
       <p:par>
-        <p:cTn xmlns:p14="http://schemas.microsoft.com/office/powerpoint/2010/main" id="1" dur="indefinite" restart="never" nodeType="tmRoot">
+        <p:cTn id="1" dur="indefinite" restart="never" nodeType="tmRoot">
           <p:childTnLst>
             <p:seq concurrent="1" nextAc="seek">
               <p:cTn id="2" dur="indefinite" nodeType="mainSeq">
@@ -10778,7 +11638,7 @@
 </p:sld>
 </file>
 
-<file path=ppt/slides/slide22.xml><?xml version="1.0" encoding="utf-8"?>
+<file path=ppt/slides/slide28.xml><?xml version="1.0" encoding="utf-8"?>
 <p:sld xmlns:a="http://schemas.openxmlformats.org/drawingml/2006/main" xmlns:r="http://schemas.openxmlformats.org/officeDocument/2006/relationships" xmlns:p="http://schemas.openxmlformats.org/presentationml/2006/main">
   <p:cSld>
     <p:spTree>
@@ -11497,7 +12357,7 @@
   <p:timing>
     <p:tnLst>
       <p:par>
-        <p:cTn xmlns:p14="http://schemas.microsoft.com/office/powerpoint/2010/main" id="1" dur="indefinite" restart="never" nodeType="tmRoot">
+        <p:cTn id="1" dur="indefinite" restart="never" nodeType="tmRoot">
           <p:childTnLst>
             <p:seq concurrent="1" nextAc="seek">
               <p:cTn id="2" dur="indefinite" nodeType="mainSeq">
@@ -11954,7 +12814,7 @@
 </p:sld>
 </file>
 
-<file path=ppt/slides/slide23.xml><?xml version="1.0" encoding="utf-8"?>
+<file path=ppt/slides/slide29.xml><?xml version="1.0" encoding="utf-8"?>
 <p:sld xmlns:a="http://schemas.openxmlformats.org/drawingml/2006/main" xmlns:r="http://schemas.openxmlformats.org/officeDocument/2006/relationships" xmlns:p="http://schemas.openxmlformats.org/presentationml/2006/main">
   <p:cSld>
     <p:spTree>
@@ -12512,7 +13372,7 @@
   <p:timing>
     <p:tnLst>
       <p:par>
-        <p:cTn xmlns:p14="http://schemas.microsoft.com/office/powerpoint/2010/main" id="1" dur="indefinite" restart="never" nodeType="tmRoot">
+        <p:cTn id="1" dur="indefinite" restart="never" nodeType="tmRoot">
           <p:childTnLst>
             <p:seq concurrent="1" nextAc="seek">
               <p:cTn id="2" dur="indefinite" nodeType="mainSeq">
@@ -12709,2058 +13569,6 @@
       </p:par>
     </p:tnLst>
   </p:timing>
-</p:sld>
-</file>
-
-<file path=ppt/slides/slide24.xml><?xml version="1.0" encoding="utf-8"?>
-<p:sld xmlns:a="http://schemas.openxmlformats.org/drawingml/2006/main" xmlns:r="http://schemas.openxmlformats.org/officeDocument/2006/relationships" xmlns:p="http://schemas.openxmlformats.org/presentationml/2006/main">
-  <p:cSld>
-    <p:spTree>
-      <p:nvGrpSpPr>
-        <p:cNvPr id="1" name=""/>
-        <p:cNvGrpSpPr/>
-        <p:nvPr/>
-      </p:nvGrpSpPr>
-      <p:grpSpPr>
-        <a:xfrm>
-          <a:off x="0" y="0"/>
-          <a:ext cx="0" cy="0"/>
-          <a:chOff x="0" y="0"/>
-          <a:chExt cx="0" cy="0"/>
-        </a:xfrm>
-      </p:grpSpPr>
-      <p:sp>
-        <p:nvSpPr>
-          <p:cNvPr id="2" name="Title 1"/>
-          <p:cNvSpPr>
-            <a:spLocks noGrp="1"/>
-          </p:cNvSpPr>
-          <p:nvPr>
-            <p:ph type="title"/>
-          </p:nvPr>
-        </p:nvSpPr>
-        <p:spPr/>
-        <p:txBody>
-          <a:bodyPr/>
-          <a:lstStyle/>
-          <a:p>
-            <a:r>
-              <a:rPr lang="en-US" dirty="0" smtClean="0">
-                <a:solidFill>
-                  <a:schemeClr val="bg1">
-                    <a:lumMod val="50000"/>
-                    <a:lumOff val="50000"/>
-                  </a:schemeClr>
-                </a:solidFill>
-              </a:rPr>
-              <a:t>Design - Communications</a:t>
-            </a:r>
-            <a:endParaRPr lang="en-US" dirty="0">
-              <a:solidFill>
-                <a:schemeClr val="bg1">
-                  <a:lumMod val="50000"/>
-                  <a:lumOff val="50000"/>
-                </a:schemeClr>
-              </a:solidFill>
-            </a:endParaRPr>
-          </a:p>
-        </p:txBody>
-      </p:sp>
-      <p:sp>
-        <p:nvSpPr>
-          <p:cNvPr id="4" name="Text Placeholder 3"/>
-          <p:cNvSpPr>
-            <a:spLocks noGrp="1"/>
-          </p:cNvSpPr>
-          <p:nvPr>
-            <p:ph type="body" sz="quarter" idx="10"/>
-          </p:nvPr>
-        </p:nvSpPr>
-        <p:spPr/>
-        <p:txBody>
-          <a:bodyPr>
-            <a:normAutofit fontScale="92500" lnSpcReduction="10000"/>
-          </a:bodyPr>
-          <a:lstStyle/>
-          <a:p>
-            <a:r>
-              <a:rPr lang="en-US" dirty="0" smtClean="0"/>
-              <a:t>Ben</a:t>
-            </a:r>
-            <a:endParaRPr lang="en-US" dirty="0"/>
-          </a:p>
-        </p:txBody>
-      </p:sp>
-      <p:pic>
-        <p:nvPicPr>
-          <p:cNvPr id="6" name="Picture 5"/>
-          <p:cNvPicPr>
-            <a:picLocks noChangeAspect="1"/>
-          </p:cNvPicPr>
-          <p:nvPr/>
-        </p:nvPicPr>
-        <p:blipFill>
-          <a:blip r:embed="rId2"/>
-          <a:stretch>
-            <a:fillRect/>
-          </a:stretch>
-        </p:blipFill>
-        <p:spPr>
-          <a:xfrm>
-            <a:off x="5080265" y="1205963"/>
-            <a:ext cx="1676400" cy="1524000"/>
-          </a:xfrm>
-          <a:prstGeom prst="rect">
-            <a:avLst/>
-          </a:prstGeom>
-        </p:spPr>
-      </p:pic>
-      <p:pic>
-        <p:nvPicPr>
-          <p:cNvPr id="7" name="Picture 6"/>
-          <p:cNvPicPr>
-            <a:picLocks noChangeAspect="1"/>
-          </p:cNvPicPr>
-          <p:nvPr/>
-        </p:nvPicPr>
-        <p:blipFill>
-          <a:blip r:embed="rId3"/>
-          <a:stretch>
-            <a:fillRect/>
-          </a:stretch>
-        </p:blipFill>
-        <p:spPr>
-          <a:xfrm>
-            <a:off x="8697369" y="3995393"/>
-            <a:ext cx="1612900" cy="2705100"/>
-          </a:xfrm>
-          <a:prstGeom prst="rect">
-            <a:avLst/>
-          </a:prstGeom>
-        </p:spPr>
-      </p:pic>
-      <p:pic>
-        <p:nvPicPr>
-          <p:cNvPr id="8" name="Picture 7"/>
-          <p:cNvPicPr>
-            <a:picLocks noChangeAspect="1"/>
-          </p:cNvPicPr>
-          <p:nvPr/>
-        </p:nvPicPr>
-        <p:blipFill>
-          <a:blip r:embed="rId4"/>
-          <a:stretch>
-            <a:fillRect/>
-          </a:stretch>
-        </p:blipFill>
-        <p:spPr>
-          <a:xfrm>
-            <a:off x="6885289" y="2528545"/>
-            <a:ext cx="2451100" cy="1473200"/>
-          </a:xfrm>
-          <a:prstGeom prst="rect">
-            <a:avLst/>
-          </a:prstGeom>
-        </p:spPr>
-      </p:pic>
-      <p:sp>
-        <p:nvSpPr>
-          <p:cNvPr id="11" name="Content Placeholder 2"/>
-          <p:cNvSpPr>
-            <a:spLocks noGrp="1"/>
-          </p:cNvSpPr>
-          <p:nvPr>
-            <p:ph idx="1"/>
-          </p:nvPr>
-        </p:nvSpPr>
-        <p:spPr>
-          <a:xfrm>
-            <a:off x="458222" y="2840147"/>
-            <a:ext cx="7626532" cy="3548128"/>
-          </a:xfrm>
-        </p:spPr>
-        <p:txBody>
-          <a:bodyPr anchor="b"/>
-          <a:lstStyle/>
-          <a:p>
-            <a:pPr marL="0" indent="0">
-              <a:buNone/>
-            </a:pPr>
-            <a:r>
-              <a:rPr lang="en-US" sz="2400" dirty="0" smtClean="0"/>
-              <a:t>Step 5: Transmit Data</a:t>
-            </a:r>
-          </a:p>
-          <a:p>
-            <a:r>
-              <a:rPr lang="en-US" dirty="0" err="1" smtClean="0"/>
-              <a:t>CubeSat</a:t>
-            </a:r>
-            <a:r>
-              <a:rPr lang="en-US" dirty="0" smtClean="0"/>
-              <a:t> </a:t>
-            </a:r>
-            <a:r>
-              <a:rPr lang="en-US" dirty="0" smtClean="0"/>
-              <a:t>transmits one 128 </a:t>
-            </a:r>
-            <a:r>
-              <a:rPr lang="en-US" dirty="0" err="1" smtClean="0"/>
-              <a:t>kB</a:t>
-            </a:r>
-            <a:r>
-              <a:rPr lang="en-US" dirty="0" smtClean="0"/>
-              <a:t> packet</a:t>
-            </a:r>
-          </a:p>
-          <a:p>
-            <a:pPr lvl="1"/>
-            <a:r>
-              <a:rPr lang="en-US" dirty="0" smtClean="0"/>
-              <a:t>3 time steps</a:t>
-            </a:r>
-            <a:endParaRPr lang="en-US" dirty="0"/>
-          </a:p>
-          <a:p>
-            <a:endParaRPr lang="en-US" dirty="0"/>
-          </a:p>
-        </p:txBody>
-      </p:sp>
-      <p:pic>
-        <p:nvPicPr>
-          <p:cNvPr id="5" name="Picture 4"/>
-          <p:cNvPicPr>
-            <a:picLocks noChangeAspect="1"/>
-          </p:cNvPicPr>
-          <p:nvPr/>
-        </p:nvPicPr>
-        <p:blipFill>
-          <a:blip r:embed="rId5"/>
-          <a:stretch>
-            <a:fillRect/>
-          </a:stretch>
-        </p:blipFill>
-        <p:spPr>
-          <a:xfrm>
-            <a:off x="6885288" y="2528545"/>
-            <a:ext cx="2451100" cy="1473200"/>
-          </a:xfrm>
-          <a:prstGeom prst="rect">
-            <a:avLst/>
-          </a:prstGeom>
-        </p:spPr>
-      </p:pic>
-    </p:spTree>
-    <p:extLst>
-      <p:ext uri="{BB962C8B-B14F-4D97-AF65-F5344CB8AC3E}">
-        <p14:creationId xmlns:p14="http://schemas.microsoft.com/office/powerpoint/2010/main" val="1919171598"/>
-      </p:ext>
-    </p:extLst>
-  </p:cSld>
-  <p:clrMapOvr>
-    <a:masterClrMapping/>
-  </p:clrMapOvr>
-  <p:timing>
-    <p:tnLst>
-      <p:par>
-        <p:cTn xmlns:p14="http://schemas.microsoft.com/office/powerpoint/2010/main" id="1" dur="indefinite" restart="never" nodeType="tmRoot">
-          <p:childTnLst>
-            <p:seq concurrent="1" nextAc="seek">
-              <p:cTn id="2" dur="indefinite" nodeType="mainSeq">
-                <p:childTnLst>
-                  <p:par>
-                    <p:cTn id="3" fill="hold">
-                      <p:stCondLst>
-                        <p:cond delay="indefinite"/>
-                        <p:cond evt="onBegin" delay="0">
-                          <p:tn val="2"/>
-                        </p:cond>
-                      </p:stCondLst>
-                      <p:childTnLst>
-                        <p:par>
-                          <p:cTn id="4" fill="hold">
-                            <p:stCondLst>
-                              <p:cond delay="0"/>
-                            </p:stCondLst>
-                            <p:childTnLst>
-                              <p:par>
-                                <p:cTn id="5" presetID="22" presetClass="exit" presetSubtype="8" fill="hold" nodeType="afterEffect">
-                                  <p:stCondLst>
-                                    <p:cond delay="500"/>
-                                  </p:stCondLst>
-                                  <p:childTnLst>
-                                    <p:animEffect transition="out" filter="wipe(left)">
-                                      <p:cBhvr>
-                                        <p:cTn id="6" dur="500"/>
-                                        <p:tgtEl>
-                                          <p:spTgt spid="8"/>
-                                        </p:tgtEl>
-                                      </p:cBhvr>
-                                    </p:animEffect>
-                                    <p:set>
-                                      <p:cBhvr>
-                                        <p:cTn id="7" dur="1" fill="hold">
-                                          <p:stCondLst>
-                                            <p:cond delay="499"/>
-                                          </p:stCondLst>
-                                        </p:cTn>
-                                        <p:tgtEl>
-                                          <p:spTgt spid="8"/>
-                                        </p:tgtEl>
-                                        <p:attrNameLst>
-                                          <p:attrName>style.visibility</p:attrName>
-                                        </p:attrNameLst>
-                                      </p:cBhvr>
-                                      <p:to>
-                                        <p:strVal val="hidden"/>
-                                      </p:to>
-                                    </p:set>
-                                  </p:childTnLst>
-                                </p:cTn>
-                              </p:par>
-                              <p:par>
-                                <p:cTn id="8" presetID="22" presetClass="entr" presetSubtype="8" fill="hold" nodeType="withEffect">
-                                  <p:stCondLst>
-                                    <p:cond delay="500"/>
-                                  </p:stCondLst>
-                                  <p:childTnLst>
-                                    <p:set>
-                                      <p:cBhvr>
-                                        <p:cTn id="9" dur="1" fill="hold">
-                                          <p:stCondLst>
-                                            <p:cond delay="0"/>
-                                          </p:stCondLst>
-                                        </p:cTn>
-                                        <p:tgtEl>
-                                          <p:spTgt spid="5"/>
-                                        </p:tgtEl>
-                                        <p:attrNameLst>
-                                          <p:attrName>style.visibility</p:attrName>
-                                        </p:attrNameLst>
-                                      </p:cBhvr>
-                                      <p:to>
-                                        <p:strVal val="visible"/>
-                                      </p:to>
-                                    </p:set>
-                                    <p:animEffect transition="in" filter="wipe(left)">
-                                      <p:cBhvr>
-                                        <p:cTn id="10" dur="500"/>
-                                        <p:tgtEl>
-                                          <p:spTgt spid="5"/>
-                                        </p:tgtEl>
-                                      </p:cBhvr>
-                                    </p:animEffect>
-                                  </p:childTnLst>
-                                </p:cTn>
-                              </p:par>
-                            </p:childTnLst>
-                          </p:cTn>
-                        </p:par>
-                        <p:par>
-                          <p:cTn id="11" fill="hold">
-                            <p:stCondLst>
-                              <p:cond delay="1000"/>
-                            </p:stCondLst>
-                            <p:childTnLst>
-                              <p:par>
-                                <p:cTn id="12" presetID="22" presetClass="exit" presetSubtype="8" fill="hold" nodeType="afterEffect">
-                                  <p:stCondLst>
-                                    <p:cond delay="1000"/>
-                                  </p:stCondLst>
-                                  <p:childTnLst>
-                                    <p:animEffect transition="out" filter="wipe(left)">
-                                      <p:cBhvr>
-                                        <p:cTn id="13" dur="500"/>
-                                        <p:tgtEl>
-                                          <p:spTgt spid="5"/>
-                                        </p:tgtEl>
-                                      </p:cBhvr>
-                                    </p:animEffect>
-                                    <p:set>
-                                      <p:cBhvr>
-                                        <p:cTn id="14" dur="1" fill="hold">
-                                          <p:stCondLst>
-                                            <p:cond delay="499"/>
-                                          </p:stCondLst>
-                                        </p:cTn>
-                                        <p:tgtEl>
-                                          <p:spTgt spid="5"/>
-                                        </p:tgtEl>
-                                        <p:attrNameLst>
-                                          <p:attrName>style.visibility</p:attrName>
-                                        </p:attrNameLst>
-                                      </p:cBhvr>
-                                      <p:to>
-                                        <p:strVal val="hidden"/>
-                                      </p:to>
-                                    </p:set>
-                                  </p:childTnLst>
-                                </p:cTn>
-                              </p:par>
-                              <p:par>
-                                <p:cTn id="15" presetID="22" presetClass="entr" presetSubtype="8" fill="hold" nodeType="withEffect">
-                                  <p:stCondLst>
-                                    <p:cond delay="1000"/>
-                                  </p:stCondLst>
-                                  <p:childTnLst>
-                                    <p:set>
-                                      <p:cBhvr>
-                                        <p:cTn id="16" dur="1" fill="hold">
-                                          <p:stCondLst>
-                                            <p:cond delay="0"/>
-                                          </p:stCondLst>
-                                        </p:cTn>
-                                        <p:tgtEl>
-                                          <p:spTgt spid="8"/>
-                                        </p:tgtEl>
-                                        <p:attrNameLst>
-                                          <p:attrName>style.visibility</p:attrName>
-                                        </p:attrNameLst>
-                                      </p:cBhvr>
-                                      <p:to>
-                                        <p:strVal val="visible"/>
-                                      </p:to>
-                                    </p:set>
-                                    <p:animEffect transition="in" filter="wipe(left)">
-                                      <p:cBhvr>
-                                        <p:cTn id="17" dur="500"/>
-                                        <p:tgtEl>
-                                          <p:spTgt spid="8"/>
-                                        </p:tgtEl>
-                                      </p:cBhvr>
-                                    </p:animEffect>
-                                  </p:childTnLst>
-                                </p:cTn>
-                              </p:par>
-                            </p:childTnLst>
-                          </p:cTn>
-                        </p:par>
-                      </p:childTnLst>
-                    </p:cTn>
-                  </p:par>
-                </p:childTnLst>
-              </p:cTn>
-              <p:prevCondLst>
-                <p:cond evt="onPrev" delay="0">
-                  <p:tgtEl>
-                    <p:sldTgt/>
-                  </p:tgtEl>
-                </p:cond>
-              </p:prevCondLst>
-              <p:nextCondLst>
-                <p:cond evt="onNext" delay="0">
-                  <p:tgtEl>
-                    <p:sldTgt/>
-                  </p:tgtEl>
-                </p:cond>
-              </p:nextCondLst>
-            </p:seq>
-          </p:childTnLst>
-        </p:cTn>
-      </p:par>
-    </p:tnLst>
-  </p:timing>
-</p:sld>
-</file>
-
-<file path=ppt/slides/slide25.xml><?xml version="1.0" encoding="utf-8"?>
-<p:sld xmlns:a="http://schemas.openxmlformats.org/drawingml/2006/main" xmlns:r="http://schemas.openxmlformats.org/officeDocument/2006/relationships" xmlns:p="http://schemas.openxmlformats.org/presentationml/2006/main">
-  <p:cSld>
-    <p:spTree>
-      <p:nvGrpSpPr>
-        <p:cNvPr id="1" name=""/>
-        <p:cNvGrpSpPr/>
-        <p:nvPr/>
-      </p:nvGrpSpPr>
-      <p:grpSpPr>
-        <a:xfrm>
-          <a:off x="0" y="0"/>
-          <a:ext cx="0" cy="0"/>
-          <a:chOff x="0" y="0"/>
-          <a:chExt cx="0" cy="0"/>
-        </a:xfrm>
-      </p:grpSpPr>
-      <p:sp>
-        <p:nvSpPr>
-          <p:cNvPr id="2" name="Title 1"/>
-          <p:cNvSpPr>
-            <a:spLocks noGrp="1"/>
-          </p:cNvSpPr>
-          <p:nvPr>
-            <p:ph type="title"/>
-          </p:nvPr>
-        </p:nvSpPr>
-        <p:spPr/>
-        <p:txBody>
-          <a:bodyPr/>
-          <a:lstStyle/>
-          <a:p>
-            <a:r>
-              <a:rPr lang="en-US" dirty="0" smtClean="0">
-                <a:solidFill>
-                  <a:schemeClr val="bg1">
-                    <a:lumMod val="50000"/>
-                    <a:lumOff val="50000"/>
-                  </a:schemeClr>
-                </a:solidFill>
-              </a:rPr>
-              <a:t>Design - Communications</a:t>
-            </a:r>
-            <a:endParaRPr lang="en-US" dirty="0">
-              <a:solidFill>
-                <a:schemeClr val="bg1">
-                  <a:lumMod val="50000"/>
-                  <a:lumOff val="50000"/>
-                </a:schemeClr>
-              </a:solidFill>
-            </a:endParaRPr>
-          </a:p>
-        </p:txBody>
-      </p:sp>
-      <p:sp>
-        <p:nvSpPr>
-          <p:cNvPr id="4" name="Text Placeholder 3"/>
-          <p:cNvSpPr>
-            <a:spLocks noGrp="1"/>
-          </p:cNvSpPr>
-          <p:nvPr>
-            <p:ph type="body" sz="quarter" idx="10"/>
-          </p:nvPr>
-        </p:nvSpPr>
-        <p:spPr/>
-        <p:txBody>
-          <a:bodyPr>
-            <a:normAutofit fontScale="92500" lnSpcReduction="10000"/>
-          </a:bodyPr>
-          <a:lstStyle/>
-          <a:p>
-            <a:r>
-              <a:rPr lang="en-US" dirty="0" smtClean="0"/>
-              <a:t>Ben</a:t>
-            </a:r>
-            <a:endParaRPr lang="en-US" dirty="0"/>
-          </a:p>
-        </p:txBody>
-      </p:sp>
-      <p:pic>
-        <p:nvPicPr>
-          <p:cNvPr id="6" name="Picture 5"/>
-          <p:cNvPicPr>
-            <a:picLocks noChangeAspect="1"/>
-          </p:cNvPicPr>
-          <p:nvPr/>
-        </p:nvPicPr>
-        <p:blipFill>
-          <a:blip r:embed="rId2"/>
-          <a:stretch>
-            <a:fillRect/>
-          </a:stretch>
-        </p:blipFill>
-        <p:spPr>
-          <a:xfrm>
-            <a:off x="5080265" y="1205963"/>
-            <a:ext cx="1676400" cy="1524000"/>
-          </a:xfrm>
-          <a:prstGeom prst="rect">
-            <a:avLst/>
-          </a:prstGeom>
-        </p:spPr>
-      </p:pic>
-      <p:pic>
-        <p:nvPicPr>
-          <p:cNvPr id="7" name="Picture 6"/>
-          <p:cNvPicPr>
-            <a:picLocks noChangeAspect="1"/>
-          </p:cNvPicPr>
-          <p:nvPr/>
-        </p:nvPicPr>
-        <p:blipFill>
-          <a:blip r:embed="rId3"/>
-          <a:stretch>
-            <a:fillRect/>
-          </a:stretch>
-        </p:blipFill>
-        <p:spPr>
-          <a:xfrm>
-            <a:off x="8697369" y="3995393"/>
-            <a:ext cx="1612900" cy="2705100"/>
-          </a:xfrm>
-          <a:prstGeom prst="rect">
-            <a:avLst/>
-          </a:prstGeom>
-        </p:spPr>
-      </p:pic>
-      <p:pic>
-        <p:nvPicPr>
-          <p:cNvPr id="8" name="Picture 7"/>
-          <p:cNvPicPr>
-            <a:picLocks noChangeAspect="1"/>
-          </p:cNvPicPr>
-          <p:nvPr/>
-        </p:nvPicPr>
-        <p:blipFill>
-          <a:blip r:embed="rId4"/>
-          <a:stretch>
-            <a:fillRect/>
-          </a:stretch>
-        </p:blipFill>
-        <p:spPr>
-          <a:xfrm>
-            <a:off x="6885289" y="2528545"/>
-            <a:ext cx="2451100" cy="1473200"/>
-          </a:xfrm>
-          <a:prstGeom prst="rect">
-            <a:avLst/>
-          </a:prstGeom>
-        </p:spPr>
-      </p:pic>
-      <p:sp>
-        <p:nvSpPr>
-          <p:cNvPr id="11" name="Content Placeholder 2"/>
-          <p:cNvSpPr>
-            <a:spLocks noGrp="1"/>
-          </p:cNvSpPr>
-          <p:nvPr>
-            <p:ph idx="1"/>
-          </p:nvPr>
-        </p:nvSpPr>
-        <p:spPr>
-          <a:xfrm>
-            <a:off x="458222" y="2840147"/>
-            <a:ext cx="7626532" cy="3548128"/>
-          </a:xfrm>
-        </p:spPr>
-        <p:txBody>
-          <a:bodyPr anchor="b"/>
-          <a:lstStyle/>
-          <a:p>
-            <a:pPr marL="0" indent="0">
-              <a:buNone/>
-            </a:pPr>
-            <a:r>
-              <a:rPr lang="en-US" sz="2400" dirty="0" smtClean="0"/>
-              <a:t>Step 6: </a:t>
-            </a:r>
-            <a:r>
-              <a:rPr lang="en-US" sz="2400" dirty="0" smtClean="0"/>
-              <a:t>Error Checking</a:t>
-            </a:r>
-            <a:endParaRPr lang="en-US" sz="2400" dirty="0" smtClean="0"/>
-          </a:p>
-          <a:p>
-            <a:r>
-              <a:rPr lang="en-US" dirty="0" smtClean="0"/>
-              <a:t>Ground Station computes checksum</a:t>
-            </a:r>
-          </a:p>
-          <a:p>
-            <a:r>
-              <a:rPr lang="en-US" dirty="0" smtClean="0"/>
-              <a:t>Ground Station transmits checksum</a:t>
-            </a:r>
-            <a:endParaRPr lang="en-US" dirty="0"/>
-          </a:p>
-          <a:p>
-            <a:endParaRPr lang="en-US" dirty="0"/>
-          </a:p>
-        </p:txBody>
-      </p:sp>
-      <p:pic>
-        <p:nvPicPr>
-          <p:cNvPr id="3" name="Picture 2"/>
-          <p:cNvPicPr>
-            <a:picLocks noChangeAspect="1"/>
-          </p:cNvPicPr>
-          <p:nvPr/>
-        </p:nvPicPr>
-        <p:blipFill>
-          <a:blip r:embed="rId5"/>
-          <a:stretch>
-            <a:fillRect/>
-          </a:stretch>
-        </p:blipFill>
-        <p:spPr>
-          <a:xfrm>
-            <a:off x="6885289" y="2528545"/>
-            <a:ext cx="2451100" cy="1473200"/>
-          </a:xfrm>
-          <a:prstGeom prst="rect">
-            <a:avLst/>
-          </a:prstGeom>
-        </p:spPr>
-      </p:pic>
-    </p:spTree>
-    <p:extLst>
-      <p:ext uri="{BB962C8B-B14F-4D97-AF65-F5344CB8AC3E}">
-        <p14:creationId xmlns:p14="http://schemas.microsoft.com/office/powerpoint/2010/main" val="2183738234"/>
-      </p:ext>
-    </p:extLst>
-  </p:cSld>
-  <p:clrMapOvr>
-    <a:masterClrMapping/>
-  </p:clrMapOvr>
-  <p:timing>
-    <p:tnLst>
-      <p:par>
-        <p:cTn xmlns:p14="http://schemas.microsoft.com/office/powerpoint/2010/main" id="1" dur="indefinite" restart="never" nodeType="tmRoot">
-          <p:childTnLst>
-            <p:seq concurrent="1" nextAc="seek">
-              <p:cTn id="2" dur="indefinite" nodeType="mainSeq">
-                <p:childTnLst>
-                  <p:par>
-                    <p:cTn id="3" fill="hold">
-                      <p:stCondLst>
-                        <p:cond delay="indefinite"/>
-                        <p:cond evt="onBegin" delay="0">
-                          <p:tn val="2"/>
-                        </p:cond>
-                      </p:stCondLst>
-                      <p:childTnLst>
-                        <p:par>
-                          <p:cTn id="4" fill="hold">
-                            <p:stCondLst>
-                              <p:cond delay="0"/>
-                            </p:stCondLst>
-                            <p:childTnLst>
-                              <p:par>
-                                <p:cTn id="5" presetID="22" presetClass="exit" presetSubtype="2" fill="hold" nodeType="afterEffect">
-                                  <p:stCondLst>
-                                    <p:cond delay="500"/>
-                                  </p:stCondLst>
-                                  <p:childTnLst>
-                                    <p:animEffect transition="out" filter="wipe(right)">
-                                      <p:cBhvr>
-                                        <p:cTn id="6" dur="500"/>
-                                        <p:tgtEl>
-                                          <p:spTgt spid="8"/>
-                                        </p:tgtEl>
-                                      </p:cBhvr>
-                                    </p:animEffect>
-                                    <p:set>
-                                      <p:cBhvr>
-                                        <p:cTn id="7" dur="1" fill="hold">
-                                          <p:stCondLst>
-                                            <p:cond delay="499"/>
-                                          </p:stCondLst>
-                                        </p:cTn>
-                                        <p:tgtEl>
-                                          <p:spTgt spid="8"/>
-                                        </p:tgtEl>
-                                        <p:attrNameLst>
-                                          <p:attrName>style.visibility</p:attrName>
-                                        </p:attrNameLst>
-                                      </p:cBhvr>
-                                      <p:to>
-                                        <p:strVal val="hidden"/>
-                                      </p:to>
-                                    </p:set>
-                                  </p:childTnLst>
-                                </p:cTn>
-                              </p:par>
-                              <p:par>
-                                <p:cTn id="8" presetID="22" presetClass="entr" presetSubtype="2" fill="hold" nodeType="withEffect">
-                                  <p:stCondLst>
-                                    <p:cond delay="500"/>
-                                  </p:stCondLst>
-                                  <p:childTnLst>
-                                    <p:set>
-                                      <p:cBhvr>
-                                        <p:cTn id="9" dur="1" fill="hold">
-                                          <p:stCondLst>
-                                            <p:cond delay="0"/>
-                                          </p:stCondLst>
-                                        </p:cTn>
-                                        <p:tgtEl>
-                                          <p:spTgt spid="3"/>
-                                        </p:tgtEl>
-                                        <p:attrNameLst>
-                                          <p:attrName>style.visibility</p:attrName>
-                                        </p:attrNameLst>
-                                      </p:cBhvr>
-                                      <p:to>
-                                        <p:strVal val="visible"/>
-                                      </p:to>
-                                    </p:set>
-                                    <p:animEffect transition="in" filter="wipe(right)">
-                                      <p:cBhvr>
-                                        <p:cTn id="10" dur="500"/>
-                                        <p:tgtEl>
-                                          <p:spTgt spid="3"/>
-                                        </p:tgtEl>
-                                      </p:cBhvr>
-                                    </p:animEffect>
-                                  </p:childTnLst>
-                                </p:cTn>
-                              </p:par>
-                            </p:childTnLst>
-                          </p:cTn>
-                        </p:par>
-                        <p:par>
-                          <p:cTn id="11" fill="hold">
-                            <p:stCondLst>
-                              <p:cond delay="1000"/>
-                            </p:stCondLst>
-                            <p:childTnLst>
-                              <p:par>
-                                <p:cTn id="12" presetID="22" presetClass="exit" presetSubtype="2" fill="hold" nodeType="afterEffect">
-                                  <p:stCondLst>
-                                    <p:cond delay="0"/>
-                                  </p:stCondLst>
-                                  <p:childTnLst>
-                                    <p:animEffect transition="out" filter="wipe(right)">
-                                      <p:cBhvr>
-                                        <p:cTn id="13" dur="500"/>
-                                        <p:tgtEl>
-                                          <p:spTgt spid="3"/>
-                                        </p:tgtEl>
-                                      </p:cBhvr>
-                                    </p:animEffect>
-                                    <p:set>
-                                      <p:cBhvr>
-                                        <p:cTn id="14" dur="1" fill="hold">
-                                          <p:stCondLst>
-                                            <p:cond delay="499"/>
-                                          </p:stCondLst>
-                                        </p:cTn>
-                                        <p:tgtEl>
-                                          <p:spTgt spid="3"/>
-                                        </p:tgtEl>
-                                        <p:attrNameLst>
-                                          <p:attrName>style.visibility</p:attrName>
-                                        </p:attrNameLst>
-                                      </p:cBhvr>
-                                      <p:to>
-                                        <p:strVal val="hidden"/>
-                                      </p:to>
-                                    </p:set>
-                                  </p:childTnLst>
-                                </p:cTn>
-                              </p:par>
-                              <p:par>
-                                <p:cTn id="15" presetID="22" presetClass="entr" presetSubtype="2" fill="hold" nodeType="withEffect">
-                                  <p:stCondLst>
-                                    <p:cond delay="0"/>
-                                  </p:stCondLst>
-                                  <p:childTnLst>
-                                    <p:set>
-                                      <p:cBhvr>
-                                        <p:cTn id="16" dur="1" fill="hold">
-                                          <p:stCondLst>
-                                            <p:cond delay="0"/>
-                                          </p:stCondLst>
-                                        </p:cTn>
-                                        <p:tgtEl>
-                                          <p:spTgt spid="8"/>
-                                        </p:tgtEl>
-                                        <p:attrNameLst>
-                                          <p:attrName>style.visibility</p:attrName>
-                                        </p:attrNameLst>
-                                      </p:cBhvr>
-                                      <p:to>
-                                        <p:strVal val="visible"/>
-                                      </p:to>
-                                    </p:set>
-                                    <p:animEffect transition="in" filter="wipe(right)">
-                                      <p:cBhvr>
-                                        <p:cTn id="17" dur="500"/>
-                                        <p:tgtEl>
-                                          <p:spTgt spid="8"/>
-                                        </p:tgtEl>
-                                      </p:cBhvr>
-                                    </p:animEffect>
-                                  </p:childTnLst>
-                                </p:cTn>
-                              </p:par>
-                            </p:childTnLst>
-                          </p:cTn>
-                        </p:par>
-                      </p:childTnLst>
-                    </p:cTn>
-                  </p:par>
-                </p:childTnLst>
-              </p:cTn>
-              <p:prevCondLst>
-                <p:cond evt="onPrev" delay="0">
-                  <p:tgtEl>
-                    <p:sldTgt/>
-                  </p:tgtEl>
-                </p:cond>
-              </p:prevCondLst>
-              <p:nextCondLst>
-                <p:cond evt="onNext" delay="0">
-                  <p:tgtEl>
-                    <p:sldTgt/>
-                  </p:tgtEl>
-                </p:cond>
-              </p:nextCondLst>
-            </p:seq>
-          </p:childTnLst>
-        </p:cTn>
-      </p:par>
-    </p:tnLst>
-  </p:timing>
-</p:sld>
-</file>
-
-<file path=ppt/slides/slide26.xml><?xml version="1.0" encoding="utf-8"?>
-<p:sld xmlns:a="http://schemas.openxmlformats.org/drawingml/2006/main" xmlns:r="http://schemas.openxmlformats.org/officeDocument/2006/relationships" xmlns:p="http://schemas.openxmlformats.org/presentationml/2006/main">
-  <p:cSld>
-    <p:spTree>
-      <p:nvGrpSpPr>
-        <p:cNvPr id="1" name=""/>
-        <p:cNvGrpSpPr/>
-        <p:nvPr/>
-      </p:nvGrpSpPr>
-      <p:grpSpPr>
-        <a:xfrm>
-          <a:off x="0" y="0"/>
-          <a:ext cx="0" cy="0"/>
-          <a:chOff x="0" y="0"/>
-          <a:chExt cx="0" cy="0"/>
-        </a:xfrm>
-      </p:grpSpPr>
-      <p:sp>
-        <p:nvSpPr>
-          <p:cNvPr id="2" name="Title 1"/>
-          <p:cNvSpPr>
-            <a:spLocks noGrp="1"/>
-          </p:cNvSpPr>
-          <p:nvPr>
-            <p:ph type="title"/>
-          </p:nvPr>
-        </p:nvSpPr>
-        <p:spPr/>
-        <p:txBody>
-          <a:bodyPr/>
-          <a:lstStyle/>
-          <a:p>
-            <a:r>
-              <a:rPr lang="en-US" dirty="0" smtClean="0">
-                <a:solidFill>
-                  <a:schemeClr val="bg1">
-                    <a:lumMod val="50000"/>
-                    <a:lumOff val="50000"/>
-                  </a:schemeClr>
-                </a:solidFill>
-              </a:rPr>
-              <a:t>Design - Communications</a:t>
-            </a:r>
-            <a:endParaRPr lang="en-US" dirty="0">
-              <a:solidFill>
-                <a:schemeClr val="bg1">
-                  <a:lumMod val="50000"/>
-                  <a:lumOff val="50000"/>
-                </a:schemeClr>
-              </a:solidFill>
-            </a:endParaRPr>
-          </a:p>
-        </p:txBody>
-      </p:sp>
-      <p:sp>
-        <p:nvSpPr>
-          <p:cNvPr id="4" name="Text Placeholder 3"/>
-          <p:cNvSpPr>
-            <a:spLocks noGrp="1"/>
-          </p:cNvSpPr>
-          <p:nvPr>
-            <p:ph type="body" sz="quarter" idx="10"/>
-          </p:nvPr>
-        </p:nvSpPr>
-        <p:spPr/>
-        <p:txBody>
-          <a:bodyPr>
-            <a:normAutofit fontScale="92500" lnSpcReduction="10000"/>
-          </a:bodyPr>
-          <a:lstStyle/>
-          <a:p>
-            <a:r>
-              <a:rPr lang="en-US" dirty="0" smtClean="0"/>
-              <a:t>Ben</a:t>
-            </a:r>
-            <a:endParaRPr lang="en-US" dirty="0"/>
-          </a:p>
-        </p:txBody>
-      </p:sp>
-      <p:pic>
-        <p:nvPicPr>
-          <p:cNvPr id="6" name="Picture 5"/>
-          <p:cNvPicPr>
-            <a:picLocks noChangeAspect="1"/>
-          </p:cNvPicPr>
-          <p:nvPr/>
-        </p:nvPicPr>
-        <p:blipFill>
-          <a:blip r:embed="rId2"/>
-          <a:stretch>
-            <a:fillRect/>
-          </a:stretch>
-        </p:blipFill>
-        <p:spPr>
-          <a:xfrm>
-            <a:off x="5080265" y="1205963"/>
-            <a:ext cx="1676400" cy="1524000"/>
-          </a:xfrm>
-          <a:prstGeom prst="rect">
-            <a:avLst/>
-          </a:prstGeom>
-        </p:spPr>
-      </p:pic>
-      <p:pic>
-        <p:nvPicPr>
-          <p:cNvPr id="7" name="Picture 6"/>
-          <p:cNvPicPr>
-            <a:picLocks noChangeAspect="1"/>
-          </p:cNvPicPr>
-          <p:nvPr/>
-        </p:nvPicPr>
-        <p:blipFill>
-          <a:blip r:embed="rId3"/>
-          <a:stretch>
-            <a:fillRect/>
-          </a:stretch>
-        </p:blipFill>
-        <p:spPr>
-          <a:xfrm>
-            <a:off x="8697369" y="3995393"/>
-            <a:ext cx="1612900" cy="2705100"/>
-          </a:xfrm>
-          <a:prstGeom prst="rect">
-            <a:avLst/>
-          </a:prstGeom>
-        </p:spPr>
-      </p:pic>
-      <p:pic>
-        <p:nvPicPr>
-          <p:cNvPr id="8" name="Picture 7"/>
-          <p:cNvPicPr>
-            <a:picLocks noChangeAspect="1"/>
-          </p:cNvPicPr>
-          <p:nvPr/>
-        </p:nvPicPr>
-        <p:blipFill>
-          <a:blip r:embed="rId4"/>
-          <a:stretch>
-            <a:fillRect/>
-          </a:stretch>
-        </p:blipFill>
-        <p:spPr>
-          <a:xfrm>
-            <a:off x="6885289" y="2528545"/>
-            <a:ext cx="2451100" cy="1473200"/>
-          </a:xfrm>
-          <a:prstGeom prst="rect">
-            <a:avLst/>
-          </a:prstGeom>
-        </p:spPr>
-      </p:pic>
-      <p:sp>
-        <p:nvSpPr>
-          <p:cNvPr id="11" name="Content Placeholder 2"/>
-          <p:cNvSpPr>
-            <a:spLocks noGrp="1"/>
-          </p:cNvSpPr>
-          <p:nvPr>
-            <p:ph idx="1"/>
-          </p:nvPr>
-        </p:nvSpPr>
-        <p:spPr>
-          <a:xfrm>
-            <a:off x="458222" y="2840147"/>
-            <a:ext cx="7626532" cy="3548128"/>
-          </a:xfrm>
-        </p:spPr>
-        <p:txBody>
-          <a:bodyPr anchor="b"/>
-          <a:lstStyle/>
-          <a:p>
-            <a:pPr marL="0" indent="0">
-              <a:buNone/>
-            </a:pPr>
-            <a:r>
-              <a:rPr lang="en-US" sz="2400" dirty="0" smtClean="0"/>
-              <a:t>Step 7: Confirmation</a:t>
-            </a:r>
-          </a:p>
-          <a:p>
-            <a:r>
-              <a:rPr lang="en-US" dirty="0" err="1" smtClean="0"/>
-              <a:t>CubeSat</a:t>
-            </a:r>
-            <a:r>
-              <a:rPr lang="en-US" dirty="0" smtClean="0"/>
-              <a:t> checks checksum</a:t>
-            </a:r>
-          </a:p>
-          <a:p>
-            <a:r>
-              <a:rPr lang="en-US" dirty="0" err="1" smtClean="0"/>
-              <a:t>CubeSat</a:t>
-            </a:r>
-            <a:r>
-              <a:rPr lang="en-US" dirty="0" smtClean="0"/>
-              <a:t> relays success/failure to ground </a:t>
-            </a:r>
-            <a:r>
-              <a:rPr lang="en-US" dirty="0" smtClean="0"/>
-              <a:t>station</a:t>
-            </a:r>
-          </a:p>
-          <a:p>
-            <a:r>
-              <a:rPr lang="en-US" dirty="0" err="1" smtClean="0"/>
-              <a:t>CubeSat</a:t>
-            </a:r>
-            <a:r>
-              <a:rPr lang="en-US" dirty="0" smtClean="0"/>
-              <a:t> appends log file</a:t>
-            </a:r>
-            <a:endParaRPr lang="en-US" dirty="0" smtClean="0"/>
-          </a:p>
-          <a:p>
-            <a:r>
-              <a:rPr lang="en-US" dirty="0" err="1" smtClean="0"/>
-              <a:t>CubeSat</a:t>
-            </a:r>
-            <a:r>
-              <a:rPr lang="en-US" dirty="0" smtClean="0"/>
-              <a:t> marks file for deletion</a:t>
-            </a:r>
-            <a:endParaRPr lang="en-US" dirty="0"/>
-          </a:p>
-          <a:p>
-            <a:endParaRPr lang="en-US" dirty="0"/>
-          </a:p>
-        </p:txBody>
-      </p:sp>
-      <p:pic>
-        <p:nvPicPr>
-          <p:cNvPr id="5" name="Picture 4"/>
-          <p:cNvPicPr>
-            <a:picLocks noChangeAspect="1"/>
-          </p:cNvPicPr>
-          <p:nvPr/>
-        </p:nvPicPr>
-        <p:blipFill>
-          <a:blip r:embed="rId5"/>
-          <a:stretch>
-            <a:fillRect/>
-          </a:stretch>
-        </p:blipFill>
-        <p:spPr>
-          <a:xfrm>
-            <a:off x="6885288" y="2528545"/>
-            <a:ext cx="2451100" cy="1473200"/>
-          </a:xfrm>
-          <a:prstGeom prst="rect">
-            <a:avLst/>
-          </a:prstGeom>
-        </p:spPr>
-      </p:pic>
-    </p:spTree>
-    <p:extLst>
-      <p:ext uri="{BB962C8B-B14F-4D97-AF65-F5344CB8AC3E}">
-        <p14:creationId xmlns:p14="http://schemas.microsoft.com/office/powerpoint/2010/main" val="159612655"/>
-      </p:ext>
-    </p:extLst>
-  </p:cSld>
-  <p:clrMapOvr>
-    <a:masterClrMapping/>
-  </p:clrMapOvr>
-  <p:timing>
-    <p:tnLst>
-      <p:par>
-        <p:cTn xmlns:p14="http://schemas.microsoft.com/office/powerpoint/2010/main" id="1" dur="indefinite" restart="never" nodeType="tmRoot">
-          <p:childTnLst>
-            <p:seq concurrent="1" nextAc="seek">
-              <p:cTn id="2" dur="indefinite" nodeType="mainSeq">
-                <p:childTnLst>
-                  <p:par>
-                    <p:cTn id="3" fill="hold">
-                      <p:stCondLst>
-                        <p:cond delay="indefinite"/>
-                        <p:cond evt="onBegin" delay="0">
-                          <p:tn val="2"/>
-                        </p:cond>
-                      </p:stCondLst>
-                      <p:childTnLst>
-                        <p:par>
-                          <p:cTn id="4" fill="hold">
-                            <p:stCondLst>
-                              <p:cond delay="0"/>
-                            </p:stCondLst>
-                            <p:childTnLst>
-                              <p:par>
-                                <p:cTn id="5" presetID="22" presetClass="exit" presetSubtype="8" fill="hold" nodeType="afterEffect">
-                                  <p:stCondLst>
-                                    <p:cond delay="500"/>
-                                  </p:stCondLst>
-                                  <p:childTnLst>
-                                    <p:animEffect transition="out" filter="wipe(left)">
-                                      <p:cBhvr>
-                                        <p:cTn id="6" dur="500"/>
-                                        <p:tgtEl>
-                                          <p:spTgt spid="8"/>
-                                        </p:tgtEl>
-                                      </p:cBhvr>
-                                    </p:animEffect>
-                                    <p:set>
-                                      <p:cBhvr>
-                                        <p:cTn id="7" dur="1" fill="hold">
-                                          <p:stCondLst>
-                                            <p:cond delay="499"/>
-                                          </p:stCondLst>
-                                        </p:cTn>
-                                        <p:tgtEl>
-                                          <p:spTgt spid="8"/>
-                                        </p:tgtEl>
-                                        <p:attrNameLst>
-                                          <p:attrName>style.visibility</p:attrName>
-                                        </p:attrNameLst>
-                                      </p:cBhvr>
-                                      <p:to>
-                                        <p:strVal val="hidden"/>
-                                      </p:to>
-                                    </p:set>
-                                  </p:childTnLst>
-                                </p:cTn>
-                              </p:par>
-                              <p:par>
-                                <p:cTn id="8" presetID="22" presetClass="entr" presetSubtype="8" fill="hold" nodeType="withEffect">
-                                  <p:stCondLst>
-                                    <p:cond delay="500"/>
-                                  </p:stCondLst>
-                                  <p:childTnLst>
-                                    <p:set>
-                                      <p:cBhvr>
-                                        <p:cTn id="9" dur="1" fill="hold">
-                                          <p:stCondLst>
-                                            <p:cond delay="0"/>
-                                          </p:stCondLst>
-                                        </p:cTn>
-                                        <p:tgtEl>
-                                          <p:spTgt spid="5"/>
-                                        </p:tgtEl>
-                                        <p:attrNameLst>
-                                          <p:attrName>style.visibility</p:attrName>
-                                        </p:attrNameLst>
-                                      </p:cBhvr>
-                                      <p:to>
-                                        <p:strVal val="visible"/>
-                                      </p:to>
-                                    </p:set>
-                                    <p:animEffect transition="in" filter="wipe(left)">
-                                      <p:cBhvr>
-                                        <p:cTn id="10" dur="500"/>
-                                        <p:tgtEl>
-                                          <p:spTgt spid="5"/>
-                                        </p:tgtEl>
-                                      </p:cBhvr>
-                                    </p:animEffect>
-                                  </p:childTnLst>
-                                </p:cTn>
-                              </p:par>
-                            </p:childTnLst>
-                          </p:cTn>
-                        </p:par>
-                        <p:par>
-                          <p:cTn id="11" fill="hold">
-                            <p:stCondLst>
-                              <p:cond delay="1000"/>
-                            </p:stCondLst>
-                            <p:childTnLst>
-                              <p:par>
-                                <p:cTn id="12" presetID="22" presetClass="exit" presetSubtype="8" fill="hold" nodeType="afterEffect">
-                                  <p:stCondLst>
-                                    <p:cond delay="0"/>
-                                  </p:stCondLst>
-                                  <p:childTnLst>
-                                    <p:animEffect transition="out" filter="wipe(left)">
-                                      <p:cBhvr>
-                                        <p:cTn id="13" dur="500"/>
-                                        <p:tgtEl>
-                                          <p:spTgt spid="5"/>
-                                        </p:tgtEl>
-                                      </p:cBhvr>
-                                    </p:animEffect>
-                                    <p:set>
-                                      <p:cBhvr>
-                                        <p:cTn id="14" dur="1" fill="hold">
-                                          <p:stCondLst>
-                                            <p:cond delay="499"/>
-                                          </p:stCondLst>
-                                        </p:cTn>
-                                        <p:tgtEl>
-                                          <p:spTgt spid="5"/>
-                                        </p:tgtEl>
-                                        <p:attrNameLst>
-                                          <p:attrName>style.visibility</p:attrName>
-                                        </p:attrNameLst>
-                                      </p:cBhvr>
-                                      <p:to>
-                                        <p:strVal val="hidden"/>
-                                      </p:to>
-                                    </p:set>
-                                  </p:childTnLst>
-                                </p:cTn>
-                              </p:par>
-                              <p:par>
-                                <p:cTn id="15" presetID="22" presetClass="entr" presetSubtype="8" fill="hold" nodeType="withEffect">
-                                  <p:stCondLst>
-                                    <p:cond delay="0"/>
-                                  </p:stCondLst>
-                                  <p:childTnLst>
-                                    <p:set>
-                                      <p:cBhvr>
-                                        <p:cTn id="16" dur="1" fill="hold">
-                                          <p:stCondLst>
-                                            <p:cond delay="0"/>
-                                          </p:stCondLst>
-                                        </p:cTn>
-                                        <p:tgtEl>
-                                          <p:spTgt spid="8"/>
-                                        </p:tgtEl>
-                                        <p:attrNameLst>
-                                          <p:attrName>style.visibility</p:attrName>
-                                        </p:attrNameLst>
-                                      </p:cBhvr>
-                                      <p:to>
-                                        <p:strVal val="visible"/>
-                                      </p:to>
-                                    </p:set>
-                                    <p:animEffect transition="in" filter="wipe(left)">
-                                      <p:cBhvr>
-                                        <p:cTn id="17" dur="500"/>
-                                        <p:tgtEl>
-                                          <p:spTgt spid="8"/>
-                                        </p:tgtEl>
-                                      </p:cBhvr>
-                                    </p:animEffect>
-                                  </p:childTnLst>
-                                </p:cTn>
-                              </p:par>
-                            </p:childTnLst>
-                          </p:cTn>
-                        </p:par>
-                      </p:childTnLst>
-                    </p:cTn>
-                  </p:par>
-                </p:childTnLst>
-              </p:cTn>
-              <p:prevCondLst>
-                <p:cond evt="onPrev" delay="0">
-                  <p:tgtEl>
-                    <p:sldTgt/>
-                  </p:tgtEl>
-                </p:cond>
-              </p:prevCondLst>
-              <p:nextCondLst>
-                <p:cond evt="onNext" delay="0">
-                  <p:tgtEl>
-                    <p:sldTgt/>
-                  </p:tgtEl>
-                </p:cond>
-              </p:nextCondLst>
-            </p:seq>
-          </p:childTnLst>
-        </p:cTn>
-      </p:par>
-    </p:tnLst>
-  </p:timing>
-</p:sld>
-</file>
-
-<file path=ppt/slides/slide27.xml><?xml version="1.0" encoding="utf-8"?>
-<p:sld xmlns:a="http://schemas.openxmlformats.org/drawingml/2006/main" xmlns:r="http://schemas.openxmlformats.org/officeDocument/2006/relationships" xmlns:p="http://schemas.openxmlformats.org/presentationml/2006/main">
-  <p:cSld>
-    <p:spTree>
-      <p:nvGrpSpPr>
-        <p:cNvPr id="1" name=""/>
-        <p:cNvGrpSpPr/>
-        <p:nvPr/>
-      </p:nvGrpSpPr>
-      <p:grpSpPr>
-        <a:xfrm>
-          <a:off x="0" y="0"/>
-          <a:ext cx="0" cy="0"/>
-          <a:chOff x="0" y="0"/>
-          <a:chExt cx="0" cy="0"/>
-        </a:xfrm>
-      </p:grpSpPr>
-      <p:sp>
-        <p:nvSpPr>
-          <p:cNvPr id="2" name="Title 1"/>
-          <p:cNvSpPr>
-            <a:spLocks noGrp="1"/>
-          </p:cNvSpPr>
-          <p:nvPr>
-            <p:ph type="title"/>
-          </p:nvPr>
-        </p:nvSpPr>
-        <p:spPr/>
-        <p:txBody>
-          <a:bodyPr/>
-          <a:lstStyle/>
-          <a:p>
-            <a:r>
-              <a:rPr lang="en-US" dirty="0" smtClean="0">
-                <a:solidFill>
-                  <a:schemeClr val="bg1">
-                    <a:lumMod val="50000"/>
-                    <a:lumOff val="50000"/>
-                  </a:schemeClr>
-                </a:solidFill>
-              </a:rPr>
-              <a:t>Design - Communications</a:t>
-            </a:r>
-            <a:endParaRPr lang="en-US" dirty="0">
-              <a:solidFill>
-                <a:schemeClr val="bg1">
-                  <a:lumMod val="50000"/>
-                  <a:lumOff val="50000"/>
-                </a:schemeClr>
-              </a:solidFill>
-            </a:endParaRPr>
-          </a:p>
-        </p:txBody>
-      </p:sp>
-      <p:sp>
-        <p:nvSpPr>
-          <p:cNvPr id="4" name="Text Placeholder 3"/>
-          <p:cNvSpPr>
-            <a:spLocks noGrp="1"/>
-          </p:cNvSpPr>
-          <p:nvPr>
-            <p:ph type="body" sz="quarter" idx="10"/>
-          </p:nvPr>
-        </p:nvSpPr>
-        <p:spPr/>
-        <p:txBody>
-          <a:bodyPr>
-            <a:normAutofit fontScale="92500" lnSpcReduction="10000"/>
-          </a:bodyPr>
-          <a:lstStyle/>
-          <a:p>
-            <a:r>
-              <a:rPr lang="en-US" dirty="0" smtClean="0"/>
-              <a:t>Ben</a:t>
-            </a:r>
-            <a:endParaRPr lang="en-US" dirty="0"/>
-          </a:p>
-        </p:txBody>
-      </p:sp>
-      <p:pic>
-        <p:nvPicPr>
-          <p:cNvPr id="6" name="Picture 5"/>
-          <p:cNvPicPr>
-            <a:picLocks noChangeAspect="1"/>
-          </p:cNvPicPr>
-          <p:nvPr/>
-        </p:nvPicPr>
-        <p:blipFill>
-          <a:blip r:embed="rId2"/>
-          <a:stretch>
-            <a:fillRect/>
-          </a:stretch>
-        </p:blipFill>
-        <p:spPr>
-          <a:xfrm>
-            <a:off x="5080265" y="1205963"/>
-            <a:ext cx="1676400" cy="1524000"/>
-          </a:xfrm>
-          <a:prstGeom prst="rect">
-            <a:avLst/>
-          </a:prstGeom>
-        </p:spPr>
-      </p:pic>
-      <p:pic>
-        <p:nvPicPr>
-          <p:cNvPr id="7" name="Picture 6"/>
-          <p:cNvPicPr>
-            <a:picLocks noChangeAspect="1"/>
-          </p:cNvPicPr>
-          <p:nvPr/>
-        </p:nvPicPr>
-        <p:blipFill>
-          <a:blip r:embed="rId3"/>
-          <a:stretch>
-            <a:fillRect/>
-          </a:stretch>
-        </p:blipFill>
-        <p:spPr>
-          <a:xfrm>
-            <a:off x="8697369" y="3995393"/>
-            <a:ext cx="1612900" cy="2705100"/>
-          </a:xfrm>
-          <a:prstGeom prst="rect">
-            <a:avLst/>
-          </a:prstGeom>
-        </p:spPr>
-      </p:pic>
-      <p:pic>
-        <p:nvPicPr>
-          <p:cNvPr id="8" name="Picture 7"/>
-          <p:cNvPicPr>
-            <a:picLocks noChangeAspect="1"/>
-          </p:cNvPicPr>
-          <p:nvPr/>
-        </p:nvPicPr>
-        <p:blipFill>
-          <a:blip r:embed="rId4"/>
-          <a:stretch>
-            <a:fillRect/>
-          </a:stretch>
-        </p:blipFill>
-        <p:spPr>
-          <a:xfrm>
-            <a:off x="6885289" y="2528545"/>
-            <a:ext cx="2451100" cy="1473200"/>
-          </a:xfrm>
-          <a:prstGeom prst="rect">
-            <a:avLst/>
-          </a:prstGeom>
-        </p:spPr>
-      </p:pic>
-      <p:sp>
-        <p:nvSpPr>
-          <p:cNvPr id="11" name="Content Placeholder 2"/>
-          <p:cNvSpPr>
-            <a:spLocks noGrp="1"/>
-          </p:cNvSpPr>
-          <p:nvPr>
-            <p:ph idx="1"/>
-          </p:nvPr>
-        </p:nvSpPr>
-        <p:spPr>
-          <a:xfrm>
-            <a:off x="458222" y="2840147"/>
-            <a:ext cx="7626532" cy="3548128"/>
-          </a:xfrm>
-        </p:spPr>
-        <p:txBody>
-          <a:bodyPr anchor="b"/>
-          <a:lstStyle/>
-          <a:p>
-            <a:pPr marL="0" indent="0">
-              <a:buNone/>
-            </a:pPr>
-            <a:r>
-              <a:rPr lang="en-US" sz="2400" dirty="0" smtClean="0"/>
-              <a:t>Diagnostics</a:t>
-            </a:r>
-            <a:endParaRPr lang="en-US" sz="2400" dirty="0" smtClean="0"/>
-          </a:p>
-          <a:p>
-            <a:r>
-              <a:rPr lang="en-US" dirty="0" smtClean="0"/>
-              <a:t>Onboard Time</a:t>
-            </a:r>
-          </a:p>
-          <a:p>
-            <a:r>
-              <a:rPr lang="en-US" dirty="0" smtClean="0"/>
-              <a:t>GPS Position, Velocity, Satellite Lock</a:t>
-            </a:r>
-          </a:p>
-          <a:p>
-            <a:r>
-              <a:rPr lang="en-US" dirty="0" smtClean="0"/>
-              <a:t>Battery Status, </a:t>
-            </a:r>
-            <a:r>
-              <a:rPr lang="en-US" dirty="0" smtClean="0"/>
-              <a:t>Panel Cell Performance</a:t>
-            </a:r>
-          </a:p>
-          <a:p>
-            <a:r>
-              <a:rPr lang="en-US" dirty="0" smtClean="0"/>
-              <a:t>Attitude Magnetic Lock</a:t>
-            </a:r>
-          </a:p>
-          <a:p>
-            <a:r>
-              <a:rPr lang="en-US" dirty="0" smtClean="0"/>
-              <a:t>Data Storage Check</a:t>
-            </a:r>
-          </a:p>
-          <a:p>
-            <a:r>
-              <a:rPr lang="en-US" dirty="0" smtClean="0"/>
-              <a:t>Detector Diagnostics</a:t>
-            </a:r>
-            <a:endParaRPr lang="en-US" dirty="0"/>
-          </a:p>
-          <a:p>
-            <a:endParaRPr lang="en-US" dirty="0"/>
-          </a:p>
-        </p:txBody>
-      </p:sp>
-      <p:pic>
-        <p:nvPicPr>
-          <p:cNvPr id="5" name="Picture 4"/>
-          <p:cNvPicPr>
-            <a:picLocks noChangeAspect="1"/>
-          </p:cNvPicPr>
-          <p:nvPr/>
-        </p:nvPicPr>
-        <p:blipFill>
-          <a:blip r:embed="rId5"/>
-          <a:stretch>
-            <a:fillRect/>
-          </a:stretch>
-        </p:blipFill>
-        <p:spPr>
-          <a:xfrm>
-            <a:off x="6885288" y="2528545"/>
-            <a:ext cx="2451100" cy="1473200"/>
-          </a:xfrm>
-          <a:prstGeom prst="rect">
-            <a:avLst/>
-          </a:prstGeom>
-        </p:spPr>
-      </p:pic>
-    </p:spTree>
-    <p:extLst>
-      <p:ext uri="{BB962C8B-B14F-4D97-AF65-F5344CB8AC3E}">
-        <p14:creationId xmlns:p14="http://schemas.microsoft.com/office/powerpoint/2010/main" val="1332039012"/>
-      </p:ext>
-    </p:extLst>
-  </p:cSld>
-  <p:clrMapOvr>
-    <a:masterClrMapping/>
-  </p:clrMapOvr>
-  <p:timing>
-    <p:tnLst>
-      <p:par>
-        <p:cTn xmlns:p14="http://schemas.microsoft.com/office/powerpoint/2010/main" id="1" dur="indefinite" restart="never" nodeType="tmRoot">
-          <p:childTnLst>
-            <p:seq concurrent="1" nextAc="seek">
-              <p:cTn id="2" dur="indefinite" nodeType="mainSeq">
-                <p:childTnLst>
-                  <p:par>
-                    <p:cTn id="3" fill="hold">
-                      <p:stCondLst>
-                        <p:cond delay="indefinite"/>
-                        <p:cond evt="onBegin" delay="0">
-                          <p:tn val="2"/>
-                        </p:cond>
-                      </p:stCondLst>
-                      <p:childTnLst>
-                        <p:par>
-                          <p:cTn id="4" fill="hold">
-                            <p:stCondLst>
-                              <p:cond delay="0"/>
-                            </p:stCondLst>
-                            <p:childTnLst>
-                              <p:par>
-                                <p:cTn id="5" presetID="22" presetClass="exit" presetSubtype="8" fill="hold" nodeType="afterEffect">
-                                  <p:stCondLst>
-                                    <p:cond delay="500"/>
-                                  </p:stCondLst>
-                                  <p:childTnLst>
-                                    <p:animEffect transition="out" filter="wipe(left)">
-                                      <p:cBhvr>
-                                        <p:cTn id="6" dur="500"/>
-                                        <p:tgtEl>
-                                          <p:spTgt spid="8"/>
-                                        </p:tgtEl>
-                                      </p:cBhvr>
-                                    </p:animEffect>
-                                    <p:set>
-                                      <p:cBhvr>
-                                        <p:cTn id="7" dur="1" fill="hold">
-                                          <p:stCondLst>
-                                            <p:cond delay="499"/>
-                                          </p:stCondLst>
-                                        </p:cTn>
-                                        <p:tgtEl>
-                                          <p:spTgt spid="8"/>
-                                        </p:tgtEl>
-                                        <p:attrNameLst>
-                                          <p:attrName>style.visibility</p:attrName>
-                                        </p:attrNameLst>
-                                      </p:cBhvr>
-                                      <p:to>
-                                        <p:strVal val="hidden"/>
-                                      </p:to>
-                                    </p:set>
-                                  </p:childTnLst>
-                                </p:cTn>
-                              </p:par>
-                              <p:par>
-                                <p:cTn id="8" presetID="22" presetClass="entr" presetSubtype="8" fill="hold" nodeType="withEffect">
-                                  <p:stCondLst>
-                                    <p:cond delay="500"/>
-                                  </p:stCondLst>
-                                  <p:childTnLst>
-                                    <p:set>
-                                      <p:cBhvr>
-                                        <p:cTn id="9" dur="1" fill="hold">
-                                          <p:stCondLst>
-                                            <p:cond delay="0"/>
-                                          </p:stCondLst>
-                                        </p:cTn>
-                                        <p:tgtEl>
-                                          <p:spTgt spid="5"/>
-                                        </p:tgtEl>
-                                        <p:attrNameLst>
-                                          <p:attrName>style.visibility</p:attrName>
-                                        </p:attrNameLst>
-                                      </p:cBhvr>
-                                      <p:to>
-                                        <p:strVal val="visible"/>
-                                      </p:to>
-                                    </p:set>
-                                    <p:animEffect transition="in" filter="wipe(left)">
-                                      <p:cBhvr>
-                                        <p:cTn id="10" dur="500"/>
-                                        <p:tgtEl>
-                                          <p:spTgt spid="5"/>
-                                        </p:tgtEl>
-                                      </p:cBhvr>
-                                    </p:animEffect>
-                                  </p:childTnLst>
-                                </p:cTn>
-                              </p:par>
-                            </p:childTnLst>
-                          </p:cTn>
-                        </p:par>
-                        <p:par>
-                          <p:cTn id="11" fill="hold">
-                            <p:stCondLst>
-                              <p:cond delay="1000"/>
-                            </p:stCondLst>
-                            <p:childTnLst>
-                              <p:par>
-                                <p:cTn id="12" presetID="22" presetClass="exit" presetSubtype="8" fill="hold" nodeType="afterEffect">
-                                  <p:stCondLst>
-                                    <p:cond delay="0"/>
-                                  </p:stCondLst>
-                                  <p:childTnLst>
-                                    <p:animEffect transition="out" filter="wipe(left)">
-                                      <p:cBhvr>
-                                        <p:cTn id="13" dur="500"/>
-                                        <p:tgtEl>
-                                          <p:spTgt spid="5"/>
-                                        </p:tgtEl>
-                                      </p:cBhvr>
-                                    </p:animEffect>
-                                    <p:set>
-                                      <p:cBhvr>
-                                        <p:cTn id="14" dur="1" fill="hold">
-                                          <p:stCondLst>
-                                            <p:cond delay="499"/>
-                                          </p:stCondLst>
-                                        </p:cTn>
-                                        <p:tgtEl>
-                                          <p:spTgt spid="5"/>
-                                        </p:tgtEl>
-                                        <p:attrNameLst>
-                                          <p:attrName>style.visibility</p:attrName>
-                                        </p:attrNameLst>
-                                      </p:cBhvr>
-                                      <p:to>
-                                        <p:strVal val="hidden"/>
-                                      </p:to>
-                                    </p:set>
-                                  </p:childTnLst>
-                                </p:cTn>
-                              </p:par>
-                              <p:par>
-                                <p:cTn id="15" presetID="22" presetClass="entr" presetSubtype="8" fill="hold" nodeType="withEffect">
-                                  <p:stCondLst>
-                                    <p:cond delay="0"/>
-                                  </p:stCondLst>
-                                  <p:childTnLst>
-                                    <p:set>
-                                      <p:cBhvr>
-                                        <p:cTn id="16" dur="1" fill="hold">
-                                          <p:stCondLst>
-                                            <p:cond delay="0"/>
-                                          </p:stCondLst>
-                                        </p:cTn>
-                                        <p:tgtEl>
-                                          <p:spTgt spid="8"/>
-                                        </p:tgtEl>
-                                        <p:attrNameLst>
-                                          <p:attrName>style.visibility</p:attrName>
-                                        </p:attrNameLst>
-                                      </p:cBhvr>
-                                      <p:to>
-                                        <p:strVal val="visible"/>
-                                      </p:to>
-                                    </p:set>
-                                    <p:animEffect transition="in" filter="wipe(left)">
-                                      <p:cBhvr>
-                                        <p:cTn id="17" dur="500"/>
-                                        <p:tgtEl>
-                                          <p:spTgt spid="8"/>
-                                        </p:tgtEl>
-                                      </p:cBhvr>
-                                    </p:animEffect>
-                                  </p:childTnLst>
-                                </p:cTn>
-                              </p:par>
-                            </p:childTnLst>
-                          </p:cTn>
-                        </p:par>
-                      </p:childTnLst>
-                    </p:cTn>
-                  </p:par>
-                </p:childTnLst>
-              </p:cTn>
-              <p:prevCondLst>
-                <p:cond evt="onPrev" delay="0">
-                  <p:tgtEl>
-                    <p:sldTgt/>
-                  </p:tgtEl>
-                </p:cond>
-              </p:prevCondLst>
-              <p:nextCondLst>
-                <p:cond evt="onNext" delay="0">
-                  <p:tgtEl>
-                    <p:sldTgt/>
-                  </p:tgtEl>
-                </p:cond>
-              </p:nextCondLst>
-            </p:seq>
-          </p:childTnLst>
-        </p:cTn>
-      </p:par>
-    </p:tnLst>
-  </p:timing>
-</p:sld>
-</file>
-
-<file path=ppt/slides/slide28.xml><?xml version="1.0" encoding="utf-8"?>
-<p:sld xmlns:a="http://schemas.openxmlformats.org/drawingml/2006/main" xmlns:r="http://schemas.openxmlformats.org/officeDocument/2006/relationships" xmlns:p="http://schemas.openxmlformats.org/presentationml/2006/main">
-  <p:cSld>
-    <p:spTree>
-      <p:nvGrpSpPr>
-        <p:cNvPr id="1" name=""/>
-        <p:cNvGrpSpPr/>
-        <p:nvPr/>
-      </p:nvGrpSpPr>
-      <p:grpSpPr>
-        <a:xfrm>
-          <a:off x="0" y="0"/>
-          <a:ext cx="0" cy="0"/>
-          <a:chOff x="0" y="0"/>
-          <a:chExt cx="0" cy="0"/>
-        </a:xfrm>
-      </p:grpSpPr>
-      <p:sp>
-        <p:nvSpPr>
-          <p:cNvPr id="2" name="Title 1"/>
-          <p:cNvSpPr>
-            <a:spLocks noGrp="1"/>
-          </p:cNvSpPr>
-          <p:nvPr>
-            <p:ph type="title"/>
-          </p:nvPr>
-        </p:nvSpPr>
-        <p:spPr/>
-        <p:txBody>
-          <a:bodyPr/>
-          <a:lstStyle/>
-          <a:p>
-            <a:r>
-              <a:rPr lang="en-US" dirty="0" smtClean="0">
-                <a:solidFill>
-                  <a:schemeClr val="bg1">
-                    <a:lumMod val="50000"/>
-                    <a:lumOff val="50000"/>
-                  </a:schemeClr>
-                </a:solidFill>
-              </a:rPr>
-              <a:t>Design - Power</a:t>
-            </a:r>
-            <a:endParaRPr lang="en-US" dirty="0">
-              <a:solidFill>
-                <a:schemeClr val="bg1">
-                  <a:lumMod val="50000"/>
-                  <a:lumOff val="50000"/>
-                </a:schemeClr>
-              </a:solidFill>
-            </a:endParaRPr>
-          </a:p>
-        </p:txBody>
-      </p:sp>
-      <p:pic>
-        <p:nvPicPr>
-          <p:cNvPr id="5" name="Content Placeholder 4"/>
-          <p:cNvPicPr>
-            <a:picLocks noGrp="1" noChangeAspect="1"/>
-          </p:cNvPicPr>
-          <p:nvPr>
-            <p:ph idx="1"/>
-          </p:nvPr>
-        </p:nvPicPr>
-        <p:blipFill>
-          <a:blip r:embed="rId2">
-            <a:extLst>
-              <a:ext uri="{28A0092B-C50C-407E-A947-70E740481C1C}">
-                <a14:useLocalDpi xmlns:a14="http://schemas.microsoft.com/office/drawing/2010/main" val="0"/>
-              </a:ext>
-            </a:extLst>
-          </a:blip>
-          <a:stretch>
-            <a:fillRect/>
-          </a:stretch>
-        </p:blipFill>
-        <p:spPr>
-          <a:xfrm>
-            <a:off x="1371030" y="1227138"/>
-            <a:ext cx="8889553" cy="5160962"/>
-          </a:xfrm>
-        </p:spPr>
-      </p:pic>
-      <p:sp>
-        <p:nvSpPr>
-          <p:cNvPr id="4" name="Text Placeholder 3"/>
-          <p:cNvSpPr>
-            <a:spLocks noGrp="1"/>
-          </p:cNvSpPr>
-          <p:nvPr>
-            <p:ph type="body" sz="quarter" idx="10"/>
-          </p:nvPr>
-        </p:nvSpPr>
-        <p:spPr/>
-        <p:txBody>
-          <a:bodyPr>
-            <a:normAutofit fontScale="92500" lnSpcReduction="10000"/>
-          </a:bodyPr>
-          <a:lstStyle/>
-          <a:p>
-            <a:r>
-              <a:rPr lang="en-US" dirty="0" smtClean="0"/>
-              <a:t> </a:t>
-            </a:r>
-            <a:endParaRPr lang="en-US" dirty="0"/>
-          </a:p>
-        </p:txBody>
-      </p:sp>
-    </p:spTree>
-    <p:extLst>
-      <p:ext uri="{BB962C8B-B14F-4D97-AF65-F5344CB8AC3E}">
-        <p14:creationId xmlns:p14="http://schemas.microsoft.com/office/powerpoint/2010/main" val="1036177282"/>
-      </p:ext>
-    </p:extLst>
-  </p:cSld>
-  <p:clrMapOvr>
-    <a:masterClrMapping/>
-  </p:clrMapOvr>
-</p:sld>
-</file>
-
-<file path=ppt/slides/slide29.xml><?xml version="1.0" encoding="utf-8"?>
-<p:sld xmlns:a="http://schemas.openxmlformats.org/drawingml/2006/main" xmlns:r="http://schemas.openxmlformats.org/officeDocument/2006/relationships" xmlns:p="http://schemas.openxmlformats.org/presentationml/2006/main">
-  <p:cSld>
-    <p:spTree>
-      <p:nvGrpSpPr>
-        <p:cNvPr id="1" name=""/>
-        <p:cNvGrpSpPr/>
-        <p:nvPr/>
-      </p:nvGrpSpPr>
-      <p:grpSpPr>
-        <a:xfrm>
-          <a:off x="0" y="0"/>
-          <a:ext cx="0" cy="0"/>
-          <a:chOff x="0" y="0"/>
-          <a:chExt cx="0" cy="0"/>
-        </a:xfrm>
-      </p:grpSpPr>
-      <p:sp>
-        <p:nvSpPr>
-          <p:cNvPr id="2" name="Title 1"/>
-          <p:cNvSpPr>
-            <a:spLocks noGrp="1"/>
-          </p:cNvSpPr>
-          <p:nvPr>
-            <p:ph type="title"/>
-          </p:nvPr>
-        </p:nvSpPr>
-        <p:spPr/>
-        <p:txBody>
-          <a:bodyPr/>
-          <a:lstStyle/>
-          <a:p>
-            <a:r>
-              <a:rPr lang="en-US" dirty="0" smtClean="0">
-                <a:solidFill>
-                  <a:schemeClr val="bg1">
-                    <a:lumMod val="50000"/>
-                    <a:lumOff val="50000"/>
-                  </a:schemeClr>
-                </a:solidFill>
-              </a:rPr>
-              <a:t>Design – Power Budget</a:t>
-            </a:r>
-            <a:endParaRPr lang="en-US" dirty="0">
-              <a:solidFill>
-                <a:schemeClr val="bg1">
-                  <a:lumMod val="50000"/>
-                  <a:lumOff val="50000"/>
-                </a:schemeClr>
-              </a:solidFill>
-            </a:endParaRPr>
-          </a:p>
-        </p:txBody>
-      </p:sp>
-      <p:sp>
-        <p:nvSpPr>
-          <p:cNvPr id="3" name="Content Placeholder 2"/>
-          <p:cNvSpPr>
-            <a:spLocks noGrp="1"/>
-          </p:cNvSpPr>
-          <p:nvPr>
-            <p:ph idx="1"/>
-          </p:nvPr>
-        </p:nvSpPr>
-        <p:spPr/>
-        <p:txBody>
-          <a:bodyPr/>
-          <a:lstStyle/>
-          <a:p>
-            <a:r>
-              <a:rPr lang="en-US" dirty="0" smtClean="0"/>
-              <a:t>TO BE COMPLETED</a:t>
-            </a:r>
-            <a:endParaRPr lang="en-US" dirty="0"/>
-          </a:p>
-        </p:txBody>
-      </p:sp>
-      <p:sp>
-        <p:nvSpPr>
-          <p:cNvPr id="4" name="Text Placeholder 3"/>
-          <p:cNvSpPr>
-            <a:spLocks noGrp="1"/>
-          </p:cNvSpPr>
-          <p:nvPr>
-            <p:ph type="body" sz="quarter" idx="10"/>
-          </p:nvPr>
-        </p:nvSpPr>
-        <p:spPr/>
-        <p:txBody>
-          <a:bodyPr>
-            <a:normAutofit fontScale="92500" lnSpcReduction="10000"/>
-          </a:bodyPr>
-          <a:lstStyle/>
-          <a:p>
-            <a:endParaRPr lang="en-US"/>
-          </a:p>
-        </p:txBody>
-      </p:sp>
-    </p:spTree>
-    <p:extLst>
-      <p:ext uri="{BB962C8B-B14F-4D97-AF65-F5344CB8AC3E}">
-        <p14:creationId xmlns:p14="http://schemas.microsoft.com/office/powerpoint/2010/main" val="1043457955"/>
-      </p:ext>
-    </p:extLst>
-  </p:cSld>
-  <p:clrMapOvr>
-    <a:masterClrMapping/>
-  </p:clrMapOvr>
 </p:sld>
 </file>
 
@@ -15316,6 +14124,13 @@
   <p:clrMapOvr>
     <a:masterClrMapping/>
   </p:clrMapOvr>
+  <p:timing>
+    <p:tnLst>
+      <p:par>
+        <p:cTn id="1" dur="indefinite" restart="never" nodeType="tmRoot"/>
+      </p:par>
+    </p:tnLst>
+  </p:timing>
 </p:sld>
 </file>
 
@@ -15360,7 +14175,7 @@
                   </a:schemeClr>
                 </a:solidFill>
               </a:rPr>
-              <a:t>Budget</a:t>
+              <a:t>Design - Communications</a:t>
             </a:r>
             <a:endParaRPr lang="en-US" dirty="0">
               <a:solidFill>
@@ -15375,68 +14190,6 @@
       </p:sp>
       <p:sp>
         <p:nvSpPr>
-          <p:cNvPr id="3" name="Content Placeholder 2"/>
-          <p:cNvSpPr>
-            <a:spLocks noGrp="1"/>
-          </p:cNvSpPr>
-          <p:nvPr>
-            <p:ph idx="1"/>
-          </p:nvPr>
-        </p:nvSpPr>
-        <p:spPr/>
-        <p:txBody>
-          <a:bodyPr/>
-          <a:lstStyle/>
-          <a:p>
-            <a:r>
-              <a:rPr lang="en-US" dirty="0" smtClean="0"/>
-              <a:t>Attitude Control</a:t>
-            </a:r>
-          </a:p>
-          <a:p>
-            <a:r>
-              <a:rPr lang="en-US" dirty="0" smtClean="0"/>
-              <a:t>Attitude Determination</a:t>
-            </a:r>
-          </a:p>
-          <a:p>
-            <a:r>
-              <a:rPr lang="en-US" dirty="0" smtClean="0"/>
-              <a:t>Navigation</a:t>
-            </a:r>
-          </a:p>
-          <a:p>
-            <a:r>
-              <a:rPr lang="en-US" dirty="0" smtClean="0"/>
-              <a:t>Communication</a:t>
-            </a:r>
-          </a:p>
-          <a:p>
-            <a:r>
-              <a:rPr lang="en-US" dirty="0" smtClean="0"/>
-              <a:t>Power</a:t>
-            </a:r>
-          </a:p>
-          <a:p>
-            <a:r>
-              <a:rPr lang="en-US" dirty="0" smtClean="0"/>
-              <a:t>Manpower</a:t>
-            </a:r>
-          </a:p>
-          <a:p>
-            <a:pPr lvl="1"/>
-            <a:r>
-              <a:rPr lang="en-US" dirty="0" smtClean="0"/>
-              <a:t>FREE!</a:t>
-            </a:r>
-          </a:p>
-          <a:p>
-            <a:endParaRPr lang="en-US" dirty="0"/>
-          </a:p>
-        </p:txBody>
-      </p:sp>
-      <p:sp>
-        <p:nvSpPr>
           <p:cNvPr id="4" name="Text Placeholder 3"/>
           <p:cNvSpPr>
             <a:spLocks noGrp="1"/>
@@ -15452,20 +14205,379 @@
           </a:bodyPr>
           <a:lstStyle/>
           <a:p>
-            <a:endParaRPr lang="en-US"/>
-          </a:p>
-        </p:txBody>
-      </p:sp>
+            <a:r>
+              <a:rPr lang="en-US" dirty="0" smtClean="0"/>
+              <a:t>Ben</a:t>
+            </a:r>
+            <a:endParaRPr lang="en-US" dirty="0"/>
+          </a:p>
+        </p:txBody>
+      </p:sp>
+      <p:pic>
+        <p:nvPicPr>
+          <p:cNvPr id="6" name="Picture 5"/>
+          <p:cNvPicPr>
+            <a:picLocks noChangeAspect="1"/>
+          </p:cNvPicPr>
+          <p:nvPr/>
+        </p:nvPicPr>
+        <p:blipFill>
+          <a:blip r:embed="rId2"/>
+          <a:stretch>
+            <a:fillRect/>
+          </a:stretch>
+        </p:blipFill>
+        <p:spPr>
+          <a:xfrm>
+            <a:off x="5080265" y="1205963"/>
+            <a:ext cx="1676400" cy="1524000"/>
+          </a:xfrm>
+          <a:prstGeom prst="rect">
+            <a:avLst/>
+          </a:prstGeom>
+        </p:spPr>
+      </p:pic>
+      <p:pic>
+        <p:nvPicPr>
+          <p:cNvPr id="7" name="Picture 6"/>
+          <p:cNvPicPr>
+            <a:picLocks noChangeAspect="1"/>
+          </p:cNvPicPr>
+          <p:nvPr/>
+        </p:nvPicPr>
+        <p:blipFill>
+          <a:blip r:embed="rId3"/>
+          <a:stretch>
+            <a:fillRect/>
+          </a:stretch>
+        </p:blipFill>
+        <p:spPr>
+          <a:xfrm>
+            <a:off x="8697369" y="3995393"/>
+            <a:ext cx="1612900" cy="2705100"/>
+          </a:xfrm>
+          <a:prstGeom prst="rect">
+            <a:avLst/>
+          </a:prstGeom>
+        </p:spPr>
+      </p:pic>
+      <p:pic>
+        <p:nvPicPr>
+          <p:cNvPr id="8" name="Picture 7"/>
+          <p:cNvPicPr>
+            <a:picLocks noChangeAspect="1"/>
+          </p:cNvPicPr>
+          <p:nvPr/>
+        </p:nvPicPr>
+        <p:blipFill>
+          <a:blip r:embed="rId4"/>
+          <a:stretch>
+            <a:fillRect/>
+          </a:stretch>
+        </p:blipFill>
+        <p:spPr>
+          <a:xfrm>
+            <a:off x="6885289" y="2528545"/>
+            <a:ext cx="2451100" cy="1473200"/>
+          </a:xfrm>
+          <a:prstGeom prst="rect">
+            <a:avLst/>
+          </a:prstGeom>
+        </p:spPr>
+      </p:pic>
+      <p:sp>
+        <p:nvSpPr>
+          <p:cNvPr id="11" name="Content Placeholder 2"/>
+          <p:cNvSpPr>
+            <a:spLocks noGrp="1"/>
+          </p:cNvSpPr>
+          <p:nvPr>
+            <p:ph idx="1"/>
+          </p:nvPr>
+        </p:nvSpPr>
+        <p:spPr>
+          <a:xfrm>
+            <a:off x="458222" y="2840147"/>
+            <a:ext cx="7626532" cy="3548128"/>
+          </a:xfrm>
+        </p:spPr>
+        <p:txBody>
+          <a:bodyPr anchor="b"/>
+          <a:lstStyle/>
+          <a:p>
+            <a:pPr marL="0" indent="0">
+              <a:buNone/>
+            </a:pPr>
+            <a:r>
+              <a:rPr lang="en-US" sz="2400" dirty="0" smtClean="0"/>
+              <a:t>Step 5: Transmit Data</a:t>
+            </a:r>
+          </a:p>
+          <a:p>
+            <a:r>
+              <a:rPr lang="en-US" dirty="0" err="1" smtClean="0"/>
+              <a:t>CubeSat</a:t>
+            </a:r>
+            <a:r>
+              <a:rPr lang="en-US" dirty="0" smtClean="0"/>
+              <a:t> transmits one 128 </a:t>
+            </a:r>
+            <a:r>
+              <a:rPr lang="en-US" dirty="0" err="1" smtClean="0"/>
+              <a:t>kB</a:t>
+            </a:r>
+            <a:r>
+              <a:rPr lang="en-US" dirty="0" smtClean="0"/>
+              <a:t> packet</a:t>
+            </a:r>
+          </a:p>
+          <a:p>
+            <a:pPr lvl="1"/>
+            <a:r>
+              <a:rPr lang="en-US" dirty="0" smtClean="0"/>
+              <a:t>3 time steps</a:t>
+            </a:r>
+            <a:endParaRPr lang="en-US" dirty="0"/>
+          </a:p>
+          <a:p>
+            <a:endParaRPr lang="en-US" dirty="0"/>
+          </a:p>
+        </p:txBody>
+      </p:sp>
+      <p:pic>
+        <p:nvPicPr>
+          <p:cNvPr id="5" name="Picture 4"/>
+          <p:cNvPicPr>
+            <a:picLocks noChangeAspect="1"/>
+          </p:cNvPicPr>
+          <p:nvPr/>
+        </p:nvPicPr>
+        <p:blipFill>
+          <a:blip r:embed="rId5"/>
+          <a:stretch>
+            <a:fillRect/>
+          </a:stretch>
+        </p:blipFill>
+        <p:spPr>
+          <a:xfrm>
+            <a:off x="6885288" y="2528545"/>
+            <a:ext cx="2451100" cy="1473200"/>
+          </a:xfrm>
+          <a:prstGeom prst="rect">
+            <a:avLst/>
+          </a:prstGeom>
+        </p:spPr>
+      </p:pic>
     </p:spTree>
     <p:extLst>
       <p:ext uri="{BB962C8B-B14F-4D97-AF65-F5344CB8AC3E}">
-        <p14:creationId xmlns:p14="http://schemas.microsoft.com/office/powerpoint/2010/main" val="3051738324"/>
+        <p14:creationId xmlns:p14="http://schemas.microsoft.com/office/powerpoint/2010/main" val="1919171598"/>
       </p:ext>
     </p:extLst>
   </p:cSld>
   <p:clrMapOvr>
     <a:masterClrMapping/>
   </p:clrMapOvr>
+  <p:timing>
+    <p:tnLst>
+      <p:par>
+        <p:cTn id="1" dur="indefinite" restart="never" nodeType="tmRoot">
+          <p:childTnLst>
+            <p:seq concurrent="1" nextAc="seek">
+              <p:cTn id="2" dur="indefinite" nodeType="mainSeq">
+                <p:childTnLst>
+                  <p:par>
+                    <p:cTn id="3" fill="hold">
+                      <p:stCondLst>
+                        <p:cond delay="indefinite"/>
+                        <p:cond evt="onBegin" delay="0">
+                          <p:tn val="2"/>
+                        </p:cond>
+                      </p:stCondLst>
+                      <p:childTnLst>
+                        <p:par>
+                          <p:cTn id="4" fill="hold">
+                            <p:stCondLst>
+                              <p:cond delay="0"/>
+                            </p:stCondLst>
+                            <p:childTnLst>
+                              <p:par>
+                                <p:cTn id="5" presetID="22" presetClass="exit" presetSubtype="8" fill="hold" nodeType="afterEffect">
+                                  <p:stCondLst>
+                                    <p:cond delay="500"/>
+                                  </p:stCondLst>
+                                  <p:childTnLst>
+                                    <p:animEffect transition="out" filter="wipe(left)">
+                                      <p:cBhvr>
+                                        <p:cTn id="6" dur="500"/>
+                                        <p:tgtEl>
+                                          <p:spTgt spid="8"/>
+                                        </p:tgtEl>
+                                      </p:cBhvr>
+                                    </p:animEffect>
+                                    <p:set>
+                                      <p:cBhvr>
+                                        <p:cTn id="7" dur="1" fill="hold">
+                                          <p:stCondLst>
+                                            <p:cond delay="499"/>
+                                          </p:stCondLst>
+                                        </p:cTn>
+                                        <p:tgtEl>
+                                          <p:spTgt spid="8"/>
+                                        </p:tgtEl>
+                                        <p:attrNameLst>
+                                          <p:attrName>style.visibility</p:attrName>
+                                        </p:attrNameLst>
+                                      </p:cBhvr>
+                                      <p:to>
+                                        <p:strVal val="hidden"/>
+                                      </p:to>
+                                    </p:set>
+                                  </p:childTnLst>
+                                </p:cTn>
+                              </p:par>
+                              <p:par>
+                                <p:cTn id="8" presetID="22" presetClass="entr" presetSubtype="8" fill="hold" nodeType="withEffect">
+                                  <p:stCondLst>
+                                    <p:cond delay="500"/>
+                                  </p:stCondLst>
+                                  <p:childTnLst>
+                                    <p:set>
+                                      <p:cBhvr>
+                                        <p:cTn id="9" dur="1" fill="hold">
+                                          <p:stCondLst>
+                                            <p:cond delay="0"/>
+                                          </p:stCondLst>
+                                        </p:cTn>
+                                        <p:tgtEl>
+                                          <p:spTgt spid="5"/>
+                                        </p:tgtEl>
+                                        <p:attrNameLst>
+                                          <p:attrName>style.visibility</p:attrName>
+                                        </p:attrNameLst>
+                                      </p:cBhvr>
+                                      <p:to>
+                                        <p:strVal val="visible"/>
+                                      </p:to>
+                                    </p:set>
+                                    <p:animEffect transition="in" filter="wipe(left)">
+                                      <p:cBhvr>
+                                        <p:cTn id="10" dur="500"/>
+                                        <p:tgtEl>
+                                          <p:spTgt spid="5"/>
+                                        </p:tgtEl>
+                                      </p:cBhvr>
+                                    </p:animEffect>
+                                  </p:childTnLst>
+                                </p:cTn>
+                              </p:par>
+                            </p:childTnLst>
+                          </p:cTn>
+                        </p:par>
+                        <p:par>
+                          <p:cTn id="11" fill="hold">
+                            <p:stCondLst>
+                              <p:cond delay="1000"/>
+                            </p:stCondLst>
+                            <p:childTnLst>
+                              <p:par>
+                                <p:cTn id="12" presetID="22" presetClass="exit" presetSubtype="8" fill="hold" nodeType="afterEffect">
+                                  <p:stCondLst>
+                                    <p:cond delay="1000"/>
+                                  </p:stCondLst>
+                                  <p:childTnLst>
+                                    <p:animEffect transition="out" filter="wipe(left)">
+                                      <p:cBhvr>
+                                        <p:cTn id="13" dur="500"/>
+                                        <p:tgtEl>
+                                          <p:spTgt spid="5"/>
+                                        </p:tgtEl>
+                                      </p:cBhvr>
+                                    </p:animEffect>
+                                    <p:set>
+                                      <p:cBhvr>
+                                        <p:cTn id="14" dur="1" fill="hold">
+                                          <p:stCondLst>
+                                            <p:cond delay="499"/>
+                                          </p:stCondLst>
+                                        </p:cTn>
+                                        <p:tgtEl>
+                                          <p:spTgt spid="5"/>
+                                        </p:tgtEl>
+                                        <p:attrNameLst>
+                                          <p:attrName>style.visibility</p:attrName>
+                                        </p:attrNameLst>
+                                      </p:cBhvr>
+                                      <p:to>
+                                        <p:strVal val="hidden"/>
+                                      </p:to>
+                                    </p:set>
+                                  </p:childTnLst>
+                                </p:cTn>
+                              </p:par>
+                              <p:par>
+                                <p:cTn id="15" presetID="22" presetClass="entr" presetSubtype="8" fill="hold" nodeType="withEffect">
+                                  <p:stCondLst>
+                                    <p:cond delay="1000"/>
+                                  </p:stCondLst>
+                                  <p:childTnLst>
+                                    <p:set>
+                                      <p:cBhvr>
+                                        <p:cTn id="16" dur="1" fill="hold">
+                                          <p:stCondLst>
+                                            <p:cond delay="0"/>
+                                          </p:stCondLst>
+                                        </p:cTn>
+                                        <p:tgtEl>
+                                          <p:spTgt spid="8"/>
+                                        </p:tgtEl>
+                                        <p:attrNameLst>
+                                          <p:attrName>style.visibility</p:attrName>
+                                        </p:attrNameLst>
+                                      </p:cBhvr>
+                                      <p:to>
+                                        <p:strVal val="visible"/>
+                                      </p:to>
+                                    </p:set>
+                                    <p:animEffect transition="in" filter="wipe(left)">
+                                      <p:cBhvr>
+                                        <p:cTn id="17" dur="500"/>
+                                        <p:tgtEl>
+                                          <p:spTgt spid="8"/>
+                                        </p:tgtEl>
+                                      </p:cBhvr>
+                                    </p:animEffect>
+                                  </p:childTnLst>
+                                </p:cTn>
+                              </p:par>
+                            </p:childTnLst>
+                          </p:cTn>
+                        </p:par>
+                      </p:childTnLst>
+                    </p:cTn>
+                  </p:par>
+                </p:childTnLst>
+              </p:cTn>
+              <p:prevCondLst>
+                <p:cond evt="onPrev" delay="0">
+                  <p:tgtEl>
+                    <p:sldTgt/>
+                  </p:tgtEl>
+                </p:cond>
+              </p:prevCondLst>
+              <p:nextCondLst>
+                <p:cond evt="onNext" delay="0">
+                  <p:tgtEl>
+                    <p:sldTgt/>
+                  </p:tgtEl>
+                </p:cond>
+              </p:nextCondLst>
+            </p:seq>
+          </p:childTnLst>
+        </p:cTn>
+      </p:par>
+    </p:tnLst>
+  </p:timing>
 </p:sld>
 </file>
 
@@ -15510,7 +14622,7 @@
                   </a:schemeClr>
                 </a:solidFill>
               </a:rPr>
-              <a:t>FMEA</a:t>
+              <a:t>Design - Communications</a:t>
             </a:r>
             <a:endParaRPr lang="en-US" dirty="0">
               <a:solidFill>
@@ -15525,31 +14637,6 @@
       </p:sp>
       <p:sp>
         <p:nvSpPr>
-          <p:cNvPr id="3" name="Content Placeholder 2"/>
-          <p:cNvSpPr>
-            <a:spLocks noGrp="1"/>
-          </p:cNvSpPr>
-          <p:nvPr>
-            <p:ph idx="1"/>
-          </p:nvPr>
-        </p:nvSpPr>
-        <p:spPr/>
-        <p:txBody>
-          <a:bodyPr/>
-          <a:lstStyle/>
-          <a:p>
-            <a:r>
-              <a:rPr lang="en-US" dirty="0"/>
-              <a:t>TO BE COMPLETED</a:t>
-            </a:r>
-          </a:p>
-          <a:p>
-            <a:endParaRPr lang="en-US" dirty="0"/>
-          </a:p>
-        </p:txBody>
-      </p:sp>
-      <p:sp>
-        <p:nvSpPr>
           <p:cNvPr id="4" name="Text Placeholder 3"/>
           <p:cNvSpPr>
             <a:spLocks noGrp="1"/>
@@ -15567,22 +14654,364 @@
           <a:p>
             <a:r>
               <a:rPr lang="en-US" dirty="0" smtClean="0"/>
-              <a:t>Charlie</a:t>
+              <a:t>Ben</a:t>
             </a:r>
             <a:endParaRPr lang="en-US" dirty="0"/>
           </a:p>
         </p:txBody>
       </p:sp>
+      <p:pic>
+        <p:nvPicPr>
+          <p:cNvPr id="6" name="Picture 5"/>
+          <p:cNvPicPr>
+            <a:picLocks noChangeAspect="1"/>
+          </p:cNvPicPr>
+          <p:nvPr/>
+        </p:nvPicPr>
+        <p:blipFill>
+          <a:blip r:embed="rId2"/>
+          <a:stretch>
+            <a:fillRect/>
+          </a:stretch>
+        </p:blipFill>
+        <p:spPr>
+          <a:xfrm>
+            <a:off x="5080265" y="1205963"/>
+            <a:ext cx="1676400" cy="1524000"/>
+          </a:xfrm>
+          <a:prstGeom prst="rect">
+            <a:avLst/>
+          </a:prstGeom>
+        </p:spPr>
+      </p:pic>
+      <p:pic>
+        <p:nvPicPr>
+          <p:cNvPr id="7" name="Picture 6"/>
+          <p:cNvPicPr>
+            <a:picLocks noChangeAspect="1"/>
+          </p:cNvPicPr>
+          <p:nvPr/>
+        </p:nvPicPr>
+        <p:blipFill>
+          <a:blip r:embed="rId3"/>
+          <a:stretch>
+            <a:fillRect/>
+          </a:stretch>
+        </p:blipFill>
+        <p:spPr>
+          <a:xfrm>
+            <a:off x="8697369" y="3995393"/>
+            <a:ext cx="1612900" cy="2705100"/>
+          </a:xfrm>
+          <a:prstGeom prst="rect">
+            <a:avLst/>
+          </a:prstGeom>
+        </p:spPr>
+      </p:pic>
+      <p:pic>
+        <p:nvPicPr>
+          <p:cNvPr id="8" name="Picture 7"/>
+          <p:cNvPicPr>
+            <a:picLocks noChangeAspect="1"/>
+          </p:cNvPicPr>
+          <p:nvPr/>
+        </p:nvPicPr>
+        <p:blipFill>
+          <a:blip r:embed="rId4"/>
+          <a:stretch>
+            <a:fillRect/>
+          </a:stretch>
+        </p:blipFill>
+        <p:spPr>
+          <a:xfrm>
+            <a:off x="6885289" y="2528545"/>
+            <a:ext cx="2451100" cy="1473200"/>
+          </a:xfrm>
+          <a:prstGeom prst="rect">
+            <a:avLst/>
+          </a:prstGeom>
+        </p:spPr>
+      </p:pic>
+      <p:sp>
+        <p:nvSpPr>
+          <p:cNvPr id="11" name="Content Placeholder 2"/>
+          <p:cNvSpPr>
+            <a:spLocks noGrp="1"/>
+          </p:cNvSpPr>
+          <p:nvPr>
+            <p:ph idx="1"/>
+          </p:nvPr>
+        </p:nvSpPr>
+        <p:spPr>
+          <a:xfrm>
+            <a:off x="458222" y="2840147"/>
+            <a:ext cx="7626532" cy="3548128"/>
+          </a:xfrm>
+        </p:spPr>
+        <p:txBody>
+          <a:bodyPr anchor="b"/>
+          <a:lstStyle/>
+          <a:p>
+            <a:pPr marL="0" indent="0">
+              <a:buNone/>
+            </a:pPr>
+            <a:r>
+              <a:rPr lang="en-US" sz="2400" dirty="0" smtClean="0"/>
+              <a:t>Step 6: Error Checking</a:t>
+            </a:r>
+          </a:p>
+          <a:p>
+            <a:r>
+              <a:rPr lang="en-US" dirty="0" smtClean="0"/>
+              <a:t>Ground Station computes checksum</a:t>
+            </a:r>
+          </a:p>
+          <a:p>
+            <a:r>
+              <a:rPr lang="en-US" dirty="0" smtClean="0"/>
+              <a:t>Ground Station transmits checksum</a:t>
+            </a:r>
+            <a:endParaRPr lang="en-US" dirty="0"/>
+          </a:p>
+          <a:p>
+            <a:endParaRPr lang="en-US" dirty="0"/>
+          </a:p>
+        </p:txBody>
+      </p:sp>
+      <p:pic>
+        <p:nvPicPr>
+          <p:cNvPr id="3" name="Picture 2"/>
+          <p:cNvPicPr>
+            <a:picLocks noChangeAspect="1"/>
+          </p:cNvPicPr>
+          <p:nvPr/>
+        </p:nvPicPr>
+        <p:blipFill>
+          <a:blip r:embed="rId5"/>
+          <a:stretch>
+            <a:fillRect/>
+          </a:stretch>
+        </p:blipFill>
+        <p:spPr>
+          <a:xfrm>
+            <a:off x="6885289" y="2528545"/>
+            <a:ext cx="2451100" cy="1473200"/>
+          </a:xfrm>
+          <a:prstGeom prst="rect">
+            <a:avLst/>
+          </a:prstGeom>
+        </p:spPr>
+      </p:pic>
     </p:spTree>
     <p:extLst>
       <p:ext uri="{BB962C8B-B14F-4D97-AF65-F5344CB8AC3E}">
-        <p14:creationId xmlns:p14="http://schemas.microsoft.com/office/powerpoint/2010/main" val="2929915190"/>
+        <p14:creationId xmlns:p14="http://schemas.microsoft.com/office/powerpoint/2010/main" val="2183738234"/>
       </p:ext>
     </p:extLst>
   </p:cSld>
   <p:clrMapOvr>
     <a:masterClrMapping/>
   </p:clrMapOvr>
+  <p:timing>
+    <p:tnLst>
+      <p:par>
+        <p:cTn id="1" dur="indefinite" restart="never" nodeType="tmRoot">
+          <p:childTnLst>
+            <p:seq concurrent="1" nextAc="seek">
+              <p:cTn id="2" dur="indefinite" nodeType="mainSeq">
+                <p:childTnLst>
+                  <p:par>
+                    <p:cTn id="3" fill="hold">
+                      <p:stCondLst>
+                        <p:cond delay="indefinite"/>
+                        <p:cond evt="onBegin" delay="0">
+                          <p:tn val="2"/>
+                        </p:cond>
+                      </p:stCondLst>
+                      <p:childTnLst>
+                        <p:par>
+                          <p:cTn id="4" fill="hold">
+                            <p:stCondLst>
+                              <p:cond delay="0"/>
+                            </p:stCondLst>
+                            <p:childTnLst>
+                              <p:par>
+                                <p:cTn id="5" presetID="22" presetClass="exit" presetSubtype="2" fill="hold" nodeType="afterEffect">
+                                  <p:stCondLst>
+                                    <p:cond delay="500"/>
+                                  </p:stCondLst>
+                                  <p:childTnLst>
+                                    <p:animEffect transition="out" filter="wipe(right)">
+                                      <p:cBhvr>
+                                        <p:cTn id="6" dur="500"/>
+                                        <p:tgtEl>
+                                          <p:spTgt spid="8"/>
+                                        </p:tgtEl>
+                                      </p:cBhvr>
+                                    </p:animEffect>
+                                    <p:set>
+                                      <p:cBhvr>
+                                        <p:cTn id="7" dur="1" fill="hold">
+                                          <p:stCondLst>
+                                            <p:cond delay="499"/>
+                                          </p:stCondLst>
+                                        </p:cTn>
+                                        <p:tgtEl>
+                                          <p:spTgt spid="8"/>
+                                        </p:tgtEl>
+                                        <p:attrNameLst>
+                                          <p:attrName>style.visibility</p:attrName>
+                                        </p:attrNameLst>
+                                      </p:cBhvr>
+                                      <p:to>
+                                        <p:strVal val="hidden"/>
+                                      </p:to>
+                                    </p:set>
+                                  </p:childTnLst>
+                                </p:cTn>
+                              </p:par>
+                              <p:par>
+                                <p:cTn id="8" presetID="22" presetClass="entr" presetSubtype="2" fill="hold" nodeType="withEffect">
+                                  <p:stCondLst>
+                                    <p:cond delay="500"/>
+                                  </p:stCondLst>
+                                  <p:childTnLst>
+                                    <p:set>
+                                      <p:cBhvr>
+                                        <p:cTn id="9" dur="1" fill="hold">
+                                          <p:stCondLst>
+                                            <p:cond delay="0"/>
+                                          </p:stCondLst>
+                                        </p:cTn>
+                                        <p:tgtEl>
+                                          <p:spTgt spid="3"/>
+                                        </p:tgtEl>
+                                        <p:attrNameLst>
+                                          <p:attrName>style.visibility</p:attrName>
+                                        </p:attrNameLst>
+                                      </p:cBhvr>
+                                      <p:to>
+                                        <p:strVal val="visible"/>
+                                      </p:to>
+                                    </p:set>
+                                    <p:animEffect transition="in" filter="wipe(right)">
+                                      <p:cBhvr>
+                                        <p:cTn id="10" dur="500"/>
+                                        <p:tgtEl>
+                                          <p:spTgt spid="3"/>
+                                        </p:tgtEl>
+                                      </p:cBhvr>
+                                    </p:animEffect>
+                                  </p:childTnLst>
+                                </p:cTn>
+                              </p:par>
+                            </p:childTnLst>
+                          </p:cTn>
+                        </p:par>
+                        <p:par>
+                          <p:cTn id="11" fill="hold">
+                            <p:stCondLst>
+                              <p:cond delay="1000"/>
+                            </p:stCondLst>
+                            <p:childTnLst>
+                              <p:par>
+                                <p:cTn id="12" presetID="22" presetClass="exit" presetSubtype="2" fill="hold" nodeType="afterEffect">
+                                  <p:stCondLst>
+                                    <p:cond delay="0"/>
+                                  </p:stCondLst>
+                                  <p:childTnLst>
+                                    <p:animEffect transition="out" filter="wipe(right)">
+                                      <p:cBhvr>
+                                        <p:cTn id="13" dur="500"/>
+                                        <p:tgtEl>
+                                          <p:spTgt spid="3"/>
+                                        </p:tgtEl>
+                                      </p:cBhvr>
+                                    </p:animEffect>
+                                    <p:set>
+                                      <p:cBhvr>
+                                        <p:cTn id="14" dur="1" fill="hold">
+                                          <p:stCondLst>
+                                            <p:cond delay="499"/>
+                                          </p:stCondLst>
+                                        </p:cTn>
+                                        <p:tgtEl>
+                                          <p:spTgt spid="3"/>
+                                        </p:tgtEl>
+                                        <p:attrNameLst>
+                                          <p:attrName>style.visibility</p:attrName>
+                                        </p:attrNameLst>
+                                      </p:cBhvr>
+                                      <p:to>
+                                        <p:strVal val="hidden"/>
+                                      </p:to>
+                                    </p:set>
+                                  </p:childTnLst>
+                                </p:cTn>
+                              </p:par>
+                              <p:par>
+                                <p:cTn id="15" presetID="22" presetClass="entr" presetSubtype="2" fill="hold" nodeType="withEffect">
+                                  <p:stCondLst>
+                                    <p:cond delay="0"/>
+                                  </p:stCondLst>
+                                  <p:childTnLst>
+                                    <p:set>
+                                      <p:cBhvr>
+                                        <p:cTn id="16" dur="1" fill="hold">
+                                          <p:stCondLst>
+                                            <p:cond delay="0"/>
+                                          </p:stCondLst>
+                                        </p:cTn>
+                                        <p:tgtEl>
+                                          <p:spTgt spid="8"/>
+                                        </p:tgtEl>
+                                        <p:attrNameLst>
+                                          <p:attrName>style.visibility</p:attrName>
+                                        </p:attrNameLst>
+                                      </p:cBhvr>
+                                      <p:to>
+                                        <p:strVal val="visible"/>
+                                      </p:to>
+                                    </p:set>
+                                    <p:animEffect transition="in" filter="wipe(right)">
+                                      <p:cBhvr>
+                                        <p:cTn id="17" dur="500"/>
+                                        <p:tgtEl>
+                                          <p:spTgt spid="8"/>
+                                        </p:tgtEl>
+                                      </p:cBhvr>
+                                    </p:animEffect>
+                                  </p:childTnLst>
+                                </p:cTn>
+                              </p:par>
+                            </p:childTnLst>
+                          </p:cTn>
+                        </p:par>
+                      </p:childTnLst>
+                    </p:cTn>
+                  </p:par>
+                </p:childTnLst>
+              </p:cTn>
+              <p:prevCondLst>
+                <p:cond evt="onPrev" delay="0">
+                  <p:tgtEl>
+                    <p:sldTgt/>
+                  </p:tgtEl>
+                </p:cond>
+              </p:prevCondLst>
+              <p:nextCondLst>
+                <p:cond evt="onNext" delay="0">
+                  <p:tgtEl>
+                    <p:sldTgt/>
+                  </p:tgtEl>
+                </p:cond>
+              </p:nextCondLst>
+            </p:seq>
+          </p:childTnLst>
+        </p:cTn>
+      </p:par>
+    </p:tnLst>
+  </p:timing>
 </p:sld>
 </file>
 
@@ -15627,7 +15056,7 @@
                   </a:schemeClr>
                 </a:solidFill>
               </a:rPr>
-              <a:t>Conclusion</a:t>
+              <a:t>Design - Communications</a:t>
             </a:r>
             <a:endParaRPr lang="en-US" dirty="0">
               <a:solidFill>
@@ -15642,35 +15071,6 @@
       </p:sp>
       <p:sp>
         <p:nvSpPr>
-          <p:cNvPr id="3" name="Content Placeholder 2"/>
-          <p:cNvSpPr>
-            <a:spLocks noGrp="1"/>
-          </p:cNvSpPr>
-          <p:nvPr>
-            <p:ph idx="1"/>
-          </p:nvPr>
-        </p:nvSpPr>
-        <p:spPr/>
-        <p:txBody>
-          <a:bodyPr/>
-          <a:lstStyle/>
-          <a:p>
-            <a:r>
-              <a:rPr lang="en-US" dirty="0" smtClean="0"/>
-              <a:t>Delivered:</a:t>
-            </a:r>
-          </a:p>
-          <a:p>
-            <a:r>
-              <a:rPr lang="en-US" smtClean="0"/>
-              <a:t>TO BE COMPLETED</a:t>
-            </a:r>
-            <a:endParaRPr lang="en-US"/>
-          </a:p>
-        </p:txBody>
-      </p:sp>
-      <p:sp>
-        <p:nvSpPr>
           <p:cNvPr id="4" name="Text Placeholder 3"/>
           <p:cNvSpPr>
             <a:spLocks noGrp="1"/>
@@ -15686,20 +15086,394 @@
           </a:bodyPr>
           <a:lstStyle/>
           <a:p>
-            <a:endParaRPr lang="en-US"/>
-          </a:p>
-        </p:txBody>
-      </p:sp>
+            <a:r>
+              <a:rPr lang="en-US" dirty="0" smtClean="0"/>
+              <a:t>Ben</a:t>
+            </a:r>
+            <a:endParaRPr lang="en-US" dirty="0"/>
+          </a:p>
+        </p:txBody>
+      </p:sp>
+      <p:pic>
+        <p:nvPicPr>
+          <p:cNvPr id="6" name="Picture 5"/>
+          <p:cNvPicPr>
+            <a:picLocks noChangeAspect="1"/>
+          </p:cNvPicPr>
+          <p:nvPr/>
+        </p:nvPicPr>
+        <p:blipFill>
+          <a:blip r:embed="rId2"/>
+          <a:stretch>
+            <a:fillRect/>
+          </a:stretch>
+        </p:blipFill>
+        <p:spPr>
+          <a:xfrm>
+            <a:off x="5080265" y="1205963"/>
+            <a:ext cx="1676400" cy="1524000"/>
+          </a:xfrm>
+          <a:prstGeom prst="rect">
+            <a:avLst/>
+          </a:prstGeom>
+        </p:spPr>
+      </p:pic>
+      <p:pic>
+        <p:nvPicPr>
+          <p:cNvPr id="7" name="Picture 6"/>
+          <p:cNvPicPr>
+            <a:picLocks noChangeAspect="1"/>
+          </p:cNvPicPr>
+          <p:nvPr/>
+        </p:nvPicPr>
+        <p:blipFill>
+          <a:blip r:embed="rId3"/>
+          <a:stretch>
+            <a:fillRect/>
+          </a:stretch>
+        </p:blipFill>
+        <p:spPr>
+          <a:xfrm>
+            <a:off x="8697369" y="3995393"/>
+            <a:ext cx="1612900" cy="2705100"/>
+          </a:xfrm>
+          <a:prstGeom prst="rect">
+            <a:avLst/>
+          </a:prstGeom>
+        </p:spPr>
+      </p:pic>
+      <p:pic>
+        <p:nvPicPr>
+          <p:cNvPr id="8" name="Picture 7"/>
+          <p:cNvPicPr>
+            <a:picLocks noChangeAspect="1"/>
+          </p:cNvPicPr>
+          <p:nvPr/>
+        </p:nvPicPr>
+        <p:blipFill>
+          <a:blip r:embed="rId4"/>
+          <a:stretch>
+            <a:fillRect/>
+          </a:stretch>
+        </p:blipFill>
+        <p:spPr>
+          <a:xfrm>
+            <a:off x="6885289" y="2528545"/>
+            <a:ext cx="2451100" cy="1473200"/>
+          </a:xfrm>
+          <a:prstGeom prst="rect">
+            <a:avLst/>
+          </a:prstGeom>
+        </p:spPr>
+      </p:pic>
+      <p:sp>
+        <p:nvSpPr>
+          <p:cNvPr id="11" name="Content Placeholder 2"/>
+          <p:cNvSpPr>
+            <a:spLocks noGrp="1"/>
+          </p:cNvSpPr>
+          <p:nvPr>
+            <p:ph idx="1"/>
+          </p:nvPr>
+        </p:nvSpPr>
+        <p:spPr>
+          <a:xfrm>
+            <a:off x="458222" y="2840147"/>
+            <a:ext cx="7626532" cy="3548128"/>
+          </a:xfrm>
+        </p:spPr>
+        <p:txBody>
+          <a:bodyPr anchor="b"/>
+          <a:lstStyle/>
+          <a:p>
+            <a:pPr marL="0" indent="0">
+              <a:buNone/>
+            </a:pPr>
+            <a:r>
+              <a:rPr lang="en-US" sz="2400" dirty="0" smtClean="0"/>
+              <a:t>Step 7: Confirmation</a:t>
+            </a:r>
+          </a:p>
+          <a:p>
+            <a:r>
+              <a:rPr lang="en-US" dirty="0" err="1" smtClean="0"/>
+              <a:t>CubeSat</a:t>
+            </a:r>
+            <a:r>
+              <a:rPr lang="en-US" dirty="0" smtClean="0"/>
+              <a:t> checks checksum</a:t>
+            </a:r>
+          </a:p>
+          <a:p>
+            <a:r>
+              <a:rPr lang="en-US" dirty="0" err="1" smtClean="0"/>
+              <a:t>CubeSat</a:t>
+            </a:r>
+            <a:r>
+              <a:rPr lang="en-US" dirty="0" smtClean="0"/>
+              <a:t> relays success/failure to ground station</a:t>
+            </a:r>
+          </a:p>
+          <a:p>
+            <a:r>
+              <a:rPr lang="en-US" dirty="0" err="1" smtClean="0"/>
+              <a:t>CubeSat</a:t>
+            </a:r>
+            <a:r>
+              <a:rPr lang="en-US" dirty="0" smtClean="0"/>
+              <a:t> appends log file</a:t>
+            </a:r>
+          </a:p>
+          <a:p>
+            <a:r>
+              <a:rPr lang="en-US" dirty="0" err="1" smtClean="0"/>
+              <a:t>CubeSat</a:t>
+            </a:r>
+            <a:r>
+              <a:rPr lang="en-US" dirty="0" smtClean="0"/>
+              <a:t> marks file for deletion</a:t>
+            </a:r>
+            <a:endParaRPr lang="en-US" dirty="0"/>
+          </a:p>
+          <a:p>
+            <a:endParaRPr lang="en-US" dirty="0"/>
+          </a:p>
+        </p:txBody>
+      </p:sp>
+      <p:pic>
+        <p:nvPicPr>
+          <p:cNvPr id="5" name="Picture 4"/>
+          <p:cNvPicPr>
+            <a:picLocks noChangeAspect="1"/>
+          </p:cNvPicPr>
+          <p:nvPr/>
+        </p:nvPicPr>
+        <p:blipFill>
+          <a:blip r:embed="rId5"/>
+          <a:stretch>
+            <a:fillRect/>
+          </a:stretch>
+        </p:blipFill>
+        <p:spPr>
+          <a:xfrm>
+            <a:off x="6885288" y="2528545"/>
+            <a:ext cx="2451100" cy="1473200"/>
+          </a:xfrm>
+          <a:prstGeom prst="rect">
+            <a:avLst/>
+          </a:prstGeom>
+        </p:spPr>
+      </p:pic>
     </p:spTree>
     <p:extLst>
       <p:ext uri="{BB962C8B-B14F-4D97-AF65-F5344CB8AC3E}">
-        <p14:creationId xmlns:p14="http://schemas.microsoft.com/office/powerpoint/2010/main" val="1930181380"/>
+        <p14:creationId xmlns:p14="http://schemas.microsoft.com/office/powerpoint/2010/main" val="159612655"/>
       </p:ext>
     </p:extLst>
   </p:cSld>
   <p:clrMapOvr>
     <a:masterClrMapping/>
   </p:clrMapOvr>
+  <p:timing>
+    <p:tnLst>
+      <p:par>
+        <p:cTn id="1" dur="indefinite" restart="never" nodeType="tmRoot">
+          <p:childTnLst>
+            <p:seq concurrent="1" nextAc="seek">
+              <p:cTn id="2" dur="indefinite" nodeType="mainSeq">
+                <p:childTnLst>
+                  <p:par>
+                    <p:cTn id="3" fill="hold">
+                      <p:stCondLst>
+                        <p:cond delay="indefinite"/>
+                        <p:cond evt="onBegin" delay="0">
+                          <p:tn val="2"/>
+                        </p:cond>
+                      </p:stCondLst>
+                      <p:childTnLst>
+                        <p:par>
+                          <p:cTn id="4" fill="hold">
+                            <p:stCondLst>
+                              <p:cond delay="0"/>
+                            </p:stCondLst>
+                            <p:childTnLst>
+                              <p:par>
+                                <p:cTn id="5" presetID="22" presetClass="exit" presetSubtype="8" fill="hold" nodeType="afterEffect">
+                                  <p:stCondLst>
+                                    <p:cond delay="500"/>
+                                  </p:stCondLst>
+                                  <p:childTnLst>
+                                    <p:animEffect transition="out" filter="wipe(left)">
+                                      <p:cBhvr>
+                                        <p:cTn id="6" dur="500"/>
+                                        <p:tgtEl>
+                                          <p:spTgt spid="8"/>
+                                        </p:tgtEl>
+                                      </p:cBhvr>
+                                    </p:animEffect>
+                                    <p:set>
+                                      <p:cBhvr>
+                                        <p:cTn id="7" dur="1" fill="hold">
+                                          <p:stCondLst>
+                                            <p:cond delay="499"/>
+                                          </p:stCondLst>
+                                        </p:cTn>
+                                        <p:tgtEl>
+                                          <p:spTgt spid="8"/>
+                                        </p:tgtEl>
+                                        <p:attrNameLst>
+                                          <p:attrName>style.visibility</p:attrName>
+                                        </p:attrNameLst>
+                                      </p:cBhvr>
+                                      <p:to>
+                                        <p:strVal val="hidden"/>
+                                      </p:to>
+                                    </p:set>
+                                  </p:childTnLst>
+                                </p:cTn>
+                              </p:par>
+                              <p:par>
+                                <p:cTn id="8" presetID="22" presetClass="entr" presetSubtype="8" fill="hold" nodeType="withEffect">
+                                  <p:stCondLst>
+                                    <p:cond delay="500"/>
+                                  </p:stCondLst>
+                                  <p:childTnLst>
+                                    <p:set>
+                                      <p:cBhvr>
+                                        <p:cTn id="9" dur="1" fill="hold">
+                                          <p:stCondLst>
+                                            <p:cond delay="0"/>
+                                          </p:stCondLst>
+                                        </p:cTn>
+                                        <p:tgtEl>
+                                          <p:spTgt spid="5"/>
+                                        </p:tgtEl>
+                                        <p:attrNameLst>
+                                          <p:attrName>style.visibility</p:attrName>
+                                        </p:attrNameLst>
+                                      </p:cBhvr>
+                                      <p:to>
+                                        <p:strVal val="visible"/>
+                                      </p:to>
+                                    </p:set>
+                                    <p:animEffect transition="in" filter="wipe(left)">
+                                      <p:cBhvr>
+                                        <p:cTn id="10" dur="500"/>
+                                        <p:tgtEl>
+                                          <p:spTgt spid="5"/>
+                                        </p:tgtEl>
+                                      </p:cBhvr>
+                                    </p:animEffect>
+                                  </p:childTnLst>
+                                </p:cTn>
+                              </p:par>
+                            </p:childTnLst>
+                          </p:cTn>
+                        </p:par>
+                        <p:par>
+                          <p:cTn id="11" fill="hold">
+                            <p:stCondLst>
+                              <p:cond delay="1000"/>
+                            </p:stCondLst>
+                            <p:childTnLst>
+                              <p:par>
+                                <p:cTn id="12" presetID="22" presetClass="exit" presetSubtype="8" fill="hold" nodeType="afterEffect">
+                                  <p:stCondLst>
+                                    <p:cond delay="0"/>
+                                  </p:stCondLst>
+                                  <p:childTnLst>
+                                    <p:animEffect transition="out" filter="wipe(left)">
+                                      <p:cBhvr>
+                                        <p:cTn id="13" dur="500"/>
+                                        <p:tgtEl>
+                                          <p:spTgt spid="5"/>
+                                        </p:tgtEl>
+                                      </p:cBhvr>
+                                    </p:animEffect>
+                                    <p:set>
+                                      <p:cBhvr>
+                                        <p:cTn id="14" dur="1" fill="hold">
+                                          <p:stCondLst>
+                                            <p:cond delay="499"/>
+                                          </p:stCondLst>
+                                        </p:cTn>
+                                        <p:tgtEl>
+                                          <p:spTgt spid="5"/>
+                                        </p:tgtEl>
+                                        <p:attrNameLst>
+                                          <p:attrName>style.visibility</p:attrName>
+                                        </p:attrNameLst>
+                                      </p:cBhvr>
+                                      <p:to>
+                                        <p:strVal val="hidden"/>
+                                      </p:to>
+                                    </p:set>
+                                  </p:childTnLst>
+                                </p:cTn>
+                              </p:par>
+                              <p:par>
+                                <p:cTn id="15" presetID="22" presetClass="entr" presetSubtype="8" fill="hold" nodeType="withEffect">
+                                  <p:stCondLst>
+                                    <p:cond delay="0"/>
+                                  </p:stCondLst>
+                                  <p:childTnLst>
+                                    <p:set>
+                                      <p:cBhvr>
+                                        <p:cTn id="16" dur="1" fill="hold">
+                                          <p:stCondLst>
+                                            <p:cond delay="0"/>
+                                          </p:stCondLst>
+                                        </p:cTn>
+                                        <p:tgtEl>
+                                          <p:spTgt spid="8"/>
+                                        </p:tgtEl>
+                                        <p:attrNameLst>
+                                          <p:attrName>style.visibility</p:attrName>
+                                        </p:attrNameLst>
+                                      </p:cBhvr>
+                                      <p:to>
+                                        <p:strVal val="visible"/>
+                                      </p:to>
+                                    </p:set>
+                                    <p:animEffect transition="in" filter="wipe(left)">
+                                      <p:cBhvr>
+                                        <p:cTn id="17" dur="500"/>
+                                        <p:tgtEl>
+                                          <p:spTgt spid="8"/>
+                                        </p:tgtEl>
+                                      </p:cBhvr>
+                                    </p:animEffect>
+                                  </p:childTnLst>
+                                </p:cTn>
+                              </p:par>
+                            </p:childTnLst>
+                          </p:cTn>
+                        </p:par>
+                      </p:childTnLst>
+                    </p:cTn>
+                  </p:par>
+                </p:childTnLst>
+              </p:cTn>
+              <p:prevCondLst>
+                <p:cond evt="onPrev" delay="0">
+                  <p:tgtEl>
+                    <p:sldTgt/>
+                  </p:tgtEl>
+                </p:cond>
+              </p:prevCondLst>
+              <p:nextCondLst>
+                <p:cond evt="onNext" delay="0">
+                  <p:tgtEl>
+                    <p:sldTgt/>
+                  </p:tgtEl>
+                </p:cond>
+              </p:nextCondLst>
+            </p:seq>
+          </p:childTnLst>
+        </p:cTn>
+      </p:par>
+    </p:tnLst>
+  </p:timing>
 </p:sld>
 </file>
 
@@ -15736,42 +15510,428 @@
           <a:lstStyle/>
           <a:p>
             <a:r>
+              <a:rPr lang="en-US" dirty="0" smtClean="0">
+                <a:solidFill>
+                  <a:schemeClr val="bg1">
+                    <a:lumMod val="50000"/>
+                    <a:lumOff val="50000"/>
+                  </a:schemeClr>
+                </a:solidFill>
+              </a:rPr>
+              <a:t>Design - Communications</a:t>
+            </a:r>
+            <a:endParaRPr lang="en-US" dirty="0">
+              <a:solidFill>
+                <a:schemeClr val="bg1">
+                  <a:lumMod val="50000"/>
+                  <a:lumOff val="50000"/>
+                </a:schemeClr>
+              </a:solidFill>
+            </a:endParaRPr>
+          </a:p>
+        </p:txBody>
+      </p:sp>
+      <p:sp>
+        <p:nvSpPr>
+          <p:cNvPr id="4" name="Text Placeholder 3"/>
+          <p:cNvSpPr>
+            <a:spLocks noGrp="1"/>
+          </p:cNvSpPr>
+          <p:nvPr>
+            <p:ph type="body" sz="quarter" idx="10"/>
+          </p:nvPr>
+        </p:nvSpPr>
+        <p:spPr/>
+        <p:txBody>
+          <a:bodyPr>
+            <a:normAutofit fontScale="92500" lnSpcReduction="10000"/>
+          </a:bodyPr>
+          <a:lstStyle/>
+          <a:p>
+            <a:r>
               <a:rPr lang="en-US" dirty="0" smtClean="0"/>
-              <a:t>Individual Reports</a:t>
+              <a:t>Ben</a:t>
             </a:r>
             <a:endParaRPr lang="en-US" dirty="0"/>
           </a:p>
         </p:txBody>
       </p:sp>
-      <p:sp>
-        <p:nvSpPr>
-          <p:cNvPr id="3" name="Text Placeholder 2"/>
-          <p:cNvSpPr>
-            <a:spLocks noGrp="1"/>
-          </p:cNvSpPr>
-          <p:nvPr>
-            <p:ph type="body" idx="1"/>
-          </p:nvPr>
-        </p:nvSpPr>
-        <p:spPr/>
-        <p:txBody>
-          <a:bodyPr/>
-          <a:lstStyle/>
-          <a:p>
-            <a:endParaRPr lang="en-US"/>
-          </a:p>
-        </p:txBody>
-      </p:sp>
+      <p:pic>
+        <p:nvPicPr>
+          <p:cNvPr id="6" name="Picture 5"/>
+          <p:cNvPicPr>
+            <a:picLocks noChangeAspect="1"/>
+          </p:cNvPicPr>
+          <p:nvPr/>
+        </p:nvPicPr>
+        <p:blipFill>
+          <a:blip r:embed="rId2"/>
+          <a:stretch>
+            <a:fillRect/>
+          </a:stretch>
+        </p:blipFill>
+        <p:spPr>
+          <a:xfrm>
+            <a:off x="5080265" y="1205963"/>
+            <a:ext cx="1676400" cy="1524000"/>
+          </a:xfrm>
+          <a:prstGeom prst="rect">
+            <a:avLst/>
+          </a:prstGeom>
+        </p:spPr>
+      </p:pic>
+      <p:pic>
+        <p:nvPicPr>
+          <p:cNvPr id="7" name="Picture 6"/>
+          <p:cNvPicPr>
+            <a:picLocks noChangeAspect="1"/>
+          </p:cNvPicPr>
+          <p:nvPr/>
+        </p:nvPicPr>
+        <p:blipFill>
+          <a:blip r:embed="rId3"/>
+          <a:stretch>
+            <a:fillRect/>
+          </a:stretch>
+        </p:blipFill>
+        <p:spPr>
+          <a:xfrm>
+            <a:off x="8697369" y="3995393"/>
+            <a:ext cx="1612900" cy="2705100"/>
+          </a:xfrm>
+          <a:prstGeom prst="rect">
+            <a:avLst/>
+          </a:prstGeom>
+        </p:spPr>
+      </p:pic>
+      <p:pic>
+        <p:nvPicPr>
+          <p:cNvPr id="8" name="Picture 7"/>
+          <p:cNvPicPr>
+            <a:picLocks noChangeAspect="1"/>
+          </p:cNvPicPr>
+          <p:nvPr/>
+        </p:nvPicPr>
+        <p:blipFill>
+          <a:blip r:embed="rId4"/>
+          <a:stretch>
+            <a:fillRect/>
+          </a:stretch>
+        </p:blipFill>
+        <p:spPr>
+          <a:xfrm>
+            <a:off x="6885289" y="2528545"/>
+            <a:ext cx="2451100" cy="1473200"/>
+          </a:xfrm>
+          <a:prstGeom prst="rect">
+            <a:avLst/>
+          </a:prstGeom>
+        </p:spPr>
+      </p:pic>
+      <p:sp>
+        <p:nvSpPr>
+          <p:cNvPr id="11" name="Content Placeholder 2"/>
+          <p:cNvSpPr>
+            <a:spLocks noGrp="1"/>
+          </p:cNvSpPr>
+          <p:nvPr>
+            <p:ph idx="1"/>
+          </p:nvPr>
+        </p:nvSpPr>
+        <p:spPr>
+          <a:xfrm>
+            <a:off x="458222" y="2840147"/>
+            <a:ext cx="7626532" cy="3548128"/>
+          </a:xfrm>
+        </p:spPr>
+        <p:txBody>
+          <a:bodyPr anchor="b"/>
+          <a:lstStyle/>
+          <a:p>
+            <a:pPr marL="0" indent="0">
+              <a:buNone/>
+            </a:pPr>
+            <a:r>
+              <a:rPr lang="en-US" sz="2400" dirty="0" smtClean="0"/>
+              <a:t>Diagnostics</a:t>
+            </a:r>
+          </a:p>
+          <a:p>
+            <a:r>
+              <a:rPr lang="en-US" dirty="0" smtClean="0"/>
+              <a:t>Onboard Time</a:t>
+            </a:r>
+          </a:p>
+          <a:p>
+            <a:r>
+              <a:rPr lang="en-US" dirty="0" smtClean="0"/>
+              <a:t>GPS Position, Velocity, Satellite Lock</a:t>
+            </a:r>
+          </a:p>
+          <a:p>
+            <a:r>
+              <a:rPr lang="en-US" dirty="0" smtClean="0"/>
+              <a:t>Battery Status, Panel Cell Performance</a:t>
+            </a:r>
+          </a:p>
+          <a:p>
+            <a:r>
+              <a:rPr lang="en-US" dirty="0" smtClean="0"/>
+              <a:t>Attitude Magnetic Lock</a:t>
+            </a:r>
+          </a:p>
+          <a:p>
+            <a:r>
+              <a:rPr lang="en-US" dirty="0" smtClean="0"/>
+              <a:t>Data Storage Check</a:t>
+            </a:r>
+          </a:p>
+          <a:p>
+            <a:r>
+              <a:rPr lang="en-US" dirty="0" smtClean="0"/>
+              <a:t>Detector Diagnostics</a:t>
+            </a:r>
+            <a:endParaRPr lang="en-US" dirty="0"/>
+          </a:p>
+          <a:p>
+            <a:endParaRPr lang="en-US" dirty="0"/>
+          </a:p>
+        </p:txBody>
+      </p:sp>
+      <p:pic>
+        <p:nvPicPr>
+          <p:cNvPr id="5" name="Picture 4"/>
+          <p:cNvPicPr>
+            <a:picLocks noChangeAspect="1"/>
+          </p:cNvPicPr>
+          <p:nvPr/>
+        </p:nvPicPr>
+        <p:blipFill>
+          <a:blip r:embed="rId5"/>
+          <a:stretch>
+            <a:fillRect/>
+          </a:stretch>
+        </p:blipFill>
+        <p:spPr>
+          <a:xfrm>
+            <a:off x="6885288" y="2528545"/>
+            <a:ext cx="2451100" cy="1473200"/>
+          </a:xfrm>
+          <a:prstGeom prst="rect">
+            <a:avLst/>
+          </a:prstGeom>
+        </p:spPr>
+      </p:pic>
     </p:spTree>
     <p:extLst>
       <p:ext uri="{BB962C8B-B14F-4D97-AF65-F5344CB8AC3E}">
-        <p14:creationId xmlns:p14="http://schemas.microsoft.com/office/powerpoint/2010/main" val="3189312476"/>
+        <p14:creationId xmlns:p14="http://schemas.microsoft.com/office/powerpoint/2010/main" val="1332039012"/>
       </p:ext>
     </p:extLst>
   </p:cSld>
   <p:clrMapOvr>
     <a:masterClrMapping/>
   </p:clrMapOvr>
+  <p:timing>
+    <p:tnLst>
+      <p:par>
+        <p:cTn id="1" dur="indefinite" restart="never" nodeType="tmRoot">
+          <p:childTnLst>
+            <p:seq concurrent="1" nextAc="seek">
+              <p:cTn id="2" dur="indefinite" nodeType="mainSeq">
+                <p:childTnLst>
+                  <p:par>
+                    <p:cTn id="3" fill="hold">
+                      <p:stCondLst>
+                        <p:cond delay="indefinite"/>
+                        <p:cond evt="onBegin" delay="0">
+                          <p:tn val="2"/>
+                        </p:cond>
+                      </p:stCondLst>
+                      <p:childTnLst>
+                        <p:par>
+                          <p:cTn id="4" fill="hold">
+                            <p:stCondLst>
+                              <p:cond delay="0"/>
+                            </p:stCondLst>
+                            <p:childTnLst>
+                              <p:par>
+                                <p:cTn id="5" presetID="22" presetClass="exit" presetSubtype="8" fill="hold" nodeType="afterEffect">
+                                  <p:stCondLst>
+                                    <p:cond delay="500"/>
+                                  </p:stCondLst>
+                                  <p:childTnLst>
+                                    <p:animEffect transition="out" filter="wipe(left)">
+                                      <p:cBhvr>
+                                        <p:cTn id="6" dur="500"/>
+                                        <p:tgtEl>
+                                          <p:spTgt spid="8"/>
+                                        </p:tgtEl>
+                                      </p:cBhvr>
+                                    </p:animEffect>
+                                    <p:set>
+                                      <p:cBhvr>
+                                        <p:cTn id="7" dur="1" fill="hold">
+                                          <p:stCondLst>
+                                            <p:cond delay="499"/>
+                                          </p:stCondLst>
+                                        </p:cTn>
+                                        <p:tgtEl>
+                                          <p:spTgt spid="8"/>
+                                        </p:tgtEl>
+                                        <p:attrNameLst>
+                                          <p:attrName>style.visibility</p:attrName>
+                                        </p:attrNameLst>
+                                      </p:cBhvr>
+                                      <p:to>
+                                        <p:strVal val="hidden"/>
+                                      </p:to>
+                                    </p:set>
+                                  </p:childTnLst>
+                                </p:cTn>
+                              </p:par>
+                              <p:par>
+                                <p:cTn id="8" presetID="22" presetClass="entr" presetSubtype="8" fill="hold" nodeType="withEffect">
+                                  <p:stCondLst>
+                                    <p:cond delay="500"/>
+                                  </p:stCondLst>
+                                  <p:childTnLst>
+                                    <p:set>
+                                      <p:cBhvr>
+                                        <p:cTn id="9" dur="1" fill="hold">
+                                          <p:stCondLst>
+                                            <p:cond delay="0"/>
+                                          </p:stCondLst>
+                                        </p:cTn>
+                                        <p:tgtEl>
+                                          <p:spTgt spid="5"/>
+                                        </p:tgtEl>
+                                        <p:attrNameLst>
+                                          <p:attrName>style.visibility</p:attrName>
+                                        </p:attrNameLst>
+                                      </p:cBhvr>
+                                      <p:to>
+                                        <p:strVal val="visible"/>
+                                      </p:to>
+                                    </p:set>
+                                    <p:animEffect transition="in" filter="wipe(left)">
+                                      <p:cBhvr>
+                                        <p:cTn id="10" dur="500"/>
+                                        <p:tgtEl>
+                                          <p:spTgt spid="5"/>
+                                        </p:tgtEl>
+                                      </p:cBhvr>
+                                    </p:animEffect>
+                                  </p:childTnLst>
+                                </p:cTn>
+                              </p:par>
+                            </p:childTnLst>
+                          </p:cTn>
+                        </p:par>
+                        <p:par>
+                          <p:cTn id="11" fill="hold">
+                            <p:stCondLst>
+                              <p:cond delay="1000"/>
+                            </p:stCondLst>
+                            <p:childTnLst>
+                              <p:par>
+                                <p:cTn id="12" presetID="22" presetClass="exit" presetSubtype="8" fill="hold" nodeType="afterEffect">
+                                  <p:stCondLst>
+                                    <p:cond delay="0"/>
+                                  </p:stCondLst>
+                                  <p:childTnLst>
+                                    <p:animEffect transition="out" filter="wipe(left)">
+                                      <p:cBhvr>
+                                        <p:cTn id="13" dur="500"/>
+                                        <p:tgtEl>
+                                          <p:spTgt spid="5"/>
+                                        </p:tgtEl>
+                                      </p:cBhvr>
+                                    </p:animEffect>
+                                    <p:set>
+                                      <p:cBhvr>
+                                        <p:cTn id="14" dur="1" fill="hold">
+                                          <p:stCondLst>
+                                            <p:cond delay="499"/>
+                                          </p:stCondLst>
+                                        </p:cTn>
+                                        <p:tgtEl>
+                                          <p:spTgt spid="5"/>
+                                        </p:tgtEl>
+                                        <p:attrNameLst>
+                                          <p:attrName>style.visibility</p:attrName>
+                                        </p:attrNameLst>
+                                      </p:cBhvr>
+                                      <p:to>
+                                        <p:strVal val="hidden"/>
+                                      </p:to>
+                                    </p:set>
+                                  </p:childTnLst>
+                                </p:cTn>
+                              </p:par>
+                              <p:par>
+                                <p:cTn id="15" presetID="22" presetClass="entr" presetSubtype="8" fill="hold" nodeType="withEffect">
+                                  <p:stCondLst>
+                                    <p:cond delay="0"/>
+                                  </p:stCondLst>
+                                  <p:childTnLst>
+                                    <p:set>
+                                      <p:cBhvr>
+                                        <p:cTn id="16" dur="1" fill="hold">
+                                          <p:stCondLst>
+                                            <p:cond delay="0"/>
+                                          </p:stCondLst>
+                                        </p:cTn>
+                                        <p:tgtEl>
+                                          <p:spTgt spid="8"/>
+                                        </p:tgtEl>
+                                        <p:attrNameLst>
+                                          <p:attrName>style.visibility</p:attrName>
+                                        </p:attrNameLst>
+                                      </p:cBhvr>
+                                      <p:to>
+                                        <p:strVal val="visible"/>
+                                      </p:to>
+                                    </p:set>
+                                    <p:animEffect transition="in" filter="wipe(left)">
+                                      <p:cBhvr>
+                                        <p:cTn id="17" dur="500"/>
+                                        <p:tgtEl>
+                                          <p:spTgt spid="8"/>
+                                        </p:tgtEl>
+                                      </p:cBhvr>
+                                    </p:animEffect>
+                                  </p:childTnLst>
+                                </p:cTn>
+                              </p:par>
+                            </p:childTnLst>
+                          </p:cTn>
+                        </p:par>
+                      </p:childTnLst>
+                    </p:cTn>
+                  </p:par>
+                </p:childTnLst>
+              </p:cTn>
+              <p:prevCondLst>
+                <p:cond evt="onPrev" delay="0">
+                  <p:tgtEl>
+                    <p:sldTgt/>
+                  </p:tgtEl>
+                </p:cond>
+              </p:prevCondLst>
+              <p:nextCondLst>
+                <p:cond evt="onNext" delay="0">
+                  <p:tgtEl>
+                    <p:sldTgt/>
+                  </p:tgtEl>
+                </p:cond>
+              </p:nextCondLst>
+            </p:seq>
+          </p:childTnLst>
+        </p:cTn>
+      </p:par>
+    </p:tnLst>
+  </p:timing>
 </p:sld>
 </file>
 
@@ -15816,7 +15976,7 @@
                   </a:schemeClr>
                 </a:solidFill>
               </a:rPr>
-              <a:t>Design – Data Link Budget</a:t>
+              <a:t>Design - Power</a:t>
             </a:r>
             <a:endParaRPr lang="en-US" dirty="0">
               <a:solidFill>
@@ -15829,31 +15989,35 @@
           </a:p>
         </p:txBody>
       </p:sp>
-      <p:sp>
-        <p:nvSpPr>
-          <p:cNvPr id="3" name="Content Placeholder 2"/>
-          <p:cNvSpPr>
-            <a:spLocks noGrp="1"/>
-          </p:cNvSpPr>
+      <p:pic>
+        <p:nvPicPr>
+          <p:cNvPr id="5" name="Content Placeholder 4"/>
+          <p:cNvPicPr>
+            <a:picLocks noGrp="1" noChangeAspect="1"/>
+          </p:cNvPicPr>
           <p:nvPr>
             <p:ph idx="1"/>
           </p:nvPr>
-        </p:nvSpPr>
-        <p:spPr/>
-        <p:txBody>
-          <a:bodyPr/>
-          <a:lstStyle/>
-          <a:p>
-            <a:r>
-              <a:rPr lang="en-US" dirty="0"/>
-              <a:t>TO BE COMPLETED</a:t>
-            </a:r>
-          </a:p>
-          <a:p>
-            <a:endParaRPr lang="en-US" dirty="0"/>
-          </a:p>
-        </p:txBody>
-      </p:sp>
+        </p:nvPicPr>
+        <p:blipFill>
+          <a:blip r:embed="rId2">
+            <a:extLst>
+              <a:ext uri="{28A0092B-C50C-407E-A947-70E740481C1C}">
+                <a14:useLocalDpi xmlns:a14="http://schemas.microsoft.com/office/drawing/2010/main" val="0"/>
+              </a:ext>
+            </a:extLst>
+          </a:blip>
+          <a:stretch>
+            <a:fillRect/>
+          </a:stretch>
+        </p:blipFill>
+        <p:spPr>
+          <a:xfrm>
+            <a:off x="1371030" y="1227138"/>
+            <a:ext cx="8889553" cy="5160962"/>
+          </a:xfrm>
+        </p:spPr>
+      </p:pic>
       <p:sp>
         <p:nvSpPr>
           <p:cNvPr id="4" name="Text Placeholder 3"/>
@@ -15873,7 +16037,7 @@
           <a:p>
             <a:r>
               <a:rPr lang="en-US" dirty="0" smtClean="0"/>
-              <a:t>Ben</a:t>
+              <a:t> </a:t>
             </a:r>
             <a:endParaRPr lang="en-US" dirty="0"/>
           </a:p>
@@ -15882,7 +16046,7 @@
     </p:spTree>
     <p:extLst>
       <p:ext uri="{BB962C8B-B14F-4D97-AF65-F5344CB8AC3E}">
-        <p14:creationId xmlns:p14="http://schemas.microsoft.com/office/powerpoint/2010/main" val="1821753868"/>
+        <p14:creationId xmlns:p14="http://schemas.microsoft.com/office/powerpoint/2010/main" val="1036177282"/>
       </p:ext>
     </p:extLst>
   </p:cSld>
@@ -15892,7 +16056,618 @@
   <p:timing>
     <p:tnLst>
       <p:par>
-        <p:cTn xmlns:p14="http://schemas.microsoft.com/office/powerpoint/2010/main" id="1" dur="indefinite" restart="never" nodeType="tmRoot"/>
+        <p:cTn id="1" dur="indefinite" restart="never" nodeType="tmRoot"/>
+      </p:par>
+    </p:tnLst>
+  </p:timing>
+</p:sld>
+</file>
+
+<file path=ppt/slides/slide35.xml><?xml version="1.0" encoding="utf-8"?>
+<p:sld xmlns:a="http://schemas.openxmlformats.org/drawingml/2006/main" xmlns:r="http://schemas.openxmlformats.org/officeDocument/2006/relationships" xmlns:p="http://schemas.openxmlformats.org/presentationml/2006/main">
+  <p:cSld>
+    <p:spTree>
+      <p:nvGrpSpPr>
+        <p:cNvPr id="1" name=""/>
+        <p:cNvGrpSpPr/>
+        <p:nvPr/>
+      </p:nvGrpSpPr>
+      <p:grpSpPr>
+        <a:xfrm>
+          <a:off x="0" y="0"/>
+          <a:ext cx="0" cy="0"/>
+          <a:chOff x="0" y="0"/>
+          <a:chExt cx="0" cy="0"/>
+        </a:xfrm>
+      </p:grpSpPr>
+      <p:sp>
+        <p:nvSpPr>
+          <p:cNvPr id="2" name="Title 1"/>
+          <p:cNvSpPr>
+            <a:spLocks noGrp="1"/>
+          </p:cNvSpPr>
+          <p:nvPr>
+            <p:ph type="title"/>
+          </p:nvPr>
+        </p:nvSpPr>
+        <p:spPr/>
+        <p:txBody>
+          <a:bodyPr/>
+          <a:lstStyle/>
+          <a:p>
+            <a:r>
+              <a:rPr lang="en-US" dirty="0" smtClean="0">
+                <a:solidFill>
+                  <a:schemeClr val="bg1">
+                    <a:lumMod val="50000"/>
+                    <a:lumOff val="50000"/>
+                  </a:schemeClr>
+                </a:solidFill>
+              </a:rPr>
+              <a:t>Design – </a:t>
+            </a:r>
+            <a:r>
+              <a:rPr lang="en-US" dirty="0" smtClean="0">
+                <a:solidFill>
+                  <a:schemeClr val="bg1">
+                    <a:lumMod val="50000"/>
+                    <a:lumOff val="50000"/>
+                  </a:schemeClr>
+                </a:solidFill>
+              </a:rPr>
+              <a:t>Power</a:t>
+            </a:r>
+            <a:endParaRPr lang="en-US" dirty="0">
+              <a:solidFill>
+                <a:schemeClr val="bg1">
+                  <a:lumMod val="50000"/>
+                  <a:lumOff val="50000"/>
+                </a:schemeClr>
+              </a:solidFill>
+            </a:endParaRPr>
+          </a:p>
+        </p:txBody>
+      </p:sp>
+      <p:sp>
+        <p:nvSpPr>
+          <p:cNvPr id="3" name="Content Placeholder 2"/>
+          <p:cNvSpPr>
+            <a:spLocks noGrp="1"/>
+          </p:cNvSpPr>
+          <p:nvPr>
+            <p:ph idx="1"/>
+          </p:nvPr>
+        </p:nvSpPr>
+        <p:spPr/>
+        <p:txBody>
+          <a:bodyPr/>
+          <a:lstStyle/>
+          <a:p>
+            <a:r>
+              <a:rPr lang="en-US" dirty="0" smtClean="0"/>
+              <a:t>Overview</a:t>
+            </a:r>
+          </a:p>
+          <a:p>
+            <a:pPr lvl="1"/>
+            <a:r>
+              <a:rPr lang="en-US" dirty="0" smtClean="0"/>
+              <a:t>Power needed</a:t>
+            </a:r>
+          </a:p>
+          <a:p>
+            <a:pPr lvl="1"/>
+            <a:r>
+              <a:rPr lang="en-US" dirty="0" smtClean="0"/>
+              <a:t>Power supplied</a:t>
+            </a:r>
+          </a:p>
+          <a:p>
+            <a:pPr lvl="1"/>
+            <a:r>
+              <a:rPr lang="en-US" dirty="0" smtClean="0"/>
+              <a:t>Initial design / needed design</a:t>
+            </a:r>
+          </a:p>
+          <a:p>
+            <a:pPr lvl="1"/>
+            <a:r>
+              <a:rPr lang="en-US" dirty="0" err="1" smtClean="0"/>
+              <a:t>deployables</a:t>
+            </a:r>
+            <a:endParaRPr lang="en-US" dirty="0"/>
+          </a:p>
+        </p:txBody>
+      </p:sp>
+      <p:sp>
+        <p:nvSpPr>
+          <p:cNvPr id="4" name="Text Placeholder 3"/>
+          <p:cNvSpPr>
+            <a:spLocks noGrp="1"/>
+          </p:cNvSpPr>
+          <p:nvPr>
+            <p:ph type="body" sz="quarter" idx="10"/>
+          </p:nvPr>
+        </p:nvSpPr>
+        <p:spPr/>
+        <p:txBody>
+          <a:bodyPr>
+            <a:normAutofit fontScale="92500" lnSpcReduction="10000"/>
+          </a:bodyPr>
+          <a:lstStyle/>
+          <a:p>
+            <a:r>
+              <a:rPr lang="en-US" dirty="0" smtClean="0"/>
+              <a:t>Justin S</a:t>
+            </a:r>
+            <a:endParaRPr lang="en-US" dirty="0"/>
+          </a:p>
+        </p:txBody>
+      </p:sp>
+    </p:spTree>
+    <p:extLst>
+      <p:ext uri="{BB962C8B-B14F-4D97-AF65-F5344CB8AC3E}">
+        <p14:creationId xmlns:p14="http://schemas.microsoft.com/office/powerpoint/2010/main" val="3374829062"/>
+      </p:ext>
+    </p:extLst>
+  </p:cSld>
+  <p:clrMapOvr>
+    <a:masterClrMapping/>
+  </p:clrMapOvr>
+  <p:timing>
+    <p:tnLst>
+      <p:par>
+        <p:cTn id="1" dur="indefinite" restart="never" nodeType="tmRoot"/>
+      </p:par>
+    </p:tnLst>
+  </p:timing>
+</p:sld>
+</file>
+
+<file path=ppt/slides/slide36.xml><?xml version="1.0" encoding="utf-8"?>
+<p:sld xmlns:a="http://schemas.openxmlformats.org/drawingml/2006/main" xmlns:r="http://schemas.openxmlformats.org/officeDocument/2006/relationships" xmlns:p="http://schemas.openxmlformats.org/presentationml/2006/main">
+  <p:cSld>
+    <p:spTree>
+      <p:nvGrpSpPr>
+        <p:cNvPr id="1" name=""/>
+        <p:cNvGrpSpPr/>
+        <p:nvPr/>
+      </p:nvGrpSpPr>
+      <p:grpSpPr>
+        <a:xfrm>
+          <a:off x="0" y="0"/>
+          <a:ext cx="0" cy="0"/>
+          <a:chOff x="0" y="0"/>
+          <a:chExt cx="0" cy="0"/>
+        </a:xfrm>
+      </p:grpSpPr>
+      <p:sp>
+        <p:nvSpPr>
+          <p:cNvPr id="2" name="Title 1"/>
+          <p:cNvSpPr>
+            <a:spLocks noGrp="1"/>
+          </p:cNvSpPr>
+          <p:nvPr>
+            <p:ph type="title"/>
+          </p:nvPr>
+        </p:nvSpPr>
+        <p:spPr/>
+        <p:txBody>
+          <a:bodyPr/>
+          <a:lstStyle/>
+          <a:p>
+            <a:r>
+              <a:rPr lang="en-US" dirty="0" smtClean="0"/>
+              <a:t>Design - Power</a:t>
+            </a:r>
+            <a:endParaRPr lang="en-US" dirty="0"/>
+          </a:p>
+        </p:txBody>
+      </p:sp>
+      <p:sp>
+        <p:nvSpPr>
+          <p:cNvPr id="3" name="Content Placeholder 2"/>
+          <p:cNvSpPr>
+            <a:spLocks noGrp="1"/>
+          </p:cNvSpPr>
+          <p:nvPr>
+            <p:ph idx="1"/>
+          </p:nvPr>
+        </p:nvSpPr>
+        <p:spPr/>
+        <p:txBody>
+          <a:bodyPr/>
+          <a:lstStyle/>
+          <a:p>
+            <a:r>
+              <a:rPr lang="en-US" dirty="0" err="1" smtClean="0"/>
+              <a:t>Enviromental</a:t>
+            </a:r>
+            <a:r>
+              <a:rPr lang="en-US" dirty="0" smtClean="0"/>
+              <a:t> aspects. (orbits) </a:t>
+            </a:r>
+            <a:endParaRPr lang="en-US" dirty="0"/>
+          </a:p>
+        </p:txBody>
+      </p:sp>
+      <p:sp>
+        <p:nvSpPr>
+          <p:cNvPr id="4" name="Text Placeholder 3"/>
+          <p:cNvSpPr>
+            <a:spLocks noGrp="1"/>
+          </p:cNvSpPr>
+          <p:nvPr>
+            <p:ph type="body" sz="quarter" idx="10"/>
+          </p:nvPr>
+        </p:nvSpPr>
+        <p:spPr/>
+        <p:txBody>
+          <a:bodyPr>
+            <a:normAutofit fontScale="92500" lnSpcReduction="10000"/>
+          </a:bodyPr>
+          <a:lstStyle/>
+          <a:p>
+            <a:r>
+              <a:rPr lang="en-US" dirty="0" smtClean="0"/>
+              <a:t>Nick J</a:t>
+            </a:r>
+            <a:endParaRPr lang="en-US" dirty="0"/>
+          </a:p>
+        </p:txBody>
+      </p:sp>
+    </p:spTree>
+    <p:extLst>
+      <p:ext uri="{BB962C8B-B14F-4D97-AF65-F5344CB8AC3E}">
+        <p14:creationId xmlns:p14="http://schemas.microsoft.com/office/powerpoint/2010/main" val="1640768230"/>
+      </p:ext>
+    </p:extLst>
+  </p:cSld>
+  <p:clrMapOvr>
+    <a:masterClrMapping/>
+  </p:clrMapOvr>
+  <p:timing>
+    <p:tnLst>
+      <p:par>
+        <p:cTn id="1" dur="indefinite" restart="never" nodeType="tmRoot"/>
+      </p:par>
+    </p:tnLst>
+  </p:timing>
+</p:sld>
+</file>
+
+<file path=ppt/slides/slide37.xml><?xml version="1.0" encoding="utf-8"?>
+<p:sld xmlns:a="http://schemas.openxmlformats.org/drawingml/2006/main" xmlns:r="http://schemas.openxmlformats.org/officeDocument/2006/relationships" xmlns:p="http://schemas.openxmlformats.org/presentationml/2006/main">
+  <p:cSld>
+    <p:spTree>
+      <p:nvGrpSpPr>
+        <p:cNvPr id="1" name=""/>
+        <p:cNvGrpSpPr/>
+        <p:nvPr/>
+      </p:nvGrpSpPr>
+      <p:grpSpPr>
+        <a:xfrm>
+          <a:off x="0" y="0"/>
+          <a:ext cx="0" cy="0"/>
+          <a:chOff x="0" y="0"/>
+          <a:chExt cx="0" cy="0"/>
+        </a:xfrm>
+      </p:grpSpPr>
+      <p:sp>
+        <p:nvSpPr>
+          <p:cNvPr id="2" name="Title 1"/>
+          <p:cNvSpPr>
+            <a:spLocks noGrp="1"/>
+          </p:cNvSpPr>
+          <p:nvPr>
+            <p:ph type="title"/>
+          </p:nvPr>
+        </p:nvSpPr>
+        <p:spPr/>
+        <p:txBody>
+          <a:bodyPr/>
+          <a:lstStyle/>
+          <a:p>
+            <a:endParaRPr lang="en-US" dirty="0"/>
+          </a:p>
+        </p:txBody>
+      </p:sp>
+      <p:sp>
+        <p:nvSpPr>
+          <p:cNvPr id="3" name="Content Placeholder 2"/>
+          <p:cNvSpPr>
+            <a:spLocks noGrp="1"/>
+          </p:cNvSpPr>
+          <p:nvPr>
+            <p:ph idx="1"/>
+          </p:nvPr>
+        </p:nvSpPr>
+        <p:spPr/>
+        <p:txBody>
+          <a:bodyPr/>
+          <a:lstStyle/>
+          <a:p>
+            <a:r>
+              <a:rPr lang="en-US" dirty="0" smtClean="0"/>
+              <a:t>Power components</a:t>
+            </a:r>
+            <a:endParaRPr lang="en-US" dirty="0"/>
+          </a:p>
+        </p:txBody>
+      </p:sp>
+      <p:sp>
+        <p:nvSpPr>
+          <p:cNvPr id="4" name="Text Placeholder 3"/>
+          <p:cNvSpPr>
+            <a:spLocks noGrp="1"/>
+          </p:cNvSpPr>
+          <p:nvPr>
+            <p:ph type="body" sz="quarter" idx="10"/>
+          </p:nvPr>
+        </p:nvSpPr>
+        <p:spPr/>
+        <p:txBody>
+          <a:bodyPr>
+            <a:normAutofit fontScale="92500" lnSpcReduction="10000"/>
+          </a:bodyPr>
+          <a:lstStyle/>
+          <a:p>
+            <a:r>
+              <a:rPr lang="en-US" dirty="0" smtClean="0"/>
+              <a:t>Justin S</a:t>
+            </a:r>
+            <a:endParaRPr lang="en-US" dirty="0"/>
+          </a:p>
+        </p:txBody>
+      </p:sp>
+    </p:spTree>
+    <p:extLst>
+      <p:ext uri="{BB962C8B-B14F-4D97-AF65-F5344CB8AC3E}">
+        <p14:creationId xmlns:p14="http://schemas.microsoft.com/office/powerpoint/2010/main" val="758967668"/>
+      </p:ext>
+    </p:extLst>
+  </p:cSld>
+  <p:clrMapOvr>
+    <a:masterClrMapping/>
+  </p:clrMapOvr>
+  <p:timing>
+    <p:tnLst>
+      <p:par>
+        <p:cTn id="1" dur="indefinite" restart="never" nodeType="tmRoot"/>
+      </p:par>
+    </p:tnLst>
+  </p:timing>
+</p:sld>
+</file>
+
+<file path=ppt/slides/slide38.xml><?xml version="1.0" encoding="utf-8"?>
+<p:sld xmlns:a="http://schemas.openxmlformats.org/drawingml/2006/main" xmlns:r="http://schemas.openxmlformats.org/officeDocument/2006/relationships" xmlns:p="http://schemas.openxmlformats.org/presentationml/2006/main">
+  <p:cSld>
+    <p:spTree>
+      <p:nvGrpSpPr>
+        <p:cNvPr id="1" name=""/>
+        <p:cNvGrpSpPr/>
+        <p:nvPr/>
+      </p:nvGrpSpPr>
+      <p:grpSpPr>
+        <a:xfrm>
+          <a:off x="0" y="0"/>
+          <a:ext cx="0" cy="0"/>
+          <a:chOff x="0" y="0"/>
+          <a:chExt cx="0" cy="0"/>
+        </a:xfrm>
+      </p:grpSpPr>
+      <p:sp>
+        <p:nvSpPr>
+          <p:cNvPr id="2" name="Title 1"/>
+          <p:cNvSpPr>
+            <a:spLocks noGrp="1"/>
+          </p:cNvSpPr>
+          <p:nvPr>
+            <p:ph type="title"/>
+          </p:nvPr>
+        </p:nvSpPr>
+        <p:spPr/>
+        <p:txBody>
+          <a:bodyPr/>
+          <a:lstStyle/>
+          <a:p>
+            <a:r>
+              <a:rPr lang="en-US" dirty="0" smtClean="0">
+                <a:solidFill>
+                  <a:schemeClr val="bg1">
+                    <a:lumMod val="50000"/>
+                    <a:lumOff val="50000"/>
+                  </a:schemeClr>
+                </a:solidFill>
+              </a:rPr>
+              <a:t>Design – Power Budget</a:t>
+            </a:r>
+            <a:endParaRPr lang="en-US" dirty="0">
+              <a:solidFill>
+                <a:schemeClr val="bg1">
+                  <a:lumMod val="50000"/>
+                  <a:lumOff val="50000"/>
+                </a:schemeClr>
+              </a:solidFill>
+            </a:endParaRPr>
+          </a:p>
+        </p:txBody>
+      </p:sp>
+      <p:sp>
+        <p:nvSpPr>
+          <p:cNvPr id="3" name="Content Placeholder 2"/>
+          <p:cNvSpPr>
+            <a:spLocks noGrp="1"/>
+          </p:cNvSpPr>
+          <p:nvPr>
+            <p:ph idx="1"/>
+          </p:nvPr>
+        </p:nvSpPr>
+        <p:spPr/>
+        <p:txBody>
+          <a:bodyPr/>
+          <a:lstStyle/>
+          <a:p>
+            <a:r>
+              <a:rPr lang="en-US" dirty="0"/>
+              <a:t> </a:t>
+            </a:r>
+            <a:r>
+              <a:rPr lang="en-US" dirty="0" smtClean="0"/>
+              <a:t>charge vs discharge</a:t>
+            </a:r>
+            <a:endParaRPr lang="en-US" dirty="0"/>
+          </a:p>
+        </p:txBody>
+      </p:sp>
+      <p:sp>
+        <p:nvSpPr>
+          <p:cNvPr id="4" name="Text Placeholder 3"/>
+          <p:cNvSpPr>
+            <a:spLocks noGrp="1"/>
+          </p:cNvSpPr>
+          <p:nvPr>
+            <p:ph type="body" sz="quarter" idx="10"/>
+          </p:nvPr>
+        </p:nvSpPr>
+        <p:spPr/>
+        <p:txBody>
+          <a:bodyPr>
+            <a:normAutofit fontScale="92500" lnSpcReduction="10000"/>
+          </a:bodyPr>
+          <a:lstStyle/>
+          <a:p>
+            <a:r>
+              <a:rPr lang="en-US" dirty="0" smtClean="0"/>
+              <a:t>Ethan A</a:t>
+            </a:r>
+            <a:endParaRPr lang="en-US" dirty="0"/>
+          </a:p>
+        </p:txBody>
+      </p:sp>
+    </p:spTree>
+    <p:extLst>
+      <p:ext uri="{BB962C8B-B14F-4D97-AF65-F5344CB8AC3E}">
+        <p14:creationId xmlns:p14="http://schemas.microsoft.com/office/powerpoint/2010/main" val="2352954413"/>
+      </p:ext>
+    </p:extLst>
+  </p:cSld>
+  <p:clrMapOvr>
+    <a:masterClrMapping/>
+  </p:clrMapOvr>
+  <p:timing>
+    <p:tnLst>
+      <p:par>
+        <p:cTn id="1" dur="indefinite" restart="never" nodeType="tmRoot"/>
+      </p:par>
+    </p:tnLst>
+  </p:timing>
+</p:sld>
+</file>
+
+<file path=ppt/slides/slide39.xml><?xml version="1.0" encoding="utf-8"?>
+<p:sld xmlns:a="http://schemas.openxmlformats.org/drawingml/2006/main" xmlns:r="http://schemas.openxmlformats.org/officeDocument/2006/relationships" xmlns:p="http://schemas.openxmlformats.org/presentationml/2006/main">
+  <p:cSld>
+    <p:spTree>
+      <p:nvGrpSpPr>
+        <p:cNvPr id="1" name=""/>
+        <p:cNvGrpSpPr/>
+        <p:nvPr/>
+      </p:nvGrpSpPr>
+      <p:grpSpPr>
+        <a:xfrm>
+          <a:off x="0" y="0"/>
+          <a:ext cx="0" cy="0"/>
+          <a:chOff x="0" y="0"/>
+          <a:chExt cx="0" cy="0"/>
+        </a:xfrm>
+      </p:grpSpPr>
+      <p:sp>
+        <p:nvSpPr>
+          <p:cNvPr id="2" name="Title 1"/>
+          <p:cNvSpPr>
+            <a:spLocks noGrp="1"/>
+          </p:cNvSpPr>
+          <p:nvPr>
+            <p:ph type="title"/>
+          </p:nvPr>
+        </p:nvSpPr>
+        <p:spPr/>
+        <p:txBody>
+          <a:bodyPr/>
+          <a:lstStyle/>
+          <a:p>
+            <a:r>
+              <a:rPr lang="en-US" dirty="0" smtClean="0"/>
+              <a:t>Design - Power</a:t>
+            </a:r>
+            <a:endParaRPr lang="en-US" dirty="0"/>
+          </a:p>
+        </p:txBody>
+      </p:sp>
+      <p:sp>
+        <p:nvSpPr>
+          <p:cNvPr id="3" name="Content Placeholder 2"/>
+          <p:cNvSpPr>
+            <a:spLocks noGrp="1"/>
+          </p:cNvSpPr>
+          <p:nvPr>
+            <p:ph idx="1"/>
+          </p:nvPr>
+        </p:nvSpPr>
+        <p:spPr/>
+        <p:txBody>
+          <a:bodyPr/>
+          <a:lstStyle/>
+          <a:p>
+            <a:r>
+              <a:rPr lang="en-US" dirty="0" smtClean="0"/>
+              <a:t>Wiring</a:t>
+            </a:r>
+            <a:endParaRPr lang="en-US" dirty="0"/>
+          </a:p>
+        </p:txBody>
+      </p:sp>
+      <p:sp>
+        <p:nvSpPr>
+          <p:cNvPr id="4" name="Text Placeholder 3"/>
+          <p:cNvSpPr>
+            <a:spLocks noGrp="1"/>
+          </p:cNvSpPr>
+          <p:nvPr>
+            <p:ph type="body" sz="quarter" idx="10"/>
+          </p:nvPr>
+        </p:nvSpPr>
+        <p:spPr/>
+        <p:txBody>
+          <a:bodyPr>
+            <a:normAutofit fontScale="92500" lnSpcReduction="10000"/>
+          </a:bodyPr>
+          <a:lstStyle/>
+          <a:p>
+            <a:r>
+              <a:rPr lang="en-US" dirty="0" smtClean="0"/>
+              <a:t>Ethan A</a:t>
+            </a:r>
+            <a:endParaRPr lang="en-US" dirty="0"/>
+          </a:p>
+        </p:txBody>
+      </p:sp>
+    </p:spTree>
+    <p:extLst>
+      <p:ext uri="{BB962C8B-B14F-4D97-AF65-F5344CB8AC3E}">
+        <p14:creationId xmlns:p14="http://schemas.microsoft.com/office/powerpoint/2010/main" val="2875824482"/>
+      </p:ext>
+    </p:extLst>
+  </p:cSld>
+  <p:clrMapOvr>
+    <a:masterClrMapping/>
+  </p:clrMapOvr>
+  <p:timing>
+    <p:tnLst>
+      <p:par>
+        <p:cTn id="1" dur="indefinite" restart="never" nodeType="tmRoot"/>
       </p:par>
     </p:tnLst>
   </p:timing>
@@ -16017,6 +16792,827 @@
   <p:clrMapOvr>
     <a:masterClrMapping/>
   </p:clrMapOvr>
+  <p:timing>
+    <p:tnLst>
+      <p:par>
+        <p:cTn id="1" dur="indefinite" restart="never" nodeType="tmRoot"/>
+      </p:par>
+    </p:tnLst>
+  </p:timing>
+</p:sld>
+</file>
+
+<file path=ppt/slides/slide40.xml><?xml version="1.0" encoding="utf-8"?>
+<p:sld xmlns:a="http://schemas.openxmlformats.org/drawingml/2006/main" xmlns:r="http://schemas.openxmlformats.org/officeDocument/2006/relationships" xmlns:p="http://schemas.openxmlformats.org/presentationml/2006/main">
+  <p:cSld>
+    <p:spTree>
+      <p:nvGrpSpPr>
+        <p:cNvPr id="1" name=""/>
+        <p:cNvGrpSpPr/>
+        <p:nvPr/>
+      </p:nvGrpSpPr>
+      <p:grpSpPr>
+        <a:xfrm>
+          <a:off x="0" y="0"/>
+          <a:ext cx="0" cy="0"/>
+          <a:chOff x="0" y="0"/>
+          <a:chExt cx="0" cy="0"/>
+        </a:xfrm>
+      </p:grpSpPr>
+      <p:sp>
+        <p:nvSpPr>
+          <p:cNvPr id="2" name="Title 1"/>
+          <p:cNvSpPr>
+            <a:spLocks noGrp="1"/>
+          </p:cNvSpPr>
+          <p:nvPr>
+            <p:ph type="title"/>
+          </p:nvPr>
+        </p:nvSpPr>
+        <p:spPr/>
+        <p:txBody>
+          <a:bodyPr/>
+          <a:lstStyle/>
+          <a:p>
+            <a:r>
+              <a:rPr lang="en-US" dirty="0" smtClean="0">
+                <a:solidFill>
+                  <a:schemeClr val="bg1">
+                    <a:lumMod val="50000"/>
+                    <a:lumOff val="50000"/>
+                  </a:schemeClr>
+                </a:solidFill>
+              </a:rPr>
+              <a:t>Design - Power</a:t>
+            </a:r>
+            <a:endParaRPr lang="en-US" dirty="0">
+              <a:solidFill>
+                <a:schemeClr val="bg1">
+                  <a:lumMod val="50000"/>
+                  <a:lumOff val="50000"/>
+                </a:schemeClr>
+              </a:solidFill>
+            </a:endParaRPr>
+          </a:p>
+        </p:txBody>
+      </p:sp>
+      <p:sp>
+        <p:nvSpPr>
+          <p:cNvPr id="3" name="Content Placeholder 2"/>
+          <p:cNvSpPr>
+            <a:spLocks noGrp="1"/>
+          </p:cNvSpPr>
+          <p:nvPr>
+            <p:ph idx="1"/>
+          </p:nvPr>
+        </p:nvSpPr>
+        <p:spPr/>
+        <p:txBody>
+          <a:bodyPr/>
+          <a:lstStyle/>
+          <a:p>
+            <a:r>
+              <a:rPr lang="en-US" dirty="0" smtClean="0"/>
+              <a:t>Power order of operations</a:t>
+            </a:r>
+            <a:endParaRPr lang="en-US" dirty="0"/>
+          </a:p>
+        </p:txBody>
+      </p:sp>
+      <p:sp>
+        <p:nvSpPr>
+          <p:cNvPr id="4" name="Text Placeholder 3"/>
+          <p:cNvSpPr>
+            <a:spLocks noGrp="1"/>
+          </p:cNvSpPr>
+          <p:nvPr>
+            <p:ph type="body" sz="quarter" idx="10"/>
+          </p:nvPr>
+        </p:nvSpPr>
+        <p:spPr/>
+        <p:txBody>
+          <a:bodyPr>
+            <a:normAutofit fontScale="92500" lnSpcReduction="10000"/>
+          </a:bodyPr>
+          <a:lstStyle/>
+          <a:p>
+            <a:r>
+              <a:rPr lang="en-US" dirty="0" smtClean="0"/>
+              <a:t>Nick J</a:t>
+            </a:r>
+            <a:endParaRPr lang="en-US" dirty="0"/>
+          </a:p>
+        </p:txBody>
+      </p:sp>
+    </p:spTree>
+    <p:extLst>
+      <p:ext uri="{BB962C8B-B14F-4D97-AF65-F5344CB8AC3E}">
+        <p14:creationId xmlns:p14="http://schemas.microsoft.com/office/powerpoint/2010/main" val="2966243109"/>
+      </p:ext>
+    </p:extLst>
+  </p:cSld>
+  <p:clrMapOvr>
+    <a:masterClrMapping/>
+  </p:clrMapOvr>
+  <p:timing>
+    <p:tnLst>
+      <p:par>
+        <p:cTn id="1" dur="indefinite" restart="never" nodeType="tmRoot"/>
+      </p:par>
+    </p:tnLst>
+  </p:timing>
+</p:sld>
+</file>
+
+<file path=ppt/slides/slide41.xml><?xml version="1.0" encoding="utf-8"?>
+<p:sld xmlns:a="http://schemas.openxmlformats.org/drawingml/2006/main" xmlns:r="http://schemas.openxmlformats.org/officeDocument/2006/relationships" xmlns:p="http://schemas.openxmlformats.org/presentationml/2006/main">
+  <p:cSld>
+    <p:spTree>
+      <p:nvGrpSpPr>
+        <p:cNvPr id="1" name=""/>
+        <p:cNvGrpSpPr/>
+        <p:nvPr/>
+      </p:nvGrpSpPr>
+      <p:grpSpPr>
+        <a:xfrm>
+          <a:off x="0" y="0"/>
+          <a:ext cx="0" cy="0"/>
+          <a:chOff x="0" y="0"/>
+          <a:chExt cx="0" cy="0"/>
+        </a:xfrm>
+      </p:grpSpPr>
+      <p:sp>
+        <p:nvSpPr>
+          <p:cNvPr id="2" name="Title 1"/>
+          <p:cNvSpPr>
+            <a:spLocks noGrp="1"/>
+          </p:cNvSpPr>
+          <p:nvPr>
+            <p:ph type="title"/>
+          </p:nvPr>
+        </p:nvSpPr>
+        <p:spPr/>
+        <p:txBody>
+          <a:bodyPr/>
+          <a:lstStyle/>
+          <a:p>
+            <a:r>
+              <a:rPr lang="en-US" dirty="0" smtClean="0">
+                <a:solidFill>
+                  <a:schemeClr val="bg1">
+                    <a:lumMod val="50000"/>
+                    <a:lumOff val="50000"/>
+                  </a:schemeClr>
+                </a:solidFill>
+              </a:rPr>
+              <a:t>Design – </a:t>
+            </a:r>
+            <a:r>
+              <a:rPr lang="en-US" dirty="0" smtClean="0">
+                <a:solidFill>
+                  <a:schemeClr val="bg1">
+                    <a:lumMod val="50000"/>
+                    <a:lumOff val="50000"/>
+                  </a:schemeClr>
+                </a:solidFill>
+              </a:rPr>
+              <a:t>Power</a:t>
+            </a:r>
+            <a:endParaRPr lang="en-US" dirty="0">
+              <a:solidFill>
+                <a:schemeClr val="bg1">
+                  <a:lumMod val="50000"/>
+                  <a:lumOff val="50000"/>
+                </a:schemeClr>
+              </a:solidFill>
+            </a:endParaRPr>
+          </a:p>
+        </p:txBody>
+      </p:sp>
+      <p:sp>
+        <p:nvSpPr>
+          <p:cNvPr id="3" name="Content Placeholder 2"/>
+          <p:cNvSpPr>
+            <a:spLocks noGrp="1"/>
+          </p:cNvSpPr>
+          <p:nvPr>
+            <p:ph idx="1"/>
+          </p:nvPr>
+        </p:nvSpPr>
+        <p:spPr/>
+        <p:txBody>
+          <a:bodyPr/>
+          <a:lstStyle/>
+          <a:p>
+            <a:endParaRPr lang="en-US" dirty="0"/>
+          </a:p>
+        </p:txBody>
+      </p:sp>
+      <p:sp>
+        <p:nvSpPr>
+          <p:cNvPr id="4" name="Text Placeholder 3"/>
+          <p:cNvSpPr>
+            <a:spLocks noGrp="1"/>
+          </p:cNvSpPr>
+          <p:nvPr>
+            <p:ph type="body" sz="quarter" idx="10"/>
+          </p:nvPr>
+        </p:nvSpPr>
+        <p:spPr/>
+        <p:txBody>
+          <a:bodyPr>
+            <a:normAutofit fontScale="92500" lnSpcReduction="10000"/>
+          </a:bodyPr>
+          <a:lstStyle/>
+          <a:p>
+            <a:r>
+              <a:rPr lang="en-US" dirty="0" smtClean="0"/>
+              <a:t>Nick J</a:t>
+            </a:r>
+            <a:endParaRPr lang="en-US" dirty="0"/>
+          </a:p>
+        </p:txBody>
+      </p:sp>
+    </p:spTree>
+    <p:extLst>
+      <p:ext uri="{BB962C8B-B14F-4D97-AF65-F5344CB8AC3E}">
+        <p14:creationId xmlns:p14="http://schemas.microsoft.com/office/powerpoint/2010/main" val="1043457955"/>
+      </p:ext>
+    </p:extLst>
+  </p:cSld>
+  <p:clrMapOvr>
+    <a:masterClrMapping/>
+  </p:clrMapOvr>
+  <p:timing>
+    <p:tnLst>
+      <p:par>
+        <p:cTn id="1" dur="indefinite" restart="never" nodeType="tmRoot"/>
+      </p:par>
+    </p:tnLst>
+  </p:timing>
+</p:sld>
+</file>
+
+<file path=ppt/slides/slide42.xml><?xml version="1.0" encoding="utf-8"?>
+<p:sld xmlns:a="http://schemas.openxmlformats.org/drawingml/2006/main" xmlns:r="http://schemas.openxmlformats.org/officeDocument/2006/relationships" xmlns:p="http://schemas.openxmlformats.org/presentationml/2006/main">
+  <p:cSld>
+    <p:spTree>
+      <p:nvGrpSpPr>
+        <p:cNvPr id="1" name=""/>
+        <p:cNvGrpSpPr/>
+        <p:nvPr/>
+      </p:nvGrpSpPr>
+      <p:grpSpPr>
+        <a:xfrm>
+          <a:off x="0" y="0"/>
+          <a:ext cx="0" cy="0"/>
+          <a:chOff x="0" y="0"/>
+          <a:chExt cx="0" cy="0"/>
+        </a:xfrm>
+      </p:grpSpPr>
+      <p:sp>
+        <p:nvSpPr>
+          <p:cNvPr id="2" name="Title 1"/>
+          <p:cNvSpPr>
+            <a:spLocks noGrp="1"/>
+          </p:cNvSpPr>
+          <p:nvPr>
+            <p:ph type="title"/>
+          </p:nvPr>
+        </p:nvSpPr>
+        <p:spPr/>
+        <p:txBody>
+          <a:bodyPr/>
+          <a:lstStyle/>
+          <a:p>
+            <a:r>
+              <a:rPr lang="en-US" dirty="0" smtClean="0">
+                <a:solidFill>
+                  <a:schemeClr val="bg1">
+                    <a:lumMod val="50000"/>
+                    <a:lumOff val="50000"/>
+                  </a:schemeClr>
+                </a:solidFill>
+              </a:rPr>
+              <a:t>FMEA</a:t>
+            </a:r>
+            <a:endParaRPr lang="en-US" dirty="0">
+              <a:solidFill>
+                <a:schemeClr val="bg1">
+                  <a:lumMod val="50000"/>
+                  <a:lumOff val="50000"/>
+                </a:schemeClr>
+              </a:solidFill>
+            </a:endParaRPr>
+          </a:p>
+        </p:txBody>
+      </p:sp>
+      <p:sp>
+        <p:nvSpPr>
+          <p:cNvPr id="3" name="Content Placeholder 2"/>
+          <p:cNvSpPr>
+            <a:spLocks noGrp="1"/>
+          </p:cNvSpPr>
+          <p:nvPr>
+            <p:ph idx="1"/>
+          </p:nvPr>
+        </p:nvSpPr>
+        <p:spPr/>
+        <p:txBody>
+          <a:bodyPr/>
+          <a:lstStyle/>
+          <a:p>
+            <a:r>
+              <a:rPr lang="en-US" dirty="0"/>
+              <a:t>TO BE COMPLETED</a:t>
+            </a:r>
+          </a:p>
+          <a:p>
+            <a:endParaRPr lang="en-US" dirty="0"/>
+          </a:p>
+        </p:txBody>
+      </p:sp>
+      <p:sp>
+        <p:nvSpPr>
+          <p:cNvPr id="4" name="Text Placeholder 3"/>
+          <p:cNvSpPr>
+            <a:spLocks noGrp="1"/>
+          </p:cNvSpPr>
+          <p:nvPr>
+            <p:ph type="body" sz="quarter" idx="10"/>
+          </p:nvPr>
+        </p:nvSpPr>
+        <p:spPr/>
+        <p:txBody>
+          <a:bodyPr>
+            <a:normAutofit fontScale="92500" lnSpcReduction="10000"/>
+          </a:bodyPr>
+          <a:lstStyle/>
+          <a:p>
+            <a:r>
+              <a:rPr lang="en-US" dirty="0" smtClean="0"/>
+              <a:t>Ben S</a:t>
+            </a:r>
+            <a:endParaRPr lang="en-US" dirty="0"/>
+          </a:p>
+        </p:txBody>
+      </p:sp>
+    </p:spTree>
+    <p:extLst>
+      <p:ext uri="{BB962C8B-B14F-4D97-AF65-F5344CB8AC3E}">
+        <p14:creationId xmlns:p14="http://schemas.microsoft.com/office/powerpoint/2010/main" val="2929915190"/>
+      </p:ext>
+    </p:extLst>
+  </p:cSld>
+  <p:clrMapOvr>
+    <a:masterClrMapping/>
+  </p:clrMapOvr>
+  <p:timing>
+    <p:tnLst>
+      <p:par>
+        <p:cTn id="1" dur="indefinite" restart="never" nodeType="tmRoot"/>
+      </p:par>
+    </p:tnLst>
+  </p:timing>
+</p:sld>
+</file>
+
+<file path=ppt/slides/slide43.xml><?xml version="1.0" encoding="utf-8"?>
+<p:sld xmlns:a="http://schemas.openxmlformats.org/drawingml/2006/main" xmlns:r="http://schemas.openxmlformats.org/officeDocument/2006/relationships" xmlns:p="http://schemas.openxmlformats.org/presentationml/2006/main">
+  <p:cSld>
+    <p:spTree>
+      <p:nvGrpSpPr>
+        <p:cNvPr id="1" name=""/>
+        <p:cNvGrpSpPr/>
+        <p:nvPr/>
+      </p:nvGrpSpPr>
+      <p:grpSpPr>
+        <a:xfrm>
+          <a:off x="0" y="0"/>
+          <a:ext cx="0" cy="0"/>
+          <a:chOff x="0" y="0"/>
+          <a:chExt cx="0" cy="0"/>
+        </a:xfrm>
+      </p:grpSpPr>
+      <p:sp>
+        <p:nvSpPr>
+          <p:cNvPr id="2" name="Title 1"/>
+          <p:cNvSpPr>
+            <a:spLocks noGrp="1"/>
+          </p:cNvSpPr>
+          <p:nvPr>
+            <p:ph type="title"/>
+          </p:nvPr>
+        </p:nvSpPr>
+        <p:spPr/>
+        <p:txBody>
+          <a:bodyPr/>
+          <a:lstStyle/>
+          <a:p>
+            <a:r>
+              <a:rPr lang="en-US" dirty="0" smtClean="0">
+                <a:solidFill>
+                  <a:schemeClr val="bg1">
+                    <a:lumMod val="50000"/>
+                    <a:lumOff val="50000"/>
+                  </a:schemeClr>
+                </a:solidFill>
+              </a:rPr>
+              <a:t>Conclusion</a:t>
+            </a:r>
+            <a:endParaRPr lang="en-US" dirty="0">
+              <a:solidFill>
+                <a:schemeClr val="bg1">
+                  <a:lumMod val="50000"/>
+                  <a:lumOff val="50000"/>
+                </a:schemeClr>
+              </a:solidFill>
+            </a:endParaRPr>
+          </a:p>
+        </p:txBody>
+      </p:sp>
+      <p:sp>
+        <p:nvSpPr>
+          <p:cNvPr id="3" name="Content Placeholder 2"/>
+          <p:cNvSpPr>
+            <a:spLocks noGrp="1"/>
+          </p:cNvSpPr>
+          <p:nvPr>
+            <p:ph idx="1"/>
+          </p:nvPr>
+        </p:nvSpPr>
+        <p:spPr/>
+        <p:txBody>
+          <a:bodyPr/>
+          <a:lstStyle/>
+          <a:p>
+            <a:r>
+              <a:rPr lang="en-US" dirty="0" smtClean="0"/>
+              <a:t>Delivered:</a:t>
+            </a:r>
+          </a:p>
+          <a:p>
+            <a:r>
+              <a:rPr lang="en-US" dirty="0" smtClean="0"/>
+              <a:t>TO BE COMPLETED</a:t>
+            </a:r>
+            <a:endParaRPr lang="en-US" dirty="0"/>
+          </a:p>
+        </p:txBody>
+      </p:sp>
+      <p:sp>
+        <p:nvSpPr>
+          <p:cNvPr id="4" name="Text Placeholder 3"/>
+          <p:cNvSpPr>
+            <a:spLocks noGrp="1"/>
+          </p:cNvSpPr>
+          <p:nvPr>
+            <p:ph type="body" sz="quarter" idx="10"/>
+          </p:nvPr>
+        </p:nvSpPr>
+        <p:spPr/>
+        <p:txBody>
+          <a:bodyPr>
+            <a:normAutofit fontScale="92500" lnSpcReduction="10000"/>
+          </a:bodyPr>
+          <a:lstStyle/>
+          <a:p>
+            <a:r>
+              <a:rPr lang="en-US" dirty="0" smtClean="0"/>
+              <a:t>Nick S</a:t>
+            </a:r>
+            <a:endParaRPr lang="en-US" dirty="0"/>
+          </a:p>
+        </p:txBody>
+      </p:sp>
+    </p:spTree>
+    <p:extLst>
+      <p:ext uri="{BB962C8B-B14F-4D97-AF65-F5344CB8AC3E}">
+        <p14:creationId xmlns:p14="http://schemas.microsoft.com/office/powerpoint/2010/main" val="1930181380"/>
+      </p:ext>
+    </p:extLst>
+  </p:cSld>
+  <p:clrMapOvr>
+    <a:masterClrMapping/>
+  </p:clrMapOvr>
+  <p:timing>
+    <p:tnLst>
+      <p:par>
+        <p:cTn id="1" dur="indefinite" restart="never" nodeType="tmRoot"/>
+      </p:par>
+    </p:tnLst>
+  </p:timing>
+</p:sld>
+</file>
+
+<file path=ppt/slides/slide44.xml><?xml version="1.0" encoding="utf-8"?>
+<p:sld xmlns:a="http://schemas.openxmlformats.org/drawingml/2006/main" xmlns:r="http://schemas.openxmlformats.org/officeDocument/2006/relationships" xmlns:p="http://schemas.openxmlformats.org/presentationml/2006/main">
+  <p:cSld>
+    <p:spTree>
+      <p:nvGrpSpPr>
+        <p:cNvPr id="1" name=""/>
+        <p:cNvGrpSpPr/>
+        <p:nvPr/>
+      </p:nvGrpSpPr>
+      <p:grpSpPr>
+        <a:xfrm>
+          <a:off x="0" y="0"/>
+          <a:ext cx="0" cy="0"/>
+          <a:chOff x="0" y="0"/>
+          <a:chExt cx="0" cy="0"/>
+        </a:xfrm>
+      </p:grpSpPr>
+      <p:sp>
+        <p:nvSpPr>
+          <p:cNvPr id="2" name="Title 1"/>
+          <p:cNvSpPr>
+            <a:spLocks noGrp="1"/>
+          </p:cNvSpPr>
+          <p:nvPr>
+            <p:ph type="title"/>
+          </p:nvPr>
+        </p:nvSpPr>
+        <p:spPr/>
+        <p:txBody>
+          <a:bodyPr/>
+          <a:lstStyle/>
+          <a:p>
+            <a:r>
+              <a:rPr lang="en-US" dirty="0" smtClean="0"/>
+              <a:t>Next steps.</a:t>
+            </a:r>
+            <a:endParaRPr lang="en-US" dirty="0"/>
+          </a:p>
+        </p:txBody>
+      </p:sp>
+      <p:sp>
+        <p:nvSpPr>
+          <p:cNvPr id="3" name="Content Placeholder 2"/>
+          <p:cNvSpPr>
+            <a:spLocks noGrp="1"/>
+          </p:cNvSpPr>
+          <p:nvPr>
+            <p:ph idx="1"/>
+          </p:nvPr>
+        </p:nvSpPr>
+        <p:spPr/>
+        <p:txBody>
+          <a:bodyPr/>
+          <a:lstStyle/>
+          <a:p>
+            <a:r>
+              <a:rPr lang="en-US" dirty="0" smtClean="0"/>
+              <a:t>Here is the next steps to be done in spring.</a:t>
+            </a:r>
+            <a:endParaRPr lang="en-US" dirty="0"/>
+          </a:p>
+        </p:txBody>
+      </p:sp>
+      <p:sp>
+        <p:nvSpPr>
+          <p:cNvPr id="4" name="Text Placeholder 3"/>
+          <p:cNvSpPr>
+            <a:spLocks noGrp="1"/>
+          </p:cNvSpPr>
+          <p:nvPr>
+            <p:ph type="body" sz="quarter" idx="10"/>
+          </p:nvPr>
+        </p:nvSpPr>
+        <p:spPr/>
+        <p:txBody>
+          <a:bodyPr>
+            <a:normAutofit fontScale="92500" lnSpcReduction="10000"/>
+          </a:bodyPr>
+          <a:lstStyle/>
+          <a:p>
+            <a:r>
+              <a:rPr lang="en-US" dirty="0" smtClean="0"/>
+              <a:t>Brian H</a:t>
+            </a:r>
+            <a:endParaRPr lang="en-US" dirty="0"/>
+          </a:p>
+        </p:txBody>
+      </p:sp>
+    </p:spTree>
+    <p:extLst>
+      <p:ext uri="{BB962C8B-B14F-4D97-AF65-F5344CB8AC3E}">
+        <p14:creationId xmlns:p14="http://schemas.microsoft.com/office/powerpoint/2010/main" val="1147883137"/>
+      </p:ext>
+    </p:extLst>
+  </p:cSld>
+  <p:clrMapOvr>
+    <a:masterClrMapping/>
+  </p:clrMapOvr>
+  <p:timing>
+    <p:tnLst>
+      <p:par>
+        <p:cTn id="1" dur="indefinite" restart="never" nodeType="tmRoot"/>
+      </p:par>
+    </p:tnLst>
+  </p:timing>
+</p:sld>
+</file>
+
+<file path=ppt/slides/slide45.xml><?xml version="1.0" encoding="utf-8"?>
+<p:sld xmlns:a="http://schemas.openxmlformats.org/drawingml/2006/main" xmlns:r="http://schemas.openxmlformats.org/officeDocument/2006/relationships" xmlns:p="http://schemas.openxmlformats.org/presentationml/2006/main">
+  <p:cSld>
+    <p:spTree>
+      <p:nvGrpSpPr>
+        <p:cNvPr id="1" name=""/>
+        <p:cNvGrpSpPr/>
+        <p:nvPr/>
+      </p:nvGrpSpPr>
+      <p:grpSpPr>
+        <a:xfrm>
+          <a:off x="0" y="0"/>
+          <a:ext cx="0" cy="0"/>
+          <a:chOff x="0" y="0"/>
+          <a:chExt cx="0" cy="0"/>
+        </a:xfrm>
+      </p:grpSpPr>
+      <p:sp>
+        <p:nvSpPr>
+          <p:cNvPr id="2" name="Title 1"/>
+          <p:cNvSpPr>
+            <a:spLocks noGrp="1"/>
+          </p:cNvSpPr>
+          <p:nvPr>
+            <p:ph type="title"/>
+          </p:nvPr>
+        </p:nvSpPr>
+        <p:spPr/>
+        <p:txBody>
+          <a:bodyPr/>
+          <a:lstStyle/>
+          <a:p>
+            <a:r>
+              <a:rPr lang="en-US" dirty="0" smtClean="0"/>
+              <a:t>Individual Reports</a:t>
+            </a:r>
+            <a:endParaRPr lang="en-US" dirty="0"/>
+          </a:p>
+        </p:txBody>
+      </p:sp>
+      <p:sp>
+        <p:nvSpPr>
+          <p:cNvPr id="3" name="Text Placeholder 2"/>
+          <p:cNvSpPr>
+            <a:spLocks noGrp="1"/>
+          </p:cNvSpPr>
+          <p:nvPr>
+            <p:ph type="body" idx="1"/>
+          </p:nvPr>
+        </p:nvSpPr>
+        <p:spPr/>
+        <p:txBody>
+          <a:bodyPr/>
+          <a:lstStyle/>
+          <a:p>
+            <a:endParaRPr lang="en-US"/>
+          </a:p>
+        </p:txBody>
+      </p:sp>
+    </p:spTree>
+    <p:extLst>
+      <p:ext uri="{BB962C8B-B14F-4D97-AF65-F5344CB8AC3E}">
+        <p14:creationId xmlns:p14="http://schemas.microsoft.com/office/powerpoint/2010/main" val="3189312476"/>
+      </p:ext>
+    </p:extLst>
+  </p:cSld>
+  <p:clrMapOvr>
+    <a:masterClrMapping/>
+  </p:clrMapOvr>
+  <p:timing>
+    <p:tnLst>
+      <p:par>
+        <p:cTn id="1" dur="indefinite" restart="never" nodeType="tmRoot"/>
+      </p:par>
+    </p:tnLst>
+  </p:timing>
+</p:sld>
+</file>
+
+<file path=ppt/slides/slide46.xml><?xml version="1.0" encoding="utf-8"?>
+<p:sld xmlns:a="http://schemas.openxmlformats.org/drawingml/2006/main" xmlns:r="http://schemas.openxmlformats.org/officeDocument/2006/relationships" xmlns:p="http://schemas.openxmlformats.org/presentationml/2006/main">
+  <p:cSld>
+    <p:spTree>
+      <p:nvGrpSpPr>
+        <p:cNvPr id="1" name=""/>
+        <p:cNvGrpSpPr/>
+        <p:nvPr/>
+      </p:nvGrpSpPr>
+      <p:grpSpPr>
+        <a:xfrm>
+          <a:off x="0" y="0"/>
+          <a:ext cx="0" cy="0"/>
+          <a:chOff x="0" y="0"/>
+          <a:chExt cx="0" cy="0"/>
+        </a:xfrm>
+      </p:grpSpPr>
+      <p:sp>
+        <p:nvSpPr>
+          <p:cNvPr id="2" name="Title 1"/>
+          <p:cNvSpPr>
+            <a:spLocks noGrp="1"/>
+          </p:cNvSpPr>
+          <p:nvPr>
+            <p:ph type="title"/>
+          </p:nvPr>
+        </p:nvSpPr>
+        <p:spPr/>
+        <p:txBody>
+          <a:bodyPr/>
+          <a:lstStyle/>
+          <a:p>
+            <a:r>
+              <a:rPr lang="en-US" dirty="0" smtClean="0">
+                <a:solidFill>
+                  <a:schemeClr val="bg1">
+                    <a:lumMod val="50000"/>
+                    <a:lumOff val="50000"/>
+                  </a:schemeClr>
+                </a:solidFill>
+              </a:rPr>
+              <a:t>Design – Data Link Budget</a:t>
+            </a:r>
+            <a:endParaRPr lang="en-US" dirty="0">
+              <a:solidFill>
+                <a:schemeClr val="bg1">
+                  <a:lumMod val="50000"/>
+                  <a:lumOff val="50000"/>
+                </a:schemeClr>
+              </a:solidFill>
+            </a:endParaRPr>
+          </a:p>
+        </p:txBody>
+      </p:sp>
+      <p:sp>
+        <p:nvSpPr>
+          <p:cNvPr id="3" name="Content Placeholder 2"/>
+          <p:cNvSpPr>
+            <a:spLocks noGrp="1"/>
+          </p:cNvSpPr>
+          <p:nvPr>
+            <p:ph idx="1"/>
+          </p:nvPr>
+        </p:nvSpPr>
+        <p:spPr/>
+        <p:txBody>
+          <a:bodyPr/>
+          <a:lstStyle/>
+          <a:p>
+            <a:r>
+              <a:rPr lang="en-US" dirty="0"/>
+              <a:t>TO BE COMPLETED</a:t>
+            </a:r>
+          </a:p>
+          <a:p>
+            <a:endParaRPr lang="en-US" dirty="0"/>
+          </a:p>
+        </p:txBody>
+      </p:sp>
+      <p:sp>
+        <p:nvSpPr>
+          <p:cNvPr id="4" name="Text Placeholder 3"/>
+          <p:cNvSpPr>
+            <a:spLocks noGrp="1"/>
+          </p:cNvSpPr>
+          <p:nvPr>
+            <p:ph type="body" sz="quarter" idx="10"/>
+          </p:nvPr>
+        </p:nvSpPr>
+        <p:spPr/>
+        <p:txBody>
+          <a:bodyPr>
+            <a:normAutofit fontScale="92500" lnSpcReduction="10000"/>
+          </a:bodyPr>
+          <a:lstStyle/>
+          <a:p>
+            <a:r>
+              <a:rPr lang="en-US" dirty="0" smtClean="0"/>
+              <a:t>Ben</a:t>
+            </a:r>
+            <a:endParaRPr lang="en-US" dirty="0"/>
+          </a:p>
+        </p:txBody>
+      </p:sp>
+    </p:spTree>
+    <p:extLst>
+      <p:ext uri="{BB962C8B-B14F-4D97-AF65-F5344CB8AC3E}">
+        <p14:creationId xmlns:p14="http://schemas.microsoft.com/office/powerpoint/2010/main" val="1821753868"/>
+      </p:ext>
+    </p:extLst>
+  </p:cSld>
+  <p:clrMapOvr>
+    <a:masterClrMapping/>
+  </p:clrMapOvr>
+  <p:timing>
+    <p:tnLst>
+      <p:par>
+        <p:cTn id="1" dur="indefinite" restart="never" nodeType="tmRoot"/>
+      </p:par>
+    </p:tnLst>
+  </p:timing>
 </p:sld>
 </file>
 
@@ -16168,8 +17764,8 @@
         </p:blipFill>
         <p:spPr bwMode="auto">
           <a:xfrm>
-            <a:off x="3145909" y="3063050"/>
-            <a:ext cx="5640283" cy="2837923"/>
+            <a:off x="2896402" y="2933837"/>
+            <a:ext cx="6065269" cy="3051756"/>
           </a:xfrm>
           <a:prstGeom prst="rect">
             <a:avLst/>
@@ -16180,14 +17776,14 @@
           </a:ln>
           <a:extLst>
             <a:ext uri="{909E8E84-426E-40dd-AFC4-6F175D3DCCD1}">
-              <a14:hiddenFill xmlns:a14="http://schemas.microsoft.com/office/drawing/2010/main">
+              <a14:hiddenFill xmlns:a14="http://schemas.microsoft.com/office/drawing/2010/main" xmlns="">
                 <a:solidFill>
                   <a:schemeClr val="accent1"/>
                 </a:solidFill>
               </a14:hiddenFill>
             </a:ext>
             <a:ext uri="{91240B29-F687-4f45-9708-019B960494DF}">
-              <a14:hiddenLine xmlns:a14="http://schemas.microsoft.com/office/drawing/2010/main" w="9525">
+              <a14:hiddenLine xmlns:a14="http://schemas.microsoft.com/office/drawing/2010/main" xmlns="" w="9525">
                 <a:solidFill>
                   <a:schemeClr val="tx1"/>
                 </a:solidFill>
@@ -16240,6 +17836,13 @@
   <p:clrMapOvr>
     <a:masterClrMapping/>
   </p:clrMapOvr>
+  <p:timing>
+    <p:tnLst>
+      <p:par>
+        <p:cTn id="1" dur="indefinite" restart="never" nodeType="tmRoot"/>
+      </p:par>
+    </p:tnLst>
+  </p:timing>
 </p:sld>
 </file>
 
@@ -16312,33 +17915,63 @@
           <a:bodyPr/>
           <a:lstStyle/>
           <a:p>
+            <a:pPr marL="0" indent="0">
+              <a:buNone/>
+            </a:pPr>
+            <a:r>
+              <a:rPr lang="en-US" sz="2400" dirty="0" smtClean="0"/>
+              <a:t>Requirements</a:t>
+            </a:r>
+          </a:p>
+          <a:p>
+            <a:pPr lvl="1"/>
+            <a:endParaRPr lang="en-US" dirty="0" smtClean="0"/>
+          </a:p>
+          <a:p>
+            <a:pPr lvl="1"/>
             <a:r>
               <a:rPr lang="en-US" dirty="0" smtClean="0"/>
-              <a:t>Payload</a:t>
-            </a:r>
+              <a:t>The </a:t>
+            </a:r>
+            <a:r>
+              <a:rPr lang="en-US" dirty="0"/>
+              <a:t>CubeSat shall determine and relay a relative position solution (i.e., relative to the formation) with an accuracy of 10 meters (1 standard deviation)</a:t>
+            </a:r>
+          </a:p>
+          <a:p>
+            <a:pPr lvl="1"/>
             <a:endParaRPr lang="en-US" dirty="0"/>
           </a:p>
           <a:p>
             <a:pPr lvl="1"/>
             <a:r>
               <a:rPr lang="en-US" dirty="0"/>
-              <a:t>Gamma Ray Intensity Detector (GRID)</a:t>
-            </a:r>
-          </a:p>
-          <a:p>
+              <a:t>The CubeSat shall determine and relay a relative attitude solution with an accuracy of 10 </a:t>
+            </a:r>
+            <a:r>
+              <a:rPr lang="en-US" dirty="0" err="1"/>
+              <a:t>mRad</a:t>
+            </a:r>
             <a:r>
               <a:rPr lang="en-US" dirty="0"/>
-              <a:t>What GRID does?</a:t>
+              <a:t>.</a:t>
             </a:r>
           </a:p>
           <a:p>
             <a:pPr lvl="1"/>
+            <a:endParaRPr lang="en-US" dirty="0"/>
+          </a:p>
+          <a:p>
+            <a:pPr lvl="1"/>
             <a:r>
               <a:rPr lang="en-US" dirty="0"/>
-              <a:t>Detect Gamma Ray Events to conceptually prove deep space navigation concepts</a:t>
-            </a:r>
-          </a:p>
-          <a:p>
+              <a:t>The CubeSat shall maintain a clock offset or timing accuracy (relative to the formation) better than 10 µs.</a:t>
+            </a:r>
+          </a:p>
+          <a:p>
+            <a:pPr marL="0" indent="0">
+              <a:buNone/>
+            </a:pPr>
             <a:endParaRPr lang="en-US" dirty="0"/>
           </a:p>
         </p:txBody>
@@ -16362,109 +17995,16 @@
           <a:p>
             <a:r>
               <a:rPr lang="en-US" dirty="0" smtClean="0"/>
-              <a:t>Charlie</a:t>
+              <a:t>Tim K</a:t>
             </a:r>
             <a:endParaRPr lang="en-US" dirty="0"/>
-          </a:p>
-        </p:txBody>
-      </p:sp>
-      <p:pic>
-        <p:nvPicPr>
-          <p:cNvPr id="5" name="Picture 2"/>
-          <p:cNvPicPr>
-            <a:picLocks noChangeAspect="1" noChangeArrowheads="1"/>
-          </p:cNvPicPr>
-          <p:nvPr/>
-        </p:nvPicPr>
-        <p:blipFill rotWithShape="1">
-          <a:blip r:embed="rId2">
-            <a:clrChange>
-              <a:clrFrom>
-                <a:srgbClr val="000000"/>
-              </a:clrFrom>
-              <a:clrTo>
-                <a:srgbClr val="000000">
-                  <a:alpha val="0"/>
-                </a:srgbClr>
-              </a:clrTo>
-            </a:clrChange>
-            <a:extLst>
-              <a:ext uri="{28A0092B-C50C-407E-A947-70E740481C1C}">
-                <a14:useLocalDpi xmlns:a14="http://schemas.microsoft.com/office/drawing/2010/main" val="0"/>
-              </a:ext>
-            </a:extLst>
-          </a:blip>
-          <a:srcRect l="768" t="806" r="768" b="806"/>
-          <a:stretch/>
-        </p:blipFill>
-        <p:spPr bwMode="auto">
-          <a:xfrm>
-            <a:off x="3195663" y="3085930"/>
-            <a:ext cx="5540774" cy="2792164"/>
-          </a:xfrm>
-          <a:prstGeom prst="rect">
-            <a:avLst/>
-          </a:prstGeom>
-          <a:noFill/>
-          <a:ln>
-            <a:noFill/>
-          </a:ln>
-          <a:extLst>
-            <a:ext uri="{909E8E84-426E-40dd-AFC4-6F175D3DCCD1}">
-              <a14:hiddenFill xmlns:a14="http://schemas.microsoft.com/office/drawing/2010/main">
-                <a:solidFill>
-                  <a:schemeClr val="accent1"/>
-                </a:solidFill>
-              </a14:hiddenFill>
-            </a:ext>
-            <a:ext uri="{91240B29-F687-4f45-9708-019B960494DF}">
-              <a14:hiddenLine xmlns:a14="http://schemas.microsoft.com/office/drawing/2010/main" w="9525">
-                <a:solidFill>
-                  <a:schemeClr val="tx1"/>
-                </a:solidFill>
-                <a:miter lim="800000"/>
-                <a:headEnd/>
-                <a:tailEnd/>
-              </a14:hiddenLine>
-            </a:ext>
-          </a:extLst>
-        </p:spPr>
-      </p:pic>
-      <p:sp>
-        <p:nvSpPr>
-          <p:cNvPr id="6" name="TextBox 5"/>
-          <p:cNvSpPr txBox="1"/>
-          <p:nvPr/>
-        </p:nvSpPr>
-        <p:spPr>
-          <a:xfrm>
-            <a:off x="3071882" y="5985593"/>
-            <a:ext cx="5714310" cy="646331"/>
-          </a:xfrm>
-          <a:prstGeom prst="rect">
-            <a:avLst/>
-          </a:prstGeom>
-          <a:noFill/>
-        </p:spPr>
-        <p:txBody>
-          <a:bodyPr wrap="square" rtlCol="0">
-            <a:spAutoFit/>
-          </a:bodyPr>
-          <a:lstStyle/>
-          <a:p>
-            <a:pPr marL="628650" indent="-628650"/>
-            <a:r>
-              <a:rPr lang="en-US" sz="1200" dirty="0" smtClean="0"/>
-              <a:t>Figure 1. This figures shows six examples of known Gamma Ray bursts from our universe. The data in the plots represents the relation between Kilo-Electron Volts and Seconds in time.</a:t>
-            </a:r>
-            <a:endParaRPr lang="en-US" sz="1200" dirty="0"/>
           </a:p>
         </p:txBody>
       </p:sp>
     </p:spTree>
     <p:extLst>
       <p:ext uri="{BB962C8B-B14F-4D97-AF65-F5344CB8AC3E}">
-        <p14:creationId xmlns:p14="http://schemas.microsoft.com/office/powerpoint/2010/main" val="2594912660"/>
+        <p14:creationId xmlns:p14="http://schemas.microsoft.com/office/powerpoint/2010/main" val="1619150952"/>
       </p:ext>
     </p:extLst>
   </p:cSld>
@@ -16474,7 +18014,7 @@
   <p:timing>
     <p:tnLst>
       <p:par>
-        <p:cTn xmlns:p14="http://schemas.microsoft.com/office/powerpoint/2010/main" id="1" dur="indefinite" restart="never" nodeType="tmRoot"/>
+        <p:cTn id="1" dur="indefinite" restart="never" nodeType="tmRoot"/>
       </p:par>
     </p:tnLst>
   </p:timing>
@@ -16516,9 +18056,9 @@
             <a:r>
               <a:rPr lang="en-US" dirty="0" smtClean="0">
                 <a:solidFill>
-                  <a:schemeClr val="bg2">
-                    <a:lumMod val="40000"/>
-                    <a:lumOff val="60000"/>
+                  <a:schemeClr val="bg1">
+                    <a:lumMod val="50000"/>
+                    <a:lumOff val="50000"/>
                   </a:schemeClr>
                 </a:solidFill>
               </a:rPr>
@@ -16526,9 +18066,9 @@
             </a:r>
             <a:endParaRPr lang="en-US" dirty="0">
               <a:solidFill>
-                <a:schemeClr val="bg2">
-                  <a:lumMod val="40000"/>
-                  <a:lumOff val="60000"/>
+                <a:schemeClr val="bg1">
+                  <a:lumMod val="50000"/>
+                  <a:lumOff val="50000"/>
                 </a:schemeClr>
               </a:solidFill>
             </a:endParaRPr>
@@ -16555,52 +18095,91 @@
             </a:pPr>
             <a:r>
               <a:rPr lang="en-US" sz="2400" dirty="0" smtClean="0"/>
-              <a:t>Requirements</a:t>
+              <a:t>Derived Requirements</a:t>
             </a:r>
           </a:p>
           <a:p>
             <a:pPr lvl="1"/>
-            <a:endParaRPr lang="en-US" dirty="0" smtClean="0"/>
+            <a:endParaRPr lang="en-US" sz="2000" dirty="0" smtClean="0"/>
           </a:p>
           <a:p>
             <a:pPr lvl="1"/>
             <a:r>
-              <a:rPr lang="en-US" dirty="0" smtClean="0"/>
-              <a:t>The </a:t>
-            </a:r>
-            <a:r>
-              <a:rPr lang="en-US" dirty="0"/>
-              <a:t>CubeSat shall determine and relay a relative position solution (i.e., relative to the formation) with an accuracy of 10 meters (1 standard deviation)</a:t>
-            </a:r>
+              <a:rPr lang="en-US" sz="2000" dirty="0" smtClean="0"/>
+              <a:t>Shall </a:t>
+            </a:r>
+            <a:r>
+              <a:rPr lang="en-US" sz="2000" dirty="0"/>
+              <a:t>accept </a:t>
+            </a:r>
+            <a:r>
+              <a:rPr lang="en-US" sz="2000" dirty="0" smtClean="0"/>
+              <a:t>“GRID” </a:t>
+            </a:r>
+            <a:r>
+              <a:rPr lang="en-US" sz="2000" dirty="0"/>
+              <a:t>as a payload</a:t>
+            </a:r>
+          </a:p>
+          <a:p>
+            <a:pPr lvl="2"/>
+            <a:r>
+              <a:rPr lang="en-US" sz="1800" dirty="0"/>
+              <a:t>Supplies payload with power </a:t>
+            </a:r>
+            <a:r>
+              <a:rPr lang="en-US" sz="1800" dirty="0" smtClean="0"/>
+              <a:t>(3~5W/</a:t>
+            </a:r>
+            <a:r>
+              <a:rPr lang="en-US" sz="1800" dirty="0" err="1" smtClean="0"/>
+              <a:t>hr</a:t>
+            </a:r>
+            <a:r>
+              <a:rPr lang="en-US" sz="1800" dirty="0" smtClean="0"/>
+              <a:t>) </a:t>
+            </a:r>
+            <a:r>
+              <a:rPr lang="en-US" sz="1800" dirty="0"/>
+              <a:t>and communication requirements</a:t>
+            </a:r>
+          </a:p>
+          <a:p>
+            <a:pPr lvl="2"/>
+            <a:r>
+              <a:rPr lang="en-US" sz="1800" dirty="0"/>
+              <a:t>Provides environmental data (time, attitude, position) to payload with priority</a:t>
+            </a:r>
+          </a:p>
+          <a:p>
+            <a:pPr lvl="2"/>
+            <a:r>
+              <a:rPr lang="en-US" sz="1800" dirty="0"/>
+              <a:t>Receives data from payload to transmit to ground network</a:t>
+            </a:r>
+          </a:p>
+          <a:p>
+            <a:endParaRPr lang="en-US" sz="2400" dirty="0"/>
           </a:p>
           <a:p>
             <a:pPr lvl="1"/>
-            <a:endParaRPr lang="en-US" dirty="0"/>
-          </a:p>
-          <a:p>
-            <a:pPr lvl="1"/>
-            <a:r>
-              <a:rPr lang="en-US" dirty="0"/>
-              <a:t>The CubeSat shall determine and relay a relative attitude solution with an accuracy of 10 </a:t>
-            </a:r>
-            <a:r>
-              <a:rPr lang="en-US" dirty="0" err="1"/>
-              <a:t>mRad</a:t>
-            </a:r>
-            <a:r>
-              <a:rPr lang="en-US" dirty="0"/>
-              <a:t>.</a:t>
-            </a:r>
-          </a:p>
-          <a:p>
-            <a:pPr lvl="1"/>
-            <a:endParaRPr lang="en-US" dirty="0"/>
-          </a:p>
-          <a:p>
-            <a:pPr lvl="1"/>
-            <a:r>
-              <a:rPr lang="en-US" dirty="0"/>
-              <a:t>The CubeSat shall maintain a clock offset or timing accuracy (relative to the formation) better than 10 µs.</a:t>
+            <a:r>
+              <a:rPr lang="en-US" sz="2000" dirty="0"/>
+              <a:t>Shall meet NASA CubeSat Launch Initiative requirements</a:t>
+            </a:r>
+          </a:p>
+          <a:p>
+            <a:pPr lvl="2"/>
+            <a:r>
+              <a:rPr lang="en-US" sz="1800" dirty="0"/>
+              <a:t>Structural, electrical, and other requirements are listed at </a:t>
+            </a:r>
+          </a:p>
+          <a:p>
+            <a:pPr lvl="3"/>
+            <a:r>
+              <a:rPr lang="en-US" sz="1600" dirty="0"/>
+              <a:t>http://www.nasa.gov/pdf/627972main_LSP-REQ-317_01A.pdf</a:t>
             </a:r>
           </a:p>
           <a:p>
@@ -16630,7 +18209,7 @@
           <a:p>
             <a:r>
               <a:rPr lang="en-US" dirty="0" smtClean="0"/>
-              <a:t>Charlie</a:t>
+              <a:t>Tim K</a:t>
             </a:r>
             <a:endParaRPr lang="en-US" dirty="0"/>
           </a:p>
@@ -16639,13 +18218,20 @@
     </p:spTree>
     <p:extLst>
       <p:ext uri="{BB962C8B-B14F-4D97-AF65-F5344CB8AC3E}">
-        <p14:creationId xmlns:p14="http://schemas.microsoft.com/office/powerpoint/2010/main" val="1619150952"/>
+        <p14:creationId xmlns:p14="http://schemas.microsoft.com/office/powerpoint/2010/main" val="2454001140"/>
       </p:ext>
     </p:extLst>
   </p:cSld>
   <p:clrMapOvr>
     <a:masterClrMapping/>
   </p:clrMapOvr>
+  <p:timing>
+    <p:tnLst>
+      <p:par>
+        <p:cTn id="1" dur="indefinite" restart="never" nodeType="tmRoot"/>
+      </p:par>
+    </p:tnLst>
+  </p:timing>
 </p:sld>
 </file>
 
@@ -16682,143 +18268,95 @@
           <a:lstStyle/>
           <a:p>
             <a:r>
-              <a:rPr lang="en-US" dirty="0" smtClean="0">
+              <a:rPr lang="en-US" dirty="0" smtClean="0"/>
+              <a:t>Design Approach</a:t>
+            </a:r>
+            <a:endParaRPr lang="en-US" dirty="0"/>
+          </a:p>
+        </p:txBody>
+      </p:sp>
+      <p:sp>
+        <p:nvSpPr>
+          <p:cNvPr id="3" name="Content Placeholder 2"/>
+          <p:cNvSpPr>
+            <a:spLocks noGrp="1"/>
+          </p:cNvSpPr>
+          <p:nvPr>
+            <p:ph idx="1"/>
+          </p:nvPr>
+        </p:nvSpPr>
+        <p:spPr/>
+        <p:txBody>
+          <a:bodyPr/>
+          <a:lstStyle/>
+          <a:p>
+            <a:r>
+              <a:rPr lang="en-US" dirty="0" smtClean="0"/>
+              <a:t>Goals</a:t>
+            </a:r>
+          </a:p>
+          <a:p>
+            <a:r>
+              <a:rPr lang="en-US" dirty="0" smtClean="0"/>
+              <a:t>Off the Shelf components</a:t>
+            </a:r>
+          </a:p>
+          <a:p>
+            <a:pPr lvl="1"/>
+            <a:r>
+              <a:rPr lang="en-US" dirty="0" smtClean="0"/>
+              <a:t>Why?</a:t>
+            </a:r>
+          </a:p>
+          <a:p>
+            <a:pPr lvl="1"/>
+            <a:r>
+              <a:rPr lang="en-US" dirty="0" smtClean="0"/>
+              <a:t>Focus on design, not technology</a:t>
+            </a:r>
+          </a:p>
+          <a:p>
+            <a:pPr lvl="1"/>
+            <a:r>
+              <a:rPr lang="en-US" dirty="0" smtClean="0"/>
+              <a:t>Support for components</a:t>
+            </a:r>
+          </a:p>
+          <a:p>
+            <a:r>
+              <a:rPr lang="en-US" dirty="0" err="1" smtClean="0"/>
+              <a:t>Subteams</a:t>
+            </a:r>
+            <a:endParaRPr lang="en-US" dirty="0"/>
+          </a:p>
+          <a:p>
+            <a:pPr lvl="1"/>
+            <a:r>
+              <a:rPr lang="en-US" dirty="0" smtClean="0"/>
+              <a:t>Divide and conquer</a:t>
+            </a:r>
+          </a:p>
+          <a:p>
+            <a:pPr lvl="1"/>
+            <a:endParaRPr lang="en-US" dirty="0"/>
+          </a:p>
+          <a:p>
+            <a:pPr lvl="1"/>
+            <a:endParaRPr lang="en-US" dirty="0" smtClean="0"/>
+          </a:p>
+          <a:p>
+            <a:pPr lvl="1"/>
+            <a:r>
+              <a:rPr lang="en-US" sz="2800" dirty="0">
                 <a:solidFill>
-                  <a:schemeClr val="bg1">
-                    <a:lumMod val="50000"/>
-                    <a:lumOff val="50000"/>
-                  </a:schemeClr>
+                  <a:srgbClr val="FFFF00"/>
                 </a:solidFill>
               </a:rPr>
-              <a:t>Motivation</a:t>
-            </a:r>
-            <a:endParaRPr lang="en-US" dirty="0">
-              <a:solidFill>
-                <a:schemeClr val="bg1">
-                  <a:lumMod val="50000"/>
-                  <a:lumOff val="50000"/>
-                </a:schemeClr>
-              </a:solidFill>
-            </a:endParaRPr>
-          </a:p>
-        </p:txBody>
-      </p:sp>
-      <p:sp>
-        <p:nvSpPr>
-          <p:cNvPr id="3" name="Content Placeholder 2"/>
-          <p:cNvSpPr>
-            <a:spLocks noGrp="1"/>
-          </p:cNvSpPr>
-          <p:nvPr>
-            <p:ph idx="1"/>
-          </p:nvPr>
-        </p:nvSpPr>
-        <p:spPr/>
-        <p:txBody>
-          <a:bodyPr/>
-          <a:lstStyle/>
-          <a:p>
-            <a:pPr marL="0" indent="0">
-              <a:buNone/>
-            </a:pPr>
-            <a:r>
-              <a:rPr lang="en-US" sz="2400" dirty="0" smtClean="0"/>
-              <a:t>Derived Requirements</a:t>
-            </a:r>
-          </a:p>
-          <a:p>
-            <a:pPr lvl="1"/>
-            <a:endParaRPr lang="en-US" sz="2000" dirty="0" smtClean="0"/>
-          </a:p>
-          <a:p>
-            <a:pPr lvl="1"/>
-            <a:r>
-              <a:rPr lang="en-US" sz="2000" dirty="0" smtClean="0"/>
-              <a:t>Shall </a:t>
-            </a:r>
-            <a:r>
-              <a:rPr lang="en-US" sz="2000" dirty="0"/>
-              <a:t>accept </a:t>
-            </a:r>
-            <a:r>
-              <a:rPr lang="en-US" sz="2000" dirty="0" smtClean="0"/>
-              <a:t>“GRID” </a:t>
-            </a:r>
-            <a:r>
-              <a:rPr lang="en-US" sz="2000" dirty="0"/>
-              <a:t>as a payload</a:t>
-            </a:r>
-          </a:p>
-          <a:p>
-            <a:pPr lvl="2"/>
-            <a:r>
-              <a:rPr lang="en-US" sz="1800" dirty="0"/>
-              <a:t>Supplies payload with power </a:t>
-            </a:r>
-            <a:r>
-              <a:rPr lang="en-US" sz="1800" dirty="0" smtClean="0"/>
-              <a:t>(3~5W/</a:t>
-            </a:r>
-            <a:r>
-              <a:rPr lang="en-US" sz="1800" dirty="0" err="1" smtClean="0"/>
-              <a:t>hr</a:t>
-            </a:r>
-            <a:r>
-              <a:rPr lang="en-US" sz="1800" dirty="0" smtClean="0"/>
-              <a:t>) </a:t>
-            </a:r>
-            <a:r>
-              <a:rPr lang="en-US" sz="1800" dirty="0"/>
-              <a:t>and communication requirements</a:t>
-            </a:r>
-          </a:p>
-          <a:p>
-            <a:pPr lvl="2"/>
-            <a:r>
-              <a:rPr lang="en-US" sz="1800" dirty="0"/>
-              <a:t>Provides environmental data (time, attitude, position) to payload with priority</a:t>
-            </a:r>
-          </a:p>
-          <a:p>
-            <a:pPr lvl="2"/>
-            <a:r>
-              <a:rPr lang="en-US" sz="1800" dirty="0"/>
-              <a:t>Receives data from payload to transmit to ground network</a:t>
-            </a:r>
-          </a:p>
-          <a:p>
-            <a:endParaRPr lang="en-US" sz="2400" dirty="0"/>
-          </a:p>
-          <a:p>
-            <a:pPr lvl="1"/>
-            <a:r>
-              <a:rPr lang="en-US" sz="2000" dirty="0"/>
-              <a:t>Shall meet NASA CubeSat Launch Initiative requirements</a:t>
-            </a:r>
-          </a:p>
-          <a:p>
-            <a:pPr lvl="2"/>
-            <a:r>
-              <a:rPr lang="en-US" sz="1800" dirty="0"/>
-              <a:t>Structural, electrical, and other requirements are listed at </a:t>
-            </a:r>
-          </a:p>
-          <a:p>
-            <a:pPr lvl="3"/>
-            <a:r>
-              <a:rPr lang="en-US" sz="1600" dirty="0">
-                <a:solidFill>
-                  <a:srgbClr val="FFC000"/>
-                </a:solidFill>
-              </a:rPr>
-              <a:t>http://www.nasa.gov/pdf/627972main_LSP-REQ-317_01A.pdf</a:t>
-            </a:r>
-          </a:p>
-          <a:p>
-            <a:pPr marL="0" indent="0">
-              <a:buNone/>
-            </a:pPr>
-            <a:endParaRPr lang="en-US" dirty="0"/>
+              <a:t>One to three slides</a:t>
+            </a:r>
+          </a:p>
+          <a:p>
+            <a:endParaRPr lang="en-US" dirty="0" smtClean="0"/>
           </a:p>
         </p:txBody>
       </p:sp>
@@ -16841,7 +18379,7 @@
           <a:p>
             <a:r>
               <a:rPr lang="en-US" dirty="0" smtClean="0"/>
-              <a:t>Charlie</a:t>
+              <a:t>Tim K</a:t>
             </a:r>
             <a:endParaRPr lang="en-US" dirty="0"/>
           </a:p>
@@ -16850,13 +18388,20 @@
     </p:spTree>
     <p:extLst>
       <p:ext uri="{BB962C8B-B14F-4D97-AF65-F5344CB8AC3E}">
-        <p14:creationId xmlns:p14="http://schemas.microsoft.com/office/powerpoint/2010/main" val="2454001140"/>
+        <p14:creationId xmlns:p14="http://schemas.microsoft.com/office/powerpoint/2010/main" val="2712493219"/>
       </p:ext>
     </p:extLst>
   </p:cSld>
   <p:clrMapOvr>
     <a:masterClrMapping/>
   </p:clrMapOvr>
+  <p:timing>
+    <p:tnLst>
+      <p:par>
+        <p:cTn id="1" dur="indefinite" restart="never" nodeType="tmRoot"/>
+      </p:par>
+    </p:tnLst>
+  </p:timing>
 </p:sld>
 </file>
 
@@ -16901,7 +18446,7 @@
                   </a:schemeClr>
                 </a:solidFill>
               </a:rPr>
-              <a:t>Design - Model</a:t>
+              <a:t>Budget</a:t>
             </a:r>
             <a:endParaRPr lang="en-US" dirty="0">
               <a:solidFill>
@@ -16930,13 +18475,69 @@
           <a:lstStyle/>
           <a:p>
             <a:r>
-              <a:rPr lang="en-US" dirty="0" err="1" smtClean="0"/>
-              <a:t>Solidworks</a:t>
-            </a:r>
-            <a:r>
               <a:rPr lang="en-US" dirty="0" smtClean="0"/>
-              <a:t> Model HERE</a:t>
-            </a:r>
+              <a:t>Attitude Control</a:t>
+            </a:r>
+          </a:p>
+          <a:p>
+            <a:r>
+              <a:rPr lang="en-US" dirty="0" smtClean="0"/>
+              <a:t>Attitude </a:t>
+            </a:r>
+            <a:r>
+              <a:rPr lang="en-US" dirty="0" smtClean="0"/>
+              <a:t>Determination</a:t>
+            </a:r>
+          </a:p>
+          <a:p>
+            <a:r>
+              <a:rPr lang="en-US" dirty="0" smtClean="0"/>
+              <a:t>Position Determination</a:t>
+            </a:r>
+          </a:p>
+          <a:p>
+            <a:r>
+              <a:rPr lang="en-US" dirty="0" smtClean="0"/>
+              <a:t>Communication</a:t>
+            </a:r>
+            <a:endParaRPr lang="en-US" dirty="0" smtClean="0"/>
+          </a:p>
+          <a:p>
+            <a:r>
+              <a:rPr lang="en-US" dirty="0" smtClean="0"/>
+              <a:t>Power</a:t>
+            </a:r>
+          </a:p>
+          <a:p>
+            <a:r>
+              <a:rPr lang="en-US" dirty="0" smtClean="0"/>
+              <a:t>Manpower</a:t>
+            </a:r>
+          </a:p>
+          <a:p>
+            <a:pPr lvl="1"/>
+            <a:r>
+              <a:rPr lang="en-US" dirty="0" smtClean="0"/>
+              <a:t>FREE</a:t>
+            </a:r>
+            <a:r>
+              <a:rPr lang="en-US" dirty="0" smtClean="0"/>
+              <a:t>!</a:t>
+            </a:r>
+          </a:p>
+          <a:p>
+            <a:pPr lvl="1"/>
+            <a:endParaRPr lang="en-US" dirty="0"/>
+          </a:p>
+          <a:p>
+            <a:pPr lvl="1"/>
+            <a:r>
+              <a:rPr lang="en-US" dirty="0" smtClean="0"/>
+              <a:t>Proposal </a:t>
+            </a:r>
+            <a:endParaRPr lang="en-US" dirty="0" smtClean="0"/>
+          </a:p>
+          <a:p>
             <a:endParaRPr lang="en-US" dirty="0"/>
           </a:p>
         </p:txBody>
@@ -16958,20 +18559,31 @@
           </a:bodyPr>
           <a:lstStyle/>
           <a:p>
-            <a:endParaRPr lang="en-US"/>
+            <a:r>
+              <a:rPr lang="en-US" dirty="0" smtClean="0"/>
+              <a:t>Jake G.</a:t>
+            </a:r>
+            <a:endParaRPr lang="en-US" dirty="0"/>
           </a:p>
         </p:txBody>
       </p:sp>
     </p:spTree>
     <p:extLst>
       <p:ext uri="{BB962C8B-B14F-4D97-AF65-F5344CB8AC3E}">
-        <p14:creationId xmlns:p14="http://schemas.microsoft.com/office/powerpoint/2010/main" val="1921092968"/>
+        <p14:creationId xmlns:p14="http://schemas.microsoft.com/office/powerpoint/2010/main" val="3051738324"/>
       </p:ext>
     </p:extLst>
   </p:cSld>
   <p:clrMapOvr>
     <a:masterClrMapping/>
   </p:clrMapOvr>
+  <p:timing>
+    <p:tnLst>
+      <p:par>
+        <p:cTn id="1" dur="indefinite" restart="never" nodeType="tmRoot"/>
+      </p:par>
+    </p:tnLst>
+  </p:timing>
 </p:sld>
 </file>
 
@@ -17235,7 +18847,7 @@
   <a:extraClrSchemeLst/>
   <a:extLst>
     <a:ext uri="{05A4C25C-085E-4340-85A3-A5531E510DB2}">
-      <thm15:themeFamily xmlns:thm15="http://schemas.microsoft.com/office/thememl/2012/main" xmlns="" name="Theme1" id="{4DC015B6-F420-4CE0-B51C-21BE6322361F}" vid="{1413F7E4-2720-4250-A1CE-68DF955E7FCD}"/>
+      <thm15:themeFamily xmlns:thm15="http://schemas.microsoft.com/office/thememl/2012/main" name="Theme1" id="{4DC015B6-F420-4CE0-B51C-21BE6322361F}" vid="{1413F7E4-2720-4250-A1CE-68DF955E7FCD}"/>
     </a:ext>
   </a:extLst>
 </a:theme>
@@ -17496,7 +19108,7 @@
   <a:extraClrSchemeLst/>
   <a:extLst>
     <a:ext uri="{05A4C25C-085E-4340-85A3-A5531E510DB2}">
-      <thm15:themeFamily xmlns:thm15="http://schemas.microsoft.com/office/thememl/2012/main" xmlns="" name="Office Theme" id="{62F939B6-93AF-4DB8-9C6B-D6C7DFDC589F}" vid="{4A3C46E8-61CC-4603-A589-7422A47A8E4A}"/>
+      <thm15:themeFamily xmlns:thm15="http://schemas.microsoft.com/office/thememl/2012/main" name="Office Theme" id="{62F939B6-93AF-4DB8-9C6B-D6C7DFDC589F}" vid="{4A3C46E8-61CC-4603-A589-7422A47A8E4A}"/>
     </a:ext>
   </a:extLst>
 </a:theme>

--- a/Presentations/CDR_Presentation.pptx
+++ b/Presentations/CDR_Presentation.pptx
@@ -5,7 +5,7 @@
     <p:sldMasterId id="2147483660" r:id="rId1"/>
   </p:sldMasterIdLst>
   <p:notesMasterIdLst>
-    <p:notesMasterId r:id="rId48"/>
+    <p:notesMasterId r:id="rId51"/>
   </p:notesMasterIdLst>
   <p:sldIdLst>
     <p:sldId id="256" r:id="rId2"/>
@@ -28,32 +28,35 @@
     <p:sldId id="302" r:id="rId19"/>
     <p:sldId id="303" r:id="rId20"/>
     <p:sldId id="309" r:id="rId21"/>
-    <p:sldId id="271" r:id="rId22"/>
-    <p:sldId id="298" r:id="rId23"/>
-    <p:sldId id="283" r:id="rId24"/>
-    <p:sldId id="284" r:id="rId25"/>
-    <p:sldId id="285" r:id="rId26"/>
-    <p:sldId id="294" r:id="rId27"/>
-    <p:sldId id="295" r:id="rId28"/>
-    <p:sldId id="296" r:id="rId29"/>
-    <p:sldId id="289" r:id="rId30"/>
-    <p:sldId id="290" r:id="rId31"/>
-    <p:sldId id="291" r:id="rId32"/>
-    <p:sldId id="292" r:id="rId33"/>
-    <p:sldId id="299" r:id="rId34"/>
-    <p:sldId id="272" r:id="rId35"/>
-    <p:sldId id="304" r:id="rId36"/>
-    <p:sldId id="310" r:id="rId37"/>
-    <p:sldId id="307" r:id="rId38"/>
-    <p:sldId id="305" r:id="rId39"/>
-    <p:sldId id="308" r:id="rId40"/>
-    <p:sldId id="306" r:id="rId41"/>
-    <p:sldId id="279" r:id="rId42"/>
-    <p:sldId id="269" r:id="rId43"/>
-    <p:sldId id="281" r:id="rId44"/>
-    <p:sldId id="312" r:id="rId45"/>
-    <p:sldId id="268" r:id="rId46"/>
-    <p:sldId id="297" r:id="rId47"/>
+    <p:sldId id="313" r:id="rId22"/>
+    <p:sldId id="314" r:id="rId23"/>
+    <p:sldId id="271" r:id="rId24"/>
+    <p:sldId id="315" r:id="rId25"/>
+    <p:sldId id="298" r:id="rId26"/>
+    <p:sldId id="283" r:id="rId27"/>
+    <p:sldId id="284" r:id="rId28"/>
+    <p:sldId id="285" r:id="rId29"/>
+    <p:sldId id="294" r:id="rId30"/>
+    <p:sldId id="295" r:id="rId31"/>
+    <p:sldId id="296" r:id="rId32"/>
+    <p:sldId id="289" r:id="rId33"/>
+    <p:sldId id="290" r:id="rId34"/>
+    <p:sldId id="291" r:id="rId35"/>
+    <p:sldId id="292" r:id="rId36"/>
+    <p:sldId id="299" r:id="rId37"/>
+    <p:sldId id="272" r:id="rId38"/>
+    <p:sldId id="304" r:id="rId39"/>
+    <p:sldId id="310" r:id="rId40"/>
+    <p:sldId id="307" r:id="rId41"/>
+    <p:sldId id="305" r:id="rId42"/>
+    <p:sldId id="308" r:id="rId43"/>
+    <p:sldId id="306" r:id="rId44"/>
+    <p:sldId id="279" r:id="rId45"/>
+    <p:sldId id="269" r:id="rId46"/>
+    <p:sldId id="281" r:id="rId47"/>
+    <p:sldId id="312" r:id="rId48"/>
+    <p:sldId id="268" r:id="rId49"/>
+    <p:sldId id="297" r:id="rId50"/>
   </p:sldIdLst>
   <p:sldSz cx="12192000" cy="6858000"/>
   <p:notesSz cx="6858000" cy="9144000"/>
@@ -197,7 +200,10 @@
             <p14:sldId id="302"/>
             <p14:sldId id="303"/>
             <p14:sldId id="309"/>
+            <p14:sldId id="313"/>
+            <p14:sldId id="314"/>
             <p14:sldId id="271"/>
+            <p14:sldId id="315"/>
             <p14:sldId id="298"/>
             <p14:sldId id="283"/>
             <p14:sldId id="284"/>
@@ -240,7 +246,7 @@
       </p14:sectionLst>
     </p:ext>
     <p:ext uri="{EFAFB233-063F-42B5-8137-9DF3F51BA10A}">
-      <p15:sldGuideLst xmlns:p15="http://schemas.microsoft.com/office/powerpoint/2012/main">
+      <p15:sldGuideLst xmlns:p15="http://schemas.microsoft.com/office/powerpoint/2012/main" xmlns="">
         <p15:guide id="1" orient="horz" pos="2160">
           <p15:clr>
             <a:srgbClr val="A4A3A4"/>
@@ -339,7 +345,7 @@
           <a:p>
             <a:fld id="{31C140BA-0231-455E-9316-1D73A33F1CEF}" type="datetimeFigureOut">
               <a:rPr lang="en-US" smtClean="0"/>
-              <a:t>12/4/2015</a:t>
+              <a:t>12/5/15</a:t>
             </a:fld>
             <a:endParaRPr lang="en-US"/>
           </a:p>
@@ -607,6 +613,98 @@
 </p:notesMaster>
 </file>
 
+<file path=ppt/notesSlides/notesSlide1.xml><?xml version="1.0" encoding="utf-8"?>
+<p:notes xmlns:a="http://schemas.openxmlformats.org/drawingml/2006/main" xmlns:r="http://schemas.openxmlformats.org/officeDocument/2006/relationships" xmlns:p="http://schemas.openxmlformats.org/presentationml/2006/main">
+  <p:cSld>
+    <p:spTree>
+      <p:nvGrpSpPr>
+        <p:cNvPr id="1" name=""/>
+        <p:cNvGrpSpPr/>
+        <p:nvPr/>
+      </p:nvGrpSpPr>
+      <p:grpSpPr>
+        <a:xfrm>
+          <a:off x="0" y="0"/>
+          <a:ext cx="0" cy="0"/>
+          <a:chOff x="0" y="0"/>
+          <a:chExt cx="0" cy="0"/>
+        </a:xfrm>
+      </p:grpSpPr>
+      <p:sp>
+        <p:nvSpPr>
+          <p:cNvPr id="2" name="Slide Image Placeholder 1"/>
+          <p:cNvSpPr>
+            <a:spLocks noGrp="1" noRot="1" noChangeAspect="1"/>
+          </p:cNvSpPr>
+          <p:nvPr>
+            <p:ph type="sldImg"/>
+          </p:nvPr>
+        </p:nvSpPr>
+        <p:spPr/>
+      </p:sp>
+      <p:sp>
+        <p:nvSpPr>
+          <p:cNvPr id="3" name="Notes Placeholder 2"/>
+          <p:cNvSpPr>
+            <a:spLocks noGrp="1"/>
+          </p:cNvSpPr>
+          <p:nvPr>
+            <p:ph type="body" idx="1"/>
+          </p:nvPr>
+        </p:nvSpPr>
+        <p:spPr/>
+        <p:txBody>
+          <a:bodyPr/>
+          <a:lstStyle/>
+          <a:p>
+            <a:r>
+              <a:rPr lang="en-US" dirty="0" smtClean="0"/>
+              <a:t>Predicted assumes 40% weather throughput,</a:t>
+            </a:r>
+            <a:r>
+              <a:rPr lang="en-US" baseline="0" dirty="0" smtClean="0"/>
+              <a:t> maximum expected data errors, and 1 MB of other data transferred per day (handshakes, diagnostics, log files)</a:t>
+            </a:r>
+            <a:endParaRPr lang="en-US" dirty="0"/>
+          </a:p>
+        </p:txBody>
+      </p:sp>
+      <p:sp>
+        <p:nvSpPr>
+          <p:cNvPr id="4" name="Slide Number Placeholder 3"/>
+          <p:cNvSpPr>
+            <a:spLocks noGrp="1"/>
+          </p:cNvSpPr>
+          <p:nvPr>
+            <p:ph type="sldNum" sz="quarter" idx="10"/>
+          </p:nvPr>
+        </p:nvSpPr>
+        <p:spPr/>
+        <p:txBody>
+          <a:bodyPr/>
+          <a:lstStyle/>
+          <a:p>
+            <a:fld id="{A246BDF5-4FA6-46A2-80D2-372E7192340B}" type="slidenum">
+              <a:rPr lang="en-US" smtClean="0"/>
+              <a:t>24</a:t>
+            </a:fld>
+            <a:endParaRPr lang="en-US"/>
+          </a:p>
+        </p:txBody>
+      </p:sp>
+    </p:spTree>
+    <p:extLst>
+      <p:ext uri="{BB962C8B-B14F-4D97-AF65-F5344CB8AC3E}">
+        <p14:creationId xmlns:p14="http://schemas.microsoft.com/office/powerpoint/2010/main" val="3457165382"/>
+      </p:ext>
+    </p:extLst>
+  </p:cSld>
+  <p:clrMapOvr>
+    <a:masterClrMapping/>
+  </p:clrMapOvr>
+</p:notes>
+</file>
+
 <file path=ppt/slideLayouts/slideLayout1.xml><?xml version="1.0" encoding="utf-8"?>
 <p:sldLayout xmlns:a="http://schemas.openxmlformats.org/drawingml/2006/main" xmlns:r="http://schemas.openxmlformats.org/officeDocument/2006/relationships" xmlns:p="http://schemas.openxmlformats.org/presentationml/2006/main" type="title" preserve="1">
   <p:cSld name="Title Slide">
@@ -793,7 +891,7 @@
           <a:p>
             <a:fld id="{7DDDCAA9-9585-4BDA-B647-DCFF46B7611D}" type="datetimeFigureOut">
               <a:rPr lang="en-US" smtClean="0"/>
-              <a:t>12/4/2015</a:t>
+              <a:t>12/5/15</a:t>
             </a:fld>
             <a:endParaRPr lang="en-US"/>
           </a:p>
@@ -1068,7 +1166,7 @@
           <a:p>
             <a:fld id="{7DDDCAA9-9585-4BDA-B647-DCFF46B7611D}" type="datetimeFigureOut">
               <a:rPr lang="en-US" smtClean="0"/>
-              <a:t>12/4/2015</a:t>
+              <a:t>12/5/15</a:t>
             </a:fld>
             <a:endParaRPr lang="en-US"/>
           </a:p>
@@ -1262,7 +1360,7 @@
           <a:p>
             <a:fld id="{7DDDCAA9-9585-4BDA-B647-DCFF46B7611D}" type="datetimeFigureOut">
               <a:rPr lang="en-US" smtClean="0"/>
-              <a:t>12/4/2015</a:t>
+              <a:t>12/5/15</a:t>
             </a:fld>
             <a:endParaRPr lang="en-US"/>
           </a:p>
@@ -1535,7 +1633,7 @@
           <a:p>
             <a:fld id="{7DDDCAA9-9585-4BDA-B647-DCFF46B7611D}" type="datetimeFigureOut">
               <a:rPr lang="en-US" smtClean="0"/>
-              <a:t>12/4/2015</a:t>
+              <a:t>12/5/15</a:t>
             </a:fld>
             <a:endParaRPr lang="en-US"/>
           </a:p>
@@ -1876,7 +1974,7 @@
           <a:p>
             <a:fld id="{7DDDCAA9-9585-4BDA-B647-DCFF46B7611D}" type="datetimeFigureOut">
               <a:rPr lang="en-US" smtClean="0"/>
-              <a:t>12/4/2015</a:t>
+              <a:t>12/5/15</a:t>
             </a:fld>
             <a:endParaRPr lang="en-US"/>
           </a:p>
@@ -2499,7 +2597,7 @@
           <a:p>
             <a:fld id="{7DDDCAA9-9585-4BDA-B647-DCFF46B7611D}" type="datetimeFigureOut">
               <a:rPr lang="en-US" smtClean="0"/>
-              <a:t>12/4/2015</a:t>
+              <a:t>12/5/15</a:t>
             </a:fld>
             <a:endParaRPr lang="en-US"/>
           </a:p>
@@ -3359,7 +3457,7 @@
           <a:p>
             <a:fld id="{7DDDCAA9-9585-4BDA-B647-DCFF46B7611D}" type="datetimeFigureOut">
               <a:rPr lang="en-US" smtClean="0"/>
-              <a:t>12/4/2015</a:t>
+              <a:t>12/5/15</a:t>
             </a:fld>
             <a:endParaRPr lang="en-US"/>
           </a:p>
@@ -3529,7 +3627,7 @@
           <a:p>
             <a:fld id="{7DDDCAA9-9585-4BDA-B647-DCFF46B7611D}" type="datetimeFigureOut">
               <a:rPr lang="en-US" smtClean="0"/>
-              <a:t>12/4/2015</a:t>
+              <a:t>12/5/15</a:t>
             </a:fld>
             <a:endParaRPr lang="en-US"/>
           </a:p>
@@ -3709,7 +3807,7 @@
           <a:p>
             <a:fld id="{7DDDCAA9-9585-4BDA-B647-DCFF46B7611D}" type="datetimeFigureOut">
               <a:rPr lang="en-US" smtClean="0"/>
-              <a:t>12/4/2015</a:t>
+              <a:t>12/5/15</a:t>
             </a:fld>
             <a:endParaRPr lang="en-US"/>
           </a:p>
@@ -4105,7 +4203,7 @@
           <a:p>
             <a:fld id="{7DDDCAA9-9585-4BDA-B647-DCFF46B7611D}" type="datetimeFigureOut">
               <a:rPr lang="en-US" smtClean="0"/>
-              <a:t>12/4/2015</a:t>
+              <a:t>12/5/15</a:t>
             </a:fld>
             <a:endParaRPr lang="en-US"/>
           </a:p>
@@ -4397,7 +4495,7 @@
           <a:p>
             <a:fld id="{7DDDCAA9-9585-4BDA-B647-DCFF46B7611D}" type="datetimeFigureOut">
               <a:rPr lang="en-US" smtClean="0"/>
-              <a:t>12/4/2015</a:t>
+              <a:t>12/5/15</a:t>
             </a:fld>
             <a:endParaRPr lang="en-US"/>
           </a:p>
@@ -4841,7 +4939,7 @@
           <a:p>
             <a:fld id="{7DDDCAA9-9585-4BDA-B647-DCFF46B7611D}" type="datetimeFigureOut">
               <a:rPr lang="en-US" smtClean="0"/>
-              <a:t>12/4/2015</a:t>
+              <a:t>12/5/15</a:t>
             </a:fld>
             <a:endParaRPr lang="en-US"/>
           </a:p>
@@ -4959,7 +5057,7 @@
           <a:p>
             <a:fld id="{7DDDCAA9-9585-4BDA-B647-DCFF46B7611D}" type="datetimeFigureOut">
               <a:rPr lang="en-US" smtClean="0"/>
-              <a:t>12/4/2015</a:t>
+              <a:t>12/5/15</a:t>
             </a:fld>
             <a:endParaRPr lang="en-US"/>
           </a:p>
@@ -5054,7 +5152,7 @@
           <a:p>
             <a:fld id="{7DDDCAA9-9585-4BDA-B647-DCFF46B7611D}" type="datetimeFigureOut">
               <a:rPr lang="en-US" smtClean="0"/>
-              <a:t>12/4/2015</a:t>
+              <a:t>12/5/15</a:t>
             </a:fld>
             <a:endParaRPr lang="en-US"/>
           </a:p>
@@ -5333,7 +5431,7 @@
           <a:p>
             <a:fld id="{7DDDCAA9-9585-4BDA-B647-DCFF46B7611D}" type="datetimeFigureOut">
               <a:rPr lang="en-US" smtClean="0"/>
-              <a:t>12/4/2015</a:t>
+              <a:t>12/5/15</a:t>
             </a:fld>
             <a:endParaRPr lang="en-US"/>
           </a:p>
@@ -5608,7 +5706,7 @@
           <a:p>
             <a:fld id="{7DDDCAA9-9585-4BDA-B647-DCFF46B7611D}" type="datetimeFigureOut">
               <a:rPr lang="en-US" smtClean="0"/>
-              <a:t>12/4/2015</a:t>
+              <a:t>12/5/15</a:t>
             </a:fld>
             <a:endParaRPr lang="en-US"/>
           </a:p>
@@ -6010,7 +6108,7 @@
           <a:p>
             <a:fld id="{7DDDCAA9-9585-4BDA-B647-DCFF46B7611D}" type="datetimeFigureOut">
               <a:rPr lang="en-US" smtClean="0"/>
-              <a:t>12/4/2015</a:t>
+              <a:t>12/5/15</a:t>
             </a:fld>
             <a:endParaRPr lang="en-US"/>
           </a:p>
@@ -6627,7 +6725,7 @@
   <p:timing>
     <p:tnLst>
       <p:par>
-        <p:cTn id="1" dur="indefinite" restart="never" nodeType="tmRoot"/>
+        <p:cTn xmlns:p14="http://schemas.microsoft.com/office/powerpoint/2010/main" id="1" dur="indefinite" restart="never" nodeType="tmRoot"/>
       </p:par>
     </p:tnLst>
   </p:timing>
@@ -6753,7 +6851,7 @@
   <p:timing>
     <p:tnLst>
       <p:par>
-        <p:cTn id="1" dur="indefinite" restart="never" nodeType="tmRoot"/>
+        <p:cTn xmlns:p14="http://schemas.microsoft.com/office/powerpoint/2010/main" id="1" dur="indefinite" restart="never" nodeType="tmRoot"/>
       </p:par>
     </p:tnLst>
   </p:timing>
@@ -6882,7 +6980,7 @@
   <p:timing>
     <p:tnLst>
       <p:par>
-        <p:cTn id="1" dur="indefinite" restart="never" nodeType="tmRoot"/>
+        <p:cTn xmlns:p14="http://schemas.microsoft.com/office/powerpoint/2010/main" id="1" dur="indefinite" restart="never" nodeType="tmRoot"/>
       </p:par>
     </p:tnLst>
   </p:timing>
@@ -7004,7 +7102,7 @@
   <p:timing>
     <p:tnLst>
       <p:par>
-        <p:cTn id="1" dur="indefinite" restart="never" nodeType="tmRoot"/>
+        <p:cTn xmlns:p14="http://schemas.microsoft.com/office/powerpoint/2010/main" id="1" dur="indefinite" restart="never" nodeType="tmRoot"/>
       </p:par>
     </p:tnLst>
   </p:timing>
@@ -7132,7 +7230,7 @@
   <p:timing>
     <p:tnLst>
       <p:par>
-        <p:cTn id="1" dur="indefinite" restart="never" nodeType="tmRoot"/>
+        <p:cTn xmlns:p14="http://schemas.microsoft.com/office/powerpoint/2010/main" id="1" dur="indefinite" restart="never" nodeType="tmRoot"/>
       </p:par>
     </p:tnLst>
   </p:timing>
@@ -7254,7 +7352,7 @@
   <p:timing>
     <p:tnLst>
       <p:par>
-        <p:cTn id="1" dur="indefinite" restart="never" nodeType="tmRoot"/>
+        <p:cTn xmlns:p14="http://schemas.microsoft.com/office/powerpoint/2010/main" id="1" dur="indefinite" restart="never" nodeType="tmRoot"/>
       </p:par>
     </p:tnLst>
   </p:timing>
@@ -7382,7 +7480,7 @@
   <p:timing>
     <p:tnLst>
       <p:par>
-        <p:cTn id="1" dur="indefinite" restart="never" nodeType="tmRoot"/>
+        <p:cTn xmlns:p14="http://schemas.microsoft.com/office/powerpoint/2010/main" id="1" dur="indefinite" restart="never" nodeType="tmRoot"/>
       </p:par>
     </p:tnLst>
   </p:timing>
@@ -7462,7 +7560,6 @@
               <a:rPr lang="en-US" dirty="0" smtClean="0"/>
               <a:t>Overview</a:t>
             </a:r>
-            <a:endParaRPr lang="en-US" dirty="0" smtClean="0"/>
           </a:p>
           <a:p>
             <a:endParaRPr lang="en-US" dirty="0"/>
@@ -7507,7 +7604,7 @@
   <p:timing>
     <p:tnLst>
       <p:par>
-        <p:cTn id="1" dur="indefinite" restart="never" nodeType="tmRoot"/>
+        <p:cTn xmlns:p14="http://schemas.microsoft.com/office/powerpoint/2010/main" id="1" dur="indefinite" restart="never" nodeType="tmRoot"/>
       </p:par>
     </p:tnLst>
   </p:timing>
@@ -7682,7 +7779,7 @@
   <p:timing>
     <p:tnLst>
       <p:par>
-        <p:cTn id="1" dur="indefinite" restart="never" nodeType="tmRoot"/>
+        <p:cTn xmlns:p14="http://schemas.microsoft.com/office/powerpoint/2010/main" id="1" dur="indefinite" restart="never" nodeType="tmRoot"/>
       </p:par>
     </p:tnLst>
   </p:timing>
@@ -7807,7 +7904,7 @@
   <p:timing>
     <p:tnLst>
       <p:par>
-        <p:cTn id="1" dur="indefinite" restart="never" nodeType="tmRoot"/>
+        <p:cTn xmlns:p14="http://schemas.microsoft.com/office/powerpoint/2010/main" id="1" dur="indefinite" restart="never" nodeType="tmRoot"/>
       </p:par>
     </p:tnLst>
   </p:timing>
@@ -7938,7 +8035,7 @@
   <p:timing>
     <p:tnLst>
       <p:par>
-        <p:cTn id="1" dur="indefinite" restart="never" nodeType="tmRoot"/>
+        <p:cTn xmlns:p14="http://schemas.microsoft.com/office/powerpoint/2010/main" id="1" dur="indefinite" restart="never" nodeType="tmRoot"/>
       </p:par>
     </p:tnLst>
   </p:timing>
@@ -8132,7 +8229,7 @@
   <p:timing>
     <p:tnLst>
       <p:par>
-        <p:cTn id="1" dur="indefinite" restart="never" nodeType="tmRoot"/>
+        <p:cTn xmlns:p14="http://schemas.microsoft.com/office/powerpoint/2010/main" id="1" dur="indefinite" restart="never" nodeType="tmRoot"/>
       </p:par>
     </p:tnLst>
   </p:timing>
@@ -8246,7 +8343,7 @@
   <p:timing>
     <p:tnLst>
       <p:par>
-        <p:cTn id="1" dur="indefinite" restart="never" nodeType="tmRoot"/>
+        <p:cTn xmlns:p14="http://schemas.microsoft.com/office/powerpoint/2010/main" id="1" dur="indefinite" restart="never" nodeType="tmRoot"/>
       </p:par>
     </p:tnLst>
   </p:timing>
@@ -8280,7 +8377,12 @@
             <p:ph type="title"/>
           </p:nvPr>
         </p:nvSpPr>
-        <p:spPr/>
+        <p:spPr>
+          <a:xfrm>
+            <a:off x="458221" y="363151"/>
+            <a:ext cx="9916046" cy="700265"/>
+          </a:xfrm>
+        </p:spPr>
         <p:txBody>
           <a:bodyPr/>
           <a:lstStyle/>
@@ -8294,7 +8396,7 @@
                   </a:schemeClr>
                 </a:solidFill>
               </a:rPr>
-              <a:t>Design - Communications</a:t>
+              <a:t>Design – Requirements for GRID/GPS</a:t>
             </a:r>
             <a:endParaRPr lang="en-US" dirty="0">
               <a:solidFill>
@@ -8361,10 +8463,53 @@
           </a:p>
         </p:txBody>
       </p:sp>
+      <p:sp>
+        <p:nvSpPr>
+          <p:cNvPr id="3" name="Rounded Rectangle 2"/>
+          <p:cNvSpPr/>
+          <p:nvPr/>
+        </p:nvSpPr>
+        <p:spPr>
+          <a:xfrm>
+            <a:off x="5044041" y="1109086"/>
+            <a:ext cx="1895986" cy="2468611"/>
+          </a:xfrm>
+          <a:prstGeom prst="roundRect">
+            <a:avLst/>
+          </a:prstGeom>
+          <a:solidFill>
+            <a:srgbClr val="FFFF00">
+              <a:alpha val="49000"/>
+            </a:srgbClr>
+          </a:solidFill>
+        </p:spPr>
+        <p:style>
+          <a:lnRef idx="1">
+            <a:schemeClr val="accent1"/>
+          </a:lnRef>
+          <a:fillRef idx="3">
+            <a:schemeClr val="accent1"/>
+          </a:fillRef>
+          <a:effectRef idx="2">
+            <a:schemeClr val="accent1"/>
+          </a:effectRef>
+          <a:fontRef idx="minor">
+            <a:schemeClr val="lt1"/>
+          </a:fontRef>
+        </p:style>
+        <p:txBody>
+          <a:bodyPr rtlCol="0" anchor="ctr"/>
+          <a:lstStyle/>
+          <a:p>
+            <a:pPr algn="ctr"/>
+            <a:endParaRPr lang="en-US"/>
+          </a:p>
+        </p:txBody>
+      </p:sp>
     </p:spTree>
     <p:extLst>
       <p:ext uri="{BB962C8B-B14F-4D97-AF65-F5344CB8AC3E}">
-        <p14:creationId xmlns:p14="http://schemas.microsoft.com/office/powerpoint/2010/main" val="971149973"/>
+        <p14:creationId xmlns:p14="http://schemas.microsoft.com/office/powerpoint/2010/main" val="303524673"/>
       </p:ext>
     </p:extLst>
   </p:cSld>
@@ -8374,7 +8519,7 @@
   <p:timing>
     <p:tnLst>
       <p:par>
-        <p:cTn id="1" dur="indefinite" restart="never" nodeType="tmRoot"/>
+        <p:cTn xmlns:p14="http://schemas.microsoft.com/office/powerpoint/2010/main" id="1" dur="indefinite" restart="never" nodeType="tmRoot"/>
       </p:par>
     </p:tnLst>
   </p:timing>
@@ -8408,7 +8553,12 @@
             <p:ph type="title"/>
           </p:nvPr>
         </p:nvSpPr>
-        <p:spPr/>
+        <p:spPr>
+          <a:xfrm>
+            <a:off x="458221" y="363151"/>
+            <a:ext cx="9898160" cy="700265"/>
+          </a:xfrm>
+        </p:spPr>
         <p:txBody>
           <a:bodyPr/>
           <a:lstStyle/>
@@ -8425,17 +8575,6 @@
               <a:t>Design </a:t>
             </a:r>
             <a:r>
-              <a:rPr lang="en-US" dirty="0">
-                <a:solidFill>
-                  <a:schemeClr val="bg1">
-                    <a:lumMod val="50000"/>
-                    <a:lumOff val="50000"/>
-                  </a:schemeClr>
-                </a:solidFill>
-              </a:rPr>
-              <a:t>-</a:t>
-            </a:r>
-            <a:r>
               <a:rPr lang="en-US" dirty="0" smtClean="0">
                 <a:solidFill>
                   <a:schemeClr val="bg1">
@@ -8444,7 +8583,7 @@
                   </a:schemeClr>
                 </a:solidFill>
               </a:rPr>
-              <a:t> Com. Equipment</a:t>
+              <a:t>– Requirements for GRID/GPS</a:t>
             </a:r>
             <a:endParaRPr lang="en-US" dirty="0">
               <a:solidFill>
@@ -8473,39 +8612,35 @@
           <a:lstStyle/>
           <a:p>
             <a:r>
-              <a:rPr lang="en-US" dirty="0" err="1" smtClean="0"/>
-              <a:t>FreeWave</a:t>
-            </a:r>
-            <a:r>
               <a:rPr lang="en-US" dirty="0" smtClean="0"/>
-              <a:t> Radio @ </a:t>
+              <a:t>GRID/GPS may generate up to 20 MB per GRB event</a:t>
+            </a:r>
+          </a:p>
+          <a:p>
+            <a:r>
+              <a:rPr lang="en-US" dirty="0" smtClean="0"/>
+              <a:t>GRID/GPS must save data files in 128 </a:t>
             </a:r>
             <a:r>
               <a:rPr lang="en-US" dirty="0"/>
-              <a:t>915MHz</a:t>
-            </a:r>
-            <a:endParaRPr lang="en-US" dirty="0" smtClean="0"/>
-          </a:p>
-          <a:p>
+              <a:t>K</a:t>
+            </a:r>
             <a:r>
               <a:rPr lang="en-US" dirty="0" smtClean="0"/>
-              <a:t>Whip Antenna</a:t>
-            </a:r>
-          </a:p>
-          <a:p>
-            <a:endParaRPr lang="en-US" dirty="0" smtClean="0"/>
+              <a:t>B packets (maximum).</a:t>
+            </a:r>
           </a:p>
           <a:p>
             <a:r>
               <a:rPr lang="en-US" dirty="0" smtClean="0"/>
-              <a:t>TO </a:t>
-            </a:r>
-            <a:r>
-              <a:rPr lang="en-US" dirty="0"/>
-              <a:t>BE COMPLETED</a:t>
-            </a:r>
-          </a:p>
-          <a:p>
+              <a:t>Must use logical data naming structure</a:t>
+            </a:r>
+          </a:p>
+          <a:p>
+            <a:r>
+              <a:rPr lang="en-US" dirty="0" smtClean="0"/>
+              <a:t>Flight computer must generate and save a checksum for each packet file individually</a:t>
+            </a:r>
             <a:endParaRPr lang="en-US" dirty="0"/>
           </a:p>
         </p:txBody>
@@ -8529,7 +8664,7 @@
           <a:p>
             <a:r>
               <a:rPr lang="en-US" dirty="0" smtClean="0"/>
-              <a:t>Tim K</a:t>
+              <a:t>NAME</a:t>
             </a:r>
             <a:endParaRPr lang="en-US" dirty="0"/>
           </a:p>
@@ -8538,7 +8673,7 @@
     </p:spTree>
     <p:extLst>
       <p:ext uri="{BB962C8B-B14F-4D97-AF65-F5344CB8AC3E}">
-        <p14:creationId xmlns:p14="http://schemas.microsoft.com/office/powerpoint/2010/main" val="2624501678"/>
+        <p14:creationId xmlns:p14="http://schemas.microsoft.com/office/powerpoint/2010/main" val="47098601"/>
       </p:ext>
     </p:extLst>
   </p:cSld>
@@ -8548,7 +8683,7 @@
   <p:timing>
     <p:tnLst>
       <p:par>
-        <p:cTn id="1" dur="indefinite" restart="never" nodeType="tmRoot"/>
+        <p:cTn xmlns:p14="http://schemas.microsoft.com/office/powerpoint/2010/main" id="1" dur="indefinite" restart="never" nodeType="tmRoot"/>
       </p:par>
     </p:tnLst>
   </p:timing>
@@ -8596,6 +8731,139 @@
                   </a:schemeClr>
                 </a:solidFill>
               </a:rPr>
+              <a:t>Design - Communications</a:t>
+            </a:r>
+            <a:endParaRPr lang="en-US" dirty="0">
+              <a:solidFill>
+                <a:schemeClr val="bg1">
+                  <a:lumMod val="50000"/>
+                  <a:lumOff val="50000"/>
+                </a:schemeClr>
+              </a:solidFill>
+            </a:endParaRPr>
+          </a:p>
+        </p:txBody>
+      </p:sp>
+      <p:pic>
+        <p:nvPicPr>
+          <p:cNvPr id="5" name="Content Placeholder 4"/>
+          <p:cNvPicPr>
+            <a:picLocks noGrp="1" noChangeAspect="1"/>
+          </p:cNvPicPr>
+          <p:nvPr>
+            <p:ph idx="1"/>
+          </p:nvPr>
+        </p:nvPicPr>
+        <p:blipFill>
+          <a:blip r:embed="rId2">
+            <a:extLst>
+              <a:ext uri="{28A0092B-C50C-407E-A947-70E740481C1C}">
+                <a14:useLocalDpi xmlns:a14="http://schemas.microsoft.com/office/drawing/2010/main" val="0"/>
+              </a:ext>
+            </a:extLst>
+          </a:blip>
+          <a:stretch>
+            <a:fillRect/>
+          </a:stretch>
+        </p:blipFill>
+        <p:spPr>
+          <a:xfrm>
+            <a:off x="1371030" y="1227138"/>
+            <a:ext cx="8889553" cy="5160962"/>
+          </a:xfrm>
+        </p:spPr>
+      </p:pic>
+      <p:sp>
+        <p:nvSpPr>
+          <p:cNvPr id="4" name="Text Placeholder 3"/>
+          <p:cNvSpPr>
+            <a:spLocks noGrp="1"/>
+          </p:cNvSpPr>
+          <p:nvPr>
+            <p:ph type="body" sz="quarter" idx="10"/>
+          </p:nvPr>
+        </p:nvSpPr>
+        <p:spPr/>
+        <p:txBody>
+          <a:bodyPr>
+            <a:normAutofit fontScale="92500" lnSpcReduction="10000"/>
+          </a:bodyPr>
+          <a:lstStyle/>
+          <a:p>
+            <a:r>
+              <a:rPr lang="en-US" dirty="0" smtClean="0"/>
+              <a:t> </a:t>
+            </a:r>
+            <a:endParaRPr lang="en-US" dirty="0"/>
+          </a:p>
+        </p:txBody>
+      </p:sp>
+    </p:spTree>
+    <p:extLst>
+      <p:ext uri="{BB962C8B-B14F-4D97-AF65-F5344CB8AC3E}">
+        <p14:creationId xmlns:p14="http://schemas.microsoft.com/office/powerpoint/2010/main" val="971149973"/>
+      </p:ext>
+    </p:extLst>
+  </p:cSld>
+  <p:clrMapOvr>
+    <a:masterClrMapping/>
+  </p:clrMapOvr>
+  <p:timing>
+    <p:tnLst>
+      <p:par>
+        <p:cTn xmlns:p14="http://schemas.microsoft.com/office/powerpoint/2010/main" id="1" dur="indefinite" restart="never" nodeType="tmRoot"/>
+      </p:par>
+    </p:tnLst>
+  </p:timing>
+</p:sld>
+</file>
+
+<file path=ppt/slides/slide24.xml><?xml version="1.0" encoding="utf-8"?>
+<p:sld xmlns:a="http://schemas.openxmlformats.org/drawingml/2006/main" xmlns:r="http://schemas.openxmlformats.org/officeDocument/2006/relationships" xmlns:p="http://schemas.openxmlformats.org/presentationml/2006/main">
+  <p:cSld>
+    <p:spTree>
+      <p:nvGrpSpPr>
+        <p:cNvPr id="1" name=""/>
+        <p:cNvGrpSpPr/>
+        <p:nvPr/>
+      </p:nvGrpSpPr>
+      <p:grpSpPr>
+        <a:xfrm>
+          <a:off x="0" y="0"/>
+          <a:ext cx="0" cy="0"/>
+          <a:chOff x="0" y="0"/>
+          <a:chExt cx="0" cy="0"/>
+        </a:xfrm>
+      </p:grpSpPr>
+      <p:sp>
+        <p:nvSpPr>
+          <p:cNvPr id="2" name="Title 1"/>
+          <p:cNvSpPr>
+            <a:spLocks noGrp="1"/>
+          </p:cNvSpPr>
+          <p:nvPr>
+            <p:ph type="title"/>
+          </p:nvPr>
+        </p:nvSpPr>
+        <p:spPr>
+          <a:xfrm>
+            <a:off x="458221" y="363151"/>
+            <a:ext cx="10005480" cy="700265"/>
+          </a:xfrm>
+        </p:spPr>
+        <p:txBody>
+          <a:bodyPr/>
+          <a:lstStyle/>
+          <a:p>
+            <a:r>
+              <a:rPr lang="en-US" dirty="0" smtClean="0">
+                <a:solidFill>
+                  <a:schemeClr val="bg1">
+                    <a:lumMod val="50000"/>
+                    <a:lumOff val="50000"/>
+                  </a:schemeClr>
+                </a:solidFill>
+              </a:rPr>
               <a:t>Design </a:t>
             </a:r>
             <a:r>
@@ -8618,7 +8886,390 @@
                   </a:schemeClr>
                 </a:solidFill>
               </a:rPr>
-              <a:t> Communications</a:t>
+              <a:t> </a:t>
+            </a:r>
+            <a:r>
+              <a:rPr lang="en-US" dirty="0" smtClean="0">
+                <a:solidFill>
+                  <a:schemeClr val="bg1">
+                    <a:lumMod val="50000"/>
+                    <a:lumOff val="50000"/>
+                  </a:schemeClr>
+                </a:solidFill>
+              </a:rPr>
+              <a:t>Communications Overview</a:t>
+            </a:r>
+            <a:endParaRPr lang="en-US" dirty="0">
+              <a:solidFill>
+                <a:schemeClr val="bg1">
+                  <a:lumMod val="50000"/>
+                  <a:lumOff val="50000"/>
+                </a:schemeClr>
+              </a:solidFill>
+            </a:endParaRPr>
+          </a:p>
+        </p:txBody>
+      </p:sp>
+      <p:sp>
+        <p:nvSpPr>
+          <p:cNvPr id="3" name="Content Placeholder 2"/>
+          <p:cNvSpPr>
+            <a:spLocks noGrp="1"/>
+          </p:cNvSpPr>
+          <p:nvPr>
+            <p:ph idx="1"/>
+          </p:nvPr>
+        </p:nvSpPr>
+        <p:spPr/>
+        <p:txBody>
+          <a:bodyPr/>
+          <a:lstStyle/>
+          <a:p>
+            <a:r>
+              <a:rPr lang="en-US" dirty="0" smtClean="0"/>
+              <a:t>Maximum total theoretical data that can be transferred per day: 50 MB</a:t>
+            </a:r>
+          </a:p>
+          <a:p>
+            <a:r>
+              <a:rPr lang="en-US" dirty="0" smtClean="0"/>
+              <a:t>Expected e</a:t>
+            </a:r>
+            <a:r>
+              <a:rPr lang="en-US" dirty="0" smtClean="0"/>
+              <a:t>ffects reducing this value</a:t>
+            </a:r>
+          </a:p>
+          <a:p>
+            <a:pPr lvl="1"/>
+            <a:r>
+              <a:rPr lang="en-US" dirty="0" smtClean="0"/>
+              <a:t>Weather</a:t>
+            </a:r>
+          </a:p>
+          <a:p>
+            <a:pPr lvl="1"/>
+            <a:r>
+              <a:rPr lang="en-US" dirty="0" smtClean="0"/>
+              <a:t>Communications Algorithm</a:t>
+            </a:r>
+            <a:endParaRPr lang="en-US" dirty="0"/>
+          </a:p>
+          <a:p>
+            <a:pPr lvl="1"/>
+            <a:r>
+              <a:rPr lang="en-US" dirty="0" smtClean="0"/>
+              <a:t>Random Data Errors</a:t>
+            </a:r>
+          </a:p>
+          <a:p>
+            <a:r>
+              <a:rPr lang="en-US" dirty="0" smtClean="0"/>
+              <a:t>Expected science data transfer per day: 15 MB</a:t>
+            </a:r>
+          </a:p>
+          <a:p>
+            <a:r>
+              <a:rPr lang="en-US" dirty="0" smtClean="0"/>
+              <a:t>Guaranteed total data transfer per day: 10 MB</a:t>
+            </a:r>
+            <a:endParaRPr lang="en-US" dirty="0"/>
+          </a:p>
+        </p:txBody>
+      </p:sp>
+      <p:sp>
+        <p:nvSpPr>
+          <p:cNvPr id="4" name="Text Placeholder 3"/>
+          <p:cNvSpPr>
+            <a:spLocks noGrp="1"/>
+          </p:cNvSpPr>
+          <p:nvPr>
+            <p:ph type="body" sz="quarter" idx="10"/>
+          </p:nvPr>
+        </p:nvSpPr>
+        <p:spPr/>
+        <p:txBody>
+          <a:bodyPr>
+            <a:normAutofit fontScale="92500" lnSpcReduction="10000"/>
+          </a:bodyPr>
+          <a:lstStyle/>
+          <a:p>
+            <a:r>
+              <a:rPr lang="en-US" smtClean="0"/>
+              <a:t>NAME</a:t>
+            </a:r>
+            <a:endParaRPr lang="en-US" dirty="0"/>
+          </a:p>
+        </p:txBody>
+      </p:sp>
+    </p:spTree>
+    <p:extLst>
+      <p:ext uri="{BB962C8B-B14F-4D97-AF65-F5344CB8AC3E}">
+        <p14:creationId xmlns:p14="http://schemas.microsoft.com/office/powerpoint/2010/main" val="4094428087"/>
+      </p:ext>
+    </p:extLst>
+  </p:cSld>
+  <p:clrMapOvr>
+    <a:masterClrMapping/>
+  </p:clrMapOvr>
+  <p:timing>
+    <p:tnLst>
+      <p:par>
+        <p:cTn xmlns:p14="http://schemas.microsoft.com/office/powerpoint/2010/main" id="1" dur="indefinite" restart="never" nodeType="tmRoot"/>
+      </p:par>
+    </p:tnLst>
+  </p:timing>
+</p:sld>
+</file>
+
+<file path=ppt/slides/slide25.xml><?xml version="1.0" encoding="utf-8"?>
+<p:sld xmlns:a="http://schemas.openxmlformats.org/drawingml/2006/main" xmlns:r="http://schemas.openxmlformats.org/officeDocument/2006/relationships" xmlns:p="http://schemas.openxmlformats.org/presentationml/2006/main">
+  <p:cSld>
+    <p:spTree>
+      <p:nvGrpSpPr>
+        <p:cNvPr id="1" name=""/>
+        <p:cNvGrpSpPr/>
+        <p:nvPr/>
+      </p:nvGrpSpPr>
+      <p:grpSpPr>
+        <a:xfrm>
+          <a:off x="0" y="0"/>
+          <a:ext cx="0" cy="0"/>
+          <a:chOff x="0" y="0"/>
+          <a:chExt cx="0" cy="0"/>
+        </a:xfrm>
+      </p:grpSpPr>
+      <p:sp>
+        <p:nvSpPr>
+          <p:cNvPr id="2" name="Title 1"/>
+          <p:cNvSpPr>
+            <a:spLocks noGrp="1"/>
+          </p:cNvSpPr>
+          <p:nvPr>
+            <p:ph type="title"/>
+          </p:nvPr>
+        </p:nvSpPr>
+        <p:spPr>
+          <a:xfrm>
+            <a:off x="458221" y="363151"/>
+            <a:ext cx="9844500" cy="700265"/>
+          </a:xfrm>
+        </p:spPr>
+        <p:txBody>
+          <a:bodyPr/>
+          <a:lstStyle/>
+          <a:p>
+            <a:r>
+              <a:rPr lang="en-US" dirty="0" smtClean="0">
+                <a:solidFill>
+                  <a:schemeClr val="bg1">
+                    <a:lumMod val="50000"/>
+                    <a:lumOff val="50000"/>
+                  </a:schemeClr>
+                </a:solidFill>
+              </a:rPr>
+              <a:t>Design </a:t>
+            </a:r>
+            <a:r>
+              <a:rPr lang="en-US" dirty="0">
+                <a:solidFill>
+                  <a:schemeClr val="bg1">
+                    <a:lumMod val="50000"/>
+                    <a:lumOff val="50000"/>
+                  </a:schemeClr>
+                </a:solidFill>
+              </a:rPr>
+              <a:t>-</a:t>
+            </a:r>
+            <a:r>
+              <a:rPr lang="en-US" dirty="0" smtClean="0">
+                <a:solidFill>
+                  <a:schemeClr val="bg1">
+                    <a:lumMod val="50000"/>
+                    <a:lumOff val="50000"/>
+                  </a:schemeClr>
+                </a:solidFill>
+              </a:rPr>
+              <a:t> </a:t>
+            </a:r>
+            <a:r>
+              <a:rPr lang="en-US" dirty="0" smtClean="0">
+                <a:solidFill>
+                  <a:schemeClr val="bg1">
+                    <a:lumMod val="50000"/>
+                    <a:lumOff val="50000"/>
+                  </a:schemeClr>
+                </a:solidFill>
+              </a:rPr>
+              <a:t>Communications Hardware</a:t>
+            </a:r>
+            <a:endParaRPr lang="en-US" dirty="0">
+              <a:solidFill>
+                <a:schemeClr val="bg1">
+                  <a:lumMod val="50000"/>
+                  <a:lumOff val="50000"/>
+                </a:schemeClr>
+              </a:solidFill>
+            </a:endParaRPr>
+          </a:p>
+        </p:txBody>
+      </p:sp>
+      <p:sp>
+        <p:nvSpPr>
+          <p:cNvPr id="3" name="Content Placeholder 2"/>
+          <p:cNvSpPr>
+            <a:spLocks noGrp="1"/>
+          </p:cNvSpPr>
+          <p:nvPr>
+            <p:ph idx="1"/>
+          </p:nvPr>
+        </p:nvSpPr>
+        <p:spPr/>
+        <p:txBody>
+          <a:bodyPr/>
+          <a:lstStyle/>
+          <a:p>
+            <a:r>
+              <a:rPr lang="en-US" dirty="0" err="1" smtClean="0"/>
+              <a:t>FreeWave</a:t>
+            </a:r>
+            <a:r>
+              <a:rPr lang="en-US" dirty="0" smtClean="0"/>
+              <a:t> Radio @ </a:t>
+            </a:r>
+            <a:r>
+              <a:rPr lang="en-US" dirty="0"/>
+              <a:t>915MHz</a:t>
+            </a:r>
+            <a:endParaRPr lang="en-US" dirty="0" smtClean="0"/>
+          </a:p>
+          <a:p>
+            <a:r>
+              <a:rPr lang="en-US" dirty="0" smtClean="0"/>
+              <a:t>Whip Antenna</a:t>
+            </a:r>
+          </a:p>
+          <a:p>
+            <a:endParaRPr lang="en-US" dirty="0" smtClean="0"/>
+          </a:p>
+          <a:p>
+            <a:r>
+              <a:rPr lang="en-US" dirty="0" smtClean="0"/>
+              <a:t>TO </a:t>
+            </a:r>
+            <a:r>
+              <a:rPr lang="en-US" dirty="0"/>
+              <a:t>BE COMPLETED</a:t>
+            </a:r>
+          </a:p>
+          <a:p>
+            <a:endParaRPr lang="en-US" dirty="0"/>
+          </a:p>
+        </p:txBody>
+      </p:sp>
+      <p:sp>
+        <p:nvSpPr>
+          <p:cNvPr id="4" name="Text Placeholder 3"/>
+          <p:cNvSpPr>
+            <a:spLocks noGrp="1"/>
+          </p:cNvSpPr>
+          <p:nvPr>
+            <p:ph type="body" sz="quarter" idx="10"/>
+          </p:nvPr>
+        </p:nvSpPr>
+        <p:spPr/>
+        <p:txBody>
+          <a:bodyPr>
+            <a:normAutofit fontScale="92500" lnSpcReduction="10000"/>
+          </a:bodyPr>
+          <a:lstStyle/>
+          <a:p>
+            <a:r>
+              <a:rPr lang="en-US" dirty="0" smtClean="0"/>
+              <a:t>Tim K</a:t>
+            </a:r>
+            <a:endParaRPr lang="en-US" dirty="0"/>
+          </a:p>
+        </p:txBody>
+      </p:sp>
+    </p:spTree>
+    <p:extLst>
+      <p:ext uri="{BB962C8B-B14F-4D97-AF65-F5344CB8AC3E}">
+        <p14:creationId xmlns:p14="http://schemas.microsoft.com/office/powerpoint/2010/main" val="2624501678"/>
+      </p:ext>
+    </p:extLst>
+  </p:cSld>
+  <p:clrMapOvr>
+    <a:masterClrMapping/>
+  </p:clrMapOvr>
+  <p:timing>
+    <p:tnLst>
+      <p:par>
+        <p:cTn xmlns:p14="http://schemas.microsoft.com/office/powerpoint/2010/main" id="1" dur="indefinite" restart="never" nodeType="tmRoot"/>
+      </p:par>
+    </p:tnLst>
+  </p:timing>
+</p:sld>
+</file>
+
+<file path=ppt/slides/slide26.xml><?xml version="1.0" encoding="utf-8"?>
+<p:sld xmlns:a="http://schemas.openxmlformats.org/drawingml/2006/main" xmlns:r="http://schemas.openxmlformats.org/officeDocument/2006/relationships" xmlns:p="http://schemas.openxmlformats.org/presentationml/2006/main">
+  <p:cSld>
+    <p:spTree>
+      <p:nvGrpSpPr>
+        <p:cNvPr id="1" name=""/>
+        <p:cNvGrpSpPr/>
+        <p:nvPr/>
+      </p:nvGrpSpPr>
+      <p:grpSpPr>
+        <a:xfrm>
+          <a:off x="0" y="0"/>
+          <a:ext cx="0" cy="0"/>
+          <a:chOff x="0" y="0"/>
+          <a:chExt cx="0" cy="0"/>
+        </a:xfrm>
+      </p:grpSpPr>
+      <p:sp>
+        <p:nvSpPr>
+          <p:cNvPr id="2" name="Title 1"/>
+          <p:cNvSpPr>
+            <a:spLocks noGrp="1"/>
+          </p:cNvSpPr>
+          <p:nvPr>
+            <p:ph type="title"/>
+          </p:nvPr>
+        </p:nvSpPr>
+        <p:spPr>
+          <a:xfrm>
+            <a:off x="458221" y="363151"/>
+            <a:ext cx="9737180" cy="700265"/>
+          </a:xfrm>
+        </p:spPr>
+        <p:txBody>
+          <a:bodyPr/>
+          <a:lstStyle/>
+          <a:p>
+            <a:r>
+              <a:rPr lang="en-US" dirty="0" smtClean="0">
+                <a:solidFill>
+                  <a:schemeClr val="bg1">
+                    <a:lumMod val="50000"/>
+                    <a:lumOff val="50000"/>
+                  </a:schemeClr>
+                </a:solidFill>
+              </a:rPr>
+              <a:t>Design </a:t>
+            </a:r>
+            <a:r>
+              <a:rPr lang="en-US" dirty="0" smtClean="0">
+                <a:solidFill>
+                  <a:schemeClr val="bg1">
+                    <a:lumMod val="50000"/>
+                    <a:lumOff val="50000"/>
+                  </a:schemeClr>
+                </a:solidFill>
+              </a:rPr>
+              <a:t>– Communications Algorithm</a:t>
             </a:r>
             <a:endParaRPr lang="en-US" dirty="0">
               <a:solidFill>
@@ -8792,7 +9443,7 @@
   <p:timing>
     <p:tnLst>
       <p:par>
-        <p:cTn id="1" dur="indefinite" restart="never" nodeType="tmRoot">
+        <p:cTn xmlns:p14="http://schemas.microsoft.com/office/powerpoint/2010/main" id="1" dur="indefinite" restart="never" nodeType="tmRoot">
           <p:childTnLst>
             <p:seq concurrent="1" nextAc="seek">
               <p:cTn id="2" dur="indefinite" nodeType="mainSeq">
@@ -9111,7 +9762,7 @@
 </p:sld>
 </file>
 
-<file path=ppt/slides/slide24.xml><?xml version="1.0" encoding="utf-8"?>
+<file path=ppt/slides/slide27.xml><?xml version="1.0" encoding="utf-8"?>
 <p:sld xmlns:a="http://schemas.openxmlformats.org/drawingml/2006/main" xmlns:r="http://schemas.openxmlformats.org/officeDocument/2006/relationships" xmlns:p="http://schemas.openxmlformats.org/presentationml/2006/main">
   <p:cSld>
     <p:spTree>
@@ -9138,7 +9789,12 @@
             <p:ph type="title"/>
           </p:nvPr>
         </p:nvSpPr>
-        <p:spPr/>
+        <p:spPr>
+          <a:xfrm>
+            <a:off x="458221" y="363151"/>
+            <a:ext cx="9755066" cy="700265"/>
+          </a:xfrm>
+        </p:spPr>
         <p:txBody>
           <a:bodyPr/>
           <a:lstStyle/>
@@ -9152,7 +9808,18 @@
                   </a:schemeClr>
                 </a:solidFill>
               </a:rPr>
-              <a:t>Design - Communications</a:t>
+              <a:t>Design </a:t>
+            </a:r>
+            <a:r>
+              <a:rPr lang="en-US" dirty="0" smtClean="0">
+                <a:solidFill>
+                  <a:schemeClr val="bg1">
+                    <a:lumMod val="50000"/>
+                    <a:lumOff val="50000"/>
+                  </a:schemeClr>
+                </a:solidFill>
+              </a:rPr>
+              <a:t>– Communications Algorithm</a:t>
             </a:r>
             <a:endParaRPr lang="en-US" dirty="0">
               <a:solidFill>
@@ -9363,7 +10030,7 @@
   <p:timing>
     <p:tnLst>
       <p:par>
-        <p:cTn id="1" dur="indefinite" restart="never" nodeType="tmRoot">
+        <p:cTn xmlns:p14="http://schemas.microsoft.com/office/powerpoint/2010/main" id="1" dur="indefinite" restart="never" nodeType="tmRoot">
           <p:childTnLst>
             <p:seq concurrent="1" nextAc="seek">
               <p:cTn id="2" dur="indefinite" nodeType="mainSeq">
@@ -9607,7 +10274,7 @@
 </p:sld>
 </file>
 
-<file path=ppt/slides/slide25.xml><?xml version="1.0" encoding="utf-8"?>
+<file path=ppt/slides/slide28.xml><?xml version="1.0" encoding="utf-8"?>
 <p:sld xmlns:a="http://schemas.openxmlformats.org/drawingml/2006/main" xmlns:r="http://schemas.openxmlformats.org/officeDocument/2006/relationships" xmlns:p="http://schemas.openxmlformats.org/presentationml/2006/main">
   <p:cSld>
     <p:spTree>
@@ -9634,7 +10301,12 @@
             <p:ph type="title"/>
           </p:nvPr>
         </p:nvSpPr>
-        <p:spPr/>
+        <p:spPr>
+          <a:xfrm>
+            <a:off x="458221" y="363151"/>
+            <a:ext cx="9772953" cy="700265"/>
+          </a:xfrm>
+        </p:spPr>
         <p:txBody>
           <a:bodyPr/>
           <a:lstStyle/>
@@ -9648,7 +10320,18 @@
                   </a:schemeClr>
                 </a:solidFill>
               </a:rPr>
-              <a:t>Design - Communications</a:t>
+              <a:t>Design </a:t>
+            </a:r>
+            <a:r>
+              <a:rPr lang="en-US" dirty="0" smtClean="0">
+                <a:solidFill>
+                  <a:schemeClr val="bg1">
+                    <a:lumMod val="50000"/>
+                    <a:lumOff val="50000"/>
+                  </a:schemeClr>
+                </a:solidFill>
+              </a:rPr>
+              <a:t>– Communications Algorithm</a:t>
             </a:r>
             <a:endParaRPr lang="en-US" dirty="0">
               <a:solidFill>
@@ -9811,14 +10494,14 @@
   <p:timing>
     <p:tnLst>
       <p:par>
-        <p:cTn id="1" dur="indefinite" restart="never" nodeType="tmRoot"/>
+        <p:cTn xmlns:p14="http://schemas.microsoft.com/office/powerpoint/2010/main" id="1" dur="indefinite" restart="never" nodeType="tmRoot"/>
       </p:par>
     </p:tnLst>
   </p:timing>
 </p:sld>
 </file>
 
-<file path=ppt/slides/slide26.xml><?xml version="1.0" encoding="utf-8"?>
+<file path=ppt/slides/slide29.xml><?xml version="1.0" encoding="utf-8"?>
 <p:sld xmlns:a="http://schemas.openxmlformats.org/drawingml/2006/main" xmlns:r="http://schemas.openxmlformats.org/officeDocument/2006/relationships" xmlns:p="http://schemas.openxmlformats.org/presentationml/2006/main">
   <p:cSld>
     <p:spTree>
@@ -9845,7 +10528,12 @@
             <p:ph type="title"/>
           </p:nvPr>
         </p:nvSpPr>
-        <p:spPr/>
+        <p:spPr>
+          <a:xfrm>
+            <a:off x="458221" y="363151"/>
+            <a:ext cx="9808726" cy="700265"/>
+          </a:xfrm>
+        </p:spPr>
         <p:txBody>
           <a:bodyPr/>
           <a:lstStyle/>
@@ -9859,7 +10547,18 @@
                   </a:schemeClr>
                 </a:solidFill>
               </a:rPr>
-              <a:t>Design - Communications</a:t>
+              <a:t>Design </a:t>
+            </a:r>
+            <a:r>
+              <a:rPr lang="en-US" dirty="0" smtClean="0">
+                <a:solidFill>
+                  <a:schemeClr val="bg1">
+                    <a:lumMod val="50000"/>
+                    <a:lumOff val="50000"/>
+                  </a:schemeClr>
+                </a:solidFill>
+              </a:rPr>
+              <a:t>– Communications Algorithm</a:t>
             </a:r>
             <a:endParaRPr lang="en-US" dirty="0">
               <a:solidFill>
@@ -10320,7 +11019,7 @@
   <p:timing>
     <p:tnLst>
       <p:par>
-        <p:cTn id="1" dur="indefinite" restart="never" nodeType="tmRoot">
+        <p:cTn xmlns:p14="http://schemas.microsoft.com/office/powerpoint/2010/main" id="1" dur="indefinite" restart="never" nodeType="tmRoot">
           <p:childTnLst>
             <p:seq concurrent="1" nextAc="seek">
               <p:cTn id="2" dur="indefinite" nodeType="mainSeq">
@@ -10778,7 +11477,7 @@
 </p:sld>
 </file>
 
-<file path=ppt/slides/slide27.xml><?xml version="1.0" encoding="utf-8"?>
+<file path=ppt/slides/slide3.xml><?xml version="1.0" encoding="utf-8"?>
 <p:sld xmlns:a="http://schemas.openxmlformats.org/drawingml/2006/main" xmlns:r="http://schemas.openxmlformats.org/officeDocument/2006/relationships" xmlns:p="http://schemas.openxmlformats.org/presentationml/2006/main">
   <p:cSld>
     <p:spTree>
@@ -10813,13 +11512,591 @@
             <a:r>
               <a:rPr lang="en-US" dirty="0" smtClean="0">
                 <a:solidFill>
+                  <a:schemeClr val="bg2">
+                    <a:lumMod val="40000"/>
+                    <a:lumOff val="60000"/>
+                  </a:schemeClr>
+                </a:solidFill>
+              </a:rPr>
+              <a:t>Introduction</a:t>
+            </a:r>
+            <a:endParaRPr lang="en-US" dirty="0">
+              <a:solidFill>
+                <a:schemeClr val="bg2">
+                  <a:lumMod val="40000"/>
+                  <a:lumOff val="60000"/>
+                </a:schemeClr>
+              </a:solidFill>
+            </a:endParaRPr>
+          </a:p>
+        </p:txBody>
+      </p:sp>
+      <p:sp>
+        <p:nvSpPr>
+          <p:cNvPr id="4" name="Text Placeholder 3"/>
+          <p:cNvSpPr>
+            <a:spLocks noGrp="1"/>
+          </p:cNvSpPr>
+          <p:nvPr>
+            <p:ph type="body" sz="quarter" idx="10"/>
+          </p:nvPr>
+        </p:nvSpPr>
+        <p:spPr/>
+        <p:txBody>
+          <a:bodyPr>
+            <a:normAutofit fontScale="92500" lnSpcReduction="10000"/>
+          </a:bodyPr>
+          <a:lstStyle/>
+          <a:p>
+            <a:r>
+              <a:rPr lang="en-US" dirty="0" smtClean="0"/>
+              <a:t>Charlie</a:t>
+            </a:r>
+            <a:endParaRPr lang="en-US" dirty="0"/>
+          </a:p>
+        </p:txBody>
+      </p:sp>
+      <p:sp>
+        <p:nvSpPr>
+          <p:cNvPr id="5" name="Content Placeholder 2"/>
+          <p:cNvSpPr txBox="1">
+            <a:spLocks/>
+          </p:cNvSpPr>
+          <p:nvPr/>
+        </p:nvSpPr>
+        <p:spPr>
+          <a:xfrm>
+            <a:off x="1737841" y="1617701"/>
+            <a:ext cx="4157268" cy="1914236"/>
+          </a:xfrm>
+          <a:prstGeom prst="rect">
+            <a:avLst/>
+          </a:prstGeom>
+        </p:spPr>
+        <p:txBody>
+          <a:bodyPr vert="horz" lIns="91440" tIns="45720" rIns="91440" bIns="45720" rtlCol="0">
+            <a:normAutofit/>
+          </a:bodyPr>
+          <a:lstStyle>
+            <a:lvl1pPr marL="342900" indent="-342900" algn="l" defTabSz="457200" rtl="0" eaLnBrk="1" latinLnBrk="0" hangingPunct="1">
+              <a:spcBef>
+                <a:spcPts val="1000"/>
+              </a:spcBef>
+              <a:spcAft>
+                <a:spcPts val="0"/>
+              </a:spcAft>
+              <a:buClr>
+                <a:schemeClr val="bg2">
+                  <a:lumMod val="40000"/>
+                  <a:lumOff val="60000"/>
+                </a:schemeClr>
+              </a:buClr>
+              <a:buSzPct val="80000"/>
+              <a:buFont typeface="Wingdings 3" charset="2"/>
+              <a:buChar char=""/>
+              <a:defRPr sz="2000" b="0" i="0" kern="1200">
+                <a:solidFill>
+                  <a:schemeClr val="tx1"/>
+                </a:solidFill>
+                <a:latin typeface="+mj-lt"/>
+                <a:ea typeface="+mj-ea"/>
+                <a:cs typeface="+mj-cs"/>
+              </a:defRPr>
+            </a:lvl1pPr>
+            <a:lvl2pPr marL="742950" indent="-285750" algn="l" defTabSz="457200" rtl="0" eaLnBrk="1" latinLnBrk="0" hangingPunct="1">
+              <a:spcBef>
+                <a:spcPts val="1000"/>
+              </a:spcBef>
+              <a:spcAft>
+                <a:spcPts val="0"/>
+              </a:spcAft>
+              <a:buClr>
+                <a:schemeClr val="bg2">
+                  <a:lumMod val="40000"/>
+                  <a:lumOff val="60000"/>
+                </a:schemeClr>
+              </a:buClr>
+              <a:buSzPct val="80000"/>
+              <a:buFont typeface="Wingdings 3" charset="2"/>
+              <a:buChar char=""/>
+              <a:defRPr sz="1800" b="0" i="0" kern="1200">
+                <a:solidFill>
+                  <a:schemeClr val="tx1"/>
+                </a:solidFill>
+                <a:latin typeface="+mj-lt"/>
+                <a:ea typeface="+mj-ea"/>
+                <a:cs typeface="+mj-cs"/>
+              </a:defRPr>
+            </a:lvl2pPr>
+            <a:lvl3pPr marL="1143000" indent="-228600" algn="l" defTabSz="457200" rtl="0" eaLnBrk="1" latinLnBrk="0" hangingPunct="1">
+              <a:spcBef>
+                <a:spcPts val="1000"/>
+              </a:spcBef>
+              <a:spcAft>
+                <a:spcPts val="0"/>
+              </a:spcAft>
+              <a:buClr>
+                <a:schemeClr val="bg2">
+                  <a:lumMod val="40000"/>
+                  <a:lumOff val="60000"/>
+                </a:schemeClr>
+              </a:buClr>
+              <a:buSzPct val="80000"/>
+              <a:buFont typeface="Wingdings 3" charset="2"/>
+              <a:buChar char=""/>
+              <a:defRPr sz="1600" b="0" i="0" kern="1200">
+                <a:solidFill>
+                  <a:schemeClr val="tx1"/>
+                </a:solidFill>
+                <a:latin typeface="+mj-lt"/>
+                <a:ea typeface="+mj-ea"/>
+                <a:cs typeface="+mj-cs"/>
+              </a:defRPr>
+            </a:lvl3pPr>
+            <a:lvl4pPr marL="1600200" indent="-228600" algn="l" defTabSz="457200" rtl="0" eaLnBrk="1" latinLnBrk="0" hangingPunct="1">
+              <a:spcBef>
+                <a:spcPts val="1000"/>
+              </a:spcBef>
+              <a:spcAft>
+                <a:spcPts val="0"/>
+              </a:spcAft>
+              <a:buClr>
+                <a:schemeClr val="bg2">
+                  <a:lumMod val="40000"/>
+                  <a:lumOff val="60000"/>
+                </a:schemeClr>
+              </a:buClr>
+              <a:buSzPct val="80000"/>
+              <a:buFont typeface="Wingdings 3" charset="2"/>
+              <a:buChar char=""/>
+              <a:defRPr sz="1400" b="0" i="0" kern="1200">
+                <a:solidFill>
+                  <a:schemeClr val="tx1"/>
+                </a:solidFill>
+                <a:latin typeface="+mj-lt"/>
+                <a:ea typeface="+mj-ea"/>
+                <a:cs typeface="+mj-cs"/>
+              </a:defRPr>
+            </a:lvl4pPr>
+            <a:lvl5pPr marL="2057400" indent="-228600" algn="l" defTabSz="457200" rtl="0" eaLnBrk="1" latinLnBrk="0" hangingPunct="1">
+              <a:spcBef>
+                <a:spcPts val="1000"/>
+              </a:spcBef>
+              <a:spcAft>
+                <a:spcPts val="0"/>
+              </a:spcAft>
+              <a:buClr>
+                <a:schemeClr val="bg2">
+                  <a:lumMod val="40000"/>
+                  <a:lumOff val="60000"/>
+                </a:schemeClr>
+              </a:buClr>
+              <a:buSzPct val="80000"/>
+              <a:buFont typeface="Wingdings 3" charset="2"/>
+              <a:buChar char=""/>
+              <a:defRPr sz="1400" b="0" i="0" kern="1200">
+                <a:solidFill>
+                  <a:schemeClr val="tx1"/>
+                </a:solidFill>
+                <a:latin typeface="+mj-lt"/>
+                <a:ea typeface="+mj-ea"/>
+                <a:cs typeface="+mj-cs"/>
+              </a:defRPr>
+            </a:lvl5pPr>
+            <a:lvl6pPr marL="2506000" indent="-228600" algn="l" defTabSz="457200" rtl="0" eaLnBrk="1" latinLnBrk="0" hangingPunct="1">
+              <a:spcBef>
+                <a:spcPts val="1000"/>
+              </a:spcBef>
+              <a:spcAft>
+                <a:spcPts val="0"/>
+              </a:spcAft>
+              <a:buClr>
+                <a:schemeClr val="bg2">
+                  <a:lumMod val="40000"/>
+                  <a:lumOff val="60000"/>
+                </a:schemeClr>
+              </a:buClr>
+              <a:buSzPct val="80000"/>
+              <a:buFont typeface="Wingdings 3" charset="2"/>
+              <a:buChar char=""/>
+              <a:defRPr sz="1400" b="0" i="0" kern="1200">
+                <a:solidFill>
+                  <a:schemeClr val="tx1"/>
+                </a:solidFill>
+                <a:latin typeface="+mj-lt"/>
+                <a:ea typeface="+mj-ea"/>
+                <a:cs typeface="+mj-cs"/>
+              </a:defRPr>
+            </a:lvl6pPr>
+            <a:lvl7pPr marL="2971800" indent="-228600" algn="l" defTabSz="457200" rtl="0" eaLnBrk="1" latinLnBrk="0" hangingPunct="1">
+              <a:spcBef>
+                <a:spcPts val="1000"/>
+              </a:spcBef>
+              <a:spcAft>
+                <a:spcPts val="0"/>
+              </a:spcAft>
+              <a:buClr>
+                <a:schemeClr val="bg2">
+                  <a:lumMod val="40000"/>
+                  <a:lumOff val="60000"/>
+                </a:schemeClr>
+              </a:buClr>
+              <a:buSzPct val="80000"/>
+              <a:buFont typeface="Wingdings 3" charset="2"/>
+              <a:buChar char=""/>
+              <a:defRPr sz="1400" b="0" i="0" kern="1200">
+                <a:solidFill>
+                  <a:schemeClr val="tx1"/>
+                </a:solidFill>
+                <a:latin typeface="+mj-lt"/>
+                <a:ea typeface="+mj-ea"/>
+                <a:cs typeface="+mj-cs"/>
+              </a:defRPr>
+            </a:lvl7pPr>
+            <a:lvl8pPr marL="3429000" indent="-228600" algn="l" defTabSz="457200" rtl="0" eaLnBrk="1" latinLnBrk="0" hangingPunct="1">
+              <a:spcBef>
+                <a:spcPts val="1000"/>
+              </a:spcBef>
+              <a:spcAft>
+                <a:spcPts val="0"/>
+              </a:spcAft>
+              <a:buClr>
+                <a:schemeClr val="bg2">
+                  <a:lumMod val="40000"/>
+                  <a:lumOff val="60000"/>
+                </a:schemeClr>
+              </a:buClr>
+              <a:buSzPct val="80000"/>
+              <a:buFont typeface="Wingdings 3" charset="2"/>
+              <a:buChar char=""/>
+              <a:defRPr sz="1400" b="0" i="0" kern="1200">
+                <a:solidFill>
+                  <a:schemeClr val="tx1"/>
+                </a:solidFill>
+                <a:latin typeface="+mj-lt"/>
+                <a:ea typeface="+mj-ea"/>
+                <a:cs typeface="+mj-cs"/>
+              </a:defRPr>
+            </a:lvl8pPr>
+            <a:lvl9pPr marL="3886200" indent="-228600" algn="l" defTabSz="457200" rtl="0" eaLnBrk="1" latinLnBrk="0" hangingPunct="1">
+              <a:spcBef>
+                <a:spcPts val="1000"/>
+              </a:spcBef>
+              <a:spcAft>
+                <a:spcPts val="0"/>
+              </a:spcAft>
+              <a:buClr>
+                <a:schemeClr val="bg2">
+                  <a:lumMod val="40000"/>
+                  <a:lumOff val="60000"/>
+                </a:schemeClr>
+              </a:buClr>
+              <a:buSzPct val="80000"/>
+              <a:buFont typeface="Wingdings 3" charset="2"/>
+              <a:buChar char=""/>
+              <a:defRPr sz="1400" b="0" i="0" kern="1200">
+                <a:solidFill>
+                  <a:schemeClr val="tx1"/>
+                </a:solidFill>
+                <a:latin typeface="+mj-lt"/>
+                <a:ea typeface="+mj-ea"/>
+                <a:cs typeface="+mj-cs"/>
+              </a:defRPr>
+            </a:lvl9pPr>
+          </a:lstStyle>
+          <a:p>
+            <a:pPr marL="457200" lvl="1" indent="0" algn="ctr">
+              <a:buFont typeface="Wingdings 3" charset="2"/>
+              <a:buNone/>
+            </a:pPr>
+            <a:r>
+              <a:rPr lang="en-US" sz="2400" u="sng" smtClean="0">
+                <a:solidFill>
+                  <a:srgbClr val="FFC000"/>
+                </a:solidFill>
+              </a:rPr>
+              <a:t>Team Lead/Structure</a:t>
+            </a:r>
+          </a:p>
+          <a:p>
+            <a:pPr marL="457200" lvl="1" indent="0" algn="ctr">
+              <a:buFont typeface="Wingdings 3" charset="2"/>
+              <a:buNone/>
+            </a:pPr>
+            <a:r>
+              <a:rPr lang="en-US" sz="2000" smtClean="0"/>
+              <a:t>Charles Denis</a:t>
+            </a:r>
+          </a:p>
+          <a:p>
+            <a:pPr lvl="1"/>
+            <a:endParaRPr lang="en-US" dirty="0"/>
+          </a:p>
+        </p:txBody>
+      </p:sp>
+      <p:sp>
+        <p:nvSpPr>
+          <p:cNvPr id="6" name="TextBox 5"/>
+          <p:cNvSpPr txBox="1"/>
+          <p:nvPr/>
+        </p:nvSpPr>
+        <p:spPr>
+          <a:xfrm>
+            <a:off x="2355574" y="3218375"/>
+            <a:ext cx="3380509" cy="1754326"/>
+          </a:xfrm>
+          <a:prstGeom prst="rect">
+            <a:avLst/>
+          </a:prstGeom>
+          <a:noFill/>
+        </p:spPr>
+        <p:txBody>
+          <a:bodyPr wrap="square" rtlCol="0">
+            <a:spAutoFit/>
+          </a:bodyPr>
+          <a:lstStyle/>
+          <a:p>
+            <a:pPr algn="ctr">
+              <a:lnSpc>
+                <a:spcPct val="200000"/>
+              </a:lnSpc>
+            </a:pPr>
+            <a:r>
+              <a:rPr lang="en-US" sz="2400" u="sng" dirty="0" smtClean="0">
+                <a:solidFill>
+                  <a:srgbClr val="FFC000"/>
+                </a:solidFill>
+              </a:rPr>
+              <a:t>ADNCS</a:t>
+            </a:r>
+          </a:p>
+          <a:p>
+            <a:pPr algn="ctr"/>
+            <a:r>
+              <a:rPr lang="en-US" sz="2000" dirty="0" smtClean="0"/>
+              <a:t>Jacob Gustafson</a:t>
+            </a:r>
+          </a:p>
+          <a:p>
+            <a:pPr algn="ctr"/>
+            <a:r>
+              <a:rPr lang="en-US" sz="2000" dirty="0" smtClean="0"/>
+              <a:t>Brian Hanson</a:t>
+            </a:r>
+          </a:p>
+          <a:p>
+            <a:pPr algn="ctr"/>
+            <a:r>
+              <a:rPr lang="en-US" sz="2000" dirty="0" smtClean="0"/>
+              <a:t>Nicholas Sloan</a:t>
+            </a:r>
+          </a:p>
+        </p:txBody>
+      </p:sp>
+      <p:sp>
+        <p:nvSpPr>
+          <p:cNvPr id="7" name="TextBox 6"/>
+          <p:cNvSpPr txBox="1"/>
+          <p:nvPr/>
+        </p:nvSpPr>
+        <p:spPr>
+          <a:xfrm>
+            <a:off x="5638799" y="1353460"/>
+            <a:ext cx="4294909" cy="1446550"/>
+          </a:xfrm>
+          <a:prstGeom prst="rect">
+            <a:avLst/>
+          </a:prstGeom>
+          <a:noFill/>
+        </p:spPr>
+        <p:txBody>
+          <a:bodyPr wrap="square" rtlCol="0">
+            <a:spAutoFit/>
+          </a:bodyPr>
+          <a:lstStyle/>
+          <a:p>
+            <a:pPr algn="ctr">
+              <a:lnSpc>
+                <a:spcPct val="200000"/>
+              </a:lnSpc>
+            </a:pPr>
+            <a:r>
+              <a:rPr lang="en-US" sz="2400" u="sng" dirty="0" smtClean="0">
+                <a:solidFill>
+                  <a:srgbClr val="FFC000"/>
+                </a:solidFill>
+              </a:rPr>
+              <a:t>Communications</a:t>
+            </a:r>
+          </a:p>
+          <a:p>
+            <a:pPr algn="ctr"/>
+            <a:r>
+              <a:rPr lang="en-US" sz="2000" dirty="0" smtClean="0"/>
+              <a:t>Ben </a:t>
+            </a:r>
+            <a:r>
+              <a:rPr lang="en-US" sz="2000" dirty="0" err="1" smtClean="0"/>
+              <a:t>Setterholm</a:t>
+            </a:r>
+            <a:endParaRPr lang="en-US" sz="2000" dirty="0" smtClean="0"/>
+          </a:p>
+          <a:p>
+            <a:pPr algn="ctr"/>
+            <a:r>
+              <a:rPr lang="en-US" sz="2000" dirty="0" smtClean="0"/>
+              <a:t>Tim </a:t>
+            </a:r>
+            <a:r>
+              <a:rPr lang="en-US" sz="2000" dirty="0" err="1" smtClean="0"/>
+              <a:t>Kukowski</a:t>
+            </a:r>
+            <a:endParaRPr lang="en-US" sz="2000" dirty="0"/>
+          </a:p>
+        </p:txBody>
+      </p:sp>
+      <p:sp>
+        <p:nvSpPr>
+          <p:cNvPr id="8" name="TextBox 7"/>
+          <p:cNvSpPr txBox="1"/>
+          <p:nvPr/>
+        </p:nvSpPr>
+        <p:spPr>
+          <a:xfrm>
+            <a:off x="5839689" y="3205739"/>
+            <a:ext cx="3893128" cy="1754326"/>
+          </a:xfrm>
+          <a:prstGeom prst="rect">
+            <a:avLst/>
+          </a:prstGeom>
+          <a:noFill/>
+        </p:spPr>
+        <p:txBody>
+          <a:bodyPr wrap="square" rtlCol="0">
+            <a:spAutoFit/>
+          </a:bodyPr>
+          <a:lstStyle/>
+          <a:p>
+            <a:pPr algn="ctr">
+              <a:lnSpc>
+                <a:spcPct val="200000"/>
+              </a:lnSpc>
+            </a:pPr>
+            <a:r>
+              <a:rPr lang="en-US" sz="2400" u="sng" dirty="0" smtClean="0">
+                <a:solidFill>
+                  <a:srgbClr val="FFC000"/>
+                </a:solidFill>
+              </a:rPr>
+              <a:t>Power Management</a:t>
+            </a:r>
+          </a:p>
+          <a:p>
+            <a:pPr algn="ctr"/>
+            <a:r>
+              <a:rPr lang="en-US" sz="2000" dirty="0" smtClean="0"/>
+              <a:t>Ethan Arendt</a:t>
+            </a:r>
+          </a:p>
+          <a:p>
+            <a:pPr algn="ctr"/>
+            <a:r>
+              <a:rPr lang="en-US" sz="2000" dirty="0" smtClean="0"/>
+              <a:t>Justin Seifert</a:t>
+            </a:r>
+          </a:p>
+          <a:p>
+            <a:pPr algn="ctr"/>
+            <a:r>
+              <a:rPr lang="en-US" sz="2000" dirty="0" smtClean="0"/>
+              <a:t>Nicholas </a:t>
+            </a:r>
+            <a:r>
+              <a:rPr lang="en-US" sz="2000" dirty="0" err="1" smtClean="0"/>
+              <a:t>Janak</a:t>
+            </a:r>
+            <a:endParaRPr lang="en-US" sz="2000" dirty="0" smtClean="0"/>
+          </a:p>
+        </p:txBody>
+      </p:sp>
+    </p:spTree>
+    <p:extLst>
+      <p:ext uri="{BB962C8B-B14F-4D97-AF65-F5344CB8AC3E}">
+        <p14:creationId xmlns:p14="http://schemas.microsoft.com/office/powerpoint/2010/main" val="3346044060"/>
+      </p:ext>
+    </p:extLst>
+  </p:cSld>
+  <p:clrMapOvr>
+    <a:masterClrMapping/>
+  </p:clrMapOvr>
+  <p:timing>
+    <p:tnLst>
+      <p:par>
+        <p:cTn xmlns:p14="http://schemas.microsoft.com/office/powerpoint/2010/main" id="1" dur="indefinite" restart="never" nodeType="tmRoot"/>
+      </p:par>
+    </p:tnLst>
+  </p:timing>
+</p:sld>
+</file>
+
+<file path=ppt/slides/slide30.xml><?xml version="1.0" encoding="utf-8"?>
+<p:sld xmlns:a="http://schemas.openxmlformats.org/drawingml/2006/main" xmlns:r="http://schemas.openxmlformats.org/officeDocument/2006/relationships" xmlns:p="http://schemas.openxmlformats.org/presentationml/2006/main">
+  <p:cSld>
+    <p:spTree>
+      <p:nvGrpSpPr>
+        <p:cNvPr id="1" name=""/>
+        <p:cNvGrpSpPr/>
+        <p:nvPr/>
+      </p:nvGrpSpPr>
+      <p:grpSpPr>
+        <a:xfrm>
+          <a:off x="0" y="0"/>
+          <a:ext cx="0" cy="0"/>
+          <a:chOff x="0" y="0"/>
+          <a:chExt cx="0" cy="0"/>
+        </a:xfrm>
+      </p:grpSpPr>
+      <p:sp>
+        <p:nvSpPr>
+          <p:cNvPr id="2" name="Title 1"/>
+          <p:cNvSpPr>
+            <a:spLocks noGrp="1"/>
+          </p:cNvSpPr>
+          <p:nvPr>
+            <p:ph type="title"/>
+          </p:nvPr>
+        </p:nvSpPr>
+        <p:spPr>
+          <a:xfrm>
+            <a:off x="458221" y="363151"/>
+            <a:ext cx="9844500" cy="700265"/>
+          </a:xfrm>
+        </p:spPr>
+        <p:txBody>
+          <a:bodyPr/>
+          <a:lstStyle/>
+          <a:p>
+            <a:r>
+              <a:rPr lang="en-US" dirty="0" smtClean="0">
+                <a:solidFill>
                   <a:schemeClr val="bg1">
                     <a:lumMod val="50000"/>
                     <a:lumOff val="50000"/>
                   </a:schemeClr>
                 </a:solidFill>
               </a:rPr>
-              <a:t>Design - Communications</a:t>
+              <a:t>Design </a:t>
+            </a:r>
+            <a:r>
+              <a:rPr lang="en-US" dirty="0" smtClean="0">
+                <a:solidFill>
+                  <a:schemeClr val="bg1">
+                    <a:lumMod val="50000"/>
+                    <a:lumOff val="50000"/>
+                  </a:schemeClr>
+                </a:solidFill>
+              </a:rPr>
+              <a:t>– Communications Algorithm</a:t>
             </a:r>
             <a:endParaRPr lang="en-US" dirty="0">
               <a:solidFill>
@@ -11398,7 +12675,7 @@
   <p:timing>
     <p:tnLst>
       <p:par>
-        <p:cTn id="1" dur="indefinite" restart="never" nodeType="tmRoot">
+        <p:cTn xmlns:p14="http://schemas.microsoft.com/office/powerpoint/2010/main" id="1" dur="indefinite" restart="never" nodeType="tmRoot">
           <p:childTnLst>
             <p:seq concurrent="1" nextAc="seek">
               <p:cTn id="2" dur="indefinite" nodeType="mainSeq">
@@ -11638,7 +12915,7 @@
 </p:sld>
 </file>
 
-<file path=ppt/slides/slide28.xml><?xml version="1.0" encoding="utf-8"?>
+<file path=ppt/slides/slide31.xml><?xml version="1.0" encoding="utf-8"?>
 <p:sld xmlns:a="http://schemas.openxmlformats.org/drawingml/2006/main" xmlns:r="http://schemas.openxmlformats.org/officeDocument/2006/relationships" xmlns:p="http://schemas.openxmlformats.org/presentationml/2006/main">
   <p:cSld>
     <p:spTree>
@@ -11665,7 +12942,12 @@
             <p:ph type="title"/>
           </p:nvPr>
         </p:nvSpPr>
-        <p:spPr/>
+        <p:spPr>
+          <a:xfrm>
+            <a:off x="458221" y="363151"/>
+            <a:ext cx="9772953" cy="700265"/>
+          </a:xfrm>
+        </p:spPr>
         <p:txBody>
           <a:bodyPr/>
           <a:lstStyle/>
@@ -11679,7 +12961,18 @@
                   </a:schemeClr>
                 </a:solidFill>
               </a:rPr>
-              <a:t>Design - Communications</a:t>
+              <a:t>Design </a:t>
+            </a:r>
+            <a:r>
+              <a:rPr lang="en-US" dirty="0" smtClean="0">
+                <a:solidFill>
+                  <a:schemeClr val="bg1">
+                    <a:lumMod val="50000"/>
+                    <a:lumOff val="50000"/>
+                  </a:schemeClr>
+                </a:solidFill>
+              </a:rPr>
+              <a:t>– Communications Algorithm</a:t>
             </a:r>
             <a:endParaRPr lang="en-US" dirty="0">
               <a:solidFill>
@@ -12357,7 +13650,7 @@
   <p:timing>
     <p:tnLst>
       <p:par>
-        <p:cTn id="1" dur="indefinite" restart="never" nodeType="tmRoot">
+        <p:cTn xmlns:p14="http://schemas.microsoft.com/office/powerpoint/2010/main" id="1" dur="indefinite" restart="never" nodeType="tmRoot">
           <p:childTnLst>
             <p:seq concurrent="1" nextAc="seek">
               <p:cTn id="2" dur="indefinite" nodeType="mainSeq">
@@ -12814,7 +14107,7 @@
 </p:sld>
 </file>
 
-<file path=ppt/slides/slide29.xml><?xml version="1.0" encoding="utf-8"?>
+<file path=ppt/slides/slide32.xml><?xml version="1.0" encoding="utf-8"?>
 <p:sld xmlns:a="http://schemas.openxmlformats.org/drawingml/2006/main" xmlns:r="http://schemas.openxmlformats.org/officeDocument/2006/relationships" xmlns:p="http://schemas.openxmlformats.org/presentationml/2006/main">
   <p:cSld>
     <p:spTree>
@@ -12841,7 +14134,12 @@
             <p:ph type="title"/>
           </p:nvPr>
         </p:nvSpPr>
-        <p:spPr/>
+        <p:spPr>
+          <a:xfrm>
+            <a:off x="458221" y="363151"/>
+            <a:ext cx="9665633" cy="700265"/>
+          </a:xfrm>
+        </p:spPr>
         <p:txBody>
           <a:bodyPr/>
           <a:lstStyle/>
@@ -12855,7 +14153,18 @@
                   </a:schemeClr>
                 </a:solidFill>
               </a:rPr>
-              <a:t>Design - Communications</a:t>
+              <a:t>Design </a:t>
+            </a:r>
+            <a:r>
+              <a:rPr lang="en-US" dirty="0" smtClean="0">
+                <a:solidFill>
+                  <a:schemeClr val="bg1">
+                    <a:lumMod val="50000"/>
+                    <a:lumOff val="50000"/>
+                  </a:schemeClr>
+                </a:solidFill>
+              </a:rPr>
+              <a:t>– Communications Algorithm</a:t>
             </a:r>
             <a:endParaRPr lang="en-US" dirty="0">
               <a:solidFill>
@@ -13372,7 +14681,7 @@
   <p:timing>
     <p:tnLst>
       <p:par>
-        <p:cTn id="1" dur="indefinite" restart="never" nodeType="tmRoot">
+        <p:cTn xmlns:p14="http://schemas.microsoft.com/office/powerpoint/2010/main" id="1" dur="indefinite" restart="never" nodeType="tmRoot">
           <p:childTnLst>
             <p:seq concurrent="1" nextAc="seek">
               <p:cTn id="2" dur="indefinite" nodeType="mainSeq">
@@ -13572,7 +14881,7 @@
 </p:sld>
 </file>
 
-<file path=ppt/slides/slide3.xml><?xml version="1.0" encoding="utf-8"?>
+<file path=ppt/slides/slide33.xml><?xml version="1.0" encoding="utf-8"?>
 <p:sld xmlns:a="http://schemas.openxmlformats.org/drawingml/2006/main" xmlns:r="http://schemas.openxmlformats.org/officeDocument/2006/relationships" xmlns:p="http://schemas.openxmlformats.org/presentationml/2006/main">
   <p:cSld>
     <p:spTree>
@@ -13599,569 +14908,12 @@
             <p:ph type="title"/>
           </p:nvPr>
         </p:nvSpPr>
-        <p:spPr/>
-        <p:txBody>
-          <a:bodyPr/>
-          <a:lstStyle/>
-          <a:p>
-            <a:r>
-              <a:rPr lang="en-US" dirty="0" smtClean="0">
-                <a:solidFill>
-                  <a:schemeClr val="bg2">
-                    <a:lumMod val="40000"/>
-                    <a:lumOff val="60000"/>
-                  </a:schemeClr>
-                </a:solidFill>
-              </a:rPr>
-              <a:t>Introduction</a:t>
-            </a:r>
-            <a:endParaRPr lang="en-US" dirty="0">
-              <a:solidFill>
-                <a:schemeClr val="bg2">
-                  <a:lumMod val="40000"/>
-                  <a:lumOff val="60000"/>
-                </a:schemeClr>
-              </a:solidFill>
-            </a:endParaRPr>
-          </a:p>
-        </p:txBody>
-      </p:sp>
-      <p:sp>
-        <p:nvSpPr>
-          <p:cNvPr id="4" name="Text Placeholder 3"/>
-          <p:cNvSpPr>
-            <a:spLocks noGrp="1"/>
-          </p:cNvSpPr>
-          <p:nvPr>
-            <p:ph type="body" sz="quarter" idx="10"/>
-          </p:nvPr>
-        </p:nvSpPr>
-        <p:spPr/>
-        <p:txBody>
-          <a:bodyPr>
-            <a:normAutofit fontScale="92500" lnSpcReduction="10000"/>
-          </a:bodyPr>
-          <a:lstStyle/>
-          <a:p>
-            <a:r>
-              <a:rPr lang="en-US" dirty="0" smtClean="0"/>
-              <a:t>Charlie</a:t>
-            </a:r>
-            <a:endParaRPr lang="en-US" dirty="0"/>
-          </a:p>
-        </p:txBody>
-      </p:sp>
-      <p:sp>
-        <p:nvSpPr>
-          <p:cNvPr id="5" name="Content Placeholder 2"/>
-          <p:cNvSpPr txBox="1">
-            <a:spLocks/>
-          </p:cNvSpPr>
-          <p:nvPr/>
-        </p:nvSpPr>
         <p:spPr>
           <a:xfrm>
-            <a:off x="1737841" y="1617701"/>
-            <a:ext cx="4157268" cy="1914236"/>
+            <a:off x="458221" y="363151"/>
+            <a:ext cx="9683520" cy="700265"/>
           </a:xfrm>
-          <a:prstGeom prst="rect">
-            <a:avLst/>
-          </a:prstGeom>
         </p:spPr>
-        <p:txBody>
-          <a:bodyPr vert="horz" lIns="91440" tIns="45720" rIns="91440" bIns="45720" rtlCol="0">
-            <a:normAutofit/>
-          </a:bodyPr>
-          <a:lstStyle>
-            <a:lvl1pPr marL="342900" indent="-342900" algn="l" defTabSz="457200" rtl="0" eaLnBrk="1" latinLnBrk="0" hangingPunct="1">
-              <a:spcBef>
-                <a:spcPts val="1000"/>
-              </a:spcBef>
-              <a:spcAft>
-                <a:spcPts val="0"/>
-              </a:spcAft>
-              <a:buClr>
-                <a:schemeClr val="bg2">
-                  <a:lumMod val="40000"/>
-                  <a:lumOff val="60000"/>
-                </a:schemeClr>
-              </a:buClr>
-              <a:buSzPct val="80000"/>
-              <a:buFont typeface="Wingdings 3" charset="2"/>
-              <a:buChar char=""/>
-              <a:defRPr sz="2000" b="0" i="0" kern="1200">
-                <a:solidFill>
-                  <a:schemeClr val="tx1"/>
-                </a:solidFill>
-                <a:latin typeface="+mj-lt"/>
-                <a:ea typeface="+mj-ea"/>
-                <a:cs typeface="+mj-cs"/>
-              </a:defRPr>
-            </a:lvl1pPr>
-            <a:lvl2pPr marL="742950" indent="-285750" algn="l" defTabSz="457200" rtl="0" eaLnBrk="1" latinLnBrk="0" hangingPunct="1">
-              <a:spcBef>
-                <a:spcPts val="1000"/>
-              </a:spcBef>
-              <a:spcAft>
-                <a:spcPts val="0"/>
-              </a:spcAft>
-              <a:buClr>
-                <a:schemeClr val="bg2">
-                  <a:lumMod val="40000"/>
-                  <a:lumOff val="60000"/>
-                </a:schemeClr>
-              </a:buClr>
-              <a:buSzPct val="80000"/>
-              <a:buFont typeface="Wingdings 3" charset="2"/>
-              <a:buChar char=""/>
-              <a:defRPr sz="1800" b="0" i="0" kern="1200">
-                <a:solidFill>
-                  <a:schemeClr val="tx1"/>
-                </a:solidFill>
-                <a:latin typeface="+mj-lt"/>
-                <a:ea typeface="+mj-ea"/>
-                <a:cs typeface="+mj-cs"/>
-              </a:defRPr>
-            </a:lvl2pPr>
-            <a:lvl3pPr marL="1143000" indent="-228600" algn="l" defTabSz="457200" rtl="0" eaLnBrk="1" latinLnBrk="0" hangingPunct="1">
-              <a:spcBef>
-                <a:spcPts val="1000"/>
-              </a:spcBef>
-              <a:spcAft>
-                <a:spcPts val="0"/>
-              </a:spcAft>
-              <a:buClr>
-                <a:schemeClr val="bg2">
-                  <a:lumMod val="40000"/>
-                  <a:lumOff val="60000"/>
-                </a:schemeClr>
-              </a:buClr>
-              <a:buSzPct val="80000"/>
-              <a:buFont typeface="Wingdings 3" charset="2"/>
-              <a:buChar char=""/>
-              <a:defRPr sz="1600" b="0" i="0" kern="1200">
-                <a:solidFill>
-                  <a:schemeClr val="tx1"/>
-                </a:solidFill>
-                <a:latin typeface="+mj-lt"/>
-                <a:ea typeface="+mj-ea"/>
-                <a:cs typeface="+mj-cs"/>
-              </a:defRPr>
-            </a:lvl3pPr>
-            <a:lvl4pPr marL="1600200" indent="-228600" algn="l" defTabSz="457200" rtl="0" eaLnBrk="1" latinLnBrk="0" hangingPunct="1">
-              <a:spcBef>
-                <a:spcPts val="1000"/>
-              </a:spcBef>
-              <a:spcAft>
-                <a:spcPts val="0"/>
-              </a:spcAft>
-              <a:buClr>
-                <a:schemeClr val="bg2">
-                  <a:lumMod val="40000"/>
-                  <a:lumOff val="60000"/>
-                </a:schemeClr>
-              </a:buClr>
-              <a:buSzPct val="80000"/>
-              <a:buFont typeface="Wingdings 3" charset="2"/>
-              <a:buChar char=""/>
-              <a:defRPr sz="1400" b="0" i="0" kern="1200">
-                <a:solidFill>
-                  <a:schemeClr val="tx1"/>
-                </a:solidFill>
-                <a:latin typeface="+mj-lt"/>
-                <a:ea typeface="+mj-ea"/>
-                <a:cs typeface="+mj-cs"/>
-              </a:defRPr>
-            </a:lvl4pPr>
-            <a:lvl5pPr marL="2057400" indent="-228600" algn="l" defTabSz="457200" rtl="0" eaLnBrk="1" latinLnBrk="0" hangingPunct="1">
-              <a:spcBef>
-                <a:spcPts val="1000"/>
-              </a:spcBef>
-              <a:spcAft>
-                <a:spcPts val="0"/>
-              </a:spcAft>
-              <a:buClr>
-                <a:schemeClr val="bg2">
-                  <a:lumMod val="40000"/>
-                  <a:lumOff val="60000"/>
-                </a:schemeClr>
-              </a:buClr>
-              <a:buSzPct val="80000"/>
-              <a:buFont typeface="Wingdings 3" charset="2"/>
-              <a:buChar char=""/>
-              <a:defRPr sz="1400" b="0" i="0" kern="1200">
-                <a:solidFill>
-                  <a:schemeClr val="tx1"/>
-                </a:solidFill>
-                <a:latin typeface="+mj-lt"/>
-                <a:ea typeface="+mj-ea"/>
-                <a:cs typeface="+mj-cs"/>
-              </a:defRPr>
-            </a:lvl5pPr>
-            <a:lvl6pPr marL="2506000" indent="-228600" algn="l" defTabSz="457200" rtl="0" eaLnBrk="1" latinLnBrk="0" hangingPunct="1">
-              <a:spcBef>
-                <a:spcPts val="1000"/>
-              </a:spcBef>
-              <a:spcAft>
-                <a:spcPts val="0"/>
-              </a:spcAft>
-              <a:buClr>
-                <a:schemeClr val="bg2">
-                  <a:lumMod val="40000"/>
-                  <a:lumOff val="60000"/>
-                </a:schemeClr>
-              </a:buClr>
-              <a:buSzPct val="80000"/>
-              <a:buFont typeface="Wingdings 3" charset="2"/>
-              <a:buChar char=""/>
-              <a:defRPr sz="1400" b="0" i="0" kern="1200">
-                <a:solidFill>
-                  <a:schemeClr val="tx1"/>
-                </a:solidFill>
-                <a:latin typeface="+mj-lt"/>
-                <a:ea typeface="+mj-ea"/>
-                <a:cs typeface="+mj-cs"/>
-              </a:defRPr>
-            </a:lvl6pPr>
-            <a:lvl7pPr marL="2971800" indent="-228600" algn="l" defTabSz="457200" rtl="0" eaLnBrk="1" latinLnBrk="0" hangingPunct="1">
-              <a:spcBef>
-                <a:spcPts val="1000"/>
-              </a:spcBef>
-              <a:spcAft>
-                <a:spcPts val="0"/>
-              </a:spcAft>
-              <a:buClr>
-                <a:schemeClr val="bg2">
-                  <a:lumMod val="40000"/>
-                  <a:lumOff val="60000"/>
-                </a:schemeClr>
-              </a:buClr>
-              <a:buSzPct val="80000"/>
-              <a:buFont typeface="Wingdings 3" charset="2"/>
-              <a:buChar char=""/>
-              <a:defRPr sz="1400" b="0" i="0" kern="1200">
-                <a:solidFill>
-                  <a:schemeClr val="tx1"/>
-                </a:solidFill>
-                <a:latin typeface="+mj-lt"/>
-                <a:ea typeface="+mj-ea"/>
-                <a:cs typeface="+mj-cs"/>
-              </a:defRPr>
-            </a:lvl7pPr>
-            <a:lvl8pPr marL="3429000" indent="-228600" algn="l" defTabSz="457200" rtl="0" eaLnBrk="1" latinLnBrk="0" hangingPunct="1">
-              <a:spcBef>
-                <a:spcPts val="1000"/>
-              </a:spcBef>
-              <a:spcAft>
-                <a:spcPts val="0"/>
-              </a:spcAft>
-              <a:buClr>
-                <a:schemeClr val="bg2">
-                  <a:lumMod val="40000"/>
-                  <a:lumOff val="60000"/>
-                </a:schemeClr>
-              </a:buClr>
-              <a:buSzPct val="80000"/>
-              <a:buFont typeface="Wingdings 3" charset="2"/>
-              <a:buChar char=""/>
-              <a:defRPr sz="1400" b="0" i="0" kern="1200">
-                <a:solidFill>
-                  <a:schemeClr val="tx1"/>
-                </a:solidFill>
-                <a:latin typeface="+mj-lt"/>
-                <a:ea typeface="+mj-ea"/>
-                <a:cs typeface="+mj-cs"/>
-              </a:defRPr>
-            </a:lvl8pPr>
-            <a:lvl9pPr marL="3886200" indent="-228600" algn="l" defTabSz="457200" rtl="0" eaLnBrk="1" latinLnBrk="0" hangingPunct="1">
-              <a:spcBef>
-                <a:spcPts val="1000"/>
-              </a:spcBef>
-              <a:spcAft>
-                <a:spcPts val="0"/>
-              </a:spcAft>
-              <a:buClr>
-                <a:schemeClr val="bg2">
-                  <a:lumMod val="40000"/>
-                  <a:lumOff val="60000"/>
-                </a:schemeClr>
-              </a:buClr>
-              <a:buSzPct val="80000"/>
-              <a:buFont typeface="Wingdings 3" charset="2"/>
-              <a:buChar char=""/>
-              <a:defRPr sz="1400" b="0" i="0" kern="1200">
-                <a:solidFill>
-                  <a:schemeClr val="tx1"/>
-                </a:solidFill>
-                <a:latin typeface="+mj-lt"/>
-                <a:ea typeface="+mj-ea"/>
-                <a:cs typeface="+mj-cs"/>
-              </a:defRPr>
-            </a:lvl9pPr>
-          </a:lstStyle>
-          <a:p>
-            <a:pPr marL="457200" lvl="1" indent="0" algn="ctr">
-              <a:buFont typeface="Wingdings 3" charset="2"/>
-              <a:buNone/>
-            </a:pPr>
-            <a:r>
-              <a:rPr lang="en-US" sz="2400" u="sng" smtClean="0">
-                <a:solidFill>
-                  <a:srgbClr val="FFC000"/>
-                </a:solidFill>
-              </a:rPr>
-              <a:t>Team Lead/Structure</a:t>
-            </a:r>
-          </a:p>
-          <a:p>
-            <a:pPr marL="457200" lvl="1" indent="0" algn="ctr">
-              <a:buFont typeface="Wingdings 3" charset="2"/>
-              <a:buNone/>
-            </a:pPr>
-            <a:r>
-              <a:rPr lang="en-US" sz="2000" smtClean="0"/>
-              <a:t>Charles Denis</a:t>
-            </a:r>
-          </a:p>
-          <a:p>
-            <a:pPr lvl="1"/>
-            <a:endParaRPr lang="en-US" dirty="0"/>
-          </a:p>
-        </p:txBody>
-      </p:sp>
-      <p:sp>
-        <p:nvSpPr>
-          <p:cNvPr id="6" name="TextBox 5"/>
-          <p:cNvSpPr txBox="1"/>
-          <p:nvPr/>
-        </p:nvSpPr>
-        <p:spPr>
-          <a:xfrm>
-            <a:off x="2355574" y="3218375"/>
-            <a:ext cx="3380509" cy="1754326"/>
-          </a:xfrm>
-          <a:prstGeom prst="rect">
-            <a:avLst/>
-          </a:prstGeom>
-          <a:noFill/>
-        </p:spPr>
-        <p:txBody>
-          <a:bodyPr wrap="square" rtlCol="0">
-            <a:spAutoFit/>
-          </a:bodyPr>
-          <a:lstStyle/>
-          <a:p>
-            <a:pPr algn="ctr">
-              <a:lnSpc>
-                <a:spcPct val="200000"/>
-              </a:lnSpc>
-            </a:pPr>
-            <a:r>
-              <a:rPr lang="en-US" sz="2400" u="sng" dirty="0" smtClean="0">
-                <a:solidFill>
-                  <a:srgbClr val="FFC000"/>
-                </a:solidFill>
-              </a:rPr>
-              <a:t>ADNCS</a:t>
-            </a:r>
-          </a:p>
-          <a:p>
-            <a:pPr algn="ctr"/>
-            <a:r>
-              <a:rPr lang="en-US" sz="2000" dirty="0" smtClean="0"/>
-              <a:t>Jacob Gustafson</a:t>
-            </a:r>
-          </a:p>
-          <a:p>
-            <a:pPr algn="ctr"/>
-            <a:r>
-              <a:rPr lang="en-US" sz="2000" dirty="0" smtClean="0"/>
-              <a:t>Brian Hanson</a:t>
-            </a:r>
-          </a:p>
-          <a:p>
-            <a:pPr algn="ctr"/>
-            <a:r>
-              <a:rPr lang="en-US" sz="2000" dirty="0" smtClean="0"/>
-              <a:t>Nicholas Sloan</a:t>
-            </a:r>
-          </a:p>
-        </p:txBody>
-      </p:sp>
-      <p:sp>
-        <p:nvSpPr>
-          <p:cNvPr id="7" name="TextBox 6"/>
-          <p:cNvSpPr txBox="1"/>
-          <p:nvPr/>
-        </p:nvSpPr>
-        <p:spPr>
-          <a:xfrm>
-            <a:off x="5638799" y="1353460"/>
-            <a:ext cx="4294909" cy="1446550"/>
-          </a:xfrm>
-          <a:prstGeom prst="rect">
-            <a:avLst/>
-          </a:prstGeom>
-          <a:noFill/>
-        </p:spPr>
-        <p:txBody>
-          <a:bodyPr wrap="square" rtlCol="0">
-            <a:spAutoFit/>
-          </a:bodyPr>
-          <a:lstStyle/>
-          <a:p>
-            <a:pPr algn="ctr">
-              <a:lnSpc>
-                <a:spcPct val="200000"/>
-              </a:lnSpc>
-            </a:pPr>
-            <a:r>
-              <a:rPr lang="en-US" sz="2400" u="sng" dirty="0" smtClean="0">
-                <a:solidFill>
-                  <a:srgbClr val="FFC000"/>
-                </a:solidFill>
-              </a:rPr>
-              <a:t>Communications</a:t>
-            </a:r>
-          </a:p>
-          <a:p>
-            <a:pPr algn="ctr"/>
-            <a:r>
-              <a:rPr lang="en-US" sz="2000" dirty="0" smtClean="0"/>
-              <a:t>Ben </a:t>
-            </a:r>
-            <a:r>
-              <a:rPr lang="en-US" sz="2000" dirty="0" err="1" smtClean="0"/>
-              <a:t>Setterholm</a:t>
-            </a:r>
-            <a:endParaRPr lang="en-US" sz="2000" dirty="0" smtClean="0"/>
-          </a:p>
-          <a:p>
-            <a:pPr algn="ctr"/>
-            <a:r>
-              <a:rPr lang="en-US" sz="2000" dirty="0" smtClean="0"/>
-              <a:t>Tim </a:t>
-            </a:r>
-            <a:r>
-              <a:rPr lang="en-US" sz="2000" dirty="0" err="1" smtClean="0"/>
-              <a:t>Kukowski</a:t>
-            </a:r>
-            <a:endParaRPr lang="en-US" sz="2000" dirty="0"/>
-          </a:p>
-        </p:txBody>
-      </p:sp>
-      <p:sp>
-        <p:nvSpPr>
-          <p:cNvPr id="8" name="TextBox 7"/>
-          <p:cNvSpPr txBox="1"/>
-          <p:nvPr/>
-        </p:nvSpPr>
-        <p:spPr>
-          <a:xfrm>
-            <a:off x="5839689" y="3205739"/>
-            <a:ext cx="3893128" cy="1754326"/>
-          </a:xfrm>
-          <a:prstGeom prst="rect">
-            <a:avLst/>
-          </a:prstGeom>
-          <a:noFill/>
-        </p:spPr>
-        <p:txBody>
-          <a:bodyPr wrap="square" rtlCol="0">
-            <a:spAutoFit/>
-          </a:bodyPr>
-          <a:lstStyle/>
-          <a:p>
-            <a:pPr algn="ctr">
-              <a:lnSpc>
-                <a:spcPct val="200000"/>
-              </a:lnSpc>
-            </a:pPr>
-            <a:r>
-              <a:rPr lang="en-US" sz="2400" u="sng" dirty="0" smtClean="0">
-                <a:solidFill>
-                  <a:srgbClr val="FFC000"/>
-                </a:solidFill>
-              </a:rPr>
-              <a:t>Power Management</a:t>
-            </a:r>
-          </a:p>
-          <a:p>
-            <a:pPr algn="ctr"/>
-            <a:r>
-              <a:rPr lang="en-US" sz="2000" dirty="0" smtClean="0"/>
-              <a:t>Ethan Arendt</a:t>
-            </a:r>
-          </a:p>
-          <a:p>
-            <a:pPr algn="ctr"/>
-            <a:r>
-              <a:rPr lang="en-US" sz="2000" dirty="0" smtClean="0"/>
-              <a:t>Justin Seifert</a:t>
-            </a:r>
-          </a:p>
-          <a:p>
-            <a:pPr algn="ctr"/>
-            <a:r>
-              <a:rPr lang="en-US" sz="2000" dirty="0" smtClean="0"/>
-              <a:t>Nicholas </a:t>
-            </a:r>
-            <a:r>
-              <a:rPr lang="en-US" sz="2000" dirty="0" err="1" smtClean="0"/>
-              <a:t>Janak</a:t>
-            </a:r>
-            <a:endParaRPr lang="en-US" sz="2000" dirty="0" smtClean="0"/>
-          </a:p>
-        </p:txBody>
-      </p:sp>
-    </p:spTree>
-    <p:extLst>
-      <p:ext uri="{BB962C8B-B14F-4D97-AF65-F5344CB8AC3E}">
-        <p14:creationId xmlns:p14="http://schemas.microsoft.com/office/powerpoint/2010/main" val="3346044060"/>
-      </p:ext>
-    </p:extLst>
-  </p:cSld>
-  <p:clrMapOvr>
-    <a:masterClrMapping/>
-  </p:clrMapOvr>
-  <p:timing>
-    <p:tnLst>
-      <p:par>
-        <p:cTn id="1" dur="indefinite" restart="never" nodeType="tmRoot"/>
-      </p:par>
-    </p:tnLst>
-  </p:timing>
-</p:sld>
-</file>
-
-<file path=ppt/slides/slide30.xml><?xml version="1.0" encoding="utf-8"?>
-<p:sld xmlns:a="http://schemas.openxmlformats.org/drawingml/2006/main" xmlns:r="http://schemas.openxmlformats.org/officeDocument/2006/relationships" xmlns:p="http://schemas.openxmlformats.org/presentationml/2006/main">
-  <p:cSld>
-    <p:spTree>
-      <p:nvGrpSpPr>
-        <p:cNvPr id="1" name=""/>
-        <p:cNvGrpSpPr/>
-        <p:nvPr/>
-      </p:nvGrpSpPr>
-      <p:grpSpPr>
-        <a:xfrm>
-          <a:off x="0" y="0"/>
-          <a:ext cx="0" cy="0"/>
-          <a:chOff x="0" y="0"/>
-          <a:chExt cx="0" cy="0"/>
-        </a:xfrm>
-      </p:grpSpPr>
-      <p:sp>
-        <p:nvSpPr>
-          <p:cNvPr id="2" name="Title 1"/>
-          <p:cNvSpPr>
-            <a:spLocks noGrp="1"/>
-          </p:cNvSpPr>
-          <p:nvPr>
-            <p:ph type="title"/>
-          </p:nvPr>
-        </p:nvSpPr>
-        <p:spPr/>
         <p:txBody>
           <a:bodyPr/>
           <a:lstStyle/>
@@ -14175,7 +14927,18 @@
                   </a:schemeClr>
                 </a:solidFill>
               </a:rPr>
-              <a:t>Design - Communications</a:t>
+              <a:t>Design </a:t>
+            </a:r>
+            <a:r>
+              <a:rPr lang="en-US" dirty="0" smtClean="0">
+                <a:solidFill>
+                  <a:schemeClr val="bg1">
+                    <a:lumMod val="50000"/>
+                    <a:lumOff val="50000"/>
+                  </a:schemeClr>
+                </a:solidFill>
+              </a:rPr>
+              <a:t>– Communications Algorithm</a:t>
             </a:r>
             <a:endParaRPr lang="en-US" dirty="0">
               <a:solidFill>
@@ -14381,7 +15144,7 @@
   <p:timing>
     <p:tnLst>
       <p:par>
-        <p:cTn id="1" dur="indefinite" restart="never" nodeType="tmRoot">
+        <p:cTn xmlns:p14="http://schemas.microsoft.com/office/powerpoint/2010/main" id="1" dur="indefinite" restart="never" nodeType="tmRoot">
           <p:childTnLst>
             <p:seq concurrent="1" nextAc="seek">
               <p:cTn id="2" dur="indefinite" nodeType="mainSeq">
@@ -14581,7 +15344,7 @@
 </p:sld>
 </file>
 
-<file path=ppt/slides/slide31.xml><?xml version="1.0" encoding="utf-8"?>
+<file path=ppt/slides/slide34.xml><?xml version="1.0" encoding="utf-8"?>
 <p:sld xmlns:a="http://schemas.openxmlformats.org/drawingml/2006/main" xmlns:r="http://schemas.openxmlformats.org/officeDocument/2006/relationships" xmlns:p="http://schemas.openxmlformats.org/presentationml/2006/main">
   <p:cSld>
     <p:spTree>
@@ -14608,7 +15371,12 @@
             <p:ph type="title"/>
           </p:nvPr>
         </p:nvSpPr>
-        <p:spPr/>
+        <p:spPr>
+          <a:xfrm>
+            <a:off x="458221" y="363151"/>
+            <a:ext cx="9629860" cy="700265"/>
+          </a:xfrm>
+        </p:spPr>
         <p:txBody>
           <a:bodyPr/>
           <a:lstStyle/>
@@ -14622,7 +15390,18 @@
                   </a:schemeClr>
                 </a:solidFill>
               </a:rPr>
-              <a:t>Design - Communications</a:t>
+              <a:t>Design </a:t>
+            </a:r>
+            <a:r>
+              <a:rPr lang="en-US" dirty="0" smtClean="0">
+                <a:solidFill>
+                  <a:schemeClr val="bg1">
+                    <a:lumMod val="50000"/>
+                    <a:lumOff val="50000"/>
+                  </a:schemeClr>
+                </a:solidFill>
+              </a:rPr>
+              <a:t>– Communications Algorithm</a:t>
             </a:r>
             <a:endParaRPr lang="en-US" dirty="0">
               <a:solidFill>
@@ -14815,7 +15594,7 @@
   <p:timing>
     <p:tnLst>
       <p:par>
-        <p:cTn id="1" dur="indefinite" restart="never" nodeType="tmRoot">
+        <p:cTn xmlns:p14="http://schemas.microsoft.com/office/powerpoint/2010/main" id="1" dur="indefinite" restart="never" nodeType="tmRoot">
           <p:childTnLst>
             <p:seq concurrent="1" nextAc="seek">
               <p:cTn id="2" dur="indefinite" nodeType="mainSeq">
@@ -15015,7 +15794,7 @@
 </p:sld>
 </file>
 
-<file path=ppt/slides/slide32.xml><?xml version="1.0" encoding="utf-8"?>
+<file path=ppt/slides/slide35.xml><?xml version="1.0" encoding="utf-8"?>
 <p:sld xmlns:a="http://schemas.openxmlformats.org/drawingml/2006/main" xmlns:r="http://schemas.openxmlformats.org/officeDocument/2006/relationships" xmlns:p="http://schemas.openxmlformats.org/presentationml/2006/main">
   <p:cSld>
     <p:spTree>
@@ -15042,7 +15821,12 @@
             <p:ph type="title"/>
           </p:nvPr>
         </p:nvSpPr>
-        <p:spPr/>
+        <p:spPr>
+          <a:xfrm>
+            <a:off x="458221" y="363151"/>
+            <a:ext cx="9755066" cy="700265"/>
+          </a:xfrm>
+        </p:spPr>
         <p:txBody>
           <a:bodyPr/>
           <a:lstStyle/>
@@ -15056,7 +15840,18 @@
                   </a:schemeClr>
                 </a:solidFill>
               </a:rPr>
-              <a:t>Design - Communications</a:t>
+              <a:t>Design </a:t>
+            </a:r>
+            <a:r>
+              <a:rPr lang="en-US" dirty="0" smtClean="0">
+                <a:solidFill>
+                  <a:schemeClr val="bg1">
+                    <a:lumMod val="50000"/>
+                    <a:lumOff val="50000"/>
+                  </a:schemeClr>
+                </a:solidFill>
+              </a:rPr>
+              <a:t>– Communications Algorithm</a:t>
             </a:r>
             <a:endParaRPr lang="en-US" dirty="0">
               <a:solidFill>
@@ -15277,7 +16072,7 @@
   <p:timing>
     <p:tnLst>
       <p:par>
-        <p:cTn id="1" dur="indefinite" restart="never" nodeType="tmRoot">
+        <p:cTn xmlns:p14="http://schemas.microsoft.com/office/powerpoint/2010/main" id="1" dur="indefinite" restart="never" nodeType="tmRoot">
           <p:childTnLst>
             <p:seq concurrent="1" nextAc="seek">
               <p:cTn id="2" dur="indefinite" nodeType="mainSeq">
@@ -15477,7 +16272,7 @@
 </p:sld>
 </file>
 
-<file path=ppt/slides/slide33.xml><?xml version="1.0" encoding="utf-8"?>
+<file path=ppt/slides/slide36.xml><?xml version="1.0" encoding="utf-8"?>
 <p:sld xmlns:a="http://schemas.openxmlformats.org/drawingml/2006/main" xmlns:r="http://schemas.openxmlformats.org/officeDocument/2006/relationships" xmlns:p="http://schemas.openxmlformats.org/presentationml/2006/main">
   <p:cSld>
     <p:spTree>
@@ -15504,7 +16299,12 @@
             <p:ph type="title"/>
           </p:nvPr>
         </p:nvSpPr>
-        <p:spPr/>
+        <p:spPr>
+          <a:xfrm>
+            <a:off x="458221" y="363151"/>
+            <a:ext cx="9719293" cy="700265"/>
+          </a:xfrm>
+        </p:spPr>
         <p:txBody>
           <a:bodyPr/>
           <a:lstStyle/>
@@ -15518,7 +16318,18 @@
                   </a:schemeClr>
                 </a:solidFill>
               </a:rPr>
-              <a:t>Design - Communications</a:t>
+              <a:t>Design </a:t>
+            </a:r>
+            <a:r>
+              <a:rPr lang="en-US" dirty="0" smtClean="0">
+                <a:solidFill>
+                  <a:schemeClr val="bg1">
+                    <a:lumMod val="50000"/>
+                    <a:lumOff val="50000"/>
+                  </a:schemeClr>
+                </a:solidFill>
+              </a:rPr>
+              <a:t>– Communications Algorithm</a:t>
             </a:r>
             <a:endParaRPr lang="en-US" dirty="0">
               <a:solidFill>
@@ -15735,7 +16546,7 @@
   <p:timing>
     <p:tnLst>
       <p:par>
-        <p:cTn id="1" dur="indefinite" restart="never" nodeType="tmRoot">
+        <p:cTn xmlns:p14="http://schemas.microsoft.com/office/powerpoint/2010/main" id="1" dur="indefinite" restart="never" nodeType="tmRoot">
           <p:childTnLst>
             <p:seq concurrent="1" nextAc="seek">
               <p:cTn id="2" dur="indefinite" nodeType="mainSeq">
@@ -15935,7 +16746,7 @@
 </p:sld>
 </file>
 
-<file path=ppt/slides/slide34.xml><?xml version="1.0" encoding="utf-8"?>
+<file path=ppt/slides/slide37.xml><?xml version="1.0" encoding="utf-8"?>
 <p:sld xmlns:a="http://schemas.openxmlformats.org/drawingml/2006/main" xmlns:r="http://schemas.openxmlformats.org/officeDocument/2006/relationships" xmlns:p="http://schemas.openxmlformats.org/presentationml/2006/main">
   <p:cSld>
     <p:spTree>
@@ -16056,384 +16867,7 @@
   <p:timing>
     <p:tnLst>
       <p:par>
-        <p:cTn id="1" dur="indefinite" restart="never" nodeType="tmRoot"/>
-      </p:par>
-    </p:tnLst>
-  </p:timing>
-</p:sld>
-</file>
-
-<file path=ppt/slides/slide35.xml><?xml version="1.0" encoding="utf-8"?>
-<p:sld xmlns:a="http://schemas.openxmlformats.org/drawingml/2006/main" xmlns:r="http://schemas.openxmlformats.org/officeDocument/2006/relationships" xmlns:p="http://schemas.openxmlformats.org/presentationml/2006/main">
-  <p:cSld>
-    <p:spTree>
-      <p:nvGrpSpPr>
-        <p:cNvPr id="1" name=""/>
-        <p:cNvGrpSpPr/>
-        <p:nvPr/>
-      </p:nvGrpSpPr>
-      <p:grpSpPr>
-        <a:xfrm>
-          <a:off x="0" y="0"/>
-          <a:ext cx="0" cy="0"/>
-          <a:chOff x="0" y="0"/>
-          <a:chExt cx="0" cy="0"/>
-        </a:xfrm>
-      </p:grpSpPr>
-      <p:sp>
-        <p:nvSpPr>
-          <p:cNvPr id="2" name="Title 1"/>
-          <p:cNvSpPr>
-            <a:spLocks noGrp="1"/>
-          </p:cNvSpPr>
-          <p:nvPr>
-            <p:ph type="title"/>
-          </p:nvPr>
-        </p:nvSpPr>
-        <p:spPr/>
-        <p:txBody>
-          <a:bodyPr/>
-          <a:lstStyle/>
-          <a:p>
-            <a:r>
-              <a:rPr lang="en-US" dirty="0" smtClean="0">
-                <a:solidFill>
-                  <a:schemeClr val="bg1">
-                    <a:lumMod val="50000"/>
-                    <a:lumOff val="50000"/>
-                  </a:schemeClr>
-                </a:solidFill>
-              </a:rPr>
-              <a:t>Design – </a:t>
-            </a:r>
-            <a:r>
-              <a:rPr lang="en-US" dirty="0" smtClean="0">
-                <a:solidFill>
-                  <a:schemeClr val="bg1">
-                    <a:lumMod val="50000"/>
-                    <a:lumOff val="50000"/>
-                  </a:schemeClr>
-                </a:solidFill>
-              </a:rPr>
-              <a:t>Power</a:t>
-            </a:r>
-            <a:endParaRPr lang="en-US" dirty="0">
-              <a:solidFill>
-                <a:schemeClr val="bg1">
-                  <a:lumMod val="50000"/>
-                  <a:lumOff val="50000"/>
-                </a:schemeClr>
-              </a:solidFill>
-            </a:endParaRPr>
-          </a:p>
-        </p:txBody>
-      </p:sp>
-      <p:sp>
-        <p:nvSpPr>
-          <p:cNvPr id="3" name="Content Placeholder 2"/>
-          <p:cNvSpPr>
-            <a:spLocks noGrp="1"/>
-          </p:cNvSpPr>
-          <p:nvPr>
-            <p:ph idx="1"/>
-          </p:nvPr>
-        </p:nvSpPr>
-        <p:spPr/>
-        <p:txBody>
-          <a:bodyPr/>
-          <a:lstStyle/>
-          <a:p>
-            <a:r>
-              <a:rPr lang="en-US" dirty="0" smtClean="0"/>
-              <a:t>Overview</a:t>
-            </a:r>
-          </a:p>
-          <a:p>
-            <a:pPr lvl="1"/>
-            <a:r>
-              <a:rPr lang="en-US" dirty="0" smtClean="0"/>
-              <a:t>Power needed</a:t>
-            </a:r>
-          </a:p>
-          <a:p>
-            <a:pPr lvl="1"/>
-            <a:r>
-              <a:rPr lang="en-US" dirty="0" smtClean="0"/>
-              <a:t>Power supplied</a:t>
-            </a:r>
-          </a:p>
-          <a:p>
-            <a:pPr lvl="1"/>
-            <a:r>
-              <a:rPr lang="en-US" dirty="0" smtClean="0"/>
-              <a:t>Initial design / needed design</a:t>
-            </a:r>
-          </a:p>
-          <a:p>
-            <a:pPr lvl="1"/>
-            <a:r>
-              <a:rPr lang="en-US" dirty="0" err="1" smtClean="0"/>
-              <a:t>deployables</a:t>
-            </a:r>
-            <a:endParaRPr lang="en-US" dirty="0"/>
-          </a:p>
-        </p:txBody>
-      </p:sp>
-      <p:sp>
-        <p:nvSpPr>
-          <p:cNvPr id="4" name="Text Placeholder 3"/>
-          <p:cNvSpPr>
-            <a:spLocks noGrp="1"/>
-          </p:cNvSpPr>
-          <p:nvPr>
-            <p:ph type="body" sz="quarter" idx="10"/>
-          </p:nvPr>
-        </p:nvSpPr>
-        <p:spPr/>
-        <p:txBody>
-          <a:bodyPr>
-            <a:normAutofit fontScale="92500" lnSpcReduction="10000"/>
-          </a:bodyPr>
-          <a:lstStyle/>
-          <a:p>
-            <a:r>
-              <a:rPr lang="en-US" dirty="0" smtClean="0"/>
-              <a:t>Justin S</a:t>
-            </a:r>
-            <a:endParaRPr lang="en-US" dirty="0"/>
-          </a:p>
-        </p:txBody>
-      </p:sp>
-    </p:spTree>
-    <p:extLst>
-      <p:ext uri="{BB962C8B-B14F-4D97-AF65-F5344CB8AC3E}">
-        <p14:creationId xmlns:p14="http://schemas.microsoft.com/office/powerpoint/2010/main" val="3374829062"/>
-      </p:ext>
-    </p:extLst>
-  </p:cSld>
-  <p:clrMapOvr>
-    <a:masterClrMapping/>
-  </p:clrMapOvr>
-  <p:timing>
-    <p:tnLst>
-      <p:par>
-        <p:cTn id="1" dur="indefinite" restart="never" nodeType="tmRoot"/>
-      </p:par>
-    </p:tnLst>
-  </p:timing>
-</p:sld>
-</file>
-
-<file path=ppt/slides/slide36.xml><?xml version="1.0" encoding="utf-8"?>
-<p:sld xmlns:a="http://schemas.openxmlformats.org/drawingml/2006/main" xmlns:r="http://schemas.openxmlformats.org/officeDocument/2006/relationships" xmlns:p="http://schemas.openxmlformats.org/presentationml/2006/main">
-  <p:cSld>
-    <p:spTree>
-      <p:nvGrpSpPr>
-        <p:cNvPr id="1" name=""/>
-        <p:cNvGrpSpPr/>
-        <p:nvPr/>
-      </p:nvGrpSpPr>
-      <p:grpSpPr>
-        <a:xfrm>
-          <a:off x="0" y="0"/>
-          <a:ext cx="0" cy="0"/>
-          <a:chOff x="0" y="0"/>
-          <a:chExt cx="0" cy="0"/>
-        </a:xfrm>
-      </p:grpSpPr>
-      <p:sp>
-        <p:nvSpPr>
-          <p:cNvPr id="2" name="Title 1"/>
-          <p:cNvSpPr>
-            <a:spLocks noGrp="1"/>
-          </p:cNvSpPr>
-          <p:nvPr>
-            <p:ph type="title"/>
-          </p:nvPr>
-        </p:nvSpPr>
-        <p:spPr/>
-        <p:txBody>
-          <a:bodyPr/>
-          <a:lstStyle/>
-          <a:p>
-            <a:r>
-              <a:rPr lang="en-US" dirty="0" smtClean="0"/>
-              <a:t>Design - Power</a:t>
-            </a:r>
-            <a:endParaRPr lang="en-US" dirty="0"/>
-          </a:p>
-        </p:txBody>
-      </p:sp>
-      <p:sp>
-        <p:nvSpPr>
-          <p:cNvPr id="3" name="Content Placeholder 2"/>
-          <p:cNvSpPr>
-            <a:spLocks noGrp="1"/>
-          </p:cNvSpPr>
-          <p:nvPr>
-            <p:ph idx="1"/>
-          </p:nvPr>
-        </p:nvSpPr>
-        <p:spPr/>
-        <p:txBody>
-          <a:bodyPr/>
-          <a:lstStyle/>
-          <a:p>
-            <a:r>
-              <a:rPr lang="en-US" dirty="0" err="1" smtClean="0"/>
-              <a:t>Enviromental</a:t>
-            </a:r>
-            <a:r>
-              <a:rPr lang="en-US" dirty="0" smtClean="0"/>
-              <a:t> aspects. (orbits) </a:t>
-            </a:r>
-            <a:endParaRPr lang="en-US" dirty="0"/>
-          </a:p>
-        </p:txBody>
-      </p:sp>
-      <p:sp>
-        <p:nvSpPr>
-          <p:cNvPr id="4" name="Text Placeholder 3"/>
-          <p:cNvSpPr>
-            <a:spLocks noGrp="1"/>
-          </p:cNvSpPr>
-          <p:nvPr>
-            <p:ph type="body" sz="quarter" idx="10"/>
-          </p:nvPr>
-        </p:nvSpPr>
-        <p:spPr/>
-        <p:txBody>
-          <a:bodyPr>
-            <a:normAutofit fontScale="92500" lnSpcReduction="10000"/>
-          </a:bodyPr>
-          <a:lstStyle/>
-          <a:p>
-            <a:r>
-              <a:rPr lang="en-US" dirty="0" smtClean="0"/>
-              <a:t>Nick J</a:t>
-            </a:r>
-            <a:endParaRPr lang="en-US" dirty="0"/>
-          </a:p>
-        </p:txBody>
-      </p:sp>
-    </p:spTree>
-    <p:extLst>
-      <p:ext uri="{BB962C8B-B14F-4D97-AF65-F5344CB8AC3E}">
-        <p14:creationId xmlns:p14="http://schemas.microsoft.com/office/powerpoint/2010/main" val="1640768230"/>
-      </p:ext>
-    </p:extLst>
-  </p:cSld>
-  <p:clrMapOvr>
-    <a:masterClrMapping/>
-  </p:clrMapOvr>
-  <p:timing>
-    <p:tnLst>
-      <p:par>
-        <p:cTn id="1" dur="indefinite" restart="never" nodeType="tmRoot"/>
-      </p:par>
-    </p:tnLst>
-  </p:timing>
-</p:sld>
-</file>
-
-<file path=ppt/slides/slide37.xml><?xml version="1.0" encoding="utf-8"?>
-<p:sld xmlns:a="http://schemas.openxmlformats.org/drawingml/2006/main" xmlns:r="http://schemas.openxmlformats.org/officeDocument/2006/relationships" xmlns:p="http://schemas.openxmlformats.org/presentationml/2006/main">
-  <p:cSld>
-    <p:spTree>
-      <p:nvGrpSpPr>
-        <p:cNvPr id="1" name=""/>
-        <p:cNvGrpSpPr/>
-        <p:nvPr/>
-      </p:nvGrpSpPr>
-      <p:grpSpPr>
-        <a:xfrm>
-          <a:off x="0" y="0"/>
-          <a:ext cx="0" cy="0"/>
-          <a:chOff x="0" y="0"/>
-          <a:chExt cx="0" cy="0"/>
-        </a:xfrm>
-      </p:grpSpPr>
-      <p:sp>
-        <p:nvSpPr>
-          <p:cNvPr id="2" name="Title 1"/>
-          <p:cNvSpPr>
-            <a:spLocks noGrp="1"/>
-          </p:cNvSpPr>
-          <p:nvPr>
-            <p:ph type="title"/>
-          </p:nvPr>
-        </p:nvSpPr>
-        <p:spPr/>
-        <p:txBody>
-          <a:bodyPr/>
-          <a:lstStyle/>
-          <a:p>
-            <a:endParaRPr lang="en-US" dirty="0"/>
-          </a:p>
-        </p:txBody>
-      </p:sp>
-      <p:sp>
-        <p:nvSpPr>
-          <p:cNvPr id="3" name="Content Placeholder 2"/>
-          <p:cNvSpPr>
-            <a:spLocks noGrp="1"/>
-          </p:cNvSpPr>
-          <p:nvPr>
-            <p:ph idx="1"/>
-          </p:nvPr>
-        </p:nvSpPr>
-        <p:spPr/>
-        <p:txBody>
-          <a:bodyPr/>
-          <a:lstStyle/>
-          <a:p>
-            <a:r>
-              <a:rPr lang="en-US" dirty="0" smtClean="0"/>
-              <a:t>Power components</a:t>
-            </a:r>
-            <a:endParaRPr lang="en-US" dirty="0"/>
-          </a:p>
-        </p:txBody>
-      </p:sp>
-      <p:sp>
-        <p:nvSpPr>
-          <p:cNvPr id="4" name="Text Placeholder 3"/>
-          <p:cNvSpPr>
-            <a:spLocks noGrp="1"/>
-          </p:cNvSpPr>
-          <p:nvPr>
-            <p:ph type="body" sz="quarter" idx="10"/>
-          </p:nvPr>
-        </p:nvSpPr>
-        <p:spPr/>
-        <p:txBody>
-          <a:bodyPr>
-            <a:normAutofit fontScale="92500" lnSpcReduction="10000"/>
-          </a:bodyPr>
-          <a:lstStyle/>
-          <a:p>
-            <a:r>
-              <a:rPr lang="en-US" dirty="0" smtClean="0"/>
-              <a:t>Justin S</a:t>
-            </a:r>
-            <a:endParaRPr lang="en-US" dirty="0"/>
-          </a:p>
-        </p:txBody>
-      </p:sp>
-    </p:spTree>
-    <p:extLst>
-      <p:ext uri="{BB962C8B-B14F-4D97-AF65-F5344CB8AC3E}">
-        <p14:creationId xmlns:p14="http://schemas.microsoft.com/office/powerpoint/2010/main" val="758967668"/>
-      </p:ext>
-    </p:extLst>
-  </p:cSld>
-  <p:clrMapOvr>
-    <a:masterClrMapping/>
-  </p:clrMapOvr>
-  <p:timing>
-    <p:tnLst>
-      <p:par>
-        <p:cTn id="1" dur="indefinite" restart="never" nodeType="tmRoot"/>
+        <p:cTn xmlns:p14="http://schemas.microsoft.com/office/powerpoint/2010/main" id="1" dur="indefinite" restart="never" nodeType="tmRoot"/>
       </p:par>
     </p:tnLst>
   </p:timing>
@@ -16481,7 +16915,7 @@
                   </a:schemeClr>
                 </a:solidFill>
               </a:rPr>
-              <a:t>Design – Power Budget</a:t>
+              <a:t>Design – Power</a:t>
             </a:r>
             <a:endParaRPr lang="en-US" dirty="0">
               <a:solidFill>
@@ -16510,12 +16944,36 @@
           <a:lstStyle/>
           <a:p>
             <a:r>
-              <a:rPr lang="en-US" dirty="0"/>
-              <a:t> </a:t>
-            </a:r>
-            <a:r>
               <a:rPr lang="en-US" dirty="0" smtClean="0"/>
-              <a:t>charge vs discharge</a:t>
+              <a:t>Overview</a:t>
+            </a:r>
+          </a:p>
+          <a:p>
+            <a:pPr lvl="1"/>
+            <a:r>
+              <a:rPr lang="en-US" dirty="0" smtClean="0"/>
+              <a:t>Power needed</a:t>
+            </a:r>
+          </a:p>
+          <a:p>
+            <a:pPr lvl="1"/>
+            <a:r>
+              <a:rPr lang="en-US" dirty="0" smtClean="0"/>
+              <a:t>Power supplied</a:t>
+            </a:r>
+          </a:p>
+          <a:p>
+            <a:pPr lvl="1"/>
+            <a:r>
+              <a:rPr lang="en-US" dirty="0" smtClean="0"/>
+              <a:t>Initial design / needed design</a:t>
+            </a:r>
+          </a:p>
+          <a:p>
+            <a:pPr lvl="1"/>
+            <a:r>
+              <a:rPr lang="en-US" dirty="0" err="1" smtClean="0"/>
+              <a:t>deployables</a:t>
             </a:r>
             <a:endParaRPr lang="en-US" dirty="0"/>
           </a:p>
@@ -16540,7 +16998,7 @@
           <a:p>
             <a:r>
               <a:rPr lang="en-US" dirty="0" smtClean="0"/>
-              <a:t>Ethan A</a:t>
+              <a:t>Justin S</a:t>
             </a:r>
             <a:endParaRPr lang="en-US" dirty="0"/>
           </a:p>
@@ -16549,7 +17007,7 @@
     </p:spTree>
     <p:extLst>
       <p:ext uri="{BB962C8B-B14F-4D97-AF65-F5344CB8AC3E}">
-        <p14:creationId xmlns:p14="http://schemas.microsoft.com/office/powerpoint/2010/main" val="2352954413"/>
+        <p14:creationId xmlns:p14="http://schemas.microsoft.com/office/powerpoint/2010/main" val="3374829062"/>
       </p:ext>
     </p:extLst>
   </p:cSld>
@@ -16559,7 +17017,7 @@
   <p:timing>
     <p:tnLst>
       <p:par>
-        <p:cTn id="1" dur="indefinite" restart="never" nodeType="tmRoot"/>
+        <p:cTn xmlns:p14="http://schemas.microsoft.com/office/powerpoint/2010/main" id="1" dur="indefinite" restart="never" nodeType="tmRoot"/>
       </p:par>
     </p:tnLst>
   </p:timing>
@@ -16622,8 +17080,12 @@
           <a:lstStyle/>
           <a:p>
             <a:r>
+              <a:rPr lang="en-US" dirty="0" err="1" smtClean="0"/>
+              <a:t>Enviromental</a:t>
+            </a:r>
+            <a:r>
               <a:rPr lang="en-US" dirty="0" smtClean="0"/>
-              <a:t>Wiring</a:t>
+              <a:t> aspects. (orbits) </a:t>
             </a:r>
             <a:endParaRPr lang="en-US" dirty="0"/>
           </a:p>
@@ -16648,7 +17110,7 @@
           <a:p>
             <a:r>
               <a:rPr lang="en-US" dirty="0" smtClean="0"/>
-              <a:t>Ethan A</a:t>
+              <a:t>Nick J</a:t>
             </a:r>
             <a:endParaRPr lang="en-US" dirty="0"/>
           </a:p>
@@ -16657,7 +17119,7 @@
     </p:spTree>
     <p:extLst>
       <p:ext uri="{BB962C8B-B14F-4D97-AF65-F5344CB8AC3E}">
-        <p14:creationId xmlns:p14="http://schemas.microsoft.com/office/powerpoint/2010/main" val="2875824482"/>
+        <p14:creationId xmlns:p14="http://schemas.microsoft.com/office/powerpoint/2010/main" val="1640768230"/>
       </p:ext>
     </p:extLst>
   </p:cSld>
@@ -16667,7 +17129,7 @@
   <p:timing>
     <p:tnLst>
       <p:par>
-        <p:cTn id="1" dur="indefinite" restart="never" nodeType="tmRoot"/>
+        <p:cTn xmlns:p14="http://schemas.microsoft.com/office/powerpoint/2010/main" id="1" dur="indefinite" restart="never" nodeType="tmRoot"/>
       </p:par>
     </p:tnLst>
   </p:timing>
@@ -16795,7 +17257,7 @@
   <p:timing>
     <p:tnLst>
       <p:par>
-        <p:cTn id="1" dur="indefinite" restart="never" nodeType="tmRoot"/>
+        <p:cTn xmlns:p14="http://schemas.microsoft.com/office/powerpoint/2010/main" id="1" dur="indefinite" restart="never" nodeType="tmRoot"/>
       </p:par>
     </p:tnLst>
   </p:timing>
@@ -16834,25 +17296,7 @@
           <a:bodyPr/>
           <a:lstStyle/>
           <a:p>
-            <a:r>
-              <a:rPr lang="en-US" dirty="0" smtClean="0">
-                <a:solidFill>
-                  <a:schemeClr val="bg1">
-                    <a:lumMod val="50000"/>
-                    <a:lumOff val="50000"/>
-                  </a:schemeClr>
-                </a:solidFill>
-              </a:rPr>
-              <a:t>Design - Power</a:t>
-            </a:r>
-            <a:endParaRPr lang="en-US" dirty="0">
-              <a:solidFill>
-                <a:schemeClr val="bg1">
-                  <a:lumMod val="50000"/>
-                  <a:lumOff val="50000"/>
-                </a:schemeClr>
-              </a:solidFill>
-            </a:endParaRPr>
+            <a:endParaRPr lang="en-US" dirty="0"/>
           </a:p>
         </p:txBody>
       </p:sp>
@@ -16873,7 +17317,7 @@
           <a:p>
             <a:r>
               <a:rPr lang="en-US" dirty="0" smtClean="0"/>
-              <a:t>Power order of operations</a:t>
+              <a:t>Power components</a:t>
             </a:r>
             <a:endParaRPr lang="en-US" dirty="0"/>
           </a:p>
@@ -16898,7 +17342,7 @@
           <a:p>
             <a:r>
               <a:rPr lang="en-US" dirty="0" smtClean="0"/>
-              <a:t>Nick J</a:t>
+              <a:t>Justin S</a:t>
             </a:r>
             <a:endParaRPr lang="en-US" dirty="0"/>
           </a:p>
@@ -16907,7 +17351,7 @@
     </p:spTree>
     <p:extLst>
       <p:ext uri="{BB962C8B-B14F-4D97-AF65-F5344CB8AC3E}">
-        <p14:creationId xmlns:p14="http://schemas.microsoft.com/office/powerpoint/2010/main" val="2966243109"/>
+        <p14:creationId xmlns:p14="http://schemas.microsoft.com/office/powerpoint/2010/main" val="758967668"/>
       </p:ext>
     </p:extLst>
   </p:cSld>
@@ -16917,7 +17361,7 @@
   <p:timing>
     <p:tnLst>
       <p:par>
-        <p:cTn id="1" dur="indefinite" restart="never" nodeType="tmRoot"/>
+        <p:cTn xmlns:p14="http://schemas.microsoft.com/office/powerpoint/2010/main" id="1" dur="indefinite" restart="never" nodeType="tmRoot"/>
       </p:par>
     </p:tnLst>
   </p:timing>
@@ -16965,18 +17409,7 @@
                   </a:schemeClr>
                 </a:solidFill>
               </a:rPr>
-              <a:t>Design – </a:t>
-            </a:r>
-            <a:r>
-              <a:rPr lang="en-US" dirty="0" smtClean="0">
-                <a:solidFill>
-                  <a:schemeClr val="bg1">
-                    <a:lumMod val="50000"/>
-                    <a:lumOff val="50000"/>
-                  </a:schemeClr>
-                </a:solidFill>
-              </a:rPr>
-              <a:t>Power</a:t>
+              <a:t>Design – Power Budget</a:t>
             </a:r>
             <a:endParaRPr lang="en-US" dirty="0">
               <a:solidFill>
@@ -17004,6 +17437,14 @@
           <a:bodyPr/>
           <a:lstStyle/>
           <a:p>
+            <a:r>
+              <a:rPr lang="en-US" dirty="0"/>
+              <a:t> </a:t>
+            </a:r>
+            <a:r>
+              <a:rPr lang="en-US" dirty="0" smtClean="0"/>
+              <a:t>charge vs discharge</a:t>
+            </a:r>
             <a:endParaRPr lang="en-US" dirty="0"/>
           </a:p>
         </p:txBody>
@@ -17027,7 +17468,7 @@
           <a:p>
             <a:r>
               <a:rPr lang="en-US" dirty="0" smtClean="0"/>
-              <a:t>Nick J</a:t>
+              <a:t>Ethan A</a:t>
             </a:r>
             <a:endParaRPr lang="en-US" dirty="0"/>
           </a:p>
@@ -17036,7 +17477,7 @@
     </p:spTree>
     <p:extLst>
       <p:ext uri="{BB962C8B-B14F-4D97-AF65-F5344CB8AC3E}">
-        <p14:creationId xmlns:p14="http://schemas.microsoft.com/office/powerpoint/2010/main" val="1043457955"/>
+        <p14:creationId xmlns:p14="http://schemas.microsoft.com/office/powerpoint/2010/main" val="2352954413"/>
       </p:ext>
     </p:extLst>
   </p:cSld>
@@ -17046,7 +17487,7 @@
   <p:timing>
     <p:tnLst>
       <p:par>
-        <p:cTn id="1" dur="indefinite" restart="never" nodeType="tmRoot"/>
+        <p:cTn xmlns:p14="http://schemas.microsoft.com/office/powerpoint/2010/main" id="1" dur="indefinite" restart="never" nodeType="tmRoot"/>
       </p:par>
     </p:tnLst>
   </p:timing>
@@ -17086,24 +17527,10 @@
           <a:lstStyle/>
           <a:p>
             <a:r>
-              <a:rPr lang="en-US" dirty="0" smtClean="0">
-                <a:solidFill>
-                  <a:schemeClr val="bg1">
-                    <a:lumMod val="50000"/>
-                    <a:lumOff val="50000"/>
-                  </a:schemeClr>
-                </a:solidFill>
-              </a:rPr>
-              <a:t>FMEA</a:t>
-            </a:r>
-            <a:endParaRPr lang="en-US" dirty="0">
-              <a:solidFill>
-                <a:schemeClr val="bg1">
-                  <a:lumMod val="50000"/>
-                  <a:lumOff val="50000"/>
-                </a:schemeClr>
-              </a:solidFill>
-            </a:endParaRPr>
+              <a:rPr lang="en-US" dirty="0" smtClean="0"/>
+              <a:t>Design - Power</a:t>
+            </a:r>
+            <a:endParaRPr lang="en-US" dirty="0"/>
           </a:p>
         </p:txBody>
       </p:sp>
@@ -17123,11 +17550,9 @@
           <a:lstStyle/>
           <a:p>
             <a:r>
-              <a:rPr lang="en-US" dirty="0"/>
-              <a:t>TO BE COMPLETED</a:t>
-            </a:r>
-          </a:p>
-          <a:p>
+              <a:rPr lang="en-US" dirty="0" smtClean="0"/>
+              <a:t>Wiring</a:t>
+            </a:r>
             <a:endParaRPr lang="en-US" dirty="0"/>
           </a:p>
         </p:txBody>
@@ -17151,7 +17576,7 @@
           <a:p>
             <a:r>
               <a:rPr lang="en-US" dirty="0" smtClean="0"/>
-              <a:t>Ben S</a:t>
+              <a:t>Ethan A</a:t>
             </a:r>
             <a:endParaRPr lang="en-US" dirty="0"/>
           </a:p>
@@ -17160,7 +17585,7 @@
     </p:spTree>
     <p:extLst>
       <p:ext uri="{BB962C8B-B14F-4D97-AF65-F5344CB8AC3E}">
-        <p14:creationId xmlns:p14="http://schemas.microsoft.com/office/powerpoint/2010/main" val="2929915190"/>
+        <p14:creationId xmlns:p14="http://schemas.microsoft.com/office/powerpoint/2010/main" val="2875824482"/>
       </p:ext>
     </p:extLst>
   </p:cSld>
@@ -17170,7 +17595,7 @@
   <p:timing>
     <p:tnLst>
       <p:par>
-        <p:cTn id="1" dur="indefinite" restart="never" nodeType="tmRoot"/>
+        <p:cTn xmlns:p14="http://schemas.microsoft.com/office/powerpoint/2010/main" id="1" dur="indefinite" restart="never" nodeType="tmRoot"/>
       </p:par>
     </p:tnLst>
   </p:timing>
@@ -17218,7 +17643,7 @@
                   </a:schemeClr>
                 </a:solidFill>
               </a:rPr>
-              <a:t>Conclusion</a:t>
+              <a:t>Design - Power</a:t>
             </a:r>
             <a:endParaRPr lang="en-US" dirty="0">
               <a:solidFill>
@@ -17248,13 +17673,7 @@
           <a:p>
             <a:r>
               <a:rPr lang="en-US" dirty="0" smtClean="0"/>
-              <a:t>Delivered:</a:t>
-            </a:r>
-          </a:p>
-          <a:p>
-            <a:r>
-              <a:rPr lang="en-US" dirty="0" smtClean="0"/>
-              <a:t>TO BE COMPLETED</a:t>
+              <a:t>Power order of operations</a:t>
             </a:r>
             <a:endParaRPr lang="en-US" dirty="0"/>
           </a:p>
@@ -17279,7 +17698,7 @@
           <a:p>
             <a:r>
               <a:rPr lang="en-US" dirty="0" smtClean="0"/>
-              <a:t>Nick S</a:t>
+              <a:t>Nick J</a:t>
             </a:r>
             <a:endParaRPr lang="en-US" dirty="0"/>
           </a:p>
@@ -17288,7 +17707,7 @@
     </p:spTree>
     <p:extLst>
       <p:ext uri="{BB962C8B-B14F-4D97-AF65-F5344CB8AC3E}">
-        <p14:creationId xmlns:p14="http://schemas.microsoft.com/office/powerpoint/2010/main" val="1930181380"/>
+        <p14:creationId xmlns:p14="http://schemas.microsoft.com/office/powerpoint/2010/main" val="2966243109"/>
       </p:ext>
     </p:extLst>
   </p:cSld>
@@ -17298,7 +17717,7 @@
   <p:timing>
     <p:tnLst>
       <p:par>
-        <p:cTn id="1" dur="indefinite" restart="never" nodeType="tmRoot"/>
+        <p:cTn xmlns:p14="http://schemas.microsoft.com/office/powerpoint/2010/main" id="1" dur="indefinite" restart="never" nodeType="tmRoot"/>
       </p:par>
     </p:tnLst>
   </p:timing>
@@ -17338,10 +17757,24 @@
           <a:lstStyle/>
           <a:p>
             <a:r>
-              <a:rPr lang="en-US" dirty="0" smtClean="0"/>
-              <a:t>Next steps.</a:t>
-            </a:r>
-            <a:endParaRPr lang="en-US" dirty="0"/>
+              <a:rPr lang="en-US" dirty="0" smtClean="0">
+                <a:solidFill>
+                  <a:schemeClr val="bg1">
+                    <a:lumMod val="50000"/>
+                    <a:lumOff val="50000"/>
+                  </a:schemeClr>
+                </a:solidFill>
+              </a:rPr>
+              <a:t>Design – Power</a:t>
+            </a:r>
+            <a:endParaRPr lang="en-US" dirty="0">
+              <a:solidFill>
+                <a:schemeClr val="bg1">
+                  <a:lumMod val="50000"/>
+                  <a:lumOff val="50000"/>
+                </a:schemeClr>
+              </a:solidFill>
+            </a:endParaRPr>
           </a:p>
         </p:txBody>
       </p:sp>
@@ -17360,10 +17793,6 @@
           <a:bodyPr/>
           <a:lstStyle/>
           <a:p>
-            <a:r>
-              <a:rPr lang="en-US" dirty="0" smtClean="0"/>
-              <a:t>Here is the next steps to be done in spring.</a:t>
-            </a:r>
             <a:endParaRPr lang="en-US" dirty="0"/>
           </a:p>
         </p:txBody>
@@ -17387,7 +17816,7 @@
           <a:p>
             <a:r>
               <a:rPr lang="en-US" dirty="0" smtClean="0"/>
-              <a:t>Brian H</a:t>
+              <a:t>Nick J</a:t>
             </a:r>
             <a:endParaRPr lang="en-US" dirty="0"/>
           </a:p>
@@ -17396,7 +17825,7 @@
     </p:spTree>
     <p:extLst>
       <p:ext uri="{BB962C8B-B14F-4D97-AF65-F5344CB8AC3E}">
-        <p14:creationId xmlns:p14="http://schemas.microsoft.com/office/powerpoint/2010/main" val="1147883137"/>
+        <p14:creationId xmlns:p14="http://schemas.microsoft.com/office/powerpoint/2010/main" val="1043457955"/>
       </p:ext>
     </p:extLst>
   </p:cSld>
@@ -17406,7 +17835,7 @@
   <p:timing>
     <p:tnLst>
       <p:par>
-        <p:cTn id="1" dur="indefinite" restart="never" nodeType="tmRoot"/>
+        <p:cTn xmlns:p14="http://schemas.microsoft.com/office/powerpoint/2010/main" id="1" dur="indefinite" restart="never" nodeType="tmRoot"/>
       </p:par>
     </p:tnLst>
   </p:timing>
@@ -17446,36 +17875,81 @@
           <a:lstStyle/>
           <a:p>
             <a:r>
+              <a:rPr lang="en-US" dirty="0" smtClean="0">
+                <a:solidFill>
+                  <a:schemeClr val="bg1">
+                    <a:lumMod val="50000"/>
+                    <a:lumOff val="50000"/>
+                  </a:schemeClr>
+                </a:solidFill>
+              </a:rPr>
+              <a:t>FMEA</a:t>
+            </a:r>
+            <a:endParaRPr lang="en-US" dirty="0">
+              <a:solidFill>
+                <a:schemeClr val="bg1">
+                  <a:lumMod val="50000"/>
+                  <a:lumOff val="50000"/>
+                </a:schemeClr>
+              </a:solidFill>
+            </a:endParaRPr>
+          </a:p>
+        </p:txBody>
+      </p:sp>
+      <p:sp>
+        <p:nvSpPr>
+          <p:cNvPr id="3" name="Content Placeholder 2"/>
+          <p:cNvSpPr>
+            <a:spLocks noGrp="1"/>
+          </p:cNvSpPr>
+          <p:nvPr>
+            <p:ph idx="1"/>
+          </p:nvPr>
+        </p:nvSpPr>
+        <p:spPr/>
+        <p:txBody>
+          <a:bodyPr/>
+          <a:lstStyle/>
+          <a:p>
+            <a:r>
+              <a:rPr lang="en-US" dirty="0"/>
+              <a:t>TO BE COMPLETED</a:t>
+            </a:r>
+          </a:p>
+          <a:p>
+            <a:endParaRPr lang="en-US" dirty="0"/>
+          </a:p>
+        </p:txBody>
+      </p:sp>
+      <p:sp>
+        <p:nvSpPr>
+          <p:cNvPr id="4" name="Text Placeholder 3"/>
+          <p:cNvSpPr>
+            <a:spLocks noGrp="1"/>
+          </p:cNvSpPr>
+          <p:nvPr>
+            <p:ph type="body" sz="quarter" idx="10"/>
+          </p:nvPr>
+        </p:nvSpPr>
+        <p:spPr/>
+        <p:txBody>
+          <a:bodyPr>
+            <a:normAutofit fontScale="92500" lnSpcReduction="10000"/>
+          </a:bodyPr>
+          <a:lstStyle/>
+          <a:p>
+            <a:r>
               <a:rPr lang="en-US" dirty="0" smtClean="0"/>
-              <a:t>Individual Reports</a:t>
+              <a:t>Ben S</a:t>
             </a:r>
             <a:endParaRPr lang="en-US" dirty="0"/>
-          </a:p>
-        </p:txBody>
-      </p:sp>
-      <p:sp>
-        <p:nvSpPr>
-          <p:cNvPr id="3" name="Text Placeholder 2"/>
-          <p:cNvSpPr>
-            <a:spLocks noGrp="1"/>
-          </p:cNvSpPr>
-          <p:nvPr>
-            <p:ph type="body" idx="1"/>
-          </p:nvPr>
-        </p:nvSpPr>
-        <p:spPr/>
-        <p:txBody>
-          <a:bodyPr/>
-          <a:lstStyle/>
-          <a:p>
-            <a:endParaRPr lang="en-US"/>
           </a:p>
         </p:txBody>
       </p:sp>
     </p:spTree>
     <p:extLst>
       <p:ext uri="{BB962C8B-B14F-4D97-AF65-F5344CB8AC3E}">
-        <p14:creationId xmlns:p14="http://schemas.microsoft.com/office/powerpoint/2010/main" val="3189312476"/>
+        <p14:creationId xmlns:p14="http://schemas.microsoft.com/office/powerpoint/2010/main" val="2929915190"/>
       </p:ext>
     </p:extLst>
   </p:cSld>
@@ -17485,7 +17959,7 @@
   <p:timing>
     <p:tnLst>
       <p:par>
-        <p:cTn id="1" dur="indefinite" restart="never" nodeType="tmRoot"/>
+        <p:cTn xmlns:p14="http://schemas.microsoft.com/office/powerpoint/2010/main" id="1" dur="indefinite" restart="never" nodeType="tmRoot"/>
       </p:par>
     </p:tnLst>
   </p:timing>
@@ -17533,6 +18007,321 @@
                   </a:schemeClr>
                 </a:solidFill>
               </a:rPr>
+              <a:t>Conclusion</a:t>
+            </a:r>
+            <a:endParaRPr lang="en-US" dirty="0">
+              <a:solidFill>
+                <a:schemeClr val="bg1">
+                  <a:lumMod val="50000"/>
+                  <a:lumOff val="50000"/>
+                </a:schemeClr>
+              </a:solidFill>
+            </a:endParaRPr>
+          </a:p>
+        </p:txBody>
+      </p:sp>
+      <p:sp>
+        <p:nvSpPr>
+          <p:cNvPr id="3" name="Content Placeholder 2"/>
+          <p:cNvSpPr>
+            <a:spLocks noGrp="1"/>
+          </p:cNvSpPr>
+          <p:nvPr>
+            <p:ph idx="1"/>
+          </p:nvPr>
+        </p:nvSpPr>
+        <p:spPr/>
+        <p:txBody>
+          <a:bodyPr/>
+          <a:lstStyle/>
+          <a:p>
+            <a:r>
+              <a:rPr lang="en-US" dirty="0" smtClean="0"/>
+              <a:t>Delivered:</a:t>
+            </a:r>
+          </a:p>
+          <a:p>
+            <a:r>
+              <a:rPr lang="en-US" dirty="0" smtClean="0"/>
+              <a:t>TO BE COMPLETED</a:t>
+            </a:r>
+            <a:endParaRPr lang="en-US" dirty="0"/>
+          </a:p>
+        </p:txBody>
+      </p:sp>
+      <p:sp>
+        <p:nvSpPr>
+          <p:cNvPr id="4" name="Text Placeholder 3"/>
+          <p:cNvSpPr>
+            <a:spLocks noGrp="1"/>
+          </p:cNvSpPr>
+          <p:nvPr>
+            <p:ph type="body" sz="quarter" idx="10"/>
+          </p:nvPr>
+        </p:nvSpPr>
+        <p:spPr/>
+        <p:txBody>
+          <a:bodyPr>
+            <a:normAutofit fontScale="92500" lnSpcReduction="10000"/>
+          </a:bodyPr>
+          <a:lstStyle/>
+          <a:p>
+            <a:r>
+              <a:rPr lang="en-US" dirty="0" smtClean="0"/>
+              <a:t>Nick S</a:t>
+            </a:r>
+            <a:endParaRPr lang="en-US" dirty="0"/>
+          </a:p>
+        </p:txBody>
+      </p:sp>
+    </p:spTree>
+    <p:extLst>
+      <p:ext uri="{BB962C8B-B14F-4D97-AF65-F5344CB8AC3E}">
+        <p14:creationId xmlns:p14="http://schemas.microsoft.com/office/powerpoint/2010/main" val="1930181380"/>
+      </p:ext>
+    </p:extLst>
+  </p:cSld>
+  <p:clrMapOvr>
+    <a:masterClrMapping/>
+  </p:clrMapOvr>
+  <p:timing>
+    <p:tnLst>
+      <p:par>
+        <p:cTn xmlns:p14="http://schemas.microsoft.com/office/powerpoint/2010/main" id="1" dur="indefinite" restart="never" nodeType="tmRoot"/>
+      </p:par>
+    </p:tnLst>
+  </p:timing>
+</p:sld>
+</file>
+
+<file path=ppt/slides/slide47.xml><?xml version="1.0" encoding="utf-8"?>
+<p:sld xmlns:a="http://schemas.openxmlformats.org/drawingml/2006/main" xmlns:r="http://schemas.openxmlformats.org/officeDocument/2006/relationships" xmlns:p="http://schemas.openxmlformats.org/presentationml/2006/main">
+  <p:cSld>
+    <p:spTree>
+      <p:nvGrpSpPr>
+        <p:cNvPr id="1" name=""/>
+        <p:cNvGrpSpPr/>
+        <p:nvPr/>
+      </p:nvGrpSpPr>
+      <p:grpSpPr>
+        <a:xfrm>
+          <a:off x="0" y="0"/>
+          <a:ext cx="0" cy="0"/>
+          <a:chOff x="0" y="0"/>
+          <a:chExt cx="0" cy="0"/>
+        </a:xfrm>
+      </p:grpSpPr>
+      <p:sp>
+        <p:nvSpPr>
+          <p:cNvPr id="2" name="Title 1"/>
+          <p:cNvSpPr>
+            <a:spLocks noGrp="1"/>
+          </p:cNvSpPr>
+          <p:nvPr>
+            <p:ph type="title"/>
+          </p:nvPr>
+        </p:nvSpPr>
+        <p:spPr/>
+        <p:txBody>
+          <a:bodyPr/>
+          <a:lstStyle/>
+          <a:p>
+            <a:r>
+              <a:rPr lang="en-US" dirty="0" smtClean="0"/>
+              <a:t>Next steps.</a:t>
+            </a:r>
+            <a:endParaRPr lang="en-US" dirty="0"/>
+          </a:p>
+        </p:txBody>
+      </p:sp>
+      <p:sp>
+        <p:nvSpPr>
+          <p:cNvPr id="3" name="Content Placeholder 2"/>
+          <p:cNvSpPr>
+            <a:spLocks noGrp="1"/>
+          </p:cNvSpPr>
+          <p:nvPr>
+            <p:ph idx="1"/>
+          </p:nvPr>
+        </p:nvSpPr>
+        <p:spPr/>
+        <p:txBody>
+          <a:bodyPr/>
+          <a:lstStyle/>
+          <a:p>
+            <a:r>
+              <a:rPr lang="en-US" dirty="0" smtClean="0"/>
+              <a:t>Here is the next steps to be done in spring.</a:t>
+            </a:r>
+            <a:endParaRPr lang="en-US" dirty="0"/>
+          </a:p>
+        </p:txBody>
+      </p:sp>
+      <p:sp>
+        <p:nvSpPr>
+          <p:cNvPr id="4" name="Text Placeholder 3"/>
+          <p:cNvSpPr>
+            <a:spLocks noGrp="1"/>
+          </p:cNvSpPr>
+          <p:nvPr>
+            <p:ph type="body" sz="quarter" idx="10"/>
+          </p:nvPr>
+        </p:nvSpPr>
+        <p:spPr/>
+        <p:txBody>
+          <a:bodyPr>
+            <a:normAutofit fontScale="92500" lnSpcReduction="10000"/>
+          </a:bodyPr>
+          <a:lstStyle/>
+          <a:p>
+            <a:r>
+              <a:rPr lang="en-US" dirty="0" smtClean="0"/>
+              <a:t>Brian H</a:t>
+            </a:r>
+            <a:endParaRPr lang="en-US" dirty="0"/>
+          </a:p>
+        </p:txBody>
+      </p:sp>
+    </p:spTree>
+    <p:extLst>
+      <p:ext uri="{BB962C8B-B14F-4D97-AF65-F5344CB8AC3E}">
+        <p14:creationId xmlns:p14="http://schemas.microsoft.com/office/powerpoint/2010/main" val="1147883137"/>
+      </p:ext>
+    </p:extLst>
+  </p:cSld>
+  <p:clrMapOvr>
+    <a:masterClrMapping/>
+  </p:clrMapOvr>
+  <p:timing>
+    <p:tnLst>
+      <p:par>
+        <p:cTn xmlns:p14="http://schemas.microsoft.com/office/powerpoint/2010/main" id="1" dur="indefinite" restart="never" nodeType="tmRoot"/>
+      </p:par>
+    </p:tnLst>
+  </p:timing>
+</p:sld>
+</file>
+
+<file path=ppt/slides/slide48.xml><?xml version="1.0" encoding="utf-8"?>
+<p:sld xmlns:a="http://schemas.openxmlformats.org/drawingml/2006/main" xmlns:r="http://schemas.openxmlformats.org/officeDocument/2006/relationships" xmlns:p="http://schemas.openxmlformats.org/presentationml/2006/main">
+  <p:cSld>
+    <p:spTree>
+      <p:nvGrpSpPr>
+        <p:cNvPr id="1" name=""/>
+        <p:cNvGrpSpPr/>
+        <p:nvPr/>
+      </p:nvGrpSpPr>
+      <p:grpSpPr>
+        <a:xfrm>
+          <a:off x="0" y="0"/>
+          <a:ext cx="0" cy="0"/>
+          <a:chOff x="0" y="0"/>
+          <a:chExt cx="0" cy="0"/>
+        </a:xfrm>
+      </p:grpSpPr>
+      <p:sp>
+        <p:nvSpPr>
+          <p:cNvPr id="2" name="Title 1"/>
+          <p:cNvSpPr>
+            <a:spLocks noGrp="1"/>
+          </p:cNvSpPr>
+          <p:nvPr>
+            <p:ph type="title"/>
+          </p:nvPr>
+        </p:nvSpPr>
+        <p:spPr/>
+        <p:txBody>
+          <a:bodyPr/>
+          <a:lstStyle/>
+          <a:p>
+            <a:r>
+              <a:rPr lang="en-US" dirty="0" smtClean="0"/>
+              <a:t>Individual Reports</a:t>
+            </a:r>
+            <a:endParaRPr lang="en-US" dirty="0"/>
+          </a:p>
+        </p:txBody>
+      </p:sp>
+      <p:sp>
+        <p:nvSpPr>
+          <p:cNvPr id="3" name="Text Placeholder 2"/>
+          <p:cNvSpPr>
+            <a:spLocks noGrp="1"/>
+          </p:cNvSpPr>
+          <p:nvPr>
+            <p:ph type="body" idx="1"/>
+          </p:nvPr>
+        </p:nvSpPr>
+        <p:spPr/>
+        <p:txBody>
+          <a:bodyPr/>
+          <a:lstStyle/>
+          <a:p>
+            <a:endParaRPr lang="en-US"/>
+          </a:p>
+        </p:txBody>
+      </p:sp>
+    </p:spTree>
+    <p:extLst>
+      <p:ext uri="{BB962C8B-B14F-4D97-AF65-F5344CB8AC3E}">
+        <p14:creationId xmlns:p14="http://schemas.microsoft.com/office/powerpoint/2010/main" val="3189312476"/>
+      </p:ext>
+    </p:extLst>
+  </p:cSld>
+  <p:clrMapOvr>
+    <a:masterClrMapping/>
+  </p:clrMapOvr>
+  <p:timing>
+    <p:tnLst>
+      <p:par>
+        <p:cTn xmlns:p14="http://schemas.microsoft.com/office/powerpoint/2010/main" id="1" dur="indefinite" restart="never" nodeType="tmRoot"/>
+      </p:par>
+    </p:tnLst>
+  </p:timing>
+</p:sld>
+</file>
+
+<file path=ppt/slides/slide49.xml><?xml version="1.0" encoding="utf-8"?>
+<p:sld xmlns:a="http://schemas.openxmlformats.org/drawingml/2006/main" xmlns:r="http://schemas.openxmlformats.org/officeDocument/2006/relationships" xmlns:p="http://schemas.openxmlformats.org/presentationml/2006/main">
+  <p:cSld>
+    <p:spTree>
+      <p:nvGrpSpPr>
+        <p:cNvPr id="1" name=""/>
+        <p:cNvGrpSpPr/>
+        <p:nvPr/>
+      </p:nvGrpSpPr>
+      <p:grpSpPr>
+        <a:xfrm>
+          <a:off x="0" y="0"/>
+          <a:ext cx="0" cy="0"/>
+          <a:chOff x="0" y="0"/>
+          <a:chExt cx="0" cy="0"/>
+        </a:xfrm>
+      </p:grpSpPr>
+      <p:sp>
+        <p:nvSpPr>
+          <p:cNvPr id="2" name="Title 1"/>
+          <p:cNvSpPr>
+            <a:spLocks noGrp="1"/>
+          </p:cNvSpPr>
+          <p:nvPr>
+            <p:ph type="title"/>
+          </p:nvPr>
+        </p:nvSpPr>
+        <p:spPr/>
+        <p:txBody>
+          <a:bodyPr/>
+          <a:lstStyle/>
+          <a:p>
+            <a:r>
+              <a:rPr lang="en-US" dirty="0" smtClean="0">
+                <a:solidFill>
+                  <a:schemeClr val="bg1">
+                    <a:lumMod val="50000"/>
+                    <a:lumOff val="50000"/>
+                  </a:schemeClr>
+                </a:solidFill>
+              </a:rPr>
               <a:t>Design – Data Link Budget</a:t>
             </a:r>
             <a:endParaRPr lang="en-US" dirty="0">
@@ -17609,7 +18398,7 @@
   <p:timing>
     <p:tnLst>
       <p:par>
-        <p:cTn id="1" dur="indefinite" restart="never" nodeType="tmRoot"/>
+        <p:cTn xmlns:p14="http://schemas.microsoft.com/office/powerpoint/2010/main" id="1" dur="indefinite" restart="never" nodeType="tmRoot"/>
       </p:par>
     </p:tnLst>
   </p:timing>
@@ -17776,14 +18565,14 @@
           </a:ln>
           <a:extLst>
             <a:ext uri="{909E8E84-426E-40dd-AFC4-6F175D3DCCD1}">
-              <a14:hiddenFill xmlns:a14="http://schemas.microsoft.com/office/drawing/2010/main" xmlns="">
+              <a14:hiddenFill xmlns:a14="http://schemas.microsoft.com/office/drawing/2010/main">
                 <a:solidFill>
                   <a:schemeClr val="accent1"/>
                 </a:solidFill>
               </a14:hiddenFill>
             </a:ext>
             <a:ext uri="{91240B29-F687-4f45-9708-019B960494DF}">
-              <a14:hiddenLine xmlns:a14="http://schemas.microsoft.com/office/drawing/2010/main" xmlns="" w="9525">
+              <a14:hiddenLine xmlns:a14="http://schemas.microsoft.com/office/drawing/2010/main" w="9525">
                 <a:solidFill>
                   <a:schemeClr val="tx1"/>
                 </a:solidFill>
@@ -17839,7 +18628,7 @@
   <p:timing>
     <p:tnLst>
       <p:par>
-        <p:cTn id="1" dur="indefinite" restart="never" nodeType="tmRoot"/>
+        <p:cTn xmlns:p14="http://schemas.microsoft.com/office/powerpoint/2010/main" id="1" dur="indefinite" restart="never" nodeType="tmRoot"/>
       </p:par>
     </p:tnLst>
   </p:timing>
@@ -18014,7 +18803,7 @@
   <p:timing>
     <p:tnLst>
       <p:par>
-        <p:cTn id="1" dur="indefinite" restart="never" nodeType="tmRoot"/>
+        <p:cTn xmlns:p14="http://schemas.microsoft.com/office/powerpoint/2010/main" id="1" dur="indefinite" restart="never" nodeType="tmRoot"/>
       </p:par>
     </p:tnLst>
   </p:timing>
@@ -18228,7 +19017,7 @@
   <p:timing>
     <p:tnLst>
       <p:par>
-        <p:cTn id="1" dur="indefinite" restart="never" nodeType="tmRoot"/>
+        <p:cTn xmlns:p14="http://schemas.microsoft.com/office/powerpoint/2010/main" id="1" dur="indefinite" restart="never" nodeType="tmRoot"/>
       </p:par>
     </p:tnLst>
   </p:timing>
@@ -18398,7 +19187,7 @@
   <p:timing>
     <p:tnLst>
       <p:par>
-        <p:cTn id="1" dur="indefinite" restart="never" nodeType="tmRoot"/>
+        <p:cTn xmlns:p14="http://schemas.microsoft.com/office/powerpoint/2010/main" id="1" dur="indefinite" restart="never" nodeType="tmRoot"/>
       </p:par>
     </p:tnLst>
   </p:timing>
@@ -18482,11 +19271,7 @@
           <a:p>
             <a:r>
               <a:rPr lang="en-US" dirty="0" smtClean="0"/>
-              <a:t>Attitude </a:t>
-            </a:r>
-            <a:r>
-              <a:rPr lang="en-US" dirty="0" smtClean="0"/>
-              <a:t>Determination</a:t>
+              <a:t>Attitude Determination</a:t>
             </a:r>
           </a:p>
           <a:p>
@@ -18500,7 +19285,6 @@
               <a:rPr lang="en-US" dirty="0" smtClean="0"/>
               <a:t>Communication</a:t>
             </a:r>
-            <a:endParaRPr lang="en-US" dirty="0" smtClean="0"/>
           </a:p>
           <a:p>
             <a:r>
@@ -18518,11 +19302,7 @@
             <a:pPr lvl="1"/>
             <a:r>
               <a:rPr lang="en-US" dirty="0" smtClean="0"/>
-              <a:t>FREE</a:t>
-            </a:r>
-            <a:r>
-              <a:rPr lang="en-US" dirty="0" smtClean="0"/>
-              <a:t>!</a:t>
+              <a:t>FREE!</a:t>
             </a:r>
           </a:p>
           <a:p>
@@ -18535,7 +19315,6 @@
               <a:rPr lang="en-US" dirty="0" smtClean="0"/>
               <a:t>Proposal </a:t>
             </a:r>
-            <a:endParaRPr lang="en-US" dirty="0" smtClean="0"/>
           </a:p>
           <a:p>
             <a:endParaRPr lang="en-US" dirty="0"/>
@@ -18580,7 +19359,7 @@
   <p:timing>
     <p:tnLst>
       <p:par>
-        <p:cTn id="1" dur="indefinite" restart="never" nodeType="tmRoot"/>
+        <p:cTn xmlns:p14="http://schemas.microsoft.com/office/powerpoint/2010/main" id="1" dur="indefinite" restart="never" nodeType="tmRoot"/>
       </p:par>
     </p:tnLst>
   </p:timing>
@@ -18847,7 +19626,7 @@
   <a:extraClrSchemeLst/>
   <a:extLst>
     <a:ext uri="{05A4C25C-085E-4340-85A3-A5531E510DB2}">
-      <thm15:themeFamily xmlns:thm15="http://schemas.microsoft.com/office/thememl/2012/main" name="Theme1" id="{4DC015B6-F420-4CE0-B51C-21BE6322361F}" vid="{1413F7E4-2720-4250-A1CE-68DF955E7FCD}"/>
+      <thm15:themeFamily xmlns:thm15="http://schemas.microsoft.com/office/thememl/2012/main" xmlns="" name="Theme1" id="{4DC015B6-F420-4CE0-B51C-21BE6322361F}" vid="{1413F7E4-2720-4250-A1CE-68DF955E7FCD}"/>
     </a:ext>
   </a:extLst>
 </a:theme>
@@ -19108,7 +19887,7 @@
   <a:extraClrSchemeLst/>
   <a:extLst>
     <a:ext uri="{05A4C25C-085E-4340-85A3-A5531E510DB2}">
-      <thm15:themeFamily xmlns:thm15="http://schemas.microsoft.com/office/thememl/2012/main" name="Office Theme" id="{62F939B6-93AF-4DB8-9C6B-D6C7DFDC589F}" vid="{4A3C46E8-61CC-4603-A589-7422A47A8E4A}"/>
+      <thm15:themeFamily xmlns:thm15="http://schemas.microsoft.com/office/thememl/2012/main" xmlns="" name="Office Theme" id="{62F939B6-93AF-4DB8-9C6B-D6C7DFDC589F}" vid="{4A3C46E8-61CC-4603-A589-7422A47A8E4A}"/>
     </a:ext>
   </a:extLst>
 </a:theme>

--- a/Presentations/CDR_Presentation.pptx
+++ b/Presentations/CDR_Presentation.pptx
@@ -246,7 +246,7 @@
       </p14:sectionLst>
     </p:ext>
     <p:ext uri="{EFAFB233-063F-42B5-8137-9DF3F51BA10A}">
-      <p15:sldGuideLst xmlns:p15="http://schemas.microsoft.com/office/powerpoint/2012/main" xmlns="">
+      <p15:sldGuideLst xmlns="" xmlns:p15="http://schemas.microsoft.com/office/powerpoint/2012/main">
         <p15:guide id="1" orient="horz" pos="2160">
           <p15:clr>
             <a:srgbClr val="A4A3A4"/>
@@ -345,7 +345,7 @@
           <a:p>
             <a:fld id="{31C140BA-0231-455E-9316-1D73A33F1CEF}" type="datetimeFigureOut">
               <a:rPr lang="en-US" smtClean="0"/>
-              <a:t>12/5/15</a:t>
+              <a:t>12/6/15</a:t>
             </a:fld>
             <a:endParaRPr lang="en-US"/>
           </a:p>
@@ -891,7 +891,7 @@
           <a:p>
             <a:fld id="{7DDDCAA9-9585-4BDA-B647-DCFF46B7611D}" type="datetimeFigureOut">
               <a:rPr lang="en-US" smtClean="0"/>
-              <a:t>12/5/15</a:t>
+              <a:t>12/6/15</a:t>
             </a:fld>
             <a:endParaRPr lang="en-US"/>
           </a:p>
@@ -1166,7 +1166,7 @@
           <a:p>
             <a:fld id="{7DDDCAA9-9585-4BDA-B647-DCFF46B7611D}" type="datetimeFigureOut">
               <a:rPr lang="en-US" smtClean="0"/>
-              <a:t>12/5/15</a:t>
+              <a:t>12/6/15</a:t>
             </a:fld>
             <a:endParaRPr lang="en-US"/>
           </a:p>
@@ -1360,7 +1360,7 @@
           <a:p>
             <a:fld id="{7DDDCAA9-9585-4BDA-B647-DCFF46B7611D}" type="datetimeFigureOut">
               <a:rPr lang="en-US" smtClean="0"/>
-              <a:t>12/5/15</a:t>
+              <a:t>12/6/15</a:t>
             </a:fld>
             <a:endParaRPr lang="en-US"/>
           </a:p>
@@ -1633,7 +1633,7 @@
           <a:p>
             <a:fld id="{7DDDCAA9-9585-4BDA-B647-DCFF46B7611D}" type="datetimeFigureOut">
               <a:rPr lang="en-US" smtClean="0"/>
-              <a:t>12/5/15</a:t>
+              <a:t>12/6/15</a:t>
             </a:fld>
             <a:endParaRPr lang="en-US"/>
           </a:p>
@@ -1974,7 +1974,7 @@
           <a:p>
             <a:fld id="{7DDDCAA9-9585-4BDA-B647-DCFF46B7611D}" type="datetimeFigureOut">
               <a:rPr lang="en-US" smtClean="0"/>
-              <a:t>12/5/15</a:t>
+              <a:t>12/6/15</a:t>
             </a:fld>
             <a:endParaRPr lang="en-US"/>
           </a:p>
@@ -2597,7 +2597,7 @@
           <a:p>
             <a:fld id="{7DDDCAA9-9585-4BDA-B647-DCFF46B7611D}" type="datetimeFigureOut">
               <a:rPr lang="en-US" smtClean="0"/>
-              <a:t>12/5/15</a:t>
+              <a:t>12/6/15</a:t>
             </a:fld>
             <a:endParaRPr lang="en-US"/>
           </a:p>
@@ -3457,7 +3457,7 @@
           <a:p>
             <a:fld id="{7DDDCAA9-9585-4BDA-B647-DCFF46B7611D}" type="datetimeFigureOut">
               <a:rPr lang="en-US" smtClean="0"/>
-              <a:t>12/5/15</a:t>
+              <a:t>12/6/15</a:t>
             </a:fld>
             <a:endParaRPr lang="en-US"/>
           </a:p>
@@ -3627,7 +3627,7 @@
           <a:p>
             <a:fld id="{7DDDCAA9-9585-4BDA-B647-DCFF46B7611D}" type="datetimeFigureOut">
               <a:rPr lang="en-US" smtClean="0"/>
-              <a:t>12/5/15</a:t>
+              <a:t>12/6/15</a:t>
             </a:fld>
             <a:endParaRPr lang="en-US"/>
           </a:p>
@@ -3807,7 +3807,7 @@
           <a:p>
             <a:fld id="{7DDDCAA9-9585-4BDA-B647-DCFF46B7611D}" type="datetimeFigureOut">
               <a:rPr lang="en-US" smtClean="0"/>
-              <a:t>12/5/15</a:t>
+              <a:t>12/6/15</a:t>
             </a:fld>
             <a:endParaRPr lang="en-US"/>
           </a:p>
@@ -4203,7 +4203,7 @@
           <a:p>
             <a:fld id="{7DDDCAA9-9585-4BDA-B647-DCFF46B7611D}" type="datetimeFigureOut">
               <a:rPr lang="en-US" smtClean="0"/>
-              <a:t>12/5/15</a:t>
+              <a:t>12/6/15</a:t>
             </a:fld>
             <a:endParaRPr lang="en-US"/>
           </a:p>
@@ -4495,7 +4495,7 @@
           <a:p>
             <a:fld id="{7DDDCAA9-9585-4BDA-B647-DCFF46B7611D}" type="datetimeFigureOut">
               <a:rPr lang="en-US" smtClean="0"/>
-              <a:t>12/5/15</a:t>
+              <a:t>12/6/15</a:t>
             </a:fld>
             <a:endParaRPr lang="en-US"/>
           </a:p>
@@ -4939,7 +4939,7 @@
           <a:p>
             <a:fld id="{7DDDCAA9-9585-4BDA-B647-DCFF46B7611D}" type="datetimeFigureOut">
               <a:rPr lang="en-US" smtClean="0"/>
-              <a:t>12/5/15</a:t>
+              <a:t>12/6/15</a:t>
             </a:fld>
             <a:endParaRPr lang="en-US"/>
           </a:p>
@@ -5057,7 +5057,7 @@
           <a:p>
             <a:fld id="{7DDDCAA9-9585-4BDA-B647-DCFF46B7611D}" type="datetimeFigureOut">
               <a:rPr lang="en-US" smtClean="0"/>
-              <a:t>12/5/15</a:t>
+              <a:t>12/6/15</a:t>
             </a:fld>
             <a:endParaRPr lang="en-US"/>
           </a:p>
@@ -5152,7 +5152,7 @@
           <a:p>
             <a:fld id="{7DDDCAA9-9585-4BDA-B647-DCFF46B7611D}" type="datetimeFigureOut">
               <a:rPr lang="en-US" smtClean="0"/>
-              <a:t>12/5/15</a:t>
+              <a:t>12/6/15</a:t>
             </a:fld>
             <a:endParaRPr lang="en-US"/>
           </a:p>
@@ -5431,7 +5431,7 @@
           <a:p>
             <a:fld id="{7DDDCAA9-9585-4BDA-B647-DCFF46B7611D}" type="datetimeFigureOut">
               <a:rPr lang="en-US" smtClean="0"/>
-              <a:t>12/5/15</a:t>
+              <a:t>12/6/15</a:t>
             </a:fld>
             <a:endParaRPr lang="en-US"/>
           </a:p>
@@ -5706,7 +5706,7 @@
           <a:p>
             <a:fld id="{7DDDCAA9-9585-4BDA-B647-DCFF46B7611D}" type="datetimeFigureOut">
               <a:rPr lang="en-US" smtClean="0"/>
-              <a:t>12/5/15</a:t>
+              <a:t>12/6/15</a:t>
             </a:fld>
             <a:endParaRPr lang="en-US"/>
           </a:p>
@@ -6108,7 +6108,7 @@
           <a:p>
             <a:fld id="{7DDDCAA9-9585-4BDA-B647-DCFF46B7611D}" type="datetimeFigureOut">
               <a:rPr lang="en-US" smtClean="0"/>
-              <a:t>12/5/15</a:t>
+              <a:t>12/6/15</a:t>
             </a:fld>
             <a:endParaRPr lang="en-US"/>
           </a:p>
@@ -8572,18 +8572,7 @@
                   </a:schemeClr>
                 </a:solidFill>
               </a:rPr>
-              <a:t>Design </a:t>
-            </a:r>
-            <a:r>
-              <a:rPr lang="en-US" dirty="0" smtClean="0">
-                <a:solidFill>
-                  <a:schemeClr val="bg1">
-                    <a:lumMod val="50000"/>
-                    <a:lumOff val="50000"/>
-                  </a:schemeClr>
-                </a:solidFill>
-              </a:rPr>
-              <a:t>– Requirements for GRID/GPS</a:t>
+              <a:t>Design – Requirements for GRID/GPS</a:t>
             </a:r>
             <a:endParaRPr lang="en-US" dirty="0">
               <a:solidFill>
@@ -8886,18 +8875,7 @@
                   </a:schemeClr>
                 </a:solidFill>
               </a:rPr>
-              <a:t> </a:t>
-            </a:r>
-            <a:r>
-              <a:rPr lang="en-US" dirty="0" smtClean="0">
-                <a:solidFill>
-                  <a:schemeClr val="bg1">
-                    <a:lumMod val="50000"/>
-                    <a:lumOff val="50000"/>
-                  </a:schemeClr>
-                </a:solidFill>
-              </a:rPr>
-              <a:t>Communications Overview</a:t>
+              <a:t> Communications Overview</a:t>
             </a:r>
             <a:endParaRPr lang="en-US" dirty="0">
               <a:solidFill>
@@ -8933,11 +8911,7 @@
           <a:p>
             <a:r>
               <a:rPr lang="en-US" dirty="0" smtClean="0"/>
-              <a:t>Expected e</a:t>
-            </a:r>
-            <a:r>
-              <a:rPr lang="en-US" dirty="0" smtClean="0"/>
-              <a:t>ffects reducing this value</a:t>
+              <a:t>Expected effects reducing this value</a:t>
             </a:r>
           </a:p>
           <a:p>
@@ -9090,18 +9064,7 @@
                   </a:schemeClr>
                 </a:solidFill>
               </a:rPr>
-              <a:t> </a:t>
-            </a:r>
-            <a:r>
-              <a:rPr lang="en-US" dirty="0" smtClean="0">
-                <a:solidFill>
-                  <a:schemeClr val="bg1">
-                    <a:lumMod val="50000"/>
-                    <a:lumOff val="50000"/>
-                  </a:schemeClr>
-                </a:solidFill>
-              </a:rPr>
-              <a:t>Communications Hardware</a:t>
+              <a:t> Communications Hardware</a:t>
             </a:r>
             <a:endParaRPr lang="en-US" dirty="0">
               <a:solidFill>
@@ -9258,18 +9221,7 @@
                   </a:schemeClr>
                 </a:solidFill>
               </a:rPr>
-              <a:t>Design </a:t>
-            </a:r>
-            <a:r>
-              <a:rPr lang="en-US" dirty="0" smtClean="0">
-                <a:solidFill>
-                  <a:schemeClr val="bg1">
-                    <a:lumMod val="50000"/>
-                    <a:lumOff val="50000"/>
-                  </a:schemeClr>
-                </a:solidFill>
-              </a:rPr>
-              <a:t>– Communications Algorithm</a:t>
+              <a:t>Design – Communications Algorithm</a:t>
             </a:r>
             <a:endParaRPr lang="en-US" dirty="0">
               <a:solidFill>
@@ -9808,18 +9760,7 @@
                   </a:schemeClr>
                 </a:solidFill>
               </a:rPr>
-              <a:t>Design </a:t>
-            </a:r>
-            <a:r>
-              <a:rPr lang="en-US" dirty="0" smtClean="0">
-                <a:solidFill>
-                  <a:schemeClr val="bg1">
-                    <a:lumMod val="50000"/>
-                    <a:lumOff val="50000"/>
-                  </a:schemeClr>
-                </a:solidFill>
-              </a:rPr>
-              <a:t>– Communications Algorithm</a:t>
+              <a:t>Design – Communications Algorithm</a:t>
             </a:r>
             <a:endParaRPr lang="en-US" dirty="0">
               <a:solidFill>
@@ -10320,18 +10261,7 @@
                   </a:schemeClr>
                 </a:solidFill>
               </a:rPr>
-              <a:t>Design </a:t>
-            </a:r>
-            <a:r>
-              <a:rPr lang="en-US" dirty="0" smtClean="0">
-                <a:solidFill>
-                  <a:schemeClr val="bg1">
-                    <a:lumMod val="50000"/>
-                    <a:lumOff val="50000"/>
-                  </a:schemeClr>
-                </a:solidFill>
-              </a:rPr>
-              <a:t>– Communications Algorithm</a:t>
+              <a:t>Design – Communications Algorithm</a:t>
             </a:r>
             <a:endParaRPr lang="en-US" dirty="0">
               <a:solidFill>
@@ -10547,18 +10477,7 @@
                   </a:schemeClr>
                 </a:solidFill>
               </a:rPr>
-              <a:t>Design </a:t>
-            </a:r>
-            <a:r>
-              <a:rPr lang="en-US" dirty="0" smtClean="0">
-                <a:solidFill>
-                  <a:schemeClr val="bg1">
-                    <a:lumMod val="50000"/>
-                    <a:lumOff val="50000"/>
-                  </a:schemeClr>
-                </a:solidFill>
-              </a:rPr>
-              <a:t>– Communications Algorithm</a:t>
+              <a:t>Design – Communications Algorithm</a:t>
             </a:r>
             <a:endParaRPr lang="en-US" dirty="0">
               <a:solidFill>
@@ -12085,18 +12004,7 @@
                   </a:schemeClr>
                 </a:solidFill>
               </a:rPr>
-              <a:t>Design </a:t>
-            </a:r>
-            <a:r>
-              <a:rPr lang="en-US" dirty="0" smtClean="0">
-                <a:solidFill>
-                  <a:schemeClr val="bg1">
-                    <a:lumMod val="50000"/>
-                    <a:lumOff val="50000"/>
-                  </a:schemeClr>
-                </a:solidFill>
-              </a:rPr>
-              <a:t>– Communications Algorithm</a:t>
+              <a:t>Design – Communications Algorithm</a:t>
             </a:r>
             <a:endParaRPr lang="en-US" dirty="0">
               <a:solidFill>
@@ -12961,18 +12869,7 @@
                   </a:schemeClr>
                 </a:solidFill>
               </a:rPr>
-              <a:t>Design </a:t>
-            </a:r>
-            <a:r>
-              <a:rPr lang="en-US" dirty="0" smtClean="0">
-                <a:solidFill>
-                  <a:schemeClr val="bg1">
-                    <a:lumMod val="50000"/>
-                    <a:lumOff val="50000"/>
-                  </a:schemeClr>
-                </a:solidFill>
-              </a:rPr>
-              <a:t>– Communications Algorithm</a:t>
+              <a:t>Design – Communications Algorithm</a:t>
             </a:r>
             <a:endParaRPr lang="en-US" dirty="0">
               <a:solidFill>
@@ -13312,7 +13209,7 @@
         </p:blipFill>
         <p:spPr>
           <a:xfrm>
-            <a:off x="6370694" y="1206500"/>
+            <a:off x="6364224" y="1207008"/>
             <a:ext cx="4438919" cy="4445000"/>
           </a:xfrm>
           <a:prstGeom prst="rect">
@@ -13620,12 +13517,28 @@
               <a:buClrTx/>
             </a:pPr>
             <a:r>
+              <a:rPr lang="en-US" dirty="0">
+                <a:solidFill>
+                  <a:srgbClr val="000000"/>
+                </a:solidFill>
+              </a:rPr>
+              <a:t>3</a:t>
+            </a:r>
+            <a:r>
               <a:rPr lang="en-US" dirty="0" smtClean="0">
                 <a:solidFill>
                   <a:srgbClr val="000000"/>
                 </a:solidFill>
               </a:rPr>
-              <a:t>5 second intervals</a:t>
+              <a:t> </a:t>
+            </a:r>
+            <a:r>
+              <a:rPr lang="en-US" dirty="0" smtClean="0">
+                <a:solidFill>
+                  <a:srgbClr val="000000"/>
+                </a:solidFill>
+              </a:rPr>
+              <a:t>second intervals</a:t>
             </a:r>
           </a:p>
           <a:p>
@@ -14153,18 +14066,7 @@
                   </a:schemeClr>
                 </a:solidFill>
               </a:rPr>
-              <a:t>Design </a:t>
-            </a:r>
-            <a:r>
-              <a:rPr lang="en-US" dirty="0" smtClean="0">
-                <a:solidFill>
-                  <a:schemeClr val="bg1">
-                    <a:lumMod val="50000"/>
-                    <a:lumOff val="50000"/>
-                  </a:schemeClr>
-                </a:solidFill>
-              </a:rPr>
-              <a:t>– Communications Algorithm</a:t>
+              <a:t>Design – Communications Algorithm</a:t>
             </a:r>
             <a:endParaRPr lang="en-US" dirty="0">
               <a:solidFill>
@@ -14927,18 +14829,7 @@
                   </a:schemeClr>
                 </a:solidFill>
               </a:rPr>
-              <a:t>Design </a:t>
-            </a:r>
-            <a:r>
-              <a:rPr lang="en-US" dirty="0" smtClean="0">
-                <a:solidFill>
-                  <a:schemeClr val="bg1">
-                    <a:lumMod val="50000"/>
-                    <a:lumOff val="50000"/>
-                  </a:schemeClr>
-                </a:solidFill>
-              </a:rPr>
-              <a:t>– Communications Algorithm</a:t>
+              <a:t>Design – Communications Algorithm</a:t>
             </a:r>
             <a:endParaRPr lang="en-US" dirty="0">
               <a:solidFill>
@@ -15390,18 +15281,7 @@
                   </a:schemeClr>
                 </a:solidFill>
               </a:rPr>
-              <a:t>Design </a:t>
-            </a:r>
-            <a:r>
-              <a:rPr lang="en-US" dirty="0" smtClean="0">
-                <a:solidFill>
-                  <a:schemeClr val="bg1">
-                    <a:lumMod val="50000"/>
-                    <a:lumOff val="50000"/>
-                  </a:schemeClr>
-                </a:solidFill>
-              </a:rPr>
-              <a:t>– Communications Algorithm</a:t>
+              <a:t>Design – Communications Algorithm</a:t>
             </a:r>
             <a:endParaRPr lang="en-US" dirty="0">
               <a:solidFill>
@@ -15840,18 +15720,7 @@
                   </a:schemeClr>
                 </a:solidFill>
               </a:rPr>
-              <a:t>Design </a:t>
-            </a:r>
-            <a:r>
-              <a:rPr lang="en-US" dirty="0" smtClean="0">
-                <a:solidFill>
-                  <a:schemeClr val="bg1">
-                    <a:lumMod val="50000"/>
-                    <a:lumOff val="50000"/>
-                  </a:schemeClr>
-                </a:solidFill>
-              </a:rPr>
-              <a:t>– Communications Algorithm</a:t>
+              <a:t>Design – Communications Algorithm</a:t>
             </a:r>
             <a:endParaRPr lang="en-US" dirty="0">
               <a:solidFill>
@@ -16318,18 +16187,7 @@
                   </a:schemeClr>
                 </a:solidFill>
               </a:rPr>
-              <a:t>Design </a:t>
-            </a:r>
-            <a:r>
-              <a:rPr lang="en-US" dirty="0" smtClean="0">
-                <a:solidFill>
-                  <a:schemeClr val="bg1">
-                    <a:lumMod val="50000"/>
-                    <a:lumOff val="50000"/>
-                  </a:schemeClr>
-                </a:solidFill>
-              </a:rPr>
-              <a:t>– Communications Algorithm</a:t>
+              <a:t>Design – Communications Algorithm</a:t>
             </a:r>
             <a:endParaRPr lang="en-US" dirty="0">
               <a:solidFill>
@@ -19626,7 +19484,7 @@
   <a:extraClrSchemeLst/>
   <a:extLst>
     <a:ext uri="{05A4C25C-085E-4340-85A3-A5531E510DB2}">
-      <thm15:themeFamily xmlns:thm15="http://schemas.microsoft.com/office/thememl/2012/main" xmlns="" name="Theme1" id="{4DC015B6-F420-4CE0-B51C-21BE6322361F}" vid="{1413F7E4-2720-4250-A1CE-68DF955E7FCD}"/>
+      <thm15:themeFamily xmlns="" xmlns:thm15="http://schemas.microsoft.com/office/thememl/2012/main" name="Theme1" id="{4DC015B6-F420-4CE0-B51C-21BE6322361F}" vid="{1413F7E4-2720-4250-A1CE-68DF955E7FCD}"/>
     </a:ext>
   </a:extLst>
 </a:theme>
@@ -19887,7 +19745,7 @@
   <a:extraClrSchemeLst/>
   <a:extLst>
     <a:ext uri="{05A4C25C-085E-4340-85A3-A5531E510DB2}">
-      <thm15:themeFamily xmlns:thm15="http://schemas.microsoft.com/office/thememl/2012/main" xmlns="" name="Office Theme" id="{62F939B6-93AF-4DB8-9C6B-D6C7DFDC589F}" vid="{4A3C46E8-61CC-4603-A589-7422A47A8E4A}"/>
+      <thm15:themeFamily xmlns="" xmlns:thm15="http://schemas.microsoft.com/office/thememl/2012/main" name="Office Theme" id="{62F939B6-93AF-4DB8-9C6B-D6C7DFDC589F}" vid="{4A3C46E8-61CC-4603-A589-7422A47A8E4A}"/>
     </a:ext>
   </a:extLst>
 </a:theme>
